--- a/docs/diagrams/UiComponentClassDiagram.pptx
+++ b/docs/diagrams/UiComponentClassDiagram.pptx
@@ -208,7 +208,7 @@
           <a:p>
             <a:fld id="{F5CC4B3F-88C1-4FFA-B1B6-F41C21DC6924}" type="datetimeFigureOut">
               <a:rPr lang="en-US" smtClean="0"/>
-              <a:t>1/7/2017</a:t>
+              <a:t>3/9/17</a:t>
             </a:fld>
             <a:endParaRPr lang="en-US"/>
           </a:p>
@@ -654,7 +654,7 @@
           <a:p>
             <a:fld id="{78C97017-6FC3-485B-9764-EAC9E56C1D49}" type="datetimeFigureOut">
               <a:rPr lang="en-US" smtClean="0"/>
-              <a:t>1/7/2017</a:t>
+              <a:t>3/9/17</a:t>
             </a:fld>
             <a:endParaRPr lang="en-US"/>
           </a:p>
@@ -822,7 +822,7 @@
           <a:p>
             <a:fld id="{78C97017-6FC3-485B-9764-EAC9E56C1D49}" type="datetimeFigureOut">
               <a:rPr lang="en-US" smtClean="0"/>
-              <a:t>1/7/2017</a:t>
+              <a:t>3/9/17</a:t>
             </a:fld>
             <a:endParaRPr lang="en-US"/>
           </a:p>
@@ -1000,7 +1000,7 @@
           <a:p>
             <a:fld id="{78C97017-6FC3-485B-9764-EAC9E56C1D49}" type="datetimeFigureOut">
               <a:rPr lang="en-US" smtClean="0"/>
-              <a:t>1/7/2017</a:t>
+              <a:t>3/9/17</a:t>
             </a:fld>
             <a:endParaRPr lang="en-US"/>
           </a:p>
@@ -1168,7 +1168,7 @@
           <a:p>
             <a:fld id="{78C97017-6FC3-485B-9764-EAC9E56C1D49}" type="datetimeFigureOut">
               <a:rPr lang="en-US" smtClean="0"/>
-              <a:t>1/7/2017</a:t>
+              <a:t>3/9/17</a:t>
             </a:fld>
             <a:endParaRPr lang="en-US"/>
           </a:p>
@@ -1413,7 +1413,7 @@
           <a:p>
             <a:fld id="{78C97017-6FC3-485B-9764-EAC9E56C1D49}" type="datetimeFigureOut">
               <a:rPr lang="en-US" smtClean="0"/>
-              <a:t>1/7/2017</a:t>
+              <a:t>3/9/17</a:t>
             </a:fld>
             <a:endParaRPr lang="en-US"/>
           </a:p>
@@ -1698,7 +1698,7 @@
           <a:p>
             <a:fld id="{78C97017-6FC3-485B-9764-EAC9E56C1D49}" type="datetimeFigureOut">
               <a:rPr lang="en-US" smtClean="0"/>
-              <a:t>1/7/2017</a:t>
+              <a:t>3/9/17</a:t>
             </a:fld>
             <a:endParaRPr lang="en-US"/>
           </a:p>
@@ -2117,7 +2117,7 @@
           <a:p>
             <a:fld id="{78C97017-6FC3-485B-9764-EAC9E56C1D49}" type="datetimeFigureOut">
               <a:rPr lang="en-US" smtClean="0"/>
-              <a:t>1/7/2017</a:t>
+              <a:t>3/9/17</a:t>
             </a:fld>
             <a:endParaRPr lang="en-US"/>
           </a:p>
@@ -2234,7 +2234,7 @@
           <a:p>
             <a:fld id="{78C97017-6FC3-485B-9764-EAC9E56C1D49}" type="datetimeFigureOut">
               <a:rPr lang="en-US" smtClean="0"/>
-              <a:t>1/7/2017</a:t>
+              <a:t>3/9/17</a:t>
             </a:fld>
             <a:endParaRPr lang="en-US"/>
           </a:p>
@@ -2329,7 +2329,7 @@
           <a:p>
             <a:fld id="{78C97017-6FC3-485B-9764-EAC9E56C1D49}" type="datetimeFigureOut">
               <a:rPr lang="en-US" smtClean="0"/>
-              <a:t>1/7/2017</a:t>
+              <a:t>3/9/17</a:t>
             </a:fld>
             <a:endParaRPr lang="en-US"/>
           </a:p>
@@ -2604,7 +2604,7 @@
           <a:p>
             <a:fld id="{78C97017-6FC3-485B-9764-EAC9E56C1D49}" type="datetimeFigureOut">
               <a:rPr lang="en-US" smtClean="0"/>
-              <a:t>1/7/2017</a:t>
+              <a:t>3/9/17</a:t>
             </a:fld>
             <a:endParaRPr lang="en-US"/>
           </a:p>
@@ -2856,7 +2856,7 @@
           <a:p>
             <a:fld id="{78C97017-6FC3-485B-9764-EAC9E56C1D49}" type="datetimeFigureOut">
               <a:rPr lang="en-US" smtClean="0"/>
-              <a:t>1/7/2017</a:t>
+              <a:t>3/9/17</a:t>
             </a:fld>
             <a:endParaRPr lang="en-US"/>
           </a:p>
@@ -3067,7 +3067,7 @@
           <a:p>
             <a:fld id="{78C97017-6FC3-485B-9764-EAC9E56C1D49}" type="datetimeFigureOut">
               <a:rPr lang="en-US" smtClean="0"/>
-              <a:t>1/7/2017</a:t>
+              <a:t>3/9/17</a:t>
             </a:fld>
             <a:endParaRPr lang="en-US"/>
           </a:p>
@@ -4038,14 +4038,24 @@
           <a:p>
             <a:pPr algn="ctr"/>
             <a:r>
-              <a:rPr lang="en-US" sz="1050" b="1" dirty="0" err="1">
+              <a:rPr lang="en-US" altLang="zh-CN" sz="1050" b="1" dirty="0" err="1" smtClean="0">
                 <a:solidFill>
                   <a:schemeClr val="accent3">
                     <a:lumMod val="75000"/>
                   </a:schemeClr>
                 </a:solidFill>
               </a:rPr>
-              <a:t>PersonListPanel</a:t>
+              <a:t>Task</a:t>
+            </a:r>
+            <a:r>
+              <a:rPr lang="en-US" sz="1050" b="1" dirty="0" err="1" smtClean="0">
+                <a:solidFill>
+                  <a:schemeClr val="accent3">
+                    <a:lumMod val="75000"/>
+                  </a:schemeClr>
+                </a:solidFill>
+              </a:rPr>
+              <a:t>ListPanel</a:t>
             </a:r>
             <a:endParaRPr lang="en-SG" sz="1050" b="1" dirty="0">
               <a:solidFill>
@@ -4098,14 +4108,24 @@
           <a:p>
             <a:pPr algn="ctr"/>
             <a:r>
-              <a:rPr lang="en-US" sz="1050" b="1" dirty="0" err="1">
+              <a:rPr lang="en-US" altLang="zh-CN" sz="1050" b="1" smtClean="0">
                 <a:solidFill>
                   <a:schemeClr val="accent3">
                     <a:lumMod val="75000"/>
                   </a:schemeClr>
                 </a:solidFill>
               </a:rPr>
-              <a:t>PersonCard</a:t>
+              <a:t>Task</a:t>
+            </a:r>
+            <a:r>
+              <a:rPr lang="en-US" sz="1050" b="1" smtClean="0">
+                <a:solidFill>
+                  <a:schemeClr val="accent3">
+                    <a:lumMod val="75000"/>
+                  </a:schemeClr>
+                </a:solidFill>
+              </a:rPr>
+              <a:t>Card</a:t>
             </a:r>
             <a:endParaRPr lang="en-SG" sz="1050" b="1" dirty="0">
               <a:solidFill>

--- a/docs/diagrams/UiComponentClassDiagram.pptx
+++ b/docs/diagrams/UiComponentClassDiagram.pptx
@@ -208,7 +208,7 @@
           <a:p>
             <a:fld id="{F5CC4B3F-88C1-4FFA-B1B6-F41C21DC6924}" type="datetimeFigureOut">
               <a:rPr lang="en-US" smtClean="0"/>
-              <a:t>1/7/2017</a:t>
+              <a:t>3/10/2017</a:t>
             </a:fld>
             <a:endParaRPr lang="en-US"/>
           </a:p>
@@ -654,7 +654,7 @@
           <a:p>
             <a:fld id="{78C97017-6FC3-485B-9764-EAC9E56C1D49}" type="datetimeFigureOut">
               <a:rPr lang="en-US" smtClean="0"/>
-              <a:t>1/7/2017</a:t>
+              <a:t>3/10/2017</a:t>
             </a:fld>
             <a:endParaRPr lang="en-US"/>
           </a:p>
@@ -822,7 +822,7 @@
           <a:p>
             <a:fld id="{78C97017-6FC3-485B-9764-EAC9E56C1D49}" type="datetimeFigureOut">
               <a:rPr lang="en-US" smtClean="0"/>
-              <a:t>1/7/2017</a:t>
+              <a:t>3/10/2017</a:t>
             </a:fld>
             <a:endParaRPr lang="en-US"/>
           </a:p>
@@ -1000,7 +1000,7 @@
           <a:p>
             <a:fld id="{78C97017-6FC3-485B-9764-EAC9E56C1D49}" type="datetimeFigureOut">
               <a:rPr lang="en-US" smtClean="0"/>
-              <a:t>1/7/2017</a:t>
+              <a:t>3/10/2017</a:t>
             </a:fld>
             <a:endParaRPr lang="en-US"/>
           </a:p>
@@ -1168,7 +1168,7 @@
           <a:p>
             <a:fld id="{78C97017-6FC3-485B-9764-EAC9E56C1D49}" type="datetimeFigureOut">
               <a:rPr lang="en-US" smtClean="0"/>
-              <a:t>1/7/2017</a:t>
+              <a:t>3/10/2017</a:t>
             </a:fld>
             <a:endParaRPr lang="en-US"/>
           </a:p>
@@ -1413,7 +1413,7 @@
           <a:p>
             <a:fld id="{78C97017-6FC3-485B-9764-EAC9E56C1D49}" type="datetimeFigureOut">
               <a:rPr lang="en-US" smtClean="0"/>
-              <a:t>1/7/2017</a:t>
+              <a:t>3/10/2017</a:t>
             </a:fld>
             <a:endParaRPr lang="en-US"/>
           </a:p>
@@ -1698,7 +1698,7 @@
           <a:p>
             <a:fld id="{78C97017-6FC3-485B-9764-EAC9E56C1D49}" type="datetimeFigureOut">
               <a:rPr lang="en-US" smtClean="0"/>
-              <a:t>1/7/2017</a:t>
+              <a:t>3/10/2017</a:t>
             </a:fld>
             <a:endParaRPr lang="en-US"/>
           </a:p>
@@ -2117,7 +2117,7 @@
           <a:p>
             <a:fld id="{78C97017-6FC3-485B-9764-EAC9E56C1D49}" type="datetimeFigureOut">
               <a:rPr lang="en-US" smtClean="0"/>
-              <a:t>1/7/2017</a:t>
+              <a:t>3/10/2017</a:t>
             </a:fld>
             <a:endParaRPr lang="en-US"/>
           </a:p>
@@ -2234,7 +2234,7 @@
           <a:p>
             <a:fld id="{78C97017-6FC3-485B-9764-EAC9E56C1D49}" type="datetimeFigureOut">
               <a:rPr lang="en-US" smtClean="0"/>
-              <a:t>1/7/2017</a:t>
+              <a:t>3/10/2017</a:t>
             </a:fld>
             <a:endParaRPr lang="en-US"/>
           </a:p>
@@ -2329,7 +2329,7 @@
           <a:p>
             <a:fld id="{78C97017-6FC3-485B-9764-EAC9E56C1D49}" type="datetimeFigureOut">
               <a:rPr lang="en-US" smtClean="0"/>
-              <a:t>1/7/2017</a:t>
+              <a:t>3/10/2017</a:t>
             </a:fld>
             <a:endParaRPr lang="en-US"/>
           </a:p>
@@ -2604,7 +2604,7 @@
           <a:p>
             <a:fld id="{78C97017-6FC3-485B-9764-EAC9E56C1D49}" type="datetimeFigureOut">
               <a:rPr lang="en-US" smtClean="0"/>
-              <a:t>1/7/2017</a:t>
+              <a:t>3/10/2017</a:t>
             </a:fld>
             <a:endParaRPr lang="en-US"/>
           </a:p>
@@ -2856,7 +2856,7 @@
           <a:p>
             <a:fld id="{78C97017-6FC3-485B-9764-EAC9E56C1D49}" type="datetimeFigureOut">
               <a:rPr lang="en-US" smtClean="0"/>
-              <a:t>1/7/2017</a:t>
+              <a:t>3/10/2017</a:t>
             </a:fld>
             <a:endParaRPr lang="en-US"/>
           </a:p>
@@ -3067,7 +3067,7 @@
           <a:p>
             <a:fld id="{78C97017-6FC3-485B-9764-EAC9E56C1D49}" type="datetimeFigureOut">
               <a:rPr lang="en-US" smtClean="0"/>
-              <a:t>1/7/2017</a:t>
+              <a:t>3/10/2017</a:t>
             </a:fld>
             <a:endParaRPr lang="en-US"/>
           </a:p>
@@ -4045,7 +4045,7 @@
                   </a:schemeClr>
                 </a:solidFill>
               </a:rPr>
-              <a:t>PersonListPanel</a:t>
+              <a:t>TaskListPanel</a:t>
             </a:r>
             <a:endParaRPr lang="en-SG" sz="1050" b="1" dirty="0">
               <a:solidFill>
@@ -4105,7 +4105,7 @@
                   </a:schemeClr>
                 </a:solidFill>
               </a:rPr>
-              <a:t>PersonCard</a:t>
+              <a:t>TaskCard</a:t>
             </a:r>
             <a:endParaRPr lang="en-SG" sz="1050" b="1" dirty="0">
               <a:solidFill>

--- a/docs/diagrams/UiComponentClassDiagram.pptx
+++ b/docs/diagrams/UiComponentClassDiagram.pptx
@@ -208,7 +208,7 @@
           <a:p>
             <a:fld id="{F5CC4B3F-88C1-4FFA-B1B6-F41C21DC6924}" type="datetimeFigureOut">
               <a:rPr lang="en-US" smtClean="0"/>
-              <a:t>3/10/2017</a:t>
+              <a:t>3/11/2017</a:t>
             </a:fld>
             <a:endParaRPr lang="en-US"/>
           </a:p>
@@ -654,7 +654,7 @@
           <a:p>
             <a:fld id="{78C97017-6FC3-485B-9764-EAC9E56C1D49}" type="datetimeFigureOut">
               <a:rPr lang="en-US" smtClean="0"/>
-              <a:t>3/10/2017</a:t>
+              <a:t>3/11/2017</a:t>
             </a:fld>
             <a:endParaRPr lang="en-US"/>
           </a:p>
@@ -822,7 +822,7 @@
           <a:p>
             <a:fld id="{78C97017-6FC3-485B-9764-EAC9E56C1D49}" type="datetimeFigureOut">
               <a:rPr lang="en-US" smtClean="0"/>
-              <a:t>3/10/2017</a:t>
+              <a:t>3/11/2017</a:t>
             </a:fld>
             <a:endParaRPr lang="en-US"/>
           </a:p>
@@ -1000,7 +1000,7 @@
           <a:p>
             <a:fld id="{78C97017-6FC3-485B-9764-EAC9E56C1D49}" type="datetimeFigureOut">
               <a:rPr lang="en-US" smtClean="0"/>
-              <a:t>3/10/2017</a:t>
+              <a:t>3/11/2017</a:t>
             </a:fld>
             <a:endParaRPr lang="en-US"/>
           </a:p>
@@ -1168,7 +1168,7 @@
           <a:p>
             <a:fld id="{78C97017-6FC3-485B-9764-EAC9E56C1D49}" type="datetimeFigureOut">
               <a:rPr lang="en-US" smtClean="0"/>
-              <a:t>3/10/2017</a:t>
+              <a:t>3/11/2017</a:t>
             </a:fld>
             <a:endParaRPr lang="en-US"/>
           </a:p>
@@ -1413,7 +1413,7 @@
           <a:p>
             <a:fld id="{78C97017-6FC3-485B-9764-EAC9E56C1D49}" type="datetimeFigureOut">
               <a:rPr lang="en-US" smtClean="0"/>
-              <a:t>3/10/2017</a:t>
+              <a:t>3/11/2017</a:t>
             </a:fld>
             <a:endParaRPr lang="en-US"/>
           </a:p>
@@ -1698,7 +1698,7 @@
           <a:p>
             <a:fld id="{78C97017-6FC3-485B-9764-EAC9E56C1D49}" type="datetimeFigureOut">
               <a:rPr lang="en-US" smtClean="0"/>
-              <a:t>3/10/2017</a:t>
+              <a:t>3/11/2017</a:t>
             </a:fld>
             <a:endParaRPr lang="en-US"/>
           </a:p>
@@ -2117,7 +2117,7 @@
           <a:p>
             <a:fld id="{78C97017-6FC3-485B-9764-EAC9E56C1D49}" type="datetimeFigureOut">
               <a:rPr lang="en-US" smtClean="0"/>
-              <a:t>3/10/2017</a:t>
+              <a:t>3/11/2017</a:t>
             </a:fld>
             <a:endParaRPr lang="en-US"/>
           </a:p>
@@ -2234,7 +2234,7 @@
           <a:p>
             <a:fld id="{78C97017-6FC3-485B-9764-EAC9E56C1D49}" type="datetimeFigureOut">
               <a:rPr lang="en-US" smtClean="0"/>
-              <a:t>3/10/2017</a:t>
+              <a:t>3/11/2017</a:t>
             </a:fld>
             <a:endParaRPr lang="en-US"/>
           </a:p>
@@ -2329,7 +2329,7 @@
           <a:p>
             <a:fld id="{78C97017-6FC3-485B-9764-EAC9E56C1D49}" type="datetimeFigureOut">
               <a:rPr lang="en-US" smtClean="0"/>
-              <a:t>3/10/2017</a:t>
+              <a:t>3/11/2017</a:t>
             </a:fld>
             <a:endParaRPr lang="en-US"/>
           </a:p>
@@ -2604,7 +2604,7 @@
           <a:p>
             <a:fld id="{78C97017-6FC3-485B-9764-EAC9E56C1D49}" type="datetimeFigureOut">
               <a:rPr lang="en-US" smtClean="0"/>
-              <a:t>3/10/2017</a:t>
+              <a:t>3/11/2017</a:t>
             </a:fld>
             <a:endParaRPr lang="en-US"/>
           </a:p>
@@ -2856,7 +2856,7 @@
           <a:p>
             <a:fld id="{78C97017-6FC3-485B-9764-EAC9E56C1D49}" type="datetimeFigureOut">
               <a:rPr lang="en-US" smtClean="0"/>
-              <a:t>3/10/2017</a:t>
+              <a:t>3/11/2017</a:t>
             </a:fld>
             <a:endParaRPr lang="en-US"/>
           </a:p>
@@ -3067,7 +3067,7 @@
           <a:p>
             <a:fld id="{78C97017-6FC3-485B-9764-EAC9E56C1D49}" type="datetimeFigureOut">
               <a:rPr lang="en-US" smtClean="0"/>
-              <a:t>3/10/2017</a:t>
+              <a:t>3/11/2017</a:t>
             </a:fld>
             <a:endParaRPr lang="en-US"/>
           </a:p>

--- a/docs/diagrams/UiComponentClassDiagram.pptx
+++ b/docs/diagrams/UiComponentClassDiagram.pptx
@@ -175,7 +175,7 @@
             </a:lvl1pPr>
           </a:lstStyle>
           <a:p>
-            <a:endParaRPr lang="en-US"/>
+            <a:endParaRPr lang="en-US" dirty="0"/>
           </a:p>
         </p:txBody>
       </p:sp>
@@ -208,9 +208,9 @@
           <a:p>
             <a:fld id="{F5CC4B3F-88C1-4FFA-B1B6-F41C21DC6924}" type="datetimeFigureOut">
               <a:rPr lang="en-US" smtClean="0"/>
-              <a:t>1/7/2017</a:t>
+              <a:t>3/13/17</a:t>
             </a:fld>
-            <a:endParaRPr lang="en-US"/>
+            <a:endParaRPr lang="en-US" dirty="0"/>
           </a:p>
         </p:txBody>
       </p:sp>
@@ -243,7 +243,7 @@
           <a:bodyPr vert="horz" lIns="91440" tIns="45720" rIns="91440" bIns="45720" rtlCol="0" anchor="ctr"/>
           <a:lstStyle/>
           <a:p>
-            <a:endParaRPr lang="en-US"/>
+            <a:endParaRPr lang="en-US" dirty="0"/>
           </a:p>
         </p:txBody>
       </p:sp>
@@ -333,7 +333,7 @@
             </a:lvl1pPr>
           </a:lstStyle>
           <a:p>
-            <a:endParaRPr lang="en-US"/>
+            <a:endParaRPr lang="en-US" dirty="0"/>
           </a:p>
         </p:txBody>
       </p:sp>
@@ -368,7 +368,7 @@
               <a:rPr lang="en-US" smtClean="0"/>
               <a:t>‹#›</a:t>
             </a:fld>
-            <a:endParaRPr lang="en-US"/>
+            <a:endParaRPr lang="en-US" dirty="0"/>
           </a:p>
         </p:txBody>
       </p:sp>
@@ -654,9 +654,9 @@
           <a:p>
             <a:fld id="{78C97017-6FC3-485B-9764-EAC9E56C1D49}" type="datetimeFigureOut">
               <a:rPr lang="en-US" smtClean="0"/>
-              <a:t>1/7/2017</a:t>
+              <a:t>3/13/17</a:t>
             </a:fld>
-            <a:endParaRPr lang="en-US"/>
+            <a:endParaRPr lang="en-US" dirty="0"/>
           </a:p>
         </p:txBody>
       </p:sp>
@@ -675,7 +675,7 @@
           <a:bodyPr/>
           <a:lstStyle/>
           <a:p>
-            <a:endParaRPr lang="en-US"/>
+            <a:endParaRPr lang="en-US" dirty="0"/>
           </a:p>
         </p:txBody>
       </p:sp>
@@ -698,7 +698,7 @@
               <a:rPr lang="en-US" smtClean="0"/>
               <a:t>‹#›</a:t>
             </a:fld>
-            <a:endParaRPr lang="en-US"/>
+            <a:endParaRPr lang="en-US" dirty="0"/>
           </a:p>
         </p:txBody>
       </p:sp>
@@ -822,9 +822,9 @@
           <a:p>
             <a:fld id="{78C97017-6FC3-485B-9764-EAC9E56C1D49}" type="datetimeFigureOut">
               <a:rPr lang="en-US" smtClean="0"/>
-              <a:t>1/7/2017</a:t>
+              <a:t>3/13/17</a:t>
             </a:fld>
-            <a:endParaRPr lang="en-US"/>
+            <a:endParaRPr lang="en-US" dirty="0"/>
           </a:p>
         </p:txBody>
       </p:sp>
@@ -843,7 +843,7 @@
           <a:bodyPr/>
           <a:lstStyle/>
           <a:p>
-            <a:endParaRPr lang="en-US"/>
+            <a:endParaRPr lang="en-US" dirty="0"/>
           </a:p>
         </p:txBody>
       </p:sp>
@@ -866,7 +866,7 @@
               <a:rPr lang="en-US" smtClean="0"/>
               <a:t>‹#›</a:t>
             </a:fld>
-            <a:endParaRPr lang="en-US"/>
+            <a:endParaRPr lang="en-US" dirty="0"/>
           </a:p>
         </p:txBody>
       </p:sp>
@@ -1000,9 +1000,9 @@
           <a:p>
             <a:fld id="{78C97017-6FC3-485B-9764-EAC9E56C1D49}" type="datetimeFigureOut">
               <a:rPr lang="en-US" smtClean="0"/>
-              <a:t>1/7/2017</a:t>
+              <a:t>3/13/17</a:t>
             </a:fld>
-            <a:endParaRPr lang="en-US"/>
+            <a:endParaRPr lang="en-US" dirty="0"/>
           </a:p>
         </p:txBody>
       </p:sp>
@@ -1021,7 +1021,7 @@
           <a:bodyPr/>
           <a:lstStyle/>
           <a:p>
-            <a:endParaRPr lang="en-US"/>
+            <a:endParaRPr lang="en-US" dirty="0"/>
           </a:p>
         </p:txBody>
       </p:sp>
@@ -1044,7 +1044,7 @@
               <a:rPr lang="en-US" smtClean="0"/>
               <a:t>‹#›</a:t>
             </a:fld>
-            <a:endParaRPr lang="en-US"/>
+            <a:endParaRPr lang="en-US" dirty="0"/>
           </a:p>
         </p:txBody>
       </p:sp>
@@ -1168,9 +1168,9 @@
           <a:p>
             <a:fld id="{78C97017-6FC3-485B-9764-EAC9E56C1D49}" type="datetimeFigureOut">
               <a:rPr lang="en-US" smtClean="0"/>
-              <a:t>1/7/2017</a:t>
+              <a:t>3/13/17</a:t>
             </a:fld>
-            <a:endParaRPr lang="en-US"/>
+            <a:endParaRPr lang="en-US" dirty="0"/>
           </a:p>
         </p:txBody>
       </p:sp>
@@ -1189,7 +1189,7 @@
           <a:bodyPr/>
           <a:lstStyle/>
           <a:p>
-            <a:endParaRPr lang="en-US"/>
+            <a:endParaRPr lang="en-US" dirty="0"/>
           </a:p>
         </p:txBody>
       </p:sp>
@@ -1212,7 +1212,7 @@
               <a:rPr lang="en-US" smtClean="0"/>
               <a:t>‹#›</a:t>
             </a:fld>
-            <a:endParaRPr lang="en-US"/>
+            <a:endParaRPr lang="en-US" dirty="0"/>
           </a:p>
         </p:txBody>
       </p:sp>
@@ -1413,9 +1413,9 @@
           <a:p>
             <a:fld id="{78C97017-6FC3-485B-9764-EAC9E56C1D49}" type="datetimeFigureOut">
               <a:rPr lang="en-US" smtClean="0"/>
-              <a:t>1/7/2017</a:t>
+              <a:t>3/13/17</a:t>
             </a:fld>
-            <a:endParaRPr lang="en-US"/>
+            <a:endParaRPr lang="en-US" dirty="0"/>
           </a:p>
         </p:txBody>
       </p:sp>
@@ -1434,7 +1434,7 @@
           <a:bodyPr/>
           <a:lstStyle/>
           <a:p>
-            <a:endParaRPr lang="en-US"/>
+            <a:endParaRPr lang="en-US" dirty="0"/>
           </a:p>
         </p:txBody>
       </p:sp>
@@ -1457,7 +1457,7 @@
               <a:rPr lang="en-US" smtClean="0"/>
               <a:t>‹#›</a:t>
             </a:fld>
-            <a:endParaRPr lang="en-US"/>
+            <a:endParaRPr lang="en-US" dirty="0"/>
           </a:p>
         </p:txBody>
       </p:sp>
@@ -1698,9 +1698,9 @@
           <a:p>
             <a:fld id="{78C97017-6FC3-485B-9764-EAC9E56C1D49}" type="datetimeFigureOut">
               <a:rPr lang="en-US" smtClean="0"/>
-              <a:t>1/7/2017</a:t>
+              <a:t>3/13/17</a:t>
             </a:fld>
-            <a:endParaRPr lang="en-US"/>
+            <a:endParaRPr lang="en-US" dirty="0"/>
           </a:p>
         </p:txBody>
       </p:sp>
@@ -1719,7 +1719,7 @@
           <a:bodyPr/>
           <a:lstStyle/>
           <a:p>
-            <a:endParaRPr lang="en-US"/>
+            <a:endParaRPr lang="en-US" dirty="0"/>
           </a:p>
         </p:txBody>
       </p:sp>
@@ -1742,7 +1742,7 @@
               <a:rPr lang="en-US" smtClean="0"/>
               <a:t>‹#›</a:t>
             </a:fld>
-            <a:endParaRPr lang="en-US"/>
+            <a:endParaRPr lang="en-US" dirty="0"/>
           </a:p>
         </p:txBody>
       </p:sp>
@@ -2117,9 +2117,9 @@
           <a:p>
             <a:fld id="{78C97017-6FC3-485B-9764-EAC9E56C1D49}" type="datetimeFigureOut">
               <a:rPr lang="en-US" smtClean="0"/>
-              <a:t>1/7/2017</a:t>
+              <a:t>3/13/17</a:t>
             </a:fld>
-            <a:endParaRPr lang="en-US"/>
+            <a:endParaRPr lang="en-US" dirty="0"/>
           </a:p>
         </p:txBody>
       </p:sp>
@@ -2138,7 +2138,7 @@
           <a:bodyPr/>
           <a:lstStyle/>
           <a:p>
-            <a:endParaRPr lang="en-US"/>
+            <a:endParaRPr lang="en-US" dirty="0"/>
           </a:p>
         </p:txBody>
       </p:sp>
@@ -2161,7 +2161,7 @@
               <a:rPr lang="en-US" smtClean="0"/>
               <a:t>‹#›</a:t>
             </a:fld>
-            <a:endParaRPr lang="en-US"/>
+            <a:endParaRPr lang="en-US" dirty="0"/>
           </a:p>
         </p:txBody>
       </p:sp>
@@ -2234,9 +2234,9 @@
           <a:p>
             <a:fld id="{78C97017-6FC3-485B-9764-EAC9E56C1D49}" type="datetimeFigureOut">
               <a:rPr lang="en-US" smtClean="0"/>
-              <a:t>1/7/2017</a:t>
+              <a:t>3/13/17</a:t>
             </a:fld>
-            <a:endParaRPr lang="en-US"/>
+            <a:endParaRPr lang="en-US" dirty="0"/>
           </a:p>
         </p:txBody>
       </p:sp>
@@ -2255,7 +2255,7 @@
           <a:bodyPr/>
           <a:lstStyle/>
           <a:p>
-            <a:endParaRPr lang="en-US"/>
+            <a:endParaRPr lang="en-US" dirty="0"/>
           </a:p>
         </p:txBody>
       </p:sp>
@@ -2278,7 +2278,7 @@
               <a:rPr lang="en-US" smtClean="0"/>
               <a:t>‹#›</a:t>
             </a:fld>
-            <a:endParaRPr lang="en-US"/>
+            <a:endParaRPr lang="en-US" dirty="0"/>
           </a:p>
         </p:txBody>
       </p:sp>
@@ -2329,9 +2329,9 @@
           <a:p>
             <a:fld id="{78C97017-6FC3-485B-9764-EAC9E56C1D49}" type="datetimeFigureOut">
               <a:rPr lang="en-US" smtClean="0"/>
-              <a:t>1/7/2017</a:t>
+              <a:t>3/13/17</a:t>
             </a:fld>
-            <a:endParaRPr lang="en-US"/>
+            <a:endParaRPr lang="en-US" dirty="0"/>
           </a:p>
         </p:txBody>
       </p:sp>
@@ -2350,7 +2350,7 @@
           <a:bodyPr/>
           <a:lstStyle/>
           <a:p>
-            <a:endParaRPr lang="en-US"/>
+            <a:endParaRPr lang="en-US" dirty="0"/>
           </a:p>
         </p:txBody>
       </p:sp>
@@ -2373,7 +2373,7 @@
               <a:rPr lang="en-US" smtClean="0"/>
               <a:t>‹#›</a:t>
             </a:fld>
-            <a:endParaRPr lang="en-US"/>
+            <a:endParaRPr lang="en-US" dirty="0"/>
           </a:p>
         </p:txBody>
       </p:sp>
@@ -2604,9 +2604,9 @@
           <a:p>
             <a:fld id="{78C97017-6FC3-485B-9764-EAC9E56C1D49}" type="datetimeFigureOut">
               <a:rPr lang="en-US" smtClean="0"/>
-              <a:t>1/7/2017</a:t>
+              <a:t>3/13/17</a:t>
             </a:fld>
-            <a:endParaRPr lang="en-US"/>
+            <a:endParaRPr lang="en-US" dirty="0"/>
           </a:p>
         </p:txBody>
       </p:sp>
@@ -2625,7 +2625,7 @@
           <a:bodyPr/>
           <a:lstStyle/>
           <a:p>
-            <a:endParaRPr lang="en-US"/>
+            <a:endParaRPr lang="en-US" dirty="0"/>
           </a:p>
         </p:txBody>
       </p:sp>
@@ -2648,7 +2648,7 @@
               <a:rPr lang="en-US" smtClean="0"/>
               <a:t>‹#›</a:t>
             </a:fld>
-            <a:endParaRPr lang="en-US"/>
+            <a:endParaRPr lang="en-US" dirty="0"/>
           </a:p>
         </p:txBody>
       </p:sp>
@@ -2770,7 +2770,7 @@
             </a:lvl9pPr>
           </a:lstStyle>
           <a:p>
-            <a:endParaRPr lang="en-US"/>
+            <a:endParaRPr lang="en-US" dirty="0"/>
           </a:p>
         </p:txBody>
       </p:sp>
@@ -2856,9 +2856,9 @@
           <a:p>
             <a:fld id="{78C97017-6FC3-485B-9764-EAC9E56C1D49}" type="datetimeFigureOut">
               <a:rPr lang="en-US" smtClean="0"/>
-              <a:t>1/7/2017</a:t>
+              <a:t>3/13/17</a:t>
             </a:fld>
-            <a:endParaRPr lang="en-US"/>
+            <a:endParaRPr lang="en-US" dirty="0"/>
           </a:p>
         </p:txBody>
       </p:sp>
@@ -2877,7 +2877,7 @@
           <a:bodyPr/>
           <a:lstStyle/>
           <a:p>
-            <a:endParaRPr lang="en-US"/>
+            <a:endParaRPr lang="en-US" dirty="0"/>
           </a:p>
         </p:txBody>
       </p:sp>
@@ -2900,7 +2900,7 @@
               <a:rPr lang="en-US" smtClean="0"/>
               <a:t>‹#›</a:t>
             </a:fld>
-            <a:endParaRPr lang="en-US"/>
+            <a:endParaRPr lang="en-US" dirty="0"/>
           </a:p>
         </p:txBody>
       </p:sp>
@@ -3067,9 +3067,9 @@
           <a:p>
             <a:fld id="{78C97017-6FC3-485B-9764-EAC9E56C1D49}" type="datetimeFigureOut">
               <a:rPr lang="en-US" smtClean="0"/>
-              <a:t>1/7/2017</a:t>
+              <a:t>3/13/17</a:t>
             </a:fld>
-            <a:endParaRPr lang="en-US"/>
+            <a:endParaRPr lang="en-US" dirty="0"/>
           </a:p>
         </p:txBody>
       </p:sp>
@@ -3106,7 +3106,7 @@
             </a:lvl1pPr>
           </a:lstStyle>
           <a:p>
-            <a:endParaRPr lang="en-US"/>
+            <a:endParaRPr lang="en-US" dirty="0"/>
           </a:p>
         </p:txBody>
       </p:sp>
@@ -3147,7 +3147,7 @@
               <a:rPr lang="en-US" smtClean="0"/>
               <a:t>‹#›</a:t>
             </a:fld>
-            <a:endParaRPr lang="en-US"/>
+            <a:endParaRPr lang="en-US" dirty="0"/>
           </a:p>
         </p:txBody>
       </p:sp>
@@ -3450,7 +3450,7 @@
         </p:nvSpPr>
         <p:spPr>
           <a:xfrm>
-            <a:off x="1217465" y="1447800"/>
+            <a:off x="1208355" y="1447800"/>
             <a:ext cx="4917083" cy="3962400"/>
           </a:xfrm>
           <a:prstGeom prst="roundRect">
@@ -3545,7 +3545,7 @@
           <a:p>
             <a:pPr algn="ctr"/>
             <a:r>
-              <a:rPr lang="en-US" sz="1050" b="1" dirty="0" err="1">
+              <a:rPr lang="en-US" sz="1050" b="1" dirty="0">
                 <a:solidFill>
                   <a:schemeClr val="accent3">
                     <a:lumMod val="75000"/>
@@ -3605,7 +3605,7 @@
           <a:p>
             <a:pPr algn="ctr"/>
             <a:r>
-              <a:rPr lang="en-US" sz="1050" b="1" dirty="0" err="1">
+              <a:rPr lang="en-US" sz="1050" b="1" dirty="0">
                 <a:solidFill>
                   <a:schemeClr val="accent3">
                     <a:lumMod val="75000"/>
@@ -3668,7 +3668,7 @@
           <a:p>
             <a:pPr algn="ctr"/>
             <a:r>
-              <a:rPr lang="en-US" sz="1050" dirty="0" err="1">
+              <a:rPr lang="en-US" sz="1050" dirty="0">
                 <a:solidFill>
                   <a:schemeClr val="bg1"/>
                 </a:solidFill>
@@ -3766,7 +3766,7 @@
           <a:lstStyle/>
           <a:p>
             <a:pPr algn="ctr"/>
-            <a:endParaRPr lang="en-SG" sz="1050" b="1">
+            <a:endParaRPr lang="en-SG" sz="1050" b="1" dirty="0">
               <a:solidFill>
                 <a:srgbClr val="92D050"/>
               </a:solidFill>
@@ -3918,14 +3918,14 @@
           <a:p>
             <a:pPr algn="ctr"/>
             <a:r>
-              <a:rPr lang="en-US" sz="1050" b="1" dirty="0" err="1">
+              <a:rPr lang="en-US" sz="1050" b="1" dirty="0" smtClean="0">
                 <a:solidFill>
                   <a:schemeClr val="accent3">
                     <a:lumMod val="75000"/>
                   </a:schemeClr>
                 </a:solidFill>
               </a:rPr>
-              <a:t>BrowserPanel</a:t>
+              <a:t>CategoryPanel</a:t>
             </a:r>
             <a:endParaRPr lang="en-SG" sz="1050" b="1" dirty="0">
               <a:solidFill>
@@ -3945,7 +3945,7 @@
         </p:nvSpPr>
         <p:spPr>
           <a:xfrm>
-            <a:off x="2592527" y="4563759"/>
+            <a:off x="2592527" y="4716159"/>
             <a:ext cx="1093635" cy="236841"/>
           </a:xfrm>
           <a:prstGeom prst="rect">
@@ -3978,7 +3978,7 @@
           <a:p>
             <a:pPr algn="ctr"/>
             <a:r>
-              <a:rPr lang="en-US" sz="1050" b="1" dirty="0" err="1">
+              <a:rPr lang="en-US" sz="1050" b="1" dirty="0">
                 <a:solidFill>
                   <a:schemeClr val="accent3">
                     <a:lumMod val="75000"/>
@@ -4005,7 +4005,7 @@
         </p:nvSpPr>
         <p:spPr>
           <a:xfrm>
-            <a:off x="2592526" y="3991960"/>
+            <a:off x="2592526" y="4182759"/>
             <a:ext cx="1093635" cy="236841"/>
           </a:xfrm>
           <a:prstGeom prst="rect">
@@ -4038,14 +4038,14 @@
           <a:p>
             <a:pPr algn="ctr"/>
             <a:r>
-              <a:rPr lang="en-US" sz="1050" b="1" dirty="0" err="1">
+              <a:rPr lang="en-US" sz="1050" b="1" dirty="0" smtClean="0">
                 <a:solidFill>
                   <a:schemeClr val="accent3">
                     <a:lumMod val="75000"/>
                   </a:schemeClr>
                 </a:solidFill>
               </a:rPr>
-              <a:t>PersonListPanel</a:t>
+              <a:t>TaskListPanel</a:t>
             </a:r>
             <a:endParaRPr lang="en-SG" sz="1050" b="1" dirty="0">
               <a:solidFill>
@@ -4065,7 +4065,7 @@
         </p:nvSpPr>
         <p:spPr>
           <a:xfrm>
-            <a:off x="3839323" y="4228801"/>
+            <a:off x="3839323" y="4411359"/>
             <a:ext cx="1040906" cy="236841"/>
           </a:xfrm>
           <a:prstGeom prst="rect">
@@ -4098,14 +4098,14 @@
           <a:p>
             <a:pPr algn="ctr"/>
             <a:r>
-              <a:rPr lang="en-US" sz="1050" b="1" dirty="0" err="1">
+              <a:rPr lang="en-US" sz="1050" b="1" dirty="0" smtClean="0">
                 <a:solidFill>
                   <a:schemeClr val="accent3">
                     <a:lumMod val="75000"/>
                   </a:schemeClr>
                 </a:solidFill>
               </a:rPr>
-              <a:t>PersonCard</a:t>
+              <a:t>TaskCard</a:t>
             </a:r>
             <a:endParaRPr lang="en-SG" sz="1050" b="1" dirty="0">
               <a:solidFill>
@@ -4125,7 +4125,7 @@
         </p:nvSpPr>
         <p:spPr>
           <a:xfrm>
-            <a:off x="2592528" y="4966000"/>
+            <a:off x="2592528" y="5037958"/>
             <a:ext cx="1093635" cy="236841"/>
           </a:xfrm>
           <a:prstGeom prst="rect">
@@ -4158,7 +4158,7 @@
           <a:p>
             <a:pPr algn="ctr"/>
             <a:r>
-              <a:rPr lang="en-US" sz="1050" b="1" dirty="0" err="1">
+              <a:rPr lang="en-US" sz="1050" b="1" dirty="0">
                 <a:solidFill>
                   <a:schemeClr val="accent3">
                     <a:lumMod val="75000"/>
@@ -4221,7 +4221,7 @@
           <a:lstStyle/>
           <a:p>
             <a:pPr algn="ctr"/>
-            <a:endParaRPr lang="en-SG"/>
+            <a:endParaRPr lang="en-SG" dirty="0"/>
           </a:p>
         </p:txBody>
       </p:sp>
@@ -4307,7 +4307,7 @@
           <a:p>
             <a:pPr algn="ctr"/>
             <a:r>
-              <a:rPr lang="en-US" sz="1050" b="1" dirty="0" err="1">
+              <a:rPr lang="en-US" sz="1050" b="1" dirty="0">
                 <a:solidFill>
                   <a:schemeClr val="accent3">
                     <a:lumMod val="75000"/>
@@ -4378,8 +4378,8 @@
         </p:nvCxnSpPr>
         <p:spPr>
           <a:xfrm rot="16200000" flipH="1">
-            <a:off x="1883148" y="3401003"/>
-            <a:ext cx="1242356" cy="176400"/>
+            <a:off x="1787749" y="3496402"/>
+            <a:ext cx="1433155" cy="176400"/>
           </a:xfrm>
           <a:prstGeom prst="bentConnector2">
             <a:avLst/>
@@ -4419,8 +4419,8 @@
         </p:nvCxnSpPr>
         <p:spPr>
           <a:xfrm rot="16200000" flipH="1">
-            <a:off x="1597249" y="3686901"/>
-            <a:ext cx="1814155" cy="176401"/>
+            <a:off x="1521049" y="3763101"/>
+            <a:ext cx="1966555" cy="176401"/>
           </a:xfrm>
           <a:prstGeom prst="bentConnector2">
             <a:avLst/>
@@ -4452,18 +4452,18 @@
       <p:cxnSp>
         <p:nvCxnSpPr>
           <p:cNvPr id="53" name="Elbow Connector 63"/>
-          <p:cNvCxnSpPr>
-            <a:endCxn id="38" idx="1"/>
-          </p:cNvCxnSpPr>
+          <p:cNvCxnSpPr/>
           <p:nvPr/>
         </p:nvCxnSpPr>
         <p:spPr>
           <a:xfrm rot="16200000" flipH="1">
-            <a:off x="1184119" y="3676012"/>
-            <a:ext cx="2396440" cy="420377"/>
-          </a:xfrm>
-          <a:prstGeom prst="bentConnector2">
-            <a:avLst/>
+            <a:off x="1135080" y="3725881"/>
+            <a:ext cx="2493618" cy="417819"/>
+          </a:xfrm>
+          <a:prstGeom prst="bentConnector3">
+            <a:avLst>
+              <a:gd name="adj1" fmla="val 99977"/>
+            </a:avLst>
           </a:prstGeom>
           <a:ln w="19050">
             <a:solidFill>
@@ -4549,7 +4549,7 @@
               </a:rPr>
             </a:br>
             <a:r>
-              <a:rPr lang="en-US" sz="1050" b="1" dirty="0" err="1">
+              <a:rPr lang="en-US" sz="1050" b="1" dirty="0">
                 <a:solidFill>
                   <a:schemeClr val="accent3">
                     <a:lumMod val="75000"/>
@@ -4620,8 +4620,8 @@
         </p:nvCxnSpPr>
         <p:spPr>
           <a:xfrm rot="5400000">
-            <a:off x="4174488" y="2991741"/>
-            <a:ext cx="2061222" cy="649740"/>
+            <a:off x="4083209" y="3083020"/>
+            <a:ext cx="2243780" cy="649740"/>
           </a:xfrm>
           <a:prstGeom prst="bentConnector2">
             <a:avLst/>
@@ -4735,16 +4735,13 @@
       <p:cxnSp>
         <p:nvCxnSpPr>
           <p:cNvPr id="91" name="Elbow Connector 63"/>
-          <p:cNvCxnSpPr>
-            <a:stCxn id="16" idx="3"/>
-            <a:endCxn id="35" idx="3"/>
-          </p:cNvCxnSpPr>
+          <p:cNvCxnSpPr/>
           <p:nvPr/>
         </p:nvCxnSpPr>
         <p:spPr>
           <a:xfrm rot="5400000">
-            <a:off x="3409976" y="2562187"/>
-            <a:ext cx="2396180" cy="1843807"/>
+            <a:off x="3371876" y="2676487"/>
+            <a:ext cx="2472380" cy="1843807"/>
           </a:xfrm>
           <a:prstGeom prst="bentConnector2">
             <a:avLst/>
@@ -4777,15 +4774,14 @@
         <p:nvCxnSpPr>
           <p:cNvPr id="94" name="Elbow Connector 63"/>
           <p:cNvCxnSpPr>
-            <a:stCxn id="16" idx="3"/>
             <a:endCxn id="38" idx="3"/>
           </p:cNvCxnSpPr>
           <p:nvPr/>
         </p:nvCxnSpPr>
         <p:spPr>
           <a:xfrm rot="5400000">
-            <a:off x="3208856" y="2763307"/>
-            <a:ext cx="2798421" cy="1843806"/>
+            <a:off x="3177256" y="2803665"/>
+            <a:ext cx="2861621" cy="1843806"/>
           </a:xfrm>
           <a:prstGeom prst="bentConnector2">
             <a:avLst/>
@@ -4970,7 +4966,7 @@
           <a:p>
             <a:pPr algn="ctr"/>
             <a:r>
-              <a:rPr lang="en-US" sz="1050" dirty="0" err="1">
+              <a:rPr lang="en-US" sz="1050" dirty="0">
                 <a:solidFill>
                   <a:schemeClr val="bg1"/>
                 </a:solidFill>
@@ -5025,7 +5021,7 @@
           <a:lstStyle/>
           <a:p>
             <a:pPr algn="ctr"/>
-            <a:endParaRPr lang="en-SG" sz="1050" b="1">
+            <a:endParaRPr lang="en-SG" sz="1050" b="1" dirty="0">
               <a:solidFill>
                 <a:srgbClr val="92D050"/>
               </a:solidFill>
@@ -5160,19 +5156,18 @@
       <p:cxnSp>
         <p:nvCxnSpPr>
           <p:cNvPr id="137" name="Elbow Connector 136"/>
-          <p:cNvCxnSpPr>
-            <a:stCxn id="36" idx="2"/>
-            <a:endCxn id="37" idx="1"/>
-          </p:cNvCxnSpPr>
+          <p:cNvCxnSpPr/>
           <p:nvPr/>
         </p:nvCxnSpPr>
         <p:spPr>
-          <a:xfrm rot="16200000" flipH="1">
-            <a:off x="3430123" y="3938021"/>
-            <a:ext cx="118421" cy="699979"/>
-          </a:xfrm>
-          <a:prstGeom prst="bentConnector2">
-            <a:avLst/>
+          <a:xfrm>
+            <a:off x="3143873" y="4426101"/>
+            <a:ext cx="695449" cy="120162"/>
+          </a:xfrm>
+          <a:prstGeom prst="bentConnector3">
+            <a:avLst>
+              <a:gd name="adj1" fmla="val -1509"/>
+            </a:avLst>
           </a:prstGeom>
           <a:ln w="19050">
             <a:solidFill>
@@ -5201,16 +5196,13 @@
       <p:cxnSp>
         <p:nvCxnSpPr>
           <p:cNvPr id="140" name="Elbow Connector 63"/>
-          <p:cNvCxnSpPr>
-            <a:stCxn id="16" idx="3"/>
-            <a:endCxn id="36" idx="3"/>
-          </p:cNvCxnSpPr>
+          <p:cNvCxnSpPr/>
           <p:nvPr/>
         </p:nvCxnSpPr>
         <p:spPr>
           <a:xfrm rot="5400000">
-            <a:off x="3695875" y="2276286"/>
-            <a:ext cx="1824381" cy="1843808"/>
+            <a:off x="3634455" y="2371685"/>
+            <a:ext cx="1947221" cy="1843808"/>
           </a:xfrm>
           <a:prstGeom prst="bentConnector2">
             <a:avLst/>
@@ -5288,7 +5280,7 @@
           <a:lstStyle/>
           <a:p>
             <a:pPr algn="ctr"/>
-            <a:endParaRPr lang="en-SG"/>
+            <a:endParaRPr lang="en-SG" dirty="0"/>
           </a:p>
         </p:txBody>
       </p:sp>
@@ -5370,7 +5362,7 @@
           <a:lstStyle/>
           <a:p>
             <a:pPr algn="ctr"/>
-            <a:endParaRPr lang="en-SG"/>
+            <a:endParaRPr lang="en-SG" dirty="0"/>
           </a:p>
         </p:txBody>
       </p:sp>
@@ -5423,7 +5415,7 @@
           <a:lstStyle/>
           <a:p>
             <a:pPr algn="ctr"/>
-            <a:endParaRPr lang="en-SG"/>
+            <a:endParaRPr lang="en-SG" dirty="0"/>
           </a:p>
         </p:txBody>
       </p:sp>
@@ -5435,7 +5427,7 @@
         </p:nvSpPr>
         <p:spPr>
           <a:xfrm flipV="1">
-            <a:off x="4114799" y="4472708"/>
+            <a:off x="4114799" y="4648200"/>
             <a:ext cx="2642195" cy="101600"/>
           </a:xfrm>
           <a:custGeom>
@@ -5505,7 +5497,187 @@
           <a:lstStyle/>
           <a:p>
             <a:pPr algn="ctr"/>
-            <a:endParaRPr lang="en-SG"/>
+            <a:endParaRPr lang="en-SG" dirty="0"/>
+          </a:p>
+        </p:txBody>
+      </p:sp>
+      <p:sp>
+        <p:nvSpPr>
+          <p:cNvPr id="42" name="Rectangle 11"/>
+          <p:cNvSpPr/>
+          <p:nvPr/>
+        </p:nvSpPr>
+        <p:spPr>
+          <a:xfrm>
+            <a:off x="3837245" y="3877959"/>
+            <a:ext cx="1040906" cy="236841"/>
+          </a:xfrm>
+          <a:prstGeom prst="rect">
+            <a:avLst/>
+          </a:prstGeom>
+          <a:ln w="19050">
+            <a:solidFill>
+              <a:schemeClr val="accent3"/>
+            </a:solidFill>
+          </a:ln>
+          <a:effectLst/>
+        </p:spPr>
+        <p:style>
+          <a:lnRef idx="1">
+            <a:schemeClr val="accent3"/>
+          </a:lnRef>
+          <a:fillRef idx="2">
+            <a:schemeClr val="accent3"/>
+          </a:fillRef>
+          <a:effectRef idx="1">
+            <a:schemeClr val="accent3"/>
+          </a:effectRef>
+          <a:fontRef idx="minor">
+            <a:schemeClr val="dk1"/>
+          </a:fontRef>
+        </p:style>
+        <p:txBody>
+          <a:bodyPr rtlCol="0" anchor="ctr"/>
+          <a:lstStyle/>
+          <a:p>
+            <a:pPr algn="ctr"/>
+            <a:r>
+              <a:rPr lang="en-US" sz="1050" b="1" dirty="0" smtClean="0">
+                <a:solidFill>
+                  <a:schemeClr val="accent3">
+                    <a:lumMod val="75000"/>
+                  </a:schemeClr>
+                </a:solidFill>
+              </a:rPr>
+              <a:t>CategoryCard</a:t>
+            </a:r>
+            <a:endParaRPr lang="en-SG" sz="1050" b="1" dirty="0">
+              <a:solidFill>
+                <a:schemeClr val="accent3">
+                  <a:lumMod val="75000"/>
+                </a:schemeClr>
+              </a:solidFill>
+            </a:endParaRPr>
+          </a:p>
+        </p:txBody>
+      </p:sp>
+      <p:cxnSp>
+        <p:nvCxnSpPr>
+          <p:cNvPr id="45" name="Elbow Connector 44"/>
+          <p:cNvCxnSpPr/>
+          <p:nvPr/>
+        </p:nvCxnSpPr>
+        <p:spPr>
+          <a:xfrm rot="16200000" flipH="1">
+            <a:off x="3428045" y="3595935"/>
+            <a:ext cx="118421" cy="699979"/>
+          </a:xfrm>
+          <a:prstGeom prst="bentConnector2">
+            <a:avLst/>
+          </a:prstGeom>
+          <a:ln w="19050">
+            <a:solidFill>
+              <a:schemeClr val="accent3"/>
+            </a:solidFill>
+            <a:headEnd type="none" w="med" len="med"/>
+            <a:tailEnd type="arrow" w="med" len="med"/>
+          </a:ln>
+          <a:effectLst/>
+        </p:spPr>
+        <p:style>
+          <a:lnRef idx="1">
+            <a:schemeClr val="accent2"/>
+          </a:lnRef>
+          <a:fillRef idx="2">
+            <a:schemeClr val="accent2"/>
+          </a:fillRef>
+          <a:effectRef idx="1">
+            <a:schemeClr val="accent2"/>
+          </a:effectRef>
+          <a:fontRef idx="minor">
+            <a:schemeClr val="dk1"/>
+          </a:fontRef>
+        </p:style>
+      </p:cxnSp>
+      <p:sp>
+        <p:nvSpPr>
+          <p:cNvPr id="46" name="Freeform 45"/>
+          <p:cNvSpPr/>
+          <p:nvPr/>
+        </p:nvSpPr>
+        <p:spPr>
+          <a:xfrm flipV="1">
+            <a:off x="4112721" y="4121866"/>
+            <a:ext cx="2642195" cy="101600"/>
+          </a:xfrm>
+          <a:custGeom>
+            <a:avLst/>
+            <a:gdLst>
+              <a:gd name="connsiteX0" fmla="*/ 0 w 3048000"/>
+              <a:gd name="connsiteY0" fmla="*/ 203200 h 203200"/>
+              <a:gd name="connsiteX1" fmla="*/ 221673 w 3048000"/>
+              <a:gd name="connsiteY1" fmla="*/ 0 h 203200"/>
+              <a:gd name="connsiteX2" fmla="*/ 3048000 w 3048000"/>
+              <a:gd name="connsiteY2" fmla="*/ 0 h 203200"/>
+            </a:gdLst>
+            <a:ahLst/>
+            <a:cxnLst>
+              <a:cxn ang="0">
+                <a:pos x="connsiteX0" y="connsiteY0"/>
+              </a:cxn>
+              <a:cxn ang="0">
+                <a:pos x="connsiteX1" y="connsiteY1"/>
+              </a:cxn>
+              <a:cxn ang="0">
+                <a:pos x="connsiteX2" y="connsiteY2"/>
+              </a:cxn>
+            </a:cxnLst>
+            <a:rect l="l" t="t" r="r" b="b"/>
+            <a:pathLst>
+              <a:path w="3048000" h="203200">
+                <a:moveTo>
+                  <a:pt x="0" y="203200"/>
+                </a:moveTo>
+                <a:lnTo>
+                  <a:pt x="221673" y="0"/>
+                </a:lnTo>
+                <a:lnTo>
+                  <a:pt x="3048000" y="0"/>
+                </a:lnTo>
+              </a:path>
+            </a:pathLst>
+          </a:custGeom>
+          <a:noFill/>
+          <a:ln w="19050">
+            <a:solidFill>
+              <a:schemeClr val="accent3"/>
+            </a:solidFill>
+            <a:prstDash val="sysDot"/>
+            <a:headEnd type="none" w="med" len="med"/>
+            <a:tailEnd type="arrow" w="med" len="med"/>
+          </a:ln>
+          <a:effectLst/>
+        </p:spPr>
+        <p:style>
+          <a:lnRef idx="1">
+            <a:schemeClr val="accent2"/>
+          </a:lnRef>
+          <a:fillRef idx="2">
+            <a:schemeClr val="accent2"/>
+          </a:fillRef>
+          <a:effectRef idx="1">
+            <a:schemeClr val="accent2"/>
+          </a:effectRef>
+          <a:fontRef idx="minor">
+            <a:schemeClr val="dk1"/>
+          </a:fontRef>
+        </p:style>
+        <p:txBody>
+          <a:bodyPr rtlCol="0" anchor="ctr"/>
+          <a:lstStyle/>
+          <a:p>
+            <a:pPr algn="ctr"/>
+            <a:endParaRPr lang="en-SG" dirty="0"/>
           </a:p>
         </p:txBody>
       </p:sp>

--- a/docs/diagrams/UiComponentClassDiagram.pptx
+++ b/docs/diagrams/UiComponentClassDiagram.pptx
@@ -4045,7 +4045,7 @@
                   </a:schemeClr>
                 </a:solidFill>
               </a:rPr>
-              <a:t>TaskListPanel</a:t>
+              <a:t>AllTasksPanel</a:t>
             </a:r>
             <a:endParaRPr lang="en-SG" sz="1050" b="1" dirty="0">
               <a:solidFill>

--- a/docs/diagrams/UiComponentClassDiagram.pptx
+++ b/docs/diagrams/UiComponentClassDiagram.pptx
@@ -208,7 +208,7 @@
           <a:p>
             <a:fld id="{F5CC4B3F-88C1-4FFA-B1B6-F41C21DC6924}" type="datetimeFigureOut">
               <a:rPr lang="en-US" smtClean="0"/>
-              <a:t>1/7/2017</a:t>
+              <a:t>3/14/2017</a:t>
             </a:fld>
             <a:endParaRPr lang="en-US"/>
           </a:p>
@@ -654,7 +654,7 @@
           <a:p>
             <a:fld id="{78C97017-6FC3-485B-9764-EAC9E56C1D49}" type="datetimeFigureOut">
               <a:rPr lang="en-US" smtClean="0"/>
-              <a:t>1/7/2017</a:t>
+              <a:t>3/14/2017</a:t>
             </a:fld>
             <a:endParaRPr lang="en-US"/>
           </a:p>
@@ -822,7 +822,7 @@
           <a:p>
             <a:fld id="{78C97017-6FC3-485B-9764-EAC9E56C1D49}" type="datetimeFigureOut">
               <a:rPr lang="en-US" smtClean="0"/>
-              <a:t>1/7/2017</a:t>
+              <a:t>3/14/2017</a:t>
             </a:fld>
             <a:endParaRPr lang="en-US"/>
           </a:p>
@@ -1000,7 +1000,7 @@
           <a:p>
             <a:fld id="{78C97017-6FC3-485B-9764-EAC9E56C1D49}" type="datetimeFigureOut">
               <a:rPr lang="en-US" smtClean="0"/>
-              <a:t>1/7/2017</a:t>
+              <a:t>3/14/2017</a:t>
             </a:fld>
             <a:endParaRPr lang="en-US"/>
           </a:p>
@@ -1168,7 +1168,7 @@
           <a:p>
             <a:fld id="{78C97017-6FC3-485B-9764-EAC9E56C1D49}" type="datetimeFigureOut">
               <a:rPr lang="en-US" smtClean="0"/>
-              <a:t>1/7/2017</a:t>
+              <a:t>3/14/2017</a:t>
             </a:fld>
             <a:endParaRPr lang="en-US"/>
           </a:p>
@@ -1413,7 +1413,7 @@
           <a:p>
             <a:fld id="{78C97017-6FC3-485B-9764-EAC9E56C1D49}" type="datetimeFigureOut">
               <a:rPr lang="en-US" smtClean="0"/>
-              <a:t>1/7/2017</a:t>
+              <a:t>3/14/2017</a:t>
             </a:fld>
             <a:endParaRPr lang="en-US"/>
           </a:p>
@@ -1698,7 +1698,7 @@
           <a:p>
             <a:fld id="{78C97017-6FC3-485B-9764-EAC9E56C1D49}" type="datetimeFigureOut">
               <a:rPr lang="en-US" smtClean="0"/>
-              <a:t>1/7/2017</a:t>
+              <a:t>3/14/2017</a:t>
             </a:fld>
             <a:endParaRPr lang="en-US"/>
           </a:p>
@@ -2117,7 +2117,7 @@
           <a:p>
             <a:fld id="{78C97017-6FC3-485B-9764-EAC9E56C1D49}" type="datetimeFigureOut">
               <a:rPr lang="en-US" smtClean="0"/>
-              <a:t>1/7/2017</a:t>
+              <a:t>3/14/2017</a:t>
             </a:fld>
             <a:endParaRPr lang="en-US"/>
           </a:p>
@@ -2234,7 +2234,7 @@
           <a:p>
             <a:fld id="{78C97017-6FC3-485B-9764-EAC9E56C1D49}" type="datetimeFigureOut">
               <a:rPr lang="en-US" smtClean="0"/>
-              <a:t>1/7/2017</a:t>
+              <a:t>3/14/2017</a:t>
             </a:fld>
             <a:endParaRPr lang="en-US"/>
           </a:p>
@@ -2329,7 +2329,7 @@
           <a:p>
             <a:fld id="{78C97017-6FC3-485B-9764-EAC9E56C1D49}" type="datetimeFigureOut">
               <a:rPr lang="en-US" smtClean="0"/>
-              <a:t>1/7/2017</a:t>
+              <a:t>3/14/2017</a:t>
             </a:fld>
             <a:endParaRPr lang="en-US"/>
           </a:p>
@@ -2604,7 +2604,7 @@
           <a:p>
             <a:fld id="{78C97017-6FC3-485B-9764-EAC9E56C1D49}" type="datetimeFigureOut">
               <a:rPr lang="en-US" smtClean="0"/>
-              <a:t>1/7/2017</a:t>
+              <a:t>3/14/2017</a:t>
             </a:fld>
             <a:endParaRPr lang="en-US"/>
           </a:p>
@@ -2856,7 +2856,7 @@
           <a:p>
             <a:fld id="{78C97017-6FC3-485B-9764-EAC9E56C1D49}" type="datetimeFigureOut">
               <a:rPr lang="en-US" smtClean="0"/>
-              <a:t>1/7/2017</a:t>
+              <a:t>3/14/2017</a:t>
             </a:fld>
             <a:endParaRPr lang="en-US"/>
           </a:p>
@@ -3067,7 +3067,7 @@
           <a:p>
             <a:fld id="{78C97017-6FC3-485B-9764-EAC9E56C1D49}" type="datetimeFigureOut">
               <a:rPr lang="en-US" smtClean="0"/>
-              <a:t>1/7/2017</a:t>
+              <a:t>3/14/2017</a:t>
             </a:fld>
             <a:endParaRPr lang="en-US"/>
           </a:p>
@@ -3450,8 +3450,8 @@
         </p:nvSpPr>
         <p:spPr>
           <a:xfrm>
-            <a:off x="1217465" y="1447800"/>
-            <a:ext cx="4917083" cy="3962400"/>
+            <a:off x="1227618" y="1447798"/>
+            <a:ext cx="4917083" cy="3581402"/>
           </a:xfrm>
           <a:prstGeom prst="roundRect">
             <a:avLst>
@@ -3545,7 +3545,7 @@
           <a:p>
             <a:pPr algn="ctr"/>
             <a:r>
-              <a:rPr lang="en-US" sz="1050" b="1" dirty="0" err="1">
+              <a:rPr lang="en-US" sz="1050" b="1" dirty="0">
                 <a:solidFill>
                   <a:schemeClr val="accent3">
                     <a:lumMod val="75000"/>
@@ -3605,7 +3605,7 @@
           <a:p>
             <a:pPr algn="ctr"/>
             <a:r>
-              <a:rPr lang="en-US" sz="1050" b="1" dirty="0" err="1">
+              <a:rPr lang="en-US" sz="1050" b="1" dirty="0">
                 <a:solidFill>
                   <a:schemeClr val="accent3">
                     <a:lumMod val="75000"/>
@@ -3668,7 +3668,7 @@
           <a:p>
             <a:pPr algn="ctr"/>
             <a:r>
-              <a:rPr lang="en-US" sz="1050" dirty="0" err="1">
+              <a:rPr lang="en-US" sz="1050" dirty="0">
                 <a:solidFill>
                   <a:schemeClr val="bg1"/>
                 </a:solidFill>
@@ -3825,8 +3825,8 @@
         </p:nvSpPr>
         <p:spPr>
           <a:xfrm rot="16200000">
-            <a:off x="5703829" y="2464877"/>
-            <a:ext cx="2362201" cy="328045"/>
+            <a:off x="5897462" y="2271239"/>
+            <a:ext cx="1974933" cy="328045"/>
           </a:xfrm>
           <a:prstGeom prst="roundRect">
             <a:avLst/>
@@ -3918,14 +3918,14 @@
           <a:p>
             <a:pPr algn="ctr"/>
             <a:r>
-              <a:rPr lang="en-US" sz="1050" b="1" dirty="0" err="1">
+              <a:rPr lang="en-US" sz="1050" b="1" dirty="0" smtClean="0">
                 <a:solidFill>
                   <a:schemeClr val="accent3">
                     <a:lumMod val="75000"/>
                   </a:schemeClr>
                 </a:solidFill>
               </a:rPr>
-              <a:t>BrowserPanel</a:t>
+              <a:t>CalendarDisplay</a:t>
             </a:r>
             <a:endParaRPr lang="en-SG" sz="1050" b="1" dirty="0">
               <a:solidFill>
@@ -3978,14 +3978,14 @@
           <a:p>
             <a:pPr algn="ctr"/>
             <a:r>
-              <a:rPr lang="en-US" sz="1050" b="1" dirty="0" err="1">
+              <a:rPr lang="en-US" sz="1050" b="1" dirty="0" smtClean="0">
                 <a:solidFill>
                   <a:schemeClr val="accent3">
                     <a:lumMod val="75000"/>
                   </a:schemeClr>
                 </a:solidFill>
               </a:rPr>
-              <a:t>StatusBarFooter</a:t>
+              <a:t>HelpWindow</a:t>
             </a:r>
             <a:endParaRPr lang="en-SG" sz="1050" b="1" dirty="0">
               <a:solidFill>
@@ -4038,14 +4038,24 @@
           <a:p>
             <a:pPr algn="ctr"/>
             <a:r>
-              <a:rPr lang="en-US" sz="1050" b="1" dirty="0" err="1">
+              <a:rPr lang="en-US" sz="1050" b="1" dirty="0" smtClean="0">
                 <a:solidFill>
                   <a:schemeClr val="accent3">
                     <a:lumMod val="75000"/>
                   </a:schemeClr>
                 </a:solidFill>
               </a:rPr>
-              <a:t>PersonListPanel</a:t>
+              <a:t>Task</a:t>
+            </a:r>
+            <a:r>
+              <a:rPr lang="en-US" sz="1050" b="1" dirty="0" smtClean="0">
+                <a:solidFill>
+                  <a:schemeClr val="accent3">
+                    <a:lumMod val="75000"/>
+                  </a:schemeClr>
+                </a:solidFill>
+              </a:rPr>
+              <a:t>ListPanel</a:t>
             </a:r>
             <a:endParaRPr lang="en-SG" sz="1050" b="1" dirty="0">
               <a:solidFill>
@@ -4098,74 +4108,24 @@
           <a:p>
             <a:pPr algn="ctr"/>
             <a:r>
-              <a:rPr lang="en-US" sz="1050" b="1" dirty="0" err="1">
+              <a:rPr lang="en-US" sz="1050" b="1" dirty="0" smtClean="0">
                 <a:solidFill>
                   <a:schemeClr val="accent3">
                     <a:lumMod val="75000"/>
                   </a:schemeClr>
                 </a:solidFill>
               </a:rPr>
-              <a:t>PersonCard</a:t>
-            </a:r>
-            <a:endParaRPr lang="en-SG" sz="1050" b="1" dirty="0">
-              <a:solidFill>
-                <a:schemeClr val="accent3">
-                  <a:lumMod val="75000"/>
-                </a:schemeClr>
-              </a:solidFill>
-            </a:endParaRPr>
-          </a:p>
-        </p:txBody>
-      </p:sp>
-      <p:sp>
-        <p:nvSpPr>
-          <p:cNvPr id="38" name="Rectangle 11"/>
-          <p:cNvSpPr/>
-          <p:nvPr/>
-        </p:nvSpPr>
-        <p:spPr>
-          <a:xfrm>
-            <a:off x="2592528" y="4966000"/>
-            <a:ext cx="1093635" cy="236841"/>
-          </a:xfrm>
-          <a:prstGeom prst="rect">
-            <a:avLst/>
-          </a:prstGeom>
-          <a:ln w="19050">
-            <a:solidFill>
-              <a:schemeClr val="accent3"/>
-            </a:solidFill>
-          </a:ln>
-          <a:effectLst/>
-        </p:spPr>
-        <p:style>
-          <a:lnRef idx="1">
-            <a:schemeClr val="accent3"/>
-          </a:lnRef>
-          <a:fillRef idx="2">
-            <a:schemeClr val="accent3"/>
-          </a:fillRef>
-          <a:effectRef idx="1">
-            <a:schemeClr val="accent3"/>
-          </a:effectRef>
-          <a:fontRef idx="minor">
-            <a:schemeClr val="dk1"/>
-          </a:fontRef>
-        </p:style>
-        <p:txBody>
-          <a:bodyPr rtlCol="0" anchor="ctr"/>
-          <a:lstStyle/>
-          <a:p>
-            <a:pPr algn="ctr"/>
-            <a:r>
-              <a:rPr lang="en-US" sz="1050" b="1" dirty="0" err="1">
+              <a:t>Task</a:t>
+            </a:r>
+            <a:r>
+              <a:rPr lang="en-US" sz="1050" b="1" dirty="0" smtClean="0">
                 <a:solidFill>
                   <a:schemeClr val="accent3">
                     <a:lumMod val="75000"/>
                   </a:schemeClr>
                 </a:solidFill>
               </a:rPr>
-              <a:t>HelpWindow</a:t>
+              <a:t>Card</a:t>
             </a:r>
             <a:endParaRPr lang="en-SG" sz="1050" b="1" dirty="0">
               <a:solidFill>
@@ -4307,7 +4267,7 @@
           <a:p>
             <a:pPr algn="ctr"/>
             <a:r>
-              <a:rPr lang="en-US" sz="1050" b="1" dirty="0" err="1">
+              <a:rPr lang="en-US" sz="1050" b="1" dirty="0">
                 <a:solidFill>
                   <a:schemeClr val="accent3">
                     <a:lumMod val="75000"/>
@@ -4410,60 +4370,19 @@
       </p:cxnSp>
       <p:cxnSp>
         <p:nvCxnSpPr>
-          <p:cNvPr id="50" name="Elbow Connector 63"/>
-          <p:cNvCxnSpPr>
-            <a:stCxn id="39" idx="2"/>
-            <a:endCxn id="35" idx="1"/>
-          </p:cNvCxnSpPr>
+          <p:cNvPr id="53" name="Elbow Connector 63"/>
+          <p:cNvCxnSpPr/>
           <p:nvPr/>
         </p:nvCxnSpPr>
         <p:spPr>
           <a:xfrm rot="16200000" flipH="1">
-            <a:off x="1597249" y="3686901"/>
-            <a:ext cx="1814155" cy="176401"/>
-          </a:xfrm>
-          <a:prstGeom prst="bentConnector2">
-            <a:avLst/>
-          </a:prstGeom>
-          <a:ln w="19050">
-            <a:solidFill>
-              <a:schemeClr val="accent3"/>
-            </a:solidFill>
-            <a:headEnd type="none" w="med" len="med"/>
-            <a:tailEnd type="arrow" w="med" len="med"/>
-          </a:ln>
-          <a:effectLst/>
-        </p:spPr>
-        <p:style>
-          <a:lnRef idx="1">
-            <a:schemeClr val="accent2"/>
-          </a:lnRef>
-          <a:fillRef idx="2">
-            <a:schemeClr val="accent2"/>
-          </a:fillRef>
-          <a:effectRef idx="1">
-            <a:schemeClr val="accent2"/>
-          </a:effectRef>
-          <a:fontRef idx="minor">
-            <a:schemeClr val="dk1"/>
-          </a:fontRef>
-        </p:style>
-      </p:cxnSp>
-      <p:cxnSp>
-        <p:nvCxnSpPr>
-          <p:cNvPr id="53" name="Elbow Connector 63"/>
-          <p:cNvCxnSpPr>
-            <a:endCxn id="38" idx="1"/>
-          </p:cNvCxnSpPr>
-          <p:nvPr/>
-        </p:nvCxnSpPr>
-        <p:spPr>
-          <a:xfrm rot="16200000" flipH="1">
-            <a:off x="1184119" y="3676012"/>
-            <a:ext cx="2396440" cy="420377"/>
-          </a:xfrm>
-          <a:prstGeom prst="bentConnector2">
-            <a:avLst/>
+            <a:off x="1388065" y="3477980"/>
+            <a:ext cx="1994458" cy="414462"/>
+          </a:xfrm>
+          <a:prstGeom prst="bentConnector3">
+            <a:avLst>
+              <a:gd name="adj1" fmla="val 99985"/>
+            </a:avLst>
           </a:prstGeom>
           <a:ln w="19050">
             <a:solidFill>
@@ -4549,7 +4468,7 @@
               </a:rPr>
             </a:br>
             <a:r>
-              <a:rPr lang="en-US" sz="1050" b="1" dirty="0" err="1">
+              <a:rPr lang="en-US" sz="1050" b="1" dirty="0">
                 <a:solidFill>
                   <a:schemeClr val="accent3">
                     <a:lumMod val="75000"/>
@@ -4735,57 +4654,13 @@
       <p:cxnSp>
         <p:nvCxnSpPr>
           <p:cNvPr id="91" name="Elbow Connector 63"/>
-          <p:cNvCxnSpPr>
-            <a:stCxn id="16" idx="3"/>
-            <a:endCxn id="35" idx="3"/>
-          </p:cNvCxnSpPr>
+          <p:cNvCxnSpPr/>
           <p:nvPr/>
         </p:nvCxnSpPr>
         <p:spPr>
           <a:xfrm rot="5400000">
-            <a:off x="3409976" y="2562187"/>
+            <a:off x="3409976" y="2562188"/>
             <a:ext cx="2396180" cy="1843807"/>
-          </a:xfrm>
-          <a:prstGeom prst="bentConnector2">
-            <a:avLst/>
-          </a:prstGeom>
-          <a:ln w="6350">
-            <a:solidFill>
-              <a:schemeClr val="accent3"/>
-            </a:solidFill>
-            <a:headEnd type="none" w="med" len="med"/>
-            <a:tailEnd type="none" w="med" len="med"/>
-          </a:ln>
-          <a:effectLst/>
-        </p:spPr>
-        <p:style>
-          <a:lnRef idx="1">
-            <a:schemeClr val="accent2"/>
-          </a:lnRef>
-          <a:fillRef idx="2">
-            <a:schemeClr val="accent2"/>
-          </a:fillRef>
-          <a:effectRef idx="1">
-            <a:schemeClr val="accent2"/>
-          </a:effectRef>
-          <a:fontRef idx="minor">
-            <a:schemeClr val="dk1"/>
-          </a:fontRef>
-        </p:style>
-      </p:cxnSp>
-      <p:cxnSp>
-        <p:nvCxnSpPr>
-          <p:cNvPr id="94" name="Elbow Connector 63"/>
-          <p:cNvCxnSpPr>
-            <a:stCxn id="16" idx="3"/>
-            <a:endCxn id="38" idx="3"/>
-          </p:cNvCxnSpPr>
-          <p:nvPr/>
-        </p:nvCxnSpPr>
-        <p:spPr>
-          <a:xfrm rot="5400000">
-            <a:off x="3208856" y="2763307"/>
-            <a:ext cx="2798421" cy="1843806"/>
           </a:xfrm>
           <a:prstGeom prst="bentConnector2">
             <a:avLst/>
@@ -4863,8 +4738,8 @@
         </p:nvSpPr>
         <p:spPr>
           <a:xfrm rot="16200000">
-            <a:off x="6213739" y="4560376"/>
-            <a:ext cx="1371599" cy="328045"/>
+            <a:off x="6175639" y="4141276"/>
+            <a:ext cx="1447799" cy="328045"/>
           </a:xfrm>
           <a:prstGeom prst="roundRect">
             <a:avLst/>

--- a/docs/diagrams/UiComponentClassDiagram.pptx
+++ b/docs/diagrams/UiComponentClassDiagram.pptx
@@ -208,7 +208,7 @@
           <a:p>
             <a:fld id="{F5CC4B3F-88C1-4FFA-B1B6-F41C21DC6924}" type="datetimeFigureOut">
               <a:rPr lang="en-US" smtClean="0"/>
-              <a:t>1/7/2017</a:t>
+              <a:t>3/14/2017</a:t>
             </a:fld>
             <a:endParaRPr lang="en-US"/>
           </a:p>
@@ -654,7 +654,7 @@
           <a:p>
             <a:fld id="{78C97017-6FC3-485B-9764-EAC9E56C1D49}" type="datetimeFigureOut">
               <a:rPr lang="en-US" smtClean="0"/>
-              <a:t>1/7/2017</a:t>
+              <a:t>3/14/2017</a:t>
             </a:fld>
             <a:endParaRPr lang="en-US"/>
           </a:p>
@@ -822,7 +822,7 @@
           <a:p>
             <a:fld id="{78C97017-6FC3-485B-9764-EAC9E56C1D49}" type="datetimeFigureOut">
               <a:rPr lang="en-US" smtClean="0"/>
-              <a:t>1/7/2017</a:t>
+              <a:t>3/14/2017</a:t>
             </a:fld>
             <a:endParaRPr lang="en-US"/>
           </a:p>
@@ -1000,7 +1000,7 @@
           <a:p>
             <a:fld id="{78C97017-6FC3-485B-9764-EAC9E56C1D49}" type="datetimeFigureOut">
               <a:rPr lang="en-US" smtClean="0"/>
-              <a:t>1/7/2017</a:t>
+              <a:t>3/14/2017</a:t>
             </a:fld>
             <a:endParaRPr lang="en-US"/>
           </a:p>
@@ -1168,7 +1168,7 @@
           <a:p>
             <a:fld id="{78C97017-6FC3-485B-9764-EAC9E56C1D49}" type="datetimeFigureOut">
               <a:rPr lang="en-US" smtClean="0"/>
-              <a:t>1/7/2017</a:t>
+              <a:t>3/14/2017</a:t>
             </a:fld>
             <a:endParaRPr lang="en-US"/>
           </a:p>
@@ -1413,7 +1413,7 @@
           <a:p>
             <a:fld id="{78C97017-6FC3-485B-9764-EAC9E56C1D49}" type="datetimeFigureOut">
               <a:rPr lang="en-US" smtClean="0"/>
-              <a:t>1/7/2017</a:t>
+              <a:t>3/14/2017</a:t>
             </a:fld>
             <a:endParaRPr lang="en-US"/>
           </a:p>
@@ -1698,7 +1698,7 @@
           <a:p>
             <a:fld id="{78C97017-6FC3-485B-9764-EAC9E56C1D49}" type="datetimeFigureOut">
               <a:rPr lang="en-US" smtClean="0"/>
-              <a:t>1/7/2017</a:t>
+              <a:t>3/14/2017</a:t>
             </a:fld>
             <a:endParaRPr lang="en-US"/>
           </a:p>
@@ -2117,7 +2117,7 @@
           <a:p>
             <a:fld id="{78C97017-6FC3-485B-9764-EAC9E56C1D49}" type="datetimeFigureOut">
               <a:rPr lang="en-US" smtClean="0"/>
-              <a:t>1/7/2017</a:t>
+              <a:t>3/14/2017</a:t>
             </a:fld>
             <a:endParaRPr lang="en-US"/>
           </a:p>
@@ -2234,7 +2234,7 @@
           <a:p>
             <a:fld id="{78C97017-6FC3-485B-9764-EAC9E56C1D49}" type="datetimeFigureOut">
               <a:rPr lang="en-US" smtClean="0"/>
-              <a:t>1/7/2017</a:t>
+              <a:t>3/14/2017</a:t>
             </a:fld>
             <a:endParaRPr lang="en-US"/>
           </a:p>
@@ -2329,7 +2329,7 @@
           <a:p>
             <a:fld id="{78C97017-6FC3-485B-9764-EAC9E56C1D49}" type="datetimeFigureOut">
               <a:rPr lang="en-US" smtClean="0"/>
-              <a:t>1/7/2017</a:t>
+              <a:t>3/14/2017</a:t>
             </a:fld>
             <a:endParaRPr lang="en-US"/>
           </a:p>
@@ -2604,7 +2604,7 @@
           <a:p>
             <a:fld id="{78C97017-6FC3-485B-9764-EAC9E56C1D49}" type="datetimeFigureOut">
               <a:rPr lang="en-US" smtClean="0"/>
-              <a:t>1/7/2017</a:t>
+              <a:t>3/14/2017</a:t>
             </a:fld>
             <a:endParaRPr lang="en-US"/>
           </a:p>
@@ -2856,7 +2856,7 @@
           <a:p>
             <a:fld id="{78C97017-6FC3-485B-9764-EAC9E56C1D49}" type="datetimeFigureOut">
               <a:rPr lang="en-US" smtClean="0"/>
-              <a:t>1/7/2017</a:t>
+              <a:t>3/14/2017</a:t>
             </a:fld>
             <a:endParaRPr lang="en-US"/>
           </a:p>
@@ -3067,7 +3067,7 @@
           <a:p>
             <a:fld id="{78C97017-6FC3-485B-9764-EAC9E56C1D49}" type="datetimeFigureOut">
               <a:rPr lang="en-US" smtClean="0"/>
-              <a:t>1/7/2017</a:t>
+              <a:t>3/14/2017</a:t>
             </a:fld>
             <a:endParaRPr lang="en-US"/>
           </a:p>
@@ -3444,14 +3444,14 @@
       </p:grpSpPr>
       <p:sp>
         <p:nvSpPr>
-          <p:cNvPr id="23" name="Rectangle 65"/>
+          <p:cNvPr id="42" name="Rectangle 65"/>
           <p:cNvSpPr/>
           <p:nvPr/>
         </p:nvSpPr>
         <p:spPr>
           <a:xfrm>
             <a:off x="1217465" y="1447800"/>
-            <a:ext cx="4917083" cy="3962400"/>
+            <a:ext cx="4917083" cy="4724400"/>
           </a:xfrm>
           <a:prstGeom prst="roundRect">
             <a:avLst>
@@ -3506,7 +3506,7 @@
       </p:sp>
       <p:sp>
         <p:nvSpPr>
-          <p:cNvPr id="2" name="Rectangle 8"/>
+          <p:cNvPr id="45" name="Rectangle 8"/>
           <p:cNvSpPr/>
           <p:nvPr/>
         </p:nvSpPr>
@@ -3566,7 +3566,7 @@
       </p:sp>
       <p:sp>
         <p:nvSpPr>
-          <p:cNvPr id="3" name="Rectangle 11"/>
+          <p:cNvPr id="46" name="Rectangle 11"/>
           <p:cNvSpPr/>
           <p:nvPr/>
         </p:nvSpPr>
@@ -3626,7 +3626,7 @@
       </p:sp>
       <p:sp>
         <p:nvSpPr>
-          <p:cNvPr id="9" name="Rectangle 62"/>
+          <p:cNvPr id="48" name="Rectangle 62"/>
           <p:cNvSpPr/>
           <p:nvPr/>
         </p:nvSpPr>
@@ -3685,10 +3685,10 @@
       </p:sp>
       <p:cxnSp>
         <p:nvCxnSpPr>
-          <p:cNvPr id="10" name="Elbow Connector 63"/>
+          <p:cNvPr id="49" name="Elbow Connector 63"/>
           <p:cNvCxnSpPr>
-            <a:stCxn id="9" idx="2"/>
-            <a:endCxn id="2" idx="0"/>
+            <a:stCxn id="48" idx="2"/>
+            <a:endCxn id="45" idx="0"/>
           </p:cNvCxnSpPr>
           <p:nvPr/>
         </p:nvCxnSpPr>
@@ -3728,7 +3728,7 @@
       </p:cxnSp>
       <p:sp>
         <p:nvSpPr>
-          <p:cNvPr id="16" name="Isosceles Triangle 102"/>
+          <p:cNvPr id="51" name="Isosceles Triangle 102"/>
           <p:cNvSpPr/>
           <p:nvPr/>
         </p:nvSpPr>
@@ -3776,7 +3776,7 @@
       </p:sp>
       <p:cxnSp>
         <p:nvCxnSpPr>
-          <p:cNvPr id="19" name="Elbow Connector 122"/>
+          <p:cNvPr id="52" name="Elbow Connector 122"/>
           <p:cNvCxnSpPr/>
           <p:nvPr/>
         </p:nvCxnSpPr>
@@ -3819,7 +3819,7 @@
       </p:cxnSp>
       <p:sp>
         <p:nvSpPr>
-          <p:cNvPr id="22" name="Rectangle 65"/>
+          <p:cNvPr id="54" name="Rectangle 65"/>
           <p:cNvSpPr/>
           <p:nvPr/>
         </p:nvSpPr>
@@ -3879,7 +3879,7 @@
       </p:sp>
       <p:sp>
         <p:nvSpPr>
-          <p:cNvPr id="34" name="Rectangle 11"/>
+          <p:cNvPr id="55" name="Rectangle 11"/>
           <p:cNvSpPr/>
           <p:nvPr/>
         </p:nvSpPr>
@@ -3918,14 +3918,14 @@
           <a:p>
             <a:pPr algn="ctr"/>
             <a:r>
-              <a:rPr lang="en-US" sz="1050" b="1" dirty="0" err="1">
+              <a:rPr lang="en-US" sz="1050" b="1" dirty="0" err="1" smtClean="0">
                 <a:solidFill>
                   <a:schemeClr val="accent3">
                     <a:lumMod val="75000"/>
                   </a:schemeClr>
                 </a:solidFill>
               </a:rPr>
-              <a:t>BrowserPanel</a:t>
+              <a:t>TaskDescription</a:t>
             </a:r>
             <a:endParaRPr lang="en-SG" sz="1050" b="1" dirty="0">
               <a:solidFill>
@@ -3939,13 +3939,13 @@
       </p:sp>
       <p:sp>
         <p:nvSpPr>
-          <p:cNvPr id="35" name="Rectangle 11"/>
+          <p:cNvPr id="56" name="Rectangle 11"/>
           <p:cNvSpPr/>
           <p:nvPr/>
         </p:nvSpPr>
         <p:spPr>
           <a:xfrm>
-            <a:off x="2592527" y="4563759"/>
+            <a:off x="2594493" y="5073050"/>
             <a:ext cx="1093635" cy="236841"/>
           </a:xfrm>
           <a:prstGeom prst="rect">
@@ -3999,13 +3999,13 @@
       </p:sp>
       <p:sp>
         <p:nvSpPr>
-          <p:cNvPr id="36" name="Rectangle 11"/>
+          <p:cNvPr id="57" name="Rectangle 11"/>
           <p:cNvSpPr/>
           <p:nvPr/>
         </p:nvSpPr>
         <p:spPr>
           <a:xfrm>
-            <a:off x="2592526" y="3991960"/>
+            <a:off x="2588765" y="4388054"/>
             <a:ext cx="1093635" cy="236841"/>
           </a:xfrm>
           <a:prstGeom prst="rect">
@@ -4038,14 +4038,14 @@
           <a:p>
             <a:pPr algn="ctr"/>
             <a:r>
-              <a:rPr lang="en-US" sz="1050" b="1" dirty="0" err="1">
+              <a:rPr lang="en-US" sz="1050" b="1" dirty="0" err="1" smtClean="0">
                 <a:solidFill>
                   <a:schemeClr val="accent3">
                     <a:lumMod val="75000"/>
                   </a:schemeClr>
                 </a:solidFill>
               </a:rPr>
-              <a:t>PersonListPanel</a:t>
+              <a:t>TaskListPanel</a:t>
             </a:r>
             <a:endParaRPr lang="en-SG" sz="1050" b="1" dirty="0">
               <a:solidFill>
@@ -4059,13 +4059,13 @@
       </p:sp>
       <p:sp>
         <p:nvSpPr>
-          <p:cNvPr id="37" name="Rectangle 11"/>
+          <p:cNvPr id="58" name="Rectangle 11"/>
           <p:cNvSpPr/>
           <p:nvPr/>
         </p:nvSpPr>
         <p:spPr>
           <a:xfrm>
-            <a:off x="3839323" y="4228801"/>
+            <a:off x="3768776" y="4723160"/>
             <a:ext cx="1040906" cy="236841"/>
           </a:xfrm>
           <a:prstGeom prst="rect">
@@ -4098,14 +4098,14 @@
           <a:p>
             <a:pPr algn="ctr"/>
             <a:r>
-              <a:rPr lang="en-US" sz="1050" b="1" dirty="0" err="1">
+              <a:rPr lang="en-US" sz="1050" b="1" dirty="0" err="1" smtClean="0">
                 <a:solidFill>
                   <a:schemeClr val="accent3">
                     <a:lumMod val="75000"/>
                   </a:schemeClr>
                 </a:solidFill>
               </a:rPr>
-              <a:t>PersonCard</a:t>
+              <a:t>TaskCard</a:t>
             </a:r>
             <a:endParaRPr lang="en-SG" sz="1050" b="1" dirty="0">
               <a:solidFill>
@@ -4119,13 +4119,13 @@
       </p:sp>
       <p:sp>
         <p:nvSpPr>
-          <p:cNvPr id="38" name="Rectangle 11"/>
+          <p:cNvPr id="59" name="Rectangle 11"/>
           <p:cNvSpPr/>
           <p:nvPr/>
         </p:nvSpPr>
         <p:spPr>
           <a:xfrm>
-            <a:off x="2592528" y="4966000"/>
+            <a:off x="2596708" y="5487598"/>
             <a:ext cx="1093635" cy="236841"/>
           </a:xfrm>
           <a:prstGeom prst="rect">
@@ -4179,7 +4179,7 @@
       </p:sp>
       <p:sp>
         <p:nvSpPr>
-          <p:cNvPr id="39" name="Flowchart: Decision 38"/>
+          <p:cNvPr id="60" name="Flowchart: Decision 59"/>
           <p:cNvSpPr/>
           <p:nvPr/>
         </p:nvSpPr>
@@ -4227,10 +4227,10 @@
       </p:sp>
       <p:cxnSp>
         <p:nvCxnSpPr>
-          <p:cNvPr id="40" name="Elbow Connector 63"/>
+          <p:cNvPr id="61" name="Elbow Connector 63"/>
           <p:cNvCxnSpPr>
-            <a:stCxn id="39" idx="2"/>
-            <a:endCxn id="3" idx="1"/>
+            <a:stCxn id="60" idx="2"/>
+            <a:endCxn id="46" idx="1"/>
           </p:cNvCxnSpPr>
           <p:nvPr/>
         </p:nvCxnSpPr>
@@ -4268,7 +4268,7 @@
       </p:cxnSp>
       <p:sp>
         <p:nvSpPr>
-          <p:cNvPr id="43" name="Rectangle 11"/>
+          <p:cNvPr id="62" name="Rectangle 11"/>
           <p:cNvSpPr/>
           <p:nvPr/>
         </p:nvSpPr>
@@ -4328,10 +4328,10 @@
       </p:sp>
       <p:cxnSp>
         <p:nvCxnSpPr>
-          <p:cNvPr id="44" name="Elbow Connector 63"/>
+          <p:cNvPr id="63" name="Elbow Connector 63"/>
           <p:cNvCxnSpPr>
-            <a:stCxn id="39" idx="2"/>
-            <a:endCxn id="34" idx="1"/>
+            <a:stCxn id="60" idx="2"/>
+            <a:endCxn id="55" idx="1"/>
           </p:cNvCxnSpPr>
           <p:nvPr/>
         </p:nvCxnSpPr>
@@ -4369,17 +4369,17 @@
       </p:cxnSp>
       <p:cxnSp>
         <p:nvCxnSpPr>
-          <p:cNvPr id="47" name="Elbow Connector 63"/>
+          <p:cNvPr id="64" name="Elbow Connector 63"/>
           <p:cNvCxnSpPr>
-            <a:stCxn id="39" idx="2"/>
-            <a:endCxn id="36" idx="1"/>
+            <a:stCxn id="60" idx="2"/>
+            <a:endCxn id="57" idx="1"/>
           </p:cNvCxnSpPr>
           <p:nvPr/>
         </p:nvCxnSpPr>
         <p:spPr>
           <a:xfrm rot="16200000" flipH="1">
-            <a:off x="1883148" y="3401003"/>
-            <a:ext cx="1242356" cy="176400"/>
+            <a:off x="1683220" y="3600930"/>
+            <a:ext cx="1638450" cy="172639"/>
           </a:xfrm>
           <a:prstGeom prst="bentConnector2">
             <a:avLst/>
@@ -4410,17 +4410,17 @@
       </p:cxnSp>
       <p:cxnSp>
         <p:nvCxnSpPr>
-          <p:cNvPr id="50" name="Elbow Connector 63"/>
+          <p:cNvPr id="65" name="Elbow Connector 63"/>
           <p:cNvCxnSpPr>
-            <a:stCxn id="39" idx="2"/>
-            <a:endCxn id="35" idx="1"/>
+            <a:stCxn id="60" idx="2"/>
+            <a:endCxn id="56" idx="1"/>
           </p:cNvCxnSpPr>
           <p:nvPr/>
         </p:nvCxnSpPr>
         <p:spPr>
           <a:xfrm rot="16200000" flipH="1">
-            <a:off x="1597249" y="3686901"/>
-            <a:ext cx="1814155" cy="176401"/>
+            <a:off x="1343586" y="3940564"/>
+            <a:ext cx="2323446" cy="178367"/>
           </a:xfrm>
           <a:prstGeom prst="bentConnector2">
             <a:avLst/>
@@ -4451,16 +4451,16 @@
       </p:cxnSp>
       <p:cxnSp>
         <p:nvCxnSpPr>
-          <p:cNvPr id="53" name="Elbow Connector 63"/>
+          <p:cNvPr id="66" name="Elbow Connector 63"/>
           <p:cNvCxnSpPr>
-            <a:endCxn id="38" idx="1"/>
+            <a:endCxn id="59" idx="1"/>
           </p:cNvCxnSpPr>
           <p:nvPr/>
         </p:nvCxnSpPr>
         <p:spPr>
           <a:xfrm rot="16200000" flipH="1">
-            <a:off x="1184119" y="3676012"/>
-            <a:ext cx="2396440" cy="420377"/>
+            <a:off x="908302" y="3917612"/>
+            <a:ext cx="2978131" cy="398682"/>
           </a:xfrm>
           <a:prstGeom prst="bentConnector2">
             <a:avLst/>
@@ -4491,7 +4491,7 @@
       </p:cxnSp>
       <p:sp>
         <p:nvSpPr>
-          <p:cNvPr id="73" name="Rectangle 62"/>
+          <p:cNvPr id="67" name="Rectangle 62"/>
           <p:cNvSpPr/>
           <p:nvPr/>
         </p:nvSpPr>
@@ -4570,10 +4570,10 @@
       </p:sp>
       <p:cxnSp>
         <p:nvCxnSpPr>
-          <p:cNvPr id="74" name="Elbow Connector 63"/>
+          <p:cNvPr id="68" name="Elbow Connector 63"/>
           <p:cNvCxnSpPr>
-            <a:stCxn id="43" idx="3"/>
-            <a:endCxn id="16" idx="3"/>
+            <a:stCxn id="62" idx="3"/>
+            <a:endCxn id="51" idx="3"/>
           </p:cNvCxnSpPr>
           <p:nvPr/>
         </p:nvCxnSpPr>
@@ -4611,17 +4611,17 @@
       </p:cxnSp>
       <p:cxnSp>
         <p:nvCxnSpPr>
-          <p:cNvPr id="77" name="Elbow Connector 63"/>
+          <p:cNvPr id="69" name="Elbow Connector 63"/>
           <p:cNvCxnSpPr>
-            <a:stCxn id="16" idx="3"/>
-            <a:endCxn id="37" idx="3"/>
+            <a:stCxn id="51" idx="3"/>
+            <a:endCxn id="58" idx="3"/>
           </p:cNvCxnSpPr>
           <p:nvPr/>
         </p:nvCxnSpPr>
         <p:spPr>
           <a:xfrm rot="5400000">
-            <a:off x="4174488" y="2991741"/>
-            <a:ext cx="2061222" cy="649740"/>
+            <a:off x="3892036" y="3203647"/>
+            <a:ext cx="2555581" cy="720287"/>
           </a:xfrm>
           <a:prstGeom prst="bentConnector2">
             <a:avLst/>
@@ -4652,10 +4652,10 @@
       </p:cxnSp>
       <p:cxnSp>
         <p:nvCxnSpPr>
-          <p:cNvPr id="82" name="Elbow Connector 63"/>
+          <p:cNvPr id="70" name="Elbow Connector 63"/>
           <p:cNvCxnSpPr>
-            <a:stCxn id="16" idx="3"/>
-            <a:endCxn id="34" idx="3"/>
+            <a:stCxn id="51" idx="3"/>
+            <a:endCxn id="55" idx="3"/>
           </p:cNvCxnSpPr>
           <p:nvPr/>
         </p:nvCxnSpPr>
@@ -4693,10 +4693,10 @@
       </p:cxnSp>
       <p:cxnSp>
         <p:nvCxnSpPr>
-          <p:cNvPr id="88" name="Elbow Connector 63"/>
+          <p:cNvPr id="71" name="Elbow Connector 63"/>
           <p:cNvCxnSpPr>
-            <a:stCxn id="2" idx="3"/>
-            <a:endCxn id="16" idx="3"/>
+            <a:stCxn id="45" idx="3"/>
+            <a:endCxn id="51" idx="3"/>
           </p:cNvCxnSpPr>
           <p:nvPr/>
         </p:nvCxnSpPr>
@@ -4734,17 +4734,17 @@
       </p:cxnSp>
       <p:cxnSp>
         <p:nvCxnSpPr>
-          <p:cNvPr id="91" name="Elbow Connector 63"/>
+          <p:cNvPr id="72" name="Elbow Connector 63"/>
           <p:cNvCxnSpPr>
-            <a:stCxn id="16" idx="3"/>
-            <a:endCxn id="35" idx="3"/>
+            <a:stCxn id="51" idx="3"/>
+            <a:endCxn id="56" idx="3"/>
           </p:cNvCxnSpPr>
           <p:nvPr/>
         </p:nvCxnSpPr>
         <p:spPr>
           <a:xfrm rot="5400000">
-            <a:off x="3409976" y="2562187"/>
-            <a:ext cx="2396180" cy="1843807"/>
+            <a:off x="3156314" y="2817815"/>
+            <a:ext cx="2905471" cy="1841841"/>
           </a:xfrm>
           <a:prstGeom prst="bentConnector2">
             <a:avLst/>
@@ -4775,17 +4775,17 @@
       </p:cxnSp>
       <p:cxnSp>
         <p:nvCxnSpPr>
-          <p:cNvPr id="94" name="Elbow Connector 63"/>
+          <p:cNvPr id="75" name="Elbow Connector 63"/>
           <p:cNvCxnSpPr>
-            <a:stCxn id="16" idx="3"/>
-            <a:endCxn id="38" idx="3"/>
+            <a:stCxn id="51" idx="3"/>
+            <a:endCxn id="59" idx="3"/>
           </p:cNvCxnSpPr>
           <p:nvPr/>
         </p:nvCxnSpPr>
         <p:spPr>
           <a:xfrm rot="5400000">
-            <a:off x="3208856" y="2763307"/>
-            <a:ext cx="2798421" cy="1843806"/>
+            <a:off x="2950147" y="3026196"/>
+            <a:ext cx="3320019" cy="1839626"/>
           </a:xfrm>
           <a:prstGeom prst="bentConnector2">
             <a:avLst/>
@@ -4816,9 +4816,9 @@
       </p:cxnSp>
       <p:cxnSp>
         <p:nvCxnSpPr>
-          <p:cNvPr id="107" name="Elbow Connector 106"/>
+          <p:cNvPr id="76" name="Elbow Connector 75"/>
           <p:cNvCxnSpPr>
-            <a:stCxn id="9" idx="0"/>
+            <a:stCxn id="48" idx="0"/>
           </p:cNvCxnSpPr>
           <p:nvPr/>
         </p:nvCxnSpPr>
@@ -4857,7 +4857,7 @@
       </p:cxnSp>
       <p:sp>
         <p:nvSpPr>
-          <p:cNvPr id="117" name="Rectangle 65"/>
+          <p:cNvPr id="78" name="Rectangle 65"/>
           <p:cNvSpPr/>
           <p:nvPr/>
         </p:nvSpPr>
@@ -4917,7 +4917,7 @@
       </p:sp>
       <p:sp>
         <p:nvSpPr>
-          <p:cNvPr id="119" name="Rectangle 62"/>
+          <p:cNvPr id="79" name="Rectangle 62"/>
           <p:cNvSpPr/>
           <p:nvPr/>
         </p:nvSpPr>
@@ -4987,7 +4987,7 @@
       </p:sp>
       <p:sp>
         <p:nvSpPr>
-          <p:cNvPr id="120" name="Isosceles Triangle 102"/>
+          <p:cNvPr id="80" name="Isosceles Triangle 102"/>
           <p:cNvSpPr/>
           <p:nvPr/>
         </p:nvSpPr>
@@ -5035,10 +5035,10 @@
       </p:sp>
       <p:cxnSp>
         <p:nvCxnSpPr>
-          <p:cNvPr id="121" name="Elbow Connector 63"/>
+          <p:cNvPr id="81" name="Elbow Connector 63"/>
           <p:cNvCxnSpPr>
-            <a:stCxn id="9" idx="1"/>
-            <a:endCxn id="120" idx="3"/>
+            <a:stCxn id="48" idx="1"/>
+            <a:endCxn id="80" idx="3"/>
           </p:cNvCxnSpPr>
           <p:nvPr/>
         </p:nvCxnSpPr>
@@ -5077,10 +5077,10 @@
       </p:cxnSp>
       <p:cxnSp>
         <p:nvCxnSpPr>
-          <p:cNvPr id="131" name="Elbow Connector 130"/>
+          <p:cNvPr id="83" name="Elbow Connector 82"/>
           <p:cNvCxnSpPr>
-            <a:stCxn id="39" idx="2"/>
-            <a:endCxn id="43" idx="1"/>
+            <a:stCxn id="60" idx="2"/>
+            <a:endCxn id="62" idx="1"/>
           </p:cNvCxnSpPr>
           <p:nvPr/>
         </p:nvCxnSpPr>
@@ -5118,10 +5118,10 @@
       </p:cxnSp>
       <p:cxnSp>
         <p:nvCxnSpPr>
-          <p:cNvPr id="132" name="Elbow Connector 63"/>
+          <p:cNvPr id="84" name="Elbow Connector 63"/>
           <p:cNvCxnSpPr>
-            <a:stCxn id="16" idx="3"/>
-            <a:endCxn id="3" idx="3"/>
+            <a:stCxn id="51" idx="3"/>
+            <a:endCxn id="46" idx="3"/>
           </p:cNvCxnSpPr>
           <p:nvPr/>
         </p:nvCxnSpPr>
@@ -5159,17 +5159,17 @@
       </p:cxnSp>
       <p:cxnSp>
         <p:nvCxnSpPr>
-          <p:cNvPr id="137" name="Elbow Connector 136"/>
+          <p:cNvPr id="85" name="Elbow Connector 84"/>
           <p:cNvCxnSpPr>
-            <a:stCxn id="36" idx="2"/>
-            <a:endCxn id="37" idx="1"/>
+            <a:stCxn id="57" idx="2"/>
+            <a:endCxn id="58" idx="1"/>
           </p:cNvCxnSpPr>
           <p:nvPr/>
         </p:nvCxnSpPr>
         <p:spPr>
           <a:xfrm rot="16200000" flipH="1">
-            <a:off x="3430123" y="3938021"/>
-            <a:ext cx="118421" cy="699979"/>
+            <a:off x="3343836" y="4416641"/>
+            <a:ext cx="216686" cy="633193"/>
           </a:xfrm>
           <a:prstGeom prst="bentConnector2">
             <a:avLst/>
@@ -5200,17 +5200,17 @@
       </p:cxnSp>
       <p:cxnSp>
         <p:nvCxnSpPr>
-          <p:cNvPr id="140" name="Elbow Connector 63"/>
+          <p:cNvPr id="86" name="Elbow Connector 63"/>
           <p:cNvCxnSpPr>
-            <a:stCxn id="16" idx="3"/>
-            <a:endCxn id="36" idx="3"/>
+            <a:stCxn id="51" idx="3"/>
+            <a:endCxn id="57" idx="3"/>
           </p:cNvCxnSpPr>
           <p:nvPr/>
         </p:nvCxnSpPr>
         <p:spPr>
           <a:xfrm rot="5400000">
-            <a:off x="3695875" y="2276286"/>
-            <a:ext cx="1824381" cy="1843808"/>
+            <a:off x="3495948" y="2472453"/>
+            <a:ext cx="2220475" cy="1847569"/>
           </a:xfrm>
           <a:prstGeom prst="bentConnector2">
             <a:avLst/>
@@ -5241,7 +5241,7 @@
       </p:cxnSp>
       <p:sp>
         <p:nvSpPr>
-          <p:cNvPr id="143" name="Rectangle 142"/>
+          <p:cNvPr id="87" name="Rectangle 86"/>
           <p:cNvSpPr/>
           <p:nvPr/>
         </p:nvSpPr>
@@ -5294,7 +5294,7 @@
       </p:sp>
       <p:sp>
         <p:nvSpPr>
-          <p:cNvPr id="116" name="Freeform 115"/>
+          <p:cNvPr id="89" name="Freeform 88"/>
           <p:cNvSpPr/>
           <p:nvPr/>
         </p:nvSpPr>
@@ -5376,7 +5376,7 @@
       </p:sp>
       <p:sp>
         <p:nvSpPr>
-          <p:cNvPr id="144" name="Rectangle 143"/>
+          <p:cNvPr id="90" name="Rectangle 89"/>
           <p:cNvSpPr/>
           <p:nvPr/>
         </p:nvSpPr>
@@ -5429,14 +5429,14 @@
       </p:sp>
       <p:sp>
         <p:nvSpPr>
-          <p:cNvPr id="118" name="Freeform 117"/>
+          <p:cNvPr id="92" name="Freeform 91"/>
           <p:cNvSpPr/>
           <p:nvPr/>
         </p:nvSpPr>
         <p:spPr>
-          <a:xfrm flipV="1">
-            <a:off x="4114799" y="4472708"/>
-            <a:ext cx="2642195" cy="101600"/>
+          <a:xfrm>
+            <a:off x="4298594" y="4574307"/>
+            <a:ext cx="2458400" cy="148851"/>
           </a:xfrm>
           <a:custGeom>
             <a:avLst/>
@@ -5509,6 +5509,148 @@
           </a:p>
         </p:txBody>
       </p:sp>
+      <p:cxnSp>
+        <p:nvCxnSpPr>
+          <p:cNvPr id="93" name="Elbow Connector 63"/>
+          <p:cNvCxnSpPr>
+            <a:endCxn id="95" idx="1"/>
+          </p:cNvCxnSpPr>
+          <p:nvPr/>
+        </p:nvCxnSpPr>
+        <p:spPr>
+          <a:xfrm flipV="1">
+            <a:off x="2415003" y="4137127"/>
+            <a:ext cx="177525" cy="7772"/>
+          </a:xfrm>
+          <a:prstGeom prst="bentConnector3">
+            <a:avLst>
+              <a:gd name="adj1" fmla="val 50000"/>
+            </a:avLst>
+          </a:prstGeom>
+          <a:ln w="19050">
+            <a:solidFill>
+              <a:schemeClr val="accent3"/>
+            </a:solidFill>
+            <a:headEnd type="none" w="med" len="med"/>
+            <a:tailEnd type="arrow" w="med" len="med"/>
+          </a:ln>
+          <a:effectLst/>
+        </p:spPr>
+        <p:style>
+          <a:lnRef idx="1">
+            <a:schemeClr val="accent2"/>
+          </a:lnRef>
+          <a:fillRef idx="2">
+            <a:schemeClr val="accent2"/>
+          </a:fillRef>
+          <a:effectRef idx="1">
+            <a:schemeClr val="accent2"/>
+          </a:effectRef>
+          <a:fontRef idx="minor">
+            <a:schemeClr val="dk1"/>
+          </a:fontRef>
+        </p:style>
+      </p:cxnSp>
+      <p:sp>
+        <p:nvSpPr>
+          <p:cNvPr id="95" name="Rectangle 11"/>
+          <p:cNvSpPr/>
+          <p:nvPr/>
+        </p:nvSpPr>
+        <p:spPr>
+          <a:xfrm>
+            <a:off x="2592528" y="4018706"/>
+            <a:ext cx="1093635" cy="236841"/>
+          </a:xfrm>
+          <a:prstGeom prst="rect">
+            <a:avLst/>
+          </a:prstGeom>
+          <a:ln w="19050">
+            <a:solidFill>
+              <a:schemeClr val="accent3"/>
+            </a:solidFill>
+          </a:ln>
+          <a:effectLst/>
+        </p:spPr>
+        <p:style>
+          <a:lnRef idx="1">
+            <a:schemeClr val="accent3"/>
+          </a:lnRef>
+          <a:fillRef idx="2">
+            <a:schemeClr val="accent3"/>
+          </a:fillRef>
+          <a:effectRef idx="1">
+            <a:schemeClr val="accent3"/>
+          </a:effectRef>
+          <a:fontRef idx="minor">
+            <a:schemeClr val="dk1"/>
+          </a:fontRef>
+        </p:style>
+        <p:txBody>
+          <a:bodyPr rtlCol="0" anchor="ctr"/>
+          <a:lstStyle/>
+          <a:p>
+            <a:pPr algn="ctr"/>
+            <a:r>
+              <a:rPr lang="en-US" sz="1050" b="1" dirty="0" err="1" smtClean="0">
+                <a:solidFill>
+                  <a:schemeClr val="accent3">
+                    <a:lumMod val="75000"/>
+                  </a:schemeClr>
+                </a:solidFill>
+              </a:rPr>
+              <a:t>TaskDetails</a:t>
+            </a:r>
+            <a:endParaRPr lang="en-SG" sz="1050" b="1" dirty="0">
+              <a:solidFill>
+                <a:schemeClr val="accent3">
+                  <a:lumMod val="75000"/>
+                </a:schemeClr>
+              </a:solidFill>
+            </a:endParaRPr>
+          </a:p>
+        </p:txBody>
+      </p:sp>
+      <p:cxnSp>
+        <p:nvCxnSpPr>
+          <p:cNvPr id="96" name="Elbow Connector 63"/>
+          <p:cNvCxnSpPr/>
+          <p:nvPr/>
+        </p:nvCxnSpPr>
+        <p:spPr>
+          <a:xfrm rot="10800000">
+            <a:off x="3682398" y="4146475"/>
+            <a:ext cx="1845396" cy="1536"/>
+          </a:xfrm>
+          <a:prstGeom prst="bentConnector3">
+            <a:avLst>
+              <a:gd name="adj1" fmla="val 50000"/>
+            </a:avLst>
+          </a:prstGeom>
+          <a:ln w="6350">
+            <a:solidFill>
+              <a:schemeClr val="accent3"/>
+            </a:solidFill>
+            <a:headEnd type="none" w="med" len="med"/>
+            <a:tailEnd type="none" w="med" len="med"/>
+          </a:ln>
+          <a:effectLst/>
+        </p:spPr>
+        <p:style>
+          <a:lnRef idx="1">
+            <a:schemeClr val="accent2"/>
+          </a:lnRef>
+          <a:fillRef idx="2">
+            <a:schemeClr val="accent2"/>
+          </a:fillRef>
+          <a:effectRef idx="1">
+            <a:schemeClr val="accent2"/>
+          </a:effectRef>
+          <a:fontRef idx="minor">
+            <a:schemeClr val="dk1"/>
+          </a:fontRef>
+        </p:style>
+      </p:cxnSp>
     </p:spTree>
     <p:extLst>
       <p:ext uri="{BB962C8B-B14F-4D97-AF65-F5344CB8AC3E}">

--- a/docs/diagrams/UiComponentClassDiagram.pptx
+++ b/docs/diagrams/UiComponentClassDiagram.pptx
@@ -208,7 +208,7 @@
           <a:p>
             <a:fld id="{F5CC4B3F-88C1-4FFA-B1B6-F41C21DC6924}" type="datetimeFigureOut">
               <a:rPr lang="en-US" smtClean="0"/>
-              <a:t>1/7/2017</a:t>
+              <a:t>3/15/2017</a:t>
             </a:fld>
             <a:endParaRPr lang="en-US"/>
           </a:p>
@@ -654,7 +654,7 @@
           <a:p>
             <a:fld id="{78C97017-6FC3-485B-9764-EAC9E56C1D49}" type="datetimeFigureOut">
               <a:rPr lang="en-US" smtClean="0"/>
-              <a:t>1/7/2017</a:t>
+              <a:t>3/15/2017</a:t>
             </a:fld>
             <a:endParaRPr lang="en-US"/>
           </a:p>
@@ -822,7 +822,7 @@
           <a:p>
             <a:fld id="{78C97017-6FC3-485B-9764-EAC9E56C1D49}" type="datetimeFigureOut">
               <a:rPr lang="en-US" smtClean="0"/>
-              <a:t>1/7/2017</a:t>
+              <a:t>3/15/2017</a:t>
             </a:fld>
             <a:endParaRPr lang="en-US"/>
           </a:p>
@@ -1000,7 +1000,7 @@
           <a:p>
             <a:fld id="{78C97017-6FC3-485B-9764-EAC9E56C1D49}" type="datetimeFigureOut">
               <a:rPr lang="en-US" smtClean="0"/>
-              <a:t>1/7/2017</a:t>
+              <a:t>3/15/2017</a:t>
             </a:fld>
             <a:endParaRPr lang="en-US"/>
           </a:p>
@@ -1168,7 +1168,7 @@
           <a:p>
             <a:fld id="{78C97017-6FC3-485B-9764-EAC9E56C1D49}" type="datetimeFigureOut">
               <a:rPr lang="en-US" smtClean="0"/>
-              <a:t>1/7/2017</a:t>
+              <a:t>3/15/2017</a:t>
             </a:fld>
             <a:endParaRPr lang="en-US"/>
           </a:p>
@@ -1413,7 +1413,7 @@
           <a:p>
             <a:fld id="{78C97017-6FC3-485B-9764-EAC9E56C1D49}" type="datetimeFigureOut">
               <a:rPr lang="en-US" smtClean="0"/>
-              <a:t>1/7/2017</a:t>
+              <a:t>3/15/2017</a:t>
             </a:fld>
             <a:endParaRPr lang="en-US"/>
           </a:p>
@@ -1698,7 +1698,7 @@
           <a:p>
             <a:fld id="{78C97017-6FC3-485B-9764-EAC9E56C1D49}" type="datetimeFigureOut">
               <a:rPr lang="en-US" smtClean="0"/>
-              <a:t>1/7/2017</a:t>
+              <a:t>3/15/2017</a:t>
             </a:fld>
             <a:endParaRPr lang="en-US"/>
           </a:p>
@@ -2117,7 +2117,7 @@
           <a:p>
             <a:fld id="{78C97017-6FC3-485B-9764-EAC9E56C1D49}" type="datetimeFigureOut">
               <a:rPr lang="en-US" smtClean="0"/>
-              <a:t>1/7/2017</a:t>
+              <a:t>3/15/2017</a:t>
             </a:fld>
             <a:endParaRPr lang="en-US"/>
           </a:p>
@@ -2234,7 +2234,7 @@
           <a:p>
             <a:fld id="{78C97017-6FC3-485B-9764-EAC9E56C1D49}" type="datetimeFigureOut">
               <a:rPr lang="en-US" smtClean="0"/>
-              <a:t>1/7/2017</a:t>
+              <a:t>3/15/2017</a:t>
             </a:fld>
             <a:endParaRPr lang="en-US"/>
           </a:p>
@@ -2329,7 +2329,7 @@
           <a:p>
             <a:fld id="{78C97017-6FC3-485B-9764-EAC9E56C1D49}" type="datetimeFigureOut">
               <a:rPr lang="en-US" smtClean="0"/>
-              <a:t>1/7/2017</a:t>
+              <a:t>3/15/2017</a:t>
             </a:fld>
             <a:endParaRPr lang="en-US"/>
           </a:p>
@@ -2604,7 +2604,7 @@
           <a:p>
             <a:fld id="{78C97017-6FC3-485B-9764-EAC9E56C1D49}" type="datetimeFigureOut">
               <a:rPr lang="en-US" smtClean="0"/>
-              <a:t>1/7/2017</a:t>
+              <a:t>3/15/2017</a:t>
             </a:fld>
             <a:endParaRPr lang="en-US"/>
           </a:p>
@@ -2856,7 +2856,7 @@
           <a:p>
             <a:fld id="{78C97017-6FC3-485B-9764-EAC9E56C1D49}" type="datetimeFigureOut">
               <a:rPr lang="en-US" smtClean="0"/>
-              <a:t>1/7/2017</a:t>
+              <a:t>3/15/2017</a:t>
             </a:fld>
             <a:endParaRPr lang="en-US"/>
           </a:p>
@@ -3067,7 +3067,7 @@
           <a:p>
             <a:fld id="{78C97017-6FC3-485B-9764-EAC9E56C1D49}" type="datetimeFigureOut">
               <a:rPr lang="en-US" smtClean="0"/>
-              <a:t>1/7/2017</a:t>
+              <a:t>3/15/2017</a:t>
             </a:fld>
             <a:endParaRPr lang="en-US"/>
           </a:p>
@@ -4045,7 +4045,7 @@
                   </a:schemeClr>
                 </a:solidFill>
               </a:rPr>
-              <a:t>PersonListPanel</a:t>
+              <a:t>TaskListPanel</a:t>
             </a:r>
             <a:endParaRPr lang="en-SG" sz="1050" b="1" dirty="0">
               <a:solidFill>
@@ -4105,7 +4105,7 @@
                   </a:schemeClr>
                 </a:solidFill>
               </a:rPr>
-              <a:t>PersonCard</a:t>
+              <a:t>TaskCard</a:t>
             </a:r>
             <a:endParaRPr lang="en-SG" sz="1050" b="1" dirty="0">
               <a:solidFill>

--- a/docs/diagrams/UiComponentClassDiagram.pptx
+++ b/docs/diagrams/UiComponentClassDiagram.pptx
@@ -208,7 +208,7 @@
           <a:p>
             <a:fld id="{F5CC4B3F-88C1-4FFA-B1B6-F41C21DC6924}" type="datetimeFigureOut">
               <a:rPr lang="en-US" smtClean="0"/>
-              <a:t>1/7/2017</a:t>
+              <a:t>3/16/17</a:t>
             </a:fld>
             <a:endParaRPr lang="en-US"/>
           </a:p>
@@ -654,7 +654,7 @@
           <a:p>
             <a:fld id="{78C97017-6FC3-485B-9764-EAC9E56C1D49}" type="datetimeFigureOut">
               <a:rPr lang="en-US" smtClean="0"/>
-              <a:t>1/7/2017</a:t>
+              <a:t>3/16/17</a:t>
             </a:fld>
             <a:endParaRPr lang="en-US"/>
           </a:p>
@@ -822,7 +822,7 @@
           <a:p>
             <a:fld id="{78C97017-6FC3-485B-9764-EAC9E56C1D49}" type="datetimeFigureOut">
               <a:rPr lang="en-US" smtClean="0"/>
-              <a:t>1/7/2017</a:t>
+              <a:t>3/16/17</a:t>
             </a:fld>
             <a:endParaRPr lang="en-US"/>
           </a:p>
@@ -1000,7 +1000,7 @@
           <a:p>
             <a:fld id="{78C97017-6FC3-485B-9764-EAC9E56C1D49}" type="datetimeFigureOut">
               <a:rPr lang="en-US" smtClean="0"/>
-              <a:t>1/7/2017</a:t>
+              <a:t>3/16/17</a:t>
             </a:fld>
             <a:endParaRPr lang="en-US"/>
           </a:p>
@@ -1168,7 +1168,7 @@
           <a:p>
             <a:fld id="{78C97017-6FC3-485B-9764-EAC9E56C1D49}" type="datetimeFigureOut">
               <a:rPr lang="en-US" smtClean="0"/>
-              <a:t>1/7/2017</a:t>
+              <a:t>3/16/17</a:t>
             </a:fld>
             <a:endParaRPr lang="en-US"/>
           </a:p>
@@ -1413,7 +1413,7 @@
           <a:p>
             <a:fld id="{78C97017-6FC3-485B-9764-EAC9E56C1D49}" type="datetimeFigureOut">
               <a:rPr lang="en-US" smtClean="0"/>
-              <a:t>1/7/2017</a:t>
+              <a:t>3/16/17</a:t>
             </a:fld>
             <a:endParaRPr lang="en-US"/>
           </a:p>
@@ -1698,7 +1698,7 @@
           <a:p>
             <a:fld id="{78C97017-6FC3-485B-9764-EAC9E56C1D49}" type="datetimeFigureOut">
               <a:rPr lang="en-US" smtClean="0"/>
-              <a:t>1/7/2017</a:t>
+              <a:t>3/16/17</a:t>
             </a:fld>
             <a:endParaRPr lang="en-US"/>
           </a:p>
@@ -2117,7 +2117,7 @@
           <a:p>
             <a:fld id="{78C97017-6FC3-485B-9764-EAC9E56C1D49}" type="datetimeFigureOut">
               <a:rPr lang="en-US" smtClean="0"/>
-              <a:t>1/7/2017</a:t>
+              <a:t>3/16/17</a:t>
             </a:fld>
             <a:endParaRPr lang="en-US"/>
           </a:p>
@@ -2234,7 +2234,7 @@
           <a:p>
             <a:fld id="{78C97017-6FC3-485B-9764-EAC9E56C1D49}" type="datetimeFigureOut">
               <a:rPr lang="en-US" smtClean="0"/>
-              <a:t>1/7/2017</a:t>
+              <a:t>3/16/17</a:t>
             </a:fld>
             <a:endParaRPr lang="en-US"/>
           </a:p>
@@ -2329,7 +2329,7 @@
           <a:p>
             <a:fld id="{78C97017-6FC3-485B-9764-EAC9E56C1D49}" type="datetimeFigureOut">
               <a:rPr lang="en-US" smtClean="0"/>
-              <a:t>1/7/2017</a:t>
+              <a:t>3/16/17</a:t>
             </a:fld>
             <a:endParaRPr lang="en-US"/>
           </a:p>
@@ -2604,7 +2604,7 @@
           <a:p>
             <a:fld id="{78C97017-6FC3-485B-9764-EAC9E56C1D49}" type="datetimeFigureOut">
               <a:rPr lang="en-US" smtClean="0"/>
-              <a:t>1/7/2017</a:t>
+              <a:t>3/16/17</a:t>
             </a:fld>
             <a:endParaRPr lang="en-US"/>
           </a:p>
@@ -2856,7 +2856,7 @@
           <a:p>
             <a:fld id="{78C97017-6FC3-485B-9764-EAC9E56C1D49}" type="datetimeFigureOut">
               <a:rPr lang="en-US" smtClean="0"/>
-              <a:t>1/7/2017</a:t>
+              <a:t>3/16/17</a:t>
             </a:fld>
             <a:endParaRPr lang="en-US"/>
           </a:p>
@@ -3067,7 +3067,7 @@
           <a:p>
             <a:fld id="{78C97017-6FC3-485B-9764-EAC9E56C1D49}" type="datetimeFigureOut">
               <a:rPr lang="en-US" smtClean="0"/>
-              <a:t>1/7/2017</a:t>
+              <a:t>3/16/17</a:t>
             </a:fld>
             <a:endParaRPr lang="en-US"/>
           </a:p>
@@ -3451,7 +3451,7 @@
         <p:spPr>
           <a:xfrm>
             <a:off x="1217465" y="1447800"/>
-            <a:ext cx="4917083" cy="3962400"/>
+            <a:ext cx="4917083" cy="4495800"/>
           </a:xfrm>
           <a:prstGeom prst="roundRect">
             <a:avLst>
@@ -3879,13 +3879,13 @@
       </p:sp>
       <p:sp>
         <p:nvSpPr>
-          <p:cNvPr id="34" name="Rectangle 11"/>
+          <p:cNvPr id="35" name="Rectangle 11"/>
           <p:cNvSpPr/>
           <p:nvPr/>
         </p:nvSpPr>
         <p:spPr>
           <a:xfrm>
-            <a:off x="2592528" y="3649359"/>
+            <a:off x="2593225" y="5105400"/>
             <a:ext cx="1093635" cy="236841"/>
           </a:xfrm>
           <a:prstGeom prst="rect">
@@ -3925,7 +3925,7 @@
                   </a:schemeClr>
                 </a:solidFill>
               </a:rPr>
-              <a:t>BrowserPanel</a:t>
+              <a:t>StatusBarFooter</a:t>
             </a:r>
             <a:endParaRPr lang="en-SG" sz="1050" b="1" dirty="0">
               <a:solidFill>
@@ -3939,14 +3939,14 @@
       </p:sp>
       <p:sp>
         <p:nvSpPr>
-          <p:cNvPr id="35" name="Rectangle 11"/>
+          <p:cNvPr id="36" name="Rectangle 11"/>
           <p:cNvSpPr/>
           <p:nvPr/>
         </p:nvSpPr>
         <p:spPr>
           <a:xfrm>
-            <a:off x="2592527" y="4563759"/>
-            <a:ext cx="1093635" cy="236841"/>
+            <a:off x="2592526" y="3733800"/>
+            <a:ext cx="1093635" cy="355262"/>
           </a:xfrm>
           <a:prstGeom prst="rect">
             <a:avLst/>
@@ -3978,14 +3978,34 @@
           <a:p>
             <a:pPr algn="ctr"/>
             <a:r>
-              <a:rPr lang="en-US" sz="1050" b="1" dirty="0" err="1">
+              <a:rPr lang="en-SG" sz="1050" b="1" dirty="0" err="1" smtClean="0">
                 <a:solidFill>
                   <a:schemeClr val="accent3">
                     <a:lumMod val="75000"/>
                   </a:schemeClr>
                 </a:solidFill>
               </a:rPr>
-              <a:t>StatusBarFooter</a:t>
+              <a:t>TodayTask</a:t>
+            </a:r>
+            <a:endParaRPr lang="en-SG" sz="1050" b="1" dirty="0" smtClean="0">
+              <a:solidFill>
+                <a:schemeClr val="accent3">
+                  <a:lumMod val="75000"/>
+                </a:schemeClr>
+              </a:solidFill>
+            </a:endParaRPr>
+          </a:p>
+          <a:p>
+            <a:pPr algn="ctr"/>
+            <a:r>
+              <a:rPr lang="en-SG" sz="1050" b="1" dirty="0" err="1" smtClean="0">
+                <a:solidFill>
+                  <a:schemeClr val="accent3">
+                    <a:lumMod val="75000"/>
+                  </a:schemeClr>
+                </a:solidFill>
+              </a:rPr>
+              <a:t>ListPanel</a:t>
             </a:r>
             <a:endParaRPr lang="en-SG" sz="1050" b="1" dirty="0">
               <a:solidFill>
@@ -3999,14 +4019,14 @@
       </p:sp>
       <p:sp>
         <p:nvSpPr>
-          <p:cNvPr id="36" name="Rectangle 11"/>
+          <p:cNvPr id="37" name="Rectangle 11"/>
           <p:cNvSpPr/>
           <p:nvPr/>
         </p:nvSpPr>
         <p:spPr>
           <a:xfrm>
-            <a:off x="2592526" y="3991960"/>
-            <a:ext cx="1093635" cy="236841"/>
+            <a:off x="4066249" y="4198289"/>
+            <a:ext cx="1040906" cy="236841"/>
           </a:xfrm>
           <a:prstGeom prst="rect">
             <a:avLst/>
@@ -4038,14 +4058,14 @@
           <a:p>
             <a:pPr algn="ctr"/>
             <a:r>
-              <a:rPr lang="en-US" sz="1050" b="1" dirty="0" err="1">
+              <a:rPr lang="en-US" sz="1050" b="1" dirty="0" err="1" smtClean="0">
                 <a:solidFill>
                   <a:schemeClr val="accent3">
                     <a:lumMod val="75000"/>
                   </a:schemeClr>
                 </a:solidFill>
               </a:rPr>
-              <a:t>PersonListPanel</a:t>
+              <a:t>TaskCard</a:t>
             </a:r>
             <a:endParaRPr lang="en-SG" sz="1050" b="1" dirty="0">
               <a:solidFill>
@@ -4059,73 +4079,13 @@
       </p:sp>
       <p:sp>
         <p:nvSpPr>
-          <p:cNvPr id="37" name="Rectangle 11"/>
-          <p:cNvSpPr/>
-          <p:nvPr/>
-        </p:nvSpPr>
-        <p:spPr>
-          <a:xfrm>
-            <a:off x="3839323" y="4228801"/>
-            <a:ext cx="1040906" cy="236841"/>
-          </a:xfrm>
-          <a:prstGeom prst="rect">
-            <a:avLst/>
-          </a:prstGeom>
-          <a:ln w="19050">
-            <a:solidFill>
-              <a:schemeClr val="accent3"/>
-            </a:solidFill>
-          </a:ln>
-          <a:effectLst/>
-        </p:spPr>
-        <p:style>
-          <a:lnRef idx="1">
-            <a:schemeClr val="accent3"/>
-          </a:lnRef>
-          <a:fillRef idx="2">
-            <a:schemeClr val="accent3"/>
-          </a:fillRef>
-          <a:effectRef idx="1">
-            <a:schemeClr val="accent3"/>
-          </a:effectRef>
-          <a:fontRef idx="minor">
-            <a:schemeClr val="dk1"/>
-          </a:fontRef>
-        </p:style>
-        <p:txBody>
-          <a:bodyPr rtlCol="0" anchor="ctr"/>
-          <a:lstStyle/>
-          <a:p>
-            <a:pPr algn="ctr"/>
-            <a:r>
-              <a:rPr lang="en-US" sz="1050" b="1" dirty="0" err="1">
-                <a:solidFill>
-                  <a:schemeClr val="accent3">
-                    <a:lumMod val="75000"/>
-                  </a:schemeClr>
-                </a:solidFill>
-              </a:rPr>
-              <a:t>PersonCard</a:t>
-            </a:r>
-            <a:endParaRPr lang="en-SG" sz="1050" b="1" dirty="0">
-              <a:solidFill>
-                <a:schemeClr val="accent3">
-                  <a:lumMod val="75000"/>
-                </a:schemeClr>
-              </a:solidFill>
-            </a:endParaRPr>
-          </a:p>
-        </p:txBody>
-      </p:sp>
-      <p:sp>
-        <p:nvSpPr>
           <p:cNvPr id="38" name="Rectangle 11"/>
           <p:cNvSpPr/>
           <p:nvPr/>
         </p:nvSpPr>
         <p:spPr>
           <a:xfrm>
-            <a:off x="2592528" y="4966000"/>
+            <a:off x="2593224" y="5468975"/>
             <a:ext cx="1093635" cy="236841"/>
           </a:xfrm>
           <a:prstGeom prst="rect">
@@ -4328,47 +4288,6 @@
       </p:sp>
       <p:cxnSp>
         <p:nvCxnSpPr>
-          <p:cNvPr id="44" name="Elbow Connector 63"/>
-          <p:cNvCxnSpPr>
-            <a:stCxn id="39" idx="2"/>
-            <a:endCxn id="34" idx="1"/>
-          </p:cNvCxnSpPr>
-          <p:nvPr/>
-        </p:nvCxnSpPr>
-        <p:spPr>
-          <a:xfrm rot="16200000" flipH="1">
-            <a:off x="2054450" y="3229701"/>
-            <a:ext cx="899755" cy="176402"/>
-          </a:xfrm>
-          <a:prstGeom prst="bentConnector2">
-            <a:avLst/>
-          </a:prstGeom>
-          <a:ln w="19050">
-            <a:solidFill>
-              <a:schemeClr val="accent3"/>
-            </a:solidFill>
-            <a:headEnd type="none" w="med" len="med"/>
-            <a:tailEnd type="arrow" w="med" len="med"/>
-          </a:ln>
-          <a:effectLst/>
-        </p:spPr>
-        <p:style>
-          <a:lnRef idx="1">
-            <a:schemeClr val="accent2"/>
-          </a:lnRef>
-          <a:fillRef idx="2">
-            <a:schemeClr val="accent2"/>
-          </a:fillRef>
-          <a:effectRef idx="1">
-            <a:schemeClr val="accent2"/>
-          </a:effectRef>
-          <a:fontRef idx="minor">
-            <a:schemeClr val="dk1"/>
-          </a:fontRef>
-        </p:style>
-      </p:cxnSp>
-      <p:cxnSp>
-        <p:nvCxnSpPr>
           <p:cNvPr id="47" name="Elbow Connector 63"/>
           <p:cNvCxnSpPr>
             <a:stCxn id="39" idx="2"/>
@@ -4378,8 +4297,8 @@
         </p:nvCxnSpPr>
         <p:spPr>
           <a:xfrm rot="16200000" flipH="1">
-            <a:off x="1883148" y="3401003"/>
-            <a:ext cx="1242356" cy="176400"/>
+            <a:off x="1982623" y="3301528"/>
+            <a:ext cx="1043406" cy="176400"/>
           </a:xfrm>
           <a:prstGeom prst="bentConnector2">
             <a:avLst/>
@@ -4419,8 +4338,8 @@
         </p:nvCxnSpPr>
         <p:spPr>
           <a:xfrm rot="16200000" flipH="1">
-            <a:off x="1597249" y="3686901"/>
-            <a:ext cx="1814155" cy="176401"/>
+            <a:off x="1326777" y="3957373"/>
+            <a:ext cx="2355796" cy="177099"/>
           </a:xfrm>
           <a:prstGeom prst="bentConnector2">
             <a:avLst/>
@@ -4459,8 +4378,8 @@
         </p:nvCxnSpPr>
         <p:spPr>
           <a:xfrm rot="16200000" flipH="1">
-            <a:off x="1184119" y="3676012"/>
-            <a:ext cx="2396440" cy="420377"/>
+            <a:off x="870765" y="3864936"/>
+            <a:ext cx="3021411" cy="423508"/>
           </a:xfrm>
           <a:prstGeom prst="bentConnector2">
             <a:avLst/>
@@ -4620,49 +4539,8 @@
         </p:nvCxnSpPr>
         <p:spPr>
           <a:xfrm rot="5400000">
-            <a:off x="4174488" y="2991741"/>
-            <a:ext cx="2061222" cy="649740"/>
-          </a:xfrm>
-          <a:prstGeom prst="bentConnector2">
-            <a:avLst/>
-          </a:prstGeom>
-          <a:ln w="6350">
-            <a:solidFill>
-              <a:schemeClr val="accent3"/>
-            </a:solidFill>
-            <a:headEnd type="none" w="med" len="med"/>
-            <a:tailEnd type="none" w="med" len="med"/>
-          </a:ln>
-          <a:effectLst/>
-        </p:spPr>
-        <p:style>
-          <a:lnRef idx="1">
-            <a:schemeClr val="accent2"/>
-          </a:lnRef>
-          <a:fillRef idx="2">
-            <a:schemeClr val="accent2"/>
-          </a:fillRef>
-          <a:effectRef idx="1">
-            <a:schemeClr val="accent2"/>
-          </a:effectRef>
-          <a:fontRef idx="minor">
-            <a:schemeClr val="dk1"/>
-          </a:fontRef>
-        </p:style>
-      </p:cxnSp>
-      <p:cxnSp>
-        <p:nvCxnSpPr>
-          <p:cNvPr id="82" name="Elbow Connector 63"/>
-          <p:cNvCxnSpPr>
-            <a:stCxn id="16" idx="3"/>
-            <a:endCxn id="34" idx="3"/>
-          </p:cNvCxnSpPr>
-          <p:nvPr/>
-        </p:nvCxnSpPr>
-        <p:spPr>
-          <a:xfrm rot="5400000">
-            <a:off x="3867176" y="2104987"/>
-            <a:ext cx="1481780" cy="1843806"/>
+            <a:off x="4303207" y="3089948"/>
+            <a:ext cx="2030710" cy="422814"/>
           </a:xfrm>
           <a:prstGeom prst="bentConnector2">
             <a:avLst/>
@@ -4743,8 +4621,8 @@
         </p:nvCxnSpPr>
         <p:spPr>
           <a:xfrm rot="5400000">
-            <a:off x="3409976" y="2562187"/>
-            <a:ext cx="2396180" cy="1843807"/>
+            <a:off x="3139505" y="2833356"/>
+            <a:ext cx="2937821" cy="1843109"/>
           </a:xfrm>
           <a:prstGeom prst="bentConnector2">
             <a:avLst/>
@@ -4784,8 +4662,8 @@
         </p:nvCxnSpPr>
         <p:spPr>
           <a:xfrm rot="5400000">
-            <a:off x="3208856" y="2763307"/>
-            <a:ext cx="2798421" cy="1843806"/>
+            <a:off x="2957716" y="3015143"/>
+            <a:ext cx="3301396" cy="1843110"/>
           </a:xfrm>
           <a:prstGeom prst="bentConnector2">
             <a:avLst/>
@@ -5161,18 +5039,20 @@
         <p:nvCxnSpPr>
           <p:cNvPr id="137" name="Elbow Connector 136"/>
           <p:cNvCxnSpPr>
-            <a:stCxn id="36" idx="2"/>
+            <a:stCxn id="55" idx="3"/>
             <a:endCxn id="37" idx="1"/>
           </p:cNvCxnSpPr>
           <p:nvPr/>
         </p:nvCxnSpPr>
         <p:spPr>
-          <a:xfrm rot="16200000" flipH="1">
-            <a:off x="3430123" y="3938021"/>
-            <a:ext cx="118421" cy="699979"/>
-          </a:xfrm>
-          <a:prstGeom prst="bentConnector2">
-            <a:avLst/>
+          <a:xfrm flipV="1">
+            <a:off x="3684435" y="4316710"/>
+            <a:ext cx="381814" cy="1459"/>
+          </a:xfrm>
+          <a:prstGeom prst="bentConnector3">
+            <a:avLst>
+              <a:gd name="adj1" fmla="val 50000"/>
+            </a:avLst>
           </a:prstGeom>
           <a:ln w="19050">
             <a:solidFill>
@@ -5201,16 +5081,13 @@
       <p:cxnSp>
         <p:nvCxnSpPr>
           <p:cNvPr id="140" name="Elbow Connector 63"/>
-          <p:cNvCxnSpPr>
-            <a:stCxn id="16" idx="3"/>
-            <a:endCxn id="36" idx="3"/>
-          </p:cNvCxnSpPr>
+          <p:cNvCxnSpPr/>
           <p:nvPr/>
         </p:nvCxnSpPr>
         <p:spPr>
           <a:xfrm rot="5400000">
-            <a:off x="3695875" y="2276286"/>
-            <a:ext cx="1824381" cy="1843808"/>
+            <a:off x="3795350" y="2075380"/>
+            <a:ext cx="1625431" cy="1843808"/>
           </a:xfrm>
           <a:prstGeom prst="bentConnector2">
             <a:avLst/>
@@ -5509,6 +5386,414 @@
           </a:p>
         </p:txBody>
       </p:sp>
+      <p:sp>
+        <p:nvSpPr>
+          <p:cNvPr id="55" name="Rectangle 11"/>
+          <p:cNvSpPr/>
+          <p:nvPr/>
+        </p:nvSpPr>
+        <p:spPr>
+          <a:xfrm>
+            <a:off x="2590800" y="4140538"/>
+            <a:ext cx="1093635" cy="355262"/>
+          </a:xfrm>
+          <a:prstGeom prst="rect">
+            <a:avLst/>
+          </a:prstGeom>
+          <a:ln w="19050">
+            <a:solidFill>
+              <a:schemeClr val="accent3"/>
+            </a:solidFill>
+          </a:ln>
+          <a:effectLst/>
+        </p:spPr>
+        <p:style>
+          <a:lnRef idx="1">
+            <a:schemeClr val="accent3"/>
+          </a:lnRef>
+          <a:fillRef idx="2">
+            <a:schemeClr val="accent3"/>
+          </a:fillRef>
+          <a:effectRef idx="1">
+            <a:schemeClr val="accent3"/>
+          </a:effectRef>
+          <a:fontRef idx="minor">
+            <a:schemeClr val="dk1"/>
+          </a:fontRef>
+        </p:style>
+        <p:txBody>
+          <a:bodyPr rtlCol="0" anchor="ctr"/>
+          <a:lstStyle/>
+          <a:p>
+            <a:pPr algn="ctr"/>
+            <a:r>
+              <a:rPr lang="en-SG" sz="1050" b="1" dirty="0" err="1" smtClean="0">
+                <a:solidFill>
+                  <a:schemeClr val="accent3">
+                    <a:lumMod val="75000"/>
+                  </a:schemeClr>
+                </a:solidFill>
+              </a:rPr>
+              <a:t>WeekTask</a:t>
+            </a:r>
+            <a:endParaRPr lang="en-SG" sz="1050" b="1" dirty="0" smtClean="0">
+              <a:solidFill>
+                <a:schemeClr val="accent3">
+                  <a:lumMod val="75000"/>
+                </a:schemeClr>
+              </a:solidFill>
+            </a:endParaRPr>
+          </a:p>
+          <a:p>
+            <a:pPr algn="ctr"/>
+            <a:r>
+              <a:rPr lang="en-SG" sz="1050" b="1" dirty="0" err="1" smtClean="0">
+                <a:solidFill>
+                  <a:schemeClr val="accent3">
+                    <a:lumMod val="75000"/>
+                  </a:schemeClr>
+                </a:solidFill>
+              </a:rPr>
+              <a:t>ListPanel</a:t>
+            </a:r>
+            <a:endParaRPr lang="en-SG" sz="1050" b="1" dirty="0">
+              <a:solidFill>
+                <a:schemeClr val="accent3">
+                  <a:lumMod val="75000"/>
+                </a:schemeClr>
+              </a:solidFill>
+            </a:endParaRPr>
+          </a:p>
+        </p:txBody>
+      </p:sp>
+      <p:cxnSp>
+        <p:nvCxnSpPr>
+          <p:cNvPr id="56" name="Elbow Connector 63"/>
+          <p:cNvCxnSpPr/>
+          <p:nvPr/>
+        </p:nvCxnSpPr>
+        <p:spPr>
+          <a:xfrm rot="10800000">
+            <a:off x="3686159" y="4153414"/>
+            <a:ext cx="1843810" cy="1269"/>
+          </a:xfrm>
+          <a:prstGeom prst="bentConnector3">
+            <a:avLst>
+              <a:gd name="adj1" fmla="val 50000"/>
+            </a:avLst>
+          </a:prstGeom>
+          <a:ln w="6350">
+            <a:solidFill>
+              <a:schemeClr val="accent3"/>
+            </a:solidFill>
+            <a:headEnd type="none" w="med" len="med"/>
+            <a:tailEnd type="none" w="med" len="med"/>
+          </a:ln>
+          <a:effectLst/>
+        </p:spPr>
+        <p:style>
+          <a:lnRef idx="1">
+            <a:schemeClr val="accent2"/>
+          </a:lnRef>
+          <a:fillRef idx="2">
+            <a:schemeClr val="accent2"/>
+          </a:fillRef>
+          <a:effectRef idx="1">
+            <a:schemeClr val="accent2"/>
+          </a:effectRef>
+          <a:fontRef idx="minor">
+            <a:schemeClr val="dk1"/>
+          </a:fontRef>
+        </p:style>
+      </p:cxnSp>
+      <p:cxnSp>
+        <p:nvCxnSpPr>
+          <p:cNvPr id="59" name="Elbow Connector 58"/>
+          <p:cNvCxnSpPr>
+            <a:stCxn id="36" idx="3"/>
+            <a:endCxn id="37" idx="1"/>
+          </p:cNvCxnSpPr>
+          <p:nvPr/>
+        </p:nvCxnSpPr>
+        <p:spPr>
+          <a:xfrm>
+            <a:off x="3686161" y="3911431"/>
+            <a:ext cx="380088" cy="405279"/>
+          </a:xfrm>
+          <a:prstGeom prst="bentConnector3">
+            <a:avLst>
+              <a:gd name="adj1" fmla="val 50000"/>
+            </a:avLst>
+          </a:prstGeom>
+          <a:ln w="19050">
+            <a:solidFill>
+              <a:schemeClr val="accent3"/>
+            </a:solidFill>
+            <a:headEnd type="none" w="med" len="med"/>
+            <a:tailEnd type="arrow" w="med" len="med"/>
+          </a:ln>
+          <a:effectLst/>
+        </p:spPr>
+        <p:style>
+          <a:lnRef idx="1">
+            <a:schemeClr val="accent2"/>
+          </a:lnRef>
+          <a:fillRef idx="2">
+            <a:schemeClr val="accent2"/>
+          </a:fillRef>
+          <a:effectRef idx="1">
+            <a:schemeClr val="accent2"/>
+          </a:effectRef>
+          <a:fontRef idx="minor">
+            <a:schemeClr val="dk1"/>
+          </a:fontRef>
+        </p:style>
+      </p:cxnSp>
+      <p:sp>
+        <p:nvSpPr>
+          <p:cNvPr id="71" name="Rectangle 11"/>
+          <p:cNvSpPr/>
+          <p:nvPr/>
+        </p:nvSpPr>
+        <p:spPr>
+          <a:xfrm>
+            <a:off x="2590800" y="4551765"/>
+            <a:ext cx="1093635" cy="355262"/>
+          </a:xfrm>
+          <a:prstGeom prst="rect">
+            <a:avLst/>
+          </a:prstGeom>
+          <a:ln w="19050">
+            <a:solidFill>
+              <a:schemeClr val="accent3"/>
+            </a:solidFill>
+          </a:ln>
+          <a:effectLst/>
+        </p:spPr>
+        <p:style>
+          <a:lnRef idx="1">
+            <a:schemeClr val="accent3"/>
+          </a:lnRef>
+          <a:fillRef idx="2">
+            <a:schemeClr val="accent3"/>
+          </a:fillRef>
+          <a:effectRef idx="1">
+            <a:schemeClr val="accent3"/>
+          </a:effectRef>
+          <a:fontRef idx="minor">
+            <a:schemeClr val="dk1"/>
+          </a:fontRef>
+        </p:style>
+        <p:txBody>
+          <a:bodyPr rtlCol="0" anchor="ctr"/>
+          <a:lstStyle/>
+          <a:p>
+            <a:pPr algn="ctr"/>
+            <a:r>
+              <a:rPr lang="en-SG" sz="1050" b="1" dirty="0" err="1" smtClean="0">
+                <a:solidFill>
+                  <a:schemeClr val="accent3">
+                    <a:lumMod val="75000"/>
+                  </a:schemeClr>
+                </a:solidFill>
+              </a:rPr>
+              <a:t>FloatingTask</a:t>
+            </a:r>
+            <a:endParaRPr lang="en-SG" sz="1050" b="1" dirty="0" smtClean="0">
+              <a:solidFill>
+                <a:schemeClr val="accent3">
+                  <a:lumMod val="75000"/>
+                </a:schemeClr>
+              </a:solidFill>
+            </a:endParaRPr>
+          </a:p>
+          <a:p>
+            <a:pPr algn="ctr"/>
+            <a:r>
+              <a:rPr lang="en-SG" sz="1050" b="1" dirty="0" err="1" smtClean="0">
+                <a:solidFill>
+                  <a:schemeClr val="accent3">
+                    <a:lumMod val="75000"/>
+                  </a:schemeClr>
+                </a:solidFill>
+              </a:rPr>
+              <a:t>ListPanel</a:t>
+            </a:r>
+            <a:endParaRPr lang="en-SG" sz="1050" b="1" dirty="0">
+              <a:solidFill>
+                <a:schemeClr val="accent3">
+                  <a:lumMod val="75000"/>
+                </a:schemeClr>
+              </a:solidFill>
+            </a:endParaRPr>
+          </a:p>
+        </p:txBody>
+      </p:sp>
+      <p:cxnSp>
+        <p:nvCxnSpPr>
+          <p:cNvPr id="72" name="Elbow Connector 63"/>
+          <p:cNvCxnSpPr>
+            <a:stCxn id="39" idx="2"/>
+            <a:endCxn id="55" idx="1"/>
+          </p:cNvCxnSpPr>
+          <p:nvPr/>
+        </p:nvCxnSpPr>
+        <p:spPr>
+          <a:xfrm rot="16200000" flipH="1">
+            <a:off x="1778391" y="3505760"/>
+            <a:ext cx="1450144" cy="174674"/>
+          </a:xfrm>
+          <a:prstGeom prst="bentConnector2">
+            <a:avLst/>
+          </a:prstGeom>
+          <a:ln w="19050">
+            <a:solidFill>
+              <a:schemeClr val="accent3"/>
+            </a:solidFill>
+            <a:headEnd type="none" w="med" len="med"/>
+            <a:tailEnd type="arrow" w="med" len="med"/>
+          </a:ln>
+          <a:effectLst/>
+        </p:spPr>
+        <p:style>
+          <a:lnRef idx="1">
+            <a:schemeClr val="accent2"/>
+          </a:lnRef>
+          <a:fillRef idx="2">
+            <a:schemeClr val="accent2"/>
+          </a:fillRef>
+          <a:effectRef idx="1">
+            <a:schemeClr val="accent2"/>
+          </a:effectRef>
+          <a:fontRef idx="minor">
+            <a:schemeClr val="dk1"/>
+          </a:fontRef>
+        </p:style>
+      </p:cxnSp>
+      <p:cxnSp>
+        <p:nvCxnSpPr>
+          <p:cNvPr id="78" name="Elbow Connector 63"/>
+          <p:cNvCxnSpPr>
+            <a:stCxn id="39" idx="2"/>
+            <a:endCxn id="71" idx="1"/>
+          </p:cNvCxnSpPr>
+          <p:nvPr/>
+        </p:nvCxnSpPr>
+        <p:spPr>
+          <a:xfrm rot="16200000" flipH="1">
+            <a:off x="1572778" y="3711373"/>
+            <a:ext cx="1861371" cy="174674"/>
+          </a:xfrm>
+          <a:prstGeom prst="bentConnector2">
+            <a:avLst/>
+          </a:prstGeom>
+          <a:ln w="19050">
+            <a:solidFill>
+              <a:schemeClr val="accent3"/>
+            </a:solidFill>
+            <a:headEnd type="none" w="med" len="med"/>
+            <a:tailEnd type="arrow" w="med" len="med"/>
+          </a:ln>
+          <a:effectLst/>
+        </p:spPr>
+        <p:style>
+          <a:lnRef idx="1">
+            <a:schemeClr val="accent2"/>
+          </a:lnRef>
+          <a:fillRef idx="2">
+            <a:schemeClr val="accent2"/>
+          </a:fillRef>
+          <a:effectRef idx="1">
+            <a:schemeClr val="accent2"/>
+          </a:effectRef>
+          <a:fontRef idx="minor">
+            <a:schemeClr val="dk1"/>
+          </a:fontRef>
+        </p:style>
+      </p:cxnSp>
+      <p:cxnSp>
+        <p:nvCxnSpPr>
+          <p:cNvPr id="86" name="Elbow Connector 85"/>
+          <p:cNvCxnSpPr>
+            <a:stCxn id="71" idx="3"/>
+            <a:endCxn id="37" idx="1"/>
+          </p:cNvCxnSpPr>
+          <p:nvPr/>
+        </p:nvCxnSpPr>
+        <p:spPr>
+          <a:xfrm flipV="1">
+            <a:off x="3684435" y="4316710"/>
+            <a:ext cx="381814" cy="412686"/>
+          </a:xfrm>
+          <a:prstGeom prst="bentConnector3">
+            <a:avLst>
+              <a:gd name="adj1" fmla="val 50000"/>
+            </a:avLst>
+          </a:prstGeom>
+          <a:ln w="19050">
+            <a:solidFill>
+              <a:schemeClr val="accent3"/>
+            </a:solidFill>
+            <a:headEnd type="none" w="med" len="med"/>
+            <a:tailEnd type="arrow" w="med" len="med"/>
+          </a:ln>
+          <a:effectLst/>
+        </p:spPr>
+        <p:style>
+          <a:lnRef idx="1">
+            <a:schemeClr val="accent2"/>
+          </a:lnRef>
+          <a:fillRef idx="2">
+            <a:schemeClr val="accent2"/>
+          </a:fillRef>
+          <a:effectRef idx="1">
+            <a:schemeClr val="accent2"/>
+          </a:effectRef>
+          <a:fontRef idx="minor">
+            <a:schemeClr val="dk1"/>
+          </a:fontRef>
+        </p:style>
+      </p:cxnSp>
+      <p:cxnSp>
+        <p:nvCxnSpPr>
+          <p:cNvPr id="89" name="Elbow Connector 63"/>
+          <p:cNvCxnSpPr/>
+          <p:nvPr/>
+        </p:nvCxnSpPr>
+        <p:spPr>
+          <a:xfrm rot="10800000" flipV="1">
+            <a:off x="3689241" y="4828894"/>
+            <a:ext cx="1832400" cy="2203"/>
+          </a:xfrm>
+          <a:prstGeom prst="bentConnector3">
+            <a:avLst>
+              <a:gd name="adj1" fmla="val 50000"/>
+            </a:avLst>
+          </a:prstGeom>
+          <a:ln w="6350">
+            <a:solidFill>
+              <a:schemeClr val="accent3"/>
+            </a:solidFill>
+            <a:headEnd type="none" w="med" len="med"/>
+            <a:tailEnd type="none" w="med" len="med"/>
+          </a:ln>
+          <a:effectLst/>
+        </p:spPr>
+        <p:style>
+          <a:lnRef idx="1">
+            <a:schemeClr val="accent2"/>
+          </a:lnRef>
+          <a:fillRef idx="2">
+            <a:schemeClr val="accent2"/>
+          </a:fillRef>
+          <a:effectRef idx="1">
+            <a:schemeClr val="accent2"/>
+          </a:effectRef>
+          <a:fontRef idx="minor">
+            <a:schemeClr val="dk1"/>
+          </a:fontRef>
+        </p:style>
+      </p:cxnSp>
     </p:spTree>
     <p:extLst>
       <p:ext uri="{BB962C8B-B14F-4D97-AF65-F5344CB8AC3E}">

--- a/docs/diagrams/UiComponentClassDiagram.pptx
+++ b/docs/diagrams/UiComponentClassDiagram.pptx
@@ -208,7 +208,7 @@
           <a:p>
             <a:fld id="{F5CC4B3F-88C1-4FFA-B1B6-F41C21DC6924}" type="datetimeFigureOut">
               <a:rPr lang="en-US" smtClean="0"/>
-              <a:t>1/7/2017</a:t>
+              <a:t>3/16/2017</a:t>
             </a:fld>
             <a:endParaRPr lang="en-US"/>
           </a:p>
@@ -654,7 +654,7 @@
           <a:p>
             <a:fld id="{78C97017-6FC3-485B-9764-EAC9E56C1D49}" type="datetimeFigureOut">
               <a:rPr lang="en-US" smtClean="0"/>
-              <a:t>1/7/2017</a:t>
+              <a:t>3/16/2017</a:t>
             </a:fld>
             <a:endParaRPr lang="en-US"/>
           </a:p>
@@ -822,7 +822,7 @@
           <a:p>
             <a:fld id="{78C97017-6FC3-485B-9764-EAC9E56C1D49}" type="datetimeFigureOut">
               <a:rPr lang="en-US" smtClean="0"/>
-              <a:t>1/7/2017</a:t>
+              <a:t>3/16/2017</a:t>
             </a:fld>
             <a:endParaRPr lang="en-US"/>
           </a:p>
@@ -1000,7 +1000,7 @@
           <a:p>
             <a:fld id="{78C97017-6FC3-485B-9764-EAC9E56C1D49}" type="datetimeFigureOut">
               <a:rPr lang="en-US" smtClean="0"/>
-              <a:t>1/7/2017</a:t>
+              <a:t>3/16/2017</a:t>
             </a:fld>
             <a:endParaRPr lang="en-US"/>
           </a:p>
@@ -1168,7 +1168,7 @@
           <a:p>
             <a:fld id="{78C97017-6FC3-485B-9764-EAC9E56C1D49}" type="datetimeFigureOut">
               <a:rPr lang="en-US" smtClean="0"/>
-              <a:t>1/7/2017</a:t>
+              <a:t>3/16/2017</a:t>
             </a:fld>
             <a:endParaRPr lang="en-US"/>
           </a:p>
@@ -1413,7 +1413,7 @@
           <a:p>
             <a:fld id="{78C97017-6FC3-485B-9764-EAC9E56C1D49}" type="datetimeFigureOut">
               <a:rPr lang="en-US" smtClean="0"/>
-              <a:t>1/7/2017</a:t>
+              <a:t>3/16/2017</a:t>
             </a:fld>
             <a:endParaRPr lang="en-US"/>
           </a:p>
@@ -1698,7 +1698,7 @@
           <a:p>
             <a:fld id="{78C97017-6FC3-485B-9764-EAC9E56C1D49}" type="datetimeFigureOut">
               <a:rPr lang="en-US" smtClean="0"/>
-              <a:t>1/7/2017</a:t>
+              <a:t>3/16/2017</a:t>
             </a:fld>
             <a:endParaRPr lang="en-US"/>
           </a:p>
@@ -2117,7 +2117,7 @@
           <a:p>
             <a:fld id="{78C97017-6FC3-485B-9764-EAC9E56C1D49}" type="datetimeFigureOut">
               <a:rPr lang="en-US" smtClean="0"/>
-              <a:t>1/7/2017</a:t>
+              <a:t>3/16/2017</a:t>
             </a:fld>
             <a:endParaRPr lang="en-US"/>
           </a:p>
@@ -2234,7 +2234,7 @@
           <a:p>
             <a:fld id="{78C97017-6FC3-485B-9764-EAC9E56C1D49}" type="datetimeFigureOut">
               <a:rPr lang="en-US" smtClean="0"/>
-              <a:t>1/7/2017</a:t>
+              <a:t>3/16/2017</a:t>
             </a:fld>
             <a:endParaRPr lang="en-US"/>
           </a:p>
@@ -2329,7 +2329,7 @@
           <a:p>
             <a:fld id="{78C97017-6FC3-485B-9764-EAC9E56C1D49}" type="datetimeFigureOut">
               <a:rPr lang="en-US" smtClean="0"/>
-              <a:t>1/7/2017</a:t>
+              <a:t>3/16/2017</a:t>
             </a:fld>
             <a:endParaRPr lang="en-US"/>
           </a:p>
@@ -2604,7 +2604,7 @@
           <a:p>
             <a:fld id="{78C97017-6FC3-485B-9764-EAC9E56C1D49}" type="datetimeFigureOut">
               <a:rPr lang="en-US" smtClean="0"/>
-              <a:t>1/7/2017</a:t>
+              <a:t>3/16/2017</a:t>
             </a:fld>
             <a:endParaRPr lang="en-US"/>
           </a:p>
@@ -2856,7 +2856,7 @@
           <a:p>
             <a:fld id="{78C97017-6FC3-485B-9764-EAC9E56C1D49}" type="datetimeFigureOut">
               <a:rPr lang="en-US" smtClean="0"/>
-              <a:t>1/7/2017</a:t>
+              <a:t>3/16/2017</a:t>
             </a:fld>
             <a:endParaRPr lang="en-US"/>
           </a:p>
@@ -3067,7 +3067,7 @@
           <a:p>
             <a:fld id="{78C97017-6FC3-485B-9764-EAC9E56C1D49}" type="datetimeFigureOut">
               <a:rPr lang="en-US" smtClean="0"/>
-              <a:t>1/7/2017</a:t>
+              <a:t>3/16/2017</a:t>
             </a:fld>
             <a:endParaRPr lang="en-US"/>
           </a:p>
@@ -3879,13 +3879,13 @@
       </p:sp>
       <p:sp>
         <p:nvSpPr>
-          <p:cNvPr id="34" name="Rectangle 11"/>
+          <p:cNvPr id="35" name="Rectangle 11"/>
           <p:cNvSpPr/>
           <p:nvPr/>
         </p:nvSpPr>
         <p:spPr>
           <a:xfrm>
-            <a:off x="2592528" y="3649359"/>
+            <a:off x="2592527" y="4563759"/>
             <a:ext cx="1093635" cy="236841"/>
           </a:xfrm>
           <a:prstGeom prst="rect">
@@ -3925,7 +3925,7 @@
                   </a:schemeClr>
                 </a:solidFill>
               </a:rPr>
-              <a:t>BrowserPanel</a:t>
+              <a:t>StatusBarFooter</a:t>
             </a:r>
             <a:endParaRPr lang="en-SG" sz="1050" b="1" dirty="0">
               <a:solidFill>
@@ -3939,13 +3939,13 @@
       </p:sp>
       <p:sp>
         <p:nvSpPr>
-          <p:cNvPr id="35" name="Rectangle 11"/>
+          <p:cNvPr id="36" name="Rectangle 11"/>
           <p:cNvSpPr/>
           <p:nvPr/>
         </p:nvSpPr>
         <p:spPr>
           <a:xfrm>
-            <a:off x="2592527" y="4563759"/>
+            <a:off x="2612291" y="3682918"/>
             <a:ext cx="1093635" cy="236841"/>
           </a:xfrm>
           <a:prstGeom prst="rect">
@@ -3985,7 +3985,7 @@
                   </a:schemeClr>
                 </a:solidFill>
               </a:rPr>
-              <a:t>StatusBarFooter</a:t>
+              <a:t>TaskListPanel</a:t>
             </a:r>
             <a:endParaRPr lang="en-SG" sz="1050" b="1" dirty="0">
               <a:solidFill>
@@ -3999,14 +3999,14 @@
       </p:sp>
       <p:sp>
         <p:nvSpPr>
-          <p:cNvPr id="36" name="Rectangle 11"/>
+          <p:cNvPr id="37" name="Rectangle 11"/>
           <p:cNvSpPr/>
           <p:nvPr/>
         </p:nvSpPr>
         <p:spPr>
           <a:xfrm>
-            <a:off x="2592526" y="3991960"/>
-            <a:ext cx="1093635" cy="236841"/>
+            <a:off x="3839323" y="4228801"/>
+            <a:ext cx="1040906" cy="236841"/>
           </a:xfrm>
           <a:prstGeom prst="rect">
             <a:avLst/>
@@ -4045,67 +4045,7 @@
                   </a:schemeClr>
                 </a:solidFill>
               </a:rPr>
-              <a:t>PersonListPanel</a:t>
-            </a:r>
-            <a:endParaRPr lang="en-SG" sz="1050" b="1" dirty="0">
-              <a:solidFill>
-                <a:schemeClr val="accent3">
-                  <a:lumMod val="75000"/>
-                </a:schemeClr>
-              </a:solidFill>
-            </a:endParaRPr>
-          </a:p>
-        </p:txBody>
-      </p:sp>
-      <p:sp>
-        <p:nvSpPr>
-          <p:cNvPr id="37" name="Rectangle 11"/>
-          <p:cNvSpPr/>
-          <p:nvPr/>
-        </p:nvSpPr>
-        <p:spPr>
-          <a:xfrm>
-            <a:off x="3839323" y="4228801"/>
-            <a:ext cx="1040906" cy="236841"/>
-          </a:xfrm>
-          <a:prstGeom prst="rect">
-            <a:avLst/>
-          </a:prstGeom>
-          <a:ln w="19050">
-            <a:solidFill>
-              <a:schemeClr val="accent3"/>
-            </a:solidFill>
-          </a:ln>
-          <a:effectLst/>
-        </p:spPr>
-        <p:style>
-          <a:lnRef idx="1">
-            <a:schemeClr val="accent3"/>
-          </a:lnRef>
-          <a:fillRef idx="2">
-            <a:schemeClr val="accent3"/>
-          </a:fillRef>
-          <a:effectRef idx="1">
-            <a:schemeClr val="accent3"/>
-          </a:effectRef>
-          <a:fontRef idx="minor">
-            <a:schemeClr val="dk1"/>
-          </a:fontRef>
-        </p:style>
-        <p:txBody>
-          <a:bodyPr rtlCol="0" anchor="ctr"/>
-          <a:lstStyle/>
-          <a:p>
-            <a:pPr algn="ctr"/>
-            <a:r>
-              <a:rPr lang="en-US" sz="1050" b="1" dirty="0" err="1">
-                <a:solidFill>
-                  <a:schemeClr val="accent3">
-                    <a:lumMod val="75000"/>
-                  </a:schemeClr>
-                </a:solidFill>
-              </a:rPr>
-              <a:t>PersonCard</a:t>
+              <a:t>TaskCard</a:t>
             </a:r>
             <a:endParaRPr lang="en-SG" sz="1050" b="1" dirty="0">
               <a:solidFill>
@@ -4328,17 +4268,17 @@
       </p:sp>
       <p:cxnSp>
         <p:nvCxnSpPr>
-          <p:cNvPr id="44" name="Elbow Connector 63"/>
+          <p:cNvPr id="47" name="Elbow Connector 63"/>
           <p:cNvCxnSpPr>
             <a:stCxn id="39" idx="2"/>
-            <a:endCxn id="34" idx="1"/>
+            <a:endCxn id="36" idx="1"/>
           </p:cNvCxnSpPr>
           <p:nvPr/>
         </p:nvCxnSpPr>
         <p:spPr>
           <a:xfrm rot="16200000" flipH="1">
-            <a:off x="2054450" y="3229701"/>
-            <a:ext cx="899755" cy="176402"/>
+            <a:off x="2047551" y="3236599"/>
+            <a:ext cx="933314" cy="196165"/>
           </a:xfrm>
           <a:prstGeom prst="bentConnector2">
             <a:avLst/>
@@ -4369,49 +4309,9 @@
       </p:cxnSp>
       <p:cxnSp>
         <p:nvCxnSpPr>
-          <p:cNvPr id="47" name="Elbow Connector 63"/>
-          <p:cNvCxnSpPr>
-            <a:stCxn id="39" idx="2"/>
-            <a:endCxn id="36" idx="1"/>
-          </p:cNvCxnSpPr>
-          <p:nvPr/>
-        </p:nvCxnSpPr>
-        <p:spPr>
-          <a:xfrm rot="16200000" flipH="1">
-            <a:off x="1883148" y="3401003"/>
-            <a:ext cx="1242356" cy="176400"/>
-          </a:xfrm>
-          <a:prstGeom prst="bentConnector2">
-            <a:avLst/>
-          </a:prstGeom>
-          <a:ln w="19050">
-            <a:solidFill>
-              <a:schemeClr val="accent3"/>
-            </a:solidFill>
-            <a:headEnd type="none" w="med" len="med"/>
-            <a:tailEnd type="arrow" w="med" len="med"/>
-          </a:ln>
-          <a:effectLst/>
-        </p:spPr>
-        <p:style>
-          <a:lnRef idx="1">
-            <a:schemeClr val="accent2"/>
-          </a:lnRef>
-          <a:fillRef idx="2">
-            <a:schemeClr val="accent2"/>
-          </a:fillRef>
-          <a:effectRef idx="1">
-            <a:schemeClr val="accent2"/>
-          </a:effectRef>
-          <a:fontRef idx="minor">
-            <a:schemeClr val="dk1"/>
-          </a:fontRef>
-        </p:style>
-      </p:cxnSp>
-      <p:cxnSp>
-        <p:nvCxnSpPr>
           <p:cNvPr id="50" name="Elbow Connector 63"/>
           <p:cNvCxnSpPr>
+            <a:cxnSpLocks/>
             <a:stCxn id="39" idx="2"/>
             <a:endCxn id="35" idx="1"/>
           </p:cNvCxnSpPr>
@@ -4652,47 +4552,6 @@
       </p:cxnSp>
       <p:cxnSp>
         <p:nvCxnSpPr>
-          <p:cNvPr id="82" name="Elbow Connector 63"/>
-          <p:cNvCxnSpPr>
-            <a:stCxn id="16" idx="3"/>
-            <a:endCxn id="34" idx="3"/>
-          </p:cNvCxnSpPr>
-          <p:nvPr/>
-        </p:nvCxnSpPr>
-        <p:spPr>
-          <a:xfrm rot="5400000">
-            <a:off x="3867176" y="2104987"/>
-            <a:ext cx="1481780" cy="1843806"/>
-          </a:xfrm>
-          <a:prstGeom prst="bentConnector2">
-            <a:avLst/>
-          </a:prstGeom>
-          <a:ln w="6350">
-            <a:solidFill>
-              <a:schemeClr val="accent3"/>
-            </a:solidFill>
-            <a:headEnd type="none" w="med" len="med"/>
-            <a:tailEnd type="none" w="med" len="med"/>
-          </a:ln>
-          <a:effectLst/>
-        </p:spPr>
-        <p:style>
-          <a:lnRef idx="1">
-            <a:schemeClr val="accent2"/>
-          </a:lnRef>
-          <a:fillRef idx="2">
-            <a:schemeClr val="accent2"/>
-          </a:fillRef>
-          <a:effectRef idx="1">
-            <a:schemeClr val="accent2"/>
-          </a:effectRef>
-          <a:fontRef idx="minor">
-            <a:schemeClr val="dk1"/>
-          </a:fontRef>
-        </p:style>
-      </p:cxnSp>
-      <p:cxnSp>
-        <p:nvCxnSpPr>
           <p:cNvPr id="88" name="Elbow Connector 63"/>
           <p:cNvCxnSpPr>
             <a:stCxn id="2" idx="3"/>
@@ -5168,8 +5027,8 @@
         </p:nvCxnSpPr>
         <p:spPr>
           <a:xfrm rot="16200000" flipH="1">
-            <a:off x="3430123" y="3938021"/>
-            <a:ext cx="118421" cy="699979"/>
+            <a:off x="3285485" y="3793383"/>
+            <a:ext cx="427463" cy="680214"/>
           </a:xfrm>
           <a:prstGeom prst="bentConnector2">
             <a:avLst/>
@@ -5209,8 +5068,8 @@
         </p:nvCxnSpPr>
         <p:spPr>
           <a:xfrm rot="5400000">
-            <a:off x="3695875" y="2276286"/>
-            <a:ext cx="1824381" cy="1843808"/>
+            <a:off x="3860279" y="2131648"/>
+            <a:ext cx="1515339" cy="1824043"/>
           </a:xfrm>
           <a:prstGeom prst="bentConnector2">
             <a:avLst/>

--- a/docs/diagrams/UiComponentClassDiagram.pptx
+++ b/docs/diagrams/UiComponentClassDiagram.pptx
@@ -208,7 +208,7 @@
           <a:p>
             <a:fld id="{F5CC4B3F-88C1-4FFA-B1B6-F41C21DC6924}" type="datetimeFigureOut">
               <a:rPr lang="en-US" smtClean="0"/>
-              <a:t>3/16/17</a:t>
+              <a:t>3/17/17</a:t>
             </a:fld>
             <a:endParaRPr lang="en-US"/>
           </a:p>
@@ -654,7 +654,7 @@
           <a:p>
             <a:fld id="{78C97017-6FC3-485B-9764-EAC9E56C1D49}" type="datetimeFigureOut">
               <a:rPr lang="en-US" smtClean="0"/>
-              <a:t>3/16/17</a:t>
+              <a:t>3/17/17</a:t>
             </a:fld>
             <a:endParaRPr lang="en-US"/>
           </a:p>
@@ -822,7 +822,7 @@
           <a:p>
             <a:fld id="{78C97017-6FC3-485B-9764-EAC9E56C1D49}" type="datetimeFigureOut">
               <a:rPr lang="en-US" smtClean="0"/>
-              <a:t>3/16/17</a:t>
+              <a:t>3/17/17</a:t>
             </a:fld>
             <a:endParaRPr lang="en-US"/>
           </a:p>
@@ -1000,7 +1000,7 @@
           <a:p>
             <a:fld id="{78C97017-6FC3-485B-9764-EAC9E56C1D49}" type="datetimeFigureOut">
               <a:rPr lang="en-US" smtClean="0"/>
-              <a:t>3/16/17</a:t>
+              <a:t>3/17/17</a:t>
             </a:fld>
             <a:endParaRPr lang="en-US"/>
           </a:p>
@@ -1168,7 +1168,7 @@
           <a:p>
             <a:fld id="{78C97017-6FC3-485B-9764-EAC9E56C1D49}" type="datetimeFigureOut">
               <a:rPr lang="en-US" smtClean="0"/>
-              <a:t>3/16/17</a:t>
+              <a:t>3/17/17</a:t>
             </a:fld>
             <a:endParaRPr lang="en-US"/>
           </a:p>
@@ -1413,7 +1413,7 @@
           <a:p>
             <a:fld id="{78C97017-6FC3-485B-9764-EAC9E56C1D49}" type="datetimeFigureOut">
               <a:rPr lang="en-US" smtClean="0"/>
-              <a:t>3/16/17</a:t>
+              <a:t>3/17/17</a:t>
             </a:fld>
             <a:endParaRPr lang="en-US"/>
           </a:p>
@@ -1698,7 +1698,7 @@
           <a:p>
             <a:fld id="{78C97017-6FC3-485B-9764-EAC9E56C1D49}" type="datetimeFigureOut">
               <a:rPr lang="en-US" smtClean="0"/>
-              <a:t>3/16/17</a:t>
+              <a:t>3/17/17</a:t>
             </a:fld>
             <a:endParaRPr lang="en-US"/>
           </a:p>
@@ -2117,7 +2117,7 @@
           <a:p>
             <a:fld id="{78C97017-6FC3-485B-9764-EAC9E56C1D49}" type="datetimeFigureOut">
               <a:rPr lang="en-US" smtClean="0"/>
-              <a:t>3/16/17</a:t>
+              <a:t>3/17/17</a:t>
             </a:fld>
             <a:endParaRPr lang="en-US"/>
           </a:p>
@@ -2234,7 +2234,7 @@
           <a:p>
             <a:fld id="{78C97017-6FC3-485B-9764-EAC9E56C1D49}" type="datetimeFigureOut">
               <a:rPr lang="en-US" smtClean="0"/>
-              <a:t>3/16/17</a:t>
+              <a:t>3/17/17</a:t>
             </a:fld>
             <a:endParaRPr lang="en-US"/>
           </a:p>
@@ -2329,7 +2329,7 @@
           <a:p>
             <a:fld id="{78C97017-6FC3-485B-9764-EAC9E56C1D49}" type="datetimeFigureOut">
               <a:rPr lang="en-US" smtClean="0"/>
-              <a:t>3/16/17</a:t>
+              <a:t>3/17/17</a:t>
             </a:fld>
             <a:endParaRPr lang="en-US"/>
           </a:p>
@@ -2604,7 +2604,7 @@
           <a:p>
             <a:fld id="{78C97017-6FC3-485B-9764-EAC9E56C1D49}" type="datetimeFigureOut">
               <a:rPr lang="en-US" smtClean="0"/>
-              <a:t>3/16/17</a:t>
+              <a:t>3/17/17</a:t>
             </a:fld>
             <a:endParaRPr lang="en-US"/>
           </a:p>
@@ -2856,7 +2856,7 @@
           <a:p>
             <a:fld id="{78C97017-6FC3-485B-9764-EAC9E56C1D49}" type="datetimeFigureOut">
               <a:rPr lang="en-US" smtClean="0"/>
-              <a:t>3/16/17</a:t>
+              <a:t>3/17/17</a:t>
             </a:fld>
             <a:endParaRPr lang="en-US"/>
           </a:p>
@@ -3067,7 +3067,7 @@
           <a:p>
             <a:fld id="{78C97017-6FC3-485B-9764-EAC9E56C1D49}" type="datetimeFigureOut">
               <a:rPr lang="en-US" smtClean="0"/>
-              <a:t>3/16/17</a:t>
+              <a:t>3/17/17</a:t>
             </a:fld>
             <a:endParaRPr lang="en-US"/>
           </a:p>
@@ -4378,8 +4378,8 @@
         </p:nvCxnSpPr>
         <p:spPr>
           <a:xfrm rot="16200000" flipH="1">
-            <a:off x="870765" y="3864936"/>
-            <a:ext cx="3021411" cy="423508"/>
+            <a:off x="951805" y="3945977"/>
+            <a:ext cx="2899414" cy="383424"/>
           </a:xfrm>
           <a:prstGeom prst="bentConnector2">
             <a:avLst/>

--- a/docs/diagrams/UiComponentClassDiagram.pptx
+++ b/docs/diagrams/UiComponentClassDiagram.pptx
@@ -208,7 +208,7 @@
           <a:p>
             <a:fld id="{F5CC4B3F-88C1-4FFA-B1B6-F41C21DC6924}" type="datetimeFigureOut">
               <a:rPr lang="en-US" smtClean="0"/>
-              <a:t>1/7/2017</a:t>
+              <a:t>17-Mar-17</a:t>
             </a:fld>
             <a:endParaRPr lang="en-US"/>
           </a:p>
@@ -654,7 +654,7 @@
           <a:p>
             <a:fld id="{78C97017-6FC3-485B-9764-EAC9E56C1D49}" type="datetimeFigureOut">
               <a:rPr lang="en-US" smtClean="0"/>
-              <a:t>1/7/2017</a:t>
+              <a:t>17-Mar-17</a:t>
             </a:fld>
             <a:endParaRPr lang="en-US"/>
           </a:p>
@@ -822,7 +822,7 @@
           <a:p>
             <a:fld id="{78C97017-6FC3-485B-9764-EAC9E56C1D49}" type="datetimeFigureOut">
               <a:rPr lang="en-US" smtClean="0"/>
-              <a:t>1/7/2017</a:t>
+              <a:t>17-Mar-17</a:t>
             </a:fld>
             <a:endParaRPr lang="en-US"/>
           </a:p>
@@ -1000,7 +1000,7 @@
           <a:p>
             <a:fld id="{78C97017-6FC3-485B-9764-EAC9E56C1D49}" type="datetimeFigureOut">
               <a:rPr lang="en-US" smtClean="0"/>
-              <a:t>1/7/2017</a:t>
+              <a:t>17-Mar-17</a:t>
             </a:fld>
             <a:endParaRPr lang="en-US"/>
           </a:p>
@@ -1168,7 +1168,7 @@
           <a:p>
             <a:fld id="{78C97017-6FC3-485B-9764-EAC9E56C1D49}" type="datetimeFigureOut">
               <a:rPr lang="en-US" smtClean="0"/>
-              <a:t>1/7/2017</a:t>
+              <a:t>17-Mar-17</a:t>
             </a:fld>
             <a:endParaRPr lang="en-US"/>
           </a:p>
@@ -1413,7 +1413,7 @@
           <a:p>
             <a:fld id="{78C97017-6FC3-485B-9764-EAC9E56C1D49}" type="datetimeFigureOut">
               <a:rPr lang="en-US" smtClean="0"/>
-              <a:t>1/7/2017</a:t>
+              <a:t>17-Mar-17</a:t>
             </a:fld>
             <a:endParaRPr lang="en-US"/>
           </a:p>
@@ -1698,7 +1698,7 @@
           <a:p>
             <a:fld id="{78C97017-6FC3-485B-9764-EAC9E56C1D49}" type="datetimeFigureOut">
               <a:rPr lang="en-US" smtClean="0"/>
-              <a:t>1/7/2017</a:t>
+              <a:t>17-Mar-17</a:t>
             </a:fld>
             <a:endParaRPr lang="en-US"/>
           </a:p>
@@ -2117,7 +2117,7 @@
           <a:p>
             <a:fld id="{78C97017-6FC3-485B-9764-EAC9E56C1D49}" type="datetimeFigureOut">
               <a:rPr lang="en-US" smtClean="0"/>
-              <a:t>1/7/2017</a:t>
+              <a:t>17-Mar-17</a:t>
             </a:fld>
             <a:endParaRPr lang="en-US"/>
           </a:p>
@@ -2234,7 +2234,7 @@
           <a:p>
             <a:fld id="{78C97017-6FC3-485B-9764-EAC9E56C1D49}" type="datetimeFigureOut">
               <a:rPr lang="en-US" smtClean="0"/>
-              <a:t>1/7/2017</a:t>
+              <a:t>17-Mar-17</a:t>
             </a:fld>
             <a:endParaRPr lang="en-US"/>
           </a:p>
@@ -2329,7 +2329,7 @@
           <a:p>
             <a:fld id="{78C97017-6FC3-485B-9764-EAC9E56C1D49}" type="datetimeFigureOut">
               <a:rPr lang="en-US" smtClean="0"/>
-              <a:t>1/7/2017</a:t>
+              <a:t>17-Mar-17</a:t>
             </a:fld>
             <a:endParaRPr lang="en-US"/>
           </a:p>
@@ -2604,7 +2604,7 @@
           <a:p>
             <a:fld id="{78C97017-6FC3-485B-9764-EAC9E56C1D49}" type="datetimeFigureOut">
               <a:rPr lang="en-US" smtClean="0"/>
-              <a:t>1/7/2017</a:t>
+              <a:t>17-Mar-17</a:t>
             </a:fld>
             <a:endParaRPr lang="en-US"/>
           </a:p>
@@ -2856,7 +2856,7 @@
           <a:p>
             <a:fld id="{78C97017-6FC3-485B-9764-EAC9E56C1D49}" type="datetimeFigureOut">
               <a:rPr lang="en-US" smtClean="0"/>
-              <a:t>1/7/2017</a:t>
+              <a:t>17-Mar-17</a:t>
             </a:fld>
             <a:endParaRPr lang="en-US"/>
           </a:p>
@@ -3067,7 +3067,7 @@
           <a:p>
             <a:fld id="{78C97017-6FC3-485B-9764-EAC9E56C1D49}" type="datetimeFigureOut">
               <a:rPr lang="en-US" smtClean="0"/>
-              <a:t>1/7/2017</a:t>
+              <a:t>17-Mar-17</a:t>
             </a:fld>
             <a:endParaRPr lang="en-US"/>
           </a:p>
@@ -4038,14 +4038,24 @@
           <a:p>
             <a:pPr algn="ctr"/>
             <a:r>
-              <a:rPr lang="en-US" sz="1050" b="1" dirty="0" err="1">
+              <a:rPr lang="en-US" sz="1050" b="1" dirty="0" err="1" smtClean="0">
                 <a:solidFill>
                   <a:schemeClr val="accent3">
                     <a:lumMod val="75000"/>
                   </a:schemeClr>
                 </a:solidFill>
               </a:rPr>
-              <a:t>PersonListPanel</a:t>
+              <a:t>Task</a:t>
+            </a:r>
+            <a:r>
+              <a:rPr lang="en-US" sz="1050" b="1" dirty="0" err="1" smtClean="0">
+                <a:solidFill>
+                  <a:schemeClr val="accent3">
+                    <a:lumMod val="75000"/>
+                  </a:schemeClr>
+                </a:solidFill>
+              </a:rPr>
+              <a:t>ListPanel</a:t>
             </a:r>
             <a:endParaRPr lang="en-SG" sz="1050" b="1" dirty="0">
               <a:solidFill>
@@ -4098,14 +4108,24 @@
           <a:p>
             <a:pPr algn="ctr"/>
             <a:r>
-              <a:rPr lang="en-US" sz="1050" b="1" dirty="0" err="1">
+              <a:rPr lang="en-US" sz="1050" b="1" smtClean="0">
                 <a:solidFill>
                   <a:schemeClr val="accent3">
                     <a:lumMod val="75000"/>
                   </a:schemeClr>
                 </a:solidFill>
               </a:rPr>
-              <a:t>PersonCard</a:t>
+              <a:t>Task</a:t>
+            </a:r>
+            <a:r>
+              <a:rPr lang="en-US" sz="1050" b="1" smtClean="0">
+                <a:solidFill>
+                  <a:schemeClr val="accent3">
+                    <a:lumMod val="75000"/>
+                  </a:schemeClr>
+                </a:solidFill>
+              </a:rPr>
+              <a:t>Card</a:t>
             </a:r>
             <a:endParaRPr lang="en-SG" sz="1050" b="1" dirty="0">
               <a:solidFill>

--- a/docs/diagrams/UiComponentClassDiagram.pptx
+++ b/docs/diagrams/UiComponentClassDiagram.pptx
@@ -208,7 +208,7 @@
           <a:p>
             <a:fld id="{F5CC4B3F-88C1-4FFA-B1B6-F41C21DC6924}" type="datetimeFigureOut">
               <a:rPr lang="en-US" smtClean="0"/>
-              <a:t>1/7/2017</a:t>
+              <a:t>3/22/17</a:t>
             </a:fld>
             <a:endParaRPr lang="en-US"/>
           </a:p>
@@ -654,7 +654,7 @@
           <a:p>
             <a:fld id="{78C97017-6FC3-485B-9764-EAC9E56C1D49}" type="datetimeFigureOut">
               <a:rPr lang="en-US" smtClean="0"/>
-              <a:t>1/7/2017</a:t>
+              <a:t>3/22/17</a:t>
             </a:fld>
             <a:endParaRPr lang="en-US"/>
           </a:p>
@@ -822,7 +822,7 @@
           <a:p>
             <a:fld id="{78C97017-6FC3-485B-9764-EAC9E56C1D49}" type="datetimeFigureOut">
               <a:rPr lang="en-US" smtClean="0"/>
-              <a:t>1/7/2017</a:t>
+              <a:t>3/22/17</a:t>
             </a:fld>
             <a:endParaRPr lang="en-US"/>
           </a:p>
@@ -1000,7 +1000,7 @@
           <a:p>
             <a:fld id="{78C97017-6FC3-485B-9764-EAC9E56C1D49}" type="datetimeFigureOut">
               <a:rPr lang="en-US" smtClean="0"/>
-              <a:t>1/7/2017</a:t>
+              <a:t>3/22/17</a:t>
             </a:fld>
             <a:endParaRPr lang="en-US"/>
           </a:p>
@@ -1168,7 +1168,7 @@
           <a:p>
             <a:fld id="{78C97017-6FC3-485B-9764-EAC9E56C1D49}" type="datetimeFigureOut">
               <a:rPr lang="en-US" smtClean="0"/>
-              <a:t>1/7/2017</a:t>
+              <a:t>3/22/17</a:t>
             </a:fld>
             <a:endParaRPr lang="en-US"/>
           </a:p>
@@ -1413,7 +1413,7 @@
           <a:p>
             <a:fld id="{78C97017-6FC3-485B-9764-EAC9E56C1D49}" type="datetimeFigureOut">
               <a:rPr lang="en-US" smtClean="0"/>
-              <a:t>1/7/2017</a:t>
+              <a:t>3/22/17</a:t>
             </a:fld>
             <a:endParaRPr lang="en-US"/>
           </a:p>
@@ -1698,7 +1698,7 @@
           <a:p>
             <a:fld id="{78C97017-6FC3-485B-9764-EAC9E56C1D49}" type="datetimeFigureOut">
               <a:rPr lang="en-US" smtClean="0"/>
-              <a:t>1/7/2017</a:t>
+              <a:t>3/22/17</a:t>
             </a:fld>
             <a:endParaRPr lang="en-US"/>
           </a:p>
@@ -2117,7 +2117,7 @@
           <a:p>
             <a:fld id="{78C97017-6FC3-485B-9764-EAC9E56C1D49}" type="datetimeFigureOut">
               <a:rPr lang="en-US" smtClean="0"/>
-              <a:t>1/7/2017</a:t>
+              <a:t>3/22/17</a:t>
             </a:fld>
             <a:endParaRPr lang="en-US"/>
           </a:p>
@@ -2234,7 +2234,7 @@
           <a:p>
             <a:fld id="{78C97017-6FC3-485B-9764-EAC9E56C1D49}" type="datetimeFigureOut">
               <a:rPr lang="en-US" smtClean="0"/>
-              <a:t>1/7/2017</a:t>
+              <a:t>3/22/17</a:t>
             </a:fld>
             <a:endParaRPr lang="en-US"/>
           </a:p>
@@ -2329,7 +2329,7 @@
           <a:p>
             <a:fld id="{78C97017-6FC3-485B-9764-EAC9E56C1D49}" type="datetimeFigureOut">
               <a:rPr lang="en-US" smtClean="0"/>
-              <a:t>1/7/2017</a:t>
+              <a:t>3/22/17</a:t>
             </a:fld>
             <a:endParaRPr lang="en-US"/>
           </a:p>
@@ -2604,7 +2604,7 @@
           <a:p>
             <a:fld id="{78C97017-6FC3-485B-9764-EAC9E56C1D49}" type="datetimeFigureOut">
               <a:rPr lang="en-US" smtClean="0"/>
-              <a:t>1/7/2017</a:t>
+              <a:t>3/22/17</a:t>
             </a:fld>
             <a:endParaRPr lang="en-US"/>
           </a:p>
@@ -2856,7 +2856,7 @@
           <a:p>
             <a:fld id="{78C97017-6FC3-485B-9764-EAC9E56C1D49}" type="datetimeFigureOut">
               <a:rPr lang="en-US" smtClean="0"/>
-              <a:t>1/7/2017</a:t>
+              <a:t>3/22/17</a:t>
             </a:fld>
             <a:endParaRPr lang="en-US"/>
           </a:p>
@@ -3067,7 +3067,7 @@
           <a:p>
             <a:fld id="{78C97017-6FC3-485B-9764-EAC9E56C1D49}" type="datetimeFigureOut">
               <a:rPr lang="en-US" smtClean="0"/>
-              <a:t>1/7/2017</a:t>
+              <a:t>3/22/17</a:t>
             </a:fld>
             <a:endParaRPr lang="en-US"/>
           </a:p>
@@ -4038,14 +4038,14 @@
           <a:p>
             <a:pPr algn="ctr"/>
             <a:r>
-              <a:rPr lang="en-US" sz="1050" b="1" dirty="0" err="1">
+              <a:rPr lang="en-US" sz="1050" b="1" dirty="0" err="1" smtClean="0">
                 <a:solidFill>
                   <a:schemeClr val="accent3">
                     <a:lumMod val="75000"/>
                   </a:schemeClr>
                 </a:solidFill>
               </a:rPr>
-              <a:t>PersonListPanel</a:t>
+              <a:t>TaskListPanel</a:t>
             </a:r>
             <a:endParaRPr lang="en-SG" sz="1050" b="1" dirty="0">
               <a:solidFill>
@@ -4098,14 +4098,14 @@
           <a:p>
             <a:pPr algn="ctr"/>
             <a:r>
-              <a:rPr lang="en-US" sz="1050" b="1" dirty="0" err="1">
+              <a:rPr lang="en-US" sz="1050" b="1" smtClean="0">
                 <a:solidFill>
                   <a:schemeClr val="accent3">
                     <a:lumMod val="75000"/>
                   </a:schemeClr>
                 </a:solidFill>
               </a:rPr>
-              <a:t>PersonCard</a:t>
+              <a:t>TaskCard</a:t>
             </a:r>
             <a:endParaRPr lang="en-SG" sz="1050" b="1" dirty="0">
               <a:solidFill>

--- a/docs/diagrams/UiComponentClassDiagram.pptx
+++ b/docs/diagrams/UiComponentClassDiagram.pptx
@@ -208,7 +208,7 @@
           <a:p>
             <a:fld id="{F5CC4B3F-88C1-4FFA-B1B6-F41C21DC6924}" type="datetimeFigureOut">
               <a:rPr lang="en-US" smtClean="0"/>
-              <a:t>1/7/2017</a:t>
+              <a:t>3/22/2017</a:t>
             </a:fld>
             <a:endParaRPr lang="en-US"/>
           </a:p>
@@ -654,7 +654,7 @@
           <a:p>
             <a:fld id="{78C97017-6FC3-485B-9764-EAC9E56C1D49}" type="datetimeFigureOut">
               <a:rPr lang="en-US" smtClean="0"/>
-              <a:t>1/7/2017</a:t>
+              <a:t>3/22/2017</a:t>
             </a:fld>
             <a:endParaRPr lang="en-US"/>
           </a:p>
@@ -822,7 +822,7 @@
           <a:p>
             <a:fld id="{78C97017-6FC3-485B-9764-EAC9E56C1D49}" type="datetimeFigureOut">
               <a:rPr lang="en-US" smtClean="0"/>
-              <a:t>1/7/2017</a:t>
+              <a:t>3/22/2017</a:t>
             </a:fld>
             <a:endParaRPr lang="en-US"/>
           </a:p>
@@ -1000,7 +1000,7 @@
           <a:p>
             <a:fld id="{78C97017-6FC3-485B-9764-EAC9E56C1D49}" type="datetimeFigureOut">
               <a:rPr lang="en-US" smtClean="0"/>
-              <a:t>1/7/2017</a:t>
+              <a:t>3/22/2017</a:t>
             </a:fld>
             <a:endParaRPr lang="en-US"/>
           </a:p>
@@ -1168,7 +1168,7 @@
           <a:p>
             <a:fld id="{78C97017-6FC3-485B-9764-EAC9E56C1D49}" type="datetimeFigureOut">
               <a:rPr lang="en-US" smtClean="0"/>
-              <a:t>1/7/2017</a:t>
+              <a:t>3/22/2017</a:t>
             </a:fld>
             <a:endParaRPr lang="en-US"/>
           </a:p>
@@ -1413,7 +1413,7 @@
           <a:p>
             <a:fld id="{78C97017-6FC3-485B-9764-EAC9E56C1D49}" type="datetimeFigureOut">
               <a:rPr lang="en-US" smtClean="0"/>
-              <a:t>1/7/2017</a:t>
+              <a:t>3/22/2017</a:t>
             </a:fld>
             <a:endParaRPr lang="en-US"/>
           </a:p>
@@ -1698,7 +1698,7 @@
           <a:p>
             <a:fld id="{78C97017-6FC3-485B-9764-EAC9E56C1D49}" type="datetimeFigureOut">
               <a:rPr lang="en-US" smtClean="0"/>
-              <a:t>1/7/2017</a:t>
+              <a:t>3/22/2017</a:t>
             </a:fld>
             <a:endParaRPr lang="en-US"/>
           </a:p>
@@ -2117,7 +2117,7 @@
           <a:p>
             <a:fld id="{78C97017-6FC3-485B-9764-EAC9E56C1D49}" type="datetimeFigureOut">
               <a:rPr lang="en-US" smtClean="0"/>
-              <a:t>1/7/2017</a:t>
+              <a:t>3/22/2017</a:t>
             </a:fld>
             <a:endParaRPr lang="en-US"/>
           </a:p>
@@ -2234,7 +2234,7 @@
           <a:p>
             <a:fld id="{78C97017-6FC3-485B-9764-EAC9E56C1D49}" type="datetimeFigureOut">
               <a:rPr lang="en-US" smtClean="0"/>
-              <a:t>1/7/2017</a:t>
+              <a:t>3/22/2017</a:t>
             </a:fld>
             <a:endParaRPr lang="en-US"/>
           </a:p>
@@ -2329,7 +2329,7 @@
           <a:p>
             <a:fld id="{78C97017-6FC3-485B-9764-EAC9E56C1D49}" type="datetimeFigureOut">
               <a:rPr lang="en-US" smtClean="0"/>
-              <a:t>1/7/2017</a:t>
+              <a:t>3/22/2017</a:t>
             </a:fld>
             <a:endParaRPr lang="en-US"/>
           </a:p>
@@ -2604,7 +2604,7 @@
           <a:p>
             <a:fld id="{78C97017-6FC3-485B-9764-EAC9E56C1D49}" type="datetimeFigureOut">
               <a:rPr lang="en-US" smtClean="0"/>
-              <a:t>1/7/2017</a:t>
+              <a:t>3/22/2017</a:t>
             </a:fld>
             <a:endParaRPr lang="en-US"/>
           </a:p>
@@ -2856,7 +2856,7 @@
           <a:p>
             <a:fld id="{78C97017-6FC3-485B-9764-EAC9E56C1D49}" type="datetimeFigureOut">
               <a:rPr lang="en-US" smtClean="0"/>
-              <a:t>1/7/2017</a:t>
+              <a:t>3/22/2017</a:t>
             </a:fld>
             <a:endParaRPr lang="en-US"/>
           </a:p>
@@ -3067,7 +3067,7 @@
           <a:p>
             <a:fld id="{78C97017-6FC3-485B-9764-EAC9E56C1D49}" type="datetimeFigureOut">
               <a:rPr lang="en-US" smtClean="0"/>
-              <a:t>1/7/2017</a:t>
+              <a:t>3/22/2017</a:t>
             </a:fld>
             <a:endParaRPr lang="en-US"/>
           </a:p>
@@ -4038,14 +4038,24 @@
           <a:p>
             <a:pPr algn="ctr"/>
             <a:r>
-              <a:rPr lang="en-US" sz="1050" b="1" dirty="0" err="1">
+              <a:rPr lang="en-US" sz="1050" b="1" dirty="0" err="1" smtClean="0">
                 <a:solidFill>
                   <a:schemeClr val="accent3">
                     <a:lumMod val="75000"/>
                   </a:schemeClr>
                 </a:solidFill>
               </a:rPr>
-              <a:t>PersonListPanel</a:t>
+              <a:t>Todo</a:t>
+            </a:r>
+            <a:r>
+              <a:rPr lang="en-US" sz="1050" b="1" dirty="0" err="1" smtClean="0">
+                <a:solidFill>
+                  <a:schemeClr val="accent3">
+                    <a:lumMod val="75000"/>
+                  </a:schemeClr>
+                </a:solidFill>
+              </a:rPr>
+              <a:t>ListPanel</a:t>
             </a:r>
             <a:endParaRPr lang="en-SG" sz="1050" b="1" dirty="0">
               <a:solidFill>
@@ -4098,14 +4108,14 @@
           <a:p>
             <a:pPr algn="ctr"/>
             <a:r>
-              <a:rPr lang="en-US" sz="1050" b="1" dirty="0" err="1">
+              <a:rPr lang="en-US" sz="1050" b="1" smtClean="0">
                 <a:solidFill>
                   <a:schemeClr val="accent3">
                     <a:lumMod val="75000"/>
                   </a:schemeClr>
                 </a:solidFill>
               </a:rPr>
-              <a:t>PersonCard</a:t>
+              <a:t>TodoCard</a:t>
             </a:r>
             <a:endParaRPr lang="en-SG" sz="1050" b="1" dirty="0">
               <a:solidFill>

--- a/docs/diagrams/UiComponentClassDiagram.pptx
+++ b/docs/diagrams/UiComponentClassDiagram.pptx
@@ -208,7 +208,7 @@
           <a:p>
             <a:fld id="{F5CC4B3F-88C1-4FFA-B1B6-F41C21DC6924}" type="datetimeFigureOut">
               <a:rPr lang="en-US" smtClean="0"/>
-              <a:t>3/17/17</a:t>
+              <a:t>3/22/17</a:t>
             </a:fld>
             <a:endParaRPr lang="en-US"/>
           </a:p>
@@ -654,7 +654,7 @@
           <a:p>
             <a:fld id="{78C97017-6FC3-485B-9764-EAC9E56C1D49}" type="datetimeFigureOut">
               <a:rPr lang="en-US" smtClean="0"/>
-              <a:t>3/17/17</a:t>
+              <a:t>3/22/17</a:t>
             </a:fld>
             <a:endParaRPr lang="en-US"/>
           </a:p>
@@ -822,7 +822,7 @@
           <a:p>
             <a:fld id="{78C97017-6FC3-485B-9764-EAC9E56C1D49}" type="datetimeFigureOut">
               <a:rPr lang="en-US" smtClean="0"/>
-              <a:t>3/17/17</a:t>
+              <a:t>3/22/17</a:t>
             </a:fld>
             <a:endParaRPr lang="en-US"/>
           </a:p>
@@ -1000,7 +1000,7 @@
           <a:p>
             <a:fld id="{78C97017-6FC3-485B-9764-EAC9E56C1D49}" type="datetimeFigureOut">
               <a:rPr lang="en-US" smtClean="0"/>
-              <a:t>3/17/17</a:t>
+              <a:t>3/22/17</a:t>
             </a:fld>
             <a:endParaRPr lang="en-US"/>
           </a:p>
@@ -1168,7 +1168,7 @@
           <a:p>
             <a:fld id="{78C97017-6FC3-485B-9764-EAC9E56C1D49}" type="datetimeFigureOut">
               <a:rPr lang="en-US" smtClean="0"/>
-              <a:t>3/17/17</a:t>
+              <a:t>3/22/17</a:t>
             </a:fld>
             <a:endParaRPr lang="en-US"/>
           </a:p>
@@ -1413,7 +1413,7 @@
           <a:p>
             <a:fld id="{78C97017-6FC3-485B-9764-EAC9E56C1D49}" type="datetimeFigureOut">
               <a:rPr lang="en-US" smtClean="0"/>
-              <a:t>3/17/17</a:t>
+              <a:t>3/22/17</a:t>
             </a:fld>
             <a:endParaRPr lang="en-US"/>
           </a:p>
@@ -1698,7 +1698,7 @@
           <a:p>
             <a:fld id="{78C97017-6FC3-485B-9764-EAC9E56C1D49}" type="datetimeFigureOut">
               <a:rPr lang="en-US" smtClean="0"/>
-              <a:t>3/17/17</a:t>
+              <a:t>3/22/17</a:t>
             </a:fld>
             <a:endParaRPr lang="en-US"/>
           </a:p>
@@ -2117,7 +2117,7 @@
           <a:p>
             <a:fld id="{78C97017-6FC3-485B-9764-EAC9E56C1D49}" type="datetimeFigureOut">
               <a:rPr lang="en-US" smtClean="0"/>
-              <a:t>3/17/17</a:t>
+              <a:t>3/22/17</a:t>
             </a:fld>
             <a:endParaRPr lang="en-US"/>
           </a:p>
@@ -2234,7 +2234,7 @@
           <a:p>
             <a:fld id="{78C97017-6FC3-485B-9764-EAC9E56C1D49}" type="datetimeFigureOut">
               <a:rPr lang="en-US" smtClean="0"/>
-              <a:t>3/17/17</a:t>
+              <a:t>3/22/17</a:t>
             </a:fld>
             <a:endParaRPr lang="en-US"/>
           </a:p>
@@ -2329,7 +2329,7 @@
           <a:p>
             <a:fld id="{78C97017-6FC3-485B-9764-EAC9E56C1D49}" type="datetimeFigureOut">
               <a:rPr lang="en-US" smtClean="0"/>
-              <a:t>3/17/17</a:t>
+              <a:t>3/22/17</a:t>
             </a:fld>
             <a:endParaRPr lang="en-US"/>
           </a:p>
@@ -2604,7 +2604,7 @@
           <a:p>
             <a:fld id="{78C97017-6FC3-485B-9764-EAC9E56C1D49}" type="datetimeFigureOut">
               <a:rPr lang="en-US" smtClean="0"/>
-              <a:t>3/17/17</a:t>
+              <a:t>3/22/17</a:t>
             </a:fld>
             <a:endParaRPr lang="en-US"/>
           </a:p>
@@ -2856,7 +2856,7 @@
           <a:p>
             <a:fld id="{78C97017-6FC3-485B-9764-EAC9E56C1D49}" type="datetimeFigureOut">
               <a:rPr lang="en-US" smtClean="0"/>
-              <a:t>3/17/17</a:t>
+              <a:t>3/22/17</a:t>
             </a:fld>
             <a:endParaRPr lang="en-US"/>
           </a:p>
@@ -3067,7 +3067,7 @@
           <a:p>
             <a:fld id="{78C97017-6FC3-485B-9764-EAC9E56C1D49}" type="datetimeFigureOut">
               <a:rPr lang="en-US" smtClean="0"/>
-              <a:t>3/17/17</a:t>
+              <a:t>3/22/17</a:t>
             </a:fld>
             <a:endParaRPr lang="en-US"/>
           </a:p>
@@ -3450,7 +3450,7 @@
         </p:nvSpPr>
         <p:spPr>
           <a:xfrm>
-            <a:off x="1217465" y="1447800"/>
+            <a:off x="1214899" y="1454398"/>
             <a:ext cx="4917083" cy="4495800"/>
           </a:xfrm>
           <a:prstGeom prst="roundRect">
@@ -3885,7 +3885,7 @@
         </p:nvSpPr>
         <p:spPr>
           <a:xfrm>
-            <a:off x="2593225" y="5105400"/>
+            <a:off x="2592525" y="4235533"/>
             <a:ext cx="1093635" cy="236841"/>
           </a:xfrm>
           <a:prstGeom prst="rect">
@@ -3945,7 +3945,7 @@
         </p:nvSpPr>
         <p:spPr>
           <a:xfrm>
-            <a:off x="2592526" y="3733800"/>
+            <a:off x="2579806" y="3702298"/>
             <a:ext cx="1093635" cy="355262"/>
           </a:xfrm>
           <a:prstGeom prst="rect">
@@ -3985,7 +3985,7 @@
                   </a:schemeClr>
                 </a:solidFill>
               </a:rPr>
-              <a:t>TodayTask</a:t>
+              <a:t>TaskListPanel</a:t>
             </a:r>
             <a:endParaRPr lang="en-SG" sz="1050" b="1" dirty="0" smtClean="0">
               <a:solidFill>
@@ -3995,26 +3995,6 @@
               </a:solidFill>
             </a:endParaRPr>
           </a:p>
-          <a:p>
-            <a:pPr algn="ctr"/>
-            <a:r>
-              <a:rPr lang="en-SG" sz="1050" b="1" dirty="0" err="1" smtClean="0">
-                <a:solidFill>
-                  <a:schemeClr val="accent3">
-                    <a:lumMod val="75000"/>
-                  </a:schemeClr>
-                </a:solidFill>
-              </a:rPr>
-              <a:t>ListPanel</a:t>
-            </a:r>
-            <a:endParaRPr lang="en-SG" sz="1050" b="1" dirty="0">
-              <a:solidFill>
-                <a:schemeClr val="accent3">
-                  <a:lumMod val="75000"/>
-                </a:schemeClr>
-              </a:solidFill>
-            </a:endParaRPr>
-          </a:p>
         </p:txBody>
       </p:sp>
       <p:sp>
@@ -4025,7 +4005,7 @@
         </p:nvSpPr>
         <p:spPr>
           <a:xfrm>
-            <a:off x="4066249" y="4198289"/>
+            <a:off x="4043824" y="3861067"/>
             <a:ext cx="1040906" cy="236841"/>
           </a:xfrm>
           <a:prstGeom prst="rect">
@@ -4085,7 +4065,7 @@
         </p:nvSpPr>
         <p:spPr>
           <a:xfrm>
-            <a:off x="2593224" y="5468975"/>
+            <a:off x="2592524" y="4601410"/>
             <a:ext cx="1093635" cy="236841"/>
           </a:xfrm>
           <a:prstGeom prst="rect">
@@ -4297,8 +4277,8 @@
         </p:nvCxnSpPr>
         <p:spPr>
           <a:xfrm rot="16200000" flipH="1">
-            <a:off x="1982623" y="3301528"/>
-            <a:ext cx="1043406" cy="176400"/>
+            <a:off x="1992014" y="3292137"/>
+            <a:ext cx="1011904" cy="163680"/>
           </a:xfrm>
           <a:prstGeom prst="bentConnector2">
             <a:avLst/>
@@ -4338,8 +4318,8 @@
         </p:nvCxnSpPr>
         <p:spPr>
           <a:xfrm rot="16200000" flipH="1">
-            <a:off x="1326777" y="3957373"/>
-            <a:ext cx="2355796" cy="177099"/>
+            <a:off x="1761361" y="3522789"/>
+            <a:ext cx="1485929" cy="176399"/>
           </a:xfrm>
           <a:prstGeom prst="bentConnector2">
             <a:avLst/>
@@ -4378,8 +4358,8 @@
         </p:nvCxnSpPr>
         <p:spPr>
           <a:xfrm rot="16200000" flipH="1">
-            <a:off x="951805" y="3945977"/>
-            <a:ext cx="2899414" cy="383424"/>
+            <a:off x="1599289" y="3726595"/>
+            <a:ext cx="1810071" cy="176399"/>
           </a:xfrm>
           <a:prstGeom prst="bentConnector2">
             <a:avLst/>
@@ -4539,8 +4519,8 @@
         </p:nvCxnSpPr>
         <p:spPr>
           <a:xfrm rot="5400000">
-            <a:off x="4303207" y="3089948"/>
-            <a:ext cx="2030710" cy="422814"/>
+            <a:off x="4460606" y="2910125"/>
+            <a:ext cx="1693488" cy="445239"/>
           </a:xfrm>
           <a:prstGeom prst="bentConnector2">
             <a:avLst/>
@@ -4621,8 +4601,8 @@
         </p:nvCxnSpPr>
         <p:spPr>
           <a:xfrm rot="5400000">
-            <a:off x="3139505" y="2833356"/>
-            <a:ext cx="2937821" cy="1843109"/>
+            <a:off x="3574088" y="2398073"/>
+            <a:ext cx="2067954" cy="1843809"/>
           </a:xfrm>
           <a:prstGeom prst="bentConnector2">
             <a:avLst/>
@@ -4662,8 +4642,8 @@
         </p:nvCxnSpPr>
         <p:spPr>
           <a:xfrm rot="5400000">
-            <a:off x="2957716" y="3015143"/>
-            <a:ext cx="3301396" cy="1843110"/>
+            <a:off x="3391149" y="2581010"/>
+            <a:ext cx="2433831" cy="1843810"/>
           </a:xfrm>
           <a:prstGeom prst="bentConnector2">
             <a:avLst/>
@@ -5039,14 +5019,13 @@
         <p:nvCxnSpPr>
           <p:cNvPr id="137" name="Elbow Connector 136"/>
           <p:cNvCxnSpPr>
-            <a:stCxn id="55" idx="3"/>
             <a:endCxn id="37" idx="1"/>
           </p:cNvCxnSpPr>
           <p:nvPr/>
         </p:nvCxnSpPr>
         <p:spPr>
           <a:xfrm flipV="1">
-            <a:off x="3684435" y="4316710"/>
+            <a:off x="3662010" y="3979488"/>
             <a:ext cx="381814" cy="1459"/>
           </a:xfrm>
           <a:prstGeom prst="bentConnector3">
@@ -5312,8 +5291,8 @@
         </p:nvSpPr>
         <p:spPr>
           <a:xfrm flipV="1">
-            <a:off x="4114799" y="4472708"/>
-            <a:ext cx="2642195" cy="101600"/>
+            <a:off x="4576848" y="4097411"/>
+            <a:ext cx="2180146" cy="476897"/>
           </a:xfrm>
           <a:custGeom>
             <a:avLst/>
@@ -5388,55 +5367,37 @@
       </p:sp>
       <p:sp>
         <p:nvSpPr>
-          <p:cNvPr id="55" name="Rectangle 11"/>
-          <p:cNvSpPr/>
+          <p:cNvPr id="29" name="TextBox 28"/>
+          <p:cNvSpPr txBox="1"/>
           <p:nvPr/>
         </p:nvSpPr>
         <p:spPr>
           <a:xfrm>
-            <a:off x="2590800" y="4140538"/>
-            <a:ext cx="1093635" cy="355262"/>
+            <a:off x="2398880" y="3646952"/>
+            <a:ext cx="250390" cy="246221"/>
           </a:xfrm>
           <a:prstGeom prst="rect">
             <a:avLst/>
           </a:prstGeom>
-          <a:ln w="19050">
-            <a:solidFill>
-              <a:schemeClr val="accent3"/>
-            </a:solidFill>
-          </a:ln>
-          <a:effectLst/>
-        </p:spPr>
-        <p:style>
-          <a:lnRef idx="1">
-            <a:schemeClr val="accent3"/>
-          </a:lnRef>
-          <a:fillRef idx="2">
-            <a:schemeClr val="accent3"/>
-          </a:fillRef>
-          <a:effectRef idx="1">
-            <a:schemeClr val="accent3"/>
-          </a:effectRef>
-          <a:fontRef idx="minor">
-            <a:schemeClr val="dk1"/>
-          </a:fontRef>
-        </p:style>
-        <p:txBody>
-          <a:bodyPr rtlCol="0" anchor="ctr"/>
-          <a:lstStyle/>
-          <a:p>
-            <a:pPr algn="ctr"/>
-            <a:r>
-              <a:rPr lang="en-SG" sz="1050" b="1" dirty="0" err="1" smtClean="0">
+          <a:noFill/>
+        </p:spPr>
+        <p:txBody>
+          <a:bodyPr wrap="none" rtlCol="0">
+            <a:spAutoFit/>
+          </a:bodyPr>
+          <a:lstStyle/>
+          <a:p>
+            <a:r>
+              <a:rPr lang="en-US" sz="1000" dirty="0" smtClean="0">
                 <a:solidFill>
                   <a:schemeClr val="accent3">
                     <a:lumMod val="75000"/>
                   </a:schemeClr>
                 </a:solidFill>
               </a:rPr>
-              <a:t>WeekTask</a:t>
-            </a:r>
-            <a:endParaRPr lang="en-SG" sz="1050" b="1" dirty="0" smtClean="0">
+              <a:t>2</a:t>
+            </a:r>
+            <a:endParaRPr lang="en-US" sz="1000" dirty="0">
               <a:solidFill>
                 <a:schemeClr val="accent3">
                   <a:lumMod val="75000"/>
@@ -5444,356 +5405,8 @@
               </a:solidFill>
             </a:endParaRPr>
           </a:p>
-          <a:p>
-            <a:pPr algn="ctr"/>
-            <a:r>
-              <a:rPr lang="en-SG" sz="1050" b="1" dirty="0" err="1" smtClean="0">
-                <a:solidFill>
-                  <a:schemeClr val="accent3">
-                    <a:lumMod val="75000"/>
-                  </a:schemeClr>
-                </a:solidFill>
-              </a:rPr>
-              <a:t>ListPanel</a:t>
-            </a:r>
-            <a:endParaRPr lang="en-SG" sz="1050" b="1" dirty="0">
-              <a:solidFill>
-                <a:schemeClr val="accent3">
-                  <a:lumMod val="75000"/>
-                </a:schemeClr>
-              </a:solidFill>
-            </a:endParaRPr>
-          </a:p>
-        </p:txBody>
-      </p:sp>
-      <p:cxnSp>
-        <p:nvCxnSpPr>
-          <p:cNvPr id="56" name="Elbow Connector 63"/>
-          <p:cNvCxnSpPr/>
-          <p:nvPr/>
-        </p:nvCxnSpPr>
-        <p:spPr>
-          <a:xfrm rot="10800000">
-            <a:off x="3686159" y="4153414"/>
-            <a:ext cx="1843810" cy="1269"/>
-          </a:xfrm>
-          <a:prstGeom prst="bentConnector3">
-            <a:avLst>
-              <a:gd name="adj1" fmla="val 50000"/>
-            </a:avLst>
-          </a:prstGeom>
-          <a:ln w="6350">
-            <a:solidFill>
-              <a:schemeClr val="accent3"/>
-            </a:solidFill>
-            <a:headEnd type="none" w="med" len="med"/>
-            <a:tailEnd type="none" w="med" len="med"/>
-          </a:ln>
-          <a:effectLst/>
-        </p:spPr>
-        <p:style>
-          <a:lnRef idx="1">
-            <a:schemeClr val="accent2"/>
-          </a:lnRef>
-          <a:fillRef idx="2">
-            <a:schemeClr val="accent2"/>
-          </a:fillRef>
-          <a:effectRef idx="1">
-            <a:schemeClr val="accent2"/>
-          </a:effectRef>
-          <a:fontRef idx="minor">
-            <a:schemeClr val="dk1"/>
-          </a:fontRef>
-        </p:style>
-      </p:cxnSp>
-      <p:cxnSp>
-        <p:nvCxnSpPr>
-          <p:cNvPr id="59" name="Elbow Connector 58"/>
-          <p:cNvCxnSpPr>
-            <a:stCxn id="36" idx="3"/>
-            <a:endCxn id="37" idx="1"/>
-          </p:cNvCxnSpPr>
-          <p:nvPr/>
-        </p:nvCxnSpPr>
-        <p:spPr>
-          <a:xfrm>
-            <a:off x="3686161" y="3911431"/>
-            <a:ext cx="380088" cy="405279"/>
-          </a:xfrm>
-          <a:prstGeom prst="bentConnector3">
-            <a:avLst>
-              <a:gd name="adj1" fmla="val 50000"/>
-            </a:avLst>
-          </a:prstGeom>
-          <a:ln w="19050">
-            <a:solidFill>
-              <a:schemeClr val="accent3"/>
-            </a:solidFill>
-            <a:headEnd type="none" w="med" len="med"/>
-            <a:tailEnd type="arrow" w="med" len="med"/>
-          </a:ln>
-          <a:effectLst/>
-        </p:spPr>
-        <p:style>
-          <a:lnRef idx="1">
-            <a:schemeClr val="accent2"/>
-          </a:lnRef>
-          <a:fillRef idx="2">
-            <a:schemeClr val="accent2"/>
-          </a:fillRef>
-          <a:effectRef idx="1">
-            <a:schemeClr val="accent2"/>
-          </a:effectRef>
-          <a:fontRef idx="minor">
-            <a:schemeClr val="dk1"/>
-          </a:fontRef>
-        </p:style>
-      </p:cxnSp>
-      <p:sp>
-        <p:nvSpPr>
-          <p:cNvPr id="71" name="Rectangle 11"/>
-          <p:cNvSpPr/>
-          <p:nvPr/>
-        </p:nvSpPr>
-        <p:spPr>
-          <a:xfrm>
-            <a:off x="2590800" y="4551765"/>
-            <a:ext cx="1093635" cy="355262"/>
-          </a:xfrm>
-          <a:prstGeom prst="rect">
-            <a:avLst/>
-          </a:prstGeom>
-          <a:ln w="19050">
-            <a:solidFill>
-              <a:schemeClr val="accent3"/>
-            </a:solidFill>
-          </a:ln>
-          <a:effectLst/>
-        </p:spPr>
-        <p:style>
-          <a:lnRef idx="1">
-            <a:schemeClr val="accent3"/>
-          </a:lnRef>
-          <a:fillRef idx="2">
-            <a:schemeClr val="accent3"/>
-          </a:fillRef>
-          <a:effectRef idx="1">
-            <a:schemeClr val="accent3"/>
-          </a:effectRef>
-          <a:fontRef idx="minor">
-            <a:schemeClr val="dk1"/>
-          </a:fontRef>
-        </p:style>
-        <p:txBody>
-          <a:bodyPr rtlCol="0" anchor="ctr"/>
-          <a:lstStyle/>
-          <a:p>
-            <a:pPr algn="ctr"/>
-            <a:r>
-              <a:rPr lang="en-SG" sz="1050" b="1" dirty="0" err="1" smtClean="0">
-                <a:solidFill>
-                  <a:schemeClr val="accent3">
-                    <a:lumMod val="75000"/>
-                  </a:schemeClr>
-                </a:solidFill>
-              </a:rPr>
-              <a:t>FloatingTask</a:t>
-            </a:r>
-            <a:endParaRPr lang="en-SG" sz="1050" b="1" dirty="0" smtClean="0">
-              <a:solidFill>
-                <a:schemeClr val="accent3">
-                  <a:lumMod val="75000"/>
-                </a:schemeClr>
-              </a:solidFill>
-            </a:endParaRPr>
-          </a:p>
-          <a:p>
-            <a:pPr algn="ctr"/>
-            <a:r>
-              <a:rPr lang="en-SG" sz="1050" b="1" dirty="0" err="1" smtClean="0">
-                <a:solidFill>
-                  <a:schemeClr val="accent3">
-                    <a:lumMod val="75000"/>
-                  </a:schemeClr>
-                </a:solidFill>
-              </a:rPr>
-              <a:t>ListPanel</a:t>
-            </a:r>
-            <a:endParaRPr lang="en-SG" sz="1050" b="1" dirty="0">
-              <a:solidFill>
-                <a:schemeClr val="accent3">
-                  <a:lumMod val="75000"/>
-                </a:schemeClr>
-              </a:solidFill>
-            </a:endParaRPr>
-          </a:p>
-        </p:txBody>
-      </p:sp>
-      <p:cxnSp>
-        <p:nvCxnSpPr>
-          <p:cNvPr id="72" name="Elbow Connector 63"/>
-          <p:cNvCxnSpPr>
-            <a:stCxn id="39" idx="2"/>
-            <a:endCxn id="55" idx="1"/>
-          </p:cNvCxnSpPr>
-          <p:nvPr/>
-        </p:nvCxnSpPr>
-        <p:spPr>
-          <a:xfrm rot="16200000" flipH="1">
-            <a:off x="1778391" y="3505760"/>
-            <a:ext cx="1450144" cy="174674"/>
-          </a:xfrm>
-          <a:prstGeom prst="bentConnector2">
-            <a:avLst/>
-          </a:prstGeom>
-          <a:ln w="19050">
-            <a:solidFill>
-              <a:schemeClr val="accent3"/>
-            </a:solidFill>
-            <a:headEnd type="none" w="med" len="med"/>
-            <a:tailEnd type="arrow" w="med" len="med"/>
-          </a:ln>
-          <a:effectLst/>
-        </p:spPr>
-        <p:style>
-          <a:lnRef idx="1">
-            <a:schemeClr val="accent2"/>
-          </a:lnRef>
-          <a:fillRef idx="2">
-            <a:schemeClr val="accent2"/>
-          </a:fillRef>
-          <a:effectRef idx="1">
-            <a:schemeClr val="accent2"/>
-          </a:effectRef>
-          <a:fontRef idx="minor">
-            <a:schemeClr val="dk1"/>
-          </a:fontRef>
-        </p:style>
-      </p:cxnSp>
-      <p:cxnSp>
-        <p:nvCxnSpPr>
-          <p:cNvPr id="78" name="Elbow Connector 63"/>
-          <p:cNvCxnSpPr>
-            <a:stCxn id="39" idx="2"/>
-            <a:endCxn id="71" idx="1"/>
-          </p:cNvCxnSpPr>
-          <p:nvPr/>
-        </p:nvCxnSpPr>
-        <p:spPr>
-          <a:xfrm rot="16200000" flipH="1">
-            <a:off x="1572778" y="3711373"/>
-            <a:ext cx="1861371" cy="174674"/>
-          </a:xfrm>
-          <a:prstGeom prst="bentConnector2">
-            <a:avLst/>
-          </a:prstGeom>
-          <a:ln w="19050">
-            <a:solidFill>
-              <a:schemeClr val="accent3"/>
-            </a:solidFill>
-            <a:headEnd type="none" w="med" len="med"/>
-            <a:tailEnd type="arrow" w="med" len="med"/>
-          </a:ln>
-          <a:effectLst/>
-        </p:spPr>
-        <p:style>
-          <a:lnRef idx="1">
-            <a:schemeClr val="accent2"/>
-          </a:lnRef>
-          <a:fillRef idx="2">
-            <a:schemeClr val="accent2"/>
-          </a:fillRef>
-          <a:effectRef idx="1">
-            <a:schemeClr val="accent2"/>
-          </a:effectRef>
-          <a:fontRef idx="minor">
-            <a:schemeClr val="dk1"/>
-          </a:fontRef>
-        </p:style>
-      </p:cxnSp>
-      <p:cxnSp>
-        <p:nvCxnSpPr>
-          <p:cNvPr id="86" name="Elbow Connector 85"/>
-          <p:cNvCxnSpPr>
-            <a:stCxn id="71" idx="3"/>
-            <a:endCxn id="37" idx="1"/>
-          </p:cNvCxnSpPr>
-          <p:nvPr/>
-        </p:nvCxnSpPr>
-        <p:spPr>
-          <a:xfrm flipV="1">
-            <a:off x="3684435" y="4316710"/>
-            <a:ext cx="381814" cy="412686"/>
-          </a:xfrm>
-          <a:prstGeom prst="bentConnector3">
-            <a:avLst>
-              <a:gd name="adj1" fmla="val 50000"/>
-            </a:avLst>
-          </a:prstGeom>
-          <a:ln w="19050">
-            <a:solidFill>
-              <a:schemeClr val="accent3"/>
-            </a:solidFill>
-            <a:headEnd type="none" w="med" len="med"/>
-            <a:tailEnd type="arrow" w="med" len="med"/>
-          </a:ln>
-          <a:effectLst/>
-        </p:spPr>
-        <p:style>
-          <a:lnRef idx="1">
-            <a:schemeClr val="accent2"/>
-          </a:lnRef>
-          <a:fillRef idx="2">
-            <a:schemeClr val="accent2"/>
-          </a:fillRef>
-          <a:effectRef idx="1">
-            <a:schemeClr val="accent2"/>
-          </a:effectRef>
-          <a:fontRef idx="minor">
-            <a:schemeClr val="dk1"/>
-          </a:fontRef>
-        </p:style>
-      </p:cxnSp>
-      <p:cxnSp>
-        <p:nvCxnSpPr>
-          <p:cNvPr id="89" name="Elbow Connector 63"/>
-          <p:cNvCxnSpPr/>
-          <p:nvPr/>
-        </p:nvCxnSpPr>
-        <p:spPr>
-          <a:xfrm rot="10800000" flipV="1">
-            <a:off x="3689241" y="4828894"/>
-            <a:ext cx="1832400" cy="2203"/>
-          </a:xfrm>
-          <a:prstGeom prst="bentConnector3">
-            <a:avLst>
-              <a:gd name="adj1" fmla="val 50000"/>
-            </a:avLst>
-          </a:prstGeom>
-          <a:ln w="6350">
-            <a:solidFill>
-              <a:schemeClr val="accent3"/>
-            </a:solidFill>
-            <a:headEnd type="none" w="med" len="med"/>
-            <a:tailEnd type="none" w="med" len="med"/>
-          </a:ln>
-          <a:effectLst/>
-        </p:spPr>
-        <p:style>
-          <a:lnRef idx="1">
-            <a:schemeClr val="accent2"/>
-          </a:lnRef>
-          <a:fillRef idx="2">
-            <a:schemeClr val="accent2"/>
-          </a:fillRef>
-          <a:effectRef idx="1">
-            <a:schemeClr val="accent2"/>
-          </a:effectRef>
-          <a:fontRef idx="minor">
-            <a:schemeClr val="dk1"/>
-          </a:fontRef>
-        </p:style>
-      </p:cxnSp>
+        </p:txBody>
+      </p:sp>
     </p:spTree>
     <p:extLst>
       <p:ext uri="{BB962C8B-B14F-4D97-AF65-F5344CB8AC3E}">

--- a/docs/diagrams/UiComponentClassDiagram.pptx
+++ b/docs/diagrams/UiComponentClassDiagram.pptx
@@ -208,7 +208,7 @@
           <a:p>
             <a:fld id="{F5CC4B3F-88C1-4FFA-B1B6-F41C21DC6924}" type="datetimeFigureOut">
               <a:rPr lang="en-US" smtClean="0"/>
-              <a:t>1/7/2017</a:t>
+              <a:t>3/23/2017</a:t>
             </a:fld>
             <a:endParaRPr lang="en-US"/>
           </a:p>
@@ -654,7 +654,7 @@
           <a:p>
             <a:fld id="{78C97017-6FC3-485B-9764-EAC9E56C1D49}" type="datetimeFigureOut">
               <a:rPr lang="en-US" smtClean="0"/>
-              <a:t>1/7/2017</a:t>
+              <a:t>3/23/2017</a:t>
             </a:fld>
             <a:endParaRPr lang="en-US"/>
           </a:p>
@@ -822,7 +822,7 @@
           <a:p>
             <a:fld id="{78C97017-6FC3-485B-9764-EAC9E56C1D49}" type="datetimeFigureOut">
               <a:rPr lang="en-US" smtClean="0"/>
-              <a:t>1/7/2017</a:t>
+              <a:t>3/23/2017</a:t>
             </a:fld>
             <a:endParaRPr lang="en-US"/>
           </a:p>
@@ -1000,7 +1000,7 @@
           <a:p>
             <a:fld id="{78C97017-6FC3-485B-9764-EAC9E56C1D49}" type="datetimeFigureOut">
               <a:rPr lang="en-US" smtClean="0"/>
-              <a:t>1/7/2017</a:t>
+              <a:t>3/23/2017</a:t>
             </a:fld>
             <a:endParaRPr lang="en-US"/>
           </a:p>
@@ -1168,7 +1168,7 @@
           <a:p>
             <a:fld id="{78C97017-6FC3-485B-9764-EAC9E56C1D49}" type="datetimeFigureOut">
               <a:rPr lang="en-US" smtClean="0"/>
-              <a:t>1/7/2017</a:t>
+              <a:t>3/23/2017</a:t>
             </a:fld>
             <a:endParaRPr lang="en-US"/>
           </a:p>
@@ -1413,7 +1413,7 @@
           <a:p>
             <a:fld id="{78C97017-6FC3-485B-9764-EAC9E56C1D49}" type="datetimeFigureOut">
               <a:rPr lang="en-US" smtClean="0"/>
-              <a:t>1/7/2017</a:t>
+              <a:t>3/23/2017</a:t>
             </a:fld>
             <a:endParaRPr lang="en-US"/>
           </a:p>
@@ -1698,7 +1698,7 @@
           <a:p>
             <a:fld id="{78C97017-6FC3-485B-9764-EAC9E56C1D49}" type="datetimeFigureOut">
               <a:rPr lang="en-US" smtClean="0"/>
-              <a:t>1/7/2017</a:t>
+              <a:t>3/23/2017</a:t>
             </a:fld>
             <a:endParaRPr lang="en-US"/>
           </a:p>
@@ -2117,7 +2117,7 @@
           <a:p>
             <a:fld id="{78C97017-6FC3-485B-9764-EAC9E56C1D49}" type="datetimeFigureOut">
               <a:rPr lang="en-US" smtClean="0"/>
-              <a:t>1/7/2017</a:t>
+              <a:t>3/23/2017</a:t>
             </a:fld>
             <a:endParaRPr lang="en-US"/>
           </a:p>
@@ -2234,7 +2234,7 @@
           <a:p>
             <a:fld id="{78C97017-6FC3-485B-9764-EAC9E56C1D49}" type="datetimeFigureOut">
               <a:rPr lang="en-US" smtClean="0"/>
-              <a:t>1/7/2017</a:t>
+              <a:t>3/23/2017</a:t>
             </a:fld>
             <a:endParaRPr lang="en-US"/>
           </a:p>
@@ -2329,7 +2329,7 @@
           <a:p>
             <a:fld id="{78C97017-6FC3-485B-9764-EAC9E56C1D49}" type="datetimeFigureOut">
               <a:rPr lang="en-US" smtClean="0"/>
-              <a:t>1/7/2017</a:t>
+              <a:t>3/23/2017</a:t>
             </a:fld>
             <a:endParaRPr lang="en-US"/>
           </a:p>
@@ -2604,7 +2604,7 @@
           <a:p>
             <a:fld id="{78C97017-6FC3-485B-9764-EAC9E56C1D49}" type="datetimeFigureOut">
               <a:rPr lang="en-US" smtClean="0"/>
-              <a:t>1/7/2017</a:t>
+              <a:t>3/23/2017</a:t>
             </a:fld>
             <a:endParaRPr lang="en-US"/>
           </a:p>
@@ -2856,7 +2856,7 @@
           <a:p>
             <a:fld id="{78C97017-6FC3-485B-9764-EAC9E56C1D49}" type="datetimeFigureOut">
               <a:rPr lang="en-US" smtClean="0"/>
-              <a:t>1/7/2017</a:t>
+              <a:t>3/23/2017</a:t>
             </a:fld>
             <a:endParaRPr lang="en-US"/>
           </a:p>
@@ -3067,7 +3067,7 @@
           <a:p>
             <a:fld id="{78C97017-6FC3-485B-9764-EAC9E56C1D49}" type="datetimeFigureOut">
               <a:rPr lang="en-US" smtClean="0"/>
-              <a:t>1/7/2017</a:t>
+              <a:t>3/23/2017</a:t>
             </a:fld>
             <a:endParaRPr lang="en-US"/>
           </a:p>
@@ -4038,14 +4038,24 @@
           <a:p>
             <a:pPr algn="ctr"/>
             <a:r>
-              <a:rPr lang="en-US" sz="1050" b="1" dirty="0" err="1">
+              <a:rPr lang="en-US" sz="1050" b="1" dirty="0" err="1" smtClean="0">
                 <a:solidFill>
                   <a:schemeClr val="accent3">
                     <a:lumMod val="75000"/>
                   </a:schemeClr>
                 </a:solidFill>
               </a:rPr>
-              <a:t>PersonListPanel</a:t>
+              <a:t>Task</a:t>
+            </a:r>
+            <a:r>
+              <a:rPr lang="en-US" sz="1050" b="1" dirty="0" err="1" smtClean="0">
+                <a:solidFill>
+                  <a:schemeClr val="accent3">
+                    <a:lumMod val="75000"/>
+                  </a:schemeClr>
+                </a:solidFill>
+              </a:rPr>
+              <a:t>ListPanel</a:t>
             </a:r>
             <a:endParaRPr lang="en-SG" sz="1050" b="1" dirty="0">
               <a:solidFill>
@@ -4098,14 +4108,24 @@
           <a:p>
             <a:pPr algn="ctr"/>
             <a:r>
-              <a:rPr lang="en-US" sz="1050" b="1" dirty="0" err="1">
+              <a:rPr lang="en-US" sz="1050" b="1" dirty="0" err="1" smtClean="0">
                 <a:solidFill>
                   <a:schemeClr val="accent3">
                     <a:lumMod val="75000"/>
                   </a:schemeClr>
                 </a:solidFill>
               </a:rPr>
-              <a:t>PersonCard</a:t>
+              <a:t>Task</a:t>
+            </a:r>
+            <a:r>
+              <a:rPr lang="en-US" sz="1050" b="1" dirty="0" err="1" smtClean="0">
+                <a:solidFill>
+                  <a:schemeClr val="accent3">
+                    <a:lumMod val="75000"/>
+                  </a:schemeClr>
+                </a:solidFill>
+              </a:rPr>
+              <a:t>Card</a:t>
             </a:r>
             <a:endParaRPr lang="en-SG" sz="1050" b="1" dirty="0">
               <a:solidFill>
@@ -5519,6 +5539,13 @@
   <p:clrMapOvr>
     <a:masterClrMapping/>
   </p:clrMapOvr>
+  <p:timing>
+    <p:tnLst>
+      <p:par>
+        <p:cTn id="1" dur="indefinite" restart="never" nodeType="tmRoot"/>
+      </p:par>
+    </p:tnLst>
+  </p:timing>
 </p:sld>
 </file>
 

--- a/docs/diagrams/UiComponentClassDiagram.pptx
+++ b/docs/diagrams/UiComponentClassDiagram.pptx
@@ -208,7 +208,7 @@
           <a:p>
             <a:fld id="{F5CC4B3F-88C1-4FFA-B1B6-F41C21DC6924}" type="datetimeFigureOut">
               <a:rPr lang="en-US" smtClean="0"/>
-              <a:t>3/14/2017</a:t>
+              <a:t>3/23/2017</a:t>
             </a:fld>
             <a:endParaRPr lang="en-US"/>
           </a:p>
@@ -654,7 +654,7 @@
           <a:p>
             <a:fld id="{78C97017-6FC3-485B-9764-EAC9E56C1D49}" type="datetimeFigureOut">
               <a:rPr lang="en-US" smtClean="0"/>
-              <a:t>3/14/2017</a:t>
+              <a:t>3/23/2017</a:t>
             </a:fld>
             <a:endParaRPr lang="en-US"/>
           </a:p>
@@ -822,7 +822,7 @@
           <a:p>
             <a:fld id="{78C97017-6FC3-485B-9764-EAC9E56C1D49}" type="datetimeFigureOut">
               <a:rPr lang="en-US" smtClean="0"/>
-              <a:t>3/14/2017</a:t>
+              <a:t>3/23/2017</a:t>
             </a:fld>
             <a:endParaRPr lang="en-US"/>
           </a:p>
@@ -1000,7 +1000,7 @@
           <a:p>
             <a:fld id="{78C97017-6FC3-485B-9764-EAC9E56C1D49}" type="datetimeFigureOut">
               <a:rPr lang="en-US" smtClean="0"/>
-              <a:t>3/14/2017</a:t>
+              <a:t>3/23/2017</a:t>
             </a:fld>
             <a:endParaRPr lang="en-US"/>
           </a:p>
@@ -1168,7 +1168,7 @@
           <a:p>
             <a:fld id="{78C97017-6FC3-485B-9764-EAC9E56C1D49}" type="datetimeFigureOut">
               <a:rPr lang="en-US" smtClean="0"/>
-              <a:t>3/14/2017</a:t>
+              <a:t>3/23/2017</a:t>
             </a:fld>
             <a:endParaRPr lang="en-US"/>
           </a:p>
@@ -1413,7 +1413,7 @@
           <a:p>
             <a:fld id="{78C97017-6FC3-485B-9764-EAC9E56C1D49}" type="datetimeFigureOut">
               <a:rPr lang="en-US" smtClean="0"/>
-              <a:t>3/14/2017</a:t>
+              <a:t>3/23/2017</a:t>
             </a:fld>
             <a:endParaRPr lang="en-US"/>
           </a:p>
@@ -1698,7 +1698,7 @@
           <a:p>
             <a:fld id="{78C97017-6FC3-485B-9764-EAC9E56C1D49}" type="datetimeFigureOut">
               <a:rPr lang="en-US" smtClean="0"/>
-              <a:t>3/14/2017</a:t>
+              <a:t>3/23/2017</a:t>
             </a:fld>
             <a:endParaRPr lang="en-US"/>
           </a:p>
@@ -2117,7 +2117,7 @@
           <a:p>
             <a:fld id="{78C97017-6FC3-485B-9764-EAC9E56C1D49}" type="datetimeFigureOut">
               <a:rPr lang="en-US" smtClean="0"/>
-              <a:t>3/14/2017</a:t>
+              <a:t>3/23/2017</a:t>
             </a:fld>
             <a:endParaRPr lang="en-US"/>
           </a:p>
@@ -2234,7 +2234,7 @@
           <a:p>
             <a:fld id="{78C97017-6FC3-485B-9764-EAC9E56C1D49}" type="datetimeFigureOut">
               <a:rPr lang="en-US" smtClean="0"/>
-              <a:t>3/14/2017</a:t>
+              <a:t>3/23/2017</a:t>
             </a:fld>
             <a:endParaRPr lang="en-US"/>
           </a:p>
@@ -2329,7 +2329,7 @@
           <a:p>
             <a:fld id="{78C97017-6FC3-485B-9764-EAC9E56C1D49}" type="datetimeFigureOut">
               <a:rPr lang="en-US" smtClean="0"/>
-              <a:t>3/14/2017</a:t>
+              <a:t>3/23/2017</a:t>
             </a:fld>
             <a:endParaRPr lang="en-US"/>
           </a:p>
@@ -2604,7 +2604,7 @@
           <a:p>
             <a:fld id="{78C97017-6FC3-485B-9764-EAC9E56C1D49}" type="datetimeFigureOut">
               <a:rPr lang="en-US" smtClean="0"/>
-              <a:t>3/14/2017</a:t>
+              <a:t>3/23/2017</a:t>
             </a:fld>
             <a:endParaRPr lang="en-US"/>
           </a:p>
@@ -2856,7 +2856,7 @@
           <a:p>
             <a:fld id="{78C97017-6FC3-485B-9764-EAC9E56C1D49}" type="datetimeFigureOut">
               <a:rPr lang="en-US" smtClean="0"/>
-              <a:t>3/14/2017</a:t>
+              <a:t>3/23/2017</a:t>
             </a:fld>
             <a:endParaRPr lang="en-US"/>
           </a:p>
@@ -3067,7 +3067,7 @@
           <a:p>
             <a:fld id="{78C97017-6FC3-485B-9764-EAC9E56C1D49}" type="datetimeFigureOut">
               <a:rPr lang="en-US" smtClean="0"/>
-              <a:t>3/14/2017</a:t>
+              <a:t>3/23/2017</a:t>
             </a:fld>
             <a:endParaRPr lang="en-US"/>
           </a:p>
@@ -3572,7 +3572,7 @@
         </p:nvSpPr>
         <p:spPr>
           <a:xfrm>
-            <a:off x="2592528" y="2971800"/>
+            <a:off x="2590864" y="2802705"/>
             <a:ext cx="1093635" cy="236841"/>
           </a:xfrm>
           <a:prstGeom prst="rect">
@@ -3825,8 +3825,8 @@
         </p:nvSpPr>
         <p:spPr>
           <a:xfrm rot="16200000">
-            <a:off x="5897462" y="2271239"/>
-            <a:ext cx="1974933" cy="328045"/>
+            <a:off x="5669380" y="2512908"/>
+            <a:ext cx="2458267" cy="328045"/>
           </a:xfrm>
           <a:prstGeom prst="roundRect">
             <a:avLst/>
@@ -3885,7 +3885,7 @@
         </p:nvSpPr>
         <p:spPr>
           <a:xfrm>
-            <a:off x="2592528" y="3649359"/>
+            <a:off x="2600654" y="3736004"/>
             <a:ext cx="1093635" cy="236841"/>
           </a:xfrm>
           <a:prstGeom prst="rect">
@@ -3945,7 +3945,7 @@
         </p:nvSpPr>
         <p:spPr>
           <a:xfrm>
-            <a:off x="2592527" y="4563759"/>
+            <a:off x="2593947" y="4722222"/>
             <a:ext cx="1093635" cy="236841"/>
           </a:xfrm>
           <a:prstGeom prst="rect">
@@ -4005,7 +4005,7 @@
         </p:nvSpPr>
         <p:spPr>
           <a:xfrm>
-            <a:off x="2592526" y="3991960"/>
+            <a:off x="2607360" y="4052051"/>
             <a:ext cx="1093635" cy="236841"/>
           </a:xfrm>
           <a:prstGeom prst="rect">
@@ -4045,17 +4045,7 @@
                   </a:schemeClr>
                 </a:solidFill>
               </a:rPr>
-              <a:t>Task</a:t>
-            </a:r>
-            <a:r>
-              <a:rPr lang="en-US" sz="1050" b="1" dirty="0" smtClean="0">
-                <a:solidFill>
-                  <a:schemeClr val="accent3">
-                    <a:lumMod val="75000"/>
-                  </a:schemeClr>
-                </a:solidFill>
-              </a:rPr>
-              <a:t>ListPanel</a:t>
+              <a:t>TaskListPanel</a:t>
             </a:r>
             <a:endParaRPr lang="en-SG" sz="1050" b="1" dirty="0">
               <a:solidFill>
@@ -4075,7 +4065,7 @@
         </p:nvSpPr>
         <p:spPr>
           <a:xfrm>
-            <a:off x="3839323" y="4228801"/>
+            <a:off x="3878817" y="4224324"/>
             <a:ext cx="1040906" cy="236841"/>
           </a:xfrm>
           <a:prstGeom prst="rect">
@@ -4115,17 +4105,7 @@
                   </a:schemeClr>
                 </a:solidFill>
               </a:rPr>
-              <a:t>Task</a:t>
-            </a:r>
-            <a:r>
-              <a:rPr lang="en-US" sz="1050" b="1" dirty="0" smtClean="0">
-                <a:solidFill>
-                  <a:schemeClr val="accent3">
-                    <a:lumMod val="75000"/>
-                  </a:schemeClr>
-                </a:solidFill>
-              </a:rPr>
-              <a:t>Card</a:t>
+              <a:t>TaskCard</a:t>
             </a:r>
             <a:endParaRPr lang="en-SG" sz="1050" b="1" dirty="0">
               <a:solidFill>
@@ -4196,8 +4176,8 @@
         </p:nvCxnSpPr>
         <p:spPr>
           <a:xfrm rot="16200000" flipH="1">
-            <a:off x="2393229" y="2890922"/>
-            <a:ext cx="222196" cy="176402"/>
+            <a:off x="2476945" y="2807206"/>
+            <a:ext cx="53101" cy="174738"/>
           </a:xfrm>
           <a:prstGeom prst="bentConnector2">
             <a:avLst/>
@@ -4234,7 +4214,7 @@
         </p:nvSpPr>
         <p:spPr>
           <a:xfrm>
-            <a:off x="2590799" y="3304308"/>
+            <a:off x="2594735" y="3116952"/>
             <a:ext cx="1095361" cy="236841"/>
           </a:xfrm>
           <a:prstGeom prst="rect">
@@ -4297,8 +4277,8 @@
         </p:nvCxnSpPr>
         <p:spPr>
           <a:xfrm rot="16200000" flipH="1">
-            <a:off x="2054450" y="3229701"/>
-            <a:ext cx="899755" cy="176402"/>
+            <a:off x="2015190" y="3268961"/>
+            <a:ext cx="986400" cy="184528"/>
           </a:xfrm>
           <a:prstGeom prst="bentConnector2">
             <a:avLst/>
@@ -4338,8 +4318,8 @@
         </p:nvCxnSpPr>
         <p:spPr>
           <a:xfrm rot="16200000" flipH="1">
-            <a:off x="1883148" y="3401003"/>
-            <a:ext cx="1242356" cy="176400"/>
+            <a:off x="1860520" y="3423631"/>
+            <a:ext cx="1302447" cy="191234"/>
           </a:xfrm>
           <a:prstGeom prst="bentConnector2">
             <a:avLst/>
@@ -4376,12 +4356,12 @@
         </p:nvCxnSpPr>
         <p:spPr>
           <a:xfrm rot="16200000" flipH="1">
-            <a:off x="1388065" y="3477980"/>
-            <a:ext cx="1994458" cy="414462"/>
+            <a:off x="1314479" y="3561574"/>
+            <a:ext cx="2166475" cy="419286"/>
           </a:xfrm>
           <a:prstGeom prst="bentConnector3">
             <a:avLst>
-              <a:gd name="adj1" fmla="val 99985"/>
+              <a:gd name="adj1" fmla="val 99954"/>
             </a:avLst>
           </a:prstGeom>
           <a:ln w="19050">
@@ -4498,8 +4478,8 @@
         </p:nvCxnSpPr>
         <p:spPr>
           <a:xfrm flipV="1">
-            <a:off x="3686160" y="2286000"/>
-            <a:ext cx="1843809" cy="1136729"/>
+            <a:off x="3690096" y="2286000"/>
+            <a:ext cx="1839873" cy="949373"/>
           </a:xfrm>
           <a:prstGeom prst="bentConnector2">
             <a:avLst/>
@@ -4539,8 +4519,8 @@
         </p:nvCxnSpPr>
         <p:spPr>
           <a:xfrm rot="5400000">
-            <a:off x="4174488" y="2991741"/>
-            <a:ext cx="2061222" cy="649740"/>
+            <a:off x="4196474" y="3009249"/>
+            <a:ext cx="2056745" cy="610246"/>
           </a:xfrm>
           <a:prstGeom prst="bentConnector2">
             <a:avLst/>
@@ -4580,8 +4560,8 @@
         </p:nvCxnSpPr>
         <p:spPr>
           <a:xfrm rot="5400000">
-            <a:off x="3867176" y="2104987"/>
-            <a:ext cx="1481780" cy="1843806"/>
+            <a:off x="3827917" y="2152372"/>
+            <a:ext cx="1568425" cy="1835680"/>
           </a:xfrm>
           <a:prstGeom prst="bentConnector2">
             <a:avLst/>
@@ -4659,7 +4639,7 @@
         </p:nvCxnSpPr>
         <p:spPr>
           <a:xfrm rot="5400000">
-            <a:off x="3409976" y="2562188"/>
+            <a:off x="3414169" y="2734461"/>
             <a:ext cx="2396180" cy="1843807"/>
           </a:xfrm>
           <a:prstGeom prst="bentConnector2">
@@ -4738,8 +4718,8 @@
         </p:nvSpPr>
         <p:spPr>
           <a:xfrm rot="16200000">
-            <a:off x="6175639" y="4141276"/>
-            <a:ext cx="1447799" cy="328045"/>
+            <a:off x="6410965" y="4376601"/>
+            <a:ext cx="977147" cy="328045"/>
           </a:xfrm>
           <a:prstGeom prst="roundRect">
             <a:avLst/>
@@ -4845,7 +4825,7 @@
           <a:p>
             <a:pPr algn="ctr"/>
             <a:r>
-              <a:rPr lang="en-US" sz="1050" dirty="0" err="1">
+              <a:rPr lang="en-US" sz="1050" dirty="0">
                 <a:solidFill>
                   <a:schemeClr val="bg1"/>
                 </a:solidFill>
@@ -4961,8 +4941,8 @@
         </p:nvCxnSpPr>
         <p:spPr>
           <a:xfrm rot="16200000" flipH="1">
-            <a:off x="2226110" y="3058040"/>
-            <a:ext cx="554704" cy="174673"/>
+            <a:off x="2321756" y="2962394"/>
+            <a:ext cx="367348" cy="178609"/>
           </a:xfrm>
           <a:prstGeom prst="bentConnector2">
             <a:avLst/>
@@ -5002,8 +4982,8 @@
         </p:nvCxnSpPr>
         <p:spPr>
           <a:xfrm rot="5400000">
-            <a:off x="4205956" y="1766207"/>
-            <a:ext cx="804221" cy="1843806"/>
+            <a:off x="4289671" y="1680828"/>
+            <a:ext cx="635126" cy="1845470"/>
           </a:xfrm>
           <a:prstGeom prst="bentConnector2">
             <a:avLst/>
@@ -5043,8 +5023,8 @@
         </p:nvCxnSpPr>
         <p:spPr>
           <a:xfrm rot="16200000" flipH="1">
-            <a:off x="3430123" y="3938021"/>
-            <a:ext cx="118421" cy="699979"/>
+            <a:off x="3489571" y="3953498"/>
+            <a:ext cx="53853" cy="724639"/>
           </a:xfrm>
           <a:prstGeom prst="bentConnector2">
             <a:avLst/>
@@ -5084,8 +5064,8 @@
         </p:nvCxnSpPr>
         <p:spPr>
           <a:xfrm rot="5400000">
-            <a:off x="3695875" y="2276286"/>
-            <a:ext cx="1824381" cy="1843808"/>
+            <a:off x="3673246" y="2313749"/>
+            <a:ext cx="1884472" cy="1828974"/>
           </a:xfrm>
           <a:prstGeom prst="bentConnector2">
             <a:avLst/>
@@ -5175,7 +5155,7 @@
         </p:nvSpPr>
         <p:spPr>
           <a:xfrm>
-            <a:off x="3687515" y="2828802"/>
+            <a:off x="3687516" y="2709035"/>
             <a:ext cx="3048000" cy="203200"/>
           </a:xfrm>
           <a:custGeom>
@@ -5310,7 +5290,7 @@
         </p:nvSpPr>
         <p:spPr>
           <a:xfrm flipV="1">
-            <a:off x="4114799" y="4472708"/>
+            <a:off x="4110475" y="4462439"/>
             <a:ext cx="2642195" cy="101600"/>
           </a:xfrm>
           <a:custGeom>
@@ -5356,6 +5336,332 @@
               <a:schemeClr val="accent3"/>
             </a:solidFill>
             <a:prstDash val="sysDot"/>
+            <a:headEnd type="none" w="med" len="med"/>
+            <a:tailEnd type="arrow" w="med" len="med"/>
+          </a:ln>
+          <a:effectLst/>
+        </p:spPr>
+        <p:style>
+          <a:lnRef idx="1">
+            <a:schemeClr val="accent2"/>
+          </a:lnRef>
+          <a:fillRef idx="2">
+            <a:schemeClr val="accent2"/>
+          </a:fillRef>
+          <a:effectRef idx="1">
+            <a:schemeClr val="accent2"/>
+          </a:effectRef>
+          <a:fontRef idx="minor">
+            <a:schemeClr val="dk1"/>
+          </a:fontRef>
+        </p:style>
+        <p:txBody>
+          <a:bodyPr rtlCol="0" anchor="ctr"/>
+          <a:lstStyle/>
+          <a:p>
+            <a:pPr algn="ctr"/>
+            <a:endParaRPr lang="en-SG"/>
+          </a:p>
+        </p:txBody>
+      </p:sp>
+      <p:cxnSp>
+        <p:nvCxnSpPr>
+          <p:cNvPr id="54" name="Elbow Connector 63"/>
+          <p:cNvCxnSpPr>
+            <a:stCxn id="39" idx="2"/>
+          </p:cNvCxnSpPr>
+          <p:nvPr/>
+        </p:nvCxnSpPr>
+        <p:spPr>
+          <a:xfrm rot="16200000" flipH="1">
+            <a:off x="1680920" y="3603231"/>
+            <a:ext cx="1658370" cy="187958"/>
+          </a:xfrm>
+          <a:prstGeom prst="bentConnector3">
+            <a:avLst>
+              <a:gd name="adj1" fmla="val 100009"/>
+            </a:avLst>
+          </a:prstGeom>
+          <a:ln w="19050">
+            <a:solidFill>
+              <a:schemeClr val="accent3"/>
+            </a:solidFill>
+            <a:headEnd type="none" w="med" len="med"/>
+            <a:tailEnd type="arrow" w="med" len="med"/>
+          </a:ln>
+          <a:effectLst/>
+        </p:spPr>
+        <p:style>
+          <a:lnRef idx="1">
+            <a:schemeClr val="accent2"/>
+          </a:lnRef>
+          <a:fillRef idx="2">
+            <a:schemeClr val="accent2"/>
+          </a:fillRef>
+          <a:effectRef idx="1">
+            <a:schemeClr val="accent2"/>
+          </a:effectRef>
+          <a:fontRef idx="minor">
+            <a:schemeClr val="dk1"/>
+          </a:fontRef>
+        </p:style>
+      </p:cxnSp>
+      <p:sp>
+        <p:nvSpPr>
+          <p:cNvPr id="55" name="Rectangle 11"/>
+          <p:cNvSpPr/>
+          <p:nvPr/>
+        </p:nvSpPr>
+        <p:spPr>
+          <a:xfrm>
+            <a:off x="2600654" y="4404033"/>
+            <a:ext cx="1093635" cy="236841"/>
+          </a:xfrm>
+          <a:prstGeom prst="rect">
+            <a:avLst/>
+          </a:prstGeom>
+          <a:ln w="19050">
+            <a:solidFill>
+              <a:schemeClr val="accent3"/>
+            </a:solidFill>
+          </a:ln>
+          <a:effectLst/>
+        </p:spPr>
+        <p:style>
+          <a:lnRef idx="1">
+            <a:schemeClr val="accent3"/>
+          </a:lnRef>
+          <a:fillRef idx="2">
+            <a:schemeClr val="accent3"/>
+          </a:fillRef>
+          <a:effectRef idx="1">
+            <a:schemeClr val="accent3"/>
+          </a:effectRef>
+          <a:fontRef idx="minor">
+            <a:schemeClr val="dk1"/>
+          </a:fontRef>
+        </p:style>
+        <p:txBody>
+          <a:bodyPr rtlCol="0" anchor="ctr"/>
+          <a:lstStyle/>
+          <a:p>
+            <a:pPr algn="ctr"/>
+            <a:r>
+              <a:rPr lang="en-US" sz="1050" b="1" dirty="0" smtClean="0">
+                <a:solidFill>
+                  <a:schemeClr val="accent3">
+                    <a:lumMod val="75000"/>
+                  </a:schemeClr>
+                </a:solidFill>
+              </a:rPr>
+              <a:t>TaskListType</a:t>
+            </a:r>
+            <a:endParaRPr lang="en-SG" sz="1050" b="1" dirty="0">
+              <a:solidFill>
+                <a:schemeClr val="accent3">
+                  <a:lumMod val="75000"/>
+                </a:schemeClr>
+              </a:solidFill>
+            </a:endParaRPr>
+          </a:p>
+        </p:txBody>
+      </p:sp>
+      <p:sp>
+        <p:nvSpPr>
+          <p:cNvPr id="78" name="Rectangle 11"/>
+          <p:cNvSpPr/>
+          <p:nvPr/>
+        </p:nvSpPr>
+        <p:spPr>
+          <a:xfrm>
+            <a:off x="2590013" y="3426884"/>
+            <a:ext cx="1093635" cy="236841"/>
+          </a:xfrm>
+          <a:prstGeom prst="rect">
+            <a:avLst/>
+          </a:prstGeom>
+          <a:ln w="19050">
+            <a:solidFill>
+              <a:schemeClr val="accent3"/>
+            </a:solidFill>
+          </a:ln>
+          <a:effectLst/>
+        </p:spPr>
+        <p:style>
+          <a:lnRef idx="1">
+            <a:schemeClr val="accent3"/>
+          </a:lnRef>
+          <a:fillRef idx="2">
+            <a:schemeClr val="accent3"/>
+          </a:fillRef>
+          <a:effectRef idx="1">
+            <a:schemeClr val="accent3"/>
+          </a:effectRef>
+          <a:fontRef idx="minor">
+            <a:schemeClr val="dk1"/>
+          </a:fontRef>
+        </p:style>
+        <p:txBody>
+          <a:bodyPr rtlCol="0" anchor="ctr"/>
+          <a:lstStyle/>
+          <a:p>
+            <a:pPr algn="ctr"/>
+            <a:r>
+              <a:rPr lang="en-US" sz="1050" b="1" dirty="0" smtClean="0">
+                <a:solidFill>
+                  <a:schemeClr val="accent3">
+                    <a:lumMod val="75000"/>
+                  </a:schemeClr>
+                </a:solidFill>
+              </a:rPr>
+              <a:t>TaskCount</a:t>
+            </a:r>
+            <a:endParaRPr lang="en-SG" sz="1050" b="1" dirty="0">
+              <a:solidFill>
+                <a:schemeClr val="accent3">
+                  <a:lumMod val="75000"/>
+                </a:schemeClr>
+              </a:solidFill>
+            </a:endParaRPr>
+          </a:p>
+        </p:txBody>
+      </p:sp>
+      <p:cxnSp>
+        <p:nvCxnSpPr>
+          <p:cNvPr id="79" name="Elbow Connector 78"/>
+          <p:cNvCxnSpPr>
+            <a:stCxn id="39" idx="2"/>
+          </p:cNvCxnSpPr>
+          <p:nvPr/>
+        </p:nvCxnSpPr>
+        <p:spPr>
+          <a:xfrm rot="16200000" flipH="1">
+            <a:off x="2157126" y="3127025"/>
+            <a:ext cx="700148" cy="182148"/>
+          </a:xfrm>
+          <a:prstGeom prst="bentConnector3">
+            <a:avLst>
+              <a:gd name="adj1" fmla="val 100114"/>
+            </a:avLst>
+          </a:prstGeom>
+          <a:ln w="19050">
+            <a:solidFill>
+              <a:schemeClr val="accent3"/>
+            </a:solidFill>
+            <a:headEnd type="none" w="med" len="med"/>
+            <a:tailEnd type="arrow" w="med" len="med"/>
+          </a:ln>
+          <a:effectLst/>
+        </p:spPr>
+        <p:style>
+          <a:lnRef idx="1">
+            <a:schemeClr val="accent2"/>
+          </a:lnRef>
+          <a:fillRef idx="2">
+            <a:schemeClr val="accent2"/>
+          </a:fillRef>
+          <a:effectRef idx="1">
+            <a:schemeClr val="accent2"/>
+          </a:effectRef>
+          <a:fontRef idx="minor">
+            <a:schemeClr val="dk1"/>
+          </a:fontRef>
+        </p:style>
+      </p:cxnSp>
+      <p:cxnSp>
+        <p:nvCxnSpPr>
+          <p:cNvPr id="81" name="Elbow Connector 63"/>
+          <p:cNvCxnSpPr>
+            <a:endCxn id="16" idx="3"/>
+          </p:cNvCxnSpPr>
+          <p:nvPr/>
+        </p:nvCxnSpPr>
+        <p:spPr>
+          <a:xfrm flipV="1">
+            <a:off x="3687181" y="2286000"/>
+            <a:ext cx="1842788" cy="1282174"/>
+          </a:xfrm>
+          <a:prstGeom prst="bentConnector2">
+            <a:avLst/>
+          </a:prstGeom>
+          <a:ln w="6350">
+            <a:solidFill>
+              <a:schemeClr val="accent3"/>
+            </a:solidFill>
+            <a:headEnd type="none" w="med" len="med"/>
+            <a:tailEnd type="none" w="med" len="med"/>
+          </a:ln>
+          <a:effectLst/>
+        </p:spPr>
+        <p:style>
+          <a:lnRef idx="1">
+            <a:schemeClr val="accent2"/>
+          </a:lnRef>
+          <a:fillRef idx="2">
+            <a:schemeClr val="accent2"/>
+          </a:fillRef>
+          <a:effectRef idx="1">
+            <a:schemeClr val="accent2"/>
+          </a:effectRef>
+          <a:fontRef idx="minor">
+            <a:schemeClr val="dk1"/>
+          </a:fontRef>
+        </p:style>
+      </p:cxnSp>
+      <p:sp>
+        <p:nvSpPr>
+          <p:cNvPr id="83" name="Freeform 82"/>
+          <p:cNvSpPr/>
+          <p:nvPr/>
+        </p:nvSpPr>
+        <p:spPr>
+          <a:xfrm>
+            <a:off x="3686491" y="3371357"/>
+            <a:ext cx="3048000" cy="203200"/>
+          </a:xfrm>
+          <a:custGeom>
+            <a:avLst/>
+            <a:gdLst>
+              <a:gd name="connsiteX0" fmla="*/ 0 w 3048000"/>
+              <a:gd name="connsiteY0" fmla="*/ 203200 h 203200"/>
+              <a:gd name="connsiteX1" fmla="*/ 221673 w 3048000"/>
+              <a:gd name="connsiteY1" fmla="*/ 0 h 203200"/>
+              <a:gd name="connsiteX2" fmla="*/ 3048000 w 3048000"/>
+              <a:gd name="connsiteY2" fmla="*/ 0 h 203200"/>
+            </a:gdLst>
+            <a:ahLst/>
+            <a:cxnLst>
+              <a:cxn ang="0">
+                <a:pos x="connsiteX0" y="connsiteY0"/>
+              </a:cxn>
+              <a:cxn ang="0">
+                <a:pos x="connsiteX1" y="connsiteY1"/>
+              </a:cxn>
+              <a:cxn ang="0">
+                <a:pos x="connsiteX2" y="connsiteY2"/>
+              </a:cxn>
+            </a:cxnLst>
+            <a:rect l="l" t="t" r="r" b="b"/>
+            <a:pathLst>
+              <a:path w="3048000" h="203200">
+                <a:moveTo>
+                  <a:pt x="0" y="203200"/>
+                </a:moveTo>
+                <a:lnTo>
+                  <a:pt x="221673" y="0"/>
+                </a:lnTo>
+                <a:lnTo>
+                  <a:pt x="3048000" y="0"/>
+                </a:lnTo>
+              </a:path>
+            </a:pathLst>
+          </a:custGeom>
+          <a:noFill/>
+          <a:ln w="19050">
+            <a:solidFill>
+              <a:schemeClr val="accent3"/>
+            </a:solidFill>
+            <a:prstDash val="solid"/>
             <a:headEnd type="none" w="med" len="med"/>
             <a:tailEnd type="arrow" w="med" len="med"/>
           </a:ln>

--- a/docs/diagrams/UiComponentClassDiagram.pptx
+++ b/docs/diagrams/UiComponentClassDiagram.pptx
@@ -109,7 +109,7 @@
   </p:defaultTextStyle>
   <p:extLst>
     <p:ext uri="{EFAFB233-063F-42B5-8137-9DF3F51BA10A}">
-      <p15:sldGuideLst xmlns:p15="http://schemas.microsoft.com/office/powerpoint/2012/main">
+      <p15:sldGuideLst xmlns:p15="http://schemas.microsoft.com/office/powerpoint/2012/main" xmlns="">
         <p15:guide id="1" orient="horz" pos="1488">
           <p15:clr>
             <a:srgbClr val="A4A3A4"/>
@@ -208,7 +208,8 @@
           <a:p>
             <a:fld id="{F5CC4B3F-88C1-4FFA-B1B6-F41C21DC6924}" type="datetimeFigureOut">
               <a:rPr lang="en-US" smtClean="0"/>
-              <a:t>1/7/2017</a:t>
+              <a:pPr/>
+              <a:t>3/23/2017</a:t>
             </a:fld>
             <a:endParaRPr lang="en-US"/>
           </a:p>
@@ -366,6 +367,7 @@
           <a:p>
             <a:fld id="{5A7AB025-77E3-4BD1-A2FD-B3183DBA47A3}" type="slidenum">
               <a:rPr lang="en-US" smtClean="0"/>
+              <a:pPr/>
               <a:t>‹#›</a:t>
             </a:fld>
             <a:endParaRPr lang="en-US"/>
@@ -375,7 +377,7 @@
     </p:spTree>
     <p:extLst>
       <p:ext uri="{BB962C8B-B14F-4D97-AF65-F5344CB8AC3E}">
-        <p14:creationId xmlns:p14="http://schemas.microsoft.com/office/powerpoint/2010/main" val="2023976206"/>
+        <p14:creationId xmlns:p14="http://schemas.microsoft.com/office/powerpoint/2010/main" xmlns="" val="2023976206"/>
       </p:ext>
     </p:extLst>
   </p:cSld>
@@ -654,7 +656,8 @@
           <a:p>
             <a:fld id="{78C97017-6FC3-485B-9764-EAC9E56C1D49}" type="datetimeFigureOut">
               <a:rPr lang="en-US" smtClean="0"/>
-              <a:t>1/7/2017</a:t>
+              <a:pPr/>
+              <a:t>3/23/2017</a:t>
             </a:fld>
             <a:endParaRPr lang="en-US"/>
           </a:p>
@@ -696,6 +699,7 @@
           <a:p>
             <a:fld id="{FB34683C-161B-4520-BF45-B179E228CF2A}" type="slidenum">
               <a:rPr lang="en-US" smtClean="0"/>
+              <a:pPr/>
               <a:t>‹#›</a:t>
             </a:fld>
             <a:endParaRPr lang="en-US"/>
@@ -705,7 +709,7 @@
     </p:spTree>
     <p:extLst>
       <p:ext uri="{BB962C8B-B14F-4D97-AF65-F5344CB8AC3E}">
-        <p14:creationId xmlns:p14="http://schemas.microsoft.com/office/powerpoint/2010/main" val="3246593157"/>
+        <p14:creationId xmlns:p14="http://schemas.microsoft.com/office/powerpoint/2010/main" xmlns="" val="3246593157"/>
       </p:ext>
     </p:extLst>
   </p:cSld>
@@ -822,7 +826,8 @@
           <a:p>
             <a:fld id="{78C97017-6FC3-485B-9764-EAC9E56C1D49}" type="datetimeFigureOut">
               <a:rPr lang="en-US" smtClean="0"/>
-              <a:t>1/7/2017</a:t>
+              <a:pPr/>
+              <a:t>3/23/2017</a:t>
             </a:fld>
             <a:endParaRPr lang="en-US"/>
           </a:p>
@@ -864,6 +869,7 @@
           <a:p>
             <a:fld id="{FB34683C-161B-4520-BF45-B179E228CF2A}" type="slidenum">
               <a:rPr lang="en-US" smtClean="0"/>
+              <a:pPr/>
               <a:t>‹#›</a:t>
             </a:fld>
             <a:endParaRPr lang="en-US"/>
@@ -873,7 +879,7 @@
     </p:spTree>
     <p:extLst>
       <p:ext uri="{BB962C8B-B14F-4D97-AF65-F5344CB8AC3E}">
-        <p14:creationId xmlns:p14="http://schemas.microsoft.com/office/powerpoint/2010/main" val="2707025021"/>
+        <p14:creationId xmlns:p14="http://schemas.microsoft.com/office/powerpoint/2010/main" xmlns="" val="2707025021"/>
       </p:ext>
     </p:extLst>
   </p:cSld>
@@ -1000,7 +1006,8 @@
           <a:p>
             <a:fld id="{78C97017-6FC3-485B-9764-EAC9E56C1D49}" type="datetimeFigureOut">
               <a:rPr lang="en-US" smtClean="0"/>
-              <a:t>1/7/2017</a:t>
+              <a:pPr/>
+              <a:t>3/23/2017</a:t>
             </a:fld>
             <a:endParaRPr lang="en-US"/>
           </a:p>
@@ -1042,6 +1049,7 @@
           <a:p>
             <a:fld id="{FB34683C-161B-4520-BF45-B179E228CF2A}" type="slidenum">
               <a:rPr lang="en-US" smtClean="0"/>
+              <a:pPr/>
               <a:t>‹#›</a:t>
             </a:fld>
             <a:endParaRPr lang="en-US"/>
@@ -1051,7 +1059,7 @@
     </p:spTree>
     <p:extLst>
       <p:ext uri="{BB962C8B-B14F-4D97-AF65-F5344CB8AC3E}">
-        <p14:creationId xmlns:p14="http://schemas.microsoft.com/office/powerpoint/2010/main" val="568378986"/>
+        <p14:creationId xmlns:p14="http://schemas.microsoft.com/office/powerpoint/2010/main" xmlns="" val="568378986"/>
       </p:ext>
     </p:extLst>
   </p:cSld>
@@ -1168,7 +1176,8 @@
           <a:p>
             <a:fld id="{78C97017-6FC3-485B-9764-EAC9E56C1D49}" type="datetimeFigureOut">
               <a:rPr lang="en-US" smtClean="0"/>
-              <a:t>1/7/2017</a:t>
+              <a:pPr/>
+              <a:t>3/23/2017</a:t>
             </a:fld>
             <a:endParaRPr lang="en-US"/>
           </a:p>
@@ -1210,6 +1219,7 @@
           <a:p>
             <a:fld id="{FB34683C-161B-4520-BF45-B179E228CF2A}" type="slidenum">
               <a:rPr lang="en-US" smtClean="0"/>
+              <a:pPr/>
               <a:t>‹#›</a:t>
             </a:fld>
             <a:endParaRPr lang="en-US"/>
@@ -1219,7 +1229,7 @@
     </p:spTree>
     <p:extLst>
       <p:ext uri="{BB962C8B-B14F-4D97-AF65-F5344CB8AC3E}">
-        <p14:creationId xmlns:p14="http://schemas.microsoft.com/office/powerpoint/2010/main" val="266658052"/>
+        <p14:creationId xmlns:p14="http://schemas.microsoft.com/office/powerpoint/2010/main" xmlns="" val="266658052"/>
       </p:ext>
     </p:extLst>
   </p:cSld>
@@ -1413,7 +1423,8 @@
           <a:p>
             <a:fld id="{78C97017-6FC3-485B-9764-EAC9E56C1D49}" type="datetimeFigureOut">
               <a:rPr lang="en-US" smtClean="0"/>
-              <a:t>1/7/2017</a:t>
+              <a:pPr/>
+              <a:t>3/23/2017</a:t>
             </a:fld>
             <a:endParaRPr lang="en-US"/>
           </a:p>
@@ -1455,6 +1466,7 @@
           <a:p>
             <a:fld id="{FB34683C-161B-4520-BF45-B179E228CF2A}" type="slidenum">
               <a:rPr lang="en-US" smtClean="0"/>
+              <a:pPr/>
               <a:t>‹#›</a:t>
             </a:fld>
             <a:endParaRPr lang="en-US"/>
@@ -1464,7 +1476,7 @@
     </p:spTree>
     <p:extLst>
       <p:ext uri="{BB962C8B-B14F-4D97-AF65-F5344CB8AC3E}">
-        <p14:creationId xmlns:p14="http://schemas.microsoft.com/office/powerpoint/2010/main" val="474686344"/>
+        <p14:creationId xmlns:p14="http://schemas.microsoft.com/office/powerpoint/2010/main" xmlns="" val="474686344"/>
       </p:ext>
     </p:extLst>
   </p:cSld>
@@ -1698,7 +1710,8 @@
           <a:p>
             <a:fld id="{78C97017-6FC3-485B-9764-EAC9E56C1D49}" type="datetimeFigureOut">
               <a:rPr lang="en-US" smtClean="0"/>
-              <a:t>1/7/2017</a:t>
+              <a:pPr/>
+              <a:t>3/23/2017</a:t>
             </a:fld>
             <a:endParaRPr lang="en-US"/>
           </a:p>
@@ -1740,6 +1753,7 @@
           <a:p>
             <a:fld id="{FB34683C-161B-4520-BF45-B179E228CF2A}" type="slidenum">
               <a:rPr lang="en-US" smtClean="0"/>
+              <a:pPr/>
               <a:t>‹#›</a:t>
             </a:fld>
             <a:endParaRPr lang="en-US"/>
@@ -1749,7 +1763,7 @@
     </p:spTree>
     <p:extLst>
       <p:ext uri="{BB962C8B-B14F-4D97-AF65-F5344CB8AC3E}">
-        <p14:creationId xmlns:p14="http://schemas.microsoft.com/office/powerpoint/2010/main" val="562293251"/>
+        <p14:creationId xmlns:p14="http://schemas.microsoft.com/office/powerpoint/2010/main" xmlns="" val="562293251"/>
       </p:ext>
     </p:extLst>
   </p:cSld>
@@ -2117,7 +2131,8 @@
           <a:p>
             <a:fld id="{78C97017-6FC3-485B-9764-EAC9E56C1D49}" type="datetimeFigureOut">
               <a:rPr lang="en-US" smtClean="0"/>
-              <a:t>1/7/2017</a:t>
+              <a:pPr/>
+              <a:t>3/23/2017</a:t>
             </a:fld>
             <a:endParaRPr lang="en-US"/>
           </a:p>
@@ -2159,6 +2174,7 @@
           <a:p>
             <a:fld id="{FB34683C-161B-4520-BF45-B179E228CF2A}" type="slidenum">
               <a:rPr lang="en-US" smtClean="0"/>
+              <a:pPr/>
               <a:t>‹#›</a:t>
             </a:fld>
             <a:endParaRPr lang="en-US"/>
@@ -2168,7 +2184,7 @@
     </p:spTree>
     <p:extLst>
       <p:ext uri="{BB962C8B-B14F-4D97-AF65-F5344CB8AC3E}">
-        <p14:creationId xmlns:p14="http://schemas.microsoft.com/office/powerpoint/2010/main" val="1126424250"/>
+        <p14:creationId xmlns:p14="http://schemas.microsoft.com/office/powerpoint/2010/main" xmlns="" val="1126424250"/>
       </p:ext>
     </p:extLst>
   </p:cSld>
@@ -2234,7 +2250,8 @@
           <a:p>
             <a:fld id="{78C97017-6FC3-485B-9764-EAC9E56C1D49}" type="datetimeFigureOut">
               <a:rPr lang="en-US" smtClean="0"/>
-              <a:t>1/7/2017</a:t>
+              <a:pPr/>
+              <a:t>3/23/2017</a:t>
             </a:fld>
             <a:endParaRPr lang="en-US"/>
           </a:p>
@@ -2276,6 +2293,7 @@
           <a:p>
             <a:fld id="{FB34683C-161B-4520-BF45-B179E228CF2A}" type="slidenum">
               <a:rPr lang="en-US" smtClean="0"/>
+              <a:pPr/>
               <a:t>‹#›</a:t>
             </a:fld>
             <a:endParaRPr lang="en-US"/>
@@ -2285,7 +2303,7 @@
     </p:spTree>
     <p:extLst>
       <p:ext uri="{BB962C8B-B14F-4D97-AF65-F5344CB8AC3E}">
-        <p14:creationId xmlns:p14="http://schemas.microsoft.com/office/powerpoint/2010/main" val="4159724230"/>
+        <p14:creationId xmlns:p14="http://schemas.microsoft.com/office/powerpoint/2010/main" xmlns="" val="4159724230"/>
       </p:ext>
     </p:extLst>
   </p:cSld>
@@ -2329,7 +2347,8 @@
           <a:p>
             <a:fld id="{78C97017-6FC3-485B-9764-EAC9E56C1D49}" type="datetimeFigureOut">
               <a:rPr lang="en-US" smtClean="0"/>
-              <a:t>1/7/2017</a:t>
+              <a:pPr/>
+              <a:t>3/23/2017</a:t>
             </a:fld>
             <a:endParaRPr lang="en-US"/>
           </a:p>
@@ -2371,6 +2390,7 @@
           <a:p>
             <a:fld id="{FB34683C-161B-4520-BF45-B179E228CF2A}" type="slidenum">
               <a:rPr lang="en-US" smtClean="0"/>
+              <a:pPr/>
               <a:t>‹#›</a:t>
             </a:fld>
             <a:endParaRPr lang="en-US"/>
@@ -2380,7 +2400,7 @@
     </p:spTree>
     <p:extLst>
       <p:ext uri="{BB962C8B-B14F-4D97-AF65-F5344CB8AC3E}">
-        <p14:creationId xmlns:p14="http://schemas.microsoft.com/office/powerpoint/2010/main" val="1793928710"/>
+        <p14:creationId xmlns:p14="http://schemas.microsoft.com/office/powerpoint/2010/main" xmlns="" val="1793928710"/>
       </p:ext>
     </p:extLst>
   </p:cSld>
@@ -2604,7 +2624,8 @@
           <a:p>
             <a:fld id="{78C97017-6FC3-485B-9764-EAC9E56C1D49}" type="datetimeFigureOut">
               <a:rPr lang="en-US" smtClean="0"/>
-              <a:t>1/7/2017</a:t>
+              <a:pPr/>
+              <a:t>3/23/2017</a:t>
             </a:fld>
             <a:endParaRPr lang="en-US"/>
           </a:p>
@@ -2646,6 +2667,7 @@
           <a:p>
             <a:fld id="{FB34683C-161B-4520-BF45-B179E228CF2A}" type="slidenum">
               <a:rPr lang="en-US" smtClean="0"/>
+              <a:pPr/>
               <a:t>‹#›</a:t>
             </a:fld>
             <a:endParaRPr lang="en-US"/>
@@ -2655,7 +2677,7 @@
     </p:spTree>
     <p:extLst>
       <p:ext uri="{BB962C8B-B14F-4D97-AF65-F5344CB8AC3E}">
-        <p14:creationId xmlns:p14="http://schemas.microsoft.com/office/powerpoint/2010/main" val="2076802089"/>
+        <p14:creationId xmlns:p14="http://schemas.microsoft.com/office/powerpoint/2010/main" xmlns="" val="2076802089"/>
       </p:ext>
     </p:extLst>
   </p:cSld>
@@ -2856,7 +2878,8 @@
           <a:p>
             <a:fld id="{78C97017-6FC3-485B-9764-EAC9E56C1D49}" type="datetimeFigureOut">
               <a:rPr lang="en-US" smtClean="0"/>
-              <a:t>1/7/2017</a:t>
+              <a:pPr/>
+              <a:t>3/23/2017</a:t>
             </a:fld>
             <a:endParaRPr lang="en-US"/>
           </a:p>
@@ -2898,6 +2921,7 @@
           <a:p>
             <a:fld id="{FB34683C-161B-4520-BF45-B179E228CF2A}" type="slidenum">
               <a:rPr lang="en-US" smtClean="0"/>
+              <a:pPr/>
               <a:t>‹#›</a:t>
             </a:fld>
             <a:endParaRPr lang="en-US"/>
@@ -2907,7 +2931,7 @@
     </p:spTree>
     <p:extLst>
       <p:ext uri="{BB962C8B-B14F-4D97-AF65-F5344CB8AC3E}">
-        <p14:creationId xmlns:p14="http://schemas.microsoft.com/office/powerpoint/2010/main" val="201835938"/>
+        <p14:creationId xmlns:p14="http://schemas.microsoft.com/office/powerpoint/2010/main" xmlns="" val="201835938"/>
       </p:ext>
     </p:extLst>
   </p:cSld>
@@ -3067,7 +3091,8 @@
           <a:p>
             <a:fld id="{78C97017-6FC3-485B-9764-EAC9E56C1D49}" type="datetimeFigureOut">
               <a:rPr lang="en-US" smtClean="0"/>
-              <a:t>1/7/2017</a:t>
+              <a:pPr/>
+              <a:t>3/23/2017</a:t>
             </a:fld>
             <a:endParaRPr lang="en-US"/>
           </a:p>
@@ -3145,6 +3170,7 @@
           <a:p>
             <a:fld id="{FB34683C-161B-4520-BF45-B179E228CF2A}" type="slidenum">
               <a:rPr lang="en-US" smtClean="0"/>
+              <a:pPr/>
               <a:t>‹#›</a:t>
             </a:fld>
             <a:endParaRPr lang="en-US"/>
@@ -3154,7 +3180,7 @@
     </p:spTree>
     <p:extLst>
       <p:ext uri="{BB962C8B-B14F-4D97-AF65-F5344CB8AC3E}">
-        <p14:creationId xmlns:p14="http://schemas.microsoft.com/office/powerpoint/2010/main" val="2341400630"/>
+        <p14:creationId xmlns:p14="http://schemas.microsoft.com/office/powerpoint/2010/main" xmlns="" val="2341400630"/>
       </p:ext>
     </p:extLst>
   </p:cSld>
@@ -4038,14 +4064,14 @@
           <a:p>
             <a:pPr algn="ctr"/>
             <a:r>
-              <a:rPr lang="en-US" sz="1050" b="1" dirty="0" err="1">
+              <a:rPr lang="en-US" sz="1050" b="1" dirty="0" err="1" smtClean="0">
                 <a:solidFill>
                   <a:schemeClr val="accent3">
                     <a:lumMod val="75000"/>
                   </a:schemeClr>
                 </a:solidFill>
               </a:rPr>
-              <a:t>PersonListPanel</a:t>
+              <a:t>TaskListPanel</a:t>
             </a:r>
             <a:endParaRPr lang="en-SG" sz="1050" b="1" dirty="0">
               <a:solidFill>
@@ -4098,14 +4124,24 @@
           <a:p>
             <a:pPr algn="ctr"/>
             <a:r>
-              <a:rPr lang="en-US" sz="1050" b="1" dirty="0" err="1">
+              <a:rPr lang="en-US" sz="1050" b="1" dirty="0" err="1" smtClean="0">
                 <a:solidFill>
                   <a:schemeClr val="accent3">
                     <a:lumMod val="75000"/>
                   </a:schemeClr>
                 </a:solidFill>
               </a:rPr>
-              <a:t>PersonCard</a:t>
+              <a:t>Task</a:t>
+            </a:r>
+            <a:r>
+              <a:rPr lang="en-US" sz="1050" b="1" dirty="0" err="1" smtClean="0">
+                <a:solidFill>
+                  <a:schemeClr val="accent3">
+                    <a:lumMod val="75000"/>
+                  </a:schemeClr>
+                </a:solidFill>
+              </a:rPr>
+              <a:t>Card</a:t>
             </a:r>
             <a:endParaRPr lang="en-SG" sz="1050" b="1" dirty="0">
               <a:solidFill>
@@ -5512,7 +5548,7 @@
     </p:spTree>
     <p:extLst>
       <p:ext uri="{BB962C8B-B14F-4D97-AF65-F5344CB8AC3E}">
-        <p14:creationId xmlns:p14="http://schemas.microsoft.com/office/powerpoint/2010/main" val="2776882492"/>
+        <p14:creationId xmlns:p14="http://schemas.microsoft.com/office/powerpoint/2010/main" xmlns="" val="2776882492"/>
       </p:ext>
     </p:extLst>
   </p:cSld>

--- a/docs/diagrams/UiComponentClassDiagram.pptx
+++ b/docs/diagrams/UiComponentClassDiagram.pptx
@@ -208,7 +208,7 @@
           <a:p>
             <a:fld id="{F5CC4B3F-88C1-4FFA-B1B6-F41C21DC6924}" type="datetimeFigureOut">
               <a:rPr lang="en-US" smtClean="0"/>
-              <a:t>1/7/2017</a:t>
+              <a:t>3/22/2017</a:t>
             </a:fld>
             <a:endParaRPr lang="en-US"/>
           </a:p>
@@ -654,7 +654,7 @@
           <a:p>
             <a:fld id="{78C97017-6FC3-485B-9764-EAC9E56C1D49}" type="datetimeFigureOut">
               <a:rPr lang="en-US" smtClean="0"/>
-              <a:t>1/7/2017</a:t>
+              <a:t>3/22/2017</a:t>
             </a:fld>
             <a:endParaRPr lang="en-US"/>
           </a:p>
@@ -822,7 +822,7 @@
           <a:p>
             <a:fld id="{78C97017-6FC3-485B-9764-EAC9E56C1D49}" type="datetimeFigureOut">
               <a:rPr lang="en-US" smtClean="0"/>
-              <a:t>1/7/2017</a:t>
+              <a:t>3/22/2017</a:t>
             </a:fld>
             <a:endParaRPr lang="en-US"/>
           </a:p>
@@ -1000,7 +1000,7 @@
           <a:p>
             <a:fld id="{78C97017-6FC3-485B-9764-EAC9E56C1D49}" type="datetimeFigureOut">
               <a:rPr lang="en-US" smtClean="0"/>
-              <a:t>1/7/2017</a:t>
+              <a:t>3/22/2017</a:t>
             </a:fld>
             <a:endParaRPr lang="en-US"/>
           </a:p>
@@ -1168,7 +1168,7 @@
           <a:p>
             <a:fld id="{78C97017-6FC3-485B-9764-EAC9E56C1D49}" type="datetimeFigureOut">
               <a:rPr lang="en-US" smtClean="0"/>
-              <a:t>1/7/2017</a:t>
+              <a:t>3/22/2017</a:t>
             </a:fld>
             <a:endParaRPr lang="en-US"/>
           </a:p>
@@ -1413,7 +1413,7 @@
           <a:p>
             <a:fld id="{78C97017-6FC3-485B-9764-EAC9E56C1D49}" type="datetimeFigureOut">
               <a:rPr lang="en-US" smtClean="0"/>
-              <a:t>1/7/2017</a:t>
+              <a:t>3/22/2017</a:t>
             </a:fld>
             <a:endParaRPr lang="en-US"/>
           </a:p>
@@ -1698,7 +1698,7 @@
           <a:p>
             <a:fld id="{78C97017-6FC3-485B-9764-EAC9E56C1D49}" type="datetimeFigureOut">
               <a:rPr lang="en-US" smtClean="0"/>
-              <a:t>1/7/2017</a:t>
+              <a:t>3/22/2017</a:t>
             </a:fld>
             <a:endParaRPr lang="en-US"/>
           </a:p>
@@ -2117,7 +2117,7 @@
           <a:p>
             <a:fld id="{78C97017-6FC3-485B-9764-EAC9E56C1D49}" type="datetimeFigureOut">
               <a:rPr lang="en-US" smtClean="0"/>
-              <a:t>1/7/2017</a:t>
+              <a:t>3/22/2017</a:t>
             </a:fld>
             <a:endParaRPr lang="en-US"/>
           </a:p>
@@ -2234,7 +2234,7 @@
           <a:p>
             <a:fld id="{78C97017-6FC3-485B-9764-EAC9E56C1D49}" type="datetimeFigureOut">
               <a:rPr lang="en-US" smtClean="0"/>
-              <a:t>1/7/2017</a:t>
+              <a:t>3/22/2017</a:t>
             </a:fld>
             <a:endParaRPr lang="en-US"/>
           </a:p>
@@ -2329,7 +2329,7 @@
           <a:p>
             <a:fld id="{78C97017-6FC3-485B-9764-EAC9E56C1D49}" type="datetimeFigureOut">
               <a:rPr lang="en-US" smtClean="0"/>
-              <a:t>1/7/2017</a:t>
+              <a:t>3/22/2017</a:t>
             </a:fld>
             <a:endParaRPr lang="en-US"/>
           </a:p>
@@ -2604,7 +2604,7 @@
           <a:p>
             <a:fld id="{78C97017-6FC3-485B-9764-EAC9E56C1D49}" type="datetimeFigureOut">
               <a:rPr lang="en-US" smtClean="0"/>
-              <a:t>1/7/2017</a:t>
+              <a:t>3/22/2017</a:t>
             </a:fld>
             <a:endParaRPr lang="en-US"/>
           </a:p>
@@ -2856,7 +2856,7 @@
           <a:p>
             <a:fld id="{78C97017-6FC3-485B-9764-EAC9E56C1D49}" type="datetimeFigureOut">
               <a:rPr lang="en-US" smtClean="0"/>
-              <a:t>1/7/2017</a:t>
+              <a:t>3/22/2017</a:t>
             </a:fld>
             <a:endParaRPr lang="en-US"/>
           </a:p>
@@ -3067,7 +3067,7 @@
           <a:p>
             <a:fld id="{78C97017-6FC3-485B-9764-EAC9E56C1D49}" type="datetimeFigureOut">
               <a:rPr lang="en-US" smtClean="0"/>
-              <a:t>1/7/2017</a:t>
+              <a:t>3/22/2017</a:t>
             </a:fld>
             <a:endParaRPr lang="en-US"/>
           </a:p>
@@ -3450,8 +3450,8 @@
         </p:nvSpPr>
         <p:spPr>
           <a:xfrm>
-            <a:off x="1217465" y="1447800"/>
-            <a:ext cx="4917083" cy="3962400"/>
+            <a:off x="1339673" y="609599"/>
+            <a:ext cx="5354893" cy="4889635"/>
           </a:xfrm>
           <a:prstGeom prst="roundRect">
             <a:avLst>
@@ -3512,7 +3512,7 @@
         </p:nvSpPr>
         <p:spPr>
           <a:xfrm>
-            <a:off x="2095948" y="2341220"/>
+            <a:off x="2095946" y="1966981"/>
             <a:ext cx="1093635" cy="346760"/>
           </a:xfrm>
           <a:prstGeom prst="rect">
@@ -3572,7 +3572,7 @@
         </p:nvSpPr>
         <p:spPr>
           <a:xfrm>
-            <a:off x="2592528" y="2971800"/>
+            <a:off x="2804650" y="2828802"/>
             <a:ext cx="1093635" cy="236841"/>
           </a:xfrm>
           <a:prstGeom prst="rect">
@@ -3632,7 +3632,7 @@
         </p:nvSpPr>
         <p:spPr>
           <a:xfrm>
-            <a:off x="2092842" y="1770924"/>
+            <a:off x="2095947" y="1224386"/>
             <a:ext cx="1093635" cy="346760"/>
           </a:xfrm>
           <a:prstGeom prst="rect">
@@ -3693,9 +3693,9 @@
           <p:nvPr/>
         </p:nvCxnSpPr>
         <p:spPr>
-          <a:xfrm rot="16200000" flipH="1">
-            <a:off x="2529445" y="2227899"/>
-            <a:ext cx="223536" cy="3106"/>
+          <a:xfrm rot="5400000">
+            <a:off x="2444848" y="1769063"/>
+            <a:ext cx="395835" cy="1"/>
           </a:xfrm>
           <a:prstGeom prst="bentConnector3">
             <a:avLst>
@@ -3734,7 +3734,7 @@
         </p:nvSpPr>
         <p:spPr>
           <a:xfrm rot="10800000" flipV="1">
-            <a:off x="5394717" y="2110477"/>
+            <a:off x="5936328" y="1964838"/>
             <a:ext cx="270504" cy="175523"/>
           </a:xfrm>
           <a:prstGeom prst="triangle">
@@ -3825,7 +3825,7 @@
         </p:nvSpPr>
         <p:spPr>
           <a:xfrm rot="16200000">
-            <a:off x="5703829" y="2464877"/>
+            <a:off x="6073247" y="1816187"/>
             <a:ext cx="2362201" cy="328045"/>
           </a:xfrm>
           <a:prstGeom prst="roundRect">
@@ -3879,13 +3879,13 @@
       </p:sp>
       <p:sp>
         <p:nvSpPr>
-          <p:cNvPr id="34" name="Rectangle 11"/>
+          <p:cNvPr id="35" name="Rectangle 11"/>
           <p:cNvSpPr/>
           <p:nvPr/>
         </p:nvSpPr>
         <p:spPr>
           <a:xfrm>
-            <a:off x="2592528" y="3649359"/>
+            <a:off x="2802920" y="4658440"/>
             <a:ext cx="1093635" cy="236841"/>
           </a:xfrm>
           <a:prstGeom prst="rect">
@@ -3925,7 +3925,7 @@
                   </a:schemeClr>
                 </a:solidFill>
               </a:rPr>
-              <a:t>BrowserPanel</a:t>
+              <a:t>StatusBarFooter</a:t>
             </a:r>
             <a:endParaRPr lang="en-SG" sz="1050" b="1" dirty="0">
               <a:solidFill>
@@ -3939,13 +3939,13 @@
       </p:sp>
       <p:sp>
         <p:nvSpPr>
-          <p:cNvPr id="35" name="Rectangle 11"/>
+          <p:cNvPr id="36" name="Rectangle 11"/>
           <p:cNvSpPr/>
           <p:nvPr/>
         </p:nvSpPr>
         <p:spPr>
           <a:xfrm>
-            <a:off x="2592527" y="4563759"/>
+            <a:off x="2803783" y="3529934"/>
             <a:ext cx="1093635" cy="236841"/>
           </a:xfrm>
           <a:prstGeom prst="rect">
@@ -3985,7 +3985,7 @@
                   </a:schemeClr>
                 </a:solidFill>
               </a:rPr>
-              <a:t>StatusBarFooter</a:t>
+              <a:t>UserInboxPanel</a:t>
             </a:r>
             <a:endParaRPr lang="en-SG" sz="1050" b="1" dirty="0">
               <a:solidFill>
@@ -3999,14 +3999,14 @@
       </p:sp>
       <p:sp>
         <p:nvSpPr>
-          <p:cNvPr id="36" name="Rectangle 11"/>
+          <p:cNvPr id="37" name="Rectangle 11"/>
           <p:cNvSpPr/>
           <p:nvPr/>
         </p:nvSpPr>
         <p:spPr>
           <a:xfrm>
-            <a:off x="2592526" y="3991960"/>
-            <a:ext cx="1093635" cy="236841"/>
+            <a:off x="3475831" y="3862442"/>
+            <a:ext cx="958415" cy="266541"/>
           </a:xfrm>
           <a:prstGeom prst="rect">
             <a:avLst/>
@@ -4045,7 +4045,7 @@
                   </a:schemeClr>
                 </a:solidFill>
               </a:rPr>
-              <a:t>PersonListPanel</a:t>
+              <a:t>TaskListPanel</a:t>
             </a:r>
             <a:endParaRPr lang="en-SG" sz="1050" b="1" dirty="0">
               <a:solidFill>
@@ -4059,14 +4059,14 @@
       </p:sp>
       <p:sp>
         <p:nvSpPr>
-          <p:cNvPr id="37" name="Rectangle 11"/>
+          <p:cNvPr id="38" name="Rectangle 11"/>
           <p:cNvSpPr/>
           <p:nvPr/>
         </p:nvSpPr>
         <p:spPr>
           <a:xfrm>
-            <a:off x="3839323" y="4228801"/>
-            <a:ext cx="1040906" cy="236841"/>
+            <a:off x="2802920" y="5019164"/>
+            <a:ext cx="1093635" cy="236841"/>
           </a:xfrm>
           <a:prstGeom prst="rect">
             <a:avLst/>
@@ -4105,7 +4105,7 @@
                   </a:schemeClr>
                 </a:solidFill>
               </a:rPr>
-              <a:t>PersonCard</a:t>
+              <a:t>HelpWindow</a:t>
             </a:r>
             <a:endParaRPr lang="en-SG" sz="1050" b="1" dirty="0">
               <a:solidFill>
@@ -4119,73 +4119,13 @@
       </p:sp>
       <p:sp>
         <p:nvSpPr>
-          <p:cNvPr id="38" name="Rectangle 11"/>
-          <p:cNvSpPr/>
-          <p:nvPr/>
-        </p:nvSpPr>
-        <p:spPr>
-          <a:xfrm>
-            <a:off x="2592528" y="4966000"/>
-            <a:ext cx="1093635" cy="236841"/>
-          </a:xfrm>
-          <a:prstGeom prst="rect">
-            <a:avLst/>
-          </a:prstGeom>
-          <a:ln w="19050">
-            <a:solidFill>
-              <a:schemeClr val="accent3"/>
-            </a:solidFill>
-          </a:ln>
-          <a:effectLst/>
-        </p:spPr>
-        <p:style>
-          <a:lnRef idx="1">
-            <a:schemeClr val="accent3"/>
-          </a:lnRef>
-          <a:fillRef idx="2">
-            <a:schemeClr val="accent3"/>
-          </a:fillRef>
-          <a:effectRef idx="1">
-            <a:schemeClr val="accent3"/>
-          </a:effectRef>
-          <a:fontRef idx="minor">
-            <a:schemeClr val="dk1"/>
-          </a:fontRef>
-        </p:style>
-        <p:txBody>
-          <a:bodyPr rtlCol="0" anchor="ctr"/>
-          <a:lstStyle/>
-          <a:p>
-            <a:pPr algn="ctr"/>
-            <a:r>
-              <a:rPr lang="en-US" sz="1050" b="1" dirty="0" err="1">
-                <a:solidFill>
-                  <a:schemeClr val="accent3">
-                    <a:lumMod val="75000"/>
-                  </a:schemeClr>
-                </a:solidFill>
-              </a:rPr>
-              <a:t>HelpWindow</a:t>
-            </a:r>
-            <a:endParaRPr lang="en-SG" sz="1050" b="1" dirty="0">
-              <a:solidFill>
-                <a:schemeClr val="accent3">
-                  <a:lumMod val="75000"/>
-                </a:schemeClr>
-              </a:solidFill>
-            </a:endParaRPr>
-          </a:p>
-        </p:txBody>
-      </p:sp>
-      <p:sp>
-        <p:nvSpPr>
           <p:cNvPr id="39" name="Flowchart: Decision 38"/>
           <p:cNvSpPr/>
           <p:nvPr/>
         </p:nvSpPr>
         <p:spPr>
           <a:xfrm>
-            <a:off x="2324548" y="2706452"/>
+            <a:off x="2540706" y="2334127"/>
             <a:ext cx="183156" cy="161573"/>
           </a:xfrm>
           <a:prstGeom prst="flowChartDecision">
@@ -4236,8 +4176,8 @@
         </p:nvCxnSpPr>
         <p:spPr>
           <a:xfrm rot="16200000" flipH="1">
-            <a:off x="2393229" y="2890922"/>
-            <a:ext cx="222196" cy="176402"/>
+            <a:off x="2492706" y="2635278"/>
+            <a:ext cx="451523" cy="172366"/>
           </a:xfrm>
           <a:prstGeom prst="bentConnector2">
             <a:avLst/>
@@ -4274,7 +4214,7 @@
         </p:nvSpPr>
         <p:spPr>
           <a:xfrm>
-            <a:off x="2590799" y="3304308"/>
+            <a:off x="2802921" y="3161310"/>
             <a:ext cx="1095361" cy="236841"/>
           </a:xfrm>
           <a:prstGeom prst="rect">
@@ -4328,47 +4268,6 @@
       </p:sp>
       <p:cxnSp>
         <p:nvCxnSpPr>
-          <p:cNvPr id="44" name="Elbow Connector 63"/>
-          <p:cNvCxnSpPr>
-            <a:stCxn id="39" idx="2"/>
-            <a:endCxn id="34" idx="1"/>
-          </p:cNvCxnSpPr>
-          <p:nvPr/>
-        </p:nvCxnSpPr>
-        <p:spPr>
-          <a:xfrm rot="16200000" flipH="1">
-            <a:off x="2054450" y="3229701"/>
-            <a:ext cx="899755" cy="176402"/>
-          </a:xfrm>
-          <a:prstGeom prst="bentConnector2">
-            <a:avLst/>
-          </a:prstGeom>
-          <a:ln w="19050">
-            <a:solidFill>
-              <a:schemeClr val="accent3"/>
-            </a:solidFill>
-            <a:headEnd type="none" w="med" len="med"/>
-            <a:tailEnd type="arrow" w="med" len="med"/>
-          </a:ln>
-          <a:effectLst/>
-        </p:spPr>
-        <p:style>
-          <a:lnRef idx="1">
-            <a:schemeClr val="accent2"/>
-          </a:lnRef>
-          <a:fillRef idx="2">
-            <a:schemeClr val="accent2"/>
-          </a:fillRef>
-          <a:effectRef idx="1">
-            <a:schemeClr val="accent2"/>
-          </a:effectRef>
-          <a:fontRef idx="minor">
-            <a:schemeClr val="dk1"/>
-          </a:fontRef>
-        </p:style>
-      </p:cxnSp>
-      <p:cxnSp>
-        <p:nvCxnSpPr>
           <p:cNvPr id="47" name="Elbow Connector 63"/>
           <p:cNvCxnSpPr>
             <a:stCxn id="39" idx="2"/>
@@ -4378,8 +4277,8 @@
         </p:nvCxnSpPr>
         <p:spPr>
           <a:xfrm rot="16200000" flipH="1">
-            <a:off x="1883148" y="3401003"/>
-            <a:ext cx="1242356" cy="176400"/>
+            <a:off x="2141706" y="2986277"/>
+            <a:ext cx="1152655" cy="171499"/>
           </a:xfrm>
           <a:prstGeom prst="bentConnector2">
             <a:avLst/>
@@ -4419,8 +4318,8 @@
         </p:nvCxnSpPr>
         <p:spPr>
           <a:xfrm rot="16200000" flipH="1">
-            <a:off x="1597249" y="3686901"/>
-            <a:ext cx="1814155" cy="176401"/>
+            <a:off x="1577022" y="3550962"/>
+            <a:ext cx="2281161" cy="170636"/>
           </a:xfrm>
           <a:prstGeom prst="bentConnector2">
             <a:avLst/>
@@ -4453,14 +4352,15 @@
         <p:nvCxnSpPr>
           <p:cNvPr id="53" name="Elbow Connector 63"/>
           <p:cNvCxnSpPr>
+            <a:cxnSpLocks/>
             <a:endCxn id="38" idx="1"/>
           </p:cNvCxnSpPr>
           <p:nvPr/>
         </p:nvCxnSpPr>
         <p:spPr>
           <a:xfrm rot="16200000" flipH="1">
-            <a:off x="1184119" y="3676012"/>
-            <a:ext cx="2396440" cy="420377"/>
+            <a:off x="1208738" y="3543402"/>
+            <a:ext cx="2823845" cy="364520"/>
           </a:xfrm>
           <a:prstGeom prst="bentConnector2">
             <a:avLst/>
@@ -4497,7 +4397,7 @@
         </p:nvSpPr>
         <p:spPr>
           <a:xfrm>
-            <a:off x="5143948" y="1770924"/>
+            <a:off x="5660898" y="1620603"/>
             <a:ext cx="772043" cy="346760"/>
           </a:xfrm>
           <a:prstGeom prst="rect">
@@ -4579,8 +4479,8 @@
         </p:nvCxnSpPr>
         <p:spPr>
           <a:xfrm flipV="1">
-            <a:off x="3686160" y="2286000"/>
-            <a:ext cx="1843809" cy="1136729"/>
+            <a:off x="3898282" y="2140361"/>
+            <a:ext cx="2173298" cy="1139370"/>
           </a:xfrm>
           <a:prstGeom prst="bentConnector2">
             <a:avLst/>
@@ -4613,6 +4513,7 @@
         <p:nvCxnSpPr>
           <p:cNvPr id="77" name="Elbow Connector 63"/>
           <p:cNvCxnSpPr>
+            <a:cxnSpLocks/>
             <a:stCxn id="16" idx="3"/>
             <a:endCxn id="37" idx="3"/>
           </p:cNvCxnSpPr>
@@ -4620,8 +4521,8 @@
         </p:nvCxnSpPr>
         <p:spPr>
           <a:xfrm rot="5400000">
-            <a:off x="4174488" y="2991741"/>
-            <a:ext cx="2061222" cy="649740"/>
+            <a:off x="4325237" y="2249370"/>
+            <a:ext cx="1855352" cy="1637334"/>
           </a:xfrm>
           <a:prstGeom prst="bentConnector2">
             <a:avLst/>
@@ -4652,61 +4553,22 @@
       </p:cxnSp>
       <p:cxnSp>
         <p:nvCxnSpPr>
-          <p:cNvPr id="82" name="Elbow Connector 63"/>
+          <p:cNvPr id="88" name="Elbow Connector 63"/>
           <p:cNvCxnSpPr>
-            <a:stCxn id="16" idx="3"/>
-            <a:endCxn id="34" idx="3"/>
+            <a:cxnSpLocks/>
+            <a:stCxn id="2" idx="3"/>
           </p:cNvCxnSpPr>
           <p:nvPr/>
         </p:nvCxnSpPr>
         <p:spPr>
-          <a:xfrm rot="5400000">
-            <a:off x="3867176" y="2104987"/>
-            <a:ext cx="1481780" cy="1843806"/>
-          </a:xfrm>
-          <a:prstGeom prst="bentConnector2">
-            <a:avLst/>
-          </a:prstGeom>
-          <a:ln w="6350">
-            <a:solidFill>
-              <a:schemeClr val="accent3"/>
-            </a:solidFill>
-            <a:headEnd type="none" w="med" len="med"/>
-            <a:tailEnd type="none" w="med" len="med"/>
-          </a:ln>
-          <a:effectLst/>
-        </p:spPr>
-        <p:style>
-          <a:lnRef idx="1">
-            <a:schemeClr val="accent2"/>
-          </a:lnRef>
-          <a:fillRef idx="2">
-            <a:schemeClr val="accent2"/>
-          </a:fillRef>
-          <a:effectRef idx="1">
-            <a:schemeClr val="accent2"/>
-          </a:effectRef>
-          <a:fontRef idx="minor">
-            <a:schemeClr val="dk1"/>
-          </a:fontRef>
-        </p:style>
-      </p:cxnSp>
-      <p:cxnSp>
-        <p:nvCxnSpPr>
-          <p:cNvPr id="88" name="Elbow Connector 63"/>
-          <p:cNvCxnSpPr>
-            <a:stCxn id="2" idx="3"/>
-            <a:endCxn id="16" idx="3"/>
-          </p:cNvCxnSpPr>
-          <p:nvPr/>
-        </p:nvCxnSpPr>
-        <p:spPr>
           <a:xfrm flipV="1">
-            <a:off x="3189583" y="2286000"/>
-            <a:ext cx="2340386" cy="228600"/>
-          </a:xfrm>
-          <a:prstGeom prst="bentConnector2">
-            <a:avLst/>
+            <a:off x="3189581" y="1793603"/>
+            <a:ext cx="2471317" cy="346758"/>
+          </a:xfrm>
+          <a:prstGeom prst="bentConnector3">
+            <a:avLst>
+              <a:gd name="adj1" fmla="val 50000"/>
+            </a:avLst>
           </a:prstGeom>
           <a:ln w="6350">
             <a:solidFill>
@@ -4743,8 +4605,8 @@
         </p:nvCxnSpPr>
         <p:spPr>
           <a:xfrm rot="5400000">
-            <a:off x="3409976" y="2562187"/>
-            <a:ext cx="2396180" cy="1843807"/>
+            <a:off x="3665818" y="2371099"/>
+            <a:ext cx="2636500" cy="2175025"/>
           </a:xfrm>
           <a:prstGeom prst="bentConnector2">
             <a:avLst/>
@@ -4784,8 +4646,8 @@
         </p:nvCxnSpPr>
         <p:spPr>
           <a:xfrm rot="5400000">
-            <a:off x="3208856" y="2763307"/>
-            <a:ext cx="2798421" cy="1843806"/>
+            <a:off x="3485456" y="2551461"/>
+            <a:ext cx="2997224" cy="2175025"/>
           </a:xfrm>
           <a:prstGeom prst="bentConnector2">
             <a:avLst/>
@@ -4818,14 +4680,15 @@
         <p:nvCxnSpPr>
           <p:cNvPr id="107" name="Elbow Connector 106"/>
           <p:cNvCxnSpPr>
+            <a:cxnSpLocks/>
             <a:stCxn id="9" idx="0"/>
           </p:cNvCxnSpPr>
           <p:nvPr/>
         </p:nvCxnSpPr>
         <p:spPr>
           <a:xfrm rot="5400000" flipH="1" flipV="1">
-            <a:off x="4594921" y="-355061"/>
-            <a:ext cx="170724" cy="4081246"/>
+            <a:off x="4733264" y="-1132675"/>
+            <a:ext cx="266563" cy="4447560"/>
           </a:xfrm>
           <a:prstGeom prst="bentConnector2">
             <a:avLst/>
@@ -4863,7 +4726,7 @@
         </p:nvSpPr>
         <p:spPr>
           <a:xfrm rot="16200000">
-            <a:off x="6213739" y="4560376"/>
+            <a:off x="6565548" y="4373418"/>
             <a:ext cx="1371599" cy="328045"/>
           </a:xfrm>
           <a:prstGeom prst="roundRect">
@@ -5044,8 +4907,8 @@
         </p:nvCxnSpPr>
         <p:spPr>
           <a:xfrm rot="10800000" flipV="1">
-            <a:off x="1503020" y="1944303"/>
-            <a:ext cx="589823" cy="341697"/>
+            <a:off x="1503019" y="1397765"/>
+            <a:ext cx="592928" cy="888235"/>
           </a:xfrm>
           <a:prstGeom prst="bentConnector2">
             <a:avLst/>
@@ -5086,8 +4949,8 @@
         </p:nvCxnSpPr>
         <p:spPr>
           <a:xfrm rot="16200000" flipH="1">
-            <a:off x="2226110" y="3058040"/>
-            <a:ext cx="554704" cy="174673"/>
+            <a:off x="2325587" y="2802396"/>
+            <a:ext cx="784031" cy="170637"/>
           </a:xfrm>
           <a:prstGeom prst="bentConnector2">
             <a:avLst/>
@@ -5127,8 +4990,8 @@
         </p:nvCxnSpPr>
         <p:spPr>
           <a:xfrm rot="5400000">
-            <a:off x="4205956" y="1766207"/>
-            <a:ext cx="804221" cy="1843806"/>
+            <a:off x="4581502" y="1457145"/>
+            <a:ext cx="806862" cy="2173295"/>
           </a:xfrm>
           <a:prstGeom prst="bentConnector2">
             <a:avLst/>
@@ -5161,6 +5024,7 @@
         <p:nvCxnSpPr>
           <p:cNvPr id="137" name="Elbow Connector 136"/>
           <p:cNvCxnSpPr>
+            <a:cxnSpLocks/>
             <a:stCxn id="36" idx="2"/>
             <a:endCxn id="37" idx="1"/>
           </p:cNvCxnSpPr>
@@ -5168,8 +5032,8 @@
         </p:nvCxnSpPr>
         <p:spPr>
           <a:xfrm rot="16200000" flipH="1">
-            <a:off x="3430123" y="3938021"/>
-            <a:ext cx="118421" cy="699979"/>
+            <a:off x="3298747" y="3818629"/>
+            <a:ext cx="228938" cy="125230"/>
           </a:xfrm>
           <a:prstGeom prst="bentConnector2">
             <a:avLst/>
@@ -5209,8 +5073,8 @@
         </p:nvCxnSpPr>
         <p:spPr>
           <a:xfrm rot="5400000">
-            <a:off x="3695875" y="2276286"/>
-            <a:ext cx="1824381" cy="1843808"/>
+            <a:off x="4230502" y="1807277"/>
+            <a:ext cx="1507994" cy="2174162"/>
           </a:xfrm>
           <a:prstGeom prst="bentConnector2">
             <a:avLst/>
@@ -5300,8 +5164,8 @@
         </p:nvSpPr>
         <p:spPr>
           <a:xfrm>
-            <a:off x="3687515" y="2828802"/>
-            <a:ext cx="3048000" cy="203200"/>
+            <a:off x="3896556" y="2853786"/>
+            <a:ext cx="3166649" cy="55974"/>
           </a:xfrm>
           <a:custGeom>
             <a:avLst/>
@@ -5435,8 +5299,8 @@
         </p:nvSpPr>
         <p:spPr>
           <a:xfrm flipV="1">
-            <a:off x="4114799" y="4472708"/>
-            <a:ext cx="2642195" cy="101600"/>
+            <a:off x="5572842" y="4183525"/>
+            <a:ext cx="1514481" cy="687968"/>
           </a:xfrm>
           <a:custGeom>
             <a:avLst/>
@@ -5509,6 +5373,545 @@
           </a:p>
         </p:txBody>
       </p:sp>
+      <p:sp>
+        <p:nvSpPr>
+          <p:cNvPr id="108" name="Rectangle 11"/>
+          <p:cNvSpPr/>
+          <p:nvPr/>
+        </p:nvSpPr>
+        <p:spPr>
+          <a:xfrm>
+            <a:off x="3474776" y="4209200"/>
+            <a:ext cx="959470" cy="325357"/>
+          </a:xfrm>
+          <a:prstGeom prst="rect">
+            <a:avLst/>
+          </a:prstGeom>
+          <a:ln w="19050">
+            <a:solidFill>
+              <a:schemeClr val="accent3"/>
+            </a:solidFill>
+          </a:ln>
+          <a:effectLst/>
+        </p:spPr>
+        <p:style>
+          <a:lnRef idx="1">
+            <a:schemeClr val="accent3"/>
+          </a:lnRef>
+          <a:fillRef idx="2">
+            <a:schemeClr val="accent3"/>
+          </a:fillRef>
+          <a:effectRef idx="1">
+            <a:schemeClr val="accent3"/>
+          </a:effectRef>
+          <a:fontRef idx="minor">
+            <a:schemeClr val="dk1"/>
+          </a:fontRef>
+        </p:style>
+        <p:txBody>
+          <a:bodyPr rtlCol="0" anchor="ctr"/>
+          <a:lstStyle/>
+          <a:p>
+            <a:pPr algn="ctr"/>
+            <a:r>
+              <a:rPr lang="en-US" sz="1050" b="1" dirty="0" err="1">
+                <a:solidFill>
+                  <a:schemeClr val="accent3">
+                    <a:lumMod val="75000"/>
+                  </a:schemeClr>
+                </a:solidFill>
+              </a:rPr>
+              <a:t>EventList</a:t>
+            </a:r>
+            <a:endParaRPr lang="en-US" sz="1050" b="1" dirty="0">
+              <a:solidFill>
+                <a:schemeClr val="accent3">
+                  <a:lumMod val="75000"/>
+                </a:schemeClr>
+              </a:solidFill>
+            </a:endParaRPr>
+          </a:p>
+          <a:p>
+            <a:pPr algn="ctr"/>
+            <a:r>
+              <a:rPr lang="en-US" sz="1050" b="1" dirty="0">
+                <a:solidFill>
+                  <a:schemeClr val="accent3">
+                    <a:lumMod val="75000"/>
+                  </a:schemeClr>
+                </a:solidFill>
+              </a:rPr>
+              <a:t>Panel</a:t>
+            </a:r>
+            <a:endParaRPr lang="en-SG" sz="1050" b="1" dirty="0">
+              <a:solidFill>
+                <a:schemeClr val="accent3">
+                  <a:lumMod val="75000"/>
+                </a:schemeClr>
+              </a:solidFill>
+            </a:endParaRPr>
+          </a:p>
+        </p:txBody>
+      </p:sp>
+      <p:cxnSp>
+        <p:nvCxnSpPr>
+          <p:cNvPr id="109" name="Elbow Connector 136"/>
+          <p:cNvCxnSpPr>
+            <a:cxnSpLocks/>
+            <a:stCxn id="36" idx="2"/>
+            <a:endCxn id="108" idx="1"/>
+          </p:cNvCxnSpPr>
+          <p:nvPr/>
+        </p:nvCxnSpPr>
+        <p:spPr>
+          <a:xfrm rot="16200000" flipH="1">
+            <a:off x="3110136" y="4007239"/>
+            <a:ext cx="605104" cy="124175"/>
+          </a:xfrm>
+          <a:prstGeom prst="bentConnector2">
+            <a:avLst/>
+          </a:prstGeom>
+          <a:ln w="19050">
+            <a:solidFill>
+              <a:schemeClr val="accent3"/>
+            </a:solidFill>
+            <a:headEnd type="none" w="med" len="med"/>
+            <a:tailEnd type="arrow" w="med" len="med"/>
+          </a:ln>
+          <a:effectLst/>
+        </p:spPr>
+        <p:style>
+          <a:lnRef idx="1">
+            <a:schemeClr val="accent2"/>
+          </a:lnRef>
+          <a:fillRef idx="2">
+            <a:schemeClr val="accent2"/>
+          </a:fillRef>
+          <a:effectRef idx="1">
+            <a:schemeClr val="accent2"/>
+          </a:effectRef>
+          <a:fontRef idx="minor">
+            <a:schemeClr val="dk1"/>
+          </a:fontRef>
+        </p:style>
+      </p:cxnSp>
+      <p:sp>
+        <p:nvSpPr>
+          <p:cNvPr id="111" name="Freeform 117"/>
+          <p:cNvSpPr/>
+          <p:nvPr/>
+        </p:nvSpPr>
+        <p:spPr>
+          <a:xfrm flipV="1">
+            <a:off x="5572842" y="3855685"/>
+            <a:ext cx="1514481" cy="230213"/>
+          </a:xfrm>
+          <a:custGeom>
+            <a:avLst/>
+            <a:gdLst>
+              <a:gd name="connsiteX0" fmla="*/ 0 w 3048000"/>
+              <a:gd name="connsiteY0" fmla="*/ 203200 h 203200"/>
+              <a:gd name="connsiteX1" fmla="*/ 221673 w 3048000"/>
+              <a:gd name="connsiteY1" fmla="*/ 0 h 203200"/>
+              <a:gd name="connsiteX2" fmla="*/ 3048000 w 3048000"/>
+              <a:gd name="connsiteY2" fmla="*/ 0 h 203200"/>
+            </a:gdLst>
+            <a:ahLst/>
+            <a:cxnLst>
+              <a:cxn ang="0">
+                <a:pos x="connsiteX0" y="connsiteY0"/>
+              </a:cxn>
+              <a:cxn ang="0">
+                <a:pos x="connsiteX1" y="connsiteY1"/>
+              </a:cxn>
+              <a:cxn ang="0">
+                <a:pos x="connsiteX2" y="connsiteY2"/>
+              </a:cxn>
+            </a:cxnLst>
+            <a:rect l="l" t="t" r="r" b="b"/>
+            <a:pathLst>
+              <a:path w="3048000" h="203200">
+                <a:moveTo>
+                  <a:pt x="0" y="203200"/>
+                </a:moveTo>
+                <a:lnTo>
+                  <a:pt x="221673" y="0"/>
+                </a:lnTo>
+                <a:lnTo>
+                  <a:pt x="3048000" y="0"/>
+                </a:lnTo>
+              </a:path>
+            </a:pathLst>
+          </a:custGeom>
+          <a:noFill/>
+          <a:ln w="19050">
+            <a:solidFill>
+              <a:schemeClr val="accent3"/>
+            </a:solidFill>
+            <a:prstDash val="sysDot"/>
+            <a:headEnd type="none" w="med" len="med"/>
+            <a:tailEnd type="arrow" w="med" len="med"/>
+          </a:ln>
+          <a:effectLst/>
+        </p:spPr>
+        <p:style>
+          <a:lnRef idx="1">
+            <a:schemeClr val="accent2"/>
+          </a:lnRef>
+          <a:fillRef idx="2">
+            <a:schemeClr val="accent2"/>
+          </a:fillRef>
+          <a:effectRef idx="1">
+            <a:schemeClr val="accent2"/>
+          </a:effectRef>
+          <a:fontRef idx="minor">
+            <a:schemeClr val="dk1"/>
+          </a:fontRef>
+        </p:style>
+        <p:txBody>
+          <a:bodyPr rtlCol="0" anchor="ctr"/>
+          <a:lstStyle/>
+          <a:p>
+            <a:pPr algn="ctr"/>
+            <a:endParaRPr lang="en-SG"/>
+          </a:p>
+        </p:txBody>
+      </p:sp>
+      <p:sp>
+        <p:nvSpPr>
+          <p:cNvPr id="138" name="Rectangle 11"/>
+          <p:cNvSpPr/>
+          <p:nvPr/>
+        </p:nvSpPr>
+        <p:spPr>
+          <a:xfrm>
+            <a:off x="4604393" y="3712788"/>
+            <a:ext cx="958415" cy="220439"/>
+          </a:xfrm>
+          <a:prstGeom prst="rect">
+            <a:avLst/>
+          </a:prstGeom>
+          <a:ln w="19050">
+            <a:solidFill>
+              <a:schemeClr val="accent3"/>
+            </a:solidFill>
+          </a:ln>
+          <a:effectLst/>
+        </p:spPr>
+        <p:style>
+          <a:lnRef idx="1">
+            <a:schemeClr val="accent3"/>
+          </a:lnRef>
+          <a:fillRef idx="2">
+            <a:schemeClr val="accent3"/>
+          </a:fillRef>
+          <a:effectRef idx="1">
+            <a:schemeClr val="accent3"/>
+          </a:effectRef>
+          <a:fontRef idx="minor">
+            <a:schemeClr val="dk1"/>
+          </a:fontRef>
+        </p:style>
+        <p:txBody>
+          <a:bodyPr rtlCol="0" anchor="ctr"/>
+          <a:lstStyle/>
+          <a:p>
+            <a:pPr algn="ctr"/>
+            <a:r>
+              <a:rPr lang="en-US" sz="1050" b="1" dirty="0" err="1">
+                <a:solidFill>
+                  <a:schemeClr val="accent3">
+                    <a:lumMod val="75000"/>
+                  </a:schemeClr>
+                </a:solidFill>
+              </a:rPr>
+              <a:t>TaskLCard</a:t>
+            </a:r>
+            <a:endParaRPr lang="en-SG" sz="1050" b="1" dirty="0">
+              <a:solidFill>
+                <a:schemeClr val="accent3">
+                  <a:lumMod val="75000"/>
+                </a:schemeClr>
+              </a:solidFill>
+            </a:endParaRPr>
+          </a:p>
+        </p:txBody>
+      </p:sp>
+      <p:sp>
+        <p:nvSpPr>
+          <p:cNvPr id="167" name="Rectangle 11"/>
+          <p:cNvSpPr/>
+          <p:nvPr/>
+        </p:nvSpPr>
+        <p:spPr>
+          <a:xfrm>
+            <a:off x="4604393" y="4058793"/>
+            <a:ext cx="958415" cy="220439"/>
+          </a:xfrm>
+          <a:prstGeom prst="rect">
+            <a:avLst/>
+          </a:prstGeom>
+          <a:ln w="19050">
+            <a:solidFill>
+              <a:schemeClr val="accent3"/>
+            </a:solidFill>
+          </a:ln>
+          <a:effectLst/>
+        </p:spPr>
+        <p:style>
+          <a:lnRef idx="1">
+            <a:schemeClr val="accent3"/>
+          </a:lnRef>
+          <a:fillRef idx="2">
+            <a:schemeClr val="accent3"/>
+          </a:fillRef>
+          <a:effectRef idx="1">
+            <a:schemeClr val="accent3"/>
+          </a:effectRef>
+          <a:fontRef idx="minor">
+            <a:schemeClr val="dk1"/>
+          </a:fontRef>
+        </p:style>
+        <p:txBody>
+          <a:bodyPr rtlCol="0" anchor="ctr"/>
+          <a:lstStyle/>
+          <a:p>
+            <a:pPr algn="ctr"/>
+            <a:r>
+              <a:rPr lang="en-US" sz="1050" b="1" dirty="0" err="1">
+                <a:solidFill>
+                  <a:schemeClr val="accent3">
+                    <a:lumMod val="75000"/>
+                  </a:schemeClr>
+                </a:solidFill>
+              </a:rPr>
+              <a:t>EventLCard</a:t>
+            </a:r>
+            <a:endParaRPr lang="en-SG" sz="1050" b="1" dirty="0">
+              <a:solidFill>
+                <a:schemeClr val="accent3">
+                  <a:lumMod val="75000"/>
+                </a:schemeClr>
+              </a:solidFill>
+            </a:endParaRPr>
+          </a:p>
+        </p:txBody>
+      </p:sp>
+      <p:cxnSp>
+        <p:nvCxnSpPr>
+          <p:cNvPr id="168" name="Elbow Connector 63"/>
+          <p:cNvCxnSpPr>
+            <a:cxnSpLocks/>
+            <a:endCxn id="138" idx="3"/>
+          </p:cNvCxnSpPr>
+          <p:nvPr/>
+        </p:nvCxnSpPr>
+        <p:spPr>
+          <a:xfrm rot="10800000" flipV="1">
+            <a:off x="5562809" y="3823006"/>
+            <a:ext cx="516831" cy="1"/>
+          </a:xfrm>
+          <a:prstGeom prst="bentConnector3">
+            <a:avLst>
+              <a:gd name="adj1" fmla="val 50000"/>
+            </a:avLst>
+          </a:prstGeom>
+          <a:ln w="6350">
+            <a:solidFill>
+              <a:schemeClr val="accent3"/>
+            </a:solidFill>
+            <a:headEnd type="none" w="med" len="med"/>
+            <a:tailEnd type="none" w="med" len="med"/>
+          </a:ln>
+          <a:effectLst/>
+        </p:spPr>
+        <p:style>
+          <a:lnRef idx="1">
+            <a:schemeClr val="accent2"/>
+          </a:lnRef>
+          <a:fillRef idx="2">
+            <a:schemeClr val="accent2"/>
+          </a:fillRef>
+          <a:effectRef idx="1">
+            <a:schemeClr val="accent2"/>
+          </a:effectRef>
+          <a:fontRef idx="minor">
+            <a:schemeClr val="dk1"/>
+          </a:fontRef>
+        </p:style>
+      </p:cxnSp>
+      <p:cxnSp>
+        <p:nvCxnSpPr>
+          <p:cNvPr id="176" name="Elbow Connector 63"/>
+          <p:cNvCxnSpPr>
+            <a:cxnSpLocks/>
+            <a:endCxn id="167" idx="3"/>
+          </p:cNvCxnSpPr>
+          <p:nvPr/>
+        </p:nvCxnSpPr>
+        <p:spPr>
+          <a:xfrm rot="10800000">
+            <a:off x="5562808" y="4169014"/>
+            <a:ext cx="504744" cy="3"/>
+          </a:xfrm>
+          <a:prstGeom prst="bentConnector3">
+            <a:avLst>
+              <a:gd name="adj1" fmla="val 50000"/>
+            </a:avLst>
+          </a:prstGeom>
+          <a:ln w="6350">
+            <a:solidFill>
+              <a:schemeClr val="accent3"/>
+            </a:solidFill>
+            <a:headEnd type="none" w="med" len="med"/>
+            <a:tailEnd type="none" w="med" len="med"/>
+          </a:ln>
+          <a:effectLst/>
+        </p:spPr>
+        <p:style>
+          <a:lnRef idx="1">
+            <a:schemeClr val="accent2"/>
+          </a:lnRef>
+          <a:fillRef idx="2">
+            <a:schemeClr val="accent2"/>
+          </a:fillRef>
+          <a:effectRef idx="1">
+            <a:schemeClr val="accent2"/>
+          </a:effectRef>
+          <a:fontRef idx="minor">
+            <a:schemeClr val="dk1"/>
+          </a:fontRef>
+        </p:style>
+      </p:cxnSp>
+      <p:cxnSp>
+        <p:nvCxnSpPr>
+          <p:cNvPr id="179" name="Elbow Connector 136"/>
+          <p:cNvCxnSpPr>
+            <a:cxnSpLocks/>
+            <a:stCxn id="37" idx="0"/>
+            <a:endCxn id="138" idx="1"/>
+          </p:cNvCxnSpPr>
+          <p:nvPr/>
+        </p:nvCxnSpPr>
+        <p:spPr>
+          <a:xfrm rot="5400000" flipH="1" flipV="1">
+            <a:off x="4259999" y="3518048"/>
+            <a:ext cx="39434" cy="649354"/>
+          </a:xfrm>
+          <a:prstGeom prst="bentConnector2">
+            <a:avLst/>
+          </a:prstGeom>
+          <a:ln w="19050">
+            <a:solidFill>
+              <a:schemeClr val="accent3"/>
+            </a:solidFill>
+            <a:headEnd type="none" w="med" len="med"/>
+            <a:tailEnd type="arrow" w="med" len="med"/>
+          </a:ln>
+          <a:effectLst/>
+        </p:spPr>
+        <p:style>
+          <a:lnRef idx="1">
+            <a:schemeClr val="accent2"/>
+          </a:lnRef>
+          <a:fillRef idx="2">
+            <a:schemeClr val="accent2"/>
+          </a:fillRef>
+          <a:effectRef idx="1">
+            <a:schemeClr val="accent2"/>
+          </a:effectRef>
+          <a:fontRef idx="minor">
+            <a:schemeClr val="dk1"/>
+          </a:fontRef>
+        </p:style>
+      </p:cxnSp>
+      <p:cxnSp>
+        <p:nvCxnSpPr>
+          <p:cNvPr id="181" name="Elbow Connector 136"/>
+          <p:cNvCxnSpPr>
+            <a:cxnSpLocks/>
+            <a:stCxn id="108" idx="2"/>
+            <a:endCxn id="167" idx="2"/>
+          </p:cNvCxnSpPr>
+          <p:nvPr/>
+        </p:nvCxnSpPr>
+        <p:spPr>
+          <a:xfrm rot="5400000" flipH="1" flipV="1">
+            <a:off x="4391393" y="3842350"/>
+            <a:ext cx="255325" cy="1129090"/>
+          </a:xfrm>
+          <a:prstGeom prst="bentConnector3">
+            <a:avLst>
+              <a:gd name="adj1" fmla="val -89533"/>
+            </a:avLst>
+          </a:prstGeom>
+          <a:ln w="19050">
+            <a:solidFill>
+              <a:schemeClr val="accent3"/>
+            </a:solidFill>
+            <a:headEnd type="none" w="med" len="med"/>
+            <a:tailEnd type="arrow" w="med" len="med"/>
+          </a:ln>
+          <a:effectLst/>
+        </p:spPr>
+        <p:style>
+          <a:lnRef idx="1">
+            <a:schemeClr val="accent2"/>
+          </a:lnRef>
+          <a:fillRef idx="2">
+            <a:schemeClr val="accent2"/>
+          </a:fillRef>
+          <a:effectRef idx="1">
+            <a:schemeClr val="accent2"/>
+          </a:effectRef>
+          <a:fontRef idx="minor">
+            <a:schemeClr val="dk1"/>
+          </a:fontRef>
+        </p:style>
+      </p:cxnSp>
+      <p:cxnSp>
+        <p:nvCxnSpPr>
+          <p:cNvPr id="186" name="Elbow Connector 63"/>
+          <p:cNvCxnSpPr>
+            <a:cxnSpLocks/>
+            <a:endCxn id="108" idx="3"/>
+          </p:cNvCxnSpPr>
+          <p:nvPr/>
+        </p:nvCxnSpPr>
+        <p:spPr>
+          <a:xfrm rot="10800000">
+            <a:off x="4434247" y="4371880"/>
+            <a:ext cx="1654683" cy="16749"/>
+          </a:xfrm>
+          <a:prstGeom prst="bentConnector3">
+            <a:avLst>
+              <a:gd name="adj1" fmla="val 50000"/>
+            </a:avLst>
+          </a:prstGeom>
+          <a:ln w="6350">
+            <a:solidFill>
+              <a:schemeClr val="accent3"/>
+            </a:solidFill>
+            <a:headEnd type="none" w="med" len="med"/>
+            <a:tailEnd type="none" w="med" len="med"/>
+          </a:ln>
+          <a:effectLst/>
+        </p:spPr>
+        <p:style>
+          <a:lnRef idx="1">
+            <a:schemeClr val="accent2"/>
+          </a:lnRef>
+          <a:fillRef idx="2">
+            <a:schemeClr val="accent2"/>
+          </a:fillRef>
+          <a:effectRef idx="1">
+            <a:schemeClr val="accent2"/>
+          </a:effectRef>
+          <a:fontRef idx="minor">
+            <a:schemeClr val="dk1"/>
+          </a:fontRef>
+        </p:style>
+      </p:cxnSp>
     </p:spTree>
     <p:extLst>
       <p:ext uri="{BB962C8B-B14F-4D97-AF65-F5344CB8AC3E}">

--- a/docs/diagrams/UiComponentClassDiagram.pptx
+++ b/docs/diagrams/UiComponentClassDiagram.pptx
@@ -208,7 +208,7 @@
           <a:p>
             <a:fld id="{F5CC4B3F-88C1-4FFA-B1B6-F41C21DC6924}" type="datetimeFigureOut">
               <a:rPr lang="en-US" smtClean="0"/>
-              <a:t>17-Mar-17</a:t>
+              <a:t>3/23/17</a:t>
             </a:fld>
             <a:endParaRPr lang="en-US"/>
           </a:p>
@@ -654,7 +654,7 @@
           <a:p>
             <a:fld id="{78C97017-6FC3-485B-9764-EAC9E56C1D49}" type="datetimeFigureOut">
               <a:rPr lang="en-US" smtClean="0"/>
-              <a:t>17-Mar-17</a:t>
+              <a:t>3/23/17</a:t>
             </a:fld>
             <a:endParaRPr lang="en-US"/>
           </a:p>
@@ -822,7 +822,7 @@
           <a:p>
             <a:fld id="{78C97017-6FC3-485B-9764-EAC9E56C1D49}" type="datetimeFigureOut">
               <a:rPr lang="en-US" smtClean="0"/>
-              <a:t>17-Mar-17</a:t>
+              <a:t>3/23/17</a:t>
             </a:fld>
             <a:endParaRPr lang="en-US"/>
           </a:p>
@@ -1000,7 +1000,7 @@
           <a:p>
             <a:fld id="{78C97017-6FC3-485B-9764-EAC9E56C1D49}" type="datetimeFigureOut">
               <a:rPr lang="en-US" smtClean="0"/>
-              <a:t>17-Mar-17</a:t>
+              <a:t>3/23/17</a:t>
             </a:fld>
             <a:endParaRPr lang="en-US"/>
           </a:p>
@@ -1168,7 +1168,7 @@
           <a:p>
             <a:fld id="{78C97017-6FC3-485B-9764-EAC9E56C1D49}" type="datetimeFigureOut">
               <a:rPr lang="en-US" smtClean="0"/>
-              <a:t>17-Mar-17</a:t>
+              <a:t>3/23/17</a:t>
             </a:fld>
             <a:endParaRPr lang="en-US"/>
           </a:p>
@@ -1413,7 +1413,7 @@
           <a:p>
             <a:fld id="{78C97017-6FC3-485B-9764-EAC9E56C1D49}" type="datetimeFigureOut">
               <a:rPr lang="en-US" smtClean="0"/>
-              <a:t>17-Mar-17</a:t>
+              <a:t>3/23/17</a:t>
             </a:fld>
             <a:endParaRPr lang="en-US"/>
           </a:p>
@@ -1698,7 +1698,7 @@
           <a:p>
             <a:fld id="{78C97017-6FC3-485B-9764-EAC9E56C1D49}" type="datetimeFigureOut">
               <a:rPr lang="en-US" smtClean="0"/>
-              <a:t>17-Mar-17</a:t>
+              <a:t>3/23/17</a:t>
             </a:fld>
             <a:endParaRPr lang="en-US"/>
           </a:p>
@@ -2117,7 +2117,7 @@
           <a:p>
             <a:fld id="{78C97017-6FC3-485B-9764-EAC9E56C1D49}" type="datetimeFigureOut">
               <a:rPr lang="en-US" smtClean="0"/>
-              <a:t>17-Mar-17</a:t>
+              <a:t>3/23/17</a:t>
             </a:fld>
             <a:endParaRPr lang="en-US"/>
           </a:p>
@@ -2234,7 +2234,7 @@
           <a:p>
             <a:fld id="{78C97017-6FC3-485B-9764-EAC9E56C1D49}" type="datetimeFigureOut">
               <a:rPr lang="en-US" smtClean="0"/>
-              <a:t>17-Mar-17</a:t>
+              <a:t>3/23/17</a:t>
             </a:fld>
             <a:endParaRPr lang="en-US"/>
           </a:p>
@@ -2329,7 +2329,7 @@
           <a:p>
             <a:fld id="{78C97017-6FC3-485B-9764-EAC9E56C1D49}" type="datetimeFigureOut">
               <a:rPr lang="en-US" smtClean="0"/>
-              <a:t>17-Mar-17</a:t>
+              <a:t>3/23/17</a:t>
             </a:fld>
             <a:endParaRPr lang="en-US"/>
           </a:p>
@@ -2604,7 +2604,7 @@
           <a:p>
             <a:fld id="{78C97017-6FC3-485B-9764-EAC9E56C1D49}" type="datetimeFigureOut">
               <a:rPr lang="en-US" smtClean="0"/>
-              <a:t>17-Mar-17</a:t>
+              <a:t>3/23/17</a:t>
             </a:fld>
             <a:endParaRPr lang="en-US"/>
           </a:p>
@@ -2856,7 +2856,7 @@
           <a:p>
             <a:fld id="{78C97017-6FC3-485B-9764-EAC9E56C1D49}" type="datetimeFigureOut">
               <a:rPr lang="en-US" smtClean="0"/>
-              <a:t>17-Mar-17</a:t>
+              <a:t>3/23/17</a:t>
             </a:fld>
             <a:endParaRPr lang="en-US"/>
           </a:p>
@@ -3067,7 +3067,7 @@
           <a:p>
             <a:fld id="{78C97017-6FC3-485B-9764-EAC9E56C1D49}" type="datetimeFigureOut">
               <a:rPr lang="en-US" smtClean="0"/>
-              <a:t>17-Mar-17</a:t>
+              <a:t>3/23/17</a:t>
             </a:fld>
             <a:endParaRPr lang="en-US"/>
           </a:p>
@@ -3450,7 +3450,7 @@
         </p:nvSpPr>
         <p:spPr>
           <a:xfrm>
-            <a:off x="1217465" y="1447800"/>
+            <a:off x="1224166" y="1463291"/>
             <a:ext cx="4917083" cy="3962400"/>
           </a:xfrm>
           <a:prstGeom prst="roundRect">
@@ -3572,7 +3572,7 @@
         </p:nvSpPr>
         <p:spPr>
           <a:xfrm>
-            <a:off x="2592528" y="2971800"/>
+            <a:off x="2590800" y="2896169"/>
             <a:ext cx="1093635" cy="236841"/>
           </a:xfrm>
           <a:prstGeom prst="rect">
@@ -3885,7 +3885,7 @@
         </p:nvSpPr>
         <p:spPr>
           <a:xfrm>
-            <a:off x="2592528" y="3649359"/>
+            <a:off x="2590800" y="3649359"/>
             <a:ext cx="1093635" cy="236841"/>
           </a:xfrm>
           <a:prstGeom prst="rect">
@@ -3918,14 +3918,24 @@
           <a:p>
             <a:pPr algn="ctr"/>
             <a:r>
-              <a:rPr lang="en-US" sz="1050" b="1" dirty="0" err="1">
+              <a:rPr lang="en-US" sz="1050" b="1" dirty="0" err="1" smtClean="0">
                 <a:solidFill>
                   <a:schemeClr val="accent3">
                     <a:lumMod val="75000"/>
                   </a:schemeClr>
                 </a:solidFill>
               </a:rPr>
-              <a:t>BrowserPanel</a:t>
+              <a:t>EventList</a:t>
+            </a:r>
+            <a:r>
+              <a:rPr lang="en-US" sz="1050" b="1" dirty="0" err="1" smtClean="0">
+                <a:solidFill>
+                  <a:schemeClr val="accent3">
+                    <a:lumMod val="75000"/>
+                  </a:schemeClr>
+                </a:solidFill>
+              </a:rPr>
+              <a:t>Panel</a:t>
             </a:r>
             <a:endParaRPr lang="en-SG" sz="1050" b="1" dirty="0">
               <a:solidFill>
@@ -3945,7 +3955,7 @@
         </p:nvSpPr>
         <p:spPr>
           <a:xfrm>
-            <a:off x="2592527" y="4563759"/>
+            <a:off x="2592527" y="4771118"/>
             <a:ext cx="1093635" cy="236841"/>
           </a:xfrm>
           <a:prstGeom prst="rect">
@@ -4005,7 +4015,7 @@
         </p:nvSpPr>
         <p:spPr>
           <a:xfrm>
-            <a:off x="2592526" y="3991960"/>
+            <a:off x="2590800" y="4411359"/>
             <a:ext cx="1093635" cy="236841"/>
           </a:xfrm>
           <a:prstGeom prst="rect">
@@ -4045,19 +4055,9 @@
                   </a:schemeClr>
                 </a:solidFill>
               </a:rPr>
-              <a:t>Task</a:t>
-            </a:r>
-            <a:r>
-              <a:rPr lang="en-US" sz="1050" b="1" dirty="0" err="1" smtClean="0">
-                <a:solidFill>
-                  <a:schemeClr val="accent3">
-                    <a:lumMod val="75000"/>
-                  </a:schemeClr>
-                </a:solidFill>
-              </a:rPr>
-              <a:t>ListPanel</a:t>
-            </a:r>
-            <a:endParaRPr lang="en-SG" sz="1050" b="1" dirty="0">
+              <a:t>TaskListPanel</a:t>
+            </a:r>
+            <a:endParaRPr lang="en-US" sz="1050" b="1" dirty="0" smtClean="0">
               <a:solidFill>
                 <a:schemeClr val="accent3">
                   <a:lumMod val="75000"/>
@@ -4075,7 +4075,7 @@
         </p:nvSpPr>
         <p:spPr>
           <a:xfrm>
-            <a:off x="3839323" y="4228801"/>
+            <a:off x="4140694" y="4228801"/>
             <a:ext cx="1040906" cy="236841"/>
           </a:xfrm>
           <a:prstGeom prst="rect">
@@ -4108,24 +4108,14 @@
           <a:p>
             <a:pPr algn="ctr"/>
             <a:r>
-              <a:rPr lang="en-US" sz="1050" b="1" smtClean="0">
+              <a:rPr lang="en-US" sz="1050" b="1" dirty="0" err="1" smtClean="0">
                 <a:solidFill>
                   <a:schemeClr val="accent3">
                     <a:lumMod val="75000"/>
                   </a:schemeClr>
                 </a:solidFill>
               </a:rPr>
-              <a:t>Task</a:t>
-            </a:r>
-            <a:r>
-              <a:rPr lang="en-US" sz="1050" b="1" smtClean="0">
-                <a:solidFill>
-                  <a:schemeClr val="accent3">
-                    <a:lumMod val="75000"/>
-                  </a:schemeClr>
-                </a:solidFill>
-              </a:rPr>
-              <a:t>Card</a:t>
+              <a:t>TaskCard</a:t>
             </a:r>
             <a:endParaRPr lang="en-SG" sz="1050" b="1" dirty="0">
               <a:solidFill>
@@ -4145,7 +4135,7 @@
         </p:nvSpPr>
         <p:spPr>
           <a:xfrm>
-            <a:off x="2592528" y="4966000"/>
+            <a:off x="2592528" y="5105400"/>
             <a:ext cx="1093635" cy="236841"/>
           </a:xfrm>
           <a:prstGeom prst="rect">
@@ -4256,8 +4246,8 @@
         </p:nvCxnSpPr>
         <p:spPr>
           <a:xfrm rot="16200000" flipH="1">
-            <a:off x="2393229" y="2890922"/>
-            <a:ext cx="222196" cy="176402"/>
+            <a:off x="2430181" y="2853970"/>
+            <a:ext cx="146565" cy="174674"/>
           </a:xfrm>
           <a:prstGeom prst="bentConnector2">
             <a:avLst/>
@@ -4294,7 +4284,7 @@
         </p:nvSpPr>
         <p:spPr>
           <a:xfrm>
-            <a:off x="2590799" y="3304308"/>
+            <a:off x="2590800" y="3268359"/>
             <a:ext cx="1095361" cy="236841"/>
           </a:xfrm>
           <a:prstGeom prst="rect">
@@ -4357,8 +4347,8 @@
         </p:nvCxnSpPr>
         <p:spPr>
           <a:xfrm rot="16200000" flipH="1">
-            <a:off x="2054450" y="3229701"/>
-            <a:ext cx="899755" cy="176402"/>
+            <a:off x="2053586" y="3230565"/>
+            <a:ext cx="899755" cy="174674"/>
           </a:xfrm>
           <a:prstGeom prst="bentConnector2">
             <a:avLst/>
@@ -4398,8 +4388,8 @@
         </p:nvCxnSpPr>
         <p:spPr>
           <a:xfrm rot="16200000" flipH="1">
-            <a:off x="1883148" y="3401003"/>
-            <a:ext cx="1242356" cy="176400"/>
+            <a:off x="1672586" y="3611565"/>
+            <a:ext cx="1661755" cy="174674"/>
           </a:xfrm>
           <a:prstGeom prst="bentConnector2">
             <a:avLst/>
@@ -4439,8 +4429,8 @@
         </p:nvCxnSpPr>
         <p:spPr>
           <a:xfrm rot="16200000" flipH="1">
-            <a:off x="1597249" y="3686901"/>
-            <a:ext cx="1814155" cy="176401"/>
+            <a:off x="1493569" y="3790581"/>
+            <a:ext cx="2021514" cy="176401"/>
           </a:xfrm>
           <a:prstGeom prst="bentConnector2">
             <a:avLst/>
@@ -4479,8 +4469,8 @@
         </p:nvCxnSpPr>
         <p:spPr>
           <a:xfrm rot="16200000" flipH="1">
-            <a:off x="1184119" y="3676012"/>
-            <a:ext cx="2396440" cy="420377"/>
+            <a:off x="1118931" y="3750224"/>
+            <a:ext cx="2603798" cy="343396"/>
           </a:xfrm>
           <a:prstGeom prst="bentConnector2">
             <a:avLst/>
@@ -4599,8 +4589,8 @@
         </p:nvCxnSpPr>
         <p:spPr>
           <a:xfrm flipV="1">
-            <a:off x="3686160" y="2286000"/>
-            <a:ext cx="1843809" cy="1136729"/>
+            <a:off x="3686161" y="2286000"/>
+            <a:ext cx="1843808" cy="1100780"/>
           </a:xfrm>
           <a:prstGeom prst="bentConnector2">
             <a:avLst/>
@@ -4640,8 +4630,8 @@
         </p:nvCxnSpPr>
         <p:spPr>
           <a:xfrm rot="5400000">
-            <a:off x="4174488" y="2991741"/>
-            <a:ext cx="2061222" cy="649740"/>
+            <a:off x="4325174" y="3142427"/>
+            <a:ext cx="2061222" cy="348369"/>
           </a:xfrm>
           <a:prstGeom prst="bentConnector2">
             <a:avLst/>
@@ -4681,8 +4671,8 @@
         </p:nvCxnSpPr>
         <p:spPr>
           <a:xfrm rot="5400000">
-            <a:off x="3867176" y="2104987"/>
-            <a:ext cx="1481780" cy="1843806"/>
+            <a:off x="3866312" y="2104123"/>
+            <a:ext cx="1481780" cy="1845534"/>
           </a:xfrm>
           <a:prstGeom prst="bentConnector2">
             <a:avLst/>
@@ -4763,8 +4753,8 @@
         </p:nvCxnSpPr>
         <p:spPr>
           <a:xfrm rot="5400000">
-            <a:off x="3409976" y="2562187"/>
-            <a:ext cx="2396180" cy="1843807"/>
+            <a:off x="3306297" y="2665866"/>
+            <a:ext cx="2603539" cy="1843807"/>
           </a:xfrm>
           <a:prstGeom prst="bentConnector2">
             <a:avLst/>
@@ -4804,8 +4794,8 @@
         </p:nvCxnSpPr>
         <p:spPr>
           <a:xfrm rot="5400000">
-            <a:off x="3208856" y="2763307"/>
-            <a:ext cx="2798421" cy="1843806"/>
+            <a:off x="3139156" y="2833007"/>
+            <a:ext cx="2937821" cy="1843806"/>
           </a:xfrm>
           <a:prstGeom prst="bentConnector2">
             <a:avLst/>
@@ -5106,8 +5096,8 @@
         </p:nvCxnSpPr>
         <p:spPr>
           <a:xfrm rot="16200000" flipH="1">
-            <a:off x="2226110" y="3058040"/>
-            <a:ext cx="554704" cy="174673"/>
+            <a:off x="2244086" y="3040065"/>
+            <a:ext cx="518755" cy="174674"/>
           </a:xfrm>
           <a:prstGeom prst="bentConnector2">
             <a:avLst/>
@@ -5147,8 +5137,8 @@
         </p:nvCxnSpPr>
         <p:spPr>
           <a:xfrm rot="5400000">
-            <a:off x="4205956" y="1766207"/>
-            <a:ext cx="804221" cy="1843806"/>
+            <a:off x="4242907" y="1727528"/>
+            <a:ext cx="728590" cy="1845534"/>
           </a:xfrm>
           <a:prstGeom prst="bentConnector2">
             <a:avLst/>
@@ -5181,18 +5171,20 @@
         <p:nvCxnSpPr>
           <p:cNvPr id="137" name="Elbow Connector 136"/>
           <p:cNvCxnSpPr>
-            <a:stCxn id="36" idx="2"/>
+            <a:stCxn id="36" idx="3"/>
             <a:endCxn id="37" idx="1"/>
           </p:cNvCxnSpPr>
           <p:nvPr/>
         </p:nvCxnSpPr>
         <p:spPr>
-          <a:xfrm rot="16200000" flipH="1">
-            <a:off x="3430123" y="3938021"/>
-            <a:ext cx="118421" cy="699979"/>
-          </a:xfrm>
-          <a:prstGeom prst="bentConnector2">
-            <a:avLst/>
+          <a:xfrm flipV="1">
+            <a:off x="3684435" y="4347222"/>
+            <a:ext cx="456259" cy="182558"/>
+          </a:xfrm>
+          <a:prstGeom prst="bentConnector3">
+            <a:avLst>
+              <a:gd name="adj1" fmla="val 50000"/>
+            </a:avLst>
           </a:prstGeom>
           <a:ln w="19050">
             <a:solidFill>
@@ -5229,8 +5221,8 @@
         </p:nvCxnSpPr>
         <p:spPr>
           <a:xfrm rot="5400000">
-            <a:off x="3695875" y="2276286"/>
-            <a:ext cx="1824381" cy="1843808"/>
+            <a:off x="3485312" y="2485123"/>
+            <a:ext cx="2243780" cy="1845534"/>
           </a:xfrm>
           <a:prstGeom prst="bentConnector2">
             <a:avLst/>
@@ -5455,8 +5447,8 @@
         </p:nvSpPr>
         <p:spPr>
           <a:xfrm flipV="1">
-            <a:off x="4114799" y="4472708"/>
-            <a:ext cx="2642195" cy="101600"/>
+            <a:off x="4635546" y="4432825"/>
+            <a:ext cx="2121448" cy="141483"/>
           </a:xfrm>
           <a:custGeom>
             <a:avLst/>
@@ -5529,6 +5521,223 @@
           </a:p>
         </p:txBody>
       </p:sp>
+      <p:sp>
+        <p:nvSpPr>
+          <p:cNvPr id="42" name="Rectangle 11"/>
+          <p:cNvSpPr/>
+          <p:nvPr/>
+        </p:nvSpPr>
+        <p:spPr>
+          <a:xfrm>
+            <a:off x="2589073" y="3970652"/>
+            <a:ext cx="1093635" cy="372748"/>
+          </a:xfrm>
+          <a:prstGeom prst="rect">
+            <a:avLst/>
+          </a:prstGeom>
+          <a:ln w="19050">
+            <a:solidFill>
+              <a:schemeClr val="accent3"/>
+            </a:solidFill>
+          </a:ln>
+          <a:effectLst/>
+        </p:spPr>
+        <p:style>
+          <a:lnRef idx="1">
+            <a:schemeClr val="accent3"/>
+          </a:lnRef>
+          <a:fillRef idx="2">
+            <a:schemeClr val="accent3"/>
+          </a:fillRef>
+          <a:effectRef idx="1">
+            <a:schemeClr val="accent3"/>
+          </a:effectRef>
+          <a:fontRef idx="minor">
+            <a:schemeClr val="dk1"/>
+          </a:fontRef>
+        </p:style>
+        <p:txBody>
+          <a:bodyPr rtlCol="0" anchor="ctr"/>
+          <a:lstStyle/>
+          <a:p>
+            <a:pPr algn="ctr"/>
+            <a:r>
+              <a:rPr lang="en-US" sz="1050" b="1" dirty="0" err="1" smtClean="0">
+                <a:solidFill>
+                  <a:schemeClr val="accent3">
+                    <a:lumMod val="75000"/>
+                  </a:schemeClr>
+                </a:solidFill>
+              </a:rPr>
+              <a:t>FloatingTask</a:t>
+            </a:r>
+            <a:endParaRPr lang="en-US" sz="1050" b="1" dirty="0" smtClean="0">
+              <a:solidFill>
+                <a:schemeClr val="accent3">
+                  <a:lumMod val="75000"/>
+                </a:schemeClr>
+              </a:solidFill>
+            </a:endParaRPr>
+          </a:p>
+          <a:p>
+            <a:pPr algn="ctr"/>
+            <a:r>
+              <a:rPr lang="en-US" sz="1050" b="1" dirty="0" err="1" smtClean="0">
+                <a:solidFill>
+                  <a:schemeClr val="accent3">
+                    <a:lumMod val="75000"/>
+                  </a:schemeClr>
+                </a:solidFill>
+              </a:rPr>
+              <a:t>List</a:t>
+            </a:r>
+            <a:r>
+              <a:rPr lang="en-US" sz="1050" b="1" dirty="0" err="1" smtClean="0">
+                <a:solidFill>
+                  <a:schemeClr val="accent3">
+                    <a:lumMod val="75000"/>
+                  </a:schemeClr>
+                </a:solidFill>
+              </a:rPr>
+              <a:t>Panel</a:t>
+            </a:r>
+            <a:endParaRPr lang="en-SG" sz="1050" b="1" dirty="0">
+              <a:solidFill>
+                <a:schemeClr val="accent3">
+                  <a:lumMod val="75000"/>
+                </a:schemeClr>
+              </a:solidFill>
+            </a:endParaRPr>
+          </a:p>
+        </p:txBody>
+      </p:sp>
+      <p:cxnSp>
+        <p:nvCxnSpPr>
+          <p:cNvPr id="54" name="Elbow Connector 63"/>
+          <p:cNvCxnSpPr>
+            <a:stCxn id="39" idx="2"/>
+            <a:endCxn id="42" idx="1"/>
+          </p:cNvCxnSpPr>
+          <p:nvPr/>
+        </p:nvCxnSpPr>
+        <p:spPr>
+          <a:xfrm rot="16200000" flipH="1">
+            <a:off x="1858099" y="3426051"/>
+            <a:ext cx="1289001" cy="172947"/>
+          </a:xfrm>
+          <a:prstGeom prst="bentConnector2">
+            <a:avLst/>
+          </a:prstGeom>
+          <a:ln w="19050">
+            <a:solidFill>
+              <a:schemeClr val="accent3"/>
+            </a:solidFill>
+            <a:headEnd type="none" w="med" len="med"/>
+            <a:tailEnd type="arrow" w="med" len="med"/>
+          </a:ln>
+          <a:effectLst/>
+        </p:spPr>
+        <p:style>
+          <a:lnRef idx="1">
+            <a:schemeClr val="accent2"/>
+          </a:lnRef>
+          <a:fillRef idx="2">
+            <a:schemeClr val="accent2"/>
+          </a:fillRef>
+          <a:effectRef idx="1">
+            <a:schemeClr val="accent2"/>
+          </a:effectRef>
+          <a:fontRef idx="minor">
+            <a:schemeClr val="dk1"/>
+          </a:fontRef>
+        </p:style>
+      </p:cxnSp>
+      <p:cxnSp>
+        <p:nvCxnSpPr>
+          <p:cNvPr id="68" name="Elbow Connector 67"/>
+          <p:cNvCxnSpPr>
+            <a:stCxn id="42" idx="3"/>
+            <a:endCxn id="37" idx="1"/>
+          </p:cNvCxnSpPr>
+          <p:nvPr/>
+        </p:nvCxnSpPr>
+        <p:spPr>
+          <a:xfrm>
+            <a:off x="3682708" y="4157026"/>
+            <a:ext cx="457986" cy="190196"/>
+          </a:xfrm>
+          <a:prstGeom prst="bentConnector3">
+            <a:avLst>
+              <a:gd name="adj1" fmla="val 50000"/>
+            </a:avLst>
+          </a:prstGeom>
+          <a:ln w="19050">
+            <a:solidFill>
+              <a:schemeClr val="accent3"/>
+            </a:solidFill>
+            <a:headEnd type="none" w="med" len="med"/>
+            <a:tailEnd type="arrow" w="med" len="med"/>
+          </a:ln>
+          <a:effectLst/>
+        </p:spPr>
+        <p:style>
+          <a:lnRef idx="1">
+            <a:schemeClr val="accent2"/>
+          </a:lnRef>
+          <a:fillRef idx="2">
+            <a:schemeClr val="accent2"/>
+          </a:fillRef>
+          <a:effectRef idx="1">
+            <a:schemeClr val="accent2"/>
+          </a:effectRef>
+          <a:fontRef idx="minor">
+            <a:schemeClr val="dk1"/>
+          </a:fontRef>
+        </p:style>
+      </p:cxnSp>
+      <p:cxnSp>
+        <p:nvCxnSpPr>
+          <p:cNvPr id="71" name="Elbow Connector 70"/>
+          <p:cNvCxnSpPr>
+            <a:stCxn id="34" idx="3"/>
+            <a:endCxn id="37" idx="1"/>
+          </p:cNvCxnSpPr>
+          <p:nvPr/>
+        </p:nvCxnSpPr>
+        <p:spPr>
+          <a:xfrm>
+            <a:off x="3684435" y="3767780"/>
+            <a:ext cx="456259" cy="579442"/>
+          </a:xfrm>
+          <a:prstGeom prst="bentConnector3">
+            <a:avLst>
+              <a:gd name="adj1" fmla="val 50000"/>
+            </a:avLst>
+          </a:prstGeom>
+          <a:ln w="19050">
+            <a:solidFill>
+              <a:schemeClr val="accent3"/>
+            </a:solidFill>
+            <a:headEnd type="none" w="med" len="med"/>
+            <a:tailEnd type="arrow" w="med" len="med"/>
+          </a:ln>
+          <a:effectLst/>
+        </p:spPr>
+        <p:style>
+          <a:lnRef idx="1">
+            <a:schemeClr val="accent2"/>
+          </a:lnRef>
+          <a:fillRef idx="2">
+            <a:schemeClr val="accent2"/>
+          </a:fillRef>
+          <a:effectRef idx="1">
+            <a:schemeClr val="accent2"/>
+          </a:effectRef>
+          <a:fontRef idx="minor">
+            <a:schemeClr val="dk1"/>
+          </a:fontRef>
+        </p:style>
+      </p:cxnSp>
     </p:spTree>
     <p:extLst>
       <p:ext uri="{BB962C8B-B14F-4D97-AF65-F5344CB8AC3E}">

--- a/docs/diagrams/UiComponentClassDiagram.pptx
+++ b/docs/diagrams/UiComponentClassDiagram.pptx
@@ -109,7 +109,7 @@
   </p:defaultTextStyle>
   <p:extLst>
     <p:ext uri="{EFAFB233-063F-42B5-8137-9DF3F51BA10A}">
-      <p15:sldGuideLst xmlns:p15="http://schemas.microsoft.com/office/powerpoint/2012/main">
+      <p15:sldGuideLst xmlns="" xmlns:p15="http://schemas.microsoft.com/office/powerpoint/2012/main">
         <p15:guide id="1" orient="horz" pos="1488">
           <p15:clr>
             <a:srgbClr val="A4A3A4"/>
@@ -208,7 +208,7 @@
           <a:p>
             <a:fld id="{F5CC4B3F-88C1-4FFA-B1B6-F41C21DC6924}" type="datetimeFigureOut">
               <a:rPr lang="en-US" smtClean="0"/>
-              <a:t>1/7/2017</a:t>
+              <a:t>3/15/2017</a:t>
             </a:fld>
             <a:endParaRPr lang="en-US"/>
           </a:p>
@@ -654,7 +654,7 @@
           <a:p>
             <a:fld id="{78C97017-6FC3-485B-9764-EAC9E56C1D49}" type="datetimeFigureOut">
               <a:rPr lang="en-US" smtClean="0"/>
-              <a:t>1/7/2017</a:t>
+              <a:t>3/15/2017</a:t>
             </a:fld>
             <a:endParaRPr lang="en-US"/>
           </a:p>
@@ -822,7 +822,7 @@
           <a:p>
             <a:fld id="{78C97017-6FC3-485B-9764-EAC9E56C1D49}" type="datetimeFigureOut">
               <a:rPr lang="en-US" smtClean="0"/>
-              <a:t>1/7/2017</a:t>
+              <a:t>3/15/2017</a:t>
             </a:fld>
             <a:endParaRPr lang="en-US"/>
           </a:p>
@@ -1000,7 +1000,7 @@
           <a:p>
             <a:fld id="{78C97017-6FC3-485B-9764-EAC9E56C1D49}" type="datetimeFigureOut">
               <a:rPr lang="en-US" smtClean="0"/>
-              <a:t>1/7/2017</a:t>
+              <a:t>3/15/2017</a:t>
             </a:fld>
             <a:endParaRPr lang="en-US"/>
           </a:p>
@@ -1168,7 +1168,7 @@
           <a:p>
             <a:fld id="{78C97017-6FC3-485B-9764-EAC9E56C1D49}" type="datetimeFigureOut">
               <a:rPr lang="en-US" smtClean="0"/>
-              <a:t>1/7/2017</a:t>
+              <a:t>3/15/2017</a:t>
             </a:fld>
             <a:endParaRPr lang="en-US"/>
           </a:p>
@@ -1413,7 +1413,7 @@
           <a:p>
             <a:fld id="{78C97017-6FC3-485B-9764-EAC9E56C1D49}" type="datetimeFigureOut">
               <a:rPr lang="en-US" smtClean="0"/>
-              <a:t>1/7/2017</a:t>
+              <a:t>3/15/2017</a:t>
             </a:fld>
             <a:endParaRPr lang="en-US"/>
           </a:p>
@@ -1698,7 +1698,7 @@
           <a:p>
             <a:fld id="{78C97017-6FC3-485B-9764-EAC9E56C1D49}" type="datetimeFigureOut">
               <a:rPr lang="en-US" smtClean="0"/>
-              <a:t>1/7/2017</a:t>
+              <a:t>3/15/2017</a:t>
             </a:fld>
             <a:endParaRPr lang="en-US"/>
           </a:p>
@@ -2117,7 +2117,7 @@
           <a:p>
             <a:fld id="{78C97017-6FC3-485B-9764-EAC9E56C1D49}" type="datetimeFigureOut">
               <a:rPr lang="en-US" smtClean="0"/>
-              <a:t>1/7/2017</a:t>
+              <a:t>3/15/2017</a:t>
             </a:fld>
             <a:endParaRPr lang="en-US"/>
           </a:p>
@@ -2234,7 +2234,7 @@
           <a:p>
             <a:fld id="{78C97017-6FC3-485B-9764-EAC9E56C1D49}" type="datetimeFigureOut">
               <a:rPr lang="en-US" smtClean="0"/>
-              <a:t>1/7/2017</a:t>
+              <a:t>3/15/2017</a:t>
             </a:fld>
             <a:endParaRPr lang="en-US"/>
           </a:p>
@@ -2329,7 +2329,7 @@
           <a:p>
             <a:fld id="{78C97017-6FC3-485B-9764-EAC9E56C1D49}" type="datetimeFigureOut">
               <a:rPr lang="en-US" smtClean="0"/>
-              <a:t>1/7/2017</a:t>
+              <a:t>3/15/2017</a:t>
             </a:fld>
             <a:endParaRPr lang="en-US"/>
           </a:p>
@@ -2604,7 +2604,7 @@
           <a:p>
             <a:fld id="{78C97017-6FC3-485B-9764-EAC9E56C1D49}" type="datetimeFigureOut">
               <a:rPr lang="en-US" smtClean="0"/>
-              <a:t>1/7/2017</a:t>
+              <a:t>3/15/2017</a:t>
             </a:fld>
             <a:endParaRPr lang="en-US"/>
           </a:p>
@@ -2856,7 +2856,7 @@
           <a:p>
             <a:fld id="{78C97017-6FC3-485B-9764-EAC9E56C1D49}" type="datetimeFigureOut">
               <a:rPr lang="en-US" smtClean="0"/>
-              <a:t>1/7/2017</a:t>
+              <a:t>3/15/2017</a:t>
             </a:fld>
             <a:endParaRPr lang="en-US"/>
           </a:p>
@@ -3067,7 +3067,7 @@
           <a:p>
             <a:fld id="{78C97017-6FC3-485B-9764-EAC9E56C1D49}" type="datetimeFigureOut">
               <a:rPr lang="en-US" smtClean="0"/>
-              <a:t>1/7/2017</a:t>
+              <a:t>3/15/2017</a:t>
             </a:fld>
             <a:endParaRPr lang="en-US"/>
           </a:p>
@@ -3879,13 +3879,13 @@
       </p:sp>
       <p:sp>
         <p:nvSpPr>
-          <p:cNvPr id="34" name="Rectangle 11"/>
+          <p:cNvPr id="35" name="Rectangle 11"/>
           <p:cNvSpPr/>
           <p:nvPr/>
         </p:nvSpPr>
         <p:spPr>
           <a:xfrm>
-            <a:off x="2592528" y="3649359"/>
+            <a:off x="2592527" y="4563759"/>
             <a:ext cx="1093635" cy="236841"/>
           </a:xfrm>
           <a:prstGeom prst="rect">
@@ -3925,7 +3925,7 @@
                   </a:schemeClr>
                 </a:solidFill>
               </a:rPr>
-              <a:t>BrowserPanel</a:t>
+              <a:t>StatusBarFooter</a:t>
             </a:r>
             <a:endParaRPr lang="en-SG" sz="1050" b="1" dirty="0">
               <a:solidFill>
@@ -3939,13 +3939,13 @@
       </p:sp>
       <p:sp>
         <p:nvSpPr>
-          <p:cNvPr id="35" name="Rectangle 11"/>
+          <p:cNvPr id="36" name="Rectangle 11"/>
           <p:cNvSpPr/>
           <p:nvPr/>
         </p:nvSpPr>
         <p:spPr>
           <a:xfrm>
-            <a:off x="2592527" y="4563759"/>
+            <a:off x="2592526" y="3748103"/>
             <a:ext cx="1093635" cy="236841"/>
           </a:xfrm>
           <a:prstGeom prst="rect">
@@ -3978,14 +3978,14 @@
           <a:p>
             <a:pPr algn="ctr"/>
             <a:r>
-              <a:rPr lang="en-US" sz="1050" b="1" dirty="0" err="1">
+              <a:rPr lang="en-US" sz="1050" b="1" dirty="0" err="1" smtClean="0">
                 <a:solidFill>
                   <a:schemeClr val="accent3">
                     <a:lumMod val="75000"/>
                   </a:schemeClr>
                 </a:solidFill>
               </a:rPr>
-              <a:t>StatusBarFooter</a:t>
+              <a:t>TaskListPanel</a:t>
             </a:r>
             <a:endParaRPr lang="en-SG" sz="1050" b="1" dirty="0">
               <a:solidFill>
@@ -3999,14 +3999,14 @@
       </p:sp>
       <p:sp>
         <p:nvSpPr>
-          <p:cNvPr id="36" name="Rectangle 11"/>
+          <p:cNvPr id="37" name="Rectangle 11"/>
           <p:cNvSpPr/>
           <p:nvPr/>
         </p:nvSpPr>
         <p:spPr>
           <a:xfrm>
-            <a:off x="2592526" y="3991960"/>
-            <a:ext cx="1093635" cy="236841"/>
+            <a:off x="3839323" y="4110381"/>
+            <a:ext cx="1040906" cy="236841"/>
           </a:xfrm>
           <a:prstGeom prst="rect">
             <a:avLst/>
@@ -4038,74 +4038,14 @@
           <a:p>
             <a:pPr algn="ctr"/>
             <a:r>
-              <a:rPr lang="en-US" sz="1050" b="1" dirty="0" err="1">
+              <a:rPr lang="en-US" sz="1050" b="1" smtClean="0">
                 <a:solidFill>
                   <a:schemeClr val="accent3">
                     <a:lumMod val="75000"/>
                   </a:schemeClr>
                 </a:solidFill>
               </a:rPr>
-              <a:t>PersonListPanel</a:t>
-            </a:r>
-            <a:endParaRPr lang="en-SG" sz="1050" b="1" dirty="0">
-              <a:solidFill>
-                <a:schemeClr val="accent3">
-                  <a:lumMod val="75000"/>
-                </a:schemeClr>
-              </a:solidFill>
-            </a:endParaRPr>
-          </a:p>
-        </p:txBody>
-      </p:sp>
-      <p:sp>
-        <p:nvSpPr>
-          <p:cNvPr id="37" name="Rectangle 11"/>
-          <p:cNvSpPr/>
-          <p:nvPr/>
-        </p:nvSpPr>
-        <p:spPr>
-          <a:xfrm>
-            <a:off x="3839323" y="4228801"/>
-            <a:ext cx="1040906" cy="236841"/>
-          </a:xfrm>
-          <a:prstGeom prst="rect">
-            <a:avLst/>
-          </a:prstGeom>
-          <a:ln w="19050">
-            <a:solidFill>
-              <a:schemeClr val="accent3"/>
-            </a:solidFill>
-          </a:ln>
-          <a:effectLst/>
-        </p:spPr>
-        <p:style>
-          <a:lnRef idx="1">
-            <a:schemeClr val="accent3"/>
-          </a:lnRef>
-          <a:fillRef idx="2">
-            <a:schemeClr val="accent3"/>
-          </a:fillRef>
-          <a:effectRef idx="1">
-            <a:schemeClr val="accent3"/>
-          </a:effectRef>
-          <a:fontRef idx="minor">
-            <a:schemeClr val="dk1"/>
-          </a:fontRef>
-        </p:style>
-        <p:txBody>
-          <a:bodyPr rtlCol="0" anchor="ctr"/>
-          <a:lstStyle/>
-          <a:p>
-            <a:pPr algn="ctr"/>
-            <a:r>
-              <a:rPr lang="en-US" sz="1050" b="1" dirty="0" err="1">
-                <a:solidFill>
-                  <a:schemeClr val="accent3">
-                    <a:lumMod val="75000"/>
-                  </a:schemeClr>
-                </a:solidFill>
-              </a:rPr>
-              <a:t>PersonCard</a:t>
+              <a:t>TaskCard</a:t>
             </a:r>
             <a:endParaRPr lang="en-SG" sz="1050" b="1" dirty="0">
               <a:solidFill>
@@ -4328,47 +4268,6 @@
       </p:sp>
       <p:cxnSp>
         <p:nvCxnSpPr>
-          <p:cNvPr id="44" name="Elbow Connector 63"/>
-          <p:cNvCxnSpPr>
-            <a:stCxn id="39" idx="2"/>
-            <a:endCxn id="34" idx="1"/>
-          </p:cNvCxnSpPr>
-          <p:nvPr/>
-        </p:nvCxnSpPr>
-        <p:spPr>
-          <a:xfrm rot="16200000" flipH="1">
-            <a:off x="2054450" y="3229701"/>
-            <a:ext cx="899755" cy="176402"/>
-          </a:xfrm>
-          <a:prstGeom prst="bentConnector2">
-            <a:avLst/>
-          </a:prstGeom>
-          <a:ln w="19050">
-            <a:solidFill>
-              <a:schemeClr val="accent3"/>
-            </a:solidFill>
-            <a:headEnd type="none" w="med" len="med"/>
-            <a:tailEnd type="arrow" w="med" len="med"/>
-          </a:ln>
-          <a:effectLst/>
-        </p:spPr>
-        <p:style>
-          <a:lnRef idx="1">
-            <a:schemeClr val="accent2"/>
-          </a:lnRef>
-          <a:fillRef idx="2">
-            <a:schemeClr val="accent2"/>
-          </a:fillRef>
-          <a:effectRef idx="1">
-            <a:schemeClr val="accent2"/>
-          </a:effectRef>
-          <a:fontRef idx="minor">
-            <a:schemeClr val="dk1"/>
-          </a:fontRef>
-        </p:style>
-      </p:cxnSp>
-      <p:cxnSp>
-        <p:nvCxnSpPr>
           <p:cNvPr id="47" name="Elbow Connector 63"/>
           <p:cNvCxnSpPr>
             <a:stCxn id="39" idx="2"/>
@@ -4378,8 +4277,8 @@
         </p:nvCxnSpPr>
         <p:spPr>
           <a:xfrm rot="16200000" flipH="1">
-            <a:off x="1883148" y="3401003"/>
-            <a:ext cx="1242356" cy="176400"/>
+            <a:off x="2005077" y="3279074"/>
+            <a:ext cx="998499" cy="176400"/>
           </a:xfrm>
           <a:prstGeom prst="bentConnector2">
             <a:avLst/>
@@ -4620,49 +4519,8 @@
         </p:nvCxnSpPr>
         <p:spPr>
           <a:xfrm rot="5400000">
-            <a:off x="4174488" y="2991741"/>
-            <a:ext cx="2061222" cy="649740"/>
-          </a:xfrm>
-          <a:prstGeom prst="bentConnector2">
-            <a:avLst/>
-          </a:prstGeom>
-          <a:ln w="6350">
-            <a:solidFill>
-              <a:schemeClr val="accent3"/>
-            </a:solidFill>
-            <a:headEnd type="none" w="med" len="med"/>
-            <a:tailEnd type="none" w="med" len="med"/>
-          </a:ln>
-          <a:effectLst/>
-        </p:spPr>
-        <p:style>
-          <a:lnRef idx="1">
-            <a:schemeClr val="accent2"/>
-          </a:lnRef>
-          <a:fillRef idx="2">
-            <a:schemeClr val="accent2"/>
-          </a:fillRef>
-          <a:effectRef idx="1">
-            <a:schemeClr val="accent2"/>
-          </a:effectRef>
-          <a:fontRef idx="minor">
-            <a:schemeClr val="dk1"/>
-          </a:fontRef>
-        </p:style>
-      </p:cxnSp>
-      <p:cxnSp>
-        <p:nvCxnSpPr>
-          <p:cNvPr id="82" name="Elbow Connector 63"/>
-          <p:cNvCxnSpPr>
-            <a:stCxn id="16" idx="3"/>
-            <a:endCxn id="34" idx="3"/>
-          </p:cNvCxnSpPr>
-          <p:nvPr/>
-        </p:nvCxnSpPr>
-        <p:spPr>
-          <a:xfrm rot="5400000">
-            <a:off x="3867176" y="2104987"/>
-            <a:ext cx="1481780" cy="1843806"/>
+            <a:off x="4233698" y="2932531"/>
+            <a:ext cx="1942802" cy="649740"/>
           </a:xfrm>
           <a:prstGeom prst="bentConnector2">
             <a:avLst/>
@@ -5168,8 +5026,8 @@
         </p:nvCxnSpPr>
         <p:spPr>
           <a:xfrm rot="16200000" flipH="1">
-            <a:off x="3430123" y="3938021"/>
-            <a:ext cx="118421" cy="699979"/>
+            <a:off x="3367404" y="3756883"/>
+            <a:ext cx="243858" cy="699979"/>
           </a:xfrm>
           <a:prstGeom prst="bentConnector2">
             <a:avLst/>
@@ -5209,8 +5067,8 @@
         </p:nvCxnSpPr>
         <p:spPr>
           <a:xfrm rot="5400000">
-            <a:off x="3695875" y="2276286"/>
-            <a:ext cx="1824381" cy="1843808"/>
+            <a:off x="3817803" y="2154358"/>
+            <a:ext cx="1580524" cy="1843808"/>
           </a:xfrm>
           <a:prstGeom prst="bentConnector2">
             <a:avLst/>
@@ -5382,7 +5240,7 @@
         </p:nvSpPr>
         <p:spPr>
           <a:xfrm>
-            <a:off x="5431573" y="4488138"/>
+            <a:off x="5431573" y="4343400"/>
             <a:ext cx="229325" cy="160062"/>
           </a:xfrm>
           <a:prstGeom prst="rect">
@@ -5435,7 +5293,7 @@
         </p:nvSpPr>
         <p:spPr>
           <a:xfrm flipV="1">
-            <a:off x="4114799" y="4472708"/>
+            <a:off x="4114799" y="4343400"/>
             <a:ext cx="2642195" cy="101600"/>
           </a:xfrm>
           <a:custGeom>

--- a/docs/diagrams/UiComponentClassDiagram.pptx
+++ b/docs/diagrams/UiComponentClassDiagram.pptx
@@ -208,7 +208,7 @@
           <a:p>
             <a:fld id="{F5CC4B3F-88C1-4FFA-B1B6-F41C21DC6924}" type="datetimeFigureOut">
               <a:rPr lang="en-US" smtClean="0"/>
-              <a:t>1/7/2017</a:t>
+              <a:t>3/22/2017</a:t>
             </a:fld>
             <a:endParaRPr lang="en-US"/>
           </a:p>
@@ -654,7 +654,7 @@
           <a:p>
             <a:fld id="{78C97017-6FC3-485B-9764-EAC9E56C1D49}" type="datetimeFigureOut">
               <a:rPr lang="en-US" smtClean="0"/>
-              <a:t>1/7/2017</a:t>
+              <a:t>3/22/2017</a:t>
             </a:fld>
             <a:endParaRPr lang="en-US"/>
           </a:p>
@@ -822,7 +822,7 @@
           <a:p>
             <a:fld id="{78C97017-6FC3-485B-9764-EAC9E56C1D49}" type="datetimeFigureOut">
               <a:rPr lang="en-US" smtClean="0"/>
-              <a:t>1/7/2017</a:t>
+              <a:t>3/22/2017</a:t>
             </a:fld>
             <a:endParaRPr lang="en-US"/>
           </a:p>
@@ -1000,7 +1000,7 @@
           <a:p>
             <a:fld id="{78C97017-6FC3-485B-9764-EAC9E56C1D49}" type="datetimeFigureOut">
               <a:rPr lang="en-US" smtClean="0"/>
-              <a:t>1/7/2017</a:t>
+              <a:t>3/22/2017</a:t>
             </a:fld>
             <a:endParaRPr lang="en-US"/>
           </a:p>
@@ -1168,7 +1168,7 @@
           <a:p>
             <a:fld id="{78C97017-6FC3-485B-9764-EAC9E56C1D49}" type="datetimeFigureOut">
               <a:rPr lang="en-US" smtClean="0"/>
-              <a:t>1/7/2017</a:t>
+              <a:t>3/22/2017</a:t>
             </a:fld>
             <a:endParaRPr lang="en-US"/>
           </a:p>
@@ -1413,7 +1413,7 @@
           <a:p>
             <a:fld id="{78C97017-6FC3-485B-9764-EAC9E56C1D49}" type="datetimeFigureOut">
               <a:rPr lang="en-US" smtClean="0"/>
-              <a:t>1/7/2017</a:t>
+              <a:t>3/22/2017</a:t>
             </a:fld>
             <a:endParaRPr lang="en-US"/>
           </a:p>
@@ -1698,7 +1698,7 @@
           <a:p>
             <a:fld id="{78C97017-6FC3-485B-9764-EAC9E56C1D49}" type="datetimeFigureOut">
               <a:rPr lang="en-US" smtClean="0"/>
-              <a:t>1/7/2017</a:t>
+              <a:t>3/22/2017</a:t>
             </a:fld>
             <a:endParaRPr lang="en-US"/>
           </a:p>
@@ -2117,7 +2117,7 @@
           <a:p>
             <a:fld id="{78C97017-6FC3-485B-9764-EAC9E56C1D49}" type="datetimeFigureOut">
               <a:rPr lang="en-US" smtClean="0"/>
-              <a:t>1/7/2017</a:t>
+              <a:t>3/22/2017</a:t>
             </a:fld>
             <a:endParaRPr lang="en-US"/>
           </a:p>
@@ -2234,7 +2234,7 @@
           <a:p>
             <a:fld id="{78C97017-6FC3-485B-9764-EAC9E56C1D49}" type="datetimeFigureOut">
               <a:rPr lang="en-US" smtClean="0"/>
-              <a:t>1/7/2017</a:t>
+              <a:t>3/22/2017</a:t>
             </a:fld>
             <a:endParaRPr lang="en-US"/>
           </a:p>
@@ -2329,7 +2329,7 @@
           <a:p>
             <a:fld id="{78C97017-6FC3-485B-9764-EAC9E56C1D49}" type="datetimeFigureOut">
               <a:rPr lang="en-US" smtClean="0"/>
-              <a:t>1/7/2017</a:t>
+              <a:t>3/22/2017</a:t>
             </a:fld>
             <a:endParaRPr lang="en-US"/>
           </a:p>
@@ -2604,7 +2604,7 @@
           <a:p>
             <a:fld id="{78C97017-6FC3-485B-9764-EAC9E56C1D49}" type="datetimeFigureOut">
               <a:rPr lang="en-US" smtClean="0"/>
-              <a:t>1/7/2017</a:t>
+              <a:t>3/22/2017</a:t>
             </a:fld>
             <a:endParaRPr lang="en-US"/>
           </a:p>
@@ -2856,7 +2856,7 @@
           <a:p>
             <a:fld id="{78C97017-6FC3-485B-9764-EAC9E56C1D49}" type="datetimeFigureOut">
               <a:rPr lang="en-US" smtClean="0"/>
-              <a:t>1/7/2017</a:t>
+              <a:t>3/22/2017</a:t>
             </a:fld>
             <a:endParaRPr lang="en-US"/>
           </a:p>
@@ -3067,7 +3067,7 @@
           <a:p>
             <a:fld id="{78C97017-6FC3-485B-9764-EAC9E56C1D49}" type="datetimeFigureOut">
               <a:rPr lang="en-US" smtClean="0"/>
-              <a:t>1/7/2017</a:t>
+              <a:t>3/22/2017</a:t>
             </a:fld>
             <a:endParaRPr lang="en-US"/>
           </a:p>
@@ -3451,7 +3451,7 @@
         <p:spPr>
           <a:xfrm>
             <a:off x="1217465" y="1447800"/>
-            <a:ext cx="4917083" cy="3962400"/>
+            <a:ext cx="4917083" cy="4343400"/>
           </a:xfrm>
           <a:prstGeom prst="roundRect">
             <a:avLst>
@@ -3572,8 +3572,8 @@
         </p:nvSpPr>
         <p:spPr>
           <a:xfrm>
-            <a:off x="2592528" y="2971800"/>
-            <a:ext cx="1093635" cy="236841"/>
+            <a:off x="2592527" y="2971800"/>
+            <a:ext cx="1224000" cy="236841"/>
           </a:xfrm>
           <a:prstGeom prst="rect">
             <a:avLst/>
@@ -3825,8 +3825,8 @@
         </p:nvSpPr>
         <p:spPr>
           <a:xfrm rot="16200000">
-            <a:off x="5703829" y="2464877"/>
-            <a:ext cx="2362201" cy="328045"/>
+            <a:off x="5673742" y="2555856"/>
+            <a:ext cx="2544161" cy="328045"/>
           </a:xfrm>
           <a:prstGeom prst="roundRect">
             <a:avLst/>
@@ -3885,8 +3885,8 @@
         </p:nvSpPr>
         <p:spPr>
           <a:xfrm>
-            <a:off x="2592528" y="3649359"/>
-            <a:ext cx="1093635" cy="236841"/>
+            <a:off x="2592527" y="3649359"/>
+            <a:ext cx="1224000" cy="236841"/>
           </a:xfrm>
           <a:prstGeom prst="rect">
             <a:avLst/>
@@ -3918,14 +3918,14 @@
           <a:p>
             <a:pPr algn="ctr"/>
             <a:r>
-              <a:rPr lang="en-US" sz="1050" b="1" dirty="0" err="1">
+              <a:rPr lang="en-SG" sz="1050" b="1" dirty="0" err="1" smtClean="0">
                 <a:solidFill>
                   <a:schemeClr val="accent3">
                     <a:lumMod val="75000"/>
                   </a:schemeClr>
                 </a:solidFill>
               </a:rPr>
-              <a:t>BrowserPanel</a:t>
+              <a:t>EventListPanel</a:t>
             </a:r>
             <a:endParaRPr lang="en-SG" sz="1050" b="1" dirty="0">
               <a:solidFill>
@@ -3945,8 +3945,8 @@
         </p:nvSpPr>
         <p:spPr>
           <a:xfrm>
-            <a:off x="2592527" y="4563759"/>
-            <a:ext cx="1093635" cy="236841"/>
+            <a:off x="2592526" y="5075918"/>
+            <a:ext cx="1224000" cy="236841"/>
           </a:xfrm>
           <a:prstGeom prst="rect">
             <a:avLst/>
@@ -4005,8 +4005,8 @@
         </p:nvSpPr>
         <p:spPr>
           <a:xfrm>
-            <a:off x="2592526" y="3991960"/>
-            <a:ext cx="1093635" cy="236841"/>
+            <a:off x="2592525" y="3991960"/>
+            <a:ext cx="1224000" cy="236841"/>
           </a:xfrm>
           <a:prstGeom prst="rect">
             <a:avLst/>
@@ -4038,14 +4038,14 @@
           <a:p>
             <a:pPr algn="ctr"/>
             <a:r>
-              <a:rPr lang="en-US" sz="1050" b="1" dirty="0" err="1">
+              <a:rPr lang="en-US" sz="1050" b="1" dirty="0" err="1" smtClean="0">
                 <a:solidFill>
                   <a:schemeClr val="accent3">
                     <a:lumMod val="75000"/>
                   </a:schemeClr>
                 </a:solidFill>
               </a:rPr>
-              <a:t>PersonListPanel</a:t>
+              <a:t>FloatListPanel</a:t>
             </a:r>
             <a:endParaRPr lang="en-SG" sz="1050" b="1" dirty="0">
               <a:solidFill>
@@ -4065,7 +4065,7 @@
         </p:nvSpPr>
         <p:spPr>
           <a:xfrm>
-            <a:off x="3839323" y="4228801"/>
+            <a:off x="4258794" y="4161027"/>
             <a:ext cx="1040906" cy="236841"/>
           </a:xfrm>
           <a:prstGeom prst="rect">
@@ -4098,14 +4098,14 @@
           <a:p>
             <a:pPr algn="ctr"/>
             <a:r>
-              <a:rPr lang="en-US" sz="1050" b="1" dirty="0" err="1">
+              <a:rPr lang="en-US" sz="1050" b="1" dirty="0" err="1" smtClean="0">
                 <a:solidFill>
                   <a:schemeClr val="accent3">
                     <a:lumMod val="75000"/>
                   </a:schemeClr>
                 </a:solidFill>
               </a:rPr>
-              <a:t>PersonCard</a:t>
+              <a:t>TaskCard</a:t>
             </a:r>
             <a:endParaRPr lang="en-SG" sz="1050" b="1" dirty="0">
               <a:solidFill>
@@ -4125,8 +4125,8 @@
         </p:nvSpPr>
         <p:spPr>
           <a:xfrm>
-            <a:off x="2592528" y="4966000"/>
-            <a:ext cx="1093635" cy="236841"/>
+            <a:off x="2592527" y="5478159"/>
+            <a:ext cx="1224000" cy="236841"/>
           </a:xfrm>
           <a:prstGeom prst="rect">
             <a:avLst/>
@@ -4236,8 +4236,8 @@
         </p:nvCxnSpPr>
         <p:spPr>
           <a:xfrm rot="16200000" flipH="1">
-            <a:off x="2393229" y="2890922"/>
-            <a:ext cx="222196" cy="176402"/>
+            <a:off x="2393228" y="2890922"/>
+            <a:ext cx="222196" cy="176401"/>
           </a:xfrm>
           <a:prstGeom prst="bentConnector2">
             <a:avLst/>
@@ -4274,8 +4274,8 @@
         </p:nvSpPr>
         <p:spPr>
           <a:xfrm>
-            <a:off x="2590799" y="3304308"/>
-            <a:ext cx="1095361" cy="236841"/>
+            <a:off x="2590798" y="3304308"/>
+            <a:ext cx="1224000" cy="236841"/>
           </a:xfrm>
           <a:prstGeom prst="rect">
             <a:avLst/>
@@ -4337,8 +4337,8 @@
         </p:nvCxnSpPr>
         <p:spPr>
           <a:xfrm rot="16200000" flipH="1">
-            <a:off x="2054450" y="3229701"/>
-            <a:ext cx="899755" cy="176402"/>
+            <a:off x="2054449" y="3229701"/>
+            <a:ext cx="899755" cy="176401"/>
           </a:xfrm>
           <a:prstGeom prst="bentConnector2">
             <a:avLst/>
@@ -4378,8 +4378,8 @@
         </p:nvCxnSpPr>
         <p:spPr>
           <a:xfrm rot="16200000" flipH="1">
-            <a:off x="1883148" y="3401003"/>
-            <a:ext cx="1242356" cy="176400"/>
+            <a:off x="1883147" y="3401003"/>
+            <a:ext cx="1242356" cy="176399"/>
           </a:xfrm>
           <a:prstGeom prst="bentConnector2">
             <a:avLst/>
@@ -4419,8 +4419,8 @@
         </p:nvCxnSpPr>
         <p:spPr>
           <a:xfrm rot="16200000" flipH="1">
-            <a:off x="1597249" y="3686901"/>
-            <a:ext cx="1814155" cy="176401"/>
+            <a:off x="1341169" y="3942982"/>
+            <a:ext cx="2326314" cy="176400"/>
           </a:xfrm>
           <a:prstGeom prst="bentConnector2">
             <a:avLst/>
@@ -4459,8 +4459,8 @@
         </p:nvCxnSpPr>
         <p:spPr>
           <a:xfrm rot="16200000" flipH="1">
-            <a:off x="1184119" y="3676012"/>
-            <a:ext cx="2396440" cy="420377"/>
+            <a:off x="928038" y="3932091"/>
+            <a:ext cx="2908598" cy="420380"/>
           </a:xfrm>
           <a:prstGeom prst="bentConnector2">
             <a:avLst/>
@@ -4579,8 +4579,8 @@
         </p:nvCxnSpPr>
         <p:spPr>
           <a:xfrm flipV="1">
-            <a:off x="3686160" y="2286000"/>
-            <a:ext cx="1843809" cy="1136729"/>
+            <a:off x="3814798" y="2286000"/>
+            <a:ext cx="1715171" cy="1136729"/>
           </a:xfrm>
           <a:prstGeom prst="bentConnector2">
             <a:avLst/>
@@ -4620,8 +4620,8 @@
         </p:nvCxnSpPr>
         <p:spPr>
           <a:xfrm rot="5400000">
-            <a:off x="4174488" y="2991741"/>
-            <a:ext cx="2061222" cy="649740"/>
+            <a:off x="4418111" y="3167590"/>
+            <a:ext cx="1993448" cy="230269"/>
           </a:xfrm>
           <a:prstGeom prst="bentConnector2">
             <a:avLst/>
@@ -4661,8 +4661,8 @@
         </p:nvCxnSpPr>
         <p:spPr>
           <a:xfrm rot="5400000">
-            <a:off x="3867176" y="2104987"/>
-            <a:ext cx="1481780" cy="1843806"/>
+            <a:off x="3932358" y="2170169"/>
+            <a:ext cx="1481780" cy="1713442"/>
           </a:xfrm>
           <a:prstGeom prst="bentConnector2">
             <a:avLst/>
@@ -4743,8 +4743,8 @@
         </p:nvCxnSpPr>
         <p:spPr>
           <a:xfrm rot="5400000">
-            <a:off x="3409976" y="2562187"/>
-            <a:ext cx="2396180" cy="1843807"/>
+            <a:off x="3219079" y="2883448"/>
+            <a:ext cx="2908339" cy="1713443"/>
           </a:xfrm>
           <a:prstGeom prst="bentConnector2">
             <a:avLst/>
@@ -4784,8 +4784,8 @@
         </p:nvCxnSpPr>
         <p:spPr>
           <a:xfrm rot="5400000">
-            <a:off x="3208856" y="2763307"/>
-            <a:ext cx="2798421" cy="1843806"/>
+            <a:off x="3017958" y="3084569"/>
+            <a:ext cx="3310580" cy="1713442"/>
           </a:xfrm>
           <a:prstGeom prst="bentConnector2">
             <a:avLst/>
@@ -4824,8 +4824,8 @@
         </p:nvCxnSpPr>
         <p:spPr>
           <a:xfrm rot="5400000" flipH="1" flipV="1">
-            <a:off x="4594921" y="-355061"/>
-            <a:ext cx="170724" cy="4081246"/>
+            <a:off x="4651906" y="-358968"/>
+            <a:ext cx="117647" cy="4142139"/>
           </a:xfrm>
           <a:prstGeom prst="bentConnector2">
             <a:avLst/>
@@ -4863,8 +4863,8 @@
         </p:nvSpPr>
         <p:spPr>
           <a:xfrm rot="16200000">
-            <a:off x="6213739" y="4560376"/>
-            <a:ext cx="1371599" cy="328045"/>
+            <a:off x="6107623" y="4788977"/>
+            <a:ext cx="1676401" cy="328045"/>
           </a:xfrm>
           <a:prstGeom prst="roundRect">
             <a:avLst/>
@@ -5086,8 +5086,8 @@
         </p:nvCxnSpPr>
         <p:spPr>
           <a:xfrm rot="16200000" flipH="1">
-            <a:off x="2226110" y="3058040"/>
-            <a:ext cx="554704" cy="174673"/>
+            <a:off x="2226110" y="3058041"/>
+            <a:ext cx="554704" cy="174672"/>
           </a:xfrm>
           <a:prstGeom prst="bentConnector2">
             <a:avLst/>
@@ -5127,8 +5127,8 @@
         </p:nvCxnSpPr>
         <p:spPr>
           <a:xfrm rot="5400000">
-            <a:off x="4205956" y="1766207"/>
-            <a:ext cx="804221" cy="1843806"/>
+            <a:off x="4271138" y="1831389"/>
+            <a:ext cx="804221" cy="1713442"/>
           </a:xfrm>
           <a:prstGeom prst="bentConnector2">
             <a:avLst/>
@@ -5139,47 +5139,6 @@
             </a:solidFill>
             <a:headEnd type="none" w="med" len="med"/>
             <a:tailEnd type="none" w="med" len="med"/>
-          </a:ln>
-          <a:effectLst/>
-        </p:spPr>
-        <p:style>
-          <a:lnRef idx="1">
-            <a:schemeClr val="accent2"/>
-          </a:lnRef>
-          <a:fillRef idx="2">
-            <a:schemeClr val="accent2"/>
-          </a:fillRef>
-          <a:effectRef idx="1">
-            <a:schemeClr val="accent2"/>
-          </a:effectRef>
-          <a:fontRef idx="minor">
-            <a:schemeClr val="dk1"/>
-          </a:fontRef>
-        </p:style>
-      </p:cxnSp>
-      <p:cxnSp>
-        <p:nvCxnSpPr>
-          <p:cNvPr id="137" name="Elbow Connector 136"/>
-          <p:cNvCxnSpPr>
-            <a:stCxn id="36" idx="2"/>
-            <a:endCxn id="37" idx="1"/>
-          </p:cNvCxnSpPr>
-          <p:nvPr/>
-        </p:nvCxnSpPr>
-        <p:spPr>
-          <a:xfrm rot="16200000" flipH="1">
-            <a:off x="3430123" y="3938021"/>
-            <a:ext cx="118421" cy="699979"/>
-          </a:xfrm>
-          <a:prstGeom prst="bentConnector2">
-            <a:avLst/>
-          </a:prstGeom>
-          <a:ln w="19050">
-            <a:solidFill>
-              <a:schemeClr val="accent3"/>
-            </a:solidFill>
-            <a:headEnd type="none" w="med" len="med"/>
-            <a:tailEnd type="arrow" w="med" len="med"/>
           </a:ln>
           <a:effectLst/>
         </p:spPr>
@@ -5209,8 +5168,8 @@
         </p:nvCxnSpPr>
         <p:spPr>
           <a:xfrm rot="5400000">
-            <a:off x="3695875" y="2276286"/>
-            <a:ext cx="1824381" cy="1843808"/>
+            <a:off x="3761057" y="2341468"/>
+            <a:ext cx="1824381" cy="1713444"/>
           </a:xfrm>
           <a:prstGeom prst="bentConnector2">
             <a:avLst/>
@@ -5241,13 +5200,291 @@
       </p:cxnSp>
       <p:sp>
         <p:nvSpPr>
+          <p:cNvPr id="48" name="Rectangle 11"/>
+          <p:cNvSpPr/>
+          <p:nvPr/>
+        </p:nvSpPr>
+        <p:spPr>
+          <a:xfrm>
+            <a:off x="2583922" y="4343324"/>
+            <a:ext cx="1224000" cy="236841"/>
+          </a:xfrm>
+          <a:prstGeom prst="rect">
+            <a:avLst/>
+          </a:prstGeom>
+          <a:ln w="19050">
+            <a:solidFill>
+              <a:schemeClr val="accent3"/>
+            </a:solidFill>
+          </a:ln>
+          <a:effectLst/>
+        </p:spPr>
+        <p:style>
+          <a:lnRef idx="1">
+            <a:schemeClr val="accent3"/>
+          </a:lnRef>
+          <a:fillRef idx="2">
+            <a:schemeClr val="accent3"/>
+          </a:fillRef>
+          <a:effectRef idx="1">
+            <a:schemeClr val="accent3"/>
+          </a:effectRef>
+          <a:fontRef idx="minor">
+            <a:schemeClr val="dk1"/>
+          </a:fontRef>
+        </p:style>
+        <p:txBody>
+          <a:bodyPr rtlCol="0" anchor="ctr"/>
+          <a:lstStyle/>
+          <a:p>
+            <a:pPr algn="ctr"/>
+            <a:r>
+              <a:rPr lang="en-SG" sz="1050" b="1" dirty="0" err="1" smtClean="0">
+                <a:solidFill>
+                  <a:schemeClr val="accent3">
+                    <a:lumMod val="75000"/>
+                  </a:schemeClr>
+                </a:solidFill>
+              </a:rPr>
+              <a:t>DeadlineListPanel</a:t>
+            </a:r>
+            <a:endParaRPr lang="en-SG" sz="1050" b="1" dirty="0">
+              <a:solidFill>
+                <a:schemeClr val="accent3">
+                  <a:lumMod val="75000"/>
+                </a:schemeClr>
+              </a:solidFill>
+            </a:endParaRPr>
+          </a:p>
+        </p:txBody>
+      </p:sp>
+      <p:sp>
+        <p:nvSpPr>
+          <p:cNvPr id="49" name="Rectangle 11"/>
+          <p:cNvSpPr/>
+          <p:nvPr/>
+        </p:nvSpPr>
+        <p:spPr>
+          <a:xfrm>
+            <a:off x="2592524" y="4693175"/>
+            <a:ext cx="1224000" cy="236841"/>
+          </a:xfrm>
+          <a:prstGeom prst="rect">
+            <a:avLst/>
+          </a:prstGeom>
+          <a:ln w="19050">
+            <a:solidFill>
+              <a:schemeClr val="accent3"/>
+            </a:solidFill>
+          </a:ln>
+          <a:effectLst/>
+        </p:spPr>
+        <p:style>
+          <a:lnRef idx="1">
+            <a:schemeClr val="accent3"/>
+          </a:lnRef>
+          <a:fillRef idx="2">
+            <a:schemeClr val="accent3"/>
+          </a:fillRef>
+          <a:effectRef idx="1">
+            <a:schemeClr val="accent3"/>
+          </a:effectRef>
+          <a:fontRef idx="minor">
+            <a:schemeClr val="dk1"/>
+          </a:fontRef>
+        </p:style>
+        <p:txBody>
+          <a:bodyPr rtlCol="0" anchor="ctr"/>
+          <a:lstStyle/>
+          <a:p>
+            <a:pPr algn="ctr"/>
+            <a:r>
+              <a:rPr lang="en-SG" sz="1050" b="1" dirty="0" err="1" smtClean="0">
+                <a:solidFill>
+                  <a:schemeClr val="accent3">
+                    <a:lumMod val="75000"/>
+                  </a:schemeClr>
+                </a:solidFill>
+              </a:rPr>
+              <a:t>CompleteListPanel</a:t>
+            </a:r>
+            <a:endParaRPr lang="en-SG" sz="1050" b="1" dirty="0">
+              <a:solidFill>
+                <a:schemeClr val="accent3">
+                  <a:lumMod val="75000"/>
+                </a:schemeClr>
+              </a:solidFill>
+            </a:endParaRPr>
+          </a:p>
+        </p:txBody>
+      </p:sp>
+      <p:cxnSp>
+        <p:nvCxnSpPr>
+          <p:cNvPr id="51" name="Elbow Connector 63"/>
+          <p:cNvCxnSpPr/>
+          <p:nvPr/>
+        </p:nvCxnSpPr>
+        <p:spPr>
+          <a:xfrm rot="16200000" flipH="1">
+            <a:off x="1881421" y="3741101"/>
+            <a:ext cx="1242356" cy="176399"/>
+          </a:xfrm>
+          <a:prstGeom prst="bentConnector2">
+            <a:avLst/>
+          </a:prstGeom>
+          <a:ln w="19050">
+            <a:solidFill>
+              <a:schemeClr val="accent3"/>
+            </a:solidFill>
+            <a:headEnd type="none" w="med" len="med"/>
+            <a:tailEnd type="arrow" w="med" len="med"/>
+          </a:ln>
+          <a:effectLst/>
+        </p:spPr>
+        <p:style>
+          <a:lnRef idx="1">
+            <a:schemeClr val="accent2"/>
+          </a:lnRef>
+          <a:fillRef idx="2">
+            <a:schemeClr val="accent2"/>
+          </a:fillRef>
+          <a:effectRef idx="1">
+            <a:schemeClr val="accent2"/>
+          </a:effectRef>
+          <a:fontRef idx="minor">
+            <a:schemeClr val="dk1"/>
+          </a:fontRef>
+        </p:style>
+      </p:cxnSp>
+      <p:cxnSp>
+        <p:nvCxnSpPr>
+          <p:cNvPr id="52" name="Elbow Connector 63"/>
+          <p:cNvCxnSpPr/>
+          <p:nvPr/>
+        </p:nvCxnSpPr>
+        <p:spPr>
+          <a:xfrm rot="16200000" flipH="1">
+            <a:off x="1884068" y="4102801"/>
+            <a:ext cx="1242356" cy="176399"/>
+          </a:xfrm>
+          <a:prstGeom prst="bentConnector2">
+            <a:avLst/>
+          </a:prstGeom>
+          <a:ln w="19050">
+            <a:solidFill>
+              <a:schemeClr val="accent3"/>
+            </a:solidFill>
+            <a:headEnd type="none" w="med" len="med"/>
+            <a:tailEnd type="arrow" w="med" len="med"/>
+          </a:ln>
+          <a:effectLst/>
+        </p:spPr>
+        <p:style>
+          <a:lnRef idx="1">
+            <a:schemeClr val="accent2"/>
+          </a:lnRef>
+          <a:fillRef idx="2">
+            <a:schemeClr val="accent2"/>
+          </a:fillRef>
+          <a:effectRef idx="1">
+            <a:schemeClr val="accent2"/>
+          </a:effectRef>
+          <a:fontRef idx="minor">
+            <a:schemeClr val="dk1"/>
+          </a:fontRef>
+        </p:style>
+      </p:cxnSp>
+      <p:cxnSp>
+        <p:nvCxnSpPr>
+          <p:cNvPr id="54" name="Elbow Connector 63"/>
+          <p:cNvCxnSpPr>
+            <a:stCxn id="16" idx="3"/>
+            <a:endCxn id="48" idx="3"/>
+          </p:cNvCxnSpPr>
+          <p:nvPr/>
+        </p:nvCxnSpPr>
+        <p:spPr>
+          <a:xfrm rot="5400000">
+            <a:off x="3581074" y="2512849"/>
+            <a:ext cx="2175745" cy="1722047"/>
+          </a:xfrm>
+          <a:prstGeom prst="bentConnector2">
+            <a:avLst/>
+          </a:prstGeom>
+          <a:ln w="6350">
+            <a:solidFill>
+              <a:schemeClr val="accent3"/>
+            </a:solidFill>
+            <a:headEnd type="none" w="med" len="med"/>
+            <a:tailEnd type="none" w="med" len="med"/>
+          </a:ln>
+          <a:effectLst/>
+        </p:spPr>
+        <p:style>
+          <a:lnRef idx="1">
+            <a:schemeClr val="accent2"/>
+          </a:lnRef>
+          <a:fillRef idx="2">
+            <a:schemeClr val="accent2"/>
+          </a:fillRef>
+          <a:effectRef idx="1">
+            <a:schemeClr val="accent2"/>
+          </a:effectRef>
+          <a:fontRef idx="minor">
+            <a:schemeClr val="dk1"/>
+          </a:fontRef>
+        </p:style>
+      </p:cxnSp>
+      <p:cxnSp>
+        <p:nvCxnSpPr>
+          <p:cNvPr id="58" name="Elbow Connector 63"/>
+          <p:cNvCxnSpPr>
+            <a:stCxn id="16" idx="3"/>
+            <a:endCxn id="49" idx="3"/>
+          </p:cNvCxnSpPr>
+          <p:nvPr/>
+        </p:nvCxnSpPr>
+        <p:spPr>
+          <a:xfrm rot="5400000">
+            <a:off x="3410449" y="2692076"/>
+            <a:ext cx="2525596" cy="1713445"/>
+          </a:xfrm>
+          <a:prstGeom prst="bentConnector2">
+            <a:avLst/>
+          </a:prstGeom>
+          <a:ln w="6350">
+            <a:solidFill>
+              <a:schemeClr val="accent3"/>
+            </a:solidFill>
+            <a:headEnd type="none" w="med" len="med"/>
+            <a:tailEnd type="none" w="med" len="med"/>
+          </a:ln>
+          <a:effectLst/>
+        </p:spPr>
+        <p:style>
+          <a:lnRef idx="1">
+            <a:schemeClr val="accent2"/>
+          </a:lnRef>
+          <a:fillRef idx="2">
+            <a:schemeClr val="accent2"/>
+          </a:fillRef>
+          <a:effectRef idx="1">
+            <a:schemeClr val="accent2"/>
+          </a:effectRef>
+          <a:fontRef idx="minor">
+            <a:schemeClr val="dk1"/>
+          </a:fontRef>
+        </p:style>
+      </p:cxnSp>
+      <p:sp>
+        <p:nvSpPr>
           <p:cNvPr id="143" name="Rectangle 142"/>
           <p:cNvSpPr/>
           <p:nvPr/>
         </p:nvSpPr>
         <p:spPr>
           <a:xfrm>
-            <a:off x="5435896" y="2743200"/>
+            <a:off x="5410200" y="2729040"/>
             <a:ext cx="229325" cy="166560"/>
           </a:xfrm>
           <a:prstGeom prst="rect">
@@ -5294,14 +5531,67 @@
       </p:sp>
       <p:sp>
         <p:nvSpPr>
+          <p:cNvPr id="144" name="Rectangle 143"/>
+          <p:cNvSpPr/>
+          <p:nvPr/>
+        </p:nvSpPr>
+        <p:spPr>
+          <a:xfrm>
+            <a:off x="5431573" y="4488138"/>
+            <a:ext cx="229325" cy="160062"/>
+          </a:xfrm>
+          <a:prstGeom prst="rect">
+            <a:avLst/>
+          </a:prstGeom>
+          <a:solidFill>
+            <a:schemeClr val="accent3">
+              <a:lumMod val="20000"/>
+              <a:lumOff val="80000"/>
+              <a:alpha val="80000"/>
+            </a:schemeClr>
+          </a:solidFill>
+          <a:ln>
+            <a:noFill/>
+          </a:ln>
+          <a:effectLst>
+            <a:softEdge rad="31750"/>
+          </a:effectLst>
+        </p:spPr>
+        <p:style>
+          <a:lnRef idx="2">
+            <a:schemeClr val="accent1">
+              <a:shade val="50000"/>
+            </a:schemeClr>
+          </a:lnRef>
+          <a:fillRef idx="1">
+            <a:schemeClr val="accent1"/>
+          </a:fillRef>
+          <a:effectRef idx="0">
+            <a:schemeClr val="accent1"/>
+          </a:effectRef>
+          <a:fontRef idx="minor">
+            <a:schemeClr val="lt1"/>
+          </a:fontRef>
+        </p:style>
+        <p:txBody>
+          <a:bodyPr rtlCol="0" anchor="ctr"/>
+          <a:lstStyle/>
+          <a:p>
+            <a:pPr algn="ctr"/>
+            <a:endParaRPr lang="en-SG"/>
+          </a:p>
+        </p:txBody>
+      </p:sp>
+      <p:sp>
+        <p:nvSpPr>
           <p:cNvPr id="116" name="Freeform 115"/>
           <p:cNvSpPr/>
           <p:nvPr/>
         </p:nvSpPr>
         <p:spPr>
           <a:xfrm>
-            <a:off x="3687515" y="2828802"/>
-            <a:ext cx="3048000" cy="203200"/>
+            <a:off x="3814798" y="2801077"/>
+            <a:ext cx="2967001" cy="279050"/>
           </a:xfrm>
           <a:custGeom>
             <a:avLst/>
@@ -5370,60 +5660,7 @@
           <a:lstStyle/>
           <a:p>
             <a:pPr algn="ctr"/>
-            <a:endParaRPr lang="en-SG"/>
-          </a:p>
-        </p:txBody>
-      </p:sp>
-      <p:sp>
-        <p:nvSpPr>
-          <p:cNvPr id="144" name="Rectangle 143"/>
-          <p:cNvSpPr/>
-          <p:nvPr/>
-        </p:nvSpPr>
-        <p:spPr>
-          <a:xfrm>
-            <a:off x="5431573" y="4488138"/>
-            <a:ext cx="229325" cy="160062"/>
-          </a:xfrm>
-          <a:prstGeom prst="rect">
-            <a:avLst/>
-          </a:prstGeom>
-          <a:solidFill>
-            <a:schemeClr val="accent3">
-              <a:lumMod val="20000"/>
-              <a:lumOff val="80000"/>
-              <a:alpha val="80000"/>
-            </a:schemeClr>
-          </a:solidFill>
-          <a:ln>
-            <a:noFill/>
-          </a:ln>
-          <a:effectLst>
-            <a:softEdge rad="31750"/>
-          </a:effectLst>
-        </p:spPr>
-        <p:style>
-          <a:lnRef idx="2">
-            <a:schemeClr val="accent1">
-              <a:shade val="50000"/>
-            </a:schemeClr>
-          </a:lnRef>
-          <a:fillRef idx="1">
-            <a:schemeClr val="accent1"/>
-          </a:fillRef>
-          <a:effectRef idx="0">
-            <a:schemeClr val="accent1"/>
-          </a:effectRef>
-          <a:fontRef idx="minor">
-            <a:schemeClr val="lt1"/>
-          </a:fontRef>
-        </p:style>
-        <p:txBody>
-          <a:bodyPr rtlCol="0" anchor="ctr"/>
-          <a:lstStyle/>
-          <a:p>
-            <a:pPr algn="ctr"/>
-            <a:endParaRPr lang="en-SG"/>
+            <a:endParaRPr lang="en-SG" dirty="0"/>
           </a:p>
         </p:txBody>
       </p:sp>
@@ -5435,8 +5672,8 @@
         </p:nvSpPr>
         <p:spPr>
           <a:xfrm flipV="1">
-            <a:off x="4114799" y="4472708"/>
-            <a:ext cx="2642195" cy="101600"/>
+            <a:off x="4701061" y="4394200"/>
+            <a:ext cx="2080740" cy="159220"/>
           </a:xfrm>
           <a:custGeom>
             <a:avLst/>
@@ -5509,6 +5746,178 @@
           </a:p>
         </p:txBody>
       </p:sp>
+      <p:cxnSp>
+        <p:nvCxnSpPr>
+          <p:cNvPr id="71" name="Elbow Connector 63"/>
+          <p:cNvCxnSpPr>
+            <a:stCxn id="34" idx="3"/>
+            <a:endCxn id="37" idx="1"/>
+          </p:cNvCxnSpPr>
+          <p:nvPr/>
+        </p:nvCxnSpPr>
+        <p:spPr>
+          <a:xfrm>
+            <a:off x="3816527" y="3767780"/>
+            <a:ext cx="442267" cy="511668"/>
+          </a:xfrm>
+          <a:prstGeom prst="bentConnector3">
+            <a:avLst>
+              <a:gd name="adj1" fmla="val 50000"/>
+            </a:avLst>
+          </a:prstGeom>
+          <a:ln w="19050">
+            <a:solidFill>
+              <a:schemeClr val="accent3"/>
+            </a:solidFill>
+            <a:headEnd type="none" w="med" len="med"/>
+            <a:tailEnd type="arrow" w="med" len="med"/>
+          </a:ln>
+          <a:effectLst/>
+        </p:spPr>
+        <p:style>
+          <a:lnRef idx="1">
+            <a:schemeClr val="accent2"/>
+          </a:lnRef>
+          <a:fillRef idx="2">
+            <a:schemeClr val="accent2"/>
+          </a:fillRef>
+          <a:effectRef idx="1">
+            <a:schemeClr val="accent2"/>
+          </a:effectRef>
+          <a:fontRef idx="minor">
+            <a:schemeClr val="dk1"/>
+          </a:fontRef>
+        </p:style>
+      </p:cxnSp>
+      <p:cxnSp>
+        <p:nvCxnSpPr>
+          <p:cNvPr id="75" name="Elbow Connector 63"/>
+          <p:cNvCxnSpPr>
+            <a:stCxn id="36" idx="3"/>
+            <a:endCxn id="37" idx="1"/>
+          </p:cNvCxnSpPr>
+          <p:nvPr/>
+        </p:nvCxnSpPr>
+        <p:spPr>
+          <a:xfrm>
+            <a:off x="3816525" y="4110381"/>
+            <a:ext cx="442269" cy="169067"/>
+          </a:xfrm>
+          <a:prstGeom prst="bentConnector3">
+            <a:avLst>
+              <a:gd name="adj1" fmla="val 50000"/>
+            </a:avLst>
+          </a:prstGeom>
+          <a:ln w="19050">
+            <a:solidFill>
+              <a:schemeClr val="accent3"/>
+            </a:solidFill>
+            <a:headEnd type="none" w="med" len="med"/>
+            <a:tailEnd type="arrow" w="med" len="med"/>
+          </a:ln>
+          <a:effectLst/>
+        </p:spPr>
+        <p:style>
+          <a:lnRef idx="1">
+            <a:schemeClr val="accent2"/>
+          </a:lnRef>
+          <a:fillRef idx="2">
+            <a:schemeClr val="accent2"/>
+          </a:fillRef>
+          <a:effectRef idx="1">
+            <a:schemeClr val="accent2"/>
+          </a:effectRef>
+          <a:fontRef idx="minor">
+            <a:schemeClr val="dk1"/>
+          </a:fontRef>
+        </p:style>
+      </p:cxnSp>
+      <p:cxnSp>
+        <p:nvCxnSpPr>
+          <p:cNvPr id="78" name="Elbow Connector 63"/>
+          <p:cNvCxnSpPr>
+            <a:stCxn id="48" idx="3"/>
+            <a:endCxn id="37" idx="1"/>
+          </p:cNvCxnSpPr>
+          <p:nvPr/>
+        </p:nvCxnSpPr>
+        <p:spPr>
+          <a:xfrm flipV="1">
+            <a:off x="3807922" y="4279448"/>
+            <a:ext cx="450872" cy="182297"/>
+          </a:xfrm>
+          <a:prstGeom prst="bentConnector3">
+            <a:avLst>
+              <a:gd name="adj1" fmla="val 50000"/>
+            </a:avLst>
+          </a:prstGeom>
+          <a:ln w="19050">
+            <a:solidFill>
+              <a:schemeClr val="accent3"/>
+            </a:solidFill>
+            <a:headEnd type="none" w="med" len="med"/>
+            <a:tailEnd type="arrow" w="med" len="med"/>
+          </a:ln>
+          <a:effectLst/>
+        </p:spPr>
+        <p:style>
+          <a:lnRef idx="1">
+            <a:schemeClr val="accent2"/>
+          </a:lnRef>
+          <a:fillRef idx="2">
+            <a:schemeClr val="accent2"/>
+          </a:fillRef>
+          <a:effectRef idx="1">
+            <a:schemeClr val="accent2"/>
+          </a:effectRef>
+          <a:fontRef idx="minor">
+            <a:schemeClr val="dk1"/>
+          </a:fontRef>
+        </p:style>
+      </p:cxnSp>
+      <p:cxnSp>
+        <p:nvCxnSpPr>
+          <p:cNvPr id="83" name="Elbow Connector 63"/>
+          <p:cNvCxnSpPr>
+            <a:stCxn id="49" idx="3"/>
+            <a:endCxn id="37" idx="1"/>
+          </p:cNvCxnSpPr>
+          <p:nvPr/>
+        </p:nvCxnSpPr>
+        <p:spPr>
+          <a:xfrm flipV="1">
+            <a:off x="3816524" y="4279448"/>
+            <a:ext cx="442270" cy="532148"/>
+          </a:xfrm>
+          <a:prstGeom prst="bentConnector3">
+            <a:avLst>
+              <a:gd name="adj1" fmla="val 50000"/>
+            </a:avLst>
+          </a:prstGeom>
+          <a:ln w="19050">
+            <a:solidFill>
+              <a:schemeClr val="accent3"/>
+            </a:solidFill>
+            <a:headEnd type="none" w="med" len="med"/>
+            <a:tailEnd type="arrow" w="med" len="med"/>
+          </a:ln>
+          <a:effectLst/>
+        </p:spPr>
+        <p:style>
+          <a:lnRef idx="1">
+            <a:schemeClr val="accent2"/>
+          </a:lnRef>
+          <a:fillRef idx="2">
+            <a:schemeClr val="accent2"/>
+          </a:fillRef>
+          <a:effectRef idx="1">
+            <a:schemeClr val="accent2"/>
+          </a:effectRef>
+          <a:fontRef idx="minor">
+            <a:schemeClr val="dk1"/>
+          </a:fontRef>
+        </p:style>
+      </p:cxnSp>
     </p:spTree>
     <p:extLst>
       <p:ext uri="{BB962C8B-B14F-4D97-AF65-F5344CB8AC3E}">

--- a/docs/diagrams/UiComponentClassDiagram.pptx
+++ b/docs/diagrams/UiComponentClassDiagram.pptx
@@ -3450,8 +3450,8 @@
         </p:nvSpPr>
         <p:spPr>
           <a:xfrm>
-            <a:off x="1217465" y="1447800"/>
-            <a:ext cx="4917083" cy="3962400"/>
+            <a:off x="1828800" y="990600"/>
+            <a:ext cx="4917083" cy="4876800"/>
           </a:xfrm>
           <a:prstGeom prst="roundRect">
             <a:avLst>
@@ -3512,7 +3512,7 @@
         </p:nvSpPr>
         <p:spPr>
           <a:xfrm>
-            <a:off x="2095948" y="2341220"/>
+            <a:off x="2707283" y="1884020"/>
             <a:ext cx="1093635" cy="346760"/>
           </a:xfrm>
           <a:prstGeom prst="rect">
@@ -3572,7 +3572,7 @@
         </p:nvSpPr>
         <p:spPr>
           <a:xfrm>
-            <a:off x="2592528" y="2971800"/>
+            <a:off x="3203863" y="2514600"/>
             <a:ext cx="1093635" cy="236841"/>
           </a:xfrm>
           <a:prstGeom prst="rect">
@@ -3632,7 +3632,7 @@
         </p:nvSpPr>
         <p:spPr>
           <a:xfrm>
-            <a:off x="2092842" y="1770924"/>
+            <a:off x="2704177" y="1313724"/>
             <a:ext cx="1093635" cy="346760"/>
           </a:xfrm>
           <a:prstGeom prst="rect">
@@ -3694,7 +3694,7 @@
         </p:nvCxnSpPr>
         <p:spPr>
           <a:xfrm rot="16200000" flipH="1">
-            <a:off x="2529445" y="2227899"/>
+            <a:off x="3140780" y="1770699"/>
             <a:ext cx="223536" cy="3106"/>
           </a:xfrm>
           <a:prstGeom prst="bentConnector3">
@@ -3734,7 +3734,7 @@
         </p:nvSpPr>
         <p:spPr>
           <a:xfrm rot="10800000" flipV="1">
-            <a:off x="5394717" y="2110477"/>
+            <a:off x="6006052" y="1653277"/>
             <a:ext cx="270504" cy="175523"/>
           </a:xfrm>
           <a:prstGeom prst="triangle">
@@ -3782,7 +3782,7 @@
         </p:nvCxnSpPr>
         <p:spPr>
           <a:xfrm flipV="1">
-            <a:off x="644735" y="2991937"/>
+            <a:off x="1256070" y="2534737"/>
             <a:ext cx="684904" cy="1"/>
           </a:xfrm>
           <a:prstGeom prst="bentConnector3">
@@ -3825,7 +3825,7 @@
         </p:nvSpPr>
         <p:spPr>
           <a:xfrm rot="16200000">
-            <a:off x="5703829" y="2464877"/>
+            <a:off x="6315164" y="2007677"/>
             <a:ext cx="2362201" cy="328045"/>
           </a:xfrm>
           <a:prstGeom prst="roundRect">
@@ -3879,13 +3879,13 @@
       </p:sp>
       <p:sp>
         <p:nvSpPr>
-          <p:cNvPr id="34" name="Rectangle 11"/>
+          <p:cNvPr id="35" name="Rectangle 11"/>
           <p:cNvSpPr/>
           <p:nvPr/>
         </p:nvSpPr>
         <p:spPr>
           <a:xfrm>
-            <a:off x="2592528" y="3649359"/>
+            <a:off x="3203547" y="3192159"/>
             <a:ext cx="1093635" cy="236841"/>
           </a:xfrm>
           <a:prstGeom prst="rect">
@@ -3925,7 +3925,7 @@
                   </a:schemeClr>
                 </a:solidFill>
               </a:rPr>
-              <a:t>BrowserPanel</a:t>
+              <a:t>StatusBarFooter</a:t>
             </a:r>
             <a:endParaRPr lang="en-SG" sz="1050" b="1" dirty="0">
               <a:solidFill>
@@ -3939,13 +3939,13 @@
       </p:sp>
       <p:sp>
         <p:nvSpPr>
-          <p:cNvPr id="35" name="Rectangle 11"/>
+          <p:cNvPr id="36" name="Rectangle 11"/>
           <p:cNvSpPr/>
           <p:nvPr/>
         </p:nvSpPr>
         <p:spPr>
           <a:xfrm>
-            <a:off x="2592527" y="4563759"/>
+            <a:off x="3203861" y="3534760"/>
             <a:ext cx="1093635" cy="236841"/>
           </a:xfrm>
           <a:prstGeom prst="rect">
@@ -3978,14 +3978,14 @@
           <a:p>
             <a:pPr algn="ctr"/>
             <a:r>
-              <a:rPr lang="en-US" sz="1050" b="1" dirty="0" err="1">
+              <a:rPr lang="en-US" sz="1050" b="1" dirty="0" err="1" smtClean="0">
                 <a:solidFill>
                   <a:schemeClr val="accent3">
                     <a:lumMod val="75000"/>
                   </a:schemeClr>
                 </a:solidFill>
               </a:rPr>
-              <a:t>StatusBarFooter</a:t>
+              <a:t>TaskListPanel</a:t>
             </a:r>
             <a:endParaRPr lang="en-SG" sz="1050" b="1" dirty="0">
               <a:solidFill>
@@ -3999,14 +3999,14 @@
       </p:sp>
       <p:sp>
         <p:nvSpPr>
-          <p:cNvPr id="36" name="Rectangle 11"/>
+          <p:cNvPr id="37" name="Rectangle 11"/>
           <p:cNvSpPr/>
           <p:nvPr/>
         </p:nvSpPr>
         <p:spPr>
           <a:xfrm>
-            <a:off x="2592526" y="3991960"/>
-            <a:ext cx="1093635" cy="236841"/>
+            <a:off x="4450658" y="3771601"/>
+            <a:ext cx="1040906" cy="236841"/>
           </a:xfrm>
           <a:prstGeom prst="rect">
             <a:avLst/>
@@ -4045,17 +4045,7 @@
                   </a:schemeClr>
                 </a:solidFill>
               </a:rPr>
-              <a:t>Task</a:t>
-            </a:r>
-            <a:r>
-              <a:rPr lang="en-US" sz="1050" b="1" dirty="0" err="1" smtClean="0">
-                <a:solidFill>
-                  <a:schemeClr val="accent3">
-                    <a:lumMod val="75000"/>
-                  </a:schemeClr>
-                </a:solidFill>
-              </a:rPr>
-              <a:t>ListPanel</a:t>
+              <a:t>TaskCard</a:t>
             </a:r>
             <a:endParaRPr lang="en-SG" sz="1050" b="1" dirty="0">
               <a:solidFill>
@@ -4069,14 +4059,14 @@
       </p:sp>
       <p:sp>
         <p:nvSpPr>
-          <p:cNvPr id="37" name="Rectangle 11"/>
+          <p:cNvPr id="38" name="Rectangle 11"/>
           <p:cNvSpPr/>
           <p:nvPr/>
         </p:nvSpPr>
         <p:spPr>
           <a:xfrm>
-            <a:off x="3839323" y="4228801"/>
-            <a:ext cx="1040906" cy="236841"/>
+            <a:off x="3119039" y="4856272"/>
+            <a:ext cx="1093635" cy="236841"/>
           </a:xfrm>
           <a:prstGeom prst="rect">
             <a:avLst/>
@@ -4108,76 +4098,6 @@
           <a:p>
             <a:pPr algn="ctr"/>
             <a:r>
-              <a:rPr lang="en-US" sz="1050" b="1" dirty="0" err="1" smtClean="0">
-                <a:solidFill>
-                  <a:schemeClr val="accent3">
-                    <a:lumMod val="75000"/>
-                  </a:schemeClr>
-                </a:solidFill>
-              </a:rPr>
-              <a:t>Task</a:t>
-            </a:r>
-            <a:r>
-              <a:rPr lang="en-US" sz="1050" b="1" dirty="0" err="1" smtClean="0">
-                <a:solidFill>
-                  <a:schemeClr val="accent3">
-                    <a:lumMod val="75000"/>
-                  </a:schemeClr>
-                </a:solidFill>
-              </a:rPr>
-              <a:t>Card</a:t>
-            </a:r>
-            <a:endParaRPr lang="en-SG" sz="1050" b="1" dirty="0">
-              <a:solidFill>
-                <a:schemeClr val="accent3">
-                  <a:lumMod val="75000"/>
-                </a:schemeClr>
-              </a:solidFill>
-            </a:endParaRPr>
-          </a:p>
-        </p:txBody>
-      </p:sp>
-      <p:sp>
-        <p:nvSpPr>
-          <p:cNvPr id="38" name="Rectangle 11"/>
-          <p:cNvSpPr/>
-          <p:nvPr/>
-        </p:nvSpPr>
-        <p:spPr>
-          <a:xfrm>
-            <a:off x="2592528" y="4966000"/>
-            <a:ext cx="1093635" cy="236841"/>
-          </a:xfrm>
-          <a:prstGeom prst="rect">
-            <a:avLst/>
-          </a:prstGeom>
-          <a:ln w="19050">
-            <a:solidFill>
-              <a:schemeClr val="accent3"/>
-            </a:solidFill>
-          </a:ln>
-          <a:effectLst/>
-        </p:spPr>
-        <p:style>
-          <a:lnRef idx="1">
-            <a:schemeClr val="accent3"/>
-          </a:lnRef>
-          <a:fillRef idx="2">
-            <a:schemeClr val="accent3"/>
-          </a:fillRef>
-          <a:effectRef idx="1">
-            <a:schemeClr val="accent3"/>
-          </a:effectRef>
-          <a:fontRef idx="minor">
-            <a:schemeClr val="dk1"/>
-          </a:fontRef>
-        </p:style>
-        <p:txBody>
-          <a:bodyPr rtlCol="0" anchor="ctr"/>
-          <a:lstStyle/>
-          <a:p>
-            <a:pPr algn="ctr"/>
-            <a:r>
               <a:rPr lang="en-US" sz="1050" b="1" dirty="0" err="1">
                 <a:solidFill>
                   <a:schemeClr val="accent3">
@@ -4205,7 +4125,7 @@
         </p:nvSpPr>
         <p:spPr>
           <a:xfrm>
-            <a:off x="2324548" y="2706452"/>
+            <a:off x="2935883" y="2249252"/>
             <a:ext cx="183156" cy="161573"/>
           </a:xfrm>
           <a:prstGeom prst="flowChartDecision">
@@ -4256,7 +4176,7 @@
         </p:nvCxnSpPr>
         <p:spPr>
           <a:xfrm rot="16200000" flipH="1">
-            <a:off x="2393229" y="2890922"/>
+            <a:off x="3004564" y="2433722"/>
             <a:ext cx="222196" cy="176402"/>
           </a:xfrm>
           <a:prstGeom prst="bentConnector2">
@@ -4294,7 +4214,7 @@
         </p:nvSpPr>
         <p:spPr>
           <a:xfrm>
-            <a:off x="2590799" y="3304308"/>
+            <a:off x="3202134" y="2847108"/>
             <a:ext cx="1095361" cy="236841"/>
           </a:xfrm>
           <a:prstGeom prst="rect">
@@ -4351,13 +4271,12 @@
           <p:cNvPr id="44" name="Elbow Connector 63"/>
           <p:cNvCxnSpPr>
             <a:stCxn id="39" idx="2"/>
-            <a:endCxn id="34" idx="1"/>
           </p:cNvCxnSpPr>
           <p:nvPr/>
         </p:nvCxnSpPr>
         <p:spPr>
           <a:xfrm rot="16200000" flipH="1">
-            <a:off x="2054450" y="3229701"/>
+            <a:off x="2665785" y="2772501"/>
             <a:ext cx="899755" cy="176402"/>
           </a:xfrm>
           <a:prstGeom prst="bentConnector2">
@@ -4398,49 +4317,8 @@
         </p:nvCxnSpPr>
         <p:spPr>
           <a:xfrm rot="16200000" flipH="1">
-            <a:off x="1883148" y="3401003"/>
+            <a:off x="2494483" y="2943803"/>
             <a:ext cx="1242356" cy="176400"/>
-          </a:xfrm>
-          <a:prstGeom prst="bentConnector2">
-            <a:avLst/>
-          </a:prstGeom>
-          <a:ln w="19050">
-            <a:solidFill>
-              <a:schemeClr val="accent3"/>
-            </a:solidFill>
-            <a:headEnd type="none" w="med" len="med"/>
-            <a:tailEnd type="arrow" w="med" len="med"/>
-          </a:ln>
-          <a:effectLst/>
-        </p:spPr>
-        <p:style>
-          <a:lnRef idx="1">
-            <a:schemeClr val="accent2"/>
-          </a:lnRef>
-          <a:fillRef idx="2">
-            <a:schemeClr val="accent2"/>
-          </a:fillRef>
-          <a:effectRef idx="1">
-            <a:schemeClr val="accent2"/>
-          </a:effectRef>
-          <a:fontRef idx="minor">
-            <a:schemeClr val="dk1"/>
-          </a:fontRef>
-        </p:style>
-      </p:cxnSp>
-      <p:cxnSp>
-        <p:nvCxnSpPr>
-          <p:cNvPr id="50" name="Elbow Connector 63"/>
-          <p:cNvCxnSpPr>
-            <a:stCxn id="39" idx="2"/>
-            <a:endCxn id="35" idx="1"/>
-          </p:cNvCxnSpPr>
-          <p:nvPr/>
-        </p:nvCxnSpPr>
-        <p:spPr>
-          <a:xfrm rot="16200000" flipH="1">
-            <a:off x="1597249" y="3686901"/>
-            <a:ext cx="1814155" cy="176401"/>
           </a:xfrm>
           <a:prstGeom prst="bentConnector2">
             <a:avLst/>
@@ -4479,8 +4357,8 @@
         </p:nvCxnSpPr>
         <p:spPr>
           <a:xfrm rot="16200000" flipH="1">
-            <a:off x="1184119" y="3676012"/>
-            <a:ext cx="2396440" cy="420377"/>
+            <a:off x="1576956" y="3432609"/>
+            <a:ext cx="2743911" cy="340256"/>
           </a:xfrm>
           <a:prstGeom prst="bentConnector2">
             <a:avLst/>
@@ -4517,7 +4395,7 @@
         </p:nvSpPr>
         <p:spPr>
           <a:xfrm>
-            <a:off x="5143948" y="1770924"/>
+            <a:off x="5755283" y="1313724"/>
             <a:ext cx="772043" cy="346760"/>
           </a:xfrm>
           <a:prstGeom prst="rect">
@@ -4599,7 +4477,7 @@
         </p:nvCxnSpPr>
         <p:spPr>
           <a:xfrm flipV="1">
-            <a:off x="3686160" y="2286000"/>
+            <a:off x="4297495" y="1828800"/>
             <a:ext cx="1843809" cy="1136729"/>
           </a:xfrm>
           <a:prstGeom prst="bentConnector2">
@@ -4640,49 +4518,8 @@
         </p:nvCxnSpPr>
         <p:spPr>
           <a:xfrm rot="5400000">
-            <a:off x="4174488" y="2991741"/>
+            <a:off x="4785823" y="2534541"/>
             <a:ext cx="2061222" cy="649740"/>
-          </a:xfrm>
-          <a:prstGeom prst="bentConnector2">
-            <a:avLst/>
-          </a:prstGeom>
-          <a:ln w="6350">
-            <a:solidFill>
-              <a:schemeClr val="accent3"/>
-            </a:solidFill>
-            <a:headEnd type="none" w="med" len="med"/>
-            <a:tailEnd type="none" w="med" len="med"/>
-          </a:ln>
-          <a:effectLst/>
-        </p:spPr>
-        <p:style>
-          <a:lnRef idx="1">
-            <a:schemeClr val="accent2"/>
-          </a:lnRef>
-          <a:fillRef idx="2">
-            <a:schemeClr val="accent2"/>
-          </a:fillRef>
-          <a:effectRef idx="1">
-            <a:schemeClr val="accent2"/>
-          </a:effectRef>
-          <a:fontRef idx="minor">
-            <a:schemeClr val="dk1"/>
-          </a:fontRef>
-        </p:style>
-      </p:cxnSp>
-      <p:cxnSp>
-        <p:nvCxnSpPr>
-          <p:cNvPr id="82" name="Elbow Connector 63"/>
-          <p:cNvCxnSpPr>
-            <a:stCxn id="16" idx="3"/>
-            <a:endCxn id="34" idx="3"/>
-          </p:cNvCxnSpPr>
-          <p:nvPr/>
-        </p:nvCxnSpPr>
-        <p:spPr>
-          <a:xfrm rot="5400000">
-            <a:off x="3867176" y="2104987"/>
-            <a:ext cx="1481780" cy="1843806"/>
           </a:xfrm>
           <a:prstGeom prst="bentConnector2">
             <a:avLst/>
@@ -4722,7 +4559,7 @@
         </p:nvCxnSpPr>
         <p:spPr>
           <a:xfrm flipV="1">
-            <a:off x="3189583" y="2286000"/>
+            <a:off x="3800918" y="1828800"/>
             <a:ext cx="2340386" cy="228600"/>
           </a:xfrm>
           <a:prstGeom prst="bentConnector2">
@@ -4763,8 +4600,8 @@
         </p:nvCxnSpPr>
         <p:spPr>
           <a:xfrm rot="5400000">
-            <a:off x="3409976" y="2562187"/>
-            <a:ext cx="2396180" cy="1843807"/>
+            <a:off x="4478353" y="1647629"/>
+            <a:ext cx="1481780" cy="1844122"/>
           </a:xfrm>
           <a:prstGeom prst="bentConnector2">
             <a:avLst/>
@@ -4804,8 +4641,8 @@
         </p:nvCxnSpPr>
         <p:spPr>
           <a:xfrm rot="5400000">
-            <a:off x="3208856" y="2763307"/>
-            <a:ext cx="2798421" cy="1843806"/>
+            <a:off x="3604043" y="2437431"/>
+            <a:ext cx="3145893" cy="1928630"/>
           </a:xfrm>
           <a:prstGeom prst="bentConnector2">
             <a:avLst/>
@@ -4844,7 +4681,7 @@
         </p:nvCxnSpPr>
         <p:spPr>
           <a:xfrm rot="5400000" flipH="1" flipV="1">
-            <a:off x="4594921" y="-355061"/>
+            <a:off x="5206256" y="-812261"/>
             <a:ext cx="170724" cy="4081246"/>
           </a:xfrm>
           <a:prstGeom prst="bentConnector2">
@@ -4883,7 +4720,7 @@
         </p:nvSpPr>
         <p:spPr>
           <a:xfrm rot="16200000">
-            <a:off x="6213739" y="4560376"/>
+            <a:off x="6825074" y="4103176"/>
             <a:ext cx="1371599" cy="328045"/>
           </a:xfrm>
           <a:prstGeom prst="roundRect">
@@ -4943,7 +4780,7 @@
         </p:nvSpPr>
         <p:spPr>
           <a:xfrm rot="16200000">
-            <a:off x="956202" y="2861202"/>
+            <a:off x="1567537" y="2404002"/>
             <a:ext cx="1093635" cy="346760"/>
           </a:xfrm>
           <a:prstGeom prst="rect">
@@ -5013,7 +4850,7 @@
         </p:nvSpPr>
         <p:spPr>
           <a:xfrm flipV="1">
-            <a:off x="1367767" y="2286001"/>
+            <a:off x="1979102" y="1828801"/>
             <a:ext cx="270504" cy="175523"/>
           </a:xfrm>
           <a:prstGeom prst="triangle">
@@ -5064,7 +4901,7 @@
         </p:nvCxnSpPr>
         <p:spPr>
           <a:xfrm rot="10800000" flipV="1">
-            <a:off x="1503020" y="1944303"/>
+            <a:off x="2114355" y="1487103"/>
             <a:ext cx="589823" cy="341697"/>
           </a:xfrm>
           <a:prstGeom prst="bentConnector2">
@@ -5106,7 +4943,7 @@
         </p:nvCxnSpPr>
         <p:spPr>
           <a:xfrm rot="16200000" flipH="1">
-            <a:off x="2226110" y="3058040"/>
+            <a:off x="2837445" y="2600840"/>
             <a:ext cx="554704" cy="174673"/>
           </a:xfrm>
           <a:prstGeom prst="bentConnector2">
@@ -5147,7 +4984,7 @@
         </p:nvCxnSpPr>
         <p:spPr>
           <a:xfrm rot="5400000">
-            <a:off x="4205956" y="1766207"/>
+            <a:off x="4817291" y="1309007"/>
             <a:ext cx="804221" cy="1843806"/>
           </a:xfrm>
           <a:prstGeom prst="bentConnector2">
@@ -5188,7 +5025,7 @@
         </p:nvCxnSpPr>
         <p:spPr>
           <a:xfrm rot="16200000" flipH="1">
-            <a:off x="3430123" y="3938021"/>
+            <a:off x="4041458" y="3480821"/>
             <a:ext cx="118421" cy="699979"/>
           </a:xfrm>
           <a:prstGeom prst="bentConnector2">
@@ -5229,7 +5066,7 @@
         </p:nvCxnSpPr>
         <p:spPr>
           <a:xfrm rot="5400000">
-            <a:off x="3695875" y="2276286"/>
+            <a:off x="4307210" y="1819086"/>
             <a:ext cx="1824381" cy="1843808"/>
           </a:xfrm>
           <a:prstGeom prst="bentConnector2">
@@ -5267,7 +5104,7 @@
         </p:nvSpPr>
         <p:spPr>
           <a:xfrm>
-            <a:off x="5435896" y="2743200"/>
+            <a:off x="6047231" y="2286000"/>
             <a:ext cx="229325" cy="166560"/>
           </a:xfrm>
           <a:prstGeom prst="rect">
@@ -5320,7 +5157,7 @@
         </p:nvSpPr>
         <p:spPr>
           <a:xfrm>
-            <a:off x="3687515" y="2828802"/>
+            <a:off x="4298850" y="2371602"/>
             <a:ext cx="3048000" cy="203200"/>
           </a:xfrm>
           <a:custGeom>
@@ -5402,7 +5239,7 @@
         </p:nvSpPr>
         <p:spPr>
           <a:xfrm>
-            <a:off x="5431573" y="4488138"/>
+            <a:off x="6042908" y="4030938"/>
             <a:ext cx="229325" cy="160062"/>
           </a:xfrm>
           <a:prstGeom prst="rect">
@@ -5455,7 +5292,327 @@
         </p:nvSpPr>
         <p:spPr>
           <a:xfrm flipV="1">
-            <a:off x="4114799" y="4472708"/>
+            <a:off x="4726134" y="4015508"/>
+            <a:ext cx="2642195" cy="101600"/>
+          </a:xfrm>
+          <a:custGeom>
+            <a:avLst/>
+            <a:gdLst>
+              <a:gd name="connsiteX0" fmla="*/ 0 w 3048000"/>
+              <a:gd name="connsiteY0" fmla="*/ 203200 h 203200"/>
+              <a:gd name="connsiteX1" fmla="*/ 221673 w 3048000"/>
+              <a:gd name="connsiteY1" fmla="*/ 0 h 203200"/>
+              <a:gd name="connsiteX2" fmla="*/ 3048000 w 3048000"/>
+              <a:gd name="connsiteY2" fmla="*/ 0 h 203200"/>
+            </a:gdLst>
+            <a:ahLst/>
+            <a:cxnLst>
+              <a:cxn ang="0">
+                <a:pos x="connsiteX0" y="connsiteY0"/>
+              </a:cxn>
+              <a:cxn ang="0">
+                <a:pos x="connsiteX1" y="connsiteY1"/>
+              </a:cxn>
+              <a:cxn ang="0">
+                <a:pos x="connsiteX2" y="connsiteY2"/>
+              </a:cxn>
+            </a:cxnLst>
+            <a:rect l="l" t="t" r="r" b="b"/>
+            <a:pathLst>
+              <a:path w="3048000" h="203200">
+                <a:moveTo>
+                  <a:pt x="0" y="203200"/>
+                </a:moveTo>
+                <a:lnTo>
+                  <a:pt x="221673" y="0"/>
+                </a:lnTo>
+                <a:lnTo>
+                  <a:pt x="3048000" y="0"/>
+                </a:lnTo>
+              </a:path>
+            </a:pathLst>
+          </a:custGeom>
+          <a:noFill/>
+          <a:ln w="19050">
+            <a:solidFill>
+              <a:schemeClr val="accent3"/>
+            </a:solidFill>
+            <a:prstDash val="sysDot"/>
+            <a:headEnd type="none" w="med" len="med"/>
+            <a:tailEnd type="arrow" w="med" len="med"/>
+          </a:ln>
+          <a:effectLst/>
+        </p:spPr>
+        <p:style>
+          <a:lnRef idx="1">
+            <a:schemeClr val="accent2"/>
+          </a:lnRef>
+          <a:fillRef idx="2">
+            <a:schemeClr val="accent2"/>
+          </a:fillRef>
+          <a:effectRef idx="1">
+            <a:schemeClr val="accent2"/>
+          </a:effectRef>
+          <a:fontRef idx="minor">
+            <a:schemeClr val="dk1"/>
+          </a:fontRef>
+        </p:style>
+        <p:txBody>
+          <a:bodyPr rtlCol="0" anchor="ctr"/>
+          <a:lstStyle/>
+          <a:p>
+            <a:pPr algn="ctr"/>
+            <a:endParaRPr lang="en-SG"/>
+          </a:p>
+        </p:txBody>
+      </p:sp>
+      <p:sp>
+        <p:nvSpPr>
+          <p:cNvPr id="45" name="Rectangle 11"/>
+          <p:cNvSpPr/>
+          <p:nvPr/>
+        </p:nvSpPr>
+        <p:spPr>
+          <a:xfrm>
+            <a:off x="3204782" y="4095680"/>
+            <a:ext cx="1093635" cy="236841"/>
+          </a:xfrm>
+          <a:prstGeom prst="rect">
+            <a:avLst/>
+          </a:prstGeom>
+          <a:ln w="19050">
+            <a:solidFill>
+              <a:schemeClr val="accent3"/>
+            </a:solidFill>
+          </a:ln>
+          <a:effectLst/>
+        </p:spPr>
+        <p:style>
+          <a:lnRef idx="1">
+            <a:schemeClr val="accent3"/>
+          </a:lnRef>
+          <a:fillRef idx="2">
+            <a:schemeClr val="accent3"/>
+          </a:fillRef>
+          <a:effectRef idx="1">
+            <a:schemeClr val="accent3"/>
+          </a:effectRef>
+          <a:fontRef idx="minor">
+            <a:schemeClr val="dk1"/>
+          </a:fontRef>
+        </p:style>
+        <p:txBody>
+          <a:bodyPr rtlCol="0" anchor="ctr"/>
+          <a:lstStyle/>
+          <a:p>
+            <a:pPr algn="ctr"/>
+            <a:r>
+              <a:rPr lang="en-US" sz="1050" b="1" dirty="0" err="1" smtClean="0">
+                <a:solidFill>
+                  <a:schemeClr val="accent3">
+                    <a:lumMod val="75000"/>
+                  </a:schemeClr>
+                </a:solidFill>
+              </a:rPr>
+              <a:t>LeftPanel</a:t>
+            </a:r>
+            <a:endParaRPr lang="en-SG" sz="1050" b="1" dirty="0">
+              <a:solidFill>
+                <a:schemeClr val="accent3">
+                  <a:lumMod val="75000"/>
+                </a:schemeClr>
+              </a:solidFill>
+            </a:endParaRPr>
+          </a:p>
+        </p:txBody>
+      </p:sp>
+      <p:sp>
+        <p:nvSpPr>
+          <p:cNvPr id="46" name="Rectangle 11"/>
+          <p:cNvSpPr/>
+          <p:nvPr/>
+        </p:nvSpPr>
+        <p:spPr>
+          <a:xfrm>
+            <a:off x="4450658" y="4333298"/>
+            <a:ext cx="1040906" cy="236841"/>
+          </a:xfrm>
+          <a:prstGeom prst="rect">
+            <a:avLst/>
+          </a:prstGeom>
+          <a:ln w="19050">
+            <a:solidFill>
+              <a:schemeClr val="accent3"/>
+            </a:solidFill>
+          </a:ln>
+          <a:effectLst/>
+        </p:spPr>
+        <p:style>
+          <a:lnRef idx="1">
+            <a:schemeClr val="accent3"/>
+          </a:lnRef>
+          <a:fillRef idx="2">
+            <a:schemeClr val="accent3"/>
+          </a:fillRef>
+          <a:effectRef idx="1">
+            <a:schemeClr val="accent3"/>
+          </a:effectRef>
+          <a:fontRef idx="minor">
+            <a:schemeClr val="dk1"/>
+          </a:fontRef>
+        </p:style>
+        <p:txBody>
+          <a:bodyPr rtlCol="0" anchor="ctr"/>
+          <a:lstStyle/>
+          <a:p>
+            <a:pPr algn="ctr"/>
+            <a:r>
+              <a:rPr lang="en-US" sz="1050" b="1" dirty="0" err="1" smtClean="0">
+                <a:solidFill>
+                  <a:schemeClr val="accent3">
+                    <a:lumMod val="75000"/>
+                  </a:schemeClr>
+                </a:solidFill>
+              </a:rPr>
+              <a:t>LabelCard</a:t>
+            </a:r>
+            <a:endParaRPr lang="en-SG" sz="1050" b="1" dirty="0">
+              <a:solidFill>
+                <a:schemeClr val="accent3">
+                  <a:lumMod val="75000"/>
+                </a:schemeClr>
+              </a:solidFill>
+            </a:endParaRPr>
+          </a:p>
+        </p:txBody>
+      </p:sp>
+      <p:cxnSp>
+        <p:nvCxnSpPr>
+          <p:cNvPr id="48" name="Elbow Connector 47"/>
+          <p:cNvCxnSpPr>
+            <a:endCxn id="46" idx="1"/>
+          </p:cNvCxnSpPr>
+          <p:nvPr/>
+        </p:nvCxnSpPr>
+        <p:spPr>
+          <a:xfrm rot="16200000" flipH="1">
+            <a:off x="4041458" y="4042518"/>
+            <a:ext cx="118421" cy="699979"/>
+          </a:xfrm>
+          <a:prstGeom prst="bentConnector2">
+            <a:avLst/>
+          </a:prstGeom>
+          <a:ln w="19050">
+            <a:solidFill>
+              <a:schemeClr val="accent3"/>
+            </a:solidFill>
+            <a:headEnd type="none" w="med" len="med"/>
+            <a:tailEnd type="arrow" w="med" len="med"/>
+          </a:ln>
+          <a:effectLst/>
+        </p:spPr>
+        <p:style>
+          <a:lnRef idx="1">
+            <a:schemeClr val="accent2"/>
+          </a:lnRef>
+          <a:fillRef idx="2">
+            <a:schemeClr val="accent2"/>
+          </a:fillRef>
+          <a:effectRef idx="1">
+            <a:schemeClr val="accent2"/>
+          </a:effectRef>
+          <a:fontRef idx="minor">
+            <a:schemeClr val="dk1"/>
+          </a:fontRef>
+        </p:style>
+      </p:cxnSp>
+      <p:cxnSp>
+        <p:nvCxnSpPr>
+          <p:cNvPr id="49" name="Elbow Connector 63"/>
+          <p:cNvCxnSpPr>
+            <a:endCxn id="45" idx="1"/>
+          </p:cNvCxnSpPr>
+          <p:nvPr/>
+        </p:nvCxnSpPr>
+        <p:spPr>
+          <a:xfrm rot="16200000" flipH="1">
+            <a:off x="2400062" y="3409381"/>
+            <a:ext cx="1430390" cy="179049"/>
+          </a:xfrm>
+          <a:prstGeom prst="bentConnector2">
+            <a:avLst/>
+          </a:prstGeom>
+          <a:ln w="19050">
+            <a:solidFill>
+              <a:schemeClr val="accent3"/>
+            </a:solidFill>
+            <a:headEnd type="none" w="med" len="med"/>
+            <a:tailEnd type="arrow" w="med" len="med"/>
+          </a:ln>
+          <a:effectLst/>
+        </p:spPr>
+        <p:style>
+          <a:lnRef idx="1">
+            <a:schemeClr val="accent2"/>
+          </a:lnRef>
+          <a:fillRef idx="2">
+            <a:schemeClr val="accent2"/>
+          </a:fillRef>
+          <a:effectRef idx="1">
+            <a:schemeClr val="accent2"/>
+          </a:effectRef>
+          <a:fontRef idx="minor">
+            <a:schemeClr val="dk1"/>
+          </a:fontRef>
+        </p:style>
+      </p:cxnSp>
+      <p:cxnSp>
+        <p:nvCxnSpPr>
+          <p:cNvPr id="54" name="Elbow Connector 63"/>
+          <p:cNvCxnSpPr/>
+          <p:nvPr/>
+        </p:nvCxnSpPr>
+        <p:spPr>
+          <a:xfrm rot="5400000">
+            <a:off x="4779764" y="3087013"/>
+            <a:ext cx="2061222" cy="649740"/>
+          </a:xfrm>
+          <a:prstGeom prst="bentConnector2">
+            <a:avLst/>
+          </a:prstGeom>
+          <a:ln w="6350">
+            <a:solidFill>
+              <a:schemeClr val="accent3"/>
+            </a:solidFill>
+            <a:headEnd type="none" w="med" len="med"/>
+            <a:tailEnd type="none" w="med" len="med"/>
+          </a:ln>
+          <a:effectLst/>
+        </p:spPr>
+        <p:style>
+          <a:lnRef idx="1">
+            <a:schemeClr val="accent2"/>
+          </a:lnRef>
+          <a:fillRef idx="2">
+            <a:schemeClr val="accent2"/>
+          </a:fillRef>
+          <a:effectRef idx="1">
+            <a:schemeClr val="accent2"/>
+          </a:effectRef>
+          <a:fontRef idx="minor">
+            <a:schemeClr val="dk1"/>
+          </a:fontRef>
+        </p:style>
+      </p:cxnSp>
+      <p:sp>
+        <p:nvSpPr>
+          <p:cNvPr id="55" name="Freeform 54"/>
+          <p:cNvSpPr/>
+          <p:nvPr/>
+        </p:nvSpPr>
+        <p:spPr>
+          <a:xfrm flipV="1">
+            <a:off x="4726454" y="4572000"/>
             <a:ext cx="2642195" cy="101600"/>
           </a:xfrm>
           <a:custGeom>

--- a/docs/diagrams/UiComponentClassDiagram.pptx
+++ b/docs/diagrams/UiComponentClassDiagram.pptx
@@ -208,7 +208,7 @@
           <a:p>
             <a:fld id="{F5CC4B3F-88C1-4FFA-B1B6-F41C21DC6924}" type="datetimeFigureOut">
               <a:rPr lang="en-US" smtClean="0"/>
-              <a:t>3/22/2017</a:t>
+              <a:t>3/24/2017</a:t>
             </a:fld>
             <a:endParaRPr lang="en-US"/>
           </a:p>
@@ -654,7 +654,7 @@
           <a:p>
             <a:fld id="{78C97017-6FC3-485B-9764-EAC9E56C1D49}" type="datetimeFigureOut">
               <a:rPr lang="en-US" smtClean="0"/>
-              <a:t>3/22/2017</a:t>
+              <a:t>3/24/2017</a:t>
             </a:fld>
             <a:endParaRPr lang="en-US"/>
           </a:p>
@@ -822,7 +822,7 @@
           <a:p>
             <a:fld id="{78C97017-6FC3-485B-9764-EAC9E56C1D49}" type="datetimeFigureOut">
               <a:rPr lang="en-US" smtClean="0"/>
-              <a:t>3/22/2017</a:t>
+              <a:t>3/24/2017</a:t>
             </a:fld>
             <a:endParaRPr lang="en-US"/>
           </a:p>
@@ -1000,7 +1000,7 @@
           <a:p>
             <a:fld id="{78C97017-6FC3-485B-9764-EAC9E56C1D49}" type="datetimeFigureOut">
               <a:rPr lang="en-US" smtClean="0"/>
-              <a:t>3/22/2017</a:t>
+              <a:t>3/24/2017</a:t>
             </a:fld>
             <a:endParaRPr lang="en-US"/>
           </a:p>
@@ -1168,7 +1168,7 @@
           <a:p>
             <a:fld id="{78C97017-6FC3-485B-9764-EAC9E56C1D49}" type="datetimeFigureOut">
               <a:rPr lang="en-US" smtClean="0"/>
-              <a:t>3/22/2017</a:t>
+              <a:t>3/24/2017</a:t>
             </a:fld>
             <a:endParaRPr lang="en-US"/>
           </a:p>
@@ -1413,7 +1413,7 @@
           <a:p>
             <a:fld id="{78C97017-6FC3-485B-9764-EAC9E56C1D49}" type="datetimeFigureOut">
               <a:rPr lang="en-US" smtClean="0"/>
-              <a:t>3/22/2017</a:t>
+              <a:t>3/24/2017</a:t>
             </a:fld>
             <a:endParaRPr lang="en-US"/>
           </a:p>
@@ -1698,7 +1698,7 @@
           <a:p>
             <a:fld id="{78C97017-6FC3-485B-9764-EAC9E56C1D49}" type="datetimeFigureOut">
               <a:rPr lang="en-US" smtClean="0"/>
-              <a:t>3/22/2017</a:t>
+              <a:t>3/24/2017</a:t>
             </a:fld>
             <a:endParaRPr lang="en-US"/>
           </a:p>
@@ -2117,7 +2117,7 @@
           <a:p>
             <a:fld id="{78C97017-6FC3-485B-9764-EAC9E56C1D49}" type="datetimeFigureOut">
               <a:rPr lang="en-US" smtClean="0"/>
-              <a:t>3/22/2017</a:t>
+              <a:t>3/24/2017</a:t>
             </a:fld>
             <a:endParaRPr lang="en-US"/>
           </a:p>
@@ -2234,7 +2234,7 @@
           <a:p>
             <a:fld id="{78C97017-6FC3-485B-9764-EAC9E56C1D49}" type="datetimeFigureOut">
               <a:rPr lang="en-US" smtClean="0"/>
-              <a:t>3/22/2017</a:t>
+              <a:t>3/24/2017</a:t>
             </a:fld>
             <a:endParaRPr lang="en-US"/>
           </a:p>
@@ -2329,7 +2329,7 @@
           <a:p>
             <a:fld id="{78C97017-6FC3-485B-9764-EAC9E56C1D49}" type="datetimeFigureOut">
               <a:rPr lang="en-US" smtClean="0"/>
-              <a:t>3/22/2017</a:t>
+              <a:t>3/24/2017</a:t>
             </a:fld>
             <a:endParaRPr lang="en-US"/>
           </a:p>
@@ -2604,7 +2604,7 @@
           <a:p>
             <a:fld id="{78C97017-6FC3-485B-9764-EAC9E56C1D49}" type="datetimeFigureOut">
               <a:rPr lang="en-US" smtClean="0"/>
-              <a:t>3/22/2017</a:t>
+              <a:t>3/24/2017</a:t>
             </a:fld>
             <a:endParaRPr lang="en-US"/>
           </a:p>
@@ -2856,7 +2856,7 @@
           <a:p>
             <a:fld id="{78C97017-6FC3-485B-9764-EAC9E56C1D49}" type="datetimeFigureOut">
               <a:rPr lang="en-US" smtClean="0"/>
-              <a:t>3/22/2017</a:t>
+              <a:t>3/24/2017</a:t>
             </a:fld>
             <a:endParaRPr lang="en-US"/>
           </a:p>
@@ -3067,7 +3067,7 @@
           <a:p>
             <a:fld id="{78C97017-6FC3-485B-9764-EAC9E56C1D49}" type="datetimeFigureOut">
               <a:rPr lang="en-US" smtClean="0"/>
-              <a:t>3/22/2017</a:t>
+              <a:t>3/24/2017</a:t>
             </a:fld>
             <a:endParaRPr lang="en-US"/>
           </a:p>
@@ -3999,66 +3999,6 @@
       </p:sp>
       <p:sp>
         <p:nvSpPr>
-          <p:cNvPr id="37" name="Rectangle 11"/>
-          <p:cNvSpPr/>
-          <p:nvPr/>
-        </p:nvSpPr>
-        <p:spPr>
-          <a:xfrm>
-            <a:off x="3475831" y="3862442"/>
-            <a:ext cx="958415" cy="266541"/>
-          </a:xfrm>
-          <a:prstGeom prst="rect">
-            <a:avLst/>
-          </a:prstGeom>
-          <a:ln w="19050">
-            <a:solidFill>
-              <a:schemeClr val="accent3"/>
-            </a:solidFill>
-          </a:ln>
-          <a:effectLst/>
-        </p:spPr>
-        <p:style>
-          <a:lnRef idx="1">
-            <a:schemeClr val="accent3"/>
-          </a:lnRef>
-          <a:fillRef idx="2">
-            <a:schemeClr val="accent3"/>
-          </a:fillRef>
-          <a:effectRef idx="1">
-            <a:schemeClr val="accent3"/>
-          </a:effectRef>
-          <a:fontRef idx="minor">
-            <a:schemeClr val="dk1"/>
-          </a:fontRef>
-        </p:style>
-        <p:txBody>
-          <a:bodyPr rtlCol="0" anchor="ctr"/>
-          <a:lstStyle/>
-          <a:p>
-            <a:pPr algn="ctr"/>
-            <a:r>
-              <a:rPr lang="en-US" sz="1050" b="1" dirty="0" err="1">
-                <a:solidFill>
-                  <a:schemeClr val="accent3">
-                    <a:lumMod val="75000"/>
-                  </a:schemeClr>
-                </a:solidFill>
-              </a:rPr>
-              <a:t>TaskListPanel</a:t>
-            </a:r>
-            <a:endParaRPr lang="en-SG" sz="1050" b="1" dirty="0">
-              <a:solidFill>
-                <a:schemeClr val="accent3">
-                  <a:lumMod val="75000"/>
-                </a:schemeClr>
-              </a:solidFill>
-            </a:endParaRPr>
-          </a:p>
-        </p:txBody>
-      </p:sp>
-      <p:sp>
-        <p:nvSpPr>
           <p:cNvPr id="38" name="Rectangle 11"/>
           <p:cNvSpPr/>
           <p:nvPr/>
@@ -4511,48 +4451,6 @@
       </p:cxnSp>
       <p:cxnSp>
         <p:nvCxnSpPr>
-          <p:cNvPr id="77" name="Elbow Connector 63"/>
-          <p:cNvCxnSpPr>
-            <a:cxnSpLocks/>
-            <a:stCxn id="16" idx="3"/>
-            <a:endCxn id="37" idx="3"/>
-          </p:cNvCxnSpPr>
-          <p:nvPr/>
-        </p:nvCxnSpPr>
-        <p:spPr>
-          <a:xfrm rot="5400000">
-            <a:off x="4325237" y="2249370"/>
-            <a:ext cx="1855352" cy="1637334"/>
-          </a:xfrm>
-          <a:prstGeom prst="bentConnector2">
-            <a:avLst/>
-          </a:prstGeom>
-          <a:ln w="6350">
-            <a:solidFill>
-              <a:schemeClr val="accent3"/>
-            </a:solidFill>
-            <a:headEnd type="none" w="med" len="med"/>
-            <a:tailEnd type="none" w="med" len="med"/>
-          </a:ln>
-          <a:effectLst/>
-        </p:spPr>
-        <p:style>
-          <a:lnRef idx="1">
-            <a:schemeClr val="accent2"/>
-          </a:lnRef>
-          <a:fillRef idx="2">
-            <a:schemeClr val="accent2"/>
-          </a:fillRef>
-          <a:effectRef idx="1">
-            <a:schemeClr val="accent2"/>
-          </a:effectRef>
-          <a:fontRef idx="minor">
-            <a:schemeClr val="dk1"/>
-          </a:fontRef>
-        </p:style>
-      </p:cxnSp>
-      <p:cxnSp>
-        <p:nvCxnSpPr>
           <p:cNvPr id="88" name="Elbow Connector 63"/>
           <p:cNvCxnSpPr>
             <a:cxnSpLocks/>
@@ -4726,7 +4624,7 @@
         </p:nvSpPr>
         <p:spPr>
           <a:xfrm rot="16200000">
-            <a:off x="6565548" y="4373418"/>
+            <a:off x="6561858" y="4103177"/>
             <a:ext cx="1371599" cy="328045"/>
           </a:xfrm>
           <a:prstGeom prst="roundRect">
@@ -5026,14 +4924,14 @@
           <p:cNvCxnSpPr>
             <a:cxnSpLocks/>
             <a:stCxn id="36" idx="2"/>
-            <a:endCxn id="37" idx="1"/>
+            <a:endCxn id="138" idx="1"/>
           </p:cNvCxnSpPr>
           <p:nvPr/>
         </p:nvCxnSpPr>
         <p:spPr>
           <a:xfrm rot="16200000" flipH="1">
-            <a:off x="3298747" y="3818629"/>
-            <a:ext cx="228938" cy="125230"/>
+            <a:off x="3477855" y="3639520"/>
+            <a:ext cx="228338" cy="482847"/>
           </a:xfrm>
           <a:prstGeom prst="bentConnector2">
             <a:avLst/>
@@ -5299,8 +5197,8 @@
         </p:nvSpPr>
         <p:spPr>
           <a:xfrm flipV="1">
-            <a:off x="5572842" y="4183525"/>
-            <a:ext cx="1514481" cy="687968"/>
+            <a:off x="4791862" y="4401619"/>
+            <a:ext cx="2295461" cy="110218"/>
           </a:xfrm>
           <a:custGeom>
             <a:avLst/>
@@ -5373,100 +5271,20 @@
           </a:p>
         </p:txBody>
       </p:sp>
-      <p:sp>
-        <p:nvSpPr>
-          <p:cNvPr id="108" name="Rectangle 11"/>
-          <p:cNvSpPr/>
-          <p:nvPr/>
-        </p:nvSpPr>
-        <p:spPr>
-          <a:xfrm>
-            <a:off x="3474776" y="4209200"/>
-            <a:ext cx="959470" cy="325357"/>
-          </a:xfrm>
-          <a:prstGeom prst="rect">
-            <a:avLst/>
-          </a:prstGeom>
-          <a:ln w="19050">
-            <a:solidFill>
-              <a:schemeClr val="accent3"/>
-            </a:solidFill>
-          </a:ln>
-          <a:effectLst/>
-        </p:spPr>
-        <p:style>
-          <a:lnRef idx="1">
-            <a:schemeClr val="accent3"/>
-          </a:lnRef>
-          <a:fillRef idx="2">
-            <a:schemeClr val="accent3"/>
-          </a:fillRef>
-          <a:effectRef idx="1">
-            <a:schemeClr val="accent3"/>
-          </a:effectRef>
-          <a:fontRef idx="minor">
-            <a:schemeClr val="dk1"/>
-          </a:fontRef>
-        </p:style>
-        <p:txBody>
-          <a:bodyPr rtlCol="0" anchor="ctr"/>
-          <a:lstStyle/>
-          <a:p>
-            <a:pPr algn="ctr"/>
-            <a:r>
-              <a:rPr lang="en-US" sz="1050" b="1" dirty="0" err="1">
-                <a:solidFill>
-                  <a:schemeClr val="accent3">
-                    <a:lumMod val="75000"/>
-                  </a:schemeClr>
-                </a:solidFill>
-              </a:rPr>
-              <a:t>EventList</a:t>
-            </a:r>
-            <a:endParaRPr lang="en-US" sz="1050" b="1" dirty="0">
-              <a:solidFill>
-                <a:schemeClr val="accent3">
-                  <a:lumMod val="75000"/>
-                </a:schemeClr>
-              </a:solidFill>
-            </a:endParaRPr>
-          </a:p>
-          <a:p>
-            <a:pPr algn="ctr"/>
-            <a:r>
-              <a:rPr lang="en-US" sz="1050" b="1" dirty="0">
-                <a:solidFill>
-                  <a:schemeClr val="accent3">
-                    <a:lumMod val="75000"/>
-                  </a:schemeClr>
-                </a:solidFill>
-              </a:rPr>
-              <a:t>Panel</a:t>
-            </a:r>
-            <a:endParaRPr lang="en-SG" sz="1050" b="1" dirty="0">
-              <a:solidFill>
-                <a:schemeClr val="accent3">
-                  <a:lumMod val="75000"/>
-                </a:schemeClr>
-              </a:solidFill>
-            </a:endParaRPr>
-          </a:p>
-        </p:txBody>
-      </p:sp>
       <p:cxnSp>
         <p:nvCxnSpPr>
           <p:cNvPr id="109" name="Elbow Connector 136"/>
           <p:cNvCxnSpPr>
             <a:cxnSpLocks/>
             <a:stCxn id="36" idx="2"/>
-            <a:endCxn id="108" idx="1"/>
+            <a:endCxn id="167" idx="1"/>
           </p:cNvCxnSpPr>
           <p:nvPr/>
         </p:nvCxnSpPr>
         <p:spPr>
           <a:xfrm rot="16200000" flipH="1">
-            <a:off x="3110136" y="4007239"/>
-            <a:ext cx="605104" cy="124175"/>
+            <a:off x="3304853" y="3812522"/>
+            <a:ext cx="574343" cy="482847"/>
           </a:xfrm>
           <a:prstGeom prst="bentConnector2">
             <a:avLst/>
@@ -5503,8 +5321,8 @@
         </p:nvSpPr>
         <p:spPr>
           <a:xfrm flipV="1">
-            <a:off x="5572842" y="3855685"/>
-            <a:ext cx="1514481" cy="230213"/>
+            <a:off x="4791862" y="4054862"/>
+            <a:ext cx="2295461" cy="50468"/>
           </a:xfrm>
           <a:custGeom>
             <a:avLst/>
@@ -5585,7 +5403,7 @@
         </p:nvSpPr>
         <p:spPr>
           <a:xfrm>
-            <a:off x="4604393" y="3712788"/>
+            <a:off x="3833448" y="3884893"/>
             <a:ext cx="958415" cy="220439"/>
           </a:xfrm>
           <a:prstGeom prst="rect">
@@ -5645,7 +5463,7 @@
         </p:nvSpPr>
         <p:spPr>
           <a:xfrm>
-            <a:off x="4604393" y="4058793"/>
+            <a:off x="3833448" y="4230898"/>
             <a:ext cx="958415" cy="220439"/>
           </a:xfrm>
           <a:prstGeom prst="rect">
@@ -5708,8 +5526,8 @@
         </p:nvCxnSpPr>
         <p:spPr>
           <a:xfrm rot="10800000" flipV="1">
-            <a:off x="5562809" y="3823006"/>
-            <a:ext cx="516831" cy="1"/>
+            <a:off x="4791864" y="3995111"/>
+            <a:ext cx="1279717" cy="1"/>
           </a:xfrm>
           <a:prstGeom prst="bentConnector3">
             <a:avLst>
@@ -5750,138 +5568,9 @@
           <p:nvPr/>
         </p:nvCxnSpPr>
         <p:spPr>
-          <a:xfrm rot="10800000">
-            <a:off x="5562808" y="4169014"/>
-            <a:ext cx="504744" cy="3"/>
-          </a:xfrm>
-          <a:prstGeom prst="bentConnector3">
-            <a:avLst>
-              <a:gd name="adj1" fmla="val 50000"/>
-            </a:avLst>
-          </a:prstGeom>
-          <a:ln w="6350">
-            <a:solidFill>
-              <a:schemeClr val="accent3"/>
-            </a:solidFill>
-            <a:headEnd type="none" w="med" len="med"/>
-            <a:tailEnd type="none" w="med" len="med"/>
-          </a:ln>
-          <a:effectLst/>
-        </p:spPr>
-        <p:style>
-          <a:lnRef idx="1">
-            <a:schemeClr val="accent2"/>
-          </a:lnRef>
-          <a:fillRef idx="2">
-            <a:schemeClr val="accent2"/>
-          </a:fillRef>
-          <a:effectRef idx="1">
-            <a:schemeClr val="accent2"/>
-          </a:effectRef>
-          <a:fontRef idx="minor">
-            <a:schemeClr val="dk1"/>
-          </a:fontRef>
-        </p:style>
-      </p:cxnSp>
-      <p:cxnSp>
-        <p:nvCxnSpPr>
-          <p:cNvPr id="179" name="Elbow Connector 136"/>
-          <p:cNvCxnSpPr>
-            <a:cxnSpLocks/>
-            <a:stCxn id="37" idx="0"/>
-            <a:endCxn id="138" idx="1"/>
-          </p:cNvCxnSpPr>
-          <p:nvPr/>
-        </p:nvCxnSpPr>
-        <p:spPr>
-          <a:xfrm rot="5400000" flipH="1" flipV="1">
-            <a:off x="4259999" y="3518048"/>
-            <a:ext cx="39434" cy="649354"/>
-          </a:xfrm>
-          <a:prstGeom prst="bentConnector2">
-            <a:avLst/>
-          </a:prstGeom>
-          <a:ln w="19050">
-            <a:solidFill>
-              <a:schemeClr val="accent3"/>
-            </a:solidFill>
-            <a:headEnd type="none" w="med" len="med"/>
-            <a:tailEnd type="arrow" w="med" len="med"/>
-          </a:ln>
-          <a:effectLst/>
-        </p:spPr>
-        <p:style>
-          <a:lnRef idx="1">
-            <a:schemeClr val="accent2"/>
-          </a:lnRef>
-          <a:fillRef idx="2">
-            <a:schemeClr val="accent2"/>
-          </a:fillRef>
-          <a:effectRef idx="1">
-            <a:schemeClr val="accent2"/>
-          </a:effectRef>
-          <a:fontRef idx="minor">
-            <a:schemeClr val="dk1"/>
-          </a:fontRef>
-        </p:style>
-      </p:cxnSp>
-      <p:cxnSp>
-        <p:nvCxnSpPr>
-          <p:cNvPr id="181" name="Elbow Connector 136"/>
-          <p:cNvCxnSpPr>
-            <a:cxnSpLocks/>
-            <a:stCxn id="108" idx="2"/>
-            <a:endCxn id="167" idx="2"/>
-          </p:cNvCxnSpPr>
-          <p:nvPr/>
-        </p:nvCxnSpPr>
-        <p:spPr>
-          <a:xfrm rot="5400000" flipH="1" flipV="1">
-            <a:off x="4391393" y="3842350"/>
-            <a:ext cx="255325" cy="1129090"/>
-          </a:xfrm>
-          <a:prstGeom prst="bentConnector3">
-            <a:avLst>
-              <a:gd name="adj1" fmla="val -89533"/>
-            </a:avLst>
-          </a:prstGeom>
-          <a:ln w="19050">
-            <a:solidFill>
-              <a:schemeClr val="accent3"/>
-            </a:solidFill>
-            <a:headEnd type="none" w="med" len="med"/>
-            <a:tailEnd type="arrow" w="med" len="med"/>
-          </a:ln>
-          <a:effectLst/>
-        </p:spPr>
-        <p:style>
-          <a:lnRef idx="1">
-            <a:schemeClr val="accent2"/>
-          </a:lnRef>
-          <a:fillRef idx="2">
-            <a:schemeClr val="accent2"/>
-          </a:fillRef>
-          <a:effectRef idx="1">
-            <a:schemeClr val="accent2"/>
-          </a:effectRef>
-          <a:fontRef idx="minor">
-            <a:schemeClr val="dk1"/>
-          </a:fontRef>
-        </p:style>
-      </p:cxnSp>
-      <p:cxnSp>
-        <p:nvCxnSpPr>
-          <p:cNvPr id="186" name="Elbow Connector 63"/>
-          <p:cNvCxnSpPr>
-            <a:cxnSpLocks/>
-            <a:endCxn id="108" idx="3"/>
-          </p:cNvCxnSpPr>
-          <p:nvPr/>
-        </p:nvCxnSpPr>
-        <p:spPr>
-          <a:xfrm rot="10800000">
-            <a:off x="4434247" y="4371880"/>
-            <a:ext cx="1654683" cy="16749"/>
+          <a:xfrm rot="10800000" flipV="1">
+            <a:off x="4791864" y="4338834"/>
+            <a:ext cx="1279717" cy="2284"/>
           </a:xfrm>
           <a:prstGeom prst="bentConnector3">
             <a:avLst>

--- a/docs/diagrams/UiComponentClassDiagram.pptx
+++ b/docs/diagrams/UiComponentClassDiagram.pptx
@@ -208,7 +208,7 @@
           <a:p>
             <a:fld id="{F5CC4B3F-88C1-4FFA-B1B6-F41C21DC6924}" type="datetimeFigureOut">
               <a:rPr lang="en-US" smtClean="0"/>
-              <a:t>1/7/2017</a:t>
+              <a:t>3/24/17</a:t>
             </a:fld>
             <a:endParaRPr lang="en-US"/>
           </a:p>
@@ -654,7 +654,7 @@
           <a:p>
             <a:fld id="{78C97017-6FC3-485B-9764-EAC9E56C1D49}" type="datetimeFigureOut">
               <a:rPr lang="en-US" smtClean="0"/>
-              <a:t>1/7/2017</a:t>
+              <a:t>3/24/17</a:t>
             </a:fld>
             <a:endParaRPr lang="en-US"/>
           </a:p>
@@ -822,7 +822,7 @@
           <a:p>
             <a:fld id="{78C97017-6FC3-485B-9764-EAC9E56C1D49}" type="datetimeFigureOut">
               <a:rPr lang="en-US" smtClean="0"/>
-              <a:t>1/7/2017</a:t>
+              <a:t>3/24/17</a:t>
             </a:fld>
             <a:endParaRPr lang="en-US"/>
           </a:p>
@@ -1000,7 +1000,7 @@
           <a:p>
             <a:fld id="{78C97017-6FC3-485B-9764-EAC9E56C1D49}" type="datetimeFigureOut">
               <a:rPr lang="en-US" smtClean="0"/>
-              <a:t>1/7/2017</a:t>
+              <a:t>3/24/17</a:t>
             </a:fld>
             <a:endParaRPr lang="en-US"/>
           </a:p>
@@ -1168,7 +1168,7 @@
           <a:p>
             <a:fld id="{78C97017-6FC3-485B-9764-EAC9E56C1D49}" type="datetimeFigureOut">
               <a:rPr lang="en-US" smtClean="0"/>
-              <a:t>1/7/2017</a:t>
+              <a:t>3/24/17</a:t>
             </a:fld>
             <a:endParaRPr lang="en-US"/>
           </a:p>
@@ -1413,7 +1413,7 @@
           <a:p>
             <a:fld id="{78C97017-6FC3-485B-9764-EAC9E56C1D49}" type="datetimeFigureOut">
               <a:rPr lang="en-US" smtClean="0"/>
-              <a:t>1/7/2017</a:t>
+              <a:t>3/24/17</a:t>
             </a:fld>
             <a:endParaRPr lang="en-US"/>
           </a:p>
@@ -1698,7 +1698,7 @@
           <a:p>
             <a:fld id="{78C97017-6FC3-485B-9764-EAC9E56C1D49}" type="datetimeFigureOut">
               <a:rPr lang="en-US" smtClean="0"/>
-              <a:t>1/7/2017</a:t>
+              <a:t>3/24/17</a:t>
             </a:fld>
             <a:endParaRPr lang="en-US"/>
           </a:p>
@@ -2117,7 +2117,7 @@
           <a:p>
             <a:fld id="{78C97017-6FC3-485B-9764-EAC9E56C1D49}" type="datetimeFigureOut">
               <a:rPr lang="en-US" smtClean="0"/>
-              <a:t>1/7/2017</a:t>
+              <a:t>3/24/17</a:t>
             </a:fld>
             <a:endParaRPr lang="en-US"/>
           </a:p>
@@ -2234,7 +2234,7 @@
           <a:p>
             <a:fld id="{78C97017-6FC3-485B-9764-EAC9E56C1D49}" type="datetimeFigureOut">
               <a:rPr lang="en-US" smtClean="0"/>
-              <a:t>1/7/2017</a:t>
+              <a:t>3/24/17</a:t>
             </a:fld>
             <a:endParaRPr lang="en-US"/>
           </a:p>
@@ -2329,7 +2329,7 @@
           <a:p>
             <a:fld id="{78C97017-6FC3-485B-9764-EAC9E56C1D49}" type="datetimeFigureOut">
               <a:rPr lang="en-US" smtClean="0"/>
-              <a:t>1/7/2017</a:t>
+              <a:t>3/24/17</a:t>
             </a:fld>
             <a:endParaRPr lang="en-US"/>
           </a:p>
@@ -2604,7 +2604,7 @@
           <a:p>
             <a:fld id="{78C97017-6FC3-485B-9764-EAC9E56C1D49}" type="datetimeFigureOut">
               <a:rPr lang="en-US" smtClean="0"/>
-              <a:t>1/7/2017</a:t>
+              <a:t>3/24/17</a:t>
             </a:fld>
             <a:endParaRPr lang="en-US"/>
           </a:p>
@@ -2856,7 +2856,7 @@
           <a:p>
             <a:fld id="{78C97017-6FC3-485B-9764-EAC9E56C1D49}" type="datetimeFigureOut">
               <a:rPr lang="en-US" smtClean="0"/>
-              <a:t>1/7/2017</a:t>
+              <a:t>3/24/17</a:t>
             </a:fld>
             <a:endParaRPr lang="en-US"/>
           </a:p>
@@ -3067,7 +3067,7 @@
           <a:p>
             <a:fld id="{78C97017-6FC3-485B-9764-EAC9E56C1D49}" type="datetimeFigureOut">
               <a:rPr lang="en-US" smtClean="0"/>
-              <a:t>1/7/2017</a:t>
+              <a:t>3/24/17</a:t>
             </a:fld>
             <a:endParaRPr lang="en-US"/>
           </a:p>
@@ -3451,7 +3451,7 @@
         <p:spPr>
           <a:xfrm>
             <a:off x="1217465" y="1447800"/>
-            <a:ext cx="4917083" cy="3962400"/>
+            <a:ext cx="5716735" cy="3962400"/>
           </a:xfrm>
           <a:prstGeom prst="roundRect">
             <a:avLst>
@@ -3825,7 +3825,7 @@
         </p:nvSpPr>
         <p:spPr>
           <a:xfrm rot="16200000">
-            <a:off x="5703829" y="2464877"/>
+            <a:off x="7020602" y="2464878"/>
             <a:ext cx="2362201" cy="328045"/>
           </a:xfrm>
           <a:prstGeom prst="roundRect">
@@ -3879,13 +3879,13 @@
       </p:sp>
       <p:sp>
         <p:nvSpPr>
-          <p:cNvPr id="34" name="Rectangle 11"/>
+          <p:cNvPr id="35" name="Rectangle 11"/>
           <p:cNvSpPr/>
           <p:nvPr/>
         </p:nvSpPr>
         <p:spPr>
           <a:xfrm>
-            <a:off x="2592528" y="3649359"/>
+            <a:off x="2592527" y="4563759"/>
             <a:ext cx="1093635" cy="236841"/>
           </a:xfrm>
           <a:prstGeom prst="rect">
@@ -3925,7 +3925,7 @@
                   </a:schemeClr>
                 </a:solidFill>
               </a:rPr>
-              <a:t>BrowserPanel</a:t>
+              <a:t>StatusBarFooter</a:t>
             </a:r>
             <a:endParaRPr lang="en-SG" sz="1050" b="1" dirty="0">
               <a:solidFill>
@@ -3939,13 +3939,13 @@
       </p:sp>
       <p:sp>
         <p:nvSpPr>
-          <p:cNvPr id="35" name="Rectangle 11"/>
+          <p:cNvPr id="36" name="Rectangle 11"/>
           <p:cNvSpPr/>
           <p:nvPr/>
         </p:nvSpPr>
         <p:spPr>
           <a:xfrm>
-            <a:off x="2592527" y="4563759"/>
+            <a:off x="2592526" y="3991960"/>
             <a:ext cx="1093635" cy="236841"/>
           </a:xfrm>
           <a:prstGeom prst="rect">
@@ -3978,14 +3978,14 @@
           <a:p>
             <a:pPr algn="ctr"/>
             <a:r>
-              <a:rPr lang="en-US" sz="1050" b="1" dirty="0" err="1">
+              <a:rPr lang="en-US" sz="1050" b="1" dirty="0" err="1" smtClean="0">
                 <a:solidFill>
                   <a:schemeClr val="accent3">
                     <a:lumMod val="75000"/>
                   </a:schemeClr>
                 </a:solidFill>
               </a:rPr>
-              <a:t>StatusBarFooter</a:t>
+              <a:t>TaskListPanel</a:t>
             </a:r>
             <a:endParaRPr lang="en-SG" sz="1050" b="1" dirty="0">
               <a:solidFill>
@@ -3999,14 +3999,14 @@
       </p:sp>
       <p:sp>
         <p:nvSpPr>
-          <p:cNvPr id="36" name="Rectangle 11"/>
+          <p:cNvPr id="37" name="Rectangle 11"/>
           <p:cNvSpPr/>
           <p:nvPr/>
         </p:nvSpPr>
         <p:spPr>
           <a:xfrm>
-            <a:off x="2592526" y="3991960"/>
-            <a:ext cx="1093635" cy="236841"/>
+            <a:off x="3839323" y="4228801"/>
+            <a:ext cx="1040906" cy="236841"/>
           </a:xfrm>
           <a:prstGeom prst="rect">
             <a:avLst/>
@@ -4038,74 +4038,14 @@
           <a:p>
             <a:pPr algn="ctr"/>
             <a:r>
-              <a:rPr lang="en-US" sz="1050" b="1" dirty="0" err="1">
+              <a:rPr lang="en-US" sz="1050" b="1" dirty="0" err="1" smtClean="0">
                 <a:solidFill>
                   <a:schemeClr val="accent3">
                     <a:lumMod val="75000"/>
                   </a:schemeClr>
                 </a:solidFill>
               </a:rPr>
-              <a:t>PersonListPanel</a:t>
-            </a:r>
-            <a:endParaRPr lang="en-SG" sz="1050" b="1" dirty="0">
-              <a:solidFill>
-                <a:schemeClr val="accent3">
-                  <a:lumMod val="75000"/>
-                </a:schemeClr>
-              </a:solidFill>
-            </a:endParaRPr>
-          </a:p>
-        </p:txBody>
-      </p:sp>
-      <p:sp>
-        <p:nvSpPr>
-          <p:cNvPr id="37" name="Rectangle 11"/>
-          <p:cNvSpPr/>
-          <p:nvPr/>
-        </p:nvSpPr>
-        <p:spPr>
-          <a:xfrm>
-            <a:off x="3839323" y="4228801"/>
-            <a:ext cx="1040906" cy="236841"/>
-          </a:xfrm>
-          <a:prstGeom prst="rect">
-            <a:avLst/>
-          </a:prstGeom>
-          <a:ln w="19050">
-            <a:solidFill>
-              <a:schemeClr val="accent3"/>
-            </a:solidFill>
-          </a:ln>
-          <a:effectLst/>
-        </p:spPr>
-        <p:style>
-          <a:lnRef idx="1">
-            <a:schemeClr val="accent3"/>
-          </a:lnRef>
-          <a:fillRef idx="2">
-            <a:schemeClr val="accent3"/>
-          </a:fillRef>
-          <a:effectRef idx="1">
-            <a:schemeClr val="accent3"/>
-          </a:effectRef>
-          <a:fontRef idx="minor">
-            <a:schemeClr val="dk1"/>
-          </a:fontRef>
-        </p:style>
-        <p:txBody>
-          <a:bodyPr rtlCol="0" anchor="ctr"/>
-          <a:lstStyle/>
-          <a:p>
-            <a:pPr algn="ctr"/>
-            <a:r>
-              <a:rPr lang="en-US" sz="1050" b="1" dirty="0" err="1">
-                <a:solidFill>
-                  <a:schemeClr val="accent3">
-                    <a:lumMod val="75000"/>
-                  </a:schemeClr>
-                </a:solidFill>
-              </a:rPr>
-              <a:t>PersonCard</a:t>
+              <a:t>TaskCard</a:t>
             </a:r>
             <a:endParaRPr lang="en-SG" sz="1050" b="1" dirty="0">
               <a:solidFill>
@@ -4307,14 +4247,14 @@
           <a:p>
             <a:pPr algn="ctr"/>
             <a:r>
-              <a:rPr lang="en-US" sz="1050" b="1" dirty="0" err="1">
+              <a:rPr lang="en-US" sz="1050" b="1" dirty="0" err="1" smtClean="0">
                 <a:solidFill>
                   <a:schemeClr val="accent3">
                     <a:lumMod val="75000"/>
                   </a:schemeClr>
                 </a:solidFill>
               </a:rPr>
-              <a:t>ResultDisplay</a:t>
+              <a:t>ChatPanel</a:t>
             </a:r>
             <a:endParaRPr lang="en-SG" sz="1050" b="1" dirty="0">
               <a:solidFill>
@@ -4326,47 +4266,6 @@
           </a:p>
         </p:txBody>
       </p:sp>
-      <p:cxnSp>
-        <p:nvCxnSpPr>
-          <p:cNvPr id="44" name="Elbow Connector 63"/>
-          <p:cNvCxnSpPr>
-            <a:stCxn id="39" idx="2"/>
-            <a:endCxn id="34" idx="1"/>
-          </p:cNvCxnSpPr>
-          <p:nvPr/>
-        </p:nvCxnSpPr>
-        <p:spPr>
-          <a:xfrm rot="16200000" flipH="1">
-            <a:off x="2054450" y="3229701"/>
-            <a:ext cx="899755" cy="176402"/>
-          </a:xfrm>
-          <a:prstGeom prst="bentConnector2">
-            <a:avLst/>
-          </a:prstGeom>
-          <a:ln w="19050">
-            <a:solidFill>
-              <a:schemeClr val="accent3"/>
-            </a:solidFill>
-            <a:headEnd type="none" w="med" len="med"/>
-            <a:tailEnd type="arrow" w="med" len="med"/>
-          </a:ln>
-          <a:effectLst/>
-        </p:spPr>
-        <p:style>
-          <a:lnRef idx="1">
-            <a:schemeClr val="accent2"/>
-          </a:lnRef>
-          <a:fillRef idx="2">
-            <a:schemeClr val="accent2"/>
-          </a:fillRef>
-          <a:effectRef idx="1">
-            <a:schemeClr val="accent2"/>
-          </a:effectRef>
-          <a:fontRef idx="minor">
-            <a:schemeClr val="dk1"/>
-          </a:fontRef>
-        </p:style>
-      </p:cxnSp>
       <p:cxnSp>
         <p:nvCxnSpPr>
           <p:cNvPr id="47" name="Elbow Connector 63"/>
@@ -4652,47 +4551,6 @@
       </p:cxnSp>
       <p:cxnSp>
         <p:nvCxnSpPr>
-          <p:cNvPr id="82" name="Elbow Connector 63"/>
-          <p:cNvCxnSpPr>
-            <a:stCxn id="16" idx="3"/>
-            <a:endCxn id="34" idx="3"/>
-          </p:cNvCxnSpPr>
-          <p:nvPr/>
-        </p:nvCxnSpPr>
-        <p:spPr>
-          <a:xfrm rot="5400000">
-            <a:off x="3867176" y="2104987"/>
-            <a:ext cx="1481780" cy="1843806"/>
-          </a:xfrm>
-          <a:prstGeom prst="bentConnector2">
-            <a:avLst/>
-          </a:prstGeom>
-          <a:ln w="6350">
-            <a:solidFill>
-              <a:schemeClr val="accent3"/>
-            </a:solidFill>
-            <a:headEnd type="none" w="med" len="med"/>
-            <a:tailEnd type="none" w="med" len="med"/>
-          </a:ln>
-          <a:effectLst/>
-        </p:spPr>
-        <p:style>
-          <a:lnRef idx="1">
-            <a:schemeClr val="accent2"/>
-          </a:lnRef>
-          <a:fillRef idx="2">
-            <a:schemeClr val="accent2"/>
-          </a:fillRef>
-          <a:effectRef idx="1">
-            <a:schemeClr val="accent2"/>
-          </a:effectRef>
-          <a:fontRef idx="minor">
-            <a:schemeClr val="dk1"/>
-          </a:fontRef>
-        </p:style>
-      </p:cxnSp>
-      <p:cxnSp>
-        <p:nvCxnSpPr>
           <p:cNvPr id="88" name="Elbow Connector 63"/>
           <p:cNvCxnSpPr>
             <a:stCxn id="2" idx="3"/>
@@ -4824,8 +4682,8 @@
         </p:nvCxnSpPr>
         <p:spPr>
           <a:xfrm rot="5400000" flipH="1" flipV="1">
-            <a:off x="4594921" y="-355061"/>
-            <a:ext cx="170724" cy="4081246"/>
+            <a:off x="5253318" y="-1028046"/>
+            <a:ext cx="185313" cy="5412629"/>
           </a:xfrm>
           <a:prstGeom prst="bentConnector2">
             <a:avLst/>
@@ -4863,7 +4721,7 @@
         </p:nvSpPr>
         <p:spPr>
           <a:xfrm rot="16200000">
-            <a:off x="6213739" y="4560376"/>
+            <a:off x="7530512" y="4560377"/>
             <a:ext cx="1371599" cy="328045"/>
           </a:xfrm>
           <a:prstGeom prst="roundRect">
@@ -5300,8 +5158,8 @@
         </p:nvSpPr>
         <p:spPr>
           <a:xfrm>
-            <a:off x="3687515" y="2828802"/>
-            <a:ext cx="3048000" cy="203200"/>
+            <a:off x="3687514" y="2828802"/>
+            <a:ext cx="4350165" cy="203200"/>
           </a:xfrm>
           <a:custGeom>
             <a:avLst/>
@@ -5436,7 +5294,7 @@
         <p:spPr>
           <a:xfrm flipV="1">
             <a:off x="4114799" y="4472708"/>
-            <a:ext cx="2642195" cy="101600"/>
+            <a:ext cx="3922880" cy="91051"/>
           </a:xfrm>
           <a:custGeom>
             <a:avLst/>
@@ -5509,6 +5367,600 @@
           </a:p>
         </p:txBody>
       </p:sp>
+      <p:cxnSp>
+        <p:nvCxnSpPr>
+          <p:cNvPr id="42" name="Elbow Connector 41"/>
+          <p:cNvCxnSpPr>
+            <a:stCxn id="43" idx="2"/>
+            <a:endCxn id="45" idx="1"/>
+          </p:cNvCxnSpPr>
+          <p:nvPr/>
+        </p:nvCxnSpPr>
+        <p:spPr>
+          <a:xfrm rot="16200000" flipH="1">
+            <a:off x="3450883" y="3228746"/>
+            <a:ext cx="74231" cy="699036"/>
+          </a:xfrm>
+          <a:prstGeom prst="bentConnector2">
+            <a:avLst/>
+          </a:prstGeom>
+          <a:ln w="19050">
+            <a:solidFill>
+              <a:schemeClr val="accent3"/>
+            </a:solidFill>
+            <a:headEnd type="none" w="med" len="med"/>
+            <a:tailEnd type="arrow" w="med" len="med"/>
+          </a:ln>
+          <a:effectLst/>
+        </p:spPr>
+        <p:style>
+          <a:lnRef idx="1">
+            <a:schemeClr val="accent2"/>
+          </a:lnRef>
+          <a:fillRef idx="2">
+            <a:schemeClr val="accent2"/>
+          </a:fillRef>
+          <a:effectRef idx="1">
+            <a:schemeClr val="accent2"/>
+          </a:effectRef>
+          <a:fontRef idx="minor">
+            <a:schemeClr val="dk1"/>
+          </a:fontRef>
+        </p:style>
+      </p:cxnSp>
+      <p:sp>
+        <p:nvSpPr>
+          <p:cNvPr id="45" name="Rectangle 11"/>
+          <p:cNvSpPr/>
+          <p:nvPr/>
+        </p:nvSpPr>
+        <p:spPr>
+          <a:xfrm>
+            <a:off x="3837516" y="3496959"/>
+            <a:ext cx="1306432" cy="236841"/>
+          </a:xfrm>
+          <a:prstGeom prst="rect">
+            <a:avLst/>
+          </a:prstGeom>
+          <a:ln w="19050">
+            <a:solidFill>
+              <a:schemeClr val="accent3"/>
+            </a:solidFill>
+          </a:ln>
+          <a:effectLst/>
+        </p:spPr>
+        <p:style>
+          <a:lnRef idx="1">
+            <a:schemeClr val="accent3"/>
+          </a:lnRef>
+          <a:fillRef idx="2">
+            <a:schemeClr val="accent3"/>
+          </a:fillRef>
+          <a:effectRef idx="1">
+            <a:schemeClr val="accent3"/>
+          </a:effectRef>
+          <a:fontRef idx="minor">
+            <a:schemeClr val="dk1"/>
+          </a:fontRef>
+        </p:style>
+        <p:txBody>
+          <a:bodyPr rtlCol="0" anchor="ctr"/>
+          <a:lstStyle/>
+          <a:p>
+            <a:pPr algn="ctr"/>
+            <a:r>
+              <a:rPr lang="en-US" sz="1050" b="1" smtClean="0">
+                <a:solidFill>
+                  <a:schemeClr val="accent3">
+                    <a:lumMod val="75000"/>
+                  </a:schemeClr>
+                </a:solidFill>
+              </a:rPr>
+              <a:t>SuruChatMessage</a:t>
+            </a:r>
+            <a:endParaRPr lang="en-US" sz="1050" b="1" dirty="0" smtClean="0">
+              <a:solidFill>
+                <a:schemeClr val="accent3">
+                  <a:lumMod val="75000"/>
+                </a:schemeClr>
+              </a:solidFill>
+            </a:endParaRPr>
+          </a:p>
+        </p:txBody>
+      </p:sp>
+      <p:sp>
+        <p:nvSpPr>
+          <p:cNvPr id="51" name="Rectangle 62"/>
+          <p:cNvSpPr/>
+          <p:nvPr/>
+        </p:nvSpPr>
+        <p:spPr>
+          <a:xfrm>
+            <a:off x="5741512" y="2907488"/>
+            <a:ext cx="958752" cy="346760"/>
+          </a:xfrm>
+          <a:prstGeom prst="rect">
+            <a:avLst/>
+          </a:prstGeom>
+          <a:ln w="6350">
+            <a:solidFill>
+              <a:schemeClr val="accent3"/>
+            </a:solidFill>
+          </a:ln>
+          <a:effectLst/>
+        </p:spPr>
+        <p:style>
+          <a:lnRef idx="1">
+            <a:schemeClr val="accent3"/>
+          </a:lnRef>
+          <a:fillRef idx="2">
+            <a:schemeClr val="accent3"/>
+          </a:fillRef>
+          <a:effectRef idx="1">
+            <a:schemeClr val="accent3"/>
+          </a:effectRef>
+          <a:fontRef idx="minor">
+            <a:schemeClr val="dk1"/>
+          </a:fontRef>
+        </p:style>
+        <p:txBody>
+          <a:bodyPr rtlCol="0" anchor="ctr"/>
+          <a:lstStyle/>
+          <a:p>
+            <a:pPr algn="ctr"/>
+            <a:r>
+              <a:rPr lang="en-SG" sz="1050" b="1" smtClean="0">
+                <a:solidFill>
+                  <a:schemeClr val="accent3">
+                    <a:lumMod val="75000"/>
+                  </a:schemeClr>
+                </a:solidFill>
+              </a:rPr>
+              <a:t>ChatMessage</a:t>
+            </a:r>
+            <a:endParaRPr lang="en-SG" sz="1050" b="1" dirty="0">
+              <a:solidFill>
+                <a:schemeClr val="accent3">
+                  <a:lumMod val="75000"/>
+                </a:schemeClr>
+              </a:solidFill>
+            </a:endParaRPr>
+          </a:p>
+        </p:txBody>
+      </p:sp>
+      <p:sp>
+        <p:nvSpPr>
+          <p:cNvPr id="52" name="Rectangle 11"/>
+          <p:cNvSpPr/>
+          <p:nvPr/>
+        </p:nvSpPr>
+        <p:spPr>
+          <a:xfrm>
+            <a:off x="3837516" y="3801759"/>
+            <a:ext cx="1306432" cy="236841"/>
+          </a:xfrm>
+          <a:prstGeom prst="rect">
+            <a:avLst/>
+          </a:prstGeom>
+          <a:ln w="19050">
+            <a:solidFill>
+              <a:schemeClr val="accent3"/>
+            </a:solidFill>
+          </a:ln>
+          <a:effectLst/>
+        </p:spPr>
+        <p:style>
+          <a:lnRef idx="1">
+            <a:schemeClr val="accent3"/>
+          </a:lnRef>
+          <a:fillRef idx="2">
+            <a:schemeClr val="accent3"/>
+          </a:fillRef>
+          <a:effectRef idx="1">
+            <a:schemeClr val="accent3"/>
+          </a:effectRef>
+          <a:fontRef idx="minor">
+            <a:schemeClr val="dk1"/>
+          </a:fontRef>
+        </p:style>
+        <p:txBody>
+          <a:bodyPr rtlCol="0" anchor="ctr"/>
+          <a:lstStyle/>
+          <a:p>
+            <a:pPr algn="ctr"/>
+            <a:r>
+              <a:rPr lang="en-US" sz="1050" b="1" dirty="0" err="1" smtClean="0">
+                <a:solidFill>
+                  <a:schemeClr val="accent3">
+                    <a:lumMod val="75000"/>
+                  </a:schemeClr>
+                </a:solidFill>
+              </a:rPr>
+              <a:t>UserChatMessage</a:t>
+            </a:r>
+            <a:endParaRPr lang="en-US" sz="1050" b="1" dirty="0" smtClean="0">
+              <a:solidFill>
+                <a:schemeClr val="accent3">
+                  <a:lumMod val="75000"/>
+                </a:schemeClr>
+              </a:solidFill>
+            </a:endParaRPr>
+          </a:p>
+        </p:txBody>
+      </p:sp>
+      <p:cxnSp>
+        <p:nvCxnSpPr>
+          <p:cNvPr id="54" name="Elbow Connector 53"/>
+          <p:cNvCxnSpPr>
+            <a:stCxn id="43" idx="2"/>
+            <a:endCxn id="52" idx="1"/>
+          </p:cNvCxnSpPr>
+          <p:nvPr/>
+        </p:nvCxnSpPr>
+        <p:spPr>
+          <a:xfrm rot="16200000" flipH="1">
+            <a:off x="3298483" y="3381146"/>
+            <a:ext cx="379031" cy="699036"/>
+          </a:xfrm>
+          <a:prstGeom prst="bentConnector2">
+            <a:avLst/>
+          </a:prstGeom>
+          <a:ln w="19050">
+            <a:solidFill>
+              <a:schemeClr val="accent3"/>
+            </a:solidFill>
+            <a:headEnd type="none" w="med" len="med"/>
+            <a:tailEnd type="arrow" w="med" len="med"/>
+          </a:ln>
+          <a:effectLst/>
+        </p:spPr>
+        <p:style>
+          <a:lnRef idx="1">
+            <a:schemeClr val="accent2"/>
+          </a:lnRef>
+          <a:fillRef idx="2">
+            <a:schemeClr val="accent2"/>
+          </a:fillRef>
+          <a:effectRef idx="1">
+            <a:schemeClr val="accent2"/>
+          </a:effectRef>
+          <a:fontRef idx="minor">
+            <a:schemeClr val="dk1"/>
+          </a:fontRef>
+        </p:style>
+      </p:cxnSp>
+      <p:sp>
+        <p:nvSpPr>
+          <p:cNvPr id="55" name="Isosceles Triangle 102"/>
+          <p:cNvSpPr/>
+          <p:nvPr/>
+        </p:nvSpPr>
+        <p:spPr>
+          <a:xfrm rot="10800000" flipV="1">
+            <a:off x="6073818" y="3258442"/>
+            <a:ext cx="270504" cy="175523"/>
+          </a:xfrm>
+          <a:prstGeom prst="triangle">
+            <a:avLst/>
+          </a:prstGeom>
+          <a:ln w="6350">
+            <a:solidFill>
+              <a:schemeClr val="accent3"/>
+            </a:solidFill>
+          </a:ln>
+          <a:effectLst/>
+        </p:spPr>
+        <p:style>
+          <a:lnRef idx="1">
+            <a:schemeClr val="accent3"/>
+          </a:lnRef>
+          <a:fillRef idx="2">
+            <a:schemeClr val="accent3"/>
+          </a:fillRef>
+          <a:effectRef idx="1">
+            <a:schemeClr val="accent3"/>
+          </a:effectRef>
+          <a:fontRef idx="minor">
+            <a:schemeClr val="dk1"/>
+          </a:fontRef>
+        </p:style>
+        <p:txBody>
+          <a:bodyPr rtlCol="0" anchor="ctr"/>
+          <a:lstStyle/>
+          <a:p>
+            <a:pPr algn="ctr"/>
+            <a:endParaRPr lang="en-SG" sz="1050" b="1">
+              <a:solidFill>
+                <a:srgbClr val="92D050"/>
+              </a:solidFill>
+            </a:endParaRPr>
+          </a:p>
+        </p:txBody>
+      </p:sp>
+      <p:sp>
+        <p:nvSpPr>
+          <p:cNvPr id="62" name="Rectangle 61"/>
+          <p:cNvSpPr/>
+          <p:nvPr/>
+        </p:nvSpPr>
+        <p:spPr>
+          <a:xfrm>
+            <a:off x="5409475" y="3567240"/>
+            <a:ext cx="229325" cy="166560"/>
+          </a:xfrm>
+          <a:prstGeom prst="rect">
+            <a:avLst/>
+          </a:prstGeom>
+          <a:solidFill>
+            <a:schemeClr val="accent3">
+              <a:lumMod val="20000"/>
+              <a:lumOff val="80000"/>
+              <a:alpha val="80000"/>
+            </a:schemeClr>
+          </a:solidFill>
+          <a:ln>
+            <a:noFill/>
+          </a:ln>
+          <a:effectLst>
+            <a:softEdge rad="31750"/>
+          </a:effectLst>
+        </p:spPr>
+        <p:style>
+          <a:lnRef idx="2">
+            <a:schemeClr val="accent1">
+              <a:shade val="50000"/>
+            </a:schemeClr>
+          </a:lnRef>
+          <a:fillRef idx="1">
+            <a:schemeClr val="accent1"/>
+          </a:fillRef>
+          <a:effectRef idx="0">
+            <a:schemeClr val="accent1"/>
+          </a:effectRef>
+          <a:fontRef idx="minor">
+            <a:schemeClr val="lt1"/>
+          </a:fontRef>
+        </p:style>
+        <p:txBody>
+          <a:bodyPr rtlCol="0" anchor="ctr"/>
+          <a:lstStyle/>
+          <a:p>
+            <a:pPr algn="ctr"/>
+            <a:endParaRPr lang="en-SG"/>
+          </a:p>
+        </p:txBody>
+      </p:sp>
+      <p:cxnSp>
+        <p:nvCxnSpPr>
+          <p:cNvPr id="56" name="Elbow Connector 63"/>
+          <p:cNvCxnSpPr>
+            <a:stCxn id="55" idx="3"/>
+            <a:endCxn id="45" idx="3"/>
+          </p:cNvCxnSpPr>
+          <p:nvPr/>
+        </p:nvCxnSpPr>
+        <p:spPr>
+          <a:xfrm rot="5400000">
+            <a:off x="5585802" y="2992111"/>
+            <a:ext cx="181415" cy="1065122"/>
+          </a:xfrm>
+          <a:prstGeom prst="bentConnector2">
+            <a:avLst/>
+          </a:prstGeom>
+          <a:ln w="6350">
+            <a:solidFill>
+              <a:schemeClr val="accent3"/>
+            </a:solidFill>
+            <a:headEnd type="none" w="med" len="med"/>
+            <a:tailEnd type="none" w="med" len="med"/>
+          </a:ln>
+          <a:effectLst/>
+        </p:spPr>
+        <p:style>
+          <a:lnRef idx="1">
+            <a:schemeClr val="accent2"/>
+          </a:lnRef>
+          <a:fillRef idx="2">
+            <a:schemeClr val="accent2"/>
+          </a:fillRef>
+          <a:effectRef idx="1">
+            <a:schemeClr val="accent2"/>
+          </a:effectRef>
+          <a:fontRef idx="minor">
+            <a:schemeClr val="dk1"/>
+          </a:fontRef>
+        </p:style>
+      </p:cxnSp>
+      <p:sp>
+        <p:nvSpPr>
+          <p:cNvPr id="63" name="Rectangle 62"/>
+          <p:cNvSpPr/>
+          <p:nvPr/>
+        </p:nvSpPr>
+        <p:spPr>
+          <a:xfrm>
+            <a:off x="5415307" y="3816504"/>
+            <a:ext cx="229325" cy="166560"/>
+          </a:xfrm>
+          <a:prstGeom prst="rect">
+            <a:avLst/>
+          </a:prstGeom>
+          <a:solidFill>
+            <a:schemeClr val="accent3">
+              <a:lumMod val="20000"/>
+              <a:lumOff val="80000"/>
+              <a:alpha val="80000"/>
+            </a:schemeClr>
+          </a:solidFill>
+          <a:ln>
+            <a:noFill/>
+          </a:ln>
+          <a:effectLst>
+            <a:softEdge rad="31750"/>
+          </a:effectLst>
+        </p:spPr>
+        <p:style>
+          <a:lnRef idx="2">
+            <a:schemeClr val="accent1">
+              <a:shade val="50000"/>
+            </a:schemeClr>
+          </a:lnRef>
+          <a:fillRef idx="1">
+            <a:schemeClr val="accent1"/>
+          </a:fillRef>
+          <a:effectRef idx="0">
+            <a:schemeClr val="accent1"/>
+          </a:effectRef>
+          <a:fontRef idx="minor">
+            <a:schemeClr val="lt1"/>
+          </a:fontRef>
+        </p:style>
+        <p:txBody>
+          <a:bodyPr rtlCol="0" anchor="ctr"/>
+          <a:lstStyle/>
+          <a:p>
+            <a:pPr algn="ctr"/>
+            <a:endParaRPr lang="en-SG"/>
+          </a:p>
+        </p:txBody>
+      </p:sp>
+      <p:cxnSp>
+        <p:nvCxnSpPr>
+          <p:cNvPr id="59" name="Elbow Connector 63"/>
+          <p:cNvCxnSpPr>
+            <a:stCxn id="55" idx="3"/>
+            <a:endCxn id="52" idx="3"/>
+          </p:cNvCxnSpPr>
+          <p:nvPr/>
+        </p:nvCxnSpPr>
+        <p:spPr>
+          <a:xfrm rot="5400000">
+            <a:off x="5433402" y="3144511"/>
+            <a:ext cx="486215" cy="1065122"/>
+          </a:xfrm>
+          <a:prstGeom prst="bentConnector2">
+            <a:avLst/>
+          </a:prstGeom>
+          <a:ln w="6350">
+            <a:solidFill>
+              <a:schemeClr val="accent3"/>
+            </a:solidFill>
+            <a:headEnd type="none" w="med" len="med"/>
+            <a:tailEnd type="none" w="med" len="med"/>
+          </a:ln>
+          <a:effectLst/>
+        </p:spPr>
+        <p:style>
+          <a:lnRef idx="1">
+            <a:schemeClr val="accent2"/>
+          </a:lnRef>
+          <a:fillRef idx="2">
+            <a:schemeClr val="accent2"/>
+          </a:fillRef>
+          <a:effectRef idx="1">
+            <a:schemeClr val="accent2"/>
+          </a:effectRef>
+          <a:fontRef idx="minor">
+            <a:schemeClr val="dk1"/>
+          </a:fontRef>
+        </p:style>
+      </p:cxnSp>
+      <p:sp>
+        <p:nvSpPr>
+          <p:cNvPr id="70" name="Rectangle 69"/>
+          <p:cNvSpPr/>
+          <p:nvPr/>
+        </p:nvSpPr>
+        <p:spPr>
+          <a:xfrm>
+            <a:off x="6106225" y="2717287"/>
+            <a:ext cx="229325" cy="166560"/>
+          </a:xfrm>
+          <a:prstGeom prst="rect">
+            <a:avLst/>
+          </a:prstGeom>
+          <a:solidFill>
+            <a:schemeClr val="accent3">
+              <a:lumMod val="20000"/>
+              <a:lumOff val="80000"/>
+              <a:alpha val="80000"/>
+            </a:schemeClr>
+          </a:solidFill>
+          <a:ln>
+            <a:noFill/>
+          </a:ln>
+          <a:effectLst>
+            <a:softEdge rad="31750"/>
+          </a:effectLst>
+        </p:spPr>
+        <p:style>
+          <a:lnRef idx="2">
+            <a:schemeClr val="accent1">
+              <a:shade val="50000"/>
+            </a:schemeClr>
+          </a:lnRef>
+          <a:fillRef idx="1">
+            <a:schemeClr val="accent1"/>
+          </a:fillRef>
+          <a:effectRef idx="0">
+            <a:schemeClr val="accent1"/>
+          </a:effectRef>
+          <a:fontRef idx="minor">
+            <a:schemeClr val="lt1"/>
+          </a:fontRef>
+        </p:style>
+        <p:txBody>
+          <a:bodyPr rtlCol="0" anchor="ctr"/>
+          <a:lstStyle/>
+          <a:p>
+            <a:pPr algn="ctr"/>
+            <a:endParaRPr lang="en-SG"/>
+          </a:p>
+        </p:txBody>
+      </p:sp>
+      <p:cxnSp>
+        <p:nvCxnSpPr>
+          <p:cNvPr id="64" name="Elbow Connector 63"/>
+          <p:cNvCxnSpPr>
+            <a:stCxn id="51" idx="0"/>
+            <a:endCxn id="16" idx="3"/>
+          </p:cNvCxnSpPr>
+          <p:nvPr/>
+        </p:nvCxnSpPr>
+        <p:spPr>
+          <a:xfrm rot="16200000" flipV="1">
+            <a:off x="5564685" y="2251284"/>
+            <a:ext cx="621488" cy="690919"/>
+          </a:xfrm>
+          <a:prstGeom prst="bentConnector3">
+            <a:avLst>
+              <a:gd name="adj1" fmla="val 50000"/>
+            </a:avLst>
+          </a:prstGeom>
+          <a:ln w="6350">
+            <a:solidFill>
+              <a:schemeClr val="accent3"/>
+            </a:solidFill>
+            <a:headEnd type="none" w="med" len="med"/>
+            <a:tailEnd type="none" w="med" len="med"/>
+          </a:ln>
+          <a:effectLst/>
+        </p:spPr>
+        <p:style>
+          <a:lnRef idx="1">
+            <a:schemeClr val="accent2"/>
+          </a:lnRef>
+          <a:fillRef idx="2">
+            <a:schemeClr val="accent2"/>
+          </a:fillRef>
+          <a:effectRef idx="1">
+            <a:schemeClr val="accent2"/>
+          </a:effectRef>
+          <a:fontRef idx="minor">
+            <a:schemeClr val="dk1"/>
+          </a:fontRef>
+        </p:style>
+      </p:cxnSp>
     </p:spTree>
     <p:extLst>
       <p:ext uri="{BB962C8B-B14F-4D97-AF65-F5344CB8AC3E}">

--- a/docs/diagrams/UiComponentClassDiagram.pptx
+++ b/docs/diagrams/UiComponentClassDiagram.pptx
@@ -109,7 +109,7 @@
   </p:defaultTextStyle>
   <p:extLst>
     <p:ext uri="{EFAFB233-063F-42B5-8137-9DF3F51BA10A}">
-      <p15:sldGuideLst xmlns="" xmlns:p15="http://schemas.microsoft.com/office/powerpoint/2012/main">
+      <p15:sldGuideLst xmlns:p15="http://schemas.microsoft.com/office/powerpoint/2012/main">
         <p15:guide id="1" orient="horz" pos="1488">
           <p15:clr>
             <a:srgbClr val="A4A3A4"/>
@@ -208,7 +208,7 @@
           <a:p>
             <a:fld id="{F5CC4B3F-88C1-4FFA-B1B6-F41C21DC6924}" type="datetimeFigureOut">
               <a:rPr lang="en-US" smtClean="0"/>
-              <a:t>3/15/2017</a:t>
+              <a:t>3/24/2017</a:t>
             </a:fld>
             <a:endParaRPr lang="en-US"/>
           </a:p>
@@ -654,7 +654,7 @@
           <a:p>
             <a:fld id="{78C97017-6FC3-485B-9764-EAC9E56C1D49}" type="datetimeFigureOut">
               <a:rPr lang="en-US" smtClean="0"/>
-              <a:t>3/15/2017</a:t>
+              <a:t>3/24/2017</a:t>
             </a:fld>
             <a:endParaRPr lang="en-US"/>
           </a:p>
@@ -822,7 +822,7 @@
           <a:p>
             <a:fld id="{78C97017-6FC3-485B-9764-EAC9E56C1D49}" type="datetimeFigureOut">
               <a:rPr lang="en-US" smtClean="0"/>
-              <a:t>3/15/2017</a:t>
+              <a:t>3/24/2017</a:t>
             </a:fld>
             <a:endParaRPr lang="en-US"/>
           </a:p>
@@ -1000,7 +1000,7 @@
           <a:p>
             <a:fld id="{78C97017-6FC3-485B-9764-EAC9E56C1D49}" type="datetimeFigureOut">
               <a:rPr lang="en-US" smtClean="0"/>
-              <a:t>3/15/2017</a:t>
+              <a:t>3/24/2017</a:t>
             </a:fld>
             <a:endParaRPr lang="en-US"/>
           </a:p>
@@ -1168,7 +1168,7 @@
           <a:p>
             <a:fld id="{78C97017-6FC3-485B-9764-EAC9E56C1D49}" type="datetimeFigureOut">
               <a:rPr lang="en-US" smtClean="0"/>
-              <a:t>3/15/2017</a:t>
+              <a:t>3/24/2017</a:t>
             </a:fld>
             <a:endParaRPr lang="en-US"/>
           </a:p>
@@ -1413,7 +1413,7 @@
           <a:p>
             <a:fld id="{78C97017-6FC3-485B-9764-EAC9E56C1D49}" type="datetimeFigureOut">
               <a:rPr lang="en-US" smtClean="0"/>
-              <a:t>3/15/2017</a:t>
+              <a:t>3/24/2017</a:t>
             </a:fld>
             <a:endParaRPr lang="en-US"/>
           </a:p>
@@ -1698,7 +1698,7 @@
           <a:p>
             <a:fld id="{78C97017-6FC3-485B-9764-EAC9E56C1D49}" type="datetimeFigureOut">
               <a:rPr lang="en-US" smtClean="0"/>
-              <a:t>3/15/2017</a:t>
+              <a:t>3/24/2017</a:t>
             </a:fld>
             <a:endParaRPr lang="en-US"/>
           </a:p>
@@ -2117,7 +2117,7 @@
           <a:p>
             <a:fld id="{78C97017-6FC3-485B-9764-EAC9E56C1D49}" type="datetimeFigureOut">
               <a:rPr lang="en-US" smtClean="0"/>
-              <a:t>3/15/2017</a:t>
+              <a:t>3/24/2017</a:t>
             </a:fld>
             <a:endParaRPr lang="en-US"/>
           </a:p>
@@ -2234,7 +2234,7 @@
           <a:p>
             <a:fld id="{78C97017-6FC3-485B-9764-EAC9E56C1D49}" type="datetimeFigureOut">
               <a:rPr lang="en-US" smtClean="0"/>
-              <a:t>3/15/2017</a:t>
+              <a:t>3/24/2017</a:t>
             </a:fld>
             <a:endParaRPr lang="en-US"/>
           </a:p>
@@ -2329,7 +2329,7 @@
           <a:p>
             <a:fld id="{78C97017-6FC3-485B-9764-EAC9E56C1D49}" type="datetimeFigureOut">
               <a:rPr lang="en-US" smtClean="0"/>
-              <a:t>3/15/2017</a:t>
+              <a:t>3/24/2017</a:t>
             </a:fld>
             <a:endParaRPr lang="en-US"/>
           </a:p>
@@ -2604,7 +2604,7 @@
           <a:p>
             <a:fld id="{78C97017-6FC3-485B-9764-EAC9E56C1D49}" type="datetimeFigureOut">
               <a:rPr lang="en-US" smtClean="0"/>
-              <a:t>3/15/2017</a:t>
+              <a:t>3/24/2017</a:t>
             </a:fld>
             <a:endParaRPr lang="en-US"/>
           </a:p>
@@ -2856,7 +2856,7 @@
           <a:p>
             <a:fld id="{78C97017-6FC3-485B-9764-EAC9E56C1D49}" type="datetimeFigureOut">
               <a:rPr lang="en-US" smtClean="0"/>
-              <a:t>3/15/2017</a:t>
+              <a:t>3/24/2017</a:t>
             </a:fld>
             <a:endParaRPr lang="en-US"/>
           </a:p>
@@ -3067,7 +3067,7 @@
           <a:p>
             <a:fld id="{78C97017-6FC3-485B-9764-EAC9E56C1D49}" type="datetimeFigureOut">
               <a:rPr lang="en-US" smtClean="0"/>
-              <a:t>3/15/2017</a:t>
+              <a:t>3/24/2017</a:t>
             </a:fld>
             <a:endParaRPr lang="en-US"/>
           </a:p>
@@ -3450,8 +3450,8 @@
         </p:nvSpPr>
         <p:spPr>
           <a:xfrm>
-            <a:off x="1217465" y="1447800"/>
-            <a:ext cx="4917083" cy="3962400"/>
+            <a:off x="1217465" y="381000"/>
+            <a:ext cx="4917083" cy="5029200"/>
           </a:xfrm>
           <a:prstGeom prst="roundRect">
             <a:avLst>
@@ -3512,7 +3512,7 @@
         </p:nvSpPr>
         <p:spPr>
           <a:xfrm>
-            <a:off x="2095948" y="2341220"/>
+            <a:off x="2094401" y="1957450"/>
             <a:ext cx="1093635" cy="346760"/>
           </a:xfrm>
           <a:prstGeom prst="rect">
@@ -3632,7 +3632,7 @@
         </p:nvSpPr>
         <p:spPr>
           <a:xfrm>
-            <a:off x="2092842" y="1770924"/>
+            <a:off x="2094402" y="1186401"/>
             <a:ext cx="1093635" cy="346760"/>
           </a:xfrm>
           <a:prstGeom prst="rect">
@@ -3693,9 +3693,9 @@
           <p:nvPr/>
         </p:nvCxnSpPr>
         <p:spPr>
-          <a:xfrm rot="16200000" flipH="1">
-            <a:off x="2529445" y="2227899"/>
-            <a:ext cx="223536" cy="3106"/>
+          <a:xfrm rot="5400000">
+            <a:off x="2429076" y="1745305"/>
+            <a:ext cx="424289" cy="1"/>
           </a:xfrm>
           <a:prstGeom prst="bentConnector3">
             <a:avLst>
@@ -3734,7 +3734,7 @@
         </p:nvSpPr>
         <p:spPr>
           <a:xfrm rot="10800000" flipV="1">
-            <a:off x="5394717" y="2110477"/>
+            <a:off x="5407063" y="1839533"/>
             <a:ext cx="270504" cy="175523"/>
           </a:xfrm>
           <a:prstGeom prst="triangle">
@@ -3825,8 +3825,8 @@
         </p:nvSpPr>
         <p:spPr>
           <a:xfrm rot="16200000">
-            <a:off x="5703829" y="2464877"/>
-            <a:ext cx="2362201" cy="328045"/>
+            <a:off x="5640177" y="1783197"/>
+            <a:ext cx="2522841" cy="328045"/>
           </a:xfrm>
           <a:prstGeom prst="roundRect">
             <a:avLst/>
@@ -4125,8 +4125,8 @@
         </p:nvSpPr>
         <p:spPr>
           <a:xfrm>
-            <a:off x="2324548" y="2706452"/>
-            <a:ext cx="183156" cy="161573"/>
+            <a:off x="2291333" y="2319798"/>
+            <a:ext cx="183156" cy="201025"/>
           </a:xfrm>
           <a:prstGeom prst="flowChartDecision">
             <a:avLst/>
@@ -4176,8 +4176,8 @@
         </p:nvCxnSpPr>
         <p:spPr>
           <a:xfrm rot="16200000" flipH="1">
-            <a:off x="2393229" y="2890922"/>
-            <a:ext cx="222196" cy="176402"/>
+            <a:off x="2203020" y="2700713"/>
+            <a:ext cx="569398" cy="209617"/>
           </a:xfrm>
           <a:prstGeom prst="bentConnector2">
             <a:avLst/>
@@ -4277,8 +4277,8 @@
         </p:nvCxnSpPr>
         <p:spPr>
           <a:xfrm rot="16200000" flipH="1">
-            <a:off x="2005077" y="3279074"/>
-            <a:ext cx="998499" cy="176400"/>
+            <a:off x="1814868" y="3088865"/>
+            <a:ext cx="1345701" cy="209615"/>
           </a:xfrm>
           <a:prstGeom prst="bentConnector2">
             <a:avLst/>
@@ -4318,8 +4318,8 @@
         </p:nvCxnSpPr>
         <p:spPr>
           <a:xfrm rot="16200000" flipH="1">
-            <a:off x="1597249" y="3686901"/>
-            <a:ext cx="1814155" cy="176401"/>
+            <a:off x="1407041" y="3496693"/>
+            <a:ext cx="2161357" cy="209616"/>
           </a:xfrm>
           <a:prstGeom prst="bentConnector2">
             <a:avLst/>
@@ -4358,8 +4358,8 @@
         </p:nvCxnSpPr>
         <p:spPr>
           <a:xfrm rot="16200000" flipH="1">
-            <a:off x="1184119" y="3676012"/>
-            <a:ext cx="2396440" cy="420377"/>
+            <a:off x="998050" y="3489942"/>
+            <a:ext cx="2770957" cy="417999"/>
           </a:xfrm>
           <a:prstGeom prst="bentConnector2">
             <a:avLst/>
@@ -4396,7 +4396,7 @@
         </p:nvSpPr>
         <p:spPr>
           <a:xfrm>
-            <a:off x="5143948" y="1770924"/>
+            <a:off x="5143947" y="1424677"/>
             <a:ext cx="772043" cy="346760"/>
           </a:xfrm>
           <a:prstGeom prst="rect">
@@ -4478,8 +4478,8 @@
         </p:nvCxnSpPr>
         <p:spPr>
           <a:xfrm flipV="1">
-            <a:off x="3686160" y="2286000"/>
-            <a:ext cx="1843809" cy="1136729"/>
+            <a:off x="3686160" y="2015056"/>
+            <a:ext cx="1856155" cy="1407673"/>
           </a:xfrm>
           <a:prstGeom prst="bentConnector2">
             <a:avLst/>
@@ -4519,8 +4519,8 @@
         </p:nvCxnSpPr>
         <p:spPr>
           <a:xfrm rot="5400000">
-            <a:off x="4233698" y="2932531"/>
-            <a:ext cx="1942802" cy="649740"/>
+            <a:off x="4104399" y="2790886"/>
+            <a:ext cx="2213746" cy="662086"/>
           </a:xfrm>
           <a:prstGeom prst="bentConnector2">
             <a:avLst/>
@@ -4560,8 +4560,8 @@
         </p:nvCxnSpPr>
         <p:spPr>
           <a:xfrm flipV="1">
-            <a:off x="3189583" y="2286000"/>
-            <a:ext cx="2340386" cy="228600"/>
+            <a:off x="3188036" y="2015056"/>
+            <a:ext cx="2354279" cy="115774"/>
           </a:xfrm>
           <a:prstGeom prst="bentConnector2">
             <a:avLst/>
@@ -4601,8 +4601,8 @@
         </p:nvCxnSpPr>
         <p:spPr>
           <a:xfrm rot="5400000">
-            <a:off x="3409976" y="2562187"/>
-            <a:ext cx="2396180" cy="1843807"/>
+            <a:off x="3280677" y="2420542"/>
+            <a:ext cx="2667124" cy="1856153"/>
           </a:xfrm>
           <a:prstGeom prst="bentConnector2">
             <a:avLst/>
@@ -4642,8 +4642,8 @@
         </p:nvCxnSpPr>
         <p:spPr>
           <a:xfrm rot="5400000">
-            <a:off x="3208856" y="2763307"/>
-            <a:ext cx="2798421" cy="1843806"/>
+            <a:off x="3079557" y="2621662"/>
+            <a:ext cx="3069365" cy="1856152"/>
           </a:xfrm>
           <a:prstGeom prst="bentConnector2">
             <a:avLst/>
@@ -4682,7 +4682,7 @@
         </p:nvCxnSpPr>
         <p:spPr>
           <a:xfrm rot="5400000" flipH="1" flipV="1">
-            <a:off x="4594921" y="-355061"/>
+            <a:off x="4596481" y="-939584"/>
             <a:ext cx="170724" cy="4081246"/>
           </a:xfrm>
           <a:prstGeom prst="bentConnector2">
@@ -4902,8 +4902,8 @@
         </p:nvCxnSpPr>
         <p:spPr>
           <a:xfrm rot="10800000" flipV="1">
-            <a:off x="1503020" y="1944303"/>
-            <a:ext cx="589823" cy="341697"/>
+            <a:off x="1503020" y="1359781"/>
+            <a:ext cx="591383" cy="926220"/>
           </a:xfrm>
           <a:prstGeom prst="bentConnector2">
             <a:avLst/>
@@ -4944,8 +4944,8 @@
         </p:nvCxnSpPr>
         <p:spPr>
           <a:xfrm rot="16200000" flipH="1">
-            <a:off x="2226110" y="3058040"/>
-            <a:ext cx="554704" cy="174673"/>
+            <a:off x="2035902" y="2867832"/>
+            <a:ext cx="901906" cy="207888"/>
           </a:xfrm>
           <a:prstGeom prst="bentConnector2">
             <a:avLst/>
@@ -4985,8 +4985,8 @@
         </p:nvCxnSpPr>
         <p:spPr>
           <a:xfrm rot="5400000">
-            <a:off x="4205956" y="1766207"/>
-            <a:ext cx="804221" cy="1843806"/>
+            <a:off x="4076657" y="1624562"/>
+            <a:ext cx="1075165" cy="1856152"/>
           </a:xfrm>
           <a:prstGeom prst="bentConnector2">
             <a:avLst/>
@@ -5067,8 +5067,8 @@
         </p:nvCxnSpPr>
         <p:spPr>
           <a:xfrm rot="5400000">
-            <a:off x="3817803" y="2154358"/>
-            <a:ext cx="1580524" cy="1843808"/>
+            <a:off x="3688504" y="2012713"/>
+            <a:ext cx="1851468" cy="1856154"/>
           </a:xfrm>
           <a:prstGeom prst="bentConnector2">
             <a:avLst/>
@@ -5364,6 +5364,107 @@
           <a:p>
             <a:pPr algn="ctr"/>
             <a:endParaRPr lang="en-SG"/>
+          </a:p>
+        </p:txBody>
+      </p:sp>
+      <p:cxnSp>
+        <p:nvCxnSpPr>
+          <p:cNvPr id="66" name="Elbow Connector 63"/>
+          <p:cNvCxnSpPr>
+            <a:stCxn id="3" idx="0"/>
+          </p:cNvCxnSpPr>
+          <p:nvPr/>
+        </p:nvCxnSpPr>
+        <p:spPr>
+          <a:xfrm rot="5400000" flipH="1" flipV="1">
+            <a:off x="3031167" y="2573967"/>
+            <a:ext cx="506013" cy="289654"/>
+          </a:xfrm>
+          <a:prstGeom prst="bentConnector3">
+            <a:avLst>
+              <a:gd name="adj1" fmla="val 99883"/>
+            </a:avLst>
+          </a:prstGeom>
+          <a:ln w="19050">
+            <a:solidFill>
+              <a:srgbClr val="00B050"/>
+            </a:solidFill>
+            <a:headEnd type="none" w="med" len="med"/>
+            <a:tailEnd type="arrow" w="med" len="med"/>
+          </a:ln>
+          <a:effectLst/>
+        </p:spPr>
+        <p:style>
+          <a:lnRef idx="1">
+            <a:schemeClr val="accent2"/>
+          </a:lnRef>
+          <a:fillRef idx="2">
+            <a:schemeClr val="accent2"/>
+          </a:fillRef>
+          <a:effectRef idx="1">
+            <a:schemeClr val="accent2"/>
+          </a:effectRef>
+          <a:fontRef idx="minor">
+            <a:schemeClr val="dk1"/>
+          </a:fontRef>
+        </p:style>
+      </p:cxnSp>
+      <p:sp>
+        <p:nvSpPr>
+          <p:cNvPr id="70" name="Rectangle 62"/>
+          <p:cNvSpPr/>
+          <p:nvPr/>
+        </p:nvSpPr>
+        <p:spPr>
+          <a:xfrm>
+            <a:off x="3500229" y="2245784"/>
+            <a:ext cx="1093635" cy="346760"/>
+          </a:xfrm>
+          <a:prstGeom prst="rect">
+            <a:avLst/>
+          </a:prstGeom>
+          <a:solidFill>
+            <a:srgbClr val="00B050"/>
+          </a:solidFill>
+          <a:ln w="19050">
+            <a:solidFill>
+              <a:srgbClr val="00B050"/>
+            </a:solidFill>
+          </a:ln>
+          <a:effectLst/>
+        </p:spPr>
+        <p:style>
+          <a:lnRef idx="1">
+            <a:schemeClr val="accent2"/>
+          </a:lnRef>
+          <a:fillRef idx="2">
+            <a:schemeClr val="accent2"/>
+          </a:fillRef>
+          <a:effectRef idx="1">
+            <a:schemeClr val="accent2"/>
+          </a:effectRef>
+          <a:fontRef idx="minor">
+            <a:schemeClr val="dk1"/>
+          </a:fontRef>
+        </p:style>
+        <p:txBody>
+          <a:bodyPr rtlCol="0" anchor="ctr"/>
+          <a:lstStyle/>
+          <a:p>
+            <a:pPr algn="ctr"/>
+            <a:r>
+              <a:rPr lang="en-US" sz="1050" smtClean="0">
+                <a:solidFill>
+                  <a:schemeClr val="bg1"/>
+                </a:solidFill>
+              </a:rPr>
+              <a:t>History&lt;String&gt;</a:t>
+            </a:r>
+            <a:endParaRPr lang="en-SG" sz="1050" dirty="0">
+              <a:solidFill>
+                <a:schemeClr val="bg1"/>
+              </a:solidFill>
+            </a:endParaRPr>
           </a:p>
         </p:txBody>
       </p:sp>

--- a/docs/diagrams/UiComponentClassDiagram.pptx
+++ b/docs/diagrams/UiComponentClassDiagram.pptx
@@ -208,7 +208,7 @@
           <a:p>
             <a:fld id="{F5CC4B3F-88C1-4FFA-B1B6-F41C21DC6924}" type="datetimeFigureOut">
               <a:rPr lang="en-US" smtClean="0"/>
-              <a:t>1/7/2017</a:t>
+              <a:t>3/27/2017</a:t>
             </a:fld>
             <a:endParaRPr lang="en-US"/>
           </a:p>
@@ -654,7 +654,7 @@
           <a:p>
             <a:fld id="{78C97017-6FC3-485B-9764-EAC9E56C1D49}" type="datetimeFigureOut">
               <a:rPr lang="en-US" smtClean="0"/>
-              <a:t>1/7/2017</a:t>
+              <a:t>3/27/2017</a:t>
             </a:fld>
             <a:endParaRPr lang="en-US"/>
           </a:p>
@@ -822,7 +822,7 @@
           <a:p>
             <a:fld id="{78C97017-6FC3-485B-9764-EAC9E56C1D49}" type="datetimeFigureOut">
               <a:rPr lang="en-US" smtClean="0"/>
-              <a:t>1/7/2017</a:t>
+              <a:t>3/27/2017</a:t>
             </a:fld>
             <a:endParaRPr lang="en-US"/>
           </a:p>
@@ -1000,7 +1000,7 @@
           <a:p>
             <a:fld id="{78C97017-6FC3-485B-9764-EAC9E56C1D49}" type="datetimeFigureOut">
               <a:rPr lang="en-US" smtClean="0"/>
-              <a:t>1/7/2017</a:t>
+              <a:t>3/27/2017</a:t>
             </a:fld>
             <a:endParaRPr lang="en-US"/>
           </a:p>
@@ -1168,7 +1168,7 @@
           <a:p>
             <a:fld id="{78C97017-6FC3-485B-9764-EAC9E56C1D49}" type="datetimeFigureOut">
               <a:rPr lang="en-US" smtClean="0"/>
-              <a:t>1/7/2017</a:t>
+              <a:t>3/27/2017</a:t>
             </a:fld>
             <a:endParaRPr lang="en-US"/>
           </a:p>
@@ -1413,7 +1413,7 @@
           <a:p>
             <a:fld id="{78C97017-6FC3-485B-9764-EAC9E56C1D49}" type="datetimeFigureOut">
               <a:rPr lang="en-US" smtClean="0"/>
-              <a:t>1/7/2017</a:t>
+              <a:t>3/27/2017</a:t>
             </a:fld>
             <a:endParaRPr lang="en-US"/>
           </a:p>
@@ -1698,7 +1698,7 @@
           <a:p>
             <a:fld id="{78C97017-6FC3-485B-9764-EAC9E56C1D49}" type="datetimeFigureOut">
               <a:rPr lang="en-US" smtClean="0"/>
-              <a:t>1/7/2017</a:t>
+              <a:t>3/27/2017</a:t>
             </a:fld>
             <a:endParaRPr lang="en-US"/>
           </a:p>
@@ -2117,7 +2117,7 @@
           <a:p>
             <a:fld id="{78C97017-6FC3-485B-9764-EAC9E56C1D49}" type="datetimeFigureOut">
               <a:rPr lang="en-US" smtClean="0"/>
-              <a:t>1/7/2017</a:t>
+              <a:t>3/27/2017</a:t>
             </a:fld>
             <a:endParaRPr lang="en-US"/>
           </a:p>
@@ -2234,7 +2234,7 @@
           <a:p>
             <a:fld id="{78C97017-6FC3-485B-9764-EAC9E56C1D49}" type="datetimeFigureOut">
               <a:rPr lang="en-US" smtClean="0"/>
-              <a:t>1/7/2017</a:t>
+              <a:t>3/27/2017</a:t>
             </a:fld>
             <a:endParaRPr lang="en-US"/>
           </a:p>
@@ -2329,7 +2329,7 @@
           <a:p>
             <a:fld id="{78C97017-6FC3-485B-9764-EAC9E56C1D49}" type="datetimeFigureOut">
               <a:rPr lang="en-US" smtClean="0"/>
-              <a:t>1/7/2017</a:t>
+              <a:t>3/27/2017</a:t>
             </a:fld>
             <a:endParaRPr lang="en-US"/>
           </a:p>
@@ -2604,7 +2604,7 @@
           <a:p>
             <a:fld id="{78C97017-6FC3-485B-9764-EAC9E56C1D49}" type="datetimeFigureOut">
               <a:rPr lang="en-US" smtClean="0"/>
-              <a:t>1/7/2017</a:t>
+              <a:t>3/27/2017</a:t>
             </a:fld>
             <a:endParaRPr lang="en-US"/>
           </a:p>
@@ -2856,7 +2856,7 @@
           <a:p>
             <a:fld id="{78C97017-6FC3-485B-9764-EAC9E56C1D49}" type="datetimeFigureOut">
               <a:rPr lang="en-US" smtClean="0"/>
-              <a:t>1/7/2017</a:t>
+              <a:t>3/27/2017</a:t>
             </a:fld>
             <a:endParaRPr lang="en-US"/>
           </a:p>
@@ -3067,7 +3067,7 @@
           <a:p>
             <a:fld id="{78C97017-6FC3-485B-9764-EAC9E56C1D49}" type="datetimeFigureOut">
               <a:rPr lang="en-US" smtClean="0"/>
-              <a:t>1/7/2017</a:t>
+              <a:t>3/27/2017</a:t>
             </a:fld>
             <a:endParaRPr lang="en-US"/>
           </a:p>
@@ -3925,7 +3925,7 @@
                   </a:schemeClr>
                 </a:solidFill>
               </a:rPr>
-              <a:t>BrowserPanel</a:t>
+              <a:t>TaskCardHeader</a:t>
             </a:r>
             <a:endParaRPr lang="en-SG" sz="1050" b="1" dirty="0">
               <a:solidFill>
@@ -4045,7 +4045,7 @@
                   </a:schemeClr>
                 </a:solidFill>
               </a:rPr>
-              <a:t>PersonListPanel</a:t>
+              <a:t>TaskListPanel</a:t>
             </a:r>
             <a:endParaRPr lang="en-SG" sz="1050" b="1" dirty="0">
               <a:solidFill>
@@ -4105,7 +4105,7 @@
                   </a:schemeClr>
                 </a:solidFill>
               </a:rPr>
-              <a:t>PersonCard</a:t>
+              <a:t>TaskCard</a:t>
             </a:r>
             <a:endParaRPr lang="en-SG" sz="1050" b="1" dirty="0">
               <a:solidFill>

--- a/docs/diagrams/UiComponentClassDiagram.pptx
+++ b/docs/diagrams/UiComponentClassDiagram.pptx
@@ -208,7 +208,7 @@
           <a:p>
             <a:fld id="{F5CC4B3F-88C1-4FFA-B1B6-F41C21DC6924}" type="datetimeFigureOut">
               <a:rPr lang="en-US" smtClean="0"/>
-              <a:t>1/7/2017</a:t>
+              <a:t>3/28/2017</a:t>
             </a:fld>
             <a:endParaRPr lang="en-US"/>
           </a:p>
@@ -654,7 +654,7 @@
           <a:p>
             <a:fld id="{78C97017-6FC3-485B-9764-EAC9E56C1D49}" type="datetimeFigureOut">
               <a:rPr lang="en-US" smtClean="0"/>
-              <a:t>1/7/2017</a:t>
+              <a:t>3/28/2017</a:t>
             </a:fld>
             <a:endParaRPr lang="en-US"/>
           </a:p>
@@ -822,7 +822,7 @@
           <a:p>
             <a:fld id="{78C97017-6FC3-485B-9764-EAC9E56C1D49}" type="datetimeFigureOut">
               <a:rPr lang="en-US" smtClean="0"/>
-              <a:t>1/7/2017</a:t>
+              <a:t>3/28/2017</a:t>
             </a:fld>
             <a:endParaRPr lang="en-US"/>
           </a:p>
@@ -1000,7 +1000,7 @@
           <a:p>
             <a:fld id="{78C97017-6FC3-485B-9764-EAC9E56C1D49}" type="datetimeFigureOut">
               <a:rPr lang="en-US" smtClean="0"/>
-              <a:t>1/7/2017</a:t>
+              <a:t>3/28/2017</a:t>
             </a:fld>
             <a:endParaRPr lang="en-US"/>
           </a:p>
@@ -1168,7 +1168,7 @@
           <a:p>
             <a:fld id="{78C97017-6FC3-485B-9764-EAC9E56C1D49}" type="datetimeFigureOut">
               <a:rPr lang="en-US" smtClean="0"/>
-              <a:t>1/7/2017</a:t>
+              <a:t>3/28/2017</a:t>
             </a:fld>
             <a:endParaRPr lang="en-US"/>
           </a:p>
@@ -1413,7 +1413,7 @@
           <a:p>
             <a:fld id="{78C97017-6FC3-485B-9764-EAC9E56C1D49}" type="datetimeFigureOut">
               <a:rPr lang="en-US" smtClean="0"/>
-              <a:t>1/7/2017</a:t>
+              <a:t>3/28/2017</a:t>
             </a:fld>
             <a:endParaRPr lang="en-US"/>
           </a:p>
@@ -1698,7 +1698,7 @@
           <a:p>
             <a:fld id="{78C97017-6FC3-485B-9764-EAC9E56C1D49}" type="datetimeFigureOut">
               <a:rPr lang="en-US" smtClean="0"/>
-              <a:t>1/7/2017</a:t>
+              <a:t>3/28/2017</a:t>
             </a:fld>
             <a:endParaRPr lang="en-US"/>
           </a:p>
@@ -2117,7 +2117,7 @@
           <a:p>
             <a:fld id="{78C97017-6FC3-485B-9764-EAC9E56C1D49}" type="datetimeFigureOut">
               <a:rPr lang="en-US" smtClean="0"/>
-              <a:t>1/7/2017</a:t>
+              <a:t>3/28/2017</a:t>
             </a:fld>
             <a:endParaRPr lang="en-US"/>
           </a:p>
@@ -2234,7 +2234,7 @@
           <a:p>
             <a:fld id="{78C97017-6FC3-485B-9764-EAC9E56C1D49}" type="datetimeFigureOut">
               <a:rPr lang="en-US" smtClean="0"/>
-              <a:t>1/7/2017</a:t>
+              <a:t>3/28/2017</a:t>
             </a:fld>
             <a:endParaRPr lang="en-US"/>
           </a:p>
@@ -2329,7 +2329,7 @@
           <a:p>
             <a:fld id="{78C97017-6FC3-485B-9764-EAC9E56C1D49}" type="datetimeFigureOut">
               <a:rPr lang="en-US" smtClean="0"/>
-              <a:t>1/7/2017</a:t>
+              <a:t>3/28/2017</a:t>
             </a:fld>
             <a:endParaRPr lang="en-US"/>
           </a:p>
@@ -2604,7 +2604,7 @@
           <a:p>
             <a:fld id="{78C97017-6FC3-485B-9764-EAC9E56C1D49}" type="datetimeFigureOut">
               <a:rPr lang="en-US" smtClean="0"/>
-              <a:t>1/7/2017</a:t>
+              <a:t>3/28/2017</a:t>
             </a:fld>
             <a:endParaRPr lang="en-US"/>
           </a:p>
@@ -2856,7 +2856,7 @@
           <a:p>
             <a:fld id="{78C97017-6FC3-485B-9764-EAC9E56C1D49}" type="datetimeFigureOut">
               <a:rPr lang="en-US" smtClean="0"/>
-              <a:t>1/7/2017</a:t>
+              <a:t>3/28/2017</a:t>
             </a:fld>
             <a:endParaRPr lang="en-US"/>
           </a:p>
@@ -3067,7 +3067,7 @@
           <a:p>
             <a:fld id="{78C97017-6FC3-485B-9764-EAC9E56C1D49}" type="datetimeFigureOut">
               <a:rPr lang="en-US" smtClean="0"/>
-              <a:t>1/7/2017</a:t>
+              <a:t>3/28/2017</a:t>
             </a:fld>
             <a:endParaRPr lang="en-US"/>
           </a:p>
@@ -3451,7 +3451,7 @@
         <p:spPr>
           <a:xfrm>
             <a:off x="1217465" y="1447800"/>
-            <a:ext cx="4917083" cy="3962400"/>
+            <a:ext cx="4917083" cy="4114800"/>
           </a:xfrm>
           <a:prstGeom prst="roundRect">
             <a:avLst>
@@ -3945,7 +3945,7 @@
         </p:nvSpPr>
         <p:spPr>
           <a:xfrm>
-            <a:off x="2592527" y="4563759"/>
+            <a:off x="2592527" y="4487559"/>
             <a:ext cx="1093635" cy="236841"/>
           </a:xfrm>
           <a:prstGeom prst="rect">
@@ -4125,7 +4125,7 @@
         </p:nvSpPr>
         <p:spPr>
           <a:xfrm>
-            <a:off x="2592528" y="4966000"/>
+            <a:off x="2592528" y="5181600"/>
             <a:ext cx="1093635" cy="236841"/>
           </a:xfrm>
           <a:prstGeom prst="rect">
@@ -4371,6 +4371,7 @@
         <p:nvCxnSpPr>
           <p:cNvPr id="47" name="Elbow Connector 63"/>
           <p:cNvCxnSpPr>
+            <a:cxnSpLocks/>
             <a:stCxn id="39" idx="2"/>
             <a:endCxn id="36" idx="1"/>
           </p:cNvCxnSpPr>
@@ -4412,15 +4413,14 @@
         <p:nvCxnSpPr>
           <p:cNvPr id="50" name="Elbow Connector 63"/>
           <p:cNvCxnSpPr>
-            <a:stCxn id="39" idx="2"/>
-            <a:endCxn id="35" idx="1"/>
+            <a:cxnSpLocks/>
           </p:cNvCxnSpPr>
           <p:nvPr/>
         </p:nvCxnSpPr>
         <p:spPr>
           <a:xfrm rot="16200000" flipH="1">
-            <a:off x="1597249" y="3686901"/>
-            <a:ext cx="1814155" cy="176401"/>
+            <a:off x="1477965" y="3806186"/>
+            <a:ext cx="2050996" cy="174674"/>
           </a:xfrm>
           <a:prstGeom prst="bentConnector2">
             <a:avLst/>
@@ -4459,7 +4459,7 @@
         </p:nvCxnSpPr>
         <p:spPr>
           <a:xfrm rot="16200000" flipH="1">
-            <a:off x="1184119" y="3676012"/>
+            <a:off x="1184119" y="3891612"/>
             <a:ext cx="2396440" cy="420377"/>
           </a:xfrm>
           <a:prstGeom prst="bentConnector2">
@@ -4743,8 +4743,8 @@
         </p:nvCxnSpPr>
         <p:spPr>
           <a:xfrm rot="5400000">
-            <a:off x="3409976" y="2562187"/>
-            <a:ext cx="2396180" cy="1843807"/>
+            <a:off x="3448076" y="2524087"/>
+            <a:ext cx="2319980" cy="1843807"/>
           </a:xfrm>
           <a:prstGeom prst="bentConnector2">
             <a:avLst/>
@@ -4784,8 +4784,8 @@
         </p:nvCxnSpPr>
         <p:spPr>
           <a:xfrm rot="5400000">
-            <a:off x="3208856" y="2763307"/>
-            <a:ext cx="2798421" cy="1843806"/>
+            <a:off x="3101056" y="2871107"/>
+            <a:ext cx="3014021" cy="1843806"/>
           </a:xfrm>
           <a:prstGeom prst="bentConnector2">
             <a:avLst/>
@@ -5509,6 +5509,226 @@
           </a:p>
         </p:txBody>
       </p:sp>
+      <p:sp>
+        <p:nvSpPr>
+          <p:cNvPr id="42" name="Rectangle 11"/>
+          <p:cNvSpPr/>
+          <p:nvPr/>
+        </p:nvSpPr>
+        <p:spPr>
+          <a:xfrm>
+            <a:off x="3835302" y="3960230"/>
+            <a:ext cx="1040906" cy="236841"/>
+          </a:xfrm>
+          <a:prstGeom prst="rect">
+            <a:avLst/>
+          </a:prstGeom>
+          <a:ln w="19050">
+            <a:solidFill>
+              <a:schemeClr val="accent3"/>
+            </a:solidFill>
+          </a:ln>
+          <a:effectLst/>
+        </p:spPr>
+        <p:style>
+          <a:lnRef idx="1">
+            <a:schemeClr val="accent3"/>
+          </a:lnRef>
+          <a:fillRef idx="2">
+            <a:schemeClr val="accent3"/>
+          </a:fillRef>
+          <a:effectRef idx="1">
+            <a:schemeClr val="accent3"/>
+          </a:effectRef>
+          <a:fontRef idx="minor">
+            <a:schemeClr val="dk1"/>
+          </a:fontRef>
+        </p:style>
+        <p:txBody>
+          <a:bodyPr rtlCol="0" anchor="ctr"/>
+          <a:lstStyle/>
+          <a:p>
+            <a:pPr algn="ctr"/>
+            <a:r>
+              <a:rPr lang="en-US" sz="1050" b="1" dirty="0" err="1">
+                <a:solidFill>
+                  <a:schemeClr val="accent3">
+                    <a:lumMod val="75000"/>
+                  </a:schemeClr>
+                </a:solidFill>
+              </a:rPr>
+              <a:t>EventCard</a:t>
+            </a:r>
+            <a:endParaRPr lang="en-SG" sz="1050" b="1" dirty="0">
+              <a:solidFill>
+                <a:schemeClr val="accent3">
+                  <a:lumMod val="75000"/>
+                </a:schemeClr>
+              </a:solidFill>
+            </a:endParaRPr>
+          </a:p>
+        </p:txBody>
+      </p:sp>
+      <p:sp>
+        <p:nvSpPr>
+          <p:cNvPr id="45" name="Rectangle 11"/>
+          <p:cNvSpPr/>
+          <p:nvPr/>
+        </p:nvSpPr>
+        <p:spPr>
+          <a:xfrm>
+            <a:off x="3843850" y="4509824"/>
+            <a:ext cx="1040906" cy="236841"/>
+          </a:xfrm>
+          <a:prstGeom prst="rect">
+            <a:avLst/>
+          </a:prstGeom>
+          <a:ln w="19050">
+            <a:solidFill>
+              <a:schemeClr val="accent3"/>
+            </a:solidFill>
+          </a:ln>
+          <a:effectLst/>
+        </p:spPr>
+        <p:style>
+          <a:lnRef idx="1">
+            <a:schemeClr val="accent3"/>
+          </a:lnRef>
+          <a:fillRef idx="2">
+            <a:schemeClr val="accent3"/>
+          </a:fillRef>
+          <a:effectRef idx="1">
+            <a:schemeClr val="accent3"/>
+          </a:effectRef>
+          <a:fontRef idx="minor">
+            <a:schemeClr val="dk1"/>
+          </a:fontRef>
+        </p:style>
+        <p:txBody>
+          <a:bodyPr rtlCol="0" anchor="ctr"/>
+          <a:lstStyle/>
+          <a:p>
+            <a:pPr algn="ctr"/>
+            <a:r>
+              <a:rPr lang="en-US" sz="1050" b="1" dirty="0" err="1">
+                <a:solidFill>
+                  <a:schemeClr val="accent3">
+                    <a:lumMod val="75000"/>
+                  </a:schemeClr>
+                </a:solidFill>
+              </a:rPr>
+              <a:t>TaskCard</a:t>
+            </a:r>
+            <a:endParaRPr lang="en-SG" sz="1050" b="1" dirty="0">
+              <a:solidFill>
+                <a:schemeClr val="accent3">
+                  <a:lumMod val="75000"/>
+                </a:schemeClr>
+              </a:solidFill>
+            </a:endParaRPr>
+          </a:p>
+        </p:txBody>
+      </p:sp>
+      <p:sp>
+        <p:nvSpPr>
+          <p:cNvPr id="48" name="Rectangle 11"/>
+          <p:cNvSpPr/>
+          <p:nvPr/>
+        </p:nvSpPr>
+        <p:spPr>
+          <a:xfrm>
+            <a:off x="2590800" y="4800600"/>
+            <a:ext cx="1093635" cy="236841"/>
+          </a:xfrm>
+          <a:prstGeom prst="rect">
+            <a:avLst/>
+          </a:prstGeom>
+          <a:ln w="19050">
+            <a:solidFill>
+              <a:schemeClr val="accent3"/>
+            </a:solidFill>
+          </a:ln>
+          <a:effectLst/>
+        </p:spPr>
+        <p:style>
+          <a:lnRef idx="1">
+            <a:schemeClr val="accent3"/>
+          </a:lnRef>
+          <a:fillRef idx="2">
+            <a:schemeClr val="accent3"/>
+          </a:fillRef>
+          <a:effectRef idx="1">
+            <a:schemeClr val="accent3"/>
+          </a:effectRef>
+          <a:fontRef idx="minor">
+            <a:schemeClr val="dk1"/>
+          </a:fontRef>
+        </p:style>
+        <p:txBody>
+          <a:bodyPr rtlCol="0" anchor="ctr"/>
+          <a:lstStyle/>
+          <a:p>
+            <a:pPr algn="ctr"/>
+            <a:r>
+              <a:rPr lang="en-US" sz="1050" b="1" dirty="0" err="1">
+                <a:solidFill>
+                  <a:schemeClr val="accent3">
+                    <a:lumMod val="75000"/>
+                  </a:schemeClr>
+                </a:solidFill>
+              </a:rPr>
+              <a:t>CalendarPanel</a:t>
+            </a:r>
+            <a:endParaRPr lang="en-SG" sz="1050" b="1" dirty="0">
+              <a:solidFill>
+                <a:schemeClr val="accent3">
+                  <a:lumMod val="75000"/>
+                </a:schemeClr>
+              </a:solidFill>
+            </a:endParaRPr>
+          </a:p>
+        </p:txBody>
+      </p:sp>
+      <p:cxnSp>
+        <p:nvCxnSpPr>
+          <p:cNvPr id="51" name="Elbow Connector 63"/>
+          <p:cNvCxnSpPr>
+            <a:cxnSpLocks/>
+          </p:cNvCxnSpPr>
+          <p:nvPr/>
+        </p:nvCxnSpPr>
+        <p:spPr>
+          <a:xfrm rot="16200000" flipH="1">
+            <a:off x="1881422" y="3885778"/>
+            <a:ext cx="1242356" cy="176400"/>
+          </a:xfrm>
+          <a:prstGeom prst="bentConnector2">
+            <a:avLst/>
+          </a:prstGeom>
+          <a:ln w="19050">
+            <a:solidFill>
+              <a:schemeClr val="accent3"/>
+            </a:solidFill>
+            <a:headEnd type="none" w="med" len="med"/>
+            <a:tailEnd type="arrow" w="med" len="med"/>
+          </a:ln>
+          <a:effectLst/>
+        </p:spPr>
+        <p:style>
+          <a:lnRef idx="1">
+            <a:schemeClr val="accent2"/>
+          </a:lnRef>
+          <a:fillRef idx="2">
+            <a:schemeClr val="accent2"/>
+          </a:fillRef>
+          <a:effectRef idx="1">
+            <a:schemeClr val="accent2"/>
+          </a:effectRef>
+          <a:fontRef idx="minor">
+            <a:schemeClr val="dk1"/>
+          </a:fontRef>
+        </p:style>
+      </p:cxnSp>
     </p:spTree>
     <p:extLst>
       <p:ext uri="{BB962C8B-B14F-4D97-AF65-F5344CB8AC3E}">

--- a/docs/diagrams/UiComponentClassDiagram.pptx
+++ b/docs/diagrams/UiComponentClassDiagram.pptx
@@ -1,16 +1,16 @@
 
 <file path=ppt/presentation.xml><?xml version="1.0" encoding="utf-8"?>
-<p:presentation xmlns:a="http://schemas.openxmlformats.org/drawingml/2006/main" xmlns:r="http://schemas.openxmlformats.org/officeDocument/2006/relationships" xmlns:p="http://schemas.openxmlformats.org/presentationml/2006/main">
+<p:presentation xmlns:a="http://schemas.openxmlformats.org/drawingml/2006/main" xmlns:r="http://schemas.openxmlformats.org/officeDocument/2006/relationships" xmlns:p="http://schemas.openxmlformats.org/presentationml/2006/main" saveSubsetFonts="1">
   <p:sldMasterIdLst>
-    <p:sldMasterId id="2147483648" r:id="rId5"/>
+    <p:sldMasterId id="2147483648" r:id="rId1"/>
   </p:sldMasterIdLst>
   <p:notesMasterIdLst>
-    <p:notesMasterId r:id="rId7"/>
+    <p:notesMasterId r:id="rId3"/>
   </p:notesMasterIdLst>
   <p:sldIdLst>
-    <p:sldId id="256" r:id="rId8"/>
+    <p:sldId id="256" r:id="rId2"/>
   </p:sldIdLst>
-  <p:sldSz cx="9144000" cy="6858000"/>
+  <p:sldSz cx="9144000" cy="6858000" type="screen4x3"/>
   <p:notesSz cx="6858000" cy="9144000"/>
   <p:defaultTextStyle>
     <a:defPPr marL="0" marR="0" indent="0" algn="l" defTabSz="914400" rtl="0" fontAlgn="auto" latinLnBrk="1" hangingPunct="0">
@@ -28,7 +28,7 @@
       <a:buFontTx/>
       <a:buNone/>
       <a:tabLst/>
-      <a:defRPr b="0" baseline="0" cap="none" i="0" spc="0" strike="noStrike" sz="1800" u="none" kumimoji="0" normalizeH="0">
+      <a:defRPr kumimoji="0" sz="1800" b="0" i="0" u="none" strike="noStrike" cap="none" spc="0" normalizeH="0" baseline="0">
         <a:ln>
           <a:noFill/>
         </a:ln>
@@ -54,7 +54,7 @@
       <a:buFontTx/>
       <a:buNone/>
       <a:tabLst/>
-      <a:defRPr b="0" baseline="0" cap="none" i="0" spc="0" strike="noStrike" sz="1800" u="none" kumimoji="0" normalizeH="0">
+      <a:defRPr kumimoji="0" sz="1800" b="0" i="0" u="none" strike="noStrike" cap="none" spc="0" normalizeH="0" baseline="0">
         <a:ln>
           <a:noFill/>
         </a:ln>
@@ -84,7 +84,7 @@
       <a:buFontTx/>
       <a:buNone/>
       <a:tabLst/>
-      <a:defRPr b="0" baseline="0" cap="none" i="0" spc="0" strike="noStrike" sz="1800" u="none" kumimoji="0" normalizeH="0">
+      <a:defRPr kumimoji="0" sz="1800" b="0" i="0" u="none" strike="noStrike" cap="none" spc="0" normalizeH="0" baseline="0">
         <a:ln>
           <a:noFill/>
         </a:ln>
@@ -114,7 +114,7 @@
       <a:buFontTx/>
       <a:buNone/>
       <a:tabLst/>
-      <a:defRPr b="0" baseline="0" cap="none" i="0" spc="0" strike="noStrike" sz="1800" u="none" kumimoji="0" normalizeH="0">
+      <a:defRPr kumimoji="0" sz="1800" b="0" i="0" u="none" strike="noStrike" cap="none" spc="0" normalizeH="0" baseline="0">
         <a:ln>
           <a:noFill/>
         </a:ln>
@@ -144,7 +144,7 @@
       <a:buFontTx/>
       <a:buNone/>
       <a:tabLst/>
-      <a:defRPr b="0" baseline="0" cap="none" i="0" spc="0" strike="noStrike" sz="1800" u="none" kumimoji="0" normalizeH="0">
+      <a:defRPr kumimoji="0" sz="1800" b="0" i="0" u="none" strike="noStrike" cap="none" spc="0" normalizeH="0" baseline="0">
         <a:ln>
           <a:noFill/>
         </a:ln>
@@ -174,7 +174,7 @@
       <a:buFontTx/>
       <a:buNone/>
       <a:tabLst/>
-      <a:defRPr b="0" baseline="0" cap="none" i="0" spc="0" strike="noStrike" sz="1800" u="none" kumimoji="0" normalizeH="0">
+      <a:defRPr kumimoji="0" sz="1800" b="0" i="0" u="none" strike="noStrike" cap="none" spc="0" normalizeH="0" baseline="0">
         <a:ln>
           <a:noFill/>
         </a:ln>
@@ -204,7 +204,7 @@
       <a:buFontTx/>
       <a:buNone/>
       <a:tabLst/>
-      <a:defRPr b="0" baseline="0" cap="none" i="0" spc="0" strike="noStrike" sz="1800" u="none" kumimoji="0" normalizeH="0">
+      <a:defRPr kumimoji="0" sz="1800" b="0" i="0" u="none" strike="noStrike" cap="none" spc="0" normalizeH="0" baseline="0">
         <a:ln>
           <a:noFill/>
         </a:ln>
@@ -234,7 +234,7 @@
       <a:buFontTx/>
       <a:buNone/>
       <a:tabLst/>
-      <a:defRPr b="0" baseline="0" cap="none" i="0" spc="0" strike="noStrike" sz="1800" u="none" kumimoji="0" normalizeH="0">
+      <a:defRPr kumimoji="0" sz="1800" b="0" i="0" u="none" strike="noStrike" cap="none" spc="0" normalizeH="0" baseline="0">
         <a:ln>
           <a:noFill/>
         </a:ln>
@@ -264,7 +264,7 @@
       <a:buFontTx/>
       <a:buNone/>
       <a:tabLst/>
-      <a:defRPr b="0" baseline="0" cap="none" i="0" spc="0" strike="noStrike" sz="1800" u="none" kumimoji="0" normalizeH="0">
+      <a:defRPr kumimoji="0" sz="1800" b="0" i="0" u="none" strike="noStrike" cap="none" spc="0" normalizeH="0" baseline="0">
         <a:ln>
           <a:noFill/>
         </a:ln>
@@ -294,7 +294,7 @@
       <a:buFontTx/>
       <a:buNone/>
       <a:tabLst/>
-      <a:defRPr b="0" baseline="0" cap="none" i="0" spc="0" strike="noStrike" sz="1800" u="none" kumimoji="0" normalizeH="0">
+      <a:defRPr kumimoji="0" sz="1800" b="0" i="0" u="none" strike="noStrike" cap="none" spc="0" normalizeH="0" baseline="0">
         <a:ln>
           <a:noFill/>
         </a:ln>
@@ -313,13 +313,14 @@
 </p:presentation>
 </file>
 
-<file path=ppt/commentAuthors.xml><?xml version="1.0" encoding="utf-8"?>
-<p:cmAuthorLst xmlns:a="http://schemas.openxmlformats.org/drawingml/2006/main" xmlns:r="http://schemas.openxmlformats.org/officeDocument/2006/relationships" xmlns:p="http://schemas.openxmlformats.org/presentationml/2006/main"/>
-</file>
-
 <file path=ppt/notesMasters/notesMaster1.xml><?xml version="1.0" encoding="utf-8"?>
 <p:notesMaster xmlns:a="http://schemas.openxmlformats.org/drawingml/2006/main" xmlns:r="http://schemas.openxmlformats.org/officeDocument/2006/relationships" xmlns:p="http://schemas.openxmlformats.org/presentationml/2006/main">
   <p:cSld>
+    <p:bg>
+      <p:bgRef idx="1001">
+        <a:schemeClr val="bg1"/>
+      </p:bgRef>
+    </p:bg>
     <p:spTree>
       <p:nvGrpSpPr>
         <p:cNvPr id="1" name=""/>
@@ -337,7 +338,9 @@
       <p:sp>
         <p:nvSpPr>
           <p:cNvPr id="109" name="Shape 109"/>
-          <p:cNvSpPr/>
+          <p:cNvSpPr>
+            <a:spLocks noGrp="1" noRot="1" noChangeAspect="1"/>
+          </p:cNvSpPr>
           <p:nvPr>
             <p:ph type="sldImg"/>
           </p:nvPr>
@@ -355,14 +358,16 @@
           <a:bodyPr/>
           <a:lstStyle/>
           <a:p>
-            <a:pPr/>
+            <a:endParaRPr/>
           </a:p>
         </p:txBody>
       </p:sp>
       <p:sp>
         <p:nvSpPr>
           <p:cNvPr id="110" name="Shape 110"/>
-          <p:cNvSpPr/>
+          <p:cNvSpPr>
+            <a:spLocks noGrp="1"/>
+          </p:cNvSpPr>
           <p:nvPr>
             <p:ph type="body" sz="quarter" idx="1"/>
           </p:nvPr>
@@ -380,11 +385,16 @@
           <a:bodyPr/>
           <a:lstStyle/>
           <a:p>
-            <a:pPr/>
+            <a:endParaRPr/>
           </a:p>
         </p:txBody>
       </p:sp>
     </p:spTree>
+    <p:extLst>
+      <p:ext uri="{BB962C8B-B14F-4D97-AF65-F5344CB8AC3E}">
+        <p14:creationId xmlns:p14="http://schemas.microsoft.com/office/powerpoint/2010/main" val="294702567"/>
+      </p:ext>
+    </p:extLst>
   </p:cSld>
   <p:clrMap bg1="lt1" tx1="dk1" bg2="lt2" tx2="dk2" accent1="accent1" accent2="accent2" accent3="accent3" accent4="accent4" accent5="accent5" accent6="accent6" hlink="hlink" folHlink="folHlink"/>
   <p:notesStyle>
@@ -465,7 +475,7 @@
 </file>
 
 <file path=ppt/slideLayouts/slideLayout1.xml><?xml version="1.0" encoding="utf-8"?>
-<p:sldLayout xmlns:a="http://schemas.openxmlformats.org/drawingml/2006/main" xmlns:r="http://schemas.openxmlformats.org/officeDocument/2006/relationships" xmlns:p="http://schemas.openxmlformats.org/presentationml/2006/main" type="title" showMasterSp="1" showMasterPhAnim="1">
+<p:sldLayout xmlns:a="http://schemas.openxmlformats.org/drawingml/2006/main" xmlns:r="http://schemas.openxmlformats.org/officeDocument/2006/relationships" xmlns:p="http://schemas.openxmlformats.org/presentationml/2006/main" type="title">
   <p:cSld name="Title Slide">
     <p:spTree>
       <p:nvGrpSpPr>
@@ -484,7 +494,9 @@
       <p:sp>
         <p:nvSpPr>
           <p:cNvPr id="11" name="Shape 11"/>
-          <p:cNvSpPr/>
+          <p:cNvSpPr>
+            <a:spLocks noGrp="1"/>
+          </p:cNvSpPr>
           <p:nvPr>
             <p:ph type="title"/>
           </p:nvPr>
@@ -502,7 +514,6 @@
           <a:bodyPr/>
           <a:lstStyle/>
           <a:p>
-            <a:pPr/>
             <a:r>
               <a:t>Title Text</a:t>
             </a:r>
@@ -512,7 +523,9 @@
       <p:sp>
         <p:nvSpPr>
           <p:cNvPr id="12" name="Shape 12"/>
-          <p:cNvSpPr/>
+          <p:cNvSpPr>
+            <a:spLocks noGrp="1"/>
+          </p:cNvSpPr>
           <p:nvPr>
             <p:ph type="body" sz="quarter" idx="1"/>
           </p:nvPr>
@@ -581,7 +594,6 @@
             </a:lvl5pPr>
           </a:lstStyle>
           <a:p>
-            <a:pPr/>
             <a:r>
               <a:t>Body Level One</a:t>
             </a:r>
@@ -615,7 +627,9 @@
       <p:sp>
         <p:nvSpPr>
           <p:cNvPr id="13" name="Shape 13"/>
-          <p:cNvSpPr/>
+          <p:cNvSpPr>
+            <a:spLocks noGrp="1"/>
+          </p:cNvSpPr>
           <p:nvPr>
             <p:ph type="sldNum" sz="quarter" idx="2"/>
           </p:nvPr>
@@ -629,8 +643,10 @@
           <a:bodyPr/>
           <a:lstStyle/>
           <a:p>
-            <a:pPr/>
-            <a:fld id="{86CB4B4D-7CA3-9044-876B-883B54F8677D}" type="slidenum"/>
+            <a:fld id="{86CB4B4D-7CA3-9044-876B-883B54F8677D}" type="slidenum">
+              <a:t>‹#›</a:t>
+            </a:fld>
+            <a:endParaRPr/>
           </a:p>
         </p:txBody>
       </p:sp>
@@ -639,12 +655,12 @@
   <p:clrMapOvr>
     <a:masterClrMapping/>
   </p:clrMapOvr>
-  <p:transition xmlns:p14="http://schemas.microsoft.com/office/powerpoint/2010/main" spd="med" advClick="1"/>
+  <p:transition spd="med"/>
 </p:sldLayout>
 </file>
 
 <file path=ppt/slideLayouts/slideLayout10.xml><?xml version="1.0" encoding="utf-8"?>
-<p:sldLayout xmlns:a="http://schemas.openxmlformats.org/drawingml/2006/main" xmlns:r="http://schemas.openxmlformats.org/officeDocument/2006/relationships" xmlns:p="http://schemas.openxmlformats.org/presentationml/2006/main" type="tx" showMasterSp="1" showMasterPhAnim="1">
+<p:sldLayout xmlns:a="http://schemas.openxmlformats.org/drawingml/2006/main" xmlns:r="http://schemas.openxmlformats.org/officeDocument/2006/relationships" xmlns:p="http://schemas.openxmlformats.org/presentationml/2006/main" type="tx">
   <p:cSld name="Title and Vertical Text">
     <p:spTree>
       <p:nvGrpSpPr>
@@ -663,7 +679,9 @@
       <p:sp>
         <p:nvSpPr>
           <p:cNvPr id="92" name="Shape 92"/>
-          <p:cNvSpPr/>
+          <p:cNvSpPr>
+            <a:spLocks noGrp="1"/>
+          </p:cNvSpPr>
           <p:nvPr>
             <p:ph type="title"/>
           </p:nvPr>
@@ -677,7 +695,6 @@
           <a:bodyPr/>
           <a:lstStyle/>
           <a:p>
-            <a:pPr/>
             <a:r>
               <a:t>Title Text</a:t>
             </a:r>
@@ -687,7 +704,9 @@
       <p:sp>
         <p:nvSpPr>
           <p:cNvPr id="93" name="Shape 93"/>
-          <p:cNvSpPr/>
+          <p:cNvSpPr>
+            <a:spLocks noGrp="1"/>
+          </p:cNvSpPr>
           <p:nvPr>
             <p:ph type="body" idx="1"/>
           </p:nvPr>
@@ -701,7 +720,6 @@
           <a:bodyPr/>
           <a:lstStyle/>
           <a:p>
-            <a:pPr/>
             <a:r>
               <a:t>Body Level One</a:t>
             </a:r>
@@ -735,7 +753,9 @@
       <p:sp>
         <p:nvSpPr>
           <p:cNvPr id="94" name="Shape 94"/>
-          <p:cNvSpPr/>
+          <p:cNvSpPr>
+            <a:spLocks noGrp="1"/>
+          </p:cNvSpPr>
           <p:nvPr>
             <p:ph type="sldNum" sz="quarter" idx="2"/>
           </p:nvPr>
@@ -749,8 +769,10 @@
           <a:bodyPr/>
           <a:lstStyle/>
           <a:p>
-            <a:pPr/>
-            <a:fld id="{86CB4B4D-7CA3-9044-876B-883B54F8677D}" type="slidenum"/>
+            <a:fld id="{86CB4B4D-7CA3-9044-876B-883B54F8677D}" type="slidenum">
+              <a:t>‹#›</a:t>
+            </a:fld>
+            <a:endParaRPr/>
           </a:p>
         </p:txBody>
       </p:sp>
@@ -759,12 +781,12 @@
   <p:clrMapOvr>
     <a:masterClrMapping/>
   </p:clrMapOvr>
-  <p:transition xmlns:p14="http://schemas.microsoft.com/office/powerpoint/2010/main" spd="med" advClick="1"/>
+  <p:transition spd="med"/>
 </p:sldLayout>
 </file>
 
 <file path=ppt/slideLayouts/slideLayout11.xml><?xml version="1.0" encoding="utf-8"?>
-<p:sldLayout xmlns:a="http://schemas.openxmlformats.org/drawingml/2006/main" xmlns:r="http://schemas.openxmlformats.org/officeDocument/2006/relationships" xmlns:p="http://schemas.openxmlformats.org/presentationml/2006/main" type="tx" showMasterSp="1" showMasterPhAnim="1">
+<p:sldLayout xmlns:a="http://schemas.openxmlformats.org/drawingml/2006/main" xmlns:r="http://schemas.openxmlformats.org/officeDocument/2006/relationships" xmlns:p="http://schemas.openxmlformats.org/presentationml/2006/main" type="tx">
   <p:cSld name="Vertical Title and Text">
     <p:spTree>
       <p:nvGrpSpPr>
@@ -783,7 +805,9 @@
       <p:sp>
         <p:nvSpPr>
           <p:cNvPr id="101" name="Shape 101"/>
-          <p:cNvSpPr/>
+          <p:cNvSpPr>
+            <a:spLocks noGrp="1"/>
+          </p:cNvSpPr>
           <p:nvPr>
             <p:ph type="title"/>
           </p:nvPr>
@@ -801,7 +825,6 @@
           <a:bodyPr/>
           <a:lstStyle/>
           <a:p>
-            <a:pPr/>
             <a:r>
               <a:t>Title Text</a:t>
             </a:r>
@@ -811,7 +834,9 @@
       <p:sp>
         <p:nvSpPr>
           <p:cNvPr id="102" name="Shape 102"/>
-          <p:cNvSpPr/>
+          <p:cNvSpPr>
+            <a:spLocks noGrp="1"/>
+          </p:cNvSpPr>
           <p:nvPr>
             <p:ph type="body" idx="1"/>
           </p:nvPr>
@@ -829,7 +854,6 @@
           <a:bodyPr/>
           <a:lstStyle/>
           <a:p>
-            <a:pPr/>
             <a:r>
               <a:t>Body Level One</a:t>
             </a:r>
@@ -863,7 +887,9 @@
       <p:sp>
         <p:nvSpPr>
           <p:cNvPr id="103" name="Shape 103"/>
-          <p:cNvSpPr/>
+          <p:cNvSpPr>
+            <a:spLocks noGrp="1"/>
+          </p:cNvSpPr>
           <p:nvPr>
             <p:ph type="sldNum" sz="quarter" idx="2"/>
           </p:nvPr>
@@ -877,8 +903,10 @@
           <a:bodyPr/>
           <a:lstStyle/>
           <a:p>
-            <a:pPr/>
-            <a:fld id="{86CB4B4D-7CA3-9044-876B-883B54F8677D}" type="slidenum"/>
+            <a:fld id="{86CB4B4D-7CA3-9044-876B-883B54F8677D}" type="slidenum">
+              <a:t>‹#›</a:t>
+            </a:fld>
+            <a:endParaRPr/>
           </a:p>
         </p:txBody>
       </p:sp>
@@ -887,12 +915,12 @@
   <p:clrMapOvr>
     <a:masterClrMapping/>
   </p:clrMapOvr>
-  <p:transition xmlns:p14="http://schemas.microsoft.com/office/powerpoint/2010/main" spd="med" advClick="1"/>
+  <p:transition spd="med"/>
 </p:sldLayout>
 </file>
 
 <file path=ppt/slideLayouts/slideLayout2.xml><?xml version="1.0" encoding="utf-8"?>
-<p:sldLayout xmlns:a="http://schemas.openxmlformats.org/drawingml/2006/main" xmlns:r="http://schemas.openxmlformats.org/officeDocument/2006/relationships" xmlns:p="http://schemas.openxmlformats.org/presentationml/2006/main" type="tx" showMasterSp="1" showMasterPhAnim="1">
+<p:sldLayout xmlns:a="http://schemas.openxmlformats.org/drawingml/2006/main" xmlns:r="http://schemas.openxmlformats.org/officeDocument/2006/relationships" xmlns:p="http://schemas.openxmlformats.org/presentationml/2006/main" type="tx">
   <p:cSld name="Title and Content">
     <p:spTree>
       <p:nvGrpSpPr>
@@ -911,7 +939,9 @@
       <p:sp>
         <p:nvSpPr>
           <p:cNvPr id="20" name="Shape 20"/>
-          <p:cNvSpPr/>
+          <p:cNvSpPr>
+            <a:spLocks noGrp="1"/>
+          </p:cNvSpPr>
           <p:nvPr>
             <p:ph type="title"/>
           </p:nvPr>
@@ -925,7 +955,6 @@
           <a:bodyPr/>
           <a:lstStyle/>
           <a:p>
-            <a:pPr/>
             <a:r>
               <a:t>Title Text</a:t>
             </a:r>
@@ -935,7 +964,9 @@
       <p:sp>
         <p:nvSpPr>
           <p:cNvPr id="21" name="Shape 21"/>
-          <p:cNvSpPr/>
+          <p:cNvSpPr>
+            <a:spLocks noGrp="1"/>
+          </p:cNvSpPr>
           <p:nvPr>
             <p:ph type="body" idx="1"/>
           </p:nvPr>
@@ -949,7 +980,6 @@
           <a:bodyPr/>
           <a:lstStyle/>
           <a:p>
-            <a:pPr/>
             <a:r>
               <a:t>Body Level One</a:t>
             </a:r>
@@ -983,7 +1013,9 @@
       <p:sp>
         <p:nvSpPr>
           <p:cNvPr id="22" name="Shape 22"/>
-          <p:cNvSpPr/>
+          <p:cNvSpPr>
+            <a:spLocks noGrp="1"/>
+          </p:cNvSpPr>
           <p:nvPr>
             <p:ph type="sldNum" sz="quarter" idx="2"/>
           </p:nvPr>
@@ -997,8 +1029,10 @@
           <a:bodyPr/>
           <a:lstStyle/>
           <a:p>
-            <a:pPr/>
-            <a:fld id="{86CB4B4D-7CA3-9044-876B-883B54F8677D}" type="slidenum"/>
+            <a:fld id="{86CB4B4D-7CA3-9044-876B-883B54F8677D}" type="slidenum">
+              <a:t>‹#›</a:t>
+            </a:fld>
+            <a:endParaRPr/>
           </a:p>
         </p:txBody>
       </p:sp>
@@ -1007,12 +1041,12 @@
   <p:clrMapOvr>
     <a:masterClrMapping/>
   </p:clrMapOvr>
-  <p:transition xmlns:p14="http://schemas.microsoft.com/office/powerpoint/2010/main" spd="med" advClick="1"/>
+  <p:transition spd="med"/>
 </p:sldLayout>
 </file>
 
 <file path=ppt/slideLayouts/slideLayout3.xml><?xml version="1.0" encoding="utf-8"?>
-<p:sldLayout xmlns:a="http://schemas.openxmlformats.org/drawingml/2006/main" xmlns:r="http://schemas.openxmlformats.org/officeDocument/2006/relationships" xmlns:p="http://schemas.openxmlformats.org/presentationml/2006/main" type="tx" showMasterSp="1" showMasterPhAnim="1">
+<p:sldLayout xmlns:a="http://schemas.openxmlformats.org/drawingml/2006/main" xmlns:r="http://schemas.openxmlformats.org/officeDocument/2006/relationships" xmlns:p="http://schemas.openxmlformats.org/presentationml/2006/main" type="tx">
   <p:cSld name="Section Header">
     <p:spTree>
       <p:nvGrpSpPr>
@@ -1031,7 +1065,9 @@
       <p:sp>
         <p:nvSpPr>
           <p:cNvPr id="29" name="Shape 29"/>
-          <p:cNvSpPr/>
+          <p:cNvSpPr>
+            <a:spLocks noGrp="1"/>
+          </p:cNvSpPr>
           <p:nvPr>
             <p:ph type="title"/>
           </p:nvPr>
@@ -1049,11 +1085,10 @@
           <a:bodyPr anchor="t"/>
           <a:lstStyle>
             <a:lvl1pPr algn="l">
-              <a:defRPr b="1" cap="all" sz="4000"/>
+              <a:defRPr sz="4000" b="1" cap="all"/>
             </a:lvl1pPr>
           </a:lstStyle>
           <a:p>
-            <a:pPr/>
             <a:r>
               <a:t>Title Text</a:t>
             </a:r>
@@ -1063,7 +1098,9 @@
       <p:sp>
         <p:nvSpPr>
           <p:cNvPr id="30" name="Shape 30"/>
-          <p:cNvSpPr/>
+          <p:cNvSpPr>
+            <a:spLocks noGrp="1"/>
+          </p:cNvSpPr>
           <p:nvPr>
             <p:ph type="body" sz="quarter" idx="1"/>
           </p:nvPr>
@@ -1147,7 +1184,6 @@
             </a:lvl5pPr>
           </a:lstStyle>
           <a:p>
-            <a:pPr/>
             <a:r>
               <a:t>Body Level One</a:t>
             </a:r>
@@ -1181,7 +1217,9 @@
       <p:sp>
         <p:nvSpPr>
           <p:cNvPr id="31" name="Shape 31"/>
-          <p:cNvSpPr/>
+          <p:cNvSpPr>
+            <a:spLocks noGrp="1"/>
+          </p:cNvSpPr>
           <p:nvPr>
             <p:ph type="sldNum" sz="quarter" idx="2"/>
           </p:nvPr>
@@ -1195,8 +1233,10 @@
           <a:bodyPr/>
           <a:lstStyle/>
           <a:p>
-            <a:pPr/>
-            <a:fld id="{86CB4B4D-7CA3-9044-876B-883B54F8677D}" type="slidenum"/>
+            <a:fld id="{86CB4B4D-7CA3-9044-876B-883B54F8677D}" type="slidenum">
+              <a:t>‹#›</a:t>
+            </a:fld>
+            <a:endParaRPr/>
           </a:p>
         </p:txBody>
       </p:sp>
@@ -1205,12 +1245,12 @@
   <p:clrMapOvr>
     <a:masterClrMapping/>
   </p:clrMapOvr>
-  <p:transition xmlns:p14="http://schemas.microsoft.com/office/powerpoint/2010/main" spd="med" advClick="1"/>
+  <p:transition spd="med"/>
 </p:sldLayout>
 </file>
 
 <file path=ppt/slideLayouts/slideLayout4.xml><?xml version="1.0" encoding="utf-8"?>
-<p:sldLayout xmlns:a="http://schemas.openxmlformats.org/drawingml/2006/main" xmlns:r="http://schemas.openxmlformats.org/officeDocument/2006/relationships" xmlns:p="http://schemas.openxmlformats.org/presentationml/2006/main" type="tx" showMasterSp="1" showMasterPhAnim="1">
+<p:sldLayout xmlns:a="http://schemas.openxmlformats.org/drawingml/2006/main" xmlns:r="http://schemas.openxmlformats.org/officeDocument/2006/relationships" xmlns:p="http://schemas.openxmlformats.org/presentationml/2006/main" type="tx">
   <p:cSld name="Two Content">
     <p:spTree>
       <p:nvGrpSpPr>
@@ -1229,7 +1269,9 @@
       <p:sp>
         <p:nvSpPr>
           <p:cNvPr id="38" name="Shape 38"/>
-          <p:cNvSpPr/>
+          <p:cNvSpPr>
+            <a:spLocks noGrp="1"/>
+          </p:cNvSpPr>
           <p:nvPr>
             <p:ph type="title"/>
           </p:nvPr>
@@ -1243,7 +1285,6 @@
           <a:bodyPr/>
           <a:lstStyle/>
           <a:p>
-            <a:pPr/>
             <a:r>
               <a:t>Title Text</a:t>
             </a:r>
@@ -1253,7 +1294,9 @@
       <p:sp>
         <p:nvSpPr>
           <p:cNvPr id="39" name="Shape 39"/>
-          <p:cNvSpPr/>
+          <p:cNvSpPr>
+            <a:spLocks noGrp="1"/>
+          </p:cNvSpPr>
           <p:nvPr>
             <p:ph type="body" sz="half" idx="1"/>
           </p:nvPr>
@@ -1302,7 +1345,6 @@
             </a:lvl5pPr>
           </a:lstStyle>
           <a:p>
-            <a:pPr/>
             <a:r>
               <a:t>Body Level One</a:t>
             </a:r>
@@ -1336,7 +1378,9 @@
       <p:sp>
         <p:nvSpPr>
           <p:cNvPr id="40" name="Shape 40"/>
-          <p:cNvSpPr/>
+          <p:cNvSpPr>
+            <a:spLocks noGrp="1"/>
+          </p:cNvSpPr>
           <p:nvPr>
             <p:ph type="sldNum" sz="quarter" idx="2"/>
           </p:nvPr>
@@ -1350,8 +1394,10 @@
           <a:bodyPr/>
           <a:lstStyle/>
           <a:p>
-            <a:pPr/>
-            <a:fld id="{86CB4B4D-7CA3-9044-876B-883B54F8677D}" type="slidenum"/>
+            <a:fld id="{86CB4B4D-7CA3-9044-876B-883B54F8677D}" type="slidenum">
+              <a:t>‹#›</a:t>
+            </a:fld>
+            <a:endParaRPr/>
           </a:p>
         </p:txBody>
       </p:sp>
@@ -1360,12 +1406,12 @@
   <p:clrMapOvr>
     <a:masterClrMapping/>
   </p:clrMapOvr>
-  <p:transition xmlns:p14="http://schemas.microsoft.com/office/powerpoint/2010/main" spd="med" advClick="1"/>
+  <p:transition spd="med"/>
 </p:sldLayout>
 </file>
 
 <file path=ppt/slideLayouts/slideLayout5.xml><?xml version="1.0" encoding="utf-8"?>
-<p:sldLayout xmlns:a="http://schemas.openxmlformats.org/drawingml/2006/main" xmlns:r="http://schemas.openxmlformats.org/officeDocument/2006/relationships" xmlns:p="http://schemas.openxmlformats.org/presentationml/2006/main" type="tx" showMasterSp="1" showMasterPhAnim="1">
+<p:sldLayout xmlns:a="http://schemas.openxmlformats.org/drawingml/2006/main" xmlns:r="http://schemas.openxmlformats.org/officeDocument/2006/relationships" xmlns:p="http://schemas.openxmlformats.org/presentationml/2006/main" type="tx">
   <p:cSld name="Comparison">
     <p:spTree>
       <p:nvGrpSpPr>
@@ -1384,7 +1430,9 @@
       <p:sp>
         <p:nvSpPr>
           <p:cNvPr id="47" name="Shape 47"/>
-          <p:cNvSpPr/>
+          <p:cNvSpPr>
+            <a:spLocks noGrp="1"/>
+          </p:cNvSpPr>
           <p:nvPr>
             <p:ph type="title"/>
           </p:nvPr>
@@ -1398,7 +1446,6 @@
           <a:bodyPr/>
           <a:lstStyle/>
           <a:p>
-            <a:pPr/>
             <a:r>
               <a:t>Title Text</a:t>
             </a:r>
@@ -1408,7 +1455,9 @@
       <p:sp>
         <p:nvSpPr>
           <p:cNvPr id="48" name="Shape 48"/>
-          <p:cNvSpPr/>
+          <p:cNvSpPr>
+            <a:spLocks noGrp="1"/>
+          </p:cNvSpPr>
           <p:nvPr>
             <p:ph type="body" sz="quarter" idx="1"/>
           </p:nvPr>
@@ -1432,7 +1481,7 @@
               <a:buSzTx/>
               <a:buFontTx/>
               <a:buNone/>
-              <a:defRPr b="1" sz="2400"/>
+              <a:defRPr sz="2400" b="1"/>
             </a:lvl1pPr>
             <a:lvl2pPr marL="0" indent="457200">
               <a:spcBef>
@@ -1441,7 +1490,7 @@
               <a:buSzTx/>
               <a:buFontTx/>
               <a:buNone/>
-              <a:defRPr b="1" sz="2400"/>
+              <a:defRPr sz="2400" b="1"/>
             </a:lvl2pPr>
             <a:lvl3pPr marL="0" indent="914400">
               <a:spcBef>
@@ -1450,7 +1499,7 @@
               <a:buSzTx/>
               <a:buFontTx/>
               <a:buNone/>
-              <a:defRPr b="1" sz="2400"/>
+              <a:defRPr sz="2400" b="1"/>
             </a:lvl3pPr>
             <a:lvl4pPr marL="0" indent="1371600">
               <a:spcBef>
@@ -1459,7 +1508,7 @@
               <a:buSzTx/>
               <a:buFontTx/>
               <a:buNone/>
-              <a:defRPr b="1" sz="2400"/>
+              <a:defRPr sz="2400" b="1"/>
             </a:lvl4pPr>
             <a:lvl5pPr marL="0" indent="1828800">
               <a:spcBef>
@@ -1468,11 +1517,10 @@
               <a:buSzTx/>
               <a:buFontTx/>
               <a:buNone/>
-              <a:defRPr b="1" sz="2400"/>
+              <a:defRPr sz="2400" b="1"/>
             </a:lvl5pPr>
           </a:lstStyle>
           <a:p>
-            <a:pPr/>
             <a:r>
               <a:t>Body Level One</a:t>
             </a:r>
@@ -1506,7 +1554,9 @@
       <p:sp>
         <p:nvSpPr>
           <p:cNvPr id="49" name="Shape 49"/>
-          <p:cNvSpPr/>
+          <p:cNvSpPr>
+            <a:spLocks noGrp="1"/>
+          </p:cNvSpPr>
           <p:nvPr>
             <p:ph type="body" sz="quarter" idx="13"/>
           </p:nvPr>
@@ -1531,15 +1581,18 @@
               <a:buSzTx/>
               <a:buFontTx/>
               <a:buNone/>
-              <a:defRPr b="1" sz="2400"/>
+              <a:defRPr sz="2400" b="1"/>
             </a:pPr>
+            <a:endParaRPr/>
           </a:p>
         </p:txBody>
       </p:sp>
       <p:sp>
         <p:nvSpPr>
           <p:cNvPr id="50" name="Shape 50"/>
-          <p:cNvSpPr/>
+          <p:cNvSpPr>
+            <a:spLocks noGrp="1"/>
+          </p:cNvSpPr>
           <p:nvPr>
             <p:ph type="sldNum" sz="quarter" idx="2"/>
           </p:nvPr>
@@ -1553,8 +1606,10 @@
           <a:bodyPr/>
           <a:lstStyle/>
           <a:p>
-            <a:pPr/>
-            <a:fld id="{86CB4B4D-7CA3-9044-876B-883B54F8677D}" type="slidenum"/>
+            <a:fld id="{86CB4B4D-7CA3-9044-876B-883B54F8677D}" type="slidenum">
+              <a:t>‹#›</a:t>
+            </a:fld>
+            <a:endParaRPr/>
           </a:p>
         </p:txBody>
       </p:sp>
@@ -1563,12 +1618,12 @@
   <p:clrMapOvr>
     <a:masterClrMapping/>
   </p:clrMapOvr>
-  <p:transition xmlns:p14="http://schemas.microsoft.com/office/powerpoint/2010/main" spd="med" advClick="1"/>
+  <p:transition spd="med"/>
 </p:sldLayout>
 </file>
 
 <file path=ppt/slideLayouts/slideLayout6.xml><?xml version="1.0" encoding="utf-8"?>
-<p:sldLayout xmlns:a="http://schemas.openxmlformats.org/drawingml/2006/main" xmlns:r="http://schemas.openxmlformats.org/officeDocument/2006/relationships" xmlns:p="http://schemas.openxmlformats.org/presentationml/2006/main" type="tx" showMasterSp="1" showMasterPhAnim="1">
+<p:sldLayout xmlns:a="http://schemas.openxmlformats.org/drawingml/2006/main" xmlns:r="http://schemas.openxmlformats.org/officeDocument/2006/relationships" xmlns:p="http://schemas.openxmlformats.org/presentationml/2006/main" type="tx">
   <p:cSld name="Title Only">
     <p:spTree>
       <p:nvGrpSpPr>
@@ -1587,7 +1642,9 @@
       <p:sp>
         <p:nvSpPr>
           <p:cNvPr id="57" name="Shape 57"/>
-          <p:cNvSpPr/>
+          <p:cNvSpPr>
+            <a:spLocks noGrp="1"/>
+          </p:cNvSpPr>
           <p:nvPr>
             <p:ph type="title"/>
           </p:nvPr>
@@ -1601,7 +1658,6 @@
           <a:bodyPr/>
           <a:lstStyle/>
           <a:p>
-            <a:pPr/>
             <a:r>
               <a:t>Title Text</a:t>
             </a:r>
@@ -1611,7 +1667,9 @@
       <p:sp>
         <p:nvSpPr>
           <p:cNvPr id="58" name="Shape 58"/>
-          <p:cNvSpPr/>
+          <p:cNvSpPr>
+            <a:spLocks noGrp="1"/>
+          </p:cNvSpPr>
           <p:nvPr>
             <p:ph type="sldNum" sz="quarter" idx="2"/>
           </p:nvPr>
@@ -1625,8 +1683,10 @@
           <a:bodyPr/>
           <a:lstStyle/>
           <a:p>
-            <a:pPr/>
-            <a:fld id="{86CB4B4D-7CA3-9044-876B-883B54F8677D}" type="slidenum"/>
+            <a:fld id="{86CB4B4D-7CA3-9044-876B-883B54F8677D}" type="slidenum">
+              <a:t>‹#›</a:t>
+            </a:fld>
+            <a:endParaRPr/>
           </a:p>
         </p:txBody>
       </p:sp>
@@ -1635,12 +1695,12 @@
   <p:clrMapOvr>
     <a:masterClrMapping/>
   </p:clrMapOvr>
-  <p:transition xmlns:p14="http://schemas.microsoft.com/office/powerpoint/2010/main" spd="med" advClick="1"/>
+  <p:transition spd="med"/>
 </p:sldLayout>
 </file>
 
 <file path=ppt/slideLayouts/slideLayout7.xml><?xml version="1.0" encoding="utf-8"?>
-<p:sldLayout xmlns:a="http://schemas.openxmlformats.org/drawingml/2006/main" xmlns:r="http://schemas.openxmlformats.org/officeDocument/2006/relationships" xmlns:p="http://schemas.openxmlformats.org/presentationml/2006/main" type="tx" showMasterSp="1" showMasterPhAnim="1">
+<p:sldLayout xmlns:a="http://schemas.openxmlformats.org/drawingml/2006/main" xmlns:r="http://schemas.openxmlformats.org/officeDocument/2006/relationships" xmlns:p="http://schemas.openxmlformats.org/presentationml/2006/main" type="tx">
   <p:cSld name="Blank">
     <p:spTree>
       <p:nvGrpSpPr>
@@ -1659,7 +1719,9 @@
       <p:sp>
         <p:nvSpPr>
           <p:cNvPr id="65" name="Shape 65"/>
-          <p:cNvSpPr/>
+          <p:cNvSpPr>
+            <a:spLocks noGrp="1"/>
+          </p:cNvSpPr>
           <p:nvPr>
             <p:ph type="sldNum" sz="quarter" idx="2"/>
           </p:nvPr>
@@ -1673,8 +1735,10 @@
           <a:bodyPr/>
           <a:lstStyle/>
           <a:p>
-            <a:pPr/>
-            <a:fld id="{86CB4B4D-7CA3-9044-876B-883B54F8677D}" type="slidenum"/>
+            <a:fld id="{86CB4B4D-7CA3-9044-876B-883B54F8677D}" type="slidenum">
+              <a:t>‹#›</a:t>
+            </a:fld>
+            <a:endParaRPr/>
           </a:p>
         </p:txBody>
       </p:sp>
@@ -1683,12 +1747,12 @@
   <p:clrMapOvr>
     <a:masterClrMapping/>
   </p:clrMapOvr>
-  <p:transition xmlns:p14="http://schemas.microsoft.com/office/powerpoint/2010/main" spd="med" advClick="1"/>
+  <p:transition spd="med"/>
 </p:sldLayout>
 </file>
 
 <file path=ppt/slideLayouts/slideLayout8.xml><?xml version="1.0" encoding="utf-8"?>
-<p:sldLayout xmlns:a="http://schemas.openxmlformats.org/drawingml/2006/main" xmlns:r="http://schemas.openxmlformats.org/officeDocument/2006/relationships" xmlns:p="http://schemas.openxmlformats.org/presentationml/2006/main" type="tx" showMasterSp="1" showMasterPhAnim="1">
+<p:sldLayout xmlns:a="http://schemas.openxmlformats.org/drawingml/2006/main" xmlns:r="http://schemas.openxmlformats.org/officeDocument/2006/relationships" xmlns:p="http://schemas.openxmlformats.org/presentationml/2006/main" type="tx">
   <p:cSld name="Content with Caption">
     <p:spTree>
       <p:nvGrpSpPr>
@@ -1707,7 +1771,9 @@
       <p:sp>
         <p:nvSpPr>
           <p:cNvPr id="72" name="Shape 72"/>
-          <p:cNvSpPr/>
+          <p:cNvSpPr>
+            <a:spLocks noGrp="1"/>
+          </p:cNvSpPr>
           <p:nvPr>
             <p:ph type="title"/>
           </p:nvPr>
@@ -1725,11 +1791,10 @@
           <a:bodyPr anchor="b"/>
           <a:lstStyle>
             <a:lvl1pPr algn="l">
-              <a:defRPr b="1" sz="2000"/>
+              <a:defRPr sz="2000" b="1"/>
             </a:lvl1pPr>
           </a:lstStyle>
           <a:p>
-            <a:pPr/>
             <a:r>
               <a:t>Title Text</a:t>
             </a:r>
@@ -1739,7 +1804,9 @@
       <p:sp>
         <p:nvSpPr>
           <p:cNvPr id="73" name="Shape 73"/>
-          <p:cNvSpPr/>
+          <p:cNvSpPr>
+            <a:spLocks noGrp="1"/>
+          </p:cNvSpPr>
           <p:nvPr>
             <p:ph type="body" idx="1"/>
           </p:nvPr>
@@ -1757,7 +1824,6 @@
           <a:bodyPr/>
           <a:lstStyle/>
           <a:p>
-            <a:pPr/>
             <a:r>
               <a:t>Body Level One</a:t>
             </a:r>
@@ -1791,7 +1857,9 @@
       <p:sp>
         <p:nvSpPr>
           <p:cNvPr id="74" name="Shape 74"/>
-          <p:cNvSpPr/>
+          <p:cNvSpPr>
+            <a:spLocks noGrp="1"/>
+          </p:cNvSpPr>
           <p:nvPr>
             <p:ph type="body" sz="half" idx="13"/>
           </p:nvPr>
@@ -1818,13 +1886,16 @@
               <a:buNone/>
               <a:defRPr sz="1400"/>
             </a:pPr>
+            <a:endParaRPr/>
           </a:p>
         </p:txBody>
       </p:sp>
       <p:sp>
         <p:nvSpPr>
           <p:cNvPr id="75" name="Shape 75"/>
-          <p:cNvSpPr/>
+          <p:cNvSpPr>
+            <a:spLocks noGrp="1"/>
+          </p:cNvSpPr>
           <p:nvPr>
             <p:ph type="sldNum" sz="quarter" idx="2"/>
           </p:nvPr>
@@ -1838,8 +1909,10 @@
           <a:bodyPr/>
           <a:lstStyle/>
           <a:p>
-            <a:pPr/>
-            <a:fld id="{86CB4B4D-7CA3-9044-876B-883B54F8677D}" type="slidenum"/>
+            <a:fld id="{86CB4B4D-7CA3-9044-876B-883B54F8677D}" type="slidenum">
+              <a:t>‹#›</a:t>
+            </a:fld>
+            <a:endParaRPr/>
           </a:p>
         </p:txBody>
       </p:sp>
@@ -1848,12 +1921,12 @@
   <p:clrMapOvr>
     <a:masterClrMapping/>
   </p:clrMapOvr>
-  <p:transition xmlns:p14="http://schemas.microsoft.com/office/powerpoint/2010/main" spd="med" advClick="1"/>
+  <p:transition spd="med"/>
 </p:sldLayout>
 </file>
 
 <file path=ppt/slideLayouts/slideLayout9.xml><?xml version="1.0" encoding="utf-8"?>
-<p:sldLayout xmlns:a="http://schemas.openxmlformats.org/drawingml/2006/main" xmlns:r="http://schemas.openxmlformats.org/officeDocument/2006/relationships" xmlns:p="http://schemas.openxmlformats.org/presentationml/2006/main" type="tx" showMasterSp="1" showMasterPhAnim="1">
+<p:sldLayout xmlns:a="http://schemas.openxmlformats.org/drawingml/2006/main" xmlns:r="http://schemas.openxmlformats.org/officeDocument/2006/relationships" xmlns:p="http://schemas.openxmlformats.org/presentationml/2006/main" type="tx">
   <p:cSld name="Picture with Caption">
     <p:spTree>
       <p:nvGrpSpPr>
@@ -1872,7 +1945,9 @@
       <p:sp>
         <p:nvSpPr>
           <p:cNvPr id="82" name="Shape 82"/>
-          <p:cNvSpPr/>
+          <p:cNvSpPr>
+            <a:spLocks noGrp="1"/>
+          </p:cNvSpPr>
           <p:nvPr>
             <p:ph type="title"/>
           </p:nvPr>
@@ -1890,11 +1965,10 @@
           <a:bodyPr anchor="b"/>
           <a:lstStyle>
             <a:lvl1pPr algn="l">
-              <a:defRPr b="1" sz="2000"/>
+              <a:defRPr sz="2000" b="1"/>
             </a:lvl1pPr>
           </a:lstStyle>
           <a:p>
-            <a:pPr/>
             <a:r>
               <a:t>Title Text</a:t>
             </a:r>
@@ -1904,7 +1978,9 @@
       <p:sp>
         <p:nvSpPr>
           <p:cNvPr id="83" name="Shape 83"/>
-          <p:cNvSpPr/>
+          <p:cNvSpPr>
+            <a:spLocks noGrp="1"/>
+          </p:cNvSpPr>
           <p:nvPr>
             <p:ph type="pic" sz="half" idx="13"/>
           </p:nvPr>
@@ -1924,14 +2000,16 @@
           </a:bodyPr>
           <a:lstStyle/>
           <a:p>
-            <a:pPr/>
+            <a:endParaRPr/>
           </a:p>
         </p:txBody>
       </p:sp>
       <p:sp>
         <p:nvSpPr>
           <p:cNvPr id="84" name="Shape 84"/>
-          <p:cNvSpPr/>
+          <p:cNvSpPr>
+            <a:spLocks noGrp="1"/>
+          </p:cNvSpPr>
           <p:nvPr>
             <p:ph type="body" sz="quarter" idx="1"/>
           </p:nvPr>
@@ -1995,7 +2073,6 @@
             </a:lvl5pPr>
           </a:lstStyle>
           <a:p>
-            <a:pPr/>
             <a:r>
               <a:t>Body Level One</a:t>
             </a:r>
@@ -2029,7 +2106,9 @@
       <p:sp>
         <p:nvSpPr>
           <p:cNvPr id="85" name="Shape 85"/>
-          <p:cNvSpPr/>
+          <p:cNvSpPr>
+            <a:spLocks noGrp="1"/>
+          </p:cNvSpPr>
           <p:nvPr>
             <p:ph type="sldNum" sz="quarter" idx="2"/>
           </p:nvPr>
@@ -2043,8 +2122,10 @@
           <a:bodyPr/>
           <a:lstStyle/>
           <a:p>
-            <a:pPr/>
-            <a:fld id="{86CB4B4D-7CA3-9044-876B-883B54F8677D}" type="slidenum"/>
+            <a:fld id="{86CB4B4D-7CA3-9044-876B-883B54F8677D}" type="slidenum">
+              <a:t>‹#›</a:t>
+            </a:fld>
+            <a:endParaRPr/>
           </a:p>
         </p:txBody>
       </p:sp>
@@ -2053,7 +2134,7 @@
   <p:clrMapOvr>
     <a:masterClrMapping/>
   </p:clrMapOvr>
-  <p:transition xmlns:p14="http://schemas.microsoft.com/office/powerpoint/2010/main" spd="med" advClick="1"/>
+  <p:transition spd="med"/>
 </p:sldLayout>
 </file>
 
@@ -2065,6 +2146,7 @@
         <a:solidFill>
           <a:srgbClr val="FFFFFF"/>
         </a:solidFill>
+        <a:effectLst/>
       </p:bgPr>
     </p:bg>
     <p:spTree>
@@ -2084,7 +2166,9 @@
       <p:sp>
         <p:nvSpPr>
           <p:cNvPr id="2" name="Shape 2"/>
-          <p:cNvSpPr/>
+          <p:cNvSpPr>
+            <a:spLocks noGrp="1"/>
+          </p:cNvSpPr>
           <p:nvPr>
             <p:ph type="title"/>
           </p:nvPr>
@@ -2108,11 +2192,10 @@
         </p:spPr>
         <p:txBody>
           <a:bodyPr lIns="45719" rIns="45719" anchor="ctr">
-            <a:normAutofit fontScale="100000" lnSpcReduction="0"/>
+            <a:normAutofit/>
           </a:bodyPr>
           <a:lstStyle/>
           <a:p>
-            <a:pPr/>
             <a:r>
               <a:t>Title Text</a:t>
             </a:r>
@@ -2122,7 +2205,9 @@
       <p:sp>
         <p:nvSpPr>
           <p:cNvPr id="3" name="Shape 3"/>
-          <p:cNvSpPr/>
+          <p:cNvSpPr>
+            <a:spLocks noGrp="1"/>
+          </p:cNvSpPr>
           <p:nvPr>
             <p:ph type="body" idx="1"/>
           </p:nvPr>
@@ -2146,11 +2231,10 @@
         </p:spPr>
         <p:txBody>
           <a:bodyPr lIns="45719" rIns="45719">
-            <a:normAutofit fontScale="100000" lnSpcReduction="0"/>
+            <a:normAutofit/>
           </a:bodyPr>
           <a:lstStyle/>
           <a:p>
-            <a:pPr/>
             <a:r>
               <a:t>Body Level One</a:t>
             </a:r>
@@ -2184,7 +2268,9 @@
       <p:sp>
         <p:nvSpPr>
           <p:cNvPr id="4" name="Shape 4"/>
-          <p:cNvSpPr/>
+          <p:cNvSpPr>
+            <a:spLocks noGrp="1"/>
+          </p:cNvSpPr>
           <p:nvPr>
             <p:ph type="sldNum" sz="quarter" idx="2"/>
           </p:nvPr>
@@ -2215,8 +2301,10 @@
             </a:lvl1pPr>
           </a:lstStyle>
           <a:p>
-            <a:pPr/>
-            <a:fld id="{86CB4B4D-7CA3-9044-876B-883B54F8677D}" type="slidenum"/>
+            <a:fld id="{86CB4B4D-7CA3-9044-876B-883B54F8677D}" type="slidenum">
+              <a:t>‹#›</a:t>
+            </a:fld>
+            <a:endParaRPr/>
           </a:p>
         </p:txBody>
       </p:sp>
@@ -2224,19 +2312,19 @@
   </p:cSld>
   <p:clrMap bg1="lt1" tx1="dk1" bg2="lt2" tx2="dk2" accent1="accent1" accent2="accent2" accent3="accent3" accent4="accent4" accent5="accent5" accent6="accent6" hlink="hlink" folHlink="folHlink"/>
   <p:sldLayoutIdLst>
-    <p:sldLayoutId id="2147483649" r:id="rId2"/>
-    <p:sldLayoutId id="2147483650" r:id="rId3"/>
-    <p:sldLayoutId id="2147483651" r:id="rId4"/>
-    <p:sldLayoutId id="2147483652" r:id="rId5"/>
-    <p:sldLayoutId id="2147483653" r:id="rId6"/>
-    <p:sldLayoutId id="2147483654" r:id="rId7"/>
-    <p:sldLayoutId id="2147483655" r:id="rId8"/>
-    <p:sldLayoutId id="2147483656" r:id="rId9"/>
-    <p:sldLayoutId id="2147483657" r:id="rId10"/>
-    <p:sldLayoutId id="2147483658" r:id="rId11"/>
-    <p:sldLayoutId id="2147483659" r:id="rId12"/>
+    <p:sldLayoutId id="2147483649" r:id="rId1"/>
+    <p:sldLayoutId id="2147483650" r:id="rId2"/>
+    <p:sldLayoutId id="2147483651" r:id="rId3"/>
+    <p:sldLayoutId id="2147483652" r:id="rId4"/>
+    <p:sldLayoutId id="2147483653" r:id="rId5"/>
+    <p:sldLayoutId id="2147483654" r:id="rId6"/>
+    <p:sldLayoutId id="2147483655" r:id="rId7"/>
+    <p:sldLayoutId id="2147483656" r:id="rId8"/>
+    <p:sldLayoutId id="2147483657" r:id="rId9"/>
+    <p:sldLayoutId id="2147483658" r:id="rId10"/>
+    <p:sldLayoutId id="2147483659" r:id="rId11"/>
   </p:sldLayoutIdLst>
-  <p:transition xmlns:p14="http://schemas.microsoft.com/office/powerpoint/2010/main" spd="med" advClick="1"/>
+  <p:transition spd="med"/>
   <p:txStyles>
     <p:titleStyle>
       <a:lvl1pPr marL="0" marR="0" indent="0" algn="ctr" defTabSz="914400" rtl="0" latinLnBrk="0">
@@ -2254,7 +2342,7 @@
         <a:buFontTx/>
         <a:buNone/>
         <a:tabLst/>
-        <a:defRPr b="0" baseline="0" cap="none" i="0" spc="0" strike="noStrike" sz="4400" u="none">
+        <a:defRPr sz="4400" b="0" i="0" u="none" strike="noStrike" cap="none" spc="0" baseline="0">
           <a:ln>
             <a:noFill/>
           </a:ln>
@@ -2283,7 +2371,7 @@
         <a:buFontTx/>
         <a:buNone/>
         <a:tabLst/>
-        <a:defRPr b="0" baseline="0" cap="none" i="0" spc="0" strike="noStrike" sz="4400" u="none">
+        <a:defRPr sz="4400" b="0" i="0" u="none" strike="noStrike" cap="none" spc="0" baseline="0">
           <a:ln>
             <a:noFill/>
           </a:ln>
@@ -2312,7 +2400,7 @@
         <a:buFontTx/>
         <a:buNone/>
         <a:tabLst/>
-        <a:defRPr b="0" baseline="0" cap="none" i="0" spc="0" strike="noStrike" sz="4400" u="none">
+        <a:defRPr sz="4400" b="0" i="0" u="none" strike="noStrike" cap="none" spc="0" baseline="0">
           <a:ln>
             <a:noFill/>
           </a:ln>
@@ -2341,7 +2429,7 @@
         <a:buFontTx/>
         <a:buNone/>
         <a:tabLst/>
-        <a:defRPr b="0" baseline="0" cap="none" i="0" spc="0" strike="noStrike" sz="4400" u="none">
+        <a:defRPr sz="4400" b="0" i="0" u="none" strike="noStrike" cap="none" spc="0" baseline="0">
           <a:ln>
             <a:noFill/>
           </a:ln>
@@ -2370,7 +2458,7 @@
         <a:buFontTx/>
         <a:buNone/>
         <a:tabLst/>
-        <a:defRPr b="0" baseline="0" cap="none" i="0" spc="0" strike="noStrike" sz="4400" u="none">
+        <a:defRPr sz="4400" b="0" i="0" u="none" strike="noStrike" cap="none" spc="0" baseline="0">
           <a:ln>
             <a:noFill/>
           </a:ln>
@@ -2399,7 +2487,7 @@
         <a:buFontTx/>
         <a:buNone/>
         <a:tabLst/>
-        <a:defRPr b="0" baseline="0" cap="none" i="0" spc="0" strike="noStrike" sz="4400" u="none">
+        <a:defRPr sz="4400" b="0" i="0" u="none" strike="noStrike" cap="none" spc="0" baseline="0">
           <a:ln>
             <a:noFill/>
           </a:ln>
@@ -2428,7 +2516,7 @@
         <a:buFontTx/>
         <a:buNone/>
         <a:tabLst/>
-        <a:defRPr b="0" baseline="0" cap="none" i="0" spc="0" strike="noStrike" sz="4400" u="none">
+        <a:defRPr sz="4400" b="0" i="0" u="none" strike="noStrike" cap="none" spc="0" baseline="0">
           <a:ln>
             <a:noFill/>
           </a:ln>
@@ -2457,7 +2545,7 @@
         <a:buFontTx/>
         <a:buNone/>
         <a:tabLst/>
-        <a:defRPr b="0" baseline="0" cap="none" i="0" spc="0" strike="noStrike" sz="4400" u="none">
+        <a:defRPr sz="4400" b="0" i="0" u="none" strike="noStrike" cap="none" spc="0" baseline="0">
           <a:ln>
             <a:noFill/>
           </a:ln>
@@ -2486,7 +2574,7 @@
         <a:buFontTx/>
         <a:buNone/>
         <a:tabLst/>
-        <a:defRPr b="0" baseline="0" cap="none" i="0" spc="0" strike="noStrike" sz="4400" u="none">
+        <a:defRPr sz="4400" b="0" i="0" u="none" strike="noStrike" cap="none" spc="0" baseline="0">
           <a:ln>
             <a:noFill/>
           </a:ln>
@@ -2517,7 +2605,7 @@
         <a:buFont typeface="Arial"/>
         <a:buChar char="•"/>
         <a:tabLst/>
-        <a:defRPr b="0" baseline="0" cap="none" i="0" spc="0" strike="noStrike" sz="3200" u="none">
+        <a:defRPr sz="3200" b="0" i="0" u="none" strike="noStrike" cap="none" spc="0" baseline="0">
           <a:ln>
             <a:noFill/>
           </a:ln>
@@ -2546,7 +2634,7 @@
         <a:buFont typeface="Arial"/>
         <a:buChar char="–"/>
         <a:tabLst/>
-        <a:defRPr b="0" baseline="0" cap="none" i="0" spc="0" strike="noStrike" sz="3200" u="none">
+        <a:defRPr sz="3200" b="0" i="0" u="none" strike="noStrike" cap="none" spc="0" baseline="0">
           <a:ln>
             <a:noFill/>
           </a:ln>
@@ -2575,7 +2663,7 @@
         <a:buFont typeface="Arial"/>
         <a:buChar char="•"/>
         <a:tabLst/>
-        <a:defRPr b="0" baseline="0" cap="none" i="0" spc="0" strike="noStrike" sz="3200" u="none">
+        <a:defRPr sz="3200" b="0" i="0" u="none" strike="noStrike" cap="none" spc="0" baseline="0">
           <a:ln>
             <a:noFill/>
           </a:ln>
@@ -2604,7 +2692,7 @@
         <a:buFont typeface="Arial"/>
         <a:buChar char="–"/>
         <a:tabLst/>
-        <a:defRPr b="0" baseline="0" cap="none" i="0" spc="0" strike="noStrike" sz="3200" u="none">
+        <a:defRPr sz="3200" b="0" i="0" u="none" strike="noStrike" cap="none" spc="0" baseline="0">
           <a:ln>
             <a:noFill/>
           </a:ln>
@@ -2633,7 +2721,7 @@
         <a:buFont typeface="Arial"/>
         <a:buChar char="»"/>
         <a:tabLst/>
-        <a:defRPr b="0" baseline="0" cap="none" i="0" spc="0" strike="noStrike" sz="3200" u="none">
+        <a:defRPr sz="3200" b="0" i="0" u="none" strike="noStrike" cap="none" spc="0" baseline="0">
           <a:ln>
             <a:noFill/>
           </a:ln>
@@ -2662,7 +2750,7 @@
         <a:buFont typeface="Arial"/>
         <a:buChar char="•"/>
         <a:tabLst/>
-        <a:defRPr b="0" baseline="0" cap="none" i="0" spc="0" strike="noStrike" sz="3200" u="none">
+        <a:defRPr sz="3200" b="0" i="0" u="none" strike="noStrike" cap="none" spc="0" baseline="0">
           <a:ln>
             <a:noFill/>
           </a:ln>
@@ -2691,7 +2779,7 @@
         <a:buFont typeface="Arial"/>
         <a:buChar char="•"/>
         <a:tabLst/>
-        <a:defRPr b="0" baseline="0" cap="none" i="0" spc="0" strike="noStrike" sz="3200" u="none">
+        <a:defRPr sz="3200" b="0" i="0" u="none" strike="noStrike" cap="none" spc="0" baseline="0">
           <a:ln>
             <a:noFill/>
           </a:ln>
@@ -2720,7 +2808,7 @@
         <a:buFont typeface="Arial"/>
         <a:buChar char="•"/>
         <a:tabLst/>
-        <a:defRPr b="0" baseline="0" cap="none" i="0" spc="0" strike="noStrike" sz="3200" u="none">
+        <a:defRPr sz="3200" b="0" i="0" u="none" strike="noStrike" cap="none" spc="0" baseline="0">
           <a:ln>
             <a:noFill/>
           </a:ln>
@@ -2749,7 +2837,7 @@
         <a:buFont typeface="Arial"/>
         <a:buChar char="•"/>
         <a:tabLst/>
-        <a:defRPr b="0" baseline="0" cap="none" i="0" spc="0" strike="noStrike" sz="3200" u="none">
+        <a:defRPr sz="3200" b="0" i="0" u="none" strike="noStrike" cap="none" spc="0" baseline="0">
           <a:ln>
             <a:noFill/>
           </a:ln>
@@ -2780,7 +2868,7 @@
         <a:buFontTx/>
         <a:buNone/>
         <a:tabLst/>
-        <a:defRPr b="0" baseline="0" cap="none" i="0" spc="0" strike="noStrike" sz="1200" u="none">
+        <a:defRPr sz="1200" b="0" i="0" u="none" strike="noStrike" cap="none" spc="0" baseline="0">
           <a:ln>
             <a:noFill/>
           </a:ln>
@@ -2809,7 +2897,7 @@
         <a:buFontTx/>
         <a:buNone/>
         <a:tabLst/>
-        <a:defRPr b="0" baseline="0" cap="none" i="0" spc="0" strike="noStrike" sz="1200" u="none">
+        <a:defRPr sz="1200" b="0" i="0" u="none" strike="noStrike" cap="none" spc="0" baseline="0">
           <a:ln>
             <a:noFill/>
           </a:ln>
@@ -2838,7 +2926,7 @@
         <a:buFontTx/>
         <a:buNone/>
         <a:tabLst/>
-        <a:defRPr b="0" baseline="0" cap="none" i="0" spc="0" strike="noStrike" sz="1200" u="none">
+        <a:defRPr sz="1200" b="0" i="0" u="none" strike="noStrike" cap="none" spc="0" baseline="0">
           <a:ln>
             <a:noFill/>
           </a:ln>
@@ -2867,7 +2955,7 @@
         <a:buFontTx/>
         <a:buNone/>
         <a:tabLst/>
-        <a:defRPr b="0" baseline="0" cap="none" i="0" spc="0" strike="noStrike" sz="1200" u="none">
+        <a:defRPr sz="1200" b="0" i="0" u="none" strike="noStrike" cap="none" spc="0" baseline="0">
           <a:ln>
             <a:noFill/>
           </a:ln>
@@ -2896,7 +2984,7 @@
         <a:buFontTx/>
         <a:buNone/>
         <a:tabLst/>
-        <a:defRPr b="0" baseline="0" cap="none" i="0" spc="0" strike="noStrike" sz="1200" u="none">
+        <a:defRPr sz="1200" b="0" i="0" u="none" strike="noStrike" cap="none" spc="0" baseline="0">
           <a:ln>
             <a:noFill/>
           </a:ln>
@@ -2925,7 +3013,7 @@
         <a:buFontTx/>
         <a:buNone/>
         <a:tabLst/>
-        <a:defRPr b="0" baseline="0" cap="none" i="0" spc="0" strike="noStrike" sz="1200" u="none">
+        <a:defRPr sz="1200" b="0" i="0" u="none" strike="noStrike" cap="none" spc="0" baseline="0">
           <a:ln>
             <a:noFill/>
           </a:ln>
@@ -2954,7 +3042,7 @@
         <a:buFontTx/>
         <a:buNone/>
         <a:tabLst/>
-        <a:defRPr b="0" baseline="0" cap="none" i="0" spc="0" strike="noStrike" sz="1200" u="none">
+        <a:defRPr sz="1200" b="0" i="0" u="none" strike="noStrike" cap="none" spc="0" baseline="0">
           <a:ln>
             <a:noFill/>
           </a:ln>
@@ -2983,7 +3071,7 @@
         <a:buFontTx/>
         <a:buNone/>
         <a:tabLst/>
-        <a:defRPr b="0" baseline="0" cap="none" i="0" spc="0" strike="noStrike" sz="1200" u="none">
+        <a:defRPr sz="1200" b="0" i="0" u="none" strike="noStrike" cap="none" spc="0" baseline="0">
           <a:ln>
             <a:noFill/>
           </a:ln>
@@ -3012,7 +3100,7 @@
         <a:buFontTx/>
         <a:buNone/>
         <a:tabLst/>
-        <a:defRPr b="0" baseline="0" cap="none" i="0" spc="0" strike="noStrike" sz="1200" u="none">
+        <a:defRPr sz="1200" b="0" i="0" u="none" strike="noStrike" cap="none" spc="0" baseline="0">
           <a:ln>
             <a:noFill/>
           </a:ln>
@@ -3032,7 +3120,7 @@
 </file>
 
 <file path=ppt/slides/slide1.xml><?xml version="1.0" encoding="utf-8"?>
-<p:sld xmlns:a="http://schemas.openxmlformats.org/drawingml/2006/main" xmlns:r="http://schemas.openxmlformats.org/officeDocument/2006/relationships" xmlns:p="http://schemas.openxmlformats.org/presentationml/2006/main" showMasterSp="1" showMasterPhAnim="1">
+<p:sld xmlns:a="http://schemas.openxmlformats.org/drawingml/2006/main" xmlns:r="http://schemas.openxmlformats.org/officeDocument/2006/relationships" xmlns:p="http://schemas.openxmlformats.org/presentationml/2006/main">
   <p:cSld>
     <p:spTree>
       <p:nvGrpSpPr>
@@ -3050,136 +3138,558 @@
       </p:grpSpPr>
       <p:grpSp>
         <p:nvGrpSpPr>
-          <p:cNvPr id="114" name="Group 114"/>
+          <p:cNvPr id="2" name="Group 1"/>
           <p:cNvGrpSpPr/>
           <p:nvPr/>
         </p:nvGrpSpPr>
         <p:grpSpPr>
           <a:xfrm>
-            <a:off x="1217465" y="1447800"/>
-            <a:ext cx="4917083" cy="3962400"/>
-            <a:chOff x="0" y="0"/>
-            <a:chExt cx="4917082" cy="3962400"/>
+            <a:off x="386316" y="779489"/>
+            <a:ext cx="8258400" cy="5097987"/>
+            <a:chOff x="644735" y="1447798"/>
+            <a:chExt cx="6418827" cy="3962402"/>
           </a:xfrm>
         </p:grpSpPr>
+        <p:grpSp>
+          <p:nvGrpSpPr>
+            <p:cNvPr id="114" name="Group 114"/>
+            <p:cNvGrpSpPr/>
+            <p:nvPr/>
+          </p:nvGrpSpPr>
+          <p:grpSpPr>
+            <a:xfrm>
+              <a:off x="1217465" y="1447800"/>
+              <a:ext cx="4917084" cy="3962400"/>
+              <a:chOff x="0" y="0"/>
+              <a:chExt cx="4917083" cy="3962400"/>
+            </a:xfrm>
+          </p:grpSpPr>
+          <p:sp>
+            <p:nvSpPr>
+              <p:cNvPr id="112" name="Shape 112"/>
+              <p:cNvSpPr/>
+              <p:nvPr/>
+            </p:nvSpPr>
+            <p:spPr>
+              <a:xfrm>
+                <a:off x="0" y="0"/>
+                <a:ext cx="4917083" cy="3962400"/>
+              </a:xfrm>
+              <a:prstGeom prst="roundRect">
+                <a:avLst>
+                  <a:gd name="adj" fmla="val 3484"/>
+                </a:avLst>
+              </a:prstGeom>
+              <a:solidFill>
+                <a:srgbClr val="F1F5E9"/>
+              </a:solidFill>
+              <a:ln w="12700" cap="flat">
+                <a:noFill/>
+                <a:miter lim="400000"/>
+              </a:ln>
+              <a:effectLst/>
+            </p:spPr>
+            <p:txBody>
+              <a:bodyPr wrap="square" lIns="45719" tIns="45719" rIns="45719" bIns="45719" numCol="1" anchor="t">
+                <a:noAutofit/>
+              </a:bodyPr>
+              <a:lstStyle/>
+              <a:p>
+                <a:pPr>
+                  <a:defRPr sz="1200" b="1">
+                    <a:solidFill>
+                      <a:srgbClr val="77933C"/>
+                    </a:solidFill>
+                  </a:defRPr>
+                </a:pPr>
+                <a:endParaRPr sz="1200"/>
+              </a:p>
+            </p:txBody>
+          </p:sp>
+          <p:sp>
+            <p:nvSpPr>
+              <p:cNvPr id="113" name="Shape 113"/>
+              <p:cNvSpPr/>
+              <p:nvPr/>
+            </p:nvSpPr>
+            <p:spPr>
+              <a:xfrm>
+                <a:off x="40433" y="40432"/>
+                <a:ext cx="4836217" cy="239218"/>
+              </a:xfrm>
+              <a:prstGeom prst="rect">
+                <a:avLst/>
+              </a:prstGeom>
+              <a:noFill/>
+              <a:ln w="12700" cap="flat">
+                <a:noFill/>
+                <a:miter lim="400000"/>
+              </a:ln>
+              <a:effectLst/>
+              <a:extLst>
+                <a:ext uri="{C572A759-6A51-4108-AA02-DFA0A04FC94B}">
+                  <ma14:wrappingTextBoxFlag xmlns:ma14="http://schemas.microsoft.com/office/mac/drawingml/2011/main" val="1"/>
+                </a:ext>
+              </a:extLst>
+            </p:spPr>
+            <p:txBody>
+              <a:bodyPr wrap="square" lIns="45719" tIns="45719" rIns="45719" bIns="45719" numCol="1" anchor="t">
+                <a:spAutoFit/>
+              </a:bodyPr>
+              <a:lstStyle>
+                <a:lvl1pPr>
+                  <a:defRPr sz="1200" b="1">
+                    <a:solidFill>
+                      <a:srgbClr val="77933C"/>
+                    </a:solidFill>
+                  </a:defRPr>
+                </a:lvl1pPr>
+              </a:lstStyle>
+              <a:p>
+                <a:r>
+                  <a:rPr sz="1400" dirty="0"/>
+                  <a:t>UI</a:t>
+                </a:r>
+              </a:p>
+            </p:txBody>
+          </p:sp>
+        </p:grpSp>
+        <p:grpSp>
+          <p:nvGrpSpPr>
+            <p:cNvPr id="117" name="Group 117"/>
+            <p:cNvGrpSpPr/>
+            <p:nvPr/>
+          </p:nvGrpSpPr>
+          <p:grpSpPr>
+            <a:xfrm>
+              <a:off x="2095948" y="2341219"/>
+              <a:ext cx="1093637" cy="346763"/>
+              <a:chOff x="0" y="-1"/>
+              <a:chExt cx="1093635" cy="346762"/>
+            </a:xfrm>
+          </p:grpSpPr>
+          <p:sp>
+            <p:nvSpPr>
+              <p:cNvPr id="115" name="Shape 115"/>
+              <p:cNvSpPr/>
+              <p:nvPr/>
+            </p:nvSpPr>
+            <p:spPr>
+              <a:xfrm>
+                <a:off x="0" y="-1"/>
+                <a:ext cx="1093635" cy="346762"/>
+              </a:xfrm>
+              <a:prstGeom prst="rect">
+                <a:avLst/>
+              </a:prstGeom>
+              <a:gradFill flip="none" rotWithShape="1">
+                <a:gsLst>
+                  <a:gs pos="0">
+                    <a:schemeClr val="accent3">
+                      <a:hueOff val="263624"/>
+                      <a:satOff val="55948"/>
+                      <a:lumOff val="27907"/>
+                    </a:schemeClr>
+                  </a:gs>
+                  <a:gs pos="35000">
+                    <a:srgbClr val="E4FDBF"/>
+                  </a:gs>
+                  <a:gs pos="100000">
+                    <a:schemeClr val="accent3">
+                      <a:hueOff val="321486"/>
+                      <a:satOff val="58119"/>
+                      <a:lumOff val="40966"/>
+                    </a:schemeClr>
+                  </a:gs>
+                </a:gsLst>
+                <a:lin ang="16200000" scaled="0"/>
+              </a:gradFill>
+              <a:ln w="19050" cap="flat">
+                <a:solidFill>
+                  <a:schemeClr val="accent3"/>
+                </a:solidFill>
+                <a:prstDash val="solid"/>
+                <a:round/>
+              </a:ln>
+              <a:effectLst/>
+            </p:spPr>
+            <p:txBody>
+              <a:bodyPr wrap="square" lIns="45719" tIns="45719" rIns="45719" bIns="45719" numCol="1" anchor="ctr">
+                <a:noAutofit/>
+              </a:bodyPr>
+              <a:lstStyle/>
+              <a:p>
+                <a:pPr algn="ctr">
+                  <a:defRPr sz="1000" b="1">
+                    <a:solidFill>
+                      <a:srgbClr val="77933C"/>
+                    </a:solidFill>
+                  </a:defRPr>
+                </a:pPr>
+                <a:endParaRPr sz="1200"/>
+              </a:p>
+            </p:txBody>
+          </p:sp>
+          <p:sp>
+            <p:nvSpPr>
+              <p:cNvPr id="116" name="Shape 116"/>
+              <p:cNvSpPr/>
+              <p:nvPr/>
+            </p:nvSpPr>
+            <p:spPr>
+              <a:xfrm>
+                <a:off x="0" y="65733"/>
+                <a:ext cx="1093635" cy="215295"/>
+              </a:xfrm>
+              <a:prstGeom prst="rect">
+                <a:avLst/>
+              </a:prstGeom>
+              <a:noFill/>
+              <a:ln w="12700" cap="flat">
+                <a:noFill/>
+                <a:miter lim="400000"/>
+              </a:ln>
+              <a:effectLst/>
+              <a:extLst>
+                <a:ext uri="{C572A759-6A51-4108-AA02-DFA0A04FC94B}">
+                  <ma14:wrappingTextBoxFlag xmlns:ma14="http://schemas.microsoft.com/office/mac/drawingml/2011/main" val="1"/>
+                </a:ext>
+              </a:extLst>
+            </p:spPr>
+            <p:txBody>
+              <a:bodyPr wrap="square" lIns="45719" tIns="45719" rIns="45719" bIns="45719" numCol="1" anchor="ctr">
+                <a:spAutoFit/>
+              </a:bodyPr>
+              <a:lstStyle>
+                <a:lvl1pPr algn="ctr">
+                  <a:defRPr sz="1000" b="1">
+                    <a:solidFill>
+                      <a:srgbClr val="77933C"/>
+                    </a:solidFill>
+                  </a:defRPr>
+                </a:lvl1pPr>
+              </a:lstStyle>
+              <a:p>
+                <a:r>
+                  <a:rPr sz="1200" dirty="0"/>
+                  <a:t>MainWindow</a:t>
+                </a:r>
+              </a:p>
+            </p:txBody>
+          </p:sp>
+        </p:grpSp>
+        <p:grpSp>
+          <p:nvGrpSpPr>
+            <p:cNvPr id="120" name="Group 120"/>
+            <p:cNvGrpSpPr/>
+            <p:nvPr/>
+          </p:nvGrpSpPr>
+          <p:grpSpPr>
+            <a:xfrm>
+              <a:off x="2592528" y="2971800"/>
+              <a:ext cx="1093636" cy="236842"/>
+              <a:chOff x="0" y="0"/>
+              <a:chExt cx="1093635" cy="236841"/>
+            </a:xfrm>
+          </p:grpSpPr>
+          <p:sp>
+            <p:nvSpPr>
+              <p:cNvPr id="118" name="Shape 118"/>
+              <p:cNvSpPr/>
+              <p:nvPr/>
+            </p:nvSpPr>
+            <p:spPr>
+              <a:xfrm>
+                <a:off x="0" y="0"/>
+                <a:ext cx="1093635" cy="236841"/>
+              </a:xfrm>
+              <a:prstGeom prst="rect">
+                <a:avLst/>
+              </a:prstGeom>
+              <a:gradFill flip="none" rotWithShape="1">
+                <a:gsLst>
+                  <a:gs pos="0">
+                    <a:schemeClr val="accent3">
+                      <a:hueOff val="263624"/>
+                      <a:satOff val="55948"/>
+                      <a:lumOff val="27907"/>
+                    </a:schemeClr>
+                  </a:gs>
+                  <a:gs pos="35000">
+                    <a:srgbClr val="E4FDBF"/>
+                  </a:gs>
+                  <a:gs pos="100000">
+                    <a:schemeClr val="accent3">
+                      <a:hueOff val="321486"/>
+                      <a:satOff val="58119"/>
+                      <a:lumOff val="40966"/>
+                    </a:schemeClr>
+                  </a:gs>
+                </a:gsLst>
+                <a:lin ang="16200000" scaled="0"/>
+              </a:gradFill>
+              <a:ln w="19050" cap="flat">
+                <a:solidFill>
+                  <a:schemeClr val="accent3"/>
+                </a:solidFill>
+                <a:prstDash val="solid"/>
+                <a:round/>
+              </a:ln>
+              <a:effectLst/>
+            </p:spPr>
+            <p:txBody>
+              <a:bodyPr wrap="square" lIns="45719" tIns="45719" rIns="45719" bIns="45719" numCol="1" anchor="ctr">
+                <a:noAutofit/>
+              </a:bodyPr>
+              <a:lstStyle/>
+              <a:p>
+                <a:pPr algn="ctr">
+                  <a:defRPr sz="1000" b="1">
+                    <a:solidFill>
+                      <a:srgbClr val="77933C"/>
+                    </a:solidFill>
+                  </a:defRPr>
+                </a:pPr>
+                <a:endParaRPr sz="1200"/>
+              </a:p>
+            </p:txBody>
+          </p:sp>
+          <p:sp>
+            <p:nvSpPr>
+              <p:cNvPr id="119" name="Shape 119"/>
+              <p:cNvSpPr/>
+              <p:nvPr/>
+            </p:nvSpPr>
+            <p:spPr>
+              <a:xfrm>
+                <a:off x="0" y="10773"/>
+                <a:ext cx="1093635" cy="215295"/>
+              </a:xfrm>
+              <a:prstGeom prst="rect">
+                <a:avLst/>
+              </a:prstGeom>
+              <a:noFill/>
+              <a:ln w="12700" cap="flat">
+                <a:noFill/>
+                <a:miter lim="400000"/>
+              </a:ln>
+              <a:effectLst/>
+              <a:extLst>
+                <a:ext uri="{C572A759-6A51-4108-AA02-DFA0A04FC94B}">
+                  <ma14:wrappingTextBoxFlag xmlns:ma14="http://schemas.microsoft.com/office/mac/drawingml/2011/main" val="1"/>
+                </a:ext>
+              </a:extLst>
+            </p:spPr>
+            <p:txBody>
+              <a:bodyPr wrap="square" lIns="45719" tIns="45719" rIns="45719" bIns="45719" numCol="1" anchor="ctr">
+                <a:spAutoFit/>
+              </a:bodyPr>
+              <a:lstStyle>
+                <a:lvl1pPr algn="ctr">
+                  <a:defRPr sz="1000" b="1">
+                    <a:solidFill>
+                      <a:srgbClr val="77933C"/>
+                    </a:solidFill>
+                  </a:defRPr>
+                </a:lvl1pPr>
+              </a:lstStyle>
+              <a:p>
+                <a:r>
+                  <a:rPr sz="1200" dirty="0"/>
+                  <a:t>CommandBox</a:t>
+                </a:r>
+              </a:p>
+            </p:txBody>
+          </p:sp>
+        </p:grpSp>
+        <p:grpSp>
+          <p:nvGrpSpPr>
+            <p:cNvPr id="123" name="Group 123"/>
+            <p:cNvGrpSpPr/>
+            <p:nvPr/>
+          </p:nvGrpSpPr>
+          <p:grpSpPr>
+            <a:xfrm>
+              <a:off x="2092842" y="1770923"/>
+              <a:ext cx="1093637" cy="346763"/>
+              <a:chOff x="0" y="-1"/>
+              <a:chExt cx="1093635" cy="346762"/>
+            </a:xfrm>
+          </p:grpSpPr>
+          <p:sp>
+            <p:nvSpPr>
+              <p:cNvPr id="121" name="Shape 121"/>
+              <p:cNvSpPr/>
+              <p:nvPr/>
+            </p:nvSpPr>
+            <p:spPr>
+              <a:xfrm>
+                <a:off x="0" y="-1"/>
+                <a:ext cx="1093635" cy="346762"/>
+              </a:xfrm>
+              <a:prstGeom prst="rect">
+                <a:avLst/>
+              </a:prstGeom>
+              <a:solidFill>
+                <a:srgbClr val="00B050"/>
+              </a:solidFill>
+              <a:ln w="19050" cap="flat">
+                <a:solidFill>
+                  <a:srgbClr val="00B050"/>
+                </a:solidFill>
+                <a:prstDash val="solid"/>
+                <a:round/>
+              </a:ln>
+              <a:effectLst/>
+            </p:spPr>
+            <p:txBody>
+              <a:bodyPr wrap="square" lIns="45719" tIns="45719" rIns="45719" bIns="45719" numCol="1" anchor="ctr">
+                <a:noAutofit/>
+              </a:bodyPr>
+              <a:lstStyle/>
+              <a:p>
+                <a:pPr algn="ctr">
+                  <a:defRPr sz="1000">
+                    <a:solidFill>
+                      <a:srgbClr val="FFFFFF"/>
+                    </a:solidFill>
+                  </a:defRPr>
+                </a:pPr>
+                <a:endParaRPr sz="1200"/>
+              </a:p>
+            </p:txBody>
+          </p:sp>
+          <p:sp>
+            <p:nvSpPr>
+              <p:cNvPr id="122" name="Shape 122"/>
+              <p:cNvSpPr/>
+              <p:nvPr/>
+            </p:nvSpPr>
+            <p:spPr>
+              <a:xfrm>
+                <a:off x="0" y="65733"/>
+                <a:ext cx="1093635" cy="215295"/>
+              </a:xfrm>
+              <a:prstGeom prst="rect">
+                <a:avLst/>
+              </a:prstGeom>
+              <a:noFill/>
+              <a:ln w="12700" cap="flat">
+                <a:noFill/>
+                <a:miter lim="400000"/>
+              </a:ln>
+              <a:effectLst/>
+              <a:extLst>
+                <a:ext uri="{C572A759-6A51-4108-AA02-DFA0A04FC94B}">
+                  <ma14:wrappingTextBoxFlag xmlns:ma14="http://schemas.microsoft.com/office/mac/drawingml/2011/main" val="1"/>
+                </a:ext>
+              </a:extLst>
+            </p:spPr>
+            <p:txBody>
+              <a:bodyPr wrap="square" lIns="45719" tIns="45719" rIns="45719" bIns="45719" numCol="1" anchor="ctr">
+                <a:spAutoFit/>
+              </a:bodyPr>
+              <a:lstStyle>
+                <a:lvl1pPr algn="ctr">
+                  <a:defRPr sz="1000">
+                    <a:solidFill>
+                      <a:srgbClr val="FFFFFF"/>
+                    </a:solidFill>
+                  </a:defRPr>
+                </a:lvl1pPr>
+              </a:lstStyle>
+              <a:p>
+                <a:r>
+                  <a:rPr sz="1200"/>
+                  <a:t>UiManager</a:t>
+                </a:r>
+              </a:p>
+            </p:txBody>
+          </p:sp>
+        </p:grpSp>
         <p:sp>
           <p:nvSpPr>
-            <p:cNvPr id="112" name="Shape 112"/>
+            <p:cNvPr id="180" name="Shape 180"/>
             <p:cNvSpPr/>
             <p:nvPr/>
           </p:nvSpPr>
           <p:spPr>
             <a:xfrm>
-              <a:off x="0" y="0"/>
-              <a:ext cx="4917083" cy="3962400"/>
+              <a:off x="1831340" y="1943100"/>
+              <a:ext cx="1617981" cy="571500"/>
             </a:xfrm>
-            <a:prstGeom prst="roundRect">
-              <a:avLst>
-                <a:gd name="adj" fmla="val 3484"/>
-              </a:avLst>
-            </a:prstGeom>
-            <a:solidFill>
-              <a:srgbClr val="F1F5E9"/>
-            </a:solidFill>
-            <a:ln w="12700" cap="flat">
-              <a:noFill/>
-              <a:miter lim="400000"/>
+            <a:custGeom>
+              <a:avLst/>
+              <a:gdLst/>
+              <a:ahLst/>
+              <a:cxnLst>
+                <a:cxn ang="0">
+                  <a:pos x="wd2" y="hd2"/>
+                </a:cxn>
+                <a:cxn ang="5400000">
+                  <a:pos x="wd2" y="hd2"/>
+                </a:cxn>
+                <a:cxn ang="10800000">
+                  <a:pos x="wd2" y="hd2"/>
+                </a:cxn>
+                <a:cxn ang="16200000">
+                  <a:pos x="wd2" y="hd2"/>
+                </a:cxn>
+              </a:cxnLst>
+              <a:rect l="0" t="0" r="r" b="b"/>
+              <a:pathLst>
+                <a:path w="21600" h="21600" extrusionOk="0">
+                  <a:moveTo>
+                    <a:pt x="18209" y="0"/>
+                  </a:moveTo>
+                  <a:lnTo>
+                    <a:pt x="21600" y="0"/>
+                  </a:lnTo>
+                  <a:lnTo>
+                    <a:pt x="21600" y="10800"/>
+                  </a:lnTo>
+                  <a:lnTo>
+                    <a:pt x="0" y="10800"/>
+                  </a:lnTo>
+                  <a:lnTo>
+                    <a:pt x="0" y="21600"/>
+                  </a:lnTo>
+                  <a:lnTo>
+                    <a:pt x="3391" y="21600"/>
+                  </a:lnTo>
+                </a:path>
+              </a:pathLst>
+            </a:custGeom>
+            <a:ln w="19050">
+              <a:solidFill>
+                <a:srgbClr val="00B050"/>
+              </a:solidFill>
+              <a:tailEnd type="triangle"/>
             </a:ln>
-            <a:effectLst/>
           </p:spPr>
           <p:txBody>
-            <a:bodyPr wrap="square" lIns="45719" tIns="45719" rIns="45719" bIns="45719" numCol="1" anchor="t">
-              <a:noAutofit/>
-            </a:bodyPr>
+            <a:bodyPr/>
             <a:lstStyle/>
             <a:p>
-              <a:pPr>
-                <a:defRPr b="1" sz="1200">
-                  <a:solidFill>
-                    <a:srgbClr val="77933C"/>
-                  </a:solidFill>
-                </a:defRPr>
-              </a:pPr>
+              <a:endParaRPr sz="1200"/>
             </a:p>
           </p:txBody>
         </p:sp>
         <p:sp>
           <p:nvSpPr>
-            <p:cNvPr id="113" name="Shape 113"/>
+            <p:cNvPr id="125" name="Shape 125"/>
             <p:cNvSpPr/>
             <p:nvPr/>
           </p:nvSpPr>
           <p:spPr>
-            <a:xfrm>
-              <a:off x="40433" y="40432"/>
-              <a:ext cx="4836217" cy="269241"/>
+            <a:xfrm rot="10800000" flipV="1">
+              <a:off x="5394716" y="2110476"/>
+              <a:ext cx="270505" cy="175524"/>
             </a:xfrm>
-            <a:prstGeom prst="rect">
+            <a:prstGeom prst="triangle">
               <a:avLst/>
             </a:prstGeom>
-            <a:noFill/>
-            <a:ln w="12700" cap="flat">
-              <a:noFill/>
-              <a:miter lim="400000"/>
-            </a:ln>
-            <a:effectLst/>
-            <a:extLst>
-              <a:ext uri="{C572A759-6A51-4108-AA02-DFA0A04FC94B}">
-                <ma14:wrappingTextBoxFlag xmlns:ma14="http://schemas.microsoft.com/office/mac/drawingml/2011/main" val="1"/>
-              </a:ext>
-            </a:extLst>
-          </p:spPr>
-          <p:txBody>
-            <a:bodyPr wrap="square" lIns="45719" tIns="45719" rIns="45719" bIns="45719" numCol="1" anchor="t">
-              <a:spAutoFit/>
-            </a:bodyPr>
-            <a:lstStyle>
-              <a:lvl1pPr>
-                <a:defRPr b="1" sz="1200">
-                  <a:solidFill>
-                    <a:srgbClr val="77933C"/>
-                  </a:solidFill>
-                </a:defRPr>
-              </a:lvl1pPr>
-            </a:lstStyle>
-            <a:p>
-              <a:pPr/>
-              <a:r>
-                <a:t>UI</a:t>
-              </a:r>
-            </a:p>
-          </p:txBody>
-        </p:sp>
-      </p:grpSp>
-      <p:grpSp>
-        <p:nvGrpSpPr>
-          <p:cNvPr id="117" name="Group 117"/>
-          <p:cNvGrpSpPr/>
-          <p:nvPr/>
-        </p:nvGrpSpPr>
-        <p:grpSpPr>
-          <a:xfrm>
-            <a:off x="2095948" y="2341220"/>
-            <a:ext cx="1093636" cy="346761"/>
-            <a:chOff x="0" y="0"/>
-            <a:chExt cx="1093634" cy="346760"/>
-          </a:xfrm>
-        </p:grpSpPr>
-        <p:sp>
-          <p:nvSpPr>
-            <p:cNvPr id="115" name="Shape 115"/>
-            <p:cNvSpPr/>
-            <p:nvPr/>
-          </p:nvSpPr>
-          <p:spPr>
-            <a:xfrm>
-              <a:off x="0" y="-1"/>
-              <a:ext cx="1093635" cy="346762"/>
-            </a:xfrm>
-            <a:prstGeom prst="rect">
-              <a:avLst/>
-            </a:prstGeom>
-            <a:gradFill flip="none" rotWithShape="1">
+            <a:gradFill>
               <a:gsLst>
                 <a:gs pos="0">
                   <a:schemeClr val="accent3">
@@ -3199,110 +3709,2095 @@
                   </a:schemeClr>
                 </a:gs>
               </a:gsLst>
-              <a:lin ang="16200000" scaled="0"/>
+              <a:lin ang="16200000"/>
             </a:gradFill>
-            <a:ln w="19050" cap="flat">
+            <a:ln w="6350">
               <a:solidFill>
                 <a:schemeClr val="accent3"/>
               </a:solidFill>
-              <a:prstDash val="solid"/>
-              <a:round/>
             </a:ln>
-            <a:effectLst/>
           </p:spPr>
           <p:txBody>
-            <a:bodyPr wrap="square" lIns="45719" tIns="45719" rIns="45719" bIns="45719" numCol="1" anchor="ctr">
-              <a:noAutofit/>
-            </a:bodyPr>
+            <a:bodyPr lIns="45719" rIns="45719" anchor="ctr"/>
             <a:lstStyle/>
             <a:p>
               <a:pPr algn="ctr">
-                <a:defRPr b="1" sz="1000">
+                <a:defRPr sz="1000" b="1">
                   <a:solidFill>
-                    <a:srgbClr val="77933C"/>
+                    <a:srgbClr val="92D050"/>
                   </a:solidFill>
                 </a:defRPr>
               </a:pPr>
+              <a:endParaRPr sz="1200"/>
             </a:p>
           </p:txBody>
         </p:sp>
         <p:sp>
           <p:nvSpPr>
-            <p:cNvPr id="116" name="Shape 116"/>
+            <p:cNvPr id="126" name="Shape 126"/>
+            <p:cNvSpPr/>
+            <p:nvPr/>
+          </p:nvSpPr>
+          <p:spPr>
+            <a:xfrm flipV="1">
+              <a:off x="644735" y="2985587"/>
+              <a:ext cx="684905" cy="12701"/>
+            </a:xfrm>
+            <a:custGeom>
+              <a:avLst/>
+              <a:gdLst/>
+              <a:ahLst/>
+              <a:cxnLst>
+                <a:cxn ang="0">
+                  <a:pos x="wd2" y="hd2"/>
+                </a:cxn>
+                <a:cxn ang="5400000">
+                  <a:pos x="wd2" y="hd2"/>
+                </a:cxn>
+                <a:cxn ang="10800000">
+                  <a:pos x="wd2" y="hd2"/>
+                </a:cxn>
+                <a:cxn ang="16200000">
+                  <a:pos x="wd2" y="hd2"/>
+                </a:cxn>
+              </a:cxnLst>
+              <a:rect l="0" t="0" r="r" b="b"/>
+              <a:pathLst>
+                <a:path w="21600" h="21600" extrusionOk="0">
+                  <a:moveTo>
+                    <a:pt x="0" y="0"/>
+                  </a:moveTo>
+                  <a:lnTo>
+                    <a:pt x="10800" y="0"/>
+                  </a:lnTo>
+                  <a:lnTo>
+                    <a:pt x="10800" y="21600"/>
+                  </a:lnTo>
+                  <a:lnTo>
+                    <a:pt x="21600" y="21600"/>
+                  </a:lnTo>
+                </a:path>
+              </a:pathLst>
+            </a:custGeom>
+            <a:ln w="19050">
+              <a:solidFill>
+                <a:srgbClr val="BFBFBF"/>
+              </a:solidFill>
+              <a:prstDash val="sysDot"/>
+              <a:tailEnd type="triangle"/>
+            </a:ln>
+          </p:spPr>
+          <p:txBody>
+            <a:bodyPr lIns="45719" rIns="45719" anchor="ctr"/>
+            <a:lstStyle/>
+            <a:p>
+              <a:endParaRPr sz="1200"/>
+            </a:p>
+          </p:txBody>
+        </p:sp>
+        <p:grpSp>
+          <p:nvGrpSpPr>
+            <p:cNvPr id="129" name="Group 129"/>
+            <p:cNvGrpSpPr/>
+            <p:nvPr/>
+          </p:nvGrpSpPr>
+          <p:grpSpPr>
+            <a:xfrm>
+              <a:off x="6720906" y="1447798"/>
+              <a:ext cx="328047" cy="2362203"/>
+              <a:chOff x="0" y="-1"/>
+              <a:chExt cx="328046" cy="2362201"/>
+            </a:xfrm>
+          </p:grpSpPr>
+          <p:sp>
+            <p:nvSpPr>
+              <p:cNvPr id="127" name="Shape 127"/>
+              <p:cNvSpPr/>
+              <p:nvPr/>
+            </p:nvSpPr>
+            <p:spPr>
+              <a:xfrm rot="16200000">
+                <a:off x="-1017078" y="1017077"/>
+                <a:ext cx="2362201" cy="328046"/>
+              </a:xfrm>
+              <a:prstGeom prst="roundRect">
+                <a:avLst>
+                  <a:gd name="adj" fmla="val 16667"/>
+                </a:avLst>
+              </a:prstGeom>
+              <a:solidFill>
+                <a:srgbClr val="DCE6F2"/>
+              </a:solidFill>
+              <a:ln w="12700" cap="flat">
+                <a:noFill/>
+                <a:miter lim="400000"/>
+              </a:ln>
+              <a:effectLst/>
+            </p:spPr>
+            <p:txBody>
+              <a:bodyPr wrap="square" lIns="45719" tIns="45719" rIns="45719" bIns="45719" numCol="1" anchor="ctr">
+                <a:noAutofit/>
+              </a:bodyPr>
+              <a:lstStyle/>
+              <a:p>
+                <a:pPr algn="ctr">
+                  <a:defRPr sz="1100" b="1">
+                    <a:solidFill>
+                      <a:srgbClr val="FFFFFF"/>
+                    </a:solidFill>
+                  </a:defRPr>
+                </a:pPr>
+                <a:endParaRPr sz="1200"/>
+              </a:p>
+            </p:txBody>
+          </p:sp>
+          <p:sp>
+            <p:nvSpPr>
+              <p:cNvPr id="128" name="Shape 128"/>
+              <p:cNvSpPr/>
+              <p:nvPr/>
+            </p:nvSpPr>
+            <p:spPr>
+              <a:xfrm rot="16200000">
+                <a:off x="-1001065" y="1073453"/>
+                <a:ext cx="2330175" cy="215295"/>
+              </a:xfrm>
+              <a:prstGeom prst="rect">
+                <a:avLst/>
+              </a:prstGeom>
+              <a:noFill/>
+              <a:ln w="12700" cap="flat">
+                <a:noFill/>
+                <a:miter lim="400000"/>
+              </a:ln>
+              <a:effectLst/>
+              <a:extLst>
+                <a:ext uri="{C572A759-6A51-4108-AA02-DFA0A04FC94B}">
+                  <ma14:wrappingTextBoxFlag xmlns:ma14="http://schemas.microsoft.com/office/mac/drawingml/2011/main" val="1"/>
+                </a:ext>
+              </a:extLst>
+            </p:spPr>
+            <p:txBody>
+              <a:bodyPr wrap="square" lIns="45719" tIns="45719" rIns="45719" bIns="45719" numCol="1" anchor="ctr">
+                <a:spAutoFit/>
+              </a:bodyPr>
+              <a:lstStyle>
+                <a:lvl1pPr algn="ctr">
+                  <a:defRPr sz="1100" b="1">
+                    <a:solidFill>
+                      <a:srgbClr val="FFFFFF"/>
+                    </a:solidFill>
+                  </a:defRPr>
+                </a:lvl1pPr>
+              </a:lstStyle>
+              <a:p>
+                <a:r>
+                  <a:rPr sz="1200" dirty="0"/>
+                  <a:t>Logic</a:t>
+                </a:r>
+              </a:p>
+            </p:txBody>
+          </p:sp>
+        </p:grpSp>
+        <p:grpSp>
+          <p:nvGrpSpPr>
+            <p:cNvPr id="132" name="Group 132"/>
+            <p:cNvGrpSpPr/>
+            <p:nvPr/>
+          </p:nvGrpSpPr>
+          <p:grpSpPr>
+            <a:xfrm>
+              <a:off x="2592528" y="3649359"/>
+              <a:ext cx="1093636" cy="236843"/>
+              <a:chOff x="0" y="0"/>
+              <a:chExt cx="1093635" cy="236841"/>
+            </a:xfrm>
+          </p:grpSpPr>
+          <p:sp>
+            <p:nvSpPr>
+              <p:cNvPr id="130" name="Shape 130"/>
+              <p:cNvSpPr/>
+              <p:nvPr/>
+            </p:nvSpPr>
+            <p:spPr>
+              <a:xfrm>
+                <a:off x="0" y="0"/>
+                <a:ext cx="1093635" cy="236841"/>
+              </a:xfrm>
+              <a:prstGeom prst="rect">
+                <a:avLst/>
+              </a:prstGeom>
+              <a:gradFill flip="none" rotWithShape="1">
+                <a:gsLst>
+                  <a:gs pos="0">
+                    <a:schemeClr val="accent3">
+                      <a:hueOff val="263624"/>
+                      <a:satOff val="55948"/>
+                      <a:lumOff val="27907"/>
+                    </a:schemeClr>
+                  </a:gs>
+                  <a:gs pos="35000">
+                    <a:srgbClr val="E4FDBF"/>
+                  </a:gs>
+                  <a:gs pos="100000">
+                    <a:schemeClr val="accent3">
+                      <a:hueOff val="321486"/>
+                      <a:satOff val="58119"/>
+                      <a:lumOff val="40966"/>
+                    </a:schemeClr>
+                  </a:gs>
+                </a:gsLst>
+                <a:lin ang="16200000" scaled="0"/>
+              </a:gradFill>
+              <a:ln w="19050" cap="flat">
+                <a:solidFill>
+                  <a:schemeClr val="accent3"/>
+                </a:solidFill>
+                <a:prstDash val="solid"/>
+                <a:round/>
+              </a:ln>
+              <a:effectLst/>
+            </p:spPr>
+            <p:txBody>
+              <a:bodyPr wrap="square" lIns="45719" tIns="45719" rIns="45719" bIns="45719" numCol="1" anchor="ctr">
+                <a:noAutofit/>
+              </a:bodyPr>
+              <a:lstStyle/>
+              <a:p>
+                <a:pPr algn="ctr">
+                  <a:defRPr sz="1000" b="1">
+                    <a:solidFill>
+                      <a:srgbClr val="77933C"/>
+                    </a:solidFill>
+                  </a:defRPr>
+                </a:pPr>
+                <a:endParaRPr sz="1200"/>
+              </a:p>
+            </p:txBody>
+          </p:sp>
+          <p:sp>
+            <p:nvSpPr>
+              <p:cNvPr id="131" name="Shape 131"/>
+              <p:cNvSpPr/>
+              <p:nvPr/>
+            </p:nvSpPr>
+            <p:spPr>
+              <a:xfrm>
+                <a:off x="0" y="10774"/>
+                <a:ext cx="1093635" cy="215293"/>
+              </a:xfrm>
+              <a:prstGeom prst="rect">
+                <a:avLst/>
+              </a:prstGeom>
+              <a:noFill/>
+              <a:ln w="12700" cap="flat">
+                <a:noFill/>
+                <a:miter lim="400000"/>
+              </a:ln>
+              <a:effectLst/>
+              <a:extLst>
+                <a:ext uri="{C572A759-6A51-4108-AA02-DFA0A04FC94B}">
+                  <ma14:wrappingTextBoxFlag xmlns:ma14="http://schemas.microsoft.com/office/mac/drawingml/2011/main" val="1"/>
+                </a:ext>
+              </a:extLst>
+            </p:spPr>
+            <p:txBody>
+              <a:bodyPr wrap="square" lIns="45719" tIns="45719" rIns="45719" bIns="45719" numCol="1" anchor="ctr">
+                <a:spAutoFit/>
+              </a:bodyPr>
+              <a:lstStyle>
+                <a:lvl1pPr algn="ctr">
+                  <a:defRPr sz="1000" b="1">
+                    <a:solidFill>
+                      <a:srgbClr val="77933C"/>
+                    </a:solidFill>
+                  </a:defRPr>
+                </a:lvl1pPr>
+              </a:lstStyle>
+              <a:p>
+                <a:r>
+                  <a:rPr sz="1200"/>
+                  <a:t>BrowserPanel</a:t>
+                </a:r>
+              </a:p>
+            </p:txBody>
+          </p:sp>
+        </p:grpSp>
+        <p:grpSp>
+          <p:nvGrpSpPr>
+            <p:cNvPr id="135" name="Group 135"/>
+            <p:cNvGrpSpPr/>
+            <p:nvPr/>
+          </p:nvGrpSpPr>
+          <p:grpSpPr>
+            <a:xfrm>
+              <a:off x="2592527" y="4563759"/>
+              <a:ext cx="1093637" cy="236843"/>
+              <a:chOff x="0" y="0"/>
+              <a:chExt cx="1093635" cy="236841"/>
+            </a:xfrm>
+          </p:grpSpPr>
+          <p:sp>
+            <p:nvSpPr>
+              <p:cNvPr id="133" name="Shape 133"/>
+              <p:cNvSpPr/>
+              <p:nvPr/>
+            </p:nvSpPr>
+            <p:spPr>
+              <a:xfrm>
+                <a:off x="0" y="0"/>
+                <a:ext cx="1093635" cy="236841"/>
+              </a:xfrm>
+              <a:prstGeom prst="rect">
+                <a:avLst/>
+              </a:prstGeom>
+              <a:gradFill flip="none" rotWithShape="1">
+                <a:gsLst>
+                  <a:gs pos="0">
+                    <a:schemeClr val="accent3">
+                      <a:hueOff val="263624"/>
+                      <a:satOff val="55948"/>
+                      <a:lumOff val="27907"/>
+                    </a:schemeClr>
+                  </a:gs>
+                  <a:gs pos="35000">
+                    <a:srgbClr val="E4FDBF"/>
+                  </a:gs>
+                  <a:gs pos="100000">
+                    <a:schemeClr val="accent3">
+                      <a:hueOff val="321486"/>
+                      <a:satOff val="58119"/>
+                      <a:lumOff val="40966"/>
+                    </a:schemeClr>
+                  </a:gs>
+                </a:gsLst>
+                <a:lin ang="16200000" scaled="0"/>
+              </a:gradFill>
+              <a:ln w="19050" cap="flat">
+                <a:solidFill>
+                  <a:schemeClr val="accent3"/>
+                </a:solidFill>
+                <a:prstDash val="solid"/>
+                <a:round/>
+              </a:ln>
+              <a:effectLst/>
+            </p:spPr>
+            <p:txBody>
+              <a:bodyPr wrap="square" lIns="45719" tIns="45719" rIns="45719" bIns="45719" numCol="1" anchor="ctr">
+                <a:noAutofit/>
+              </a:bodyPr>
+              <a:lstStyle/>
+              <a:p>
+                <a:pPr algn="ctr">
+                  <a:defRPr sz="1000" b="1">
+                    <a:solidFill>
+                      <a:srgbClr val="77933C"/>
+                    </a:solidFill>
+                  </a:defRPr>
+                </a:pPr>
+                <a:endParaRPr sz="1200"/>
+              </a:p>
+            </p:txBody>
+          </p:sp>
+          <p:sp>
+            <p:nvSpPr>
+              <p:cNvPr id="134" name="Shape 134"/>
+              <p:cNvSpPr/>
+              <p:nvPr/>
+            </p:nvSpPr>
+            <p:spPr>
+              <a:xfrm>
+                <a:off x="0" y="10774"/>
+                <a:ext cx="1093635" cy="215293"/>
+              </a:xfrm>
+              <a:prstGeom prst="rect">
+                <a:avLst/>
+              </a:prstGeom>
+              <a:noFill/>
+              <a:ln w="12700" cap="flat">
+                <a:noFill/>
+                <a:miter lim="400000"/>
+              </a:ln>
+              <a:effectLst/>
+              <a:extLst>
+                <a:ext uri="{C572A759-6A51-4108-AA02-DFA0A04FC94B}">
+                  <ma14:wrappingTextBoxFlag xmlns:ma14="http://schemas.microsoft.com/office/mac/drawingml/2011/main" val="1"/>
+                </a:ext>
+              </a:extLst>
+            </p:spPr>
+            <p:txBody>
+              <a:bodyPr wrap="square" lIns="45719" tIns="45719" rIns="45719" bIns="45719" numCol="1" anchor="ctr">
+                <a:spAutoFit/>
+              </a:bodyPr>
+              <a:lstStyle>
+                <a:lvl1pPr algn="ctr">
+                  <a:defRPr sz="1000" b="1">
+                    <a:solidFill>
+                      <a:srgbClr val="77933C"/>
+                    </a:solidFill>
+                  </a:defRPr>
+                </a:lvl1pPr>
+              </a:lstStyle>
+              <a:p>
+                <a:r>
+                  <a:rPr sz="1200"/>
+                  <a:t>StatusBarFooter</a:t>
+                </a:r>
+              </a:p>
+            </p:txBody>
+          </p:sp>
+        </p:grpSp>
+        <p:grpSp>
+          <p:nvGrpSpPr>
+            <p:cNvPr id="138" name="Group 138"/>
+            <p:cNvGrpSpPr/>
+            <p:nvPr/>
+          </p:nvGrpSpPr>
+          <p:grpSpPr>
+            <a:xfrm>
+              <a:off x="2592526" y="3991959"/>
+              <a:ext cx="1093637" cy="236843"/>
+              <a:chOff x="0" y="0"/>
+              <a:chExt cx="1093635" cy="236841"/>
+            </a:xfrm>
+          </p:grpSpPr>
+          <p:sp>
+            <p:nvSpPr>
+              <p:cNvPr id="136" name="Shape 136"/>
+              <p:cNvSpPr/>
+              <p:nvPr/>
+            </p:nvSpPr>
+            <p:spPr>
+              <a:xfrm>
+                <a:off x="0" y="0"/>
+                <a:ext cx="1093635" cy="236841"/>
+              </a:xfrm>
+              <a:prstGeom prst="rect">
+                <a:avLst/>
+              </a:prstGeom>
+              <a:gradFill flip="none" rotWithShape="1">
+                <a:gsLst>
+                  <a:gs pos="0">
+                    <a:schemeClr val="accent3">
+                      <a:hueOff val="263624"/>
+                      <a:satOff val="55948"/>
+                      <a:lumOff val="27907"/>
+                    </a:schemeClr>
+                  </a:gs>
+                  <a:gs pos="35000">
+                    <a:srgbClr val="E4FDBF"/>
+                  </a:gs>
+                  <a:gs pos="100000">
+                    <a:schemeClr val="accent3">
+                      <a:hueOff val="321486"/>
+                      <a:satOff val="58119"/>
+                      <a:lumOff val="40966"/>
+                    </a:schemeClr>
+                  </a:gs>
+                </a:gsLst>
+                <a:lin ang="16200000" scaled="0"/>
+              </a:gradFill>
+              <a:ln w="19050" cap="flat">
+                <a:solidFill>
+                  <a:schemeClr val="accent3"/>
+                </a:solidFill>
+                <a:prstDash val="solid"/>
+                <a:round/>
+              </a:ln>
+              <a:effectLst/>
+            </p:spPr>
+            <p:txBody>
+              <a:bodyPr wrap="square" lIns="45719" tIns="45719" rIns="45719" bIns="45719" numCol="1" anchor="ctr">
+                <a:noAutofit/>
+              </a:bodyPr>
+              <a:lstStyle/>
+              <a:p>
+                <a:pPr algn="ctr">
+                  <a:defRPr sz="1000" b="1">
+                    <a:solidFill>
+                      <a:srgbClr val="77933C"/>
+                    </a:solidFill>
+                  </a:defRPr>
+                </a:pPr>
+                <a:endParaRPr sz="1200"/>
+              </a:p>
+            </p:txBody>
+          </p:sp>
+          <p:sp>
+            <p:nvSpPr>
+              <p:cNvPr id="137" name="Shape 137"/>
+              <p:cNvSpPr/>
+              <p:nvPr/>
+            </p:nvSpPr>
+            <p:spPr>
+              <a:xfrm>
+                <a:off x="0" y="10774"/>
+                <a:ext cx="1093635" cy="215293"/>
+              </a:xfrm>
+              <a:prstGeom prst="rect">
+                <a:avLst/>
+              </a:prstGeom>
+              <a:noFill/>
+              <a:ln w="12700" cap="flat">
+                <a:noFill/>
+                <a:miter lim="400000"/>
+              </a:ln>
+              <a:effectLst/>
+              <a:extLst>
+                <a:ext uri="{C572A759-6A51-4108-AA02-DFA0A04FC94B}">
+                  <ma14:wrappingTextBoxFlag xmlns:ma14="http://schemas.microsoft.com/office/mac/drawingml/2011/main" val="1"/>
+                </a:ext>
+              </a:extLst>
+            </p:spPr>
+            <p:txBody>
+              <a:bodyPr wrap="square" lIns="45719" tIns="45719" rIns="45719" bIns="45719" numCol="1" anchor="ctr">
+                <a:spAutoFit/>
+              </a:bodyPr>
+              <a:lstStyle>
+                <a:lvl1pPr algn="ctr">
+                  <a:defRPr sz="1000" b="1">
+                    <a:solidFill>
+                      <a:srgbClr val="77933C"/>
+                    </a:solidFill>
+                  </a:defRPr>
+                </a:lvl1pPr>
+              </a:lstStyle>
+              <a:p>
+                <a:r>
+                  <a:rPr sz="1200"/>
+                  <a:t>TaskListPanel</a:t>
+                </a:r>
+              </a:p>
+            </p:txBody>
+          </p:sp>
+        </p:grpSp>
+        <p:grpSp>
+          <p:nvGrpSpPr>
+            <p:cNvPr id="141" name="Group 141"/>
+            <p:cNvGrpSpPr/>
+            <p:nvPr/>
+          </p:nvGrpSpPr>
+          <p:grpSpPr>
+            <a:xfrm>
+              <a:off x="3839321" y="4228801"/>
+              <a:ext cx="1040910" cy="236843"/>
+              <a:chOff x="-1" y="0"/>
+              <a:chExt cx="1040908" cy="236841"/>
+            </a:xfrm>
+          </p:grpSpPr>
+          <p:sp>
+            <p:nvSpPr>
+              <p:cNvPr id="139" name="Shape 139"/>
+              <p:cNvSpPr/>
+              <p:nvPr/>
+            </p:nvSpPr>
+            <p:spPr>
+              <a:xfrm>
+                <a:off x="-1" y="0"/>
+                <a:ext cx="1040908" cy="236841"/>
+              </a:xfrm>
+              <a:prstGeom prst="rect">
+                <a:avLst/>
+              </a:prstGeom>
+              <a:gradFill flip="none" rotWithShape="1">
+                <a:gsLst>
+                  <a:gs pos="0">
+                    <a:schemeClr val="accent3">
+                      <a:hueOff val="263624"/>
+                      <a:satOff val="55948"/>
+                      <a:lumOff val="27907"/>
+                    </a:schemeClr>
+                  </a:gs>
+                  <a:gs pos="35000">
+                    <a:srgbClr val="E4FDBF"/>
+                  </a:gs>
+                  <a:gs pos="100000">
+                    <a:schemeClr val="accent3">
+                      <a:hueOff val="321486"/>
+                      <a:satOff val="58119"/>
+                      <a:lumOff val="40966"/>
+                    </a:schemeClr>
+                  </a:gs>
+                </a:gsLst>
+                <a:lin ang="16200000" scaled="0"/>
+              </a:gradFill>
+              <a:ln w="19050" cap="flat">
+                <a:solidFill>
+                  <a:schemeClr val="accent3"/>
+                </a:solidFill>
+                <a:prstDash val="solid"/>
+                <a:round/>
+              </a:ln>
+              <a:effectLst/>
+            </p:spPr>
+            <p:txBody>
+              <a:bodyPr wrap="square" lIns="45719" tIns="45719" rIns="45719" bIns="45719" numCol="1" anchor="ctr">
+                <a:noAutofit/>
+              </a:bodyPr>
+              <a:lstStyle/>
+              <a:p>
+                <a:pPr algn="ctr">
+                  <a:defRPr sz="1000" b="1">
+                    <a:solidFill>
+                      <a:srgbClr val="77933C"/>
+                    </a:solidFill>
+                  </a:defRPr>
+                </a:pPr>
+                <a:endParaRPr sz="1200"/>
+              </a:p>
+            </p:txBody>
+          </p:sp>
+          <p:sp>
+            <p:nvSpPr>
+              <p:cNvPr id="140" name="Shape 140"/>
+              <p:cNvSpPr/>
+              <p:nvPr/>
+            </p:nvSpPr>
+            <p:spPr>
+              <a:xfrm>
+                <a:off x="-1" y="10774"/>
+                <a:ext cx="1040908" cy="215293"/>
+              </a:xfrm>
+              <a:prstGeom prst="rect">
+                <a:avLst/>
+              </a:prstGeom>
+              <a:noFill/>
+              <a:ln w="12700" cap="flat">
+                <a:noFill/>
+                <a:miter lim="400000"/>
+              </a:ln>
+              <a:effectLst/>
+              <a:extLst>
+                <a:ext uri="{C572A759-6A51-4108-AA02-DFA0A04FC94B}">
+                  <ma14:wrappingTextBoxFlag xmlns:ma14="http://schemas.microsoft.com/office/mac/drawingml/2011/main" val="1"/>
+                </a:ext>
+              </a:extLst>
+            </p:spPr>
+            <p:txBody>
+              <a:bodyPr wrap="square" lIns="45719" tIns="45719" rIns="45719" bIns="45719" numCol="1" anchor="ctr">
+                <a:spAutoFit/>
+              </a:bodyPr>
+              <a:lstStyle>
+                <a:lvl1pPr algn="ctr">
+                  <a:defRPr sz="1000" b="1">
+                    <a:solidFill>
+                      <a:srgbClr val="77933C"/>
+                    </a:solidFill>
+                  </a:defRPr>
+                </a:lvl1pPr>
+              </a:lstStyle>
+              <a:p>
+                <a:r>
+                  <a:rPr sz="1200"/>
+                  <a:t>TaskCard</a:t>
+                </a:r>
+              </a:p>
+            </p:txBody>
+          </p:sp>
+        </p:grpSp>
+        <p:grpSp>
+          <p:nvGrpSpPr>
+            <p:cNvPr id="144" name="Group 144"/>
+            <p:cNvGrpSpPr/>
+            <p:nvPr/>
+          </p:nvGrpSpPr>
+          <p:grpSpPr>
+            <a:xfrm>
+              <a:off x="2592528" y="4965999"/>
+              <a:ext cx="1093636" cy="236843"/>
+              <a:chOff x="0" y="0"/>
+              <a:chExt cx="1093635" cy="236841"/>
+            </a:xfrm>
+          </p:grpSpPr>
+          <p:sp>
+            <p:nvSpPr>
+              <p:cNvPr id="142" name="Shape 142"/>
+              <p:cNvSpPr/>
+              <p:nvPr/>
+            </p:nvSpPr>
+            <p:spPr>
+              <a:xfrm>
+                <a:off x="0" y="0"/>
+                <a:ext cx="1093635" cy="236841"/>
+              </a:xfrm>
+              <a:prstGeom prst="rect">
+                <a:avLst/>
+              </a:prstGeom>
+              <a:gradFill flip="none" rotWithShape="1">
+                <a:gsLst>
+                  <a:gs pos="0">
+                    <a:schemeClr val="accent3">
+                      <a:hueOff val="263624"/>
+                      <a:satOff val="55948"/>
+                      <a:lumOff val="27907"/>
+                    </a:schemeClr>
+                  </a:gs>
+                  <a:gs pos="35000">
+                    <a:srgbClr val="E4FDBF"/>
+                  </a:gs>
+                  <a:gs pos="100000">
+                    <a:schemeClr val="accent3">
+                      <a:hueOff val="321486"/>
+                      <a:satOff val="58119"/>
+                      <a:lumOff val="40966"/>
+                    </a:schemeClr>
+                  </a:gs>
+                </a:gsLst>
+                <a:lin ang="16200000" scaled="0"/>
+              </a:gradFill>
+              <a:ln w="19050" cap="flat">
+                <a:solidFill>
+                  <a:schemeClr val="accent3"/>
+                </a:solidFill>
+                <a:prstDash val="solid"/>
+                <a:round/>
+              </a:ln>
+              <a:effectLst/>
+            </p:spPr>
+            <p:txBody>
+              <a:bodyPr wrap="square" lIns="45719" tIns="45719" rIns="45719" bIns="45719" numCol="1" anchor="ctr">
+                <a:noAutofit/>
+              </a:bodyPr>
+              <a:lstStyle/>
+              <a:p>
+                <a:pPr algn="ctr">
+                  <a:defRPr sz="1000" b="1">
+                    <a:solidFill>
+                      <a:srgbClr val="77933C"/>
+                    </a:solidFill>
+                  </a:defRPr>
+                </a:pPr>
+                <a:endParaRPr sz="1200"/>
+              </a:p>
+            </p:txBody>
+          </p:sp>
+          <p:sp>
+            <p:nvSpPr>
+              <p:cNvPr id="143" name="Shape 143"/>
+              <p:cNvSpPr/>
+              <p:nvPr/>
+            </p:nvSpPr>
+            <p:spPr>
+              <a:xfrm>
+                <a:off x="0" y="10774"/>
+                <a:ext cx="1093635" cy="215293"/>
+              </a:xfrm>
+              <a:prstGeom prst="rect">
+                <a:avLst/>
+              </a:prstGeom>
+              <a:noFill/>
+              <a:ln w="12700" cap="flat">
+                <a:noFill/>
+                <a:miter lim="400000"/>
+              </a:ln>
+              <a:effectLst/>
+              <a:extLst>
+                <a:ext uri="{C572A759-6A51-4108-AA02-DFA0A04FC94B}">
+                  <ma14:wrappingTextBoxFlag xmlns:ma14="http://schemas.microsoft.com/office/mac/drawingml/2011/main" val="1"/>
+                </a:ext>
+              </a:extLst>
+            </p:spPr>
+            <p:txBody>
+              <a:bodyPr wrap="square" lIns="45719" tIns="45719" rIns="45719" bIns="45719" numCol="1" anchor="ctr">
+                <a:spAutoFit/>
+              </a:bodyPr>
+              <a:lstStyle>
+                <a:lvl1pPr algn="ctr">
+                  <a:defRPr sz="1000" b="1">
+                    <a:solidFill>
+                      <a:srgbClr val="77933C"/>
+                    </a:solidFill>
+                  </a:defRPr>
+                </a:lvl1pPr>
+              </a:lstStyle>
+              <a:p>
+                <a:r>
+                  <a:rPr sz="1200"/>
+                  <a:t>HelpWindow</a:t>
+                </a:r>
+              </a:p>
+            </p:txBody>
+          </p:sp>
+        </p:grpSp>
+        <p:sp>
+          <p:nvSpPr>
+            <p:cNvPr id="145" name="Shape 145"/>
             <p:cNvSpPr/>
             <p:nvPr/>
           </p:nvSpPr>
           <p:spPr>
             <a:xfrm>
-              <a:off x="0" y="57810"/>
-              <a:ext cx="1093635" cy="231141"/>
+              <a:off x="2324548" y="2706452"/>
+              <a:ext cx="183157" cy="161574"/>
             </a:xfrm>
-            <a:prstGeom prst="rect">
+            <a:custGeom>
               <a:avLst/>
-            </a:prstGeom>
-            <a:noFill/>
-            <a:ln w="12700" cap="flat">
-              <a:noFill/>
-              <a:miter lim="400000"/>
+              <a:gdLst/>
+              <a:ahLst/>
+              <a:cxnLst>
+                <a:cxn ang="0">
+                  <a:pos x="wd2" y="hd2"/>
+                </a:cxn>
+                <a:cxn ang="5400000">
+                  <a:pos x="wd2" y="hd2"/>
+                </a:cxn>
+                <a:cxn ang="10800000">
+                  <a:pos x="wd2" y="hd2"/>
+                </a:cxn>
+                <a:cxn ang="16200000">
+                  <a:pos x="wd2" y="hd2"/>
+                </a:cxn>
+              </a:cxnLst>
+              <a:rect l="0" t="0" r="r" b="b"/>
+              <a:pathLst>
+                <a:path w="21600" h="21600" extrusionOk="0">
+                  <a:moveTo>
+                    <a:pt x="0" y="10800"/>
+                  </a:moveTo>
+                  <a:lnTo>
+                    <a:pt x="10800" y="0"/>
+                  </a:lnTo>
+                  <a:lnTo>
+                    <a:pt x="21600" y="10800"/>
+                  </a:lnTo>
+                  <a:lnTo>
+                    <a:pt x="10800" y="21600"/>
+                  </a:lnTo>
+                  <a:close/>
+                </a:path>
+              </a:pathLst>
+            </a:custGeom>
+            <a:solidFill>
+              <a:schemeClr val="accent3"/>
+            </a:solidFill>
+            <a:ln w="25400">
+              <a:solidFill>
+                <a:schemeClr val="accent3"/>
+              </a:solidFill>
             </a:ln>
-            <a:effectLst/>
-            <a:extLst>
-              <a:ext uri="{C572A759-6A51-4108-AA02-DFA0A04FC94B}">
-                <ma14:wrappingTextBoxFlag xmlns:ma14="http://schemas.microsoft.com/office/mac/drawingml/2011/main" val="1"/>
-              </a:ext>
-            </a:extLst>
           </p:spPr>
           <p:txBody>
-            <a:bodyPr wrap="square" lIns="45719" tIns="45719" rIns="45719" bIns="45719" numCol="1" anchor="ctr">
-              <a:spAutoFit/>
-            </a:bodyPr>
-            <a:lstStyle>
-              <a:lvl1pPr algn="ctr">
-                <a:defRPr b="1" sz="1000">
+            <a:bodyPr lIns="45719" rIns="45719" anchor="ctr"/>
+            <a:lstStyle/>
+            <a:p>
+              <a:pPr algn="ctr">
+                <a:defRPr>
                   <a:solidFill>
-                    <a:srgbClr val="77933C"/>
+                    <a:srgbClr val="FFFFFF"/>
                   </a:solidFill>
                 </a:defRPr>
-              </a:lvl1pPr>
-            </a:lstStyle>
-            <a:p>
-              <a:pPr/>
-              <a:r>
-                <a:t>MainWindow</a:t>
-              </a:r>
+              </a:pPr>
+              <a:endParaRPr sz="1200"/>
             </a:p>
           </p:txBody>
         </p:sp>
-      </p:grpSp>
-      <p:grpSp>
-        <p:nvGrpSpPr>
-          <p:cNvPr id="120" name="Group 120"/>
-          <p:cNvGrpSpPr/>
-          <p:nvPr/>
-        </p:nvGrpSpPr>
-        <p:grpSpPr>
-          <a:xfrm>
-            <a:off x="2592528" y="2971800"/>
-            <a:ext cx="1093635" cy="236841"/>
-            <a:chOff x="0" y="0"/>
-            <a:chExt cx="1093634" cy="236840"/>
-          </a:xfrm>
-        </p:grpSpPr>
         <p:sp>
           <p:nvSpPr>
-            <p:cNvPr id="118" name="Shape 118"/>
+            <p:cNvPr id="181" name="Shape 181"/>
             <p:cNvSpPr/>
             <p:nvPr/>
           </p:nvSpPr>
           <p:spPr>
             <a:xfrm>
-              <a:off x="0" y="0"/>
-              <a:ext cx="1093635" cy="236841"/>
+              <a:off x="2057400" y="2786380"/>
+              <a:ext cx="524510" cy="303531"/>
             </a:xfrm>
-            <a:prstGeom prst="rect">
+            <a:custGeom>
+              <a:avLst/>
+              <a:gdLst/>
+              <a:ahLst/>
+              <a:cxnLst>
+                <a:cxn ang="0">
+                  <a:pos x="wd2" y="hd2"/>
+                </a:cxn>
+                <a:cxn ang="5400000">
+                  <a:pos x="wd2" y="hd2"/>
+                </a:cxn>
+                <a:cxn ang="10800000">
+                  <a:pos x="wd2" y="hd2"/>
+                </a:cxn>
+                <a:cxn ang="16200000">
+                  <a:pos x="wd2" y="hd2"/>
+                </a:cxn>
+              </a:cxnLst>
+              <a:rect l="0" t="0" r="r" b="b"/>
+              <a:pathLst>
+                <a:path w="21600" h="21600" extrusionOk="0">
+                  <a:moveTo>
+                    <a:pt x="10460" y="0"/>
+                  </a:moveTo>
+                  <a:lnTo>
+                    <a:pt x="0" y="0"/>
+                  </a:lnTo>
+                  <a:lnTo>
+                    <a:pt x="0" y="21600"/>
+                  </a:lnTo>
+                  <a:lnTo>
+                    <a:pt x="21600" y="21600"/>
+                  </a:lnTo>
+                </a:path>
+              </a:pathLst>
+            </a:custGeom>
+            <a:ln w="19050">
+              <a:solidFill>
+                <a:schemeClr val="accent3"/>
+              </a:solidFill>
+              <a:tailEnd type="triangle"/>
+            </a:ln>
+          </p:spPr>
+          <p:txBody>
+            <a:bodyPr/>
+            <a:lstStyle/>
+            <a:p>
+              <a:endParaRPr sz="1200"/>
+            </a:p>
+          </p:txBody>
+        </p:sp>
+        <p:grpSp>
+          <p:nvGrpSpPr>
+            <p:cNvPr id="149" name="Group 149"/>
+            <p:cNvGrpSpPr/>
+            <p:nvPr/>
+          </p:nvGrpSpPr>
+          <p:grpSpPr>
+            <a:xfrm>
+              <a:off x="2590798" y="3304308"/>
+              <a:ext cx="1095364" cy="236842"/>
+              <a:chOff x="-1" y="0"/>
+              <a:chExt cx="1095363" cy="236841"/>
+            </a:xfrm>
+          </p:grpSpPr>
+          <p:sp>
+            <p:nvSpPr>
+              <p:cNvPr id="147" name="Shape 147"/>
+              <p:cNvSpPr/>
+              <p:nvPr/>
+            </p:nvSpPr>
+            <p:spPr>
+              <a:xfrm>
+                <a:off x="-1" y="0"/>
+                <a:ext cx="1095363" cy="236841"/>
+              </a:xfrm>
+              <a:prstGeom prst="rect">
+                <a:avLst/>
+              </a:prstGeom>
+              <a:gradFill flip="none" rotWithShape="1">
+                <a:gsLst>
+                  <a:gs pos="0">
+                    <a:schemeClr val="accent3">
+                      <a:hueOff val="263624"/>
+                      <a:satOff val="55948"/>
+                      <a:lumOff val="27907"/>
+                    </a:schemeClr>
+                  </a:gs>
+                  <a:gs pos="35000">
+                    <a:srgbClr val="E4FDBF"/>
+                  </a:gs>
+                  <a:gs pos="100000">
+                    <a:schemeClr val="accent3">
+                      <a:hueOff val="321486"/>
+                      <a:satOff val="58119"/>
+                      <a:lumOff val="40966"/>
+                    </a:schemeClr>
+                  </a:gs>
+                </a:gsLst>
+                <a:lin ang="16200000" scaled="0"/>
+              </a:gradFill>
+              <a:ln w="19050" cap="flat">
+                <a:solidFill>
+                  <a:schemeClr val="accent3"/>
+                </a:solidFill>
+                <a:prstDash val="solid"/>
+                <a:round/>
+              </a:ln>
+              <a:effectLst/>
+            </p:spPr>
+            <p:txBody>
+              <a:bodyPr wrap="square" lIns="45719" tIns="45719" rIns="45719" bIns="45719" numCol="1" anchor="ctr">
+                <a:noAutofit/>
+              </a:bodyPr>
+              <a:lstStyle/>
+              <a:p>
+                <a:pPr algn="ctr">
+                  <a:defRPr sz="1000" b="1">
+                    <a:solidFill>
+                      <a:srgbClr val="77933C"/>
+                    </a:solidFill>
+                  </a:defRPr>
+                </a:pPr>
+                <a:endParaRPr sz="1200"/>
+              </a:p>
+            </p:txBody>
+          </p:sp>
+          <p:sp>
+            <p:nvSpPr>
+              <p:cNvPr id="148" name="Shape 148"/>
+              <p:cNvSpPr/>
+              <p:nvPr/>
+            </p:nvSpPr>
+            <p:spPr>
+              <a:xfrm>
+                <a:off x="-1" y="10773"/>
+                <a:ext cx="1095363" cy="215295"/>
+              </a:xfrm>
+              <a:prstGeom prst="rect">
+                <a:avLst/>
+              </a:prstGeom>
+              <a:noFill/>
+              <a:ln w="12700" cap="flat">
+                <a:noFill/>
+                <a:miter lim="400000"/>
+              </a:ln>
+              <a:effectLst/>
+              <a:extLst>
+                <a:ext uri="{C572A759-6A51-4108-AA02-DFA0A04FC94B}">
+                  <ma14:wrappingTextBoxFlag xmlns:ma14="http://schemas.microsoft.com/office/mac/drawingml/2011/main" val="1"/>
+                </a:ext>
+              </a:extLst>
+            </p:spPr>
+            <p:txBody>
+              <a:bodyPr wrap="square" lIns="45719" tIns="45719" rIns="45719" bIns="45719" numCol="1" anchor="ctr">
+                <a:spAutoFit/>
+              </a:bodyPr>
+              <a:lstStyle>
+                <a:lvl1pPr algn="ctr">
+                  <a:defRPr sz="1000" b="1">
+                    <a:solidFill>
+                      <a:srgbClr val="77933C"/>
+                    </a:solidFill>
+                  </a:defRPr>
+                </a:lvl1pPr>
+              </a:lstStyle>
+              <a:p>
+                <a:r>
+                  <a:rPr sz="1200"/>
+                  <a:t>ResultDisplay</a:t>
+                </a:r>
+              </a:p>
+            </p:txBody>
+          </p:sp>
+        </p:grpSp>
+        <p:sp>
+          <p:nvSpPr>
+            <p:cNvPr id="182" name="Shape 182"/>
+            <p:cNvSpPr/>
+            <p:nvPr/>
+          </p:nvSpPr>
+          <p:spPr>
+            <a:xfrm>
+              <a:off x="2057400" y="2786379"/>
+              <a:ext cx="524510" cy="980441"/>
+            </a:xfrm>
+            <a:custGeom>
+              <a:avLst/>
+              <a:gdLst/>
+              <a:ahLst/>
+              <a:cxnLst>
+                <a:cxn ang="0">
+                  <a:pos x="wd2" y="hd2"/>
+                </a:cxn>
+                <a:cxn ang="5400000">
+                  <a:pos x="wd2" y="hd2"/>
+                </a:cxn>
+                <a:cxn ang="10800000">
+                  <a:pos x="wd2" y="hd2"/>
+                </a:cxn>
+                <a:cxn ang="16200000">
+                  <a:pos x="wd2" y="hd2"/>
+                </a:cxn>
+              </a:cxnLst>
+              <a:rect l="0" t="0" r="r" b="b"/>
+              <a:pathLst>
+                <a:path w="21600" h="21600" extrusionOk="0">
+                  <a:moveTo>
+                    <a:pt x="10460" y="0"/>
+                  </a:moveTo>
+                  <a:lnTo>
+                    <a:pt x="0" y="0"/>
+                  </a:lnTo>
+                  <a:lnTo>
+                    <a:pt x="0" y="21600"/>
+                  </a:lnTo>
+                  <a:lnTo>
+                    <a:pt x="21600" y="21600"/>
+                  </a:lnTo>
+                </a:path>
+              </a:pathLst>
+            </a:custGeom>
+            <a:ln w="19050">
+              <a:solidFill>
+                <a:schemeClr val="accent3"/>
+              </a:solidFill>
+              <a:tailEnd type="triangle"/>
+            </a:ln>
+          </p:spPr>
+          <p:txBody>
+            <a:bodyPr/>
+            <a:lstStyle/>
+            <a:p>
+              <a:endParaRPr sz="1200"/>
+            </a:p>
+          </p:txBody>
+        </p:sp>
+        <p:sp>
+          <p:nvSpPr>
+            <p:cNvPr id="183" name="Shape 183"/>
+            <p:cNvSpPr/>
+            <p:nvPr/>
+          </p:nvSpPr>
+          <p:spPr>
+            <a:xfrm>
+              <a:off x="2057400" y="2786379"/>
+              <a:ext cx="524510" cy="1323341"/>
+            </a:xfrm>
+            <a:custGeom>
+              <a:avLst/>
+              <a:gdLst/>
+              <a:ahLst/>
+              <a:cxnLst>
+                <a:cxn ang="0">
+                  <a:pos x="wd2" y="hd2"/>
+                </a:cxn>
+                <a:cxn ang="5400000">
+                  <a:pos x="wd2" y="hd2"/>
+                </a:cxn>
+                <a:cxn ang="10800000">
+                  <a:pos x="wd2" y="hd2"/>
+                </a:cxn>
+                <a:cxn ang="16200000">
+                  <a:pos x="wd2" y="hd2"/>
+                </a:cxn>
+              </a:cxnLst>
+              <a:rect l="0" t="0" r="r" b="b"/>
+              <a:pathLst>
+                <a:path w="21600" h="21600" extrusionOk="0">
+                  <a:moveTo>
+                    <a:pt x="10460" y="0"/>
+                  </a:moveTo>
+                  <a:lnTo>
+                    <a:pt x="0" y="0"/>
+                  </a:lnTo>
+                  <a:lnTo>
+                    <a:pt x="0" y="21600"/>
+                  </a:lnTo>
+                  <a:lnTo>
+                    <a:pt x="21600" y="21600"/>
+                  </a:lnTo>
+                </a:path>
+              </a:pathLst>
+            </a:custGeom>
+            <a:ln w="19050">
+              <a:solidFill>
+                <a:schemeClr val="accent3"/>
+              </a:solidFill>
+              <a:tailEnd type="triangle"/>
+            </a:ln>
+          </p:spPr>
+          <p:txBody>
+            <a:bodyPr/>
+            <a:lstStyle/>
+            <a:p>
+              <a:endParaRPr sz="1200"/>
+            </a:p>
+          </p:txBody>
+        </p:sp>
+        <p:sp>
+          <p:nvSpPr>
+            <p:cNvPr id="184" name="Shape 184"/>
+            <p:cNvSpPr/>
+            <p:nvPr/>
+          </p:nvSpPr>
+          <p:spPr>
+            <a:xfrm>
+              <a:off x="2057400" y="2786379"/>
+              <a:ext cx="524510" cy="1894841"/>
+            </a:xfrm>
+            <a:custGeom>
+              <a:avLst/>
+              <a:gdLst/>
+              <a:ahLst/>
+              <a:cxnLst>
+                <a:cxn ang="0">
+                  <a:pos x="wd2" y="hd2"/>
+                </a:cxn>
+                <a:cxn ang="5400000">
+                  <a:pos x="wd2" y="hd2"/>
+                </a:cxn>
+                <a:cxn ang="10800000">
+                  <a:pos x="wd2" y="hd2"/>
+                </a:cxn>
+                <a:cxn ang="16200000">
+                  <a:pos x="wd2" y="hd2"/>
+                </a:cxn>
+              </a:cxnLst>
+              <a:rect l="0" t="0" r="r" b="b"/>
+              <a:pathLst>
+                <a:path w="21600" h="21600" extrusionOk="0">
+                  <a:moveTo>
+                    <a:pt x="10460" y="0"/>
+                  </a:moveTo>
+                  <a:lnTo>
+                    <a:pt x="0" y="0"/>
+                  </a:lnTo>
+                  <a:lnTo>
+                    <a:pt x="0" y="21600"/>
+                  </a:lnTo>
+                  <a:lnTo>
+                    <a:pt x="21600" y="21600"/>
+                  </a:lnTo>
+                </a:path>
+              </a:pathLst>
+            </a:custGeom>
+            <a:ln w="19050">
+              <a:solidFill>
+                <a:schemeClr val="accent3"/>
+              </a:solidFill>
+              <a:tailEnd type="triangle"/>
+            </a:ln>
+          </p:spPr>
+          <p:txBody>
+            <a:bodyPr/>
+            <a:lstStyle/>
+            <a:p>
+              <a:endParaRPr sz="1200"/>
+            </a:p>
+          </p:txBody>
+        </p:sp>
+        <p:sp>
+          <p:nvSpPr>
+            <p:cNvPr id="153" name="Shape 153"/>
+            <p:cNvSpPr/>
+            <p:nvPr/>
+          </p:nvSpPr>
+          <p:spPr>
+            <a:xfrm rot="16200000" flipH="1">
+              <a:off x="1184118" y="3676012"/>
+              <a:ext cx="2396441" cy="420378"/>
+            </a:xfrm>
+            <a:custGeom>
+              <a:avLst/>
+              <a:gdLst/>
+              <a:ahLst/>
+              <a:cxnLst>
+                <a:cxn ang="0">
+                  <a:pos x="wd2" y="hd2"/>
+                </a:cxn>
+                <a:cxn ang="5400000">
+                  <a:pos x="wd2" y="hd2"/>
+                </a:cxn>
+                <a:cxn ang="10800000">
+                  <a:pos x="wd2" y="hd2"/>
+                </a:cxn>
+                <a:cxn ang="16200000">
+                  <a:pos x="wd2" y="hd2"/>
+                </a:cxn>
+              </a:cxnLst>
+              <a:rect l="0" t="0" r="r" b="b"/>
+              <a:pathLst>
+                <a:path w="21600" h="21600" extrusionOk="0">
+                  <a:moveTo>
+                    <a:pt x="0" y="0"/>
+                  </a:moveTo>
+                  <a:lnTo>
+                    <a:pt x="21600" y="0"/>
+                  </a:lnTo>
+                  <a:lnTo>
+                    <a:pt x="21600" y="21600"/>
+                  </a:lnTo>
+                </a:path>
+              </a:pathLst>
+            </a:custGeom>
+            <a:ln w="19050">
+              <a:solidFill>
+                <a:schemeClr val="accent3"/>
+              </a:solidFill>
+              <a:tailEnd type="triangle"/>
+            </a:ln>
+          </p:spPr>
+          <p:txBody>
+            <a:bodyPr lIns="45719" rIns="45719" anchor="ctr"/>
+            <a:lstStyle/>
+            <a:p>
+              <a:endParaRPr sz="1200"/>
+            </a:p>
+          </p:txBody>
+        </p:sp>
+        <p:grpSp>
+          <p:nvGrpSpPr>
+            <p:cNvPr id="156" name="Group 156"/>
+            <p:cNvGrpSpPr/>
+            <p:nvPr/>
+          </p:nvGrpSpPr>
+          <p:grpSpPr>
+            <a:xfrm>
+              <a:off x="5143948" y="1758884"/>
+              <a:ext cx="772044" cy="370841"/>
+              <a:chOff x="0" y="0"/>
+              <a:chExt cx="772042" cy="370840"/>
+            </a:xfrm>
+          </p:grpSpPr>
+          <p:sp>
+            <p:nvSpPr>
+              <p:cNvPr id="154" name="Shape 154"/>
+              <p:cNvSpPr/>
+              <p:nvPr/>
+            </p:nvSpPr>
+            <p:spPr>
+              <a:xfrm>
+                <a:off x="0" y="12039"/>
+                <a:ext cx="772043" cy="346761"/>
+              </a:xfrm>
+              <a:prstGeom prst="rect">
+                <a:avLst/>
+              </a:prstGeom>
+              <a:gradFill flip="none" rotWithShape="1">
+                <a:gsLst>
+                  <a:gs pos="0">
+                    <a:schemeClr val="accent3">
+                      <a:hueOff val="263624"/>
+                      <a:satOff val="55948"/>
+                      <a:lumOff val="27907"/>
+                    </a:schemeClr>
+                  </a:gs>
+                  <a:gs pos="35000">
+                    <a:srgbClr val="E4FDBF"/>
+                  </a:gs>
+                  <a:gs pos="100000">
+                    <a:schemeClr val="accent3">
+                      <a:hueOff val="321486"/>
+                      <a:satOff val="58119"/>
+                      <a:lumOff val="40966"/>
+                    </a:schemeClr>
+                  </a:gs>
+                </a:gsLst>
+                <a:lin ang="16200000" scaled="0"/>
+              </a:gradFill>
+              <a:ln w="6350" cap="flat">
+                <a:solidFill>
+                  <a:schemeClr val="accent3"/>
+                </a:solidFill>
+                <a:prstDash val="solid"/>
+                <a:round/>
+              </a:ln>
+              <a:effectLst/>
+            </p:spPr>
+            <p:txBody>
+              <a:bodyPr wrap="square" lIns="45719" tIns="45719" rIns="45719" bIns="45719" numCol="1" anchor="ctr">
+                <a:noAutofit/>
+              </a:bodyPr>
+              <a:lstStyle/>
+              <a:p>
+                <a:pPr algn="ctr">
+                  <a:defRPr sz="1000" b="1">
+                    <a:solidFill>
+                      <a:srgbClr val="77933C"/>
+                    </a:solidFill>
+                  </a:defRPr>
+                </a:pPr>
+                <a:endParaRPr sz="1200"/>
+              </a:p>
+            </p:txBody>
+          </p:sp>
+          <p:sp>
+            <p:nvSpPr>
+              <p:cNvPr id="155" name="Shape 155"/>
+              <p:cNvSpPr/>
+              <p:nvPr/>
+            </p:nvSpPr>
+            <p:spPr>
+              <a:xfrm>
+                <a:off x="0" y="0"/>
+                <a:ext cx="772043" cy="370840"/>
+              </a:xfrm>
+              <a:prstGeom prst="rect">
+                <a:avLst/>
+              </a:prstGeom>
+              <a:noFill/>
+              <a:ln w="12700" cap="flat">
+                <a:noFill/>
+                <a:miter lim="400000"/>
+              </a:ln>
+              <a:effectLst/>
+              <a:extLst>
+                <a:ext uri="{C572A759-6A51-4108-AA02-DFA0A04FC94B}">
+                  <ma14:wrappingTextBoxFlag xmlns:ma14="http://schemas.microsoft.com/office/mac/drawingml/2011/main" val="1"/>
+                </a:ext>
+              </a:extLst>
+            </p:spPr>
+            <p:txBody>
+              <a:bodyPr wrap="square" lIns="45719" tIns="45719" rIns="45719" bIns="45719" numCol="1" anchor="ctr">
+                <a:spAutoFit/>
+              </a:bodyPr>
+              <a:lstStyle/>
+              <a:p>
+                <a:pPr algn="ctr">
+                  <a:defRPr sz="1000" b="1">
+                    <a:solidFill>
+                      <a:srgbClr val="77933C"/>
+                    </a:solidFill>
+                  </a:defRPr>
+                </a:pPr>
+                <a:r>
+                  <a:rPr sz="1200"/>
+                  <a:t>{abstract}</a:t>
+                </a:r>
+                <a:br>
+                  <a:rPr sz="1200"/>
+                </a:br>
+                <a:r>
+                  <a:rPr sz="1200"/>
+                  <a:t>UiPart</a:t>
+                </a:r>
+              </a:p>
+            </p:txBody>
+          </p:sp>
+        </p:grpSp>
+        <p:sp>
+          <p:nvSpPr>
+            <p:cNvPr id="185" name="Shape 185"/>
+            <p:cNvSpPr/>
+            <p:nvPr/>
+          </p:nvSpPr>
+          <p:spPr>
+            <a:xfrm>
+              <a:off x="3694430" y="2288540"/>
+              <a:ext cx="1835150" cy="1134110"/>
+            </a:xfrm>
+            <a:custGeom>
+              <a:avLst/>
+              <a:gdLst/>
+              <a:ahLst/>
+              <a:cxnLst>
+                <a:cxn ang="0">
+                  <a:pos x="wd2" y="hd2"/>
+                </a:cxn>
+                <a:cxn ang="5400000">
+                  <a:pos x="wd2" y="hd2"/>
+                </a:cxn>
+                <a:cxn ang="10800000">
+                  <a:pos x="wd2" y="hd2"/>
+                </a:cxn>
+                <a:cxn ang="16200000">
+                  <a:pos x="wd2" y="hd2"/>
+                </a:cxn>
+              </a:cxnLst>
+              <a:rect l="0" t="0" r="r" b="b"/>
+              <a:pathLst>
+                <a:path w="21600" h="21600" extrusionOk="0">
+                  <a:moveTo>
+                    <a:pt x="0" y="21600"/>
+                  </a:moveTo>
+                  <a:lnTo>
+                    <a:pt x="21600" y="21600"/>
+                  </a:lnTo>
+                  <a:lnTo>
+                    <a:pt x="21600" y="0"/>
+                  </a:lnTo>
+                </a:path>
+              </a:pathLst>
+            </a:custGeom>
+            <a:ln w="6350">
+              <a:solidFill>
+                <a:schemeClr val="accent3"/>
+              </a:solidFill>
+            </a:ln>
+          </p:spPr>
+          <p:txBody>
+            <a:bodyPr/>
+            <a:lstStyle/>
+            <a:p>
+              <a:endParaRPr sz="1200"/>
+            </a:p>
+          </p:txBody>
+        </p:sp>
+        <p:sp>
+          <p:nvSpPr>
+            <p:cNvPr id="186" name="Shape 186"/>
+            <p:cNvSpPr/>
+            <p:nvPr/>
+          </p:nvSpPr>
+          <p:spPr>
+            <a:xfrm>
+              <a:off x="4889500" y="2288540"/>
+              <a:ext cx="640080" cy="2058670"/>
+            </a:xfrm>
+            <a:custGeom>
+              <a:avLst/>
+              <a:gdLst/>
+              <a:ahLst/>
+              <a:cxnLst>
+                <a:cxn ang="0">
+                  <a:pos x="wd2" y="hd2"/>
+                </a:cxn>
+                <a:cxn ang="5400000">
+                  <a:pos x="wd2" y="hd2"/>
+                </a:cxn>
+                <a:cxn ang="10800000">
+                  <a:pos x="wd2" y="hd2"/>
+                </a:cxn>
+                <a:cxn ang="16200000">
+                  <a:pos x="wd2" y="hd2"/>
+                </a:cxn>
+              </a:cxnLst>
+              <a:rect l="0" t="0" r="r" b="b"/>
+              <a:pathLst>
+                <a:path w="21600" h="21600" extrusionOk="0">
+                  <a:moveTo>
+                    <a:pt x="21600" y="0"/>
+                  </a:moveTo>
+                  <a:lnTo>
+                    <a:pt x="21600" y="21600"/>
+                  </a:lnTo>
+                  <a:lnTo>
+                    <a:pt x="0" y="21600"/>
+                  </a:lnTo>
+                </a:path>
+              </a:pathLst>
+            </a:custGeom>
+            <a:ln w="6350">
+              <a:solidFill>
+                <a:schemeClr val="accent3"/>
+              </a:solidFill>
+            </a:ln>
+          </p:spPr>
+          <p:txBody>
+            <a:bodyPr/>
+            <a:lstStyle/>
+            <a:p>
+              <a:endParaRPr sz="1200"/>
+            </a:p>
+          </p:txBody>
+        </p:sp>
+        <p:sp>
+          <p:nvSpPr>
+            <p:cNvPr id="187" name="Shape 187"/>
+            <p:cNvSpPr/>
+            <p:nvPr/>
+          </p:nvSpPr>
+          <p:spPr>
+            <a:xfrm>
+              <a:off x="3695700" y="2288540"/>
+              <a:ext cx="1833880" cy="1478281"/>
+            </a:xfrm>
+            <a:custGeom>
+              <a:avLst/>
+              <a:gdLst/>
+              <a:ahLst/>
+              <a:cxnLst>
+                <a:cxn ang="0">
+                  <a:pos x="wd2" y="hd2"/>
+                </a:cxn>
+                <a:cxn ang="5400000">
+                  <a:pos x="wd2" y="hd2"/>
+                </a:cxn>
+                <a:cxn ang="10800000">
+                  <a:pos x="wd2" y="hd2"/>
+                </a:cxn>
+                <a:cxn ang="16200000">
+                  <a:pos x="wd2" y="hd2"/>
+                </a:cxn>
+              </a:cxnLst>
+              <a:rect l="0" t="0" r="r" b="b"/>
+              <a:pathLst>
+                <a:path w="21600" h="21600" extrusionOk="0">
+                  <a:moveTo>
+                    <a:pt x="21600" y="0"/>
+                  </a:moveTo>
+                  <a:lnTo>
+                    <a:pt x="21600" y="21600"/>
+                  </a:lnTo>
+                  <a:lnTo>
+                    <a:pt x="0" y="21600"/>
+                  </a:lnTo>
+                </a:path>
+              </a:pathLst>
+            </a:custGeom>
+            <a:ln w="6350">
+              <a:solidFill>
+                <a:schemeClr val="accent3"/>
+              </a:solidFill>
+            </a:ln>
+          </p:spPr>
+          <p:txBody>
+            <a:bodyPr/>
+            <a:lstStyle/>
+            <a:p>
+              <a:endParaRPr sz="1200"/>
+            </a:p>
+          </p:txBody>
+        </p:sp>
+        <p:sp>
+          <p:nvSpPr>
+            <p:cNvPr id="188" name="Shape 188"/>
+            <p:cNvSpPr/>
+            <p:nvPr/>
+          </p:nvSpPr>
+          <p:spPr>
+            <a:xfrm>
+              <a:off x="2641600" y="2288540"/>
+              <a:ext cx="2887981" cy="662940"/>
+            </a:xfrm>
+            <a:custGeom>
+              <a:avLst/>
+              <a:gdLst/>
+              <a:ahLst/>
+              <a:cxnLst>
+                <a:cxn ang="0">
+                  <a:pos x="wd2" y="hd2"/>
+                </a:cxn>
+                <a:cxn ang="5400000">
+                  <a:pos x="wd2" y="hd2"/>
+                </a:cxn>
+                <a:cxn ang="10800000">
+                  <a:pos x="wd2" y="hd2"/>
+                </a:cxn>
+                <a:cxn ang="16200000">
+                  <a:pos x="wd2" y="hd2"/>
+                </a:cxn>
+              </a:cxnLst>
+              <a:rect l="0" t="0" r="r" b="b"/>
+              <a:pathLst>
+                <a:path w="21600" h="21600" extrusionOk="0">
+                  <a:moveTo>
+                    <a:pt x="0" y="13324"/>
+                  </a:moveTo>
+                  <a:lnTo>
+                    <a:pt x="0" y="21600"/>
+                  </a:lnTo>
+                  <a:lnTo>
+                    <a:pt x="21600" y="21600"/>
+                  </a:lnTo>
+                  <a:lnTo>
+                    <a:pt x="21600" y="0"/>
+                  </a:lnTo>
+                </a:path>
+              </a:pathLst>
+            </a:custGeom>
+            <a:ln w="6350">
+              <a:solidFill>
+                <a:schemeClr val="accent3"/>
+              </a:solidFill>
+            </a:ln>
+          </p:spPr>
+          <p:txBody>
+            <a:bodyPr/>
+            <a:lstStyle/>
+            <a:p>
+              <a:endParaRPr sz="1200"/>
+            </a:p>
+          </p:txBody>
+        </p:sp>
+        <p:sp>
+          <p:nvSpPr>
+            <p:cNvPr id="189" name="Shape 189"/>
+            <p:cNvSpPr/>
+            <p:nvPr/>
+          </p:nvSpPr>
+          <p:spPr>
+            <a:xfrm>
+              <a:off x="3695700" y="2288540"/>
+              <a:ext cx="1833880" cy="2392680"/>
+            </a:xfrm>
+            <a:custGeom>
+              <a:avLst/>
+              <a:gdLst/>
+              <a:ahLst/>
+              <a:cxnLst>
+                <a:cxn ang="0">
+                  <a:pos x="wd2" y="hd2"/>
+                </a:cxn>
+                <a:cxn ang="5400000">
+                  <a:pos x="wd2" y="hd2"/>
+                </a:cxn>
+                <a:cxn ang="10800000">
+                  <a:pos x="wd2" y="hd2"/>
+                </a:cxn>
+                <a:cxn ang="16200000">
+                  <a:pos x="wd2" y="hd2"/>
+                </a:cxn>
+              </a:cxnLst>
+              <a:rect l="0" t="0" r="r" b="b"/>
+              <a:pathLst>
+                <a:path w="21600" h="21600" extrusionOk="0">
+                  <a:moveTo>
+                    <a:pt x="21600" y="0"/>
+                  </a:moveTo>
+                  <a:lnTo>
+                    <a:pt x="21600" y="21600"/>
+                  </a:lnTo>
+                  <a:lnTo>
+                    <a:pt x="0" y="21600"/>
+                  </a:lnTo>
+                </a:path>
+              </a:pathLst>
+            </a:custGeom>
+            <a:ln w="6350">
+              <a:solidFill>
+                <a:schemeClr val="accent3"/>
+              </a:solidFill>
+            </a:ln>
+          </p:spPr>
+          <p:txBody>
+            <a:bodyPr/>
+            <a:lstStyle/>
+            <a:p>
+              <a:endParaRPr sz="1200"/>
+            </a:p>
+          </p:txBody>
+        </p:sp>
+        <p:sp>
+          <p:nvSpPr>
+            <p:cNvPr id="190" name="Shape 190"/>
+            <p:cNvSpPr/>
+            <p:nvPr/>
+          </p:nvSpPr>
+          <p:spPr>
+            <a:xfrm>
+              <a:off x="3695700" y="2288540"/>
+              <a:ext cx="1833880" cy="2795270"/>
+            </a:xfrm>
+            <a:custGeom>
+              <a:avLst/>
+              <a:gdLst/>
+              <a:ahLst/>
+              <a:cxnLst>
+                <a:cxn ang="0">
+                  <a:pos x="wd2" y="hd2"/>
+                </a:cxn>
+                <a:cxn ang="5400000">
+                  <a:pos x="wd2" y="hd2"/>
+                </a:cxn>
+                <a:cxn ang="10800000">
+                  <a:pos x="wd2" y="hd2"/>
+                </a:cxn>
+                <a:cxn ang="16200000">
+                  <a:pos x="wd2" y="hd2"/>
+                </a:cxn>
+              </a:cxnLst>
+              <a:rect l="0" t="0" r="r" b="b"/>
+              <a:pathLst>
+                <a:path w="21600" h="21600" extrusionOk="0">
+                  <a:moveTo>
+                    <a:pt x="21600" y="0"/>
+                  </a:moveTo>
+                  <a:lnTo>
+                    <a:pt x="21600" y="21600"/>
+                  </a:lnTo>
+                  <a:lnTo>
+                    <a:pt x="0" y="21600"/>
+                  </a:lnTo>
+                </a:path>
+              </a:pathLst>
+            </a:custGeom>
+            <a:ln w="6350">
+              <a:solidFill>
+                <a:schemeClr val="accent3"/>
+              </a:solidFill>
+            </a:ln>
+          </p:spPr>
+          <p:txBody>
+            <a:bodyPr/>
+            <a:lstStyle/>
+            <a:p>
+              <a:endParaRPr sz="1200"/>
+            </a:p>
+          </p:txBody>
+        </p:sp>
+        <p:sp>
+          <p:nvSpPr>
+            <p:cNvPr id="163" name="Shape 163"/>
+            <p:cNvSpPr/>
+            <p:nvPr/>
+          </p:nvSpPr>
+          <p:spPr>
+            <a:xfrm rot="5400000" flipH="1" flipV="1">
+              <a:off x="4594920" y="-355061"/>
+              <a:ext cx="170725" cy="4081246"/>
+            </a:xfrm>
+            <a:custGeom>
+              <a:avLst/>
+              <a:gdLst/>
+              <a:ahLst/>
+              <a:cxnLst>
+                <a:cxn ang="0">
+                  <a:pos x="wd2" y="hd2"/>
+                </a:cxn>
+                <a:cxn ang="5400000">
+                  <a:pos x="wd2" y="hd2"/>
+                </a:cxn>
+                <a:cxn ang="10800000">
+                  <a:pos x="wd2" y="hd2"/>
+                </a:cxn>
+                <a:cxn ang="16200000">
+                  <a:pos x="wd2" y="hd2"/>
+                </a:cxn>
+              </a:cxnLst>
+              <a:rect l="0" t="0" r="r" b="b"/>
+              <a:pathLst>
+                <a:path w="21600" h="21600" extrusionOk="0">
+                  <a:moveTo>
+                    <a:pt x="0" y="0"/>
+                  </a:moveTo>
+                  <a:lnTo>
+                    <a:pt x="21600" y="0"/>
+                  </a:lnTo>
+                  <a:lnTo>
+                    <a:pt x="21600" y="21600"/>
+                  </a:lnTo>
+                </a:path>
+              </a:pathLst>
+            </a:custGeom>
+            <a:ln w="19050">
+              <a:solidFill>
+                <a:srgbClr val="00B050"/>
+              </a:solidFill>
+              <a:tailEnd type="triangle"/>
+            </a:ln>
+          </p:spPr>
+          <p:txBody>
+            <a:bodyPr lIns="45719" rIns="45719" anchor="ctr"/>
+            <a:lstStyle/>
+            <a:p>
+              <a:endParaRPr sz="1200"/>
+            </a:p>
+          </p:txBody>
+        </p:sp>
+        <p:grpSp>
+          <p:nvGrpSpPr>
+            <p:cNvPr id="166" name="Group 166"/>
+            <p:cNvGrpSpPr/>
+            <p:nvPr/>
+          </p:nvGrpSpPr>
+          <p:grpSpPr>
+            <a:xfrm>
+              <a:off x="6735515" y="4038597"/>
+              <a:ext cx="328047" cy="1371602"/>
+              <a:chOff x="0" y="-1"/>
+              <a:chExt cx="328046" cy="1371601"/>
+            </a:xfrm>
+          </p:grpSpPr>
+          <p:sp>
+            <p:nvSpPr>
+              <p:cNvPr id="164" name="Shape 164"/>
+              <p:cNvSpPr/>
+              <p:nvPr/>
+            </p:nvSpPr>
+            <p:spPr>
+              <a:xfrm rot="16200000">
+                <a:off x="-521778" y="521777"/>
+                <a:ext cx="1371601" cy="328046"/>
+              </a:xfrm>
+              <a:prstGeom prst="roundRect">
+                <a:avLst>
+                  <a:gd name="adj" fmla="val 16667"/>
+                </a:avLst>
+              </a:prstGeom>
+              <a:solidFill>
+                <a:srgbClr val="E6E0EC"/>
+              </a:solidFill>
+              <a:ln w="12700" cap="flat">
+                <a:noFill/>
+                <a:miter lim="400000"/>
+              </a:ln>
+              <a:effectLst/>
+            </p:spPr>
+            <p:txBody>
+              <a:bodyPr wrap="square" lIns="45719" tIns="45719" rIns="45719" bIns="45719" numCol="1" anchor="ctr">
+                <a:noAutofit/>
+              </a:bodyPr>
+              <a:lstStyle/>
+              <a:p>
+                <a:pPr algn="ctr">
+                  <a:defRPr sz="1100" b="1">
+                    <a:solidFill>
+                      <a:srgbClr val="FFFFFF"/>
+                    </a:solidFill>
+                  </a:defRPr>
+                </a:pPr>
+                <a:endParaRPr sz="1200"/>
+              </a:p>
+            </p:txBody>
+          </p:sp>
+          <p:sp>
+            <p:nvSpPr>
+              <p:cNvPr id="165" name="Shape 165"/>
+              <p:cNvSpPr/>
+              <p:nvPr/>
+            </p:nvSpPr>
+            <p:spPr>
+              <a:xfrm rot="16200000">
+                <a:off x="-505764" y="578152"/>
+                <a:ext cx="1339573" cy="215295"/>
+              </a:xfrm>
+              <a:prstGeom prst="rect">
+                <a:avLst/>
+              </a:prstGeom>
+              <a:noFill/>
+              <a:ln w="12700" cap="flat">
+                <a:noFill/>
+                <a:miter lim="400000"/>
+              </a:ln>
+              <a:effectLst/>
+              <a:extLst>
+                <a:ext uri="{C572A759-6A51-4108-AA02-DFA0A04FC94B}">
+                  <ma14:wrappingTextBoxFlag xmlns:ma14="http://schemas.microsoft.com/office/mac/drawingml/2011/main" val="1"/>
+                </a:ext>
+              </a:extLst>
+            </p:spPr>
+            <p:txBody>
+              <a:bodyPr wrap="square" lIns="45719" tIns="45719" rIns="45719" bIns="45719" numCol="1" anchor="ctr">
+                <a:spAutoFit/>
+              </a:bodyPr>
+              <a:lstStyle>
+                <a:lvl1pPr algn="ctr">
+                  <a:defRPr sz="1100" b="1">
+                    <a:solidFill>
+                      <a:srgbClr val="FFFFFF"/>
+                    </a:solidFill>
+                  </a:defRPr>
+                </a:lvl1pPr>
+              </a:lstStyle>
+              <a:p>
+                <a:r>
+                  <a:rPr sz="1200"/>
+                  <a:t>Model</a:t>
+                </a:r>
+              </a:p>
+            </p:txBody>
+          </p:sp>
+        </p:grpSp>
+        <p:grpSp>
+          <p:nvGrpSpPr>
+            <p:cNvPr id="169" name="Group 169"/>
+            <p:cNvGrpSpPr/>
+            <p:nvPr/>
+          </p:nvGrpSpPr>
+          <p:grpSpPr>
+            <a:xfrm>
+              <a:off x="1317599" y="2487764"/>
+              <a:ext cx="370841" cy="1093636"/>
+              <a:chOff x="0" y="0"/>
+              <a:chExt cx="370840" cy="1093634"/>
+            </a:xfrm>
+          </p:grpSpPr>
+          <p:sp>
+            <p:nvSpPr>
+              <p:cNvPr id="167" name="Shape 167"/>
+              <p:cNvSpPr/>
+              <p:nvPr/>
+            </p:nvSpPr>
+            <p:spPr>
+              <a:xfrm rot="16200000">
+                <a:off x="-361398" y="373437"/>
+                <a:ext cx="1093636" cy="346761"/>
+              </a:xfrm>
+              <a:prstGeom prst="rect">
+                <a:avLst/>
+              </a:prstGeom>
+              <a:solidFill>
+                <a:srgbClr val="00B050"/>
+              </a:solidFill>
+              <a:ln w="19050" cap="flat">
+                <a:solidFill>
+                  <a:srgbClr val="00B050"/>
+                </a:solidFill>
+                <a:prstDash val="solid"/>
+                <a:round/>
+              </a:ln>
+              <a:effectLst/>
+            </p:spPr>
+            <p:txBody>
+              <a:bodyPr wrap="square" lIns="45719" tIns="45719" rIns="45719" bIns="45719" numCol="1" anchor="ctr">
+                <a:noAutofit/>
+              </a:bodyPr>
+              <a:lstStyle/>
+              <a:p>
+                <a:pPr algn="ctr">
+                  <a:defRPr sz="1000">
+                    <a:solidFill>
+                      <a:srgbClr val="FFFFFF"/>
+                    </a:solidFill>
+                  </a:defRPr>
+                </a:pPr>
+                <a:endParaRPr sz="1200"/>
+              </a:p>
+            </p:txBody>
+          </p:sp>
+          <p:sp>
+            <p:nvSpPr>
+              <p:cNvPr id="168" name="Shape 168"/>
+              <p:cNvSpPr/>
+              <p:nvPr/>
+            </p:nvSpPr>
+            <p:spPr>
+              <a:xfrm rot="16200000">
+                <a:off x="-361398" y="361397"/>
+                <a:ext cx="1093636" cy="370841"/>
+              </a:xfrm>
+              <a:prstGeom prst="rect">
+                <a:avLst/>
+              </a:prstGeom>
+              <a:noFill/>
+              <a:ln w="12700" cap="flat">
+                <a:noFill/>
+                <a:miter lim="400000"/>
+              </a:ln>
+              <a:effectLst/>
+              <a:extLst>
+                <a:ext uri="{C572A759-6A51-4108-AA02-DFA0A04FC94B}">
+                  <ma14:wrappingTextBoxFlag xmlns:ma14="http://schemas.microsoft.com/office/mac/drawingml/2011/main" val="1"/>
+                </a:ext>
+              </a:extLst>
+            </p:spPr>
+            <p:txBody>
+              <a:bodyPr wrap="square" lIns="45719" tIns="45719" rIns="45719" bIns="45719" numCol="1" anchor="ctr">
+                <a:spAutoFit/>
+              </a:bodyPr>
+              <a:lstStyle/>
+              <a:p>
+                <a:pPr algn="ctr">
+                  <a:defRPr sz="1000">
+                    <a:solidFill>
+                      <a:srgbClr val="FFFFFF"/>
+                    </a:solidFill>
+                  </a:defRPr>
+                </a:pPr>
+                <a:r>
+                  <a:rPr sz="1200"/>
+                  <a:t>&lt;&lt;interface&gt;&gt;</a:t>
+                </a:r>
+              </a:p>
+              <a:p>
+                <a:pPr algn="ctr">
+                  <a:defRPr sz="1000">
+                    <a:solidFill>
+                      <a:srgbClr val="FFFFFF"/>
+                    </a:solidFill>
+                  </a:defRPr>
+                </a:pPr>
+                <a:r>
+                  <a:rPr sz="1200"/>
+                  <a:t>Ui</a:t>
+                </a:r>
+              </a:p>
+            </p:txBody>
+          </p:sp>
+        </p:grpSp>
+        <p:sp>
+          <p:nvSpPr>
+            <p:cNvPr id="170" name="Shape 170"/>
+            <p:cNvSpPr/>
+            <p:nvPr/>
+          </p:nvSpPr>
+          <p:spPr>
+            <a:xfrm flipV="1">
+              <a:off x="1367766" y="2286000"/>
+              <a:ext cx="270506" cy="175524"/>
+            </a:xfrm>
+            <a:prstGeom prst="triangle">
               <a:avLst/>
             </a:prstGeom>
-            <a:gradFill flip="none" rotWithShape="1">
+            <a:gradFill>
               <a:gsLst>
                 <a:gs pos="0">
                   <a:schemeClr val="accent3">
@@ -3322,2902 +5817,537 @@
                   </a:schemeClr>
                 </a:gs>
               </a:gsLst>
-              <a:lin ang="16200000" scaled="0"/>
+              <a:lin ang="16200000"/>
             </a:gradFill>
-            <a:ln w="19050" cap="flat">
+            <a:ln w="19050">
               <a:solidFill>
-                <a:schemeClr val="accent3"/>
+                <a:srgbClr val="00B050"/>
               </a:solidFill>
-              <a:prstDash val="solid"/>
-              <a:round/>
             </a:ln>
-            <a:effectLst/>
           </p:spPr>
           <p:txBody>
-            <a:bodyPr wrap="square" lIns="45719" tIns="45719" rIns="45719" bIns="45719" numCol="1" anchor="ctr">
-              <a:noAutofit/>
-            </a:bodyPr>
+            <a:bodyPr lIns="45719" rIns="45719" anchor="ctr"/>
             <a:lstStyle/>
             <a:p>
               <a:pPr algn="ctr">
-                <a:defRPr b="1" sz="1000">
+                <a:defRPr sz="1000" b="1">
                   <a:solidFill>
-                    <a:srgbClr val="77933C"/>
+                    <a:srgbClr val="92D050"/>
                   </a:solidFill>
                 </a:defRPr>
               </a:pPr>
+              <a:endParaRPr sz="1200"/>
             </a:p>
           </p:txBody>
         </p:sp>
         <p:sp>
           <p:nvSpPr>
-            <p:cNvPr id="119" name="Shape 119"/>
+            <p:cNvPr id="191" name="Shape 191"/>
             <p:cNvSpPr/>
             <p:nvPr/>
           </p:nvSpPr>
           <p:spPr>
             <a:xfrm>
-              <a:off x="0" y="2850"/>
-              <a:ext cx="1093635" cy="231141"/>
+              <a:off x="1502410" y="1943100"/>
+              <a:ext cx="580390" cy="332740"/>
             </a:xfrm>
-            <a:prstGeom prst="rect">
+            <a:custGeom>
               <a:avLst/>
-            </a:prstGeom>
-            <a:noFill/>
-            <a:ln w="12700" cap="flat">
-              <a:noFill/>
-              <a:miter lim="400000"/>
+              <a:gdLst/>
+              <a:ahLst/>
+              <a:cxnLst>
+                <a:cxn ang="0">
+                  <a:pos x="wd2" y="hd2"/>
+                </a:cxn>
+                <a:cxn ang="5400000">
+                  <a:pos x="wd2" y="hd2"/>
+                </a:cxn>
+                <a:cxn ang="10800000">
+                  <a:pos x="wd2" y="hd2"/>
+                </a:cxn>
+                <a:cxn ang="16200000">
+                  <a:pos x="wd2" y="hd2"/>
+                </a:cxn>
+              </a:cxnLst>
+              <a:rect l="0" t="0" r="r" b="b"/>
+              <a:pathLst>
+                <a:path w="21600" h="21600" extrusionOk="0">
+                  <a:moveTo>
+                    <a:pt x="21600" y="0"/>
+                  </a:moveTo>
+                  <a:lnTo>
+                    <a:pt x="0" y="0"/>
+                  </a:lnTo>
+                  <a:lnTo>
+                    <a:pt x="0" y="21600"/>
+                  </a:lnTo>
+                </a:path>
+              </a:pathLst>
+            </a:custGeom>
+            <a:ln w="19050">
+              <a:solidFill>
+                <a:srgbClr val="00B050"/>
+              </a:solidFill>
+              <a:prstDash val="sysDot"/>
             </a:ln>
-            <a:effectLst/>
-            <a:extLst>
-              <a:ext uri="{C572A759-6A51-4108-AA02-DFA0A04FC94B}">
-                <ma14:wrappingTextBoxFlag xmlns:ma14="http://schemas.microsoft.com/office/mac/drawingml/2011/main" val="1"/>
-              </a:ext>
-            </a:extLst>
           </p:spPr>
           <p:txBody>
-            <a:bodyPr wrap="square" lIns="45719" tIns="45719" rIns="45719" bIns="45719" numCol="1" anchor="ctr">
-              <a:spAutoFit/>
-            </a:bodyPr>
-            <a:lstStyle>
-              <a:lvl1pPr algn="ctr">
-                <a:defRPr b="1" sz="1000">
-                  <a:solidFill>
-                    <a:srgbClr val="77933C"/>
-                  </a:solidFill>
-                </a:defRPr>
-              </a:lvl1pPr>
-            </a:lstStyle>
+            <a:bodyPr/>
+            <a:lstStyle/>
             <a:p>
-              <a:pPr/>
-              <a:r>
-                <a:t>CommandBox</a:t>
-              </a:r>
+              <a:endParaRPr sz="1200"/>
             </a:p>
           </p:txBody>
         </p:sp>
-      </p:grpSp>
-      <p:grpSp>
-        <p:nvGrpSpPr>
-          <p:cNvPr id="123" name="Group 123"/>
-          <p:cNvGrpSpPr/>
-          <p:nvPr/>
-        </p:nvGrpSpPr>
-        <p:grpSpPr>
-          <a:xfrm>
-            <a:off x="2092842" y="1770924"/>
-            <a:ext cx="1093636" cy="346761"/>
-            <a:chOff x="0" y="0"/>
-            <a:chExt cx="1093634" cy="346760"/>
-          </a:xfrm>
-        </p:grpSpPr>
         <p:sp>
           <p:nvSpPr>
-            <p:cNvPr id="121" name="Shape 121"/>
+            <p:cNvPr id="192" name="Shape 192"/>
             <p:cNvSpPr/>
             <p:nvPr/>
           </p:nvSpPr>
           <p:spPr>
             <a:xfrm>
-              <a:off x="0" y="-1"/>
-              <a:ext cx="1093635" cy="346762"/>
+              <a:off x="2057400" y="2786379"/>
+              <a:ext cx="523240" cy="636271"/>
+            </a:xfrm>
+            <a:custGeom>
+              <a:avLst/>
+              <a:gdLst/>
+              <a:ahLst/>
+              <a:cxnLst>
+                <a:cxn ang="0">
+                  <a:pos x="wd2" y="hd2"/>
+                </a:cxn>
+                <a:cxn ang="5400000">
+                  <a:pos x="wd2" y="hd2"/>
+                </a:cxn>
+                <a:cxn ang="10800000">
+                  <a:pos x="wd2" y="hd2"/>
+                </a:cxn>
+                <a:cxn ang="16200000">
+                  <a:pos x="wd2" y="hd2"/>
+                </a:cxn>
+              </a:cxnLst>
+              <a:rect l="0" t="0" r="r" b="b"/>
+              <a:pathLst>
+                <a:path w="21600" h="21600" extrusionOk="0">
+                  <a:moveTo>
+                    <a:pt x="10485" y="0"/>
+                  </a:moveTo>
+                  <a:lnTo>
+                    <a:pt x="0" y="0"/>
+                  </a:lnTo>
+                  <a:lnTo>
+                    <a:pt x="0" y="21600"/>
+                  </a:lnTo>
+                  <a:lnTo>
+                    <a:pt x="21600" y="21600"/>
+                  </a:lnTo>
+                </a:path>
+              </a:pathLst>
+            </a:custGeom>
+            <a:ln w="19050">
+              <a:solidFill>
+                <a:schemeClr val="accent3"/>
+              </a:solidFill>
+              <a:tailEnd type="triangle"/>
+            </a:ln>
+          </p:spPr>
+          <p:txBody>
+            <a:bodyPr/>
+            <a:lstStyle/>
+            <a:p>
+              <a:endParaRPr sz="1200"/>
+            </a:p>
+          </p:txBody>
+        </p:sp>
+        <p:sp>
+          <p:nvSpPr>
+            <p:cNvPr id="193" name="Shape 193"/>
+            <p:cNvSpPr/>
+            <p:nvPr/>
+          </p:nvSpPr>
+          <p:spPr>
+            <a:xfrm>
+              <a:off x="3695700" y="2288540"/>
+              <a:ext cx="1833880" cy="801370"/>
+            </a:xfrm>
+            <a:custGeom>
+              <a:avLst/>
+              <a:gdLst/>
+              <a:ahLst/>
+              <a:cxnLst>
+                <a:cxn ang="0">
+                  <a:pos x="wd2" y="hd2"/>
+                </a:cxn>
+                <a:cxn ang="5400000">
+                  <a:pos x="wd2" y="hd2"/>
+                </a:cxn>
+                <a:cxn ang="10800000">
+                  <a:pos x="wd2" y="hd2"/>
+                </a:cxn>
+                <a:cxn ang="16200000">
+                  <a:pos x="wd2" y="hd2"/>
+                </a:cxn>
+              </a:cxnLst>
+              <a:rect l="0" t="0" r="r" b="b"/>
+              <a:pathLst>
+                <a:path w="21600" h="21600" extrusionOk="0">
+                  <a:moveTo>
+                    <a:pt x="21600" y="0"/>
+                  </a:moveTo>
+                  <a:lnTo>
+                    <a:pt x="21600" y="21600"/>
+                  </a:lnTo>
+                  <a:lnTo>
+                    <a:pt x="0" y="21600"/>
+                  </a:lnTo>
+                </a:path>
+              </a:pathLst>
+            </a:custGeom>
+            <a:ln w="6350">
+              <a:solidFill>
+                <a:schemeClr val="accent3"/>
+              </a:solidFill>
+            </a:ln>
+          </p:spPr>
+          <p:txBody>
+            <a:bodyPr/>
+            <a:lstStyle/>
+            <a:p>
+              <a:endParaRPr sz="1200"/>
+            </a:p>
+          </p:txBody>
+        </p:sp>
+        <p:sp>
+          <p:nvSpPr>
+            <p:cNvPr id="194" name="Shape 194"/>
+            <p:cNvSpPr/>
+            <p:nvPr/>
+          </p:nvSpPr>
+          <p:spPr>
+            <a:xfrm>
+              <a:off x="2327910" y="4109720"/>
+              <a:ext cx="1501140" cy="237490"/>
+            </a:xfrm>
+            <a:custGeom>
+              <a:avLst/>
+              <a:gdLst/>
+              <a:ahLst/>
+              <a:cxnLst>
+                <a:cxn ang="0">
+                  <a:pos x="wd2" y="hd2"/>
+                </a:cxn>
+                <a:cxn ang="5400000">
+                  <a:pos x="wd2" y="hd2"/>
+                </a:cxn>
+                <a:cxn ang="10800000">
+                  <a:pos x="wd2" y="hd2"/>
+                </a:cxn>
+                <a:cxn ang="16200000">
+                  <a:pos x="wd2" y="hd2"/>
+                </a:cxn>
+              </a:cxnLst>
+              <a:rect l="0" t="0" r="r" b="b"/>
+              <a:pathLst>
+                <a:path w="21600" h="21600" extrusionOk="0">
+                  <a:moveTo>
+                    <a:pt x="3655" y="0"/>
+                  </a:moveTo>
+                  <a:lnTo>
+                    <a:pt x="0" y="0"/>
+                  </a:lnTo>
+                  <a:lnTo>
+                    <a:pt x="0" y="21600"/>
+                  </a:lnTo>
+                  <a:lnTo>
+                    <a:pt x="21600" y="21600"/>
+                  </a:lnTo>
+                </a:path>
+              </a:pathLst>
+            </a:custGeom>
+            <a:ln w="19050">
+              <a:solidFill>
+                <a:schemeClr val="accent3"/>
+              </a:solidFill>
+              <a:tailEnd type="triangle"/>
+            </a:ln>
+          </p:spPr>
+          <p:txBody>
+            <a:bodyPr/>
+            <a:lstStyle/>
+            <a:p>
+              <a:endParaRPr sz="1200"/>
+            </a:p>
+          </p:txBody>
+        </p:sp>
+        <p:sp>
+          <p:nvSpPr>
+            <p:cNvPr id="195" name="Shape 195"/>
+            <p:cNvSpPr/>
+            <p:nvPr/>
+          </p:nvSpPr>
+          <p:spPr>
+            <a:xfrm>
+              <a:off x="3695700" y="2288540"/>
+              <a:ext cx="1833880" cy="1821181"/>
+            </a:xfrm>
+            <a:custGeom>
+              <a:avLst/>
+              <a:gdLst/>
+              <a:ahLst/>
+              <a:cxnLst>
+                <a:cxn ang="0">
+                  <a:pos x="wd2" y="hd2"/>
+                </a:cxn>
+                <a:cxn ang="5400000">
+                  <a:pos x="wd2" y="hd2"/>
+                </a:cxn>
+                <a:cxn ang="10800000">
+                  <a:pos x="wd2" y="hd2"/>
+                </a:cxn>
+                <a:cxn ang="16200000">
+                  <a:pos x="wd2" y="hd2"/>
+                </a:cxn>
+              </a:cxnLst>
+              <a:rect l="0" t="0" r="r" b="b"/>
+              <a:pathLst>
+                <a:path w="21600" h="21600" extrusionOk="0">
+                  <a:moveTo>
+                    <a:pt x="21600" y="0"/>
+                  </a:moveTo>
+                  <a:lnTo>
+                    <a:pt x="21600" y="21600"/>
+                  </a:lnTo>
+                  <a:lnTo>
+                    <a:pt x="0" y="21600"/>
+                  </a:lnTo>
+                </a:path>
+              </a:pathLst>
+            </a:custGeom>
+            <a:ln w="6350">
+              <a:solidFill>
+                <a:schemeClr val="accent3"/>
+              </a:solidFill>
+            </a:ln>
+          </p:spPr>
+          <p:txBody>
+            <a:bodyPr/>
+            <a:lstStyle/>
+            <a:p>
+              <a:endParaRPr sz="1200"/>
+            </a:p>
+          </p:txBody>
+        </p:sp>
+        <p:sp>
+          <p:nvSpPr>
+            <p:cNvPr id="176" name="Shape 176"/>
+            <p:cNvSpPr/>
+            <p:nvPr/>
+          </p:nvSpPr>
+          <p:spPr>
+            <a:xfrm>
+              <a:off x="5435896" y="2743199"/>
+              <a:ext cx="229326" cy="166562"/>
             </a:xfrm>
             <a:prstGeom prst="rect">
               <a:avLst/>
             </a:prstGeom>
             <a:solidFill>
-              <a:srgbClr val="00B050"/>
+              <a:srgbClr val="EBF1DE">
+                <a:alpha val="80000"/>
+              </a:srgbClr>
             </a:solidFill>
-            <a:ln w="19050" cap="flat">
-              <a:solidFill>
-                <a:srgbClr val="00B050"/>
-              </a:solidFill>
-              <a:prstDash val="solid"/>
-              <a:round/>
+            <a:ln w="12700">
+              <a:miter lim="400000"/>
             </a:ln>
-            <a:effectLst/>
           </p:spPr>
           <p:txBody>
-            <a:bodyPr wrap="square" lIns="45719" tIns="45719" rIns="45719" bIns="45719" numCol="1" anchor="ctr">
-              <a:noAutofit/>
-            </a:bodyPr>
+            <a:bodyPr lIns="45719" rIns="45719" anchor="ctr"/>
             <a:lstStyle/>
             <a:p>
               <a:pPr algn="ctr">
-                <a:defRPr sz="1000">
+                <a:defRPr>
                   <a:solidFill>
                     <a:srgbClr val="FFFFFF"/>
                   </a:solidFill>
                 </a:defRPr>
               </a:pPr>
+              <a:endParaRPr sz="1200"/>
             </a:p>
           </p:txBody>
         </p:sp>
         <p:sp>
           <p:nvSpPr>
-            <p:cNvPr id="122" name="Shape 122"/>
+            <p:cNvPr id="177" name="Shape 177"/>
             <p:cNvSpPr/>
             <p:nvPr/>
           </p:nvSpPr>
           <p:spPr>
             <a:xfrm>
-              <a:off x="0" y="57810"/>
-              <a:ext cx="1093635" cy="231141"/>
+              <a:off x="3687514" y="2828801"/>
+              <a:ext cx="3048001" cy="203201"/>
+            </a:xfrm>
+            <a:custGeom>
+              <a:avLst/>
+              <a:gdLst/>
+              <a:ahLst/>
+              <a:cxnLst>
+                <a:cxn ang="0">
+                  <a:pos x="wd2" y="hd2"/>
+                </a:cxn>
+                <a:cxn ang="5400000">
+                  <a:pos x="wd2" y="hd2"/>
+                </a:cxn>
+                <a:cxn ang="10800000">
+                  <a:pos x="wd2" y="hd2"/>
+                </a:cxn>
+                <a:cxn ang="16200000">
+                  <a:pos x="wd2" y="hd2"/>
+                </a:cxn>
+              </a:cxnLst>
+              <a:rect l="0" t="0" r="r" b="b"/>
+              <a:pathLst>
+                <a:path w="21600" h="21600" extrusionOk="0">
+                  <a:moveTo>
+                    <a:pt x="0" y="21600"/>
+                  </a:moveTo>
+                  <a:lnTo>
+                    <a:pt x="1571" y="0"/>
+                  </a:lnTo>
+                  <a:lnTo>
+                    <a:pt x="21600" y="0"/>
+                  </a:lnTo>
+                </a:path>
+              </a:pathLst>
+            </a:custGeom>
+            <a:ln w="19050">
+              <a:solidFill>
+                <a:schemeClr val="accent3"/>
+              </a:solidFill>
+              <a:tailEnd type="triangle"/>
+            </a:ln>
+          </p:spPr>
+          <p:txBody>
+            <a:bodyPr lIns="45719" rIns="45719" anchor="ctr"/>
+            <a:lstStyle/>
+            <a:p>
+              <a:pPr algn="ctr"/>
+              <a:endParaRPr sz="1200"/>
+            </a:p>
+          </p:txBody>
+        </p:sp>
+        <p:sp>
+          <p:nvSpPr>
+            <p:cNvPr id="178" name="Shape 178"/>
+            <p:cNvSpPr/>
+            <p:nvPr/>
+          </p:nvSpPr>
+          <p:spPr>
+            <a:xfrm>
+              <a:off x="5431573" y="4488138"/>
+              <a:ext cx="229326" cy="160063"/>
             </a:xfrm>
             <a:prstGeom prst="rect">
               <a:avLst/>
             </a:prstGeom>
-            <a:noFill/>
-            <a:ln w="12700" cap="flat">
-              <a:noFill/>
+            <a:solidFill>
+              <a:srgbClr val="EBF1DE">
+                <a:alpha val="80000"/>
+              </a:srgbClr>
+            </a:solidFill>
+            <a:ln w="12700">
               <a:miter lim="400000"/>
             </a:ln>
-            <a:effectLst/>
-            <a:extLst>
-              <a:ext uri="{C572A759-6A51-4108-AA02-DFA0A04FC94B}">
-                <ma14:wrappingTextBoxFlag xmlns:ma14="http://schemas.microsoft.com/office/mac/drawingml/2011/main" val="1"/>
-              </a:ext>
-            </a:extLst>
           </p:spPr>
           <p:txBody>
-            <a:bodyPr wrap="square" lIns="45719" tIns="45719" rIns="45719" bIns="45719" numCol="1" anchor="ctr">
-              <a:spAutoFit/>
-            </a:bodyPr>
-            <a:lstStyle>
-              <a:lvl1pPr algn="ctr">
-                <a:defRPr sz="1000">
-                  <a:solidFill>
-                    <a:srgbClr val="FFFFFF"/>
-                  </a:solidFill>
-                </a:defRPr>
-              </a:lvl1pPr>
-            </a:lstStyle>
-            <a:p>
-              <a:pPr/>
-              <a:r>
-                <a:t>UiManager</a:t>
-              </a:r>
-            </a:p>
-          </p:txBody>
-        </p:sp>
-      </p:grpSp>
-      <p:sp>
-        <p:nvSpPr>
-          <p:cNvPr id="180" name="Shape 180"/>
-          <p:cNvSpPr/>
-          <p:nvPr/>
-        </p:nvSpPr>
-        <p:spPr>
-          <a:xfrm>
-            <a:off x="1831340" y="1943100"/>
-            <a:ext cx="1617981" cy="571500"/>
-          </a:xfrm>
-          <a:custGeom>
-            <a:avLst/>
-            <a:gdLst/>
-            <a:ahLst/>
-            <a:cxnLst>
-              <a:cxn ang="0">
-                <a:pos x="wd2" y="hd2"/>
-              </a:cxn>
-              <a:cxn ang="5400000">
-                <a:pos x="wd2" y="hd2"/>
-              </a:cxn>
-              <a:cxn ang="10800000">
-                <a:pos x="wd2" y="hd2"/>
-              </a:cxn>
-              <a:cxn ang="16200000">
-                <a:pos x="wd2" y="hd2"/>
-              </a:cxn>
-            </a:cxnLst>
-            <a:rect l="0" t="0" r="r" b="b"/>
-            <a:pathLst>
-              <a:path w="21600" h="21600" fill="norm" stroke="1" extrusionOk="0">
-                <a:moveTo>
-                  <a:pt x="18209" y="0"/>
-                </a:moveTo>
-                <a:lnTo>
-                  <a:pt x="21600" y="0"/>
-                </a:lnTo>
-                <a:lnTo>
-                  <a:pt x="21600" y="10800"/>
-                </a:lnTo>
-                <a:lnTo>
-                  <a:pt x="0" y="10800"/>
-                </a:lnTo>
-                <a:lnTo>
-                  <a:pt x="0" y="21600"/>
-                </a:lnTo>
-                <a:lnTo>
-                  <a:pt x="3391" y="21600"/>
-                </a:lnTo>
-              </a:path>
-            </a:pathLst>
-          </a:custGeom>
-          <a:ln w="19050">
-            <a:solidFill>
-              <a:srgbClr val="00B050"/>
-            </a:solidFill>
-            <a:tailEnd type="triangle"/>
-          </a:ln>
-        </p:spPr>
-        <p:txBody>
-          <a:bodyPr/>
-          <a:lstStyle/>
-          <a:p>
-            <a:pPr/>
-          </a:p>
-        </p:txBody>
-      </p:sp>
-      <p:sp>
-        <p:nvSpPr>
-          <p:cNvPr id="125" name="Shape 125"/>
-          <p:cNvSpPr/>
-          <p:nvPr/>
-        </p:nvSpPr>
-        <p:spPr>
-          <a:xfrm flipV="1" rot="10800000">
-            <a:off x="5394716" y="2110476"/>
-            <a:ext cx="270505" cy="175524"/>
-          </a:xfrm>
-          <a:prstGeom prst="triangle">
-            <a:avLst/>
-          </a:prstGeom>
-          <a:gradFill>
-            <a:gsLst>
-              <a:gs pos="0">
-                <a:schemeClr val="accent3">
-                  <a:hueOff val="263624"/>
-                  <a:satOff val="55948"/>
-                  <a:lumOff val="27907"/>
-                </a:schemeClr>
-              </a:gs>
-              <a:gs pos="35000">
-                <a:srgbClr val="E4FDBF"/>
-              </a:gs>
-              <a:gs pos="100000">
-                <a:schemeClr val="accent3">
-                  <a:hueOff val="321486"/>
-                  <a:satOff val="58119"/>
-                  <a:lumOff val="40966"/>
-                </a:schemeClr>
-              </a:gs>
-            </a:gsLst>
-            <a:lin ang="16200000"/>
-          </a:gradFill>
-          <a:ln w="6350">
-            <a:solidFill>
-              <a:schemeClr val="accent3"/>
-            </a:solidFill>
-          </a:ln>
-        </p:spPr>
-        <p:txBody>
-          <a:bodyPr lIns="45719" rIns="45719" anchor="ctr"/>
-          <a:lstStyle/>
-          <a:p>
-            <a:pPr algn="ctr">
-              <a:defRPr b="1" sz="1000">
-                <a:solidFill>
-                  <a:srgbClr val="92D050"/>
-                </a:solidFill>
-              </a:defRPr>
-            </a:pPr>
-          </a:p>
-        </p:txBody>
-      </p:sp>
-      <p:sp>
-        <p:nvSpPr>
-          <p:cNvPr id="126" name="Shape 126"/>
-          <p:cNvSpPr/>
-          <p:nvPr/>
-        </p:nvSpPr>
-        <p:spPr>
-          <a:xfrm flipV="1">
-            <a:off x="644735" y="2985587"/>
-            <a:ext cx="684905" cy="12701"/>
-          </a:xfrm>
-          <a:custGeom>
-            <a:avLst/>
-            <a:gdLst/>
-            <a:ahLst/>
-            <a:cxnLst>
-              <a:cxn ang="0">
-                <a:pos x="wd2" y="hd2"/>
-              </a:cxn>
-              <a:cxn ang="5400000">
-                <a:pos x="wd2" y="hd2"/>
-              </a:cxn>
-              <a:cxn ang="10800000">
-                <a:pos x="wd2" y="hd2"/>
-              </a:cxn>
-              <a:cxn ang="16200000">
-                <a:pos x="wd2" y="hd2"/>
-              </a:cxn>
-            </a:cxnLst>
-            <a:rect l="0" t="0" r="r" b="b"/>
-            <a:pathLst>
-              <a:path w="21600" h="21600" fill="norm" stroke="1" extrusionOk="0">
-                <a:moveTo>
-                  <a:pt x="0" y="0"/>
-                </a:moveTo>
-                <a:lnTo>
-                  <a:pt x="10800" y="0"/>
-                </a:lnTo>
-                <a:lnTo>
-                  <a:pt x="10800" y="21600"/>
-                </a:lnTo>
-                <a:lnTo>
-                  <a:pt x="21600" y="21600"/>
-                </a:lnTo>
-              </a:path>
-            </a:pathLst>
-          </a:custGeom>
-          <a:ln w="19050">
-            <a:solidFill>
-              <a:srgbClr val="BFBFBF"/>
-            </a:solidFill>
-            <a:prstDash val="sysDot"/>
-            <a:tailEnd type="triangle"/>
-          </a:ln>
-        </p:spPr>
-        <p:txBody>
-          <a:bodyPr lIns="45719" rIns="45719" anchor="ctr"/>
-          <a:lstStyle/>
-          <a:p>
-            <a:pPr/>
-          </a:p>
-        </p:txBody>
-      </p:sp>
-      <p:grpSp>
-        <p:nvGrpSpPr>
-          <p:cNvPr id="129" name="Group 129"/>
-          <p:cNvGrpSpPr/>
-          <p:nvPr/>
-        </p:nvGrpSpPr>
-        <p:grpSpPr>
-          <a:xfrm>
-            <a:off x="6720906" y="1447799"/>
-            <a:ext cx="328046" cy="2362202"/>
-            <a:chOff x="0" y="0"/>
-            <a:chExt cx="328045" cy="2362200"/>
-          </a:xfrm>
-        </p:grpSpPr>
-        <p:sp>
-          <p:nvSpPr>
-            <p:cNvPr id="127" name="Shape 127"/>
-            <p:cNvSpPr/>
-            <p:nvPr/>
-          </p:nvSpPr>
-          <p:spPr>
-            <a:xfrm rot="16200000">
-              <a:off x="-1017078" y="1017077"/>
-              <a:ext cx="2362201" cy="328046"/>
-            </a:xfrm>
-            <a:prstGeom prst="roundRect">
-              <a:avLst>
-                <a:gd name="adj" fmla="val 16667"/>
-              </a:avLst>
-            </a:prstGeom>
-            <a:solidFill>
-              <a:srgbClr val="DCE6F2"/>
-            </a:solidFill>
-            <a:ln w="12700" cap="flat">
-              <a:noFill/>
-              <a:miter lim="400000"/>
-            </a:ln>
-            <a:effectLst/>
-          </p:spPr>
-          <p:txBody>
-            <a:bodyPr wrap="square" lIns="45719" tIns="45719" rIns="45719" bIns="45719" numCol="1" anchor="ctr">
-              <a:noAutofit/>
-            </a:bodyPr>
+            <a:bodyPr lIns="45719" rIns="45719" anchor="ctr"/>
             <a:lstStyle/>
             <a:p>
               <a:pPr algn="ctr">
-                <a:defRPr b="1" sz="1100">
+                <a:defRPr>
                   <a:solidFill>
                     <a:srgbClr val="FFFFFF"/>
                   </a:solidFill>
                 </a:defRPr>
               </a:pPr>
+              <a:endParaRPr sz="1200"/>
             </a:p>
           </p:txBody>
         </p:sp>
         <p:sp>
           <p:nvSpPr>
-            <p:cNvPr id="128" name="Shape 128"/>
+            <p:cNvPr id="179" name="Shape 179"/>
             <p:cNvSpPr/>
             <p:nvPr/>
           </p:nvSpPr>
           <p:spPr>
-            <a:xfrm rot="16200000">
-              <a:off x="-1001065" y="1059180"/>
-              <a:ext cx="2330175" cy="243841"/>
+            <a:xfrm flipV="1">
+              <a:off x="4114798" y="4472707"/>
+              <a:ext cx="2642196" cy="101601"/>
             </a:xfrm>
-            <a:prstGeom prst="rect">
+            <a:custGeom>
               <a:avLst/>
-            </a:prstGeom>
-            <a:noFill/>
-            <a:ln w="12700" cap="flat">
-              <a:noFill/>
-              <a:miter lim="400000"/>
+              <a:gdLst/>
+              <a:ahLst/>
+              <a:cxnLst>
+                <a:cxn ang="0">
+                  <a:pos x="wd2" y="hd2"/>
+                </a:cxn>
+                <a:cxn ang="5400000">
+                  <a:pos x="wd2" y="hd2"/>
+                </a:cxn>
+                <a:cxn ang="10800000">
+                  <a:pos x="wd2" y="hd2"/>
+                </a:cxn>
+                <a:cxn ang="16200000">
+                  <a:pos x="wd2" y="hd2"/>
+                </a:cxn>
+              </a:cxnLst>
+              <a:rect l="0" t="0" r="r" b="b"/>
+              <a:pathLst>
+                <a:path w="21600" h="21600" extrusionOk="0">
+                  <a:moveTo>
+                    <a:pt x="0" y="21600"/>
+                  </a:moveTo>
+                  <a:lnTo>
+                    <a:pt x="1571" y="0"/>
+                  </a:lnTo>
+                  <a:lnTo>
+                    <a:pt x="21600" y="0"/>
+                  </a:lnTo>
+                </a:path>
+              </a:pathLst>
+            </a:custGeom>
+            <a:ln w="19050">
+              <a:solidFill>
+                <a:schemeClr val="accent3"/>
+              </a:solidFill>
+              <a:prstDash val="sysDot"/>
+              <a:tailEnd type="triangle"/>
             </a:ln>
-            <a:effectLst/>
-            <a:extLst>
-              <a:ext uri="{C572A759-6A51-4108-AA02-DFA0A04FC94B}">
-                <ma14:wrappingTextBoxFlag xmlns:ma14="http://schemas.microsoft.com/office/mac/drawingml/2011/main" val="1"/>
-              </a:ext>
-            </a:extLst>
           </p:spPr>
           <p:txBody>
-            <a:bodyPr wrap="square" lIns="45719" tIns="45719" rIns="45719" bIns="45719" numCol="1" anchor="ctr">
-              <a:spAutoFit/>
-            </a:bodyPr>
-            <a:lstStyle>
-              <a:lvl1pPr algn="ctr">
-                <a:defRPr b="1" sz="1100">
-                  <a:solidFill>
-                    <a:srgbClr val="FFFFFF"/>
-                  </a:solidFill>
-                </a:defRPr>
-              </a:lvl1pPr>
-            </a:lstStyle>
+            <a:bodyPr lIns="45719" rIns="45719" anchor="ctr"/>
+            <a:lstStyle/>
             <a:p>
-              <a:pPr/>
-              <a:r>
-                <a:t>Logic</a:t>
-              </a:r>
+              <a:pPr algn="ctr"/>
+              <a:endParaRPr sz="1200"/>
             </a:p>
           </p:txBody>
         </p:sp>
       </p:grpSp>
-      <p:grpSp>
-        <p:nvGrpSpPr>
-          <p:cNvPr id="132" name="Group 132"/>
-          <p:cNvGrpSpPr/>
-          <p:nvPr/>
-        </p:nvGrpSpPr>
-        <p:grpSpPr>
-          <a:xfrm>
-            <a:off x="2592528" y="3649359"/>
-            <a:ext cx="1093635" cy="236842"/>
-            <a:chOff x="0" y="0"/>
-            <a:chExt cx="1093634" cy="236840"/>
-          </a:xfrm>
-        </p:grpSpPr>
-        <p:sp>
-          <p:nvSpPr>
-            <p:cNvPr id="130" name="Shape 130"/>
-            <p:cNvSpPr/>
-            <p:nvPr/>
-          </p:nvSpPr>
-          <p:spPr>
-            <a:xfrm>
-              <a:off x="0" y="0"/>
-              <a:ext cx="1093635" cy="236841"/>
-            </a:xfrm>
-            <a:prstGeom prst="rect">
-              <a:avLst/>
-            </a:prstGeom>
-            <a:gradFill flip="none" rotWithShape="1">
-              <a:gsLst>
-                <a:gs pos="0">
-                  <a:schemeClr val="accent3">
-                    <a:hueOff val="263624"/>
-                    <a:satOff val="55948"/>
-                    <a:lumOff val="27907"/>
-                  </a:schemeClr>
-                </a:gs>
-                <a:gs pos="35000">
-                  <a:srgbClr val="E4FDBF"/>
-                </a:gs>
-                <a:gs pos="100000">
-                  <a:schemeClr val="accent3">
-                    <a:hueOff val="321486"/>
-                    <a:satOff val="58119"/>
-                    <a:lumOff val="40966"/>
-                  </a:schemeClr>
-                </a:gs>
-              </a:gsLst>
-              <a:lin ang="16200000" scaled="0"/>
-            </a:gradFill>
-            <a:ln w="19050" cap="flat">
-              <a:solidFill>
-                <a:schemeClr val="accent3"/>
-              </a:solidFill>
-              <a:prstDash val="solid"/>
-              <a:round/>
-            </a:ln>
-            <a:effectLst/>
-          </p:spPr>
-          <p:txBody>
-            <a:bodyPr wrap="square" lIns="45719" tIns="45719" rIns="45719" bIns="45719" numCol="1" anchor="ctr">
-              <a:noAutofit/>
-            </a:bodyPr>
-            <a:lstStyle/>
-            <a:p>
-              <a:pPr algn="ctr">
-                <a:defRPr b="1" sz="1000">
-                  <a:solidFill>
-                    <a:srgbClr val="77933C"/>
-                  </a:solidFill>
-                </a:defRPr>
-              </a:pPr>
-            </a:p>
-          </p:txBody>
-        </p:sp>
-        <p:sp>
-          <p:nvSpPr>
-            <p:cNvPr id="131" name="Shape 131"/>
-            <p:cNvSpPr/>
-            <p:nvPr/>
-          </p:nvSpPr>
-          <p:spPr>
-            <a:xfrm>
-              <a:off x="0" y="2850"/>
-              <a:ext cx="1093635" cy="231141"/>
-            </a:xfrm>
-            <a:prstGeom prst="rect">
-              <a:avLst/>
-            </a:prstGeom>
-            <a:noFill/>
-            <a:ln w="12700" cap="flat">
-              <a:noFill/>
-              <a:miter lim="400000"/>
-            </a:ln>
-            <a:effectLst/>
-            <a:extLst>
-              <a:ext uri="{C572A759-6A51-4108-AA02-DFA0A04FC94B}">
-                <ma14:wrappingTextBoxFlag xmlns:ma14="http://schemas.microsoft.com/office/mac/drawingml/2011/main" val="1"/>
-              </a:ext>
-            </a:extLst>
-          </p:spPr>
-          <p:txBody>
-            <a:bodyPr wrap="square" lIns="45719" tIns="45719" rIns="45719" bIns="45719" numCol="1" anchor="ctr">
-              <a:spAutoFit/>
-            </a:bodyPr>
-            <a:lstStyle>
-              <a:lvl1pPr algn="ctr">
-                <a:defRPr b="1" sz="1000">
-                  <a:solidFill>
-                    <a:srgbClr val="77933C"/>
-                  </a:solidFill>
-                </a:defRPr>
-              </a:lvl1pPr>
-            </a:lstStyle>
-            <a:p>
-              <a:pPr/>
-              <a:r>
-                <a:t>BrowserPanel</a:t>
-              </a:r>
-            </a:p>
-          </p:txBody>
-        </p:sp>
-      </p:grpSp>
-      <p:grpSp>
-        <p:nvGrpSpPr>
-          <p:cNvPr id="135" name="Group 135"/>
-          <p:cNvGrpSpPr/>
-          <p:nvPr/>
-        </p:nvGrpSpPr>
-        <p:grpSpPr>
-          <a:xfrm>
-            <a:off x="2592527" y="4563759"/>
-            <a:ext cx="1093636" cy="236842"/>
-            <a:chOff x="0" y="0"/>
-            <a:chExt cx="1093634" cy="236840"/>
-          </a:xfrm>
-        </p:grpSpPr>
-        <p:sp>
-          <p:nvSpPr>
-            <p:cNvPr id="133" name="Shape 133"/>
-            <p:cNvSpPr/>
-            <p:nvPr/>
-          </p:nvSpPr>
-          <p:spPr>
-            <a:xfrm>
-              <a:off x="0" y="0"/>
-              <a:ext cx="1093635" cy="236841"/>
-            </a:xfrm>
-            <a:prstGeom prst="rect">
-              <a:avLst/>
-            </a:prstGeom>
-            <a:gradFill flip="none" rotWithShape="1">
-              <a:gsLst>
-                <a:gs pos="0">
-                  <a:schemeClr val="accent3">
-                    <a:hueOff val="263624"/>
-                    <a:satOff val="55948"/>
-                    <a:lumOff val="27907"/>
-                  </a:schemeClr>
-                </a:gs>
-                <a:gs pos="35000">
-                  <a:srgbClr val="E4FDBF"/>
-                </a:gs>
-                <a:gs pos="100000">
-                  <a:schemeClr val="accent3">
-                    <a:hueOff val="321486"/>
-                    <a:satOff val="58119"/>
-                    <a:lumOff val="40966"/>
-                  </a:schemeClr>
-                </a:gs>
-              </a:gsLst>
-              <a:lin ang="16200000" scaled="0"/>
-            </a:gradFill>
-            <a:ln w="19050" cap="flat">
-              <a:solidFill>
-                <a:schemeClr val="accent3"/>
-              </a:solidFill>
-              <a:prstDash val="solid"/>
-              <a:round/>
-            </a:ln>
-            <a:effectLst/>
-          </p:spPr>
-          <p:txBody>
-            <a:bodyPr wrap="square" lIns="45719" tIns="45719" rIns="45719" bIns="45719" numCol="1" anchor="ctr">
-              <a:noAutofit/>
-            </a:bodyPr>
-            <a:lstStyle/>
-            <a:p>
-              <a:pPr algn="ctr">
-                <a:defRPr b="1" sz="1000">
-                  <a:solidFill>
-                    <a:srgbClr val="77933C"/>
-                  </a:solidFill>
-                </a:defRPr>
-              </a:pPr>
-            </a:p>
-          </p:txBody>
-        </p:sp>
-        <p:sp>
-          <p:nvSpPr>
-            <p:cNvPr id="134" name="Shape 134"/>
-            <p:cNvSpPr/>
-            <p:nvPr/>
-          </p:nvSpPr>
-          <p:spPr>
-            <a:xfrm>
-              <a:off x="0" y="2850"/>
-              <a:ext cx="1093635" cy="231141"/>
-            </a:xfrm>
-            <a:prstGeom prst="rect">
-              <a:avLst/>
-            </a:prstGeom>
-            <a:noFill/>
-            <a:ln w="12700" cap="flat">
-              <a:noFill/>
-              <a:miter lim="400000"/>
-            </a:ln>
-            <a:effectLst/>
-            <a:extLst>
-              <a:ext uri="{C572A759-6A51-4108-AA02-DFA0A04FC94B}">
-                <ma14:wrappingTextBoxFlag xmlns:ma14="http://schemas.microsoft.com/office/mac/drawingml/2011/main" val="1"/>
-              </a:ext>
-            </a:extLst>
-          </p:spPr>
-          <p:txBody>
-            <a:bodyPr wrap="square" lIns="45719" tIns="45719" rIns="45719" bIns="45719" numCol="1" anchor="ctr">
-              <a:spAutoFit/>
-            </a:bodyPr>
-            <a:lstStyle>
-              <a:lvl1pPr algn="ctr">
-                <a:defRPr b="1" sz="1000">
-                  <a:solidFill>
-                    <a:srgbClr val="77933C"/>
-                  </a:solidFill>
-                </a:defRPr>
-              </a:lvl1pPr>
-            </a:lstStyle>
-            <a:p>
-              <a:pPr/>
-              <a:r>
-                <a:t>StatusBarFooter</a:t>
-              </a:r>
-            </a:p>
-          </p:txBody>
-        </p:sp>
-      </p:grpSp>
-      <p:grpSp>
-        <p:nvGrpSpPr>
-          <p:cNvPr id="138" name="Group 138"/>
-          <p:cNvGrpSpPr/>
-          <p:nvPr/>
-        </p:nvGrpSpPr>
-        <p:grpSpPr>
-          <a:xfrm>
-            <a:off x="2592526" y="3991959"/>
-            <a:ext cx="1093636" cy="236842"/>
-            <a:chOff x="0" y="0"/>
-            <a:chExt cx="1093634" cy="236840"/>
-          </a:xfrm>
-        </p:grpSpPr>
-        <p:sp>
-          <p:nvSpPr>
-            <p:cNvPr id="136" name="Shape 136"/>
-            <p:cNvSpPr/>
-            <p:nvPr/>
-          </p:nvSpPr>
-          <p:spPr>
-            <a:xfrm>
-              <a:off x="0" y="0"/>
-              <a:ext cx="1093635" cy="236841"/>
-            </a:xfrm>
-            <a:prstGeom prst="rect">
-              <a:avLst/>
-            </a:prstGeom>
-            <a:gradFill flip="none" rotWithShape="1">
-              <a:gsLst>
-                <a:gs pos="0">
-                  <a:schemeClr val="accent3">
-                    <a:hueOff val="263624"/>
-                    <a:satOff val="55948"/>
-                    <a:lumOff val="27907"/>
-                  </a:schemeClr>
-                </a:gs>
-                <a:gs pos="35000">
-                  <a:srgbClr val="E4FDBF"/>
-                </a:gs>
-                <a:gs pos="100000">
-                  <a:schemeClr val="accent3">
-                    <a:hueOff val="321486"/>
-                    <a:satOff val="58119"/>
-                    <a:lumOff val="40966"/>
-                  </a:schemeClr>
-                </a:gs>
-              </a:gsLst>
-              <a:lin ang="16200000" scaled="0"/>
-            </a:gradFill>
-            <a:ln w="19050" cap="flat">
-              <a:solidFill>
-                <a:schemeClr val="accent3"/>
-              </a:solidFill>
-              <a:prstDash val="solid"/>
-              <a:round/>
-            </a:ln>
-            <a:effectLst/>
-          </p:spPr>
-          <p:txBody>
-            <a:bodyPr wrap="square" lIns="45719" tIns="45719" rIns="45719" bIns="45719" numCol="1" anchor="ctr">
-              <a:noAutofit/>
-            </a:bodyPr>
-            <a:lstStyle/>
-            <a:p>
-              <a:pPr algn="ctr">
-                <a:defRPr b="1" sz="1000">
-                  <a:solidFill>
-                    <a:srgbClr val="77933C"/>
-                  </a:solidFill>
-                </a:defRPr>
-              </a:pPr>
-            </a:p>
-          </p:txBody>
-        </p:sp>
-        <p:sp>
-          <p:nvSpPr>
-            <p:cNvPr id="137" name="Shape 137"/>
-            <p:cNvSpPr/>
-            <p:nvPr/>
-          </p:nvSpPr>
-          <p:spPr>
-            <a:xfrm>
-              <a:off x="0" y="2850"/>
-              <a:ext cx="1093635" cy="231141"/>
-            </a:xfrm>
-            <a:prstGeom prst="rect">
-              <a:avLst/>
-            </a:prstGeom>
-            <a:noFill/>
-            <a:ln w="12700" cap="flat">
-              <a:noFill/>
-              <a:miter lim="400000"/>
-            </a:ln>
-            <a:effectLst/>
-            <a:extLst>
-              <a:ext uri="{C572A759-6A51-4108-AA02-DFA0A04FC94B}">
-                <ma14:wrappingTextBoxFlag xmlns:ma14="http://schemas.microsoft.com/office/mac/drawingml/2011/main" val="1"/>
-              </a:ext>
-            </a:extLst>
-          </p:spPr>
-          <p:txBody>
-            <a:bodyPr wrap="square" lIns="45719" tIns="45719" rIns="45719" bIns="45719" numCol="1" anchor="ctr">
-              <a:spAutoFit/>
-            </a:bodyPr>
-            <a:lstStyle>
-              <a:lvl1pPr algn="ctr">
-                <a:defRPr b="1" sz="1000">
-                  <a:solidFill>
-                    <a:srgbClr val="77933C"/>
-                  </a:solidFill>
-                </a:defRPr>
-              </a:lvl1pPr>
-            </a:lstStyle>
-            <a:p>
-              <a:pPr/>
-              <a:r>
-                <a:t>TaskListPanel</a:t>
-              </a:r>
-            </a:p>
-          </p:txBody>
-        </p:sp>
-      </p:grpSp>
-      <p:grpSp>
-        <p:nvGrpSpPr>
-          <p:cNvPr id="141" name="Group 141"/>
-          <p:cNvGrpSpPr/>
-          <p:nvPr/>
-        </p:nvGrpSpPr>
-        <p:grpSpPr>
-          <a:xfrm>
-            <a:off x="3839322" y="4228801"/>
-            <a:ext cx="1040908" cy="236842"/>
-            <a:chOff x="0" y="0"/>
-            <a:chExt cx="1040906" cy="236840"/>
-          </a:xfrm>
-        </p:grpSpPr>
-        <p:sp>
-          <p:nvSpPr>
-            <p:cNvPr id="139" name="Shape 139"/>
-            <p:cNvSpPr/>
-            <p:nvPr/>
-          </p:nvSpPr>
-          <p:spPr>
-            <a:xfrm>
-              <a:off x="-1" y="0"/>
-              <a:ext cx="1040908" cy="236841"/>
-            </a:xfrm>
-            <a:prstGeom prst="rect">
-              <a:avLst/>
-            </a:prstGeom>
-            <a:gradFill flip="none" rotWithShape="1">
-              <a:gsLst>
-                <a:gs pos="0">
-                  <a:schemeClr val="accent3">
-                    <a:hueOff val="263624"/>
-                    <a:satOff val="55948"/>
-                    <a:lumOff val="27907"/>
-                  </a:schemeClr>
-                </a:gs>
-                <a:gs pos="35000">
-                  <a:srgbClr val="E4FDBF"/>
-                </a:gs>
-                <a:gs pos="100000">
-                  <a:schemeClr val="accent3">
-                    <a:hueOff val="321486"/>
-                    <a:satOff val="58119"/>
-                    <a:lumOff val="40966"/>
-                  </a:schemeClr>
-                </a:gs>
-              </a:gsLst>
-              <a:lin ang="16200000" scaled="0"/>
-            </a:gradFill>
-            <a:ln w="19050" cap="flat">
-              <a:solidFill>
-                <a:schemeClr val="accent3"/>
-              </a:solidFill>
-              <a:prstDash val="solid"/>
-              <a:round/>
-            </a:ln>
-            <a:effectLst/>
-          </p:spPr>
-          <p:txBody>
-            <a:bodyPr wrap="square" lIns="45719" tIns="45719" rIns="45719" bIns="45719" numCol="1" anchor="ctr">
-              <a:noAutofit/>
-            </a:bodyPr>
-            <a:lstStyle/>
-            <a:p>
-              <a:pPr algn="ctr">
-                <a:defRPr b="1" sz="1000">
-                  <a:solidFill>
-                    <a:srgbClr val="77933C"/>
-                  </a:solidFill>
-                </a:defRPr>
-              </a:pPr>
-            </a:p>
-          </p:txBody>
-        </p:sp>
-        <p:sp>
-          <p:nvSpPr>
-            <p:cNvPr id="140" name="Shape 140"/>
-            <p:cNvSpPr/>
-            <p:nvPr/>
-          </p:nvSpPr>
-          <p:spPr>
-            <a:xfrm>
-              <a:off x="-1" y="2850"/>
-              <a:ext cx="1040908" cy="231141"/>
-            </a:xfrm>
-            <a:prstGeom prst="rect">
-              <a:avLst/>
-            </a:prstGeom>
-            <a:noFill/>
-            <a:ln w="12700" cap="flat">
-              <a:noFill/>
-              <a:miter lim="400000"/>
-            </a:ln>
-            <a:effectLst/>
-            <a:extLst>
-              <a:ext uri="{C572A759-6A51-4108-AA02-DFA0A04FC94B}">
-                <ma14:wrappingTextBoxFlag xmlns:ma14="http://schemas.microsoft.com/office/mac/drawingml/2011/main" val="1"/>
-              </a:ext>
-            </a:extLst>
-          </p:spPr>
-          <p:txBody>
-            <a:bodyPr wrap="square" lIns="45719" tIns="45719" rIns="45719" bIns="45719" numCol="1" anchor="ctr">
-              <a:spAutoFit/>
-            </a:bodyPr>
-            <a:lstStyle>
-              <a:lvl1pPr algn="ctr">
-                <a:defRPr b="1" sz="1000">
-                  <a:solidFill>
-                    <a:srgbClr val="77933C"/>
-                  </a:solidFill>
-                </a:defRPr>
-              </a:lvl1pPr>
-            </a:lstStyle>
-            <a:p>
-              <a:pPr/>
-              <a:r>
-                <a:t>TaskCard</a:t>
-              </a:r>
-            </a:p>
-          </p:txBody>
-        </p:sp>
-      </p:grpSp>
-      <p:grpSp>
-        <p:nvGrpSpPr>
-          <p:cNvPr id="144" name="Group 144"/>
-          <p:cNvGrpSpPr/>
-          <p:nvPr/>
-        </p:nvGrpSpPr>
-        <p:grpSpPr>
-          <a:xfrm>
-            <a:off x="2592528" y="4965999"/>
-            <a:ext cx="1093635" cy="236842"/>
-            <a:chOff x="0" y="0"/>
-            <a:chExt cx="1093634" cy="236840"/>
-          </a:xfrm>
-        </p:grpSpPr>
-        <p:sp>
-          <p:nvSpPr>
-            <p:cNvPr id="142" name="Shape 142"/>
-            <p:cNvSpPr/>
-            <p:nvPr/>
-          </p:nvSpPr>
-          <p:spPr>
-            <a:xfrm>
-              <a:off x="0" y="0"/>
-              <a:ext cx="1093635" cy="236841"/>
-            </a:xfrm>
-            <a:prstGeom prst="rect">
-              <a:avLst/>
-            </a:prstGeom>
-            <a:gradFill flip="none" rotWithShape="1">
-              <a:gsLst>
-                <a:gs pos="0">
-                  <a:schemeClr val="accent3">
-                    <a:hueOff val="263624"/>
-                    <a:satOff val="55948"/>
-                    <a:lumOff val="27907"/>
-                  </a:schemeClr>
-                </a:gs>
-                <a:gs pos="35000">
-                  <a:srgbClr val="E4FDBF"/>
-                </a:gs>
-                <a:gs pos="100000">
-                  <a:schemeClr val="accent3">
-                    <a:hueOff val="321486"/>
-                    <a:satOff val="58119"/>
-                    <a:lumOff val="40966"/>
-                  </a:schemeClr>
-                </a:gs>
-              </a:gsLst>
-              <a:lin ang="16200000" scaled="0"/>
-            </a:gradFill>
-            <a:ln w="19050" cap="flat">
-              <a:solidFill>
-                <a:schemeClr val="accent3"/>
-              </a:solidFill>
-              <a:prstDash val="solid"/>
-              <a:round/>
-            </a:ln>
-            <a:effectLst/>
-          </p:spPr>
-          <p:txBody>
-            <a:bodyPr wrap="square" lIns="45719" tIns="45719" rIns="45719" bIns="45719" numCol="1" anchor="ctr">
-              <a:noAutofit/>
-            </a:bodyPr>
-            <a:lstStyle/>
-            <a:p>
-              <a:pPr algn="ctr">
-                <a:defRPr b="1" sz="1000">
-                  <a:solidFill>
-                    <a:srgbClr val="77933C"/>
-                  </a:solidFill>
-                </a:defRPr>
-              </a:pPr>
-            </a:p>
-          </p:txBody>
-        </p:sp>
-        <p:sp>
-          <p:nvSpPr>
-            <p:cNvPr id="143" name="Shape 143"/>
-            <p:cNvSpPr/>
-            <p:nvPr/>
-          </p:nvSpPr>
-          <p:spPr>
-            <a:xfrm>
-              <a:off x="0" y="2850"/>
-              <a:ext cx="1093635" cy="231141"/>
-            </a:xfrm>
-            <a:prstGeom prst="rect">
-              <a:avLst/>
-            </a:prstGeom>
-            <a:noFill/>
-            <a:ln w="12700" cap="flat">
-              <a:noFill/>
-              <a:miter lim="400000"/>
-            </a:ln>
-            <a:effectLst/>
-            <a:extLst>
-              <a:ext uri="{C572A759-6A51-4108-AA02-DFA0A04FC94B}">
-                <ma14:wrappingTextBoxFlag xmlns:ma14="http://schemas.microsoft.com/office/mac/drawingml/2011/main" val="1"/>
-              </a:ext>
-            </a:extLst>
-          </p:spPr>
-          <p:txBody>
-            <a:bodyPr wrap="square" lIns="45719" tIns="45719" rIns="45719" bIns="45719" numCol="1" anchor="ctr">
-              <a:spAutoFit/>
-            </a:bodyPr>
-            <a:lstStyle>
-              <a:lvl1pPr algn="ctr">
-                <a:defRPr b="1" sz="1000">
-                  <a:solidFill>
-                    <a:srgbClr val="77933C"/>
-                  </a:solidFill>
-                </a:defRPr>
-              </a:lvl1pPr>
-            </a:lstStyle>
-            <a:p>
-              <a:pPr/>
-              <a:r>
-                <a:t>HelpWindow</a:t>
-              </a:r>
-            </a:p>
-          </p:txBody>
-        </p:sp>
-      </p:grpSp>
-      <p:sp>
-        <p:nvSpPr>
-          <p:cNvPr id="145" name="Shape 145"/>
-          <p:cNvSpPr/>
-          <p:nvPr/>
-        </p:nvSpPr>
-        <p:spPr>
-          <a:xfrm>
-            <a:off x="2324548" y="2706452"/>
-            <a:ext cx="183157" cy="161574"/>
-          </a:xfrm>
-          <a:custGeom>
-            <a:avLst/>
-            <a:gdLst/>
-            <a:ahLst/>
-            <a:cxnLst>
-              <a:cxn ang="0">
-                <a:pos x="wd2" y="hd2"/>
-              </a:cxn>
-              <a:cxn ang="5400000">
-                <a:pos x="wd2" y="hd2"/>
-              </a:cxn>
-              <a:cxn ang="10800000">
-                <a:pos x="wd2" y="hd2"/>
-              </a:cxn>
-              <a:cxn ang="16200000">
-                <a:pos x="wd2" y="hd2"/>
-              </a:cxn>
-            </a:cxnLst>
-            <a:rect l="0" t="0" r="r" b="b"/>
-            <a:pathLst>
-              <a:path w="21600" h="21600" fill="norm" stroke="1" extrusionOk="0">
-                <a:moveTo>
-                  <a:pt x="0" y="10800"/>
-                </a:moveTo>
-                <a:lnTo>
-                  <a:pt x="10800" y="0"/>
-                </a:lnTo>
-                <a:lnTo>
-                  <a:pt x="21600" y="10800"/>
-                </a:lnTo>
-                <a:lnTo>
-                  <a:pt x="10800" y="21600"/>
-                </a:lnTo>
-                <a:close/>
-              </a:path>
-            </a:pathLst>
-          </a:custGeom>
-          <a:solidFill>
-            <a:schemeClr val="accent3"/>
-          </a:solidFill>
-          <a:ln w="25400">
-            <a:solidFill>
-              <a:schemeClr val="accent3"/>
-            </a:solidFill>
-          </a:ln>
-        </p:spPr>
-        <p:txBody>
-          <a:bodyPr lIns="45719" rIns="45719" anchor="ctr"/>
-          <a:lstStyle/>
-          <a:p>
-            <a:pPr algn="ctr">
-              <a:defRPr>
-                <a:solidFill>
-                  <a:srgbClr val="FFFFFF"/>
-                </a:solidFill>
-              </a:defRPr>
-            </a:pPr>
-          </a:p>
-        </p:txBody>
-      </p:sp>
-      <p:sp>
-        <p:nvSpPr>
-          <p:cNvPr id="181" name="Shape 181"/>
-          <p:cNvSpPr/>
-          <p:nvPr/>
-        </p:nvSpPr>
-        <p:spPr>
-          <a:xfrm>
-            <a:off x="2057400" y="2786380"/>
-            <a:ext cx="524510" cy="303531"/>
-          </a:xfrm>
-          <a:custGeom>
-            <a:avLst/>
-            <a:gdLst/>
-            <a:ahLst/>
-            <a:cxnLst>
-              <a:cxn ang="0">
-                <a:pos x="wd2" y="hd2"/>
-              </a:cxn>
-              <a:cxn ang="5400000">
-                <a:pos x="wd2" y="hd2"/>
-              </a:cxn>
-              <a:cxn ang="10800000">
-                <a:pos x="wd2" y="hd2"/>
-              </a:cxn>
-              <a:cxn ang="16200000">
-                <a:pos x="wd2" y="hd2"/>
-              </a:cxn>
-            </a:cxnLst>
-            <a:rect l="0" t="0" r="r" b="b"/>
-            <a:pathLst>
-              <a:path w="21600" h="21600" fill="norm" stroke="1" extrusionOk="0">
-                <a:moveTo>
-                  <a:pt x="10460" y="0"/>
-                </a:moveTo>
-                <a:lnTo>
-                  <a:pt x="0" y="0"/>
-                </a:lnTo>
-                <a:lnTo>
-                  <a:pt x="0" y="21600"/>
-                </a:lnTo>
-                <a:lnTo>
-                  <a:pt x="21600" y="21600"/>
-                </a:lnTo>
-              </a:path>
-            </a:pathLst>
-          </a:custGeom>
-          <a:ln w="19050">
-            <a:solidFill>
-              <a:schemeClr val="accent3"/>
-            </a:solidFill>
-            <a:tailEnd type="triangle"/>
-          </a:ln>
-        </p:spPr>
-        <p:txBody>
-          <a:bodyPr/>
-          <a:lstStyle/>
-          <a:p>
-            <a:pPr/>
-          </a:p>
-        </p:txBody>
-      </p:sp>
-      <p:grpSp>
-        <p:nvGrpSpPr>
-          <p:cNvPr id="149" name="Group 149"/>
-          <p:cNvGrpSpPr/>
-          <p:nvPr/>
-        </p:nvGrpSpPr>
-        <p:grpSpPr>
-          <a:xfrm>
-            <a:off x="2590799" y="3304308"/>
-            <a:ext cx="1095362" cy="236841"/>
-            <a:chOff x="0" y="0"/>
-            <a:chExt cx="1095361" cy="236840"/>
-          </a:xfrm>
-        </p:grpSpPr>
-        <p:sp>
-          <p:nvSpPr>
-            <p:cNvPr id="147" name="Shape 147"/>
-            <p:cNvSpPr/>
-            <p:nvPr/>
-          </p:nvSpPr>
-          <p:spPr>
-            <a:xfrm>
-              <a:off x="-1" y="0"/>
-              <a:ext cx="1095363" cy="236841"/>
-            </a:xfrm>
-            <a:prstGeom prst="rect">
-              <a:avLst/>
-            </a:prstGeom>
-            <a:gradFill flip="none" rotWithShape="1">
-              <a:gsLst>
-                <a:gs pos="0">
-                  <a:schemeClr val="accent3">
-                    <a:hueOff val="263624"/>
-                    <a:satOff val="55948"/>
-                    <a:lumOff val="27907"/>
-                  </a:schemeClr>
-                </a:gs>
-                <a:gs pos="35000">
-                  <a:srgbClr val="E4FDBF"/>
-                </a:gs>
-                <a:gs pos="100000">
-                  <a:schemeClr val="accent3">
-                    <a:hueOff val="321486"/>
-                    <a:satOff val="58119"/>
-                    <a:lumOff val="40966"/>
-                  </a:schemeClr>
-                </a:gs>
-              </a:gsLst>
-              <a:lin ang="16200000" scaled="0"/>
-            </a:gradFill>
-            <a:ln w="19050" cap="flat">
-              <a:solidFill>
-                <a:schemeClr val="accent3"/>
-              </a:solidFill>
-              <a:prstDash val="solid"/>
-              <a:round/>
-            </a:ln>
-            <a:effectLst/>
-          </p:spPr>
-          <p:txBody>
-            <a:bodyPr wrap="square" lIns="45719" tIns="45719" rIns="45719" bIns="45719" numCol="1" anchor="ctr">
-              <a:noAutofit/>
-            </a:bodyPr>
-            <a:lstStyle/>
-            <a:p>
-              <a:pPr algn="ctr">
-                <a:defRPr b="1" sz="1000">
-                  <a:solidFill>
-                    <a:srgbClr val="77933C"/>
-                  </a:solidFill>
-                </a:defRPr>
-              </a:pPr>
-            </a:p>
-          </p:txBody>
-        </p:sp>
-        <p:sp>
-          <p:nvSpPr>
-            <p:cNvPr id="148" name="Shape 148"/>
-            <p:cNvSpPr/>
-            <p:nvPr/>
-          </p:nvSpPr>
-          <p:spPr>
-            <a:xfrm>
-              <a:off x="-1" y="2850"/>
-              <a:ext cx="1095363" cy="231141"/>
-            </a:xfrm>
-            <a:prstGeom prst="rect">
-              <a:avLst/>
-            </a:prstGeom>
-            <a:noFill/>
-            <a:ln w="12700" cap="flat">
-              <a:noFill/>
-              <a:miter lim="400000"/>
-            </a:ln>
-            <a:effectLst/>
-            <a:extLst>
-              <a:ext uri="{C572A759-6A51-4108-AA02-DFA0A04FC94B}">
-                <ma14:wrappingTextBoxFlag xmlns:ma14="http://schemas.microsoft.com/office/mac/drawingml/2011/main" val="1"/>
-              </a:ext>
-            </a:extLst>
-          </p:spPr>
-          <p:txBody>
-            <a:bodyPr wrap="square" lIns="45719" tIns="45719" rIns="45719" bIns="45719" numCol="1" anchor="ctr">
-              <a:spAutoFit/>
-            </a:bodyPr>
-            <a:lstStyle>
-              <a:lvl1pPr algn="ctr">
-                <a:defRPr b="1" sz="1000">
-                  <a:solidFill>
-                    <a:srgbClr val="77933C"/>
-                  </a:solidFill>
-                </a:defRPr>
-              </a:lvl1pPr>
-            </a:lstStyle>
-            <a:p>
-              <a:pPr/>
-              <a:r>
-                <a:t>ResultDisplay</a:t>
-              </a:r>
-            </a:p>
-          </p:txBody>
-        </p:sp>
-      </p:grpSp>
-      <p:sp>
-        <p:nvSpPr>
-          <p:cNvPr id="182" name="Shape 182"/>
-          <p:cNvSpPr/>
-          <p:nvPr/>
-        </p:nvSpPr>
-        <p:spPr>
-          <a:xfrm>
-            <a:off x="2057400" y="2786379"/>
-            <a:ext cx="524510" cy="980441"/>
-          </a:xfrm>
-          <a:custGeom>
-            <a:avLst/>
-            <a:gdLst/>
-            <a:ahLst/>
-            <a:cxnLst>
-              <a:cxn ang="0">
-                <a:pos x="wd2" y="hd2"/>
-              </a:cxn>
-              <a:cxn ang="5400000">
-                <a:pos x="wd2" y="hd2"/>
-              </a:cxn>
-              <a:cxn ang="10800000">
-                <a:pos x="wd2" y="hd2"/>
-              </a:cxn>
-              <a:cxn ang="16200000">
-                <a:pos x="wd2" y="hd2"/>
-              </a:cxn>
-            </a:cxnLst>
-            <a:rect l="0" t="0" r="r" b="b"/>
-            <a:pathLst>
-              <a:path w="21600" h="21600" fill="norm" stroke="1" extrusionOk="0">
-                <a:moveTo>
-                  <a:pt x="10460" y="0"/>
-                </a:moveTo>
-                <a:lnTo>
-                  <a:pt x="0" y="0"/>
-                </a:lnTo>
-                <a:lnTo>
-                  <a:pt x="0" y="21600"/>
-                </a:lnTo>
-                <a:lnTo>
-                  <a:pt x="21600" y="21600"/>
-                </a:lnTo>
-              </a:path>
-            </a:pathLst>
-          </a:custGeom>
-          <a:ln w="19050">
-            <a:solidFill>
-              <a:schemeClr val="accent3"/>
-            </a:solidFill>
-            <a:tailEnd type="triangle"/>
-          </a:ln>
-        </p:spPr>
-        <p:txBody>
-          <a:bodyPr/>
-          <a:lstStyle/>
-          <a:p>
-            <a:pPr/>
-          </a:p>
-        </p:txBody>
-      </p:sp>
-      <p:sp>
-        <p:nvSpPr>
-          <p:cNvPr id="183" name="Shape 183"/>
-          <p:cNvSpPr/>
-          <p:nvPr/>
-        </p:nvSpPr>
-        <p:spPr>
-          <a:xfrm>
-            <a:off x="2057400" y="2786379"/>
-            <a:ext cx="524510" cy="1323341"/>
-          </a:xfrm>
-          <a:custGeom>
-            <a:avLst/>
-            <a:gdLst/>
-            <a:ahLst/>
-            <a:cxnLst>
-              <a:cxn ang="0">
-                <a:pos x="wd2" y="hd2"/>
-              </a:cxn>
-              <a:cxn ang="5400000">
-                <a:pos x="wd2" y="hd2"/>
-              </a:cxn>
-              <a:cxn ang="10800000">
-                <a:pos x="wd2" y="hd2"/>
-              </a:cxn>
-              <a:cxn ang="16200000">
-                <a:pos x="wd2" y="hd2"/>
-              </a:cxn>
-            </a:cxnLst>
-            <a:rect l="0" t="0" r="r" b="b"/>
-            <a:pathLst>
-              <a:path w="21600" h="21600" fill="norm" stroke="1" extrusionOk="0">
-                <a:moveTo>
-                  <a:pt x="10460" y="0"/>
-                </a:moveTo>
-                <a:lnTo>
-                  <a:pt x="0" y="0"/>
-                </a:lnTo>
-                <a:lnTo>
-                  <a:pt x="0" y="21600"/>
-                </a:lnTo>
-                <a:lnTo>
-                  <a:pt x="21600" y="21600"/>
-                </a:lnTo>
-              </a:path>
-            </a:pathLst>
-          </a:custGeom>
-          <a:ln w="19050">
-            <a:solidFill>
-              <a:schemeClr val="accent3"/>
-            </a:solidFill>
-            <a:tailEnd type="triangle"/>
-          </a:ln>
-        </p:spPr>
-        <p:txBody>
-          <a:bodyPr/>
-          <a:lstStyle/>
-          <a:p>
-            <a:pPr/>
-          </a:p>
-        </p:txBody>
-      </p:sp>
-      <p:sp>
-        <p:nvSpPr>
-          <p:cNvPr id="184" name="Shape 184"/>
-          <p:cNvSpPr/>
-          <p:nvPr/>
-        </p:nvSpPr>
-        <p:spPr>
-          <a:xfrm>
-            <a:off x="2057400" y="2786379"/>
-            <a:ext cx="524510" cy="1894841"/>
-          </a:xfrm>
-          <a:custGeom>
-            <a:avLst/>
-            <a:gdLst/>
-            <a:ahLst/>
-            <a:cxnLst>
-              <a:cxn ang="0">
-                <a:pos x="wd2" y="hd2"/>
-              </a:cxn>
-              <a:cxn ang="5400000">
-                <a:pos x="wd2" y="hd2"/>
-              </a:cxn>
-              <a:cxn ang="10800000">
-                <a:pos x="wd2" y="hd2"/>
-              </a:cxn>
-              <a:cxn ang="16200000">
-                <a:pos x="wd2" y="hd2"/>
-              </a:cxn>
-            </a:cxnLst>
-            <a:rect l="0" t="0" r="r" b="b"/>
-            <a:pathLst>
-              <a:path w="21600" h="21600" fill="norm" stroke="1" extrusionOk="0">
-                <a:moveTo>
-                  <a:pt x="10460" y="0"/>
-                </a:moveTo>
-                <a:lnTo>
-                  <a:pt x="0" y="0"/>
-                </a:lnTo>
-                <a:lnTo>
-                  <a:pt x="0" y="21600"/>
-                </a:lnTo>
-                <a:lnTo>
-                  <a:pt x="21600" y="21600"/>
-                </a:lnTo>
-              </a:path>
-            </a:pathLst>
-          </a:custGeom>
-          <a:ln w="19050">
-            <a:solidFill>
-              <a:schemeClr val="accent3"/>
-            </a:solidFill>
-            <a:tailEnd type="triangle"/>
-          </a:ln>
-        </p:spPr>
-        <p:txBody>
-          <a:bodyPr/>
-          <a:lstStyle/>
-          <a:p>
-            <a:pPr/>
-          </a:p>
-        </p:txBody>
-      </p:sp>
-      <p:sp>
-        <p:nvSpPr>
-          <p:cNvPr id="153" name="Shape 153"/>
-          <p:cNvSpPr/>
-          <p:nvPr/>
-        </p:nvSpPr>
-        <p:spPr>
-          <a:xfrm flipH="1" rot="16200000">
-            <a:off x="1184118" y="3676012"/>
-            <a:ext cx="2396441" cy="420378"/>
-          </a:xfrm>
-          <a:custGeom>
-            <a:avLst/>
-            <a:gdLst/>
-            <a:ahLst/>
-            <a:cxnLst>
-              <a:cxn ang="0">
-                <a:pos x="wd2" y="hd2"/>
-              </a:cxn>
-              <a:cxn ang="5400000">
-                <a:pos x="wd2" y="hd2"/>
-              </a:cxn>
-              <a:cxn ang="10800000">
-                <a:pos x="wd2" y="hd2"/>
-              </a:cxn>
-              <a:cxn ang="16200000">
-                <a:pos x="wd2" y="hd2"/>
-              </a:cxn>
-            </a:cxnLst>
-            <a:rect l="0" t="0" r="r" b="b"/>
-            <a:pathLst>
-              <a:path w="21600" h="21600" fill="norm" stroke="1" extrusionOk="0">
-                <a:moveTo>
-                  <a:pt x="0" y="0"/>
-                </a:moveTo>
-                <a:lnTo>
-                  <a:pt x="21600" y="0"/>
-                </a:lnTo>
-                <a:lnTo>
-                  <a:pt x="21600" y="21600"/>
-                </a:lnTo>
-              </a:path>
-            </a:pathLst>
-          </a:custGeom>
-          <a:ln w="19050">
-            <a:solidFill>
-              <a:schemeClr val="accent3"/>
-            </a:solidFill>
-            <a:tailEnd type="triangle"/>
-          </a:ln>
-        </p:spPr>
-        <p:txBody>
-          <a:bodyPr lIns="45719" rIns="45719" anchor="ctr"/>
-          <a:lstStyle/>
-          <a:p>
-            <a:pPr/>
-          </a:p>
-        </p:txBody>
-      </p:sp>
-      <p:grpSp>
-        <p:nvGrpSpPr>
-          <p:cNvPr id="156" name="Group 156"/>
-          <p:cNvGrpSpPr/>
-          <p:nvPr/>
-        </p:nvGrpSpPr>
-        <p:grpSpPr>
-          <a:xfrm>
-            <a:off x="5143948" y="1758884"/>
-            <a:ext cx="772044" cy="370841"/>
-            <a:chOff x="0" y="0"/>
-            <a:chExt cx="772042" cy="370840"/>
-          </a:xfrm>
-        </p:grpSpPr>
-        <p:sp>
-          <p:nvSpPr>
-            <p:cNvPr id="154" name="Shape 154"/>
-            <p:cNvSpPr/>
-            <p:nvPr/>
-          </p:nvSpPr>
-          <p:spPr>
-            <a:xfrm>
-              <a:off x="0" y="12039"/>
-              <a:ext cx="772043" cy="346761"/>
-            </a:xfrm>
-            <a:prstGeom prst="rect">
-              <a:avLst/>
-            </a:prstGeom>
-            <a:gradFill flip="none" rotWithShape="1">
-              <a:gsLst>
-                <a:gs pos="0">
-                  <a:schemeClr val="accent3">
-                    <a:hueOff val="263624"/>
-                    <a:satOff val="55948"/>
-                    <a:lumOff val="27907"/>
-                  </a:schemeClr>
-                </a:gs>
-                <a:gs pos="35000">
-                  <a:srgbClr val="E4FDBF"/>
-                </a:gs>
-                <a:gs pos="100000">
-                  <a:schemeClr val="accent3">
-                    <a:hueOff val="321486"/>
-                    <a:satOff val="58119"/>
-                    <a:lumOff val="40966"/>
-                  </a:schemeClr>
-                </a:gs>
-              </a:gsLst>
-              <a:lin ang="16200000" scaled="0"/>
-            </a:gradFill>
-            <a:ln w="6350" cap="flat">
-              <a:solidFill>
-                <a:schemeClr val="accent3"/>
-              </a:solidFill>
-              <a:prstDash val="solid"/>
-              <a:round/>
-            </a:ln>
-            <a:effectLst/>
-          </p:spPr>
-          <p:txBody>
-            <a:bodyPr wrap="square" lIns="45719" tIns="45719" rIns="45719" bIns="45719" numCol="1" anchor="ctr">
-              <a:noAutofit/>
-            </a:bodyPr>
-            <a:lstStyle/>
-            <a:p>
-              <a:pPr algn="ctr">
-                <a:defRPr b="1" sz="1000">
-                  <a:solidFill>
-                    <a:srgbClr val="77933C"/>
-                  </a:solidFill>
-                </a:defRPr>
-              </a:pPr>
-            </a:p>
-          </p:txBody>
-        </p:sp>
-        <p:sp>
-          <p:nvSpPr>
-            <p:cNvPr id="155" name="Shape 155"/>
-            <p:cNvSpPr/>
-            <p:nvPr/>
-          </p:nvSpPr>
-          <p:spPr>
-            <a:xfrm>
-              <a:off x="0" y="0"/>
-              <a:ext cx="772043" cy="370840"/>
-            </a:xfrm>
-            <a:prstGeom prst="rect">
-              <a:avLst/>
-            </a:prstGeom>
-            <a:noFill/>
-            <a:ln w="12700" cap="flat">
-              <a:noFill/>
-              <a:miter lim="400000"/>
-            </a:ln>
-            <a:effectLst/>
-            <a:extLst>
-              <a:ext uri="{C572A759-6A51-4108-AA02-DFA0A04FC94B}">
-                <ma14:wrappingTextBoxFlag xmlns:ma14="http://schemas.microsoft.com/office/mac/drawingml/2011/main" val="1"/>
-              </a:ext>
-            </a:extLst>
-          </p:spPr>
-          <p:txBody>
-            <a:bodyPr wrap="square" lIns="45719" tIns="45719" rIns="45719" bIns="45719" numCol="1" anchor="ctr">
-              <a:spAutoFit/>
-            </a:bodyPr>
-            <a:lstStyle/>
-            <a:p>
-              <a:pPr algn="ctr">
-                <a:defRPr b="1" sz="1000">
-                  <a:solidFill>
-                    <a:srgbClr val="77933C"/>
-                  </a:solidFill>
-                </a:defRPr>
-              </a:pPr>
-              <a:r>
-                <a:t>{abstract}</a:t>
-              </a:r>
-              <a:br/>
-              <a:r>
-                <a:t>UiPart</a:t>
-              </a:r>
-            </a:p>
-          </p:txBody>
-        </p:sp>
-      </p:grpSp>
-      <p:sp>
-        <p:nvSpPr>
-          <p:cNvPr id="185" name="Shape 185"/>
-          <p:cNvSpPr/>
-          <p:nvPr/>
-        </p:nvSpPr>
-        <p:spPr>
-          <a:xfrm>
-            <a:off x="3694430" y="2288540"/>
-            <a:ext cx="1835150" cy="1134110"/>
-          </a:xfrm>
-          <a:custGeom>
-            <a:avLst/>
-            <a:gdLst/>
-            <a:ahLst/>
-            <a:cxnLst>
-              <a:cxn ang="0">
-                <a:pos x="wd2" y="hd2"/>
-              </a:cxn>
-              <a:cxn ang="5400000">
-                <a:pos x="wd2" y="hd2"/>
-              </a:cxn>
-              <a:cxn ang="10800000">
-                <a:pos x="wd2" y="hd2"/>
-              </a:cxn>
-              <a:cxn ang="16200000">
-                <a:pos x="wd2" y="hd2"/>
-              </a:cxn>
-            </a:cxnLst>
-            <a:rect l="0" t="0" r="r" b="b"/>
-            <a:pathLst>
-              <a:path w="21600" h="21600" fill="norm" stroke="1" extrusionOk="0">
-                <a:moveTo>
-                  <a:pt x="0" y="21600"/>
-                </a:moveTo>
-                <a:lnTo>
-                  <a:pt x="21600" y="21600"/>
-                </a:lnTo>
-                <a:lnTo>
-                  <a:pt x="21600" y="0"/>
-                </a:lnTo>
-              </a:path>
-            </a:pathLst>
-          </a:custGeom>
-          <a:ln w="6350">
-            <a:solidFill>
-              <a:schemeClr val="accent3"/>
-            </a:solidFill>
-          </a:ln>
-        </p:spPr>
-        <p:txBody>
-          <a:bodyPr/>
-          <a:lstStyle/>
-          <a:p>
-            <a:pPr/>
-          </a:p>
-        </p:txBody>
-      </p:sp>
-      <p:sp>
-        <p:nvSpPr>
-          <p:cNvPr id="186" name="Shape 186"/>
-          <p:cNvSpPr/>
-          <p:nvPr/>
-        </p:nvSpPr>
-        <p:spPr>
-          <a:xfrm>
-            <a:off x="4889500" y="2288540"/>
-            <a:ext cx="640080" cy="2058670"/>
-          </a:xfrm>
-          <a:custGeom>
-            <a:avLst/>
-            <a:gdLst/>
-            <a:ahLst/>
-            <a:cxnLst>
-              <a:cxn ang="0">
-                <a:pos x="wd2" y="hd2"/>
-              </a:cxn>
-              <a:cxn ang="5400000">
-                <a:pos x="wd2" y="hd2"/>
-              </a:cxn>
-              <a:cxn ang="10800000">
-                <a:pos x="wd2" y="hd2"/>
-              </a:cxn>
-              <a:cxn ang="16200000">
-                <a:pos x="wd2" y="hd2"/>
-              </a:cxn>
-            </a:cxnLst>
-            <a:rect l="0" t="0" r="r" b="b"/>
-            <a:pathLst>
-              <a:path w="21600" h="21600" fill="norm" stroke="1" extrusionOk="0">
-                <a:moveTo>
-                  <a:pt x="21600" y="0"/>
-                </a:moveTo>
-                <a:lnTo>
-                  <a:pt x="21600" y="21600"/>
-                </a:lnTo>
-                <a:lnTo>
-                  <a:pt x="0" y="21600"/>
-                </a:lnTo>
-              </a:path>
-            </a:pathLst>
-          </a:custGeom>
-          <a:ln w="6350">
-            <a:solidFill>
-              <a:schemeClr val="accent3"/>
-            </a:solidFill>
-          </a:ln>
-        </p:spPr>
-        <p:txBody>
-          <a:bodyPr/>
-          <a:lstStyle/>
-          <a:p>
-            <a:pPr/>
-          </a:p>
-        </p:txBody>
-      </p:sp>
-      <p:sp>
-        <p:nvSpPr>
-          <p:cNvPr id="187" name="Shape 187"/>
-          <p:cNvSpPr/>
-          <p:nvPr/>
-        </p:nvSpPr>
-        <p:spPr>
-          <a:xfrm>
-            <a:off x="3695700" y="2288540"/>
-            <a:ext cx="1833880" cy="1478281"/>
-          </a:xfrm>
-          <a:custGeom>
-            <a:avLst/>
-            <a:gdLst/>
-            <a:ahLst/>
-            <a:cxnLst>
-              <a:cxn ang="0">
-                <a:pos x="wd2" y="hd2"/>
-              </a:cxn>
-              <a:cxn ang="5400000">
-                <a:pos x="wd2" y="hd2"/>
-              </a:cxn>
-              <a:cxn ang="10800000">
-                <a:pos x="wd2" y="hd2"/>
-              </a:cxn>
-              <a:cxn ang="16200000">
-                <a:pos x="wd2" y="hd2"/>
-              </a:cxn>
-            </a:cxnLst>
-            <a:rect l="0" t="0" r="r" b="b"/>
-            <a:pathLst>
-              <a:path w="21600" h="21600" fill="norm" stroke="1" extrusionOk="0">
-                <a:moveTo>
-                  <a:pt x="21600" y="0"/>
-                </a:moveTo>
-                <a:lnTo>
-                  <a:pt x="21600" y="21600"/>
-                </a:lnTo>
-                <a:lnTo>
-                  <a:pt x="0" y="21600"/>
-                </a:lnTo>
-              </a:path>
-            </a:pathLst>
-          </a:custGeom>
-          <a:ln w="6350">
-            <a:solidFill>
-              <a:schemeClr val="accent3"/>
-            </a:solidFill>
-          </a:ln>
-        </p:spPr>
-        <p:txBody>
-          <a:bodyPr/>
-          <a:lstStyle/>
-          <a:p>
-            <a:pPr/>
-          </a:p>
-        </p:txBody>
-      </p:sp>
-      <p:sp>
-        <p:nvSpPr>
-          <p:cNvPr id="188" name="Shape 188"/>
-          <p:cNvSpPr/>
-          <p:nvPr/>
-        </p:nvSpPr>
-        <p:spPr>
-          <a:xfrm>
-            <a:off x="2641600" y="2288540"/>
-            <a:ext cx="2887981" cy="662940"/>
-          </a:xfrm>
-          <a:custGeom>
-            <a:avLst/>
-            <a:gdLst/>
-            <a:ahLst/>
-            <a:cxnLst>
-              <a:cxn ang="0">
-                <a:pos x="wd2" y="hd2"/>
-              </a:cxn>
-              <a:cxn ang="5400000">
-                <a:pos x="wd2" y="hd2"/>
-              </a:cxn>
-              <a:cxn ang="10800000">
-                <a:pos x="wd2" y="hd2"/>
-              </a:cxn>
-              <a:cxn ang="16200000">
-                <a:pos x="wd2" y="hd2"/>
-              </a:cxn>
-            </a:cxnLst>
-            <a:rect l="0" t="0" r="r" b="b"/>
-            <a:pathLst>
-              <a:path w="21600" h="21600" fill="norm" stroke="1" extrusionOk="0">
-                <a:moveTo>
-                  <a:pt x="0" y="13324"/>
-                </a:moveTo>
-                <a:lnTo>
-                  <a:pt x="0" y="21600"/>
-                </a:lnTo>
-                <a:lnTo>
-                  <a:pt x="21600" y="21600"/>
-                </a:lnTo>
-                <a:lnTo>
-                  <a:pt x="21600" y="0"/>
-                </a:lnTo>
-              </a:path>
-            </a:pathLst>
-          </a:custGeom>
-          <a:ln w="6350">
-            <a:solidFill>
-              <a:schemeClr val="accent3"/>
-            </a:solidFill>
-          </a:ln>
-        </p:spPr>
-        <p:txBody>
-          <a:bodyPr/>
-          <a:lstStyle/>
-          <a:p>
-            <a:pPr/>
-          </a:p>
-        </p:txBody>
-      </p:sp>
-      <p:sp>
-        <p:nvSpPr>
-          <p:cNvPr id="189" name="Shape 189"/>
-          <p:cNvSpPr/>
-          <p:nvPr/>
-        </p:nvSpPr>
-        <p:spPr>
-          <a:xfrm>
-            <a:off x="3695700" y="2288540"/>
-            <a:ext cx="1833880" cy="2392680"/>
-          </a:xfrm>
-          <a:custGeom>
-            <a:avLst/>
-            <a:gdLst/>
-            <a:ahLst/>
-            <a:cxnLst>
-              <a:cxn ang="0">
-                <a:pos x="wd2" y="hd2"/>
-              </a:cxn>
-              <a:cxn ang="5400000">
-                <a:pos x="wd2" y="hd2"/>
-              </a:cxn>
-              <a:cxn ang="10800000">
-                <a:pos x="wd2" y="hd2"/>
-              </a:cxn>
-              <a:cxn ang="16200000">
-                <a:pos x="wd2" y="hd2"/>
-              </a:cxn>
-            </a:cxnLst>
-            <a:rect l="0" t="0" r="r" b="b"/>
-            <a:pathLst>
-              <a:path w="21600" h="21600" fill="norm" stroke="1" extrusionOk="0">
-                <a:moveTo>
-                  <a:pt x="21600" y="0"/>
-                </a:moveTo>
-                <a:lnTo>
-                  <a:pt x="21600" y="21600"/>
-                </a:lnTo>
-                <a:lnTo>
-                  <a:pt x="0" y="21600"/>
-                </a:lnTo>
-              </a:path>
-            </a:pathLst>
-          </a:custGeom>
-          <a:ln w="6350">
-            <a:solidFill>
-              <a:schemeClr val="accent3"/>
-            </a:solidFill>
-          </a:ln>
-        </p:spPr>
-        <p:txBody>
-          <a:bodyPr/>
-          <a:lstStyle/>
-          <a:p>
-            <a:pPr/>
-          </a:p>
-        </p:txBody>
-      </p:sp>
-      <p:sp>
-        <p:nvSpPr>
-          <p:cNvPr id="190" name="Shape 190"/>
-          <p:cNvSpPr/>
-          <p:nvPr/>
-        </p:nvSpPr>
-        <p:spPr>
-          <a:xfrm>
-            <a:off x="3695700" y="2288540"/>
-            <a:ext cx="1833880" cy="2795270"/>
-          </a:xfrm>
-          <a:custGeom>
-            <a:avLst/>
-            <a:gdLst/>
-            <a:ahLst/>
-            <a:cxnLst>
-              <a:cxn ang="0">
-                <a:pos x="wd2" y="hd2"/>
-              </a:cxn>
-              <a:cxn ang="5400000">
-                <a:pos x="wd2" y="hd2"/>
-              </a:cxn>
-              <a:cxn ang="10800000">
-                <a:pos x="wd2" y="hd2"/>
-              </a:cxn>
-              <a:cxn ang="16200000">
-                <a:pos x="wd2" y="hd2"/>
-              </a:cxn>
-            </a:cxnLst>
-            <a:rect l="0" t="0" r="r" b="b"/>
-            <a:pathLst>
-              <a:path w="21600" h="21600" fill="norm" stroke="1" extrusionOk="0">
-                <a:moveTo>
-                  <a:pt x="21600" y="0"/>
-                </a:moveTo>
-                <a:lnTo>
-                  <a:pt x="21600" y="21600"/>
-                </a:lnTo>
-                <a:lnTo>
-                  <a:pt x="0" y="21600"/>
-                </a:lnTo>
-              </a:path>
-            </a:pathLst>
-          </a:custGeom>
-          <a:ln w="6350">
-            <a:solidFill>
-              <a:schemeClr val="accent3"/>
-            </a:solidFill>
-          </a:ln>
-        </p:spPr>
-        <p:txBody>
-          <a:bodyPr/>
-          <a:lstStyle/>
-          <a:p>
-            <a:pPr/>
-          </a:p>
-        </p:txBody>
-      </p:sp>
-      <p:sp>
-        <p:nvSpPr>
-          <p:cNvPr id="163" name="Shape 163"/>
-          <p:cNvSpPr/>
-          <p:nvPr/>
-        </p:nvSpPr>
-        <p:spPr>
-          <a:xfrm flipH="1" flipV="1" rot="5400000">
-            <a:off x="4594920" y="-355061"/>
-            <a:ext cx="170725" cy="4081246"/>
-          </a:xfrm>
-          <a:custGeom>
-            <a:avLst/>
-            <a:gdLst/>
-            <a:ahLst/>
-            <a:cxnLst>
-              <a:cxn ang="0">
-                <a:pos x="wd2" y="hd2"/>
-              </a:cxn>
-              <a:cxn ang="5400000">
-                <a:pos x="wd2" y="hd2"/>
-              </a:cxn>
-              <a:cxn ang="10800000">
-                <a:pos x="wd2" y="hd2"/>
-              </a:cxn>
-              <a:cxn ang="16200000">
-                <a:pos x="wd2" y="hd2"/>
-              </a:cxn>
-            </a:cxnLst>
-            <a:rect l="0" t="0" r="r" b="b"/>
-            <a:pathLst>
-              <a:path w="21600" h="21600" fill="norm" stroke="1" extrusionOk="0">
-                <a:moveTo>
-                  <a:pt x="0" y="0"/>
-                </a:moveTo>
-                <a:lnTo>
-                  <a:pt x="21600" y="0"/>
-                </a:lnTo>
-                <a:lnTo>
-                  <a:pt x="21600" y="21600"/>
-                </a:lnTo>
-              </a:path>
-            </a:pathLst>
-          </a:custGeom>
-          <a:ln w="19050">
-            <a:solidFill>
-              <a:srgbClr val="00B050"/>
-            </a:solidFill>
-            <a:tailEnd type="triangle"/>
-          </a:ln>
-        </p:spPr>
-        <p:txBody>
-          <a:bodyPr lIns="45719" rIns="45719" anchor="ctr"/>
-          <a:lstStyle/>
-          <a:p>
-            <a:pPr/>
-          </a:p>
-        </p:txBody>
-      </p:sp>
-      <p:grpSp>
-        <p:nvGrpSpPr>
-          <p:cNvPr id="166" name="Group 166"/>
-          <p:cNvGrpSpPr/>
-          <p:nvPr/>
-        </p:nvGrpSpPr>
-        <p:grpSpPr>
-          <a:xfrm>
-            <a:off x="6735515" y="4038598"/>
-            <a:ext cx="328046" cy="1371600"/>
-            <a:chOff x="0" y="0"/>
-            <a:chExt cx="328045" cy="1371599"/>
-          </a:xfrm>
-        </p:grpSpPr>
-        <p:sp>
-          <p:nvSpPr>
-            <p:cNvPr id="164" name="Shape 164"/>
-            <p:cNvSpPr/>
-            <p:nvPr/>
-          </p:nvSpPr>
-          <p:spPr>
-            <a:xfrm rot="16200000">
-              <a:off x="-521778" y="521777"/>
-              <a:ext cx="1371601" cy="328046"/>
-            </a:xfrm>
-            <a:prstGeom prst="roundRect">
-              <a:avLst>
-                <a:gd name="adj" fmla="val 16667"/>
-              </a:avLst>
-            </a:prstGeom>
-            <a:solidFill>
-              <a:srgbClr val="E6E0EC"/>
-            </a:solidFill>
-            <a:ln w="12700" cap="flat">
-              <a:noFill/>
-              <a:miter lim="400000"/>
-            </a:ln>
-            <a:effectLst/>
-          </p:spPr>
-          <p:txBody>
-            <a:bodyPr wrap="square" lIns="45719" tIns="45719" rIns="45719" bIns="45719" numCol="1" anchor="ctr">
-              <a:noAutofit/>
-            </a:bodyPr>
-            <a:lstStyle/>
-            <a:p>
-              <a:pPr algn="ctr">
-                <a:defRPr b="1" sz="1100">
-                  <a:solidFill>
-                    <a:srgbClr val="FFFFFF"/>
-                  </a:solidFill>
-                </a:defRPr>
-              </a:pPr>
-            </a:p>
-          </p:txBody>
-        </p:sp>
-        <p:sp>
-          <p:nvSpPr>
-            <p:cNvPr id="165" name="Shape 165"/>
-            <p:cNvSpPr/>
-            <p:nvPr/>
-          </p:nvSpPr>
-          <p:spPr>
-            <a:xfrm rot="16200000">
-              <a:off x="-505764" y="563879"/>
-              <a:ext cx="1339573" cy="243841"/>
-            </a:xfrm>
-            <a:prstGeom prst="rect">
-              <a:avLst/>
-            </a:prstGeom>
-            <a:noFill/>
-            <a:ln w="12700" cap="flat">
-              <a:noFill/>
-              <a:miter lim="400000"/>
-            </a:ln>
-            <a:effectLst/>
-            <a:extLst>
-              <a:ext uri="{C572A759-6A51-4108-AA02-DFA0A04FC94B}">
-                <ma14:wrappingTextBoxFlag xmlns:ma14="http://schemas.microsoft.com/office/mac/drawingml/2011/main" val="1"/>
-              </a:ext>
-            </a:extLst>
-          </p:spPr>
-          <p:txBody>
-            <a:bodyPr wrap="square" lIns="45719" tIns="45719" rIns="45719" bIns="45719" numCol="1" anchor="ctr">
-              <a:spAutoFit/>
-            </a:bodyPr>
-            <a:lstStyle>
-              <a:lvl1pPr algn="ctr">
-                <a:defRPr b="1" sz="1100">
-                  <a:solidFill>
-                    <a:srgbClr val="FFFFFF"/>
-                  </a:solidFill>
-                </a:defRPr>
-              </a:lvl1pPr>
-            </a:lstStyle>
-            <a:p>
-              <a:pPr/>
-              <a:r>
-                <a:t>Model</a:t>
-              </a:r>
-            </a:p>
-          </p:txBody>
-        </p:sp>
-      </p:grpSp>
-      <p:grpSp>
-        <p:nvGrpSpPr>
-          <p:cNvPr id="169" name="Group 169"/>
-          <p:cNvGrpSpPr/>
-          <p:nvPr/>
-        </p:nvGrpSpPr>
-        <p:grpSpPr>
-          <a:xfrm>
-            <a:off x="1317599" y="2487764"/>
-            <a:ext cx="370841" cy="1093636"/>
-            <a:chOff x="0" y="0"/>
-            <a:chExt cx="370840" cy="1093634"/>
-          </a:xfrm>
-        </p:grpSpPr>
-        <p:sp>
-          <p:nvSpPr>
-            <p:cNvPr id="167" name="Shape 167"/>
-            <p:cNvSpPr/>
-            <p:nvPr/>
-          </p:nvSpPr>
-          <p:spPr>
-            <a:xfrm rot="16200000">
-              <a:off x="-361398" y="373437"/>
-              <a:ext cx="1093636" cy="346761"/>
-            </a:xfrm>
-            <a:prstGeom prst="rect">
-              <a:avLst/>
-            </a:prstGeom>
-            <a:solidFill>
-              <a:srgbClr val="00B050"/>
-            </a:solidFill>
-            <a:ln w="19050" cap="flat">
-              <a:solidFill>
-                <a:srgbClr val="00B050"/>
-              </a:solidFill>
-              <a:prstDash val="solid"/>
-              <a:round/>
-            </a:ln>
-            <a:effectLst/>
-          </p:spPr>
-          <p:txBody>
-            <a:bodyPr wrap="square" lIns="45719" tIns="45719" rIns="45719" bIns="45719" numCol="1" anchor="ctr">
-              <a:noAutofit/>
-            </a:bodyPr>
-            <a:lstStyle/>
-            <a:p>
-              <a:pPr algn="ctr">
-                <a:defRPr sz="1000">
-                  <a:solidFill>
-                    <a:srgbClr val="FFFFFF"/>
-                  </a:solidFill>
-                </a:defRPr>
-              </a:pPr>
-            </a:p>
-          </p:txBody>
-        </p:sp>
-        <p:sp>
-          <p:nvSpPr>
-            <p:cNvPr id="168" name="Shape 168"/>
-            <p:cNvSpPr/>
-            <p:nvPr/>
-          </p:nvSpPr>
-          <p:spPr>
-            <a:xfrm rot="16200000">
-              <a:off x="-361398" y="361397"/>
-              <a:ext cx="1093636" cy="370841"/>
-            </a:xfrm>
-            <a:prstGeom prst="rect">
-              <a:avLst/>
-            </a:prstGeom>
-            <a:noFill/>
-            <a:ln w="12700" cap="flat">
-              <a:noFill/>
-              <a:miter lim="400000"/>
-            </a:ln>
-            <a:effectLst/>
-            <a:extLst>
-              <a:ext uri="{C572A759-6A51-4108-AA02-DFA0A04FC94B}">
-                <ma14:wrappingTextBoxFlag xmlns:ma14="http://schemas.microsoft.com/office/mac/drawingml/2011/main" val="1"/>
-              </a:ext>
-            </a:extLst>
-          </p:spPr>
-          <p:txBody>
-            <a:bodyPr wrap="square" lIns="45719" tIns="45719" rIns="45719" bIns="45719" numCol="1" anchor="ctr">
-              <a:spAutoFit/>
-            </a:bodyPr>
-            <a:lstStyle/>
-            <a:p>
-              <a:pPr algn="ctr">
-                <a:defRPr sz="1000">
-                  <a:solidFill>
-                    <a:srgbClr val="FFFFFF"/>
-                  </a:solidFill>
-                </a:defRPr>
-              </a:pPr>
-              <a:r>
-                <a:t>&lt;&lt;interface&gt;&gt;</a:t>
-              </a:r>
-            </a:p>
-            <a:p>
-              <a:pPr algn="ctr">
-                <a:defRPr sz="1000">
-                  <a:solidFill>
-                    <a:srgbClr val="FFFFFF"/>
-                  </a:solidFill>
-                </a:defRPr>
-              </a:pPr>
-              <a:r>
-                <a:t>Ui</a:t>
-              </a:r>
-            </a:p>
-          </p:txBody>
-        </p:sp>
-      </p:grpSp>
-      <p:sp>
-        <p:nvSpPr>
-          <p:cNvPr id="170" name="Shape 170"/>
-          <p:cNvSpPr/>
-          <p:nvPr/>
-        </p:nvSpPr>
-        <p:spPr>
-          <a:xfrm flipV="1">
-            <a:off x="1367766" y="2286000"/>
-            <a:ext cx="270506" cy="175524"/>
-          </a:xfrm>
-          <a:prstGeom prst="triangle">
-            <a:avLst/>
-          </a:prstGeom>
-          <a:gradFill>
-            <a:gsLst>
-              <a:gs pos="0">
-                <a:schemeClr val="accent3">
-                  <a:hueOff val="263624"/>
-                  <a:satOff val="55948"/>
-                  <a:lumOff val="27907"/>
-                </a:schemeClr>
-              </a:gs>
-              <a:gs pos="35000">
-                <a:srgbClr val="E4FDBF"/>
-              </a:gs>
-              <a:gs pos="100000">
-                <a:schemeClr val="accent3">
-                  <a:hueOff val="321486"/>
-                  <a:satOff val="58119"/>
-                  <a:lumOff val="40966"/>
-                </a:schemeClr>
-              </a:gs>
-            </a:gsLst>
-            <a:lin ang="16200000"/>
-          </a:gradFill>
-          <a:ln w="19050">
-            <a:solidFill>
-              <a:srgbClr val="00B050"/>
-            </a:solidFill>
-          </a:ln>
-        </p:spPr>
-        <p:txBody>
-          <a:bodyPr lIns="45719" rIns="45719" anchor="ctr"/>
-          <a:lstStyle/>
-          <a:p>
-            <a:pPr algn="ctr">
-              <a:defRPr b="1" sz="1000">
-                <a:solidFill>
-                  <a:srgbClr val="92D050"/>
-                </a:solidFill>
-              </a:defRPr>
-            </a:pPr>
-          </a:p>
-        </p:txBody>
-      </p:sp>
-      <p:sp>
-        <p:nvSpPr>
-          <p:cNvPr id="191" name="Shape 191"/>
-          <p:cNvSpPr/>
-          <p:nvPr/>
-        </p:nvSpPr>
-        <p:spPr>
-          <a:xfrm>
-            <a:off x="1502410" y="1943100"/>
-            <a:ext cx="580390" cy="332740"/>
-          </a:xfrm>
-          <a:custGeom>
-            <a:avLst/>
-            <a:gdLst/>
-            <a:ahLst/>
-            <a:cxnLst>
-              <a:cxn ang="0">
-                <a:pos x="wd2" y="hd2"/>
-              </a:cxn>
-              <a:cxn ang="5400000">
-                <a:pos x="wd2" y="hd2"/>
-              </a:cxn>
-              <a:cxn ang="10800000">
-                <a:pos x="wd2" y="hd2"/>
-              </a:cxn>
-              <a:cxn ang="16200000">
-                <a:pos x="wd2" y="hd2"/>
-              </a:cxn>
-            </a:cxnLst>
-            <a:rect l="0" t="0" r="r" b="b"/>
-            <a:pathLst>
-              <a:path w="21600" h="21600" fill="norm" stroke="1" extrusionOk="0">
-                <a:moveTo>
-                  <a:pt x="21600" y="0"/>
-                </a:moveTo>
-                <a:lnTo>
-                  <a:pt x="0" y="0"/>
-                </a:lnTo>
-                <a:lnTo>
-                  <a:pt x="0" y="21600"/>
-                </a:lnTo>
-              </a:path>
-            </a:pathLst>
-          </a:custGeom>
-          <a:ln w="19050">
-            <a:solidFill>
-              <a:srgbClr val="00B050"/>
-            </a:solidFill>
-            <a:prstDash val="sysDot"/>
-          </a:ln>
-        </p:spPr>
-        <p:txBody>
-          <a:bodyPr/>
-          <a:lstStyle/>
-          <a:p>
-            <a:pPr/>
-          </a:p>
-        </p:txBody>
-      </p:sp>
-      <p:sp>
-        <p:nvSpPr>
-          <p:cNvPr id="192" name="Shape 192"/>
-          <p:cNvSpPr/>
-          <p:nvPr/>
-        </p:nvSpPr>
-        <p:spPr>
-          <a:xfrm>
-            <a:off x="2057400" y="2786379"/>
-            <a:ext cx="523240" cy="636271"/>
-          </a:xfrm>
-          <a:custGeom>
-            <a:avLst/>
-            <a:gdLst/>
-            <a:ahLst/>
-            <a:cxnLst>
-              <a:cxn ang="0">
-                <a:pos x="wd2" y="hd2"/>
-              </a:cxn>
-              <a:cxn ang="5400000">
-                <a:pos x="wd2" y="hd2"/>
-              </a:cxn>
-              <a:cxn ang="10800000">
-                <a:pos x="wd2" y="hd2"/>
-              </a:cxn>
-              <a:cxn ang="16200000">
-                <a:pos x="wd2" y="hd2"/>
-              </a:cxn>
-            </a:cxnLst>
-            <a:rect l="0" t="0" r="r" b="b"/>
-            <a:pathLst>
-              <a:path w="21600" h="21600" fill="norm" stroke="1" extrusionOk="0">
-                <a:moveTo>
-                  <a:pt x="10485" y="0"/>
-                </a:moveTo>
-                <a:lnTo>
-                  <a:pt x="0" y="0"/>
-                </a:lnTo>
-                <a:lnTo>
-                  <a:pt x="0" y="21600"/>
-                </a:lnTo>
-                <a:lnTo>
-                  <a:pt x="21600" y="21600"/>
-                </a:lnTo>
-              </a:path>
-            </a:pathLst>
-          </a:custGeom>
-          <a:ln w="19050">
-            <a:solidFill>
-              <a:schemeClr val="accent3"/>
-            </a:solidFill>
-            <a:tailEnd type="triangle"/>
-          </a:ln>
-        </p:spPr>
-        <p:txBody>
-          <a:bodyPr/>
-          <a:lstStyle/>
-          <a:p>
-            <a:pPr/>
-          </a:p>
-        </p:txBody>
-      </p:sp>
-      <p:sp>
-        <p:nvSpPr>
-          <p:cNvPr id="193" name="Shape 193"/>
-          <p:cNvSpPr/>
-          <p:nvPr/>
-        </p:nvSpPr>
-        <p:spPr>
-          <a:xfrm>
-            <a:off x="3695700" y="2288540"/>
-            <a:ext cx="1833880" cy="801370"/>
-          </a:xfrm>
-          <a:custGeom>
-            <a:avLst/>
-            <a:gdLst/>
-            <a:ahLst/>
-            <a:cxnLst>
-              <a:cxn ang="0">
-                <a:pos x="wd2" y="hd2"/>
-              </a:cxn>
-              <a:cxn ang="5400000">
-                <a:pos x="wd2" y="hd2"/>
-              </a:cxn>
-              <a:cxn ang="10800000">
-                <a:pos x="wd2" y="hd2"/>
-              </a:cxn>
-              <a:cxn ang="16200000">
-                <a:pos x="wd2" y="hd2"/>
-              </a:cxn>
-            </a:cxnLst>
-            <a:rect l="0" t="0" r="r" b="b"/>
-            <a:pathLst>
-              <a:path w="21600" h="21600" fill="norm" stroke="1" extrusionOk="0">
-                <a:moveTo>
-                  <a:pt x="21600" y="0"/>
-                </a:moveTo>
-                <a:lnTo>
-                  <a:pt x="21600" y="21600"/>
-                </a:lnTo>
-                <a:lnTo>
-                  <a:pt x="0" y="21600"/>
-                </a:lnTo>
-              </a:path>
-            </a:pathLst>
-          </a:custGeom>
-          <a:ln w="6350">
-            <a:solidFill>
-              <a:schemeClr val="accent3"/>
-            </a:solidFill>
-          </a:ln>
-        </p:spPr>
-        <p:txBody>
-          <a:bodyPr/>
-          <a:lstStyle/>
-          <a:p>
-            <a:pPr/>
-          </a:p>
-        </p:txBody>
-      </p:sp>
-      <p:sp>
-        <p:nvSpPr>
-          <p:cNvPr id="194" name="Shape 194"/>
-          <p:cNvSpPr/>
-          <p:nvPr/>
-        </p:nvSpPr>
-        <p:spPr>
-          <a:xfrm>
-            <a:off x="2327910" y="4109720"/>
-            <a:ext cx="1501140" cy="237490"/>
-          </a:xfrm>
-          <a:custGeom>
-            <a:avLst/>
-            <a:gdLst/>
-            <a:ahLst/>
-            <a:cxnLst>
-              <a:cxn ang="0">
-                <a:pos x="wd2" y="hd2"/>
-              </a:cxn>
-              <a:cxn ang="5400000">
-                <a:pos x="wd2" y="hd2"/>
-              </a:cxn>
-              <a:cxn ang="10800000">
-                <a:pos x="wd2" y="hd2"/>
-              </a:cxn>
-              <a:cxn ang="16200000">
-                <a:pos x="wd2" y="hd2"/>
-              </a:cxn>
-            </a:cxnLst>
-            <a:rect l="0" t="0" r="r" b="b"/>
-            <a:pathLst>
-              <a:path w="21600" h="21600" fill="norm" stroke="1" extrusionOk="0">
-                <a:moveTo>
-                  <a:pt x="3655" y="0"/>
-                </a:moveTo>
-                <a:lnTo>
-                  <a:pt x="0" y="0"/>
-                </a:lnTo>
-                <a:lnTo>
-                  <a:pt x="0" y="21600"/>
-                </a:lnTo>
-                <a:lnTo>
-                  <a:pt x="21600" y="21600"/>
-                </a:lnTo>
-              </a:path>
-            </a:pathLst>
-          </a:custGeom>
-          <a:ln w="19050">
-            <a:solidFill>
-              <a:schemeClr val="accent3"/>
-            </a:solidFill>
-            <a:tailEnd type="triangle"/>
-          </a:ln>
-        </p:spPr>
-        <p:txBody>
-          <a:bodyPr/>
-          <a:lstStyle/>
-          <a:p>
-            <a:pPr/>
-          </a:p>
-        </p:txBody>
-      </p:sp>
-      <p:sp>
-        <p:nvSpPr>
-          <p:cNvPr id="195" name="Shape 195"/>
-          <p:cNvSpPr/>
-          <p:nvPr/>
-        </p:nvSpPr>
-        <p:spPr>
-          <a:xfrm>
-            <a:off x="3695700" y="2288540"/>
-            <a:ext cx="1833880" cy="1821181"/>
-          </a:xfrm>
-          <a:custGeom>
-            <a:avLst/>
-            <a:gdLst/>
-            <a:ahLst/>
-            <a:cxnLst>
-              <a:cxn ang="0">
-                <a:pos x="wd2" y="hd2"/>
-              </a:cxn>
-              <a:cxn ang="5400000">
-                <a:pos x="wd2" y="hd2"/>
-              </a:cxn>
-              <a:cxn ang="10800000">
-                <a:pos x="wd2" y="hd2"/>
-              </a:cxn>
-              <a:cxn ang="16200000">
-                <a:pos x="wd2" y="hd2"/>
-              </a:cxn>
-            </a:cxnLst>
-            <a:rect l="0" t="0" r="r" b="b"/>
-            <a:pathLst>
-              <a:path w="21600" h="21600" fill="norm" stroke="1" extrusionOk="0">
-                <a:moveTo>
-                  <a:pt x="21600" y="0"/>
-                </a:moveTo>
-                <a:lnTo>
-                  <a:pt x="21600" y="21600"/>
-                </a:lnTo>
-                <a:lnTo>
-                  <a:pt x="0" y="21600"/>
-                </a:lnTo>
-              </a:path>
-            </a:pathLst>
-          </a:custGeom>
-          <a:ln w="6350">
-            <a:solidFill>
-              <a:schemeClr val="accent3"/>
-            </a:solidFill>
-          </a:ln>
-        </p:spPr>
-        <p:txBody>
-          <a:bodyPr/>
-          <a:lstStyle/>
-          <a:p>
-            <a:pPr/>
-          </a:p>
-        </p:txBody>
-      </p:sp>
-      <p:sp>
-        <p:nvSpPr>
-          <p:cNvPr id="176" name="Shape 176"/>
-          <p:cNvSpPr/>
-          <p:nvPr/>
-        </p:nvSpPr>
-        <p:spPr>
-          <a:xfrm>
-            <a:off x="5435896" y="2743199"/>
-            <a:ext cx="229326" cy="166562"/>
-          </a:xfrm>
-          <a:prstGeom prst="rect">
-            <a:avLst/>
-          </a:prstGeom>
-          <a:solidFill>
-            <a:srgbClr val="EBF1DE">
-              <a:alpha val="80000"/>
-            </a:srgbClr>
-          </a:solidFill>
-          <a:ln w="12700">
-            <a:miter lim="400000"/>
-          </a:ln>
-        </p:spPr>
-        <p:txBody>
-          <a:bodyPr lIns="45719" rIns="45719" anchor="ctr"/>
-          <a:lstStyle/>
-          <a:p>
-            <a:pPr algn="ctr">
-              <a:defRPr>
-                <a:solidFill>
-                  <a:srgbClr val="FFFFFF"/>
-                </a:solidFill>
-              </a:defRPr>
-            </a:pPr>
-          </a:p>
-        </p:txBody>
-      </p:sp>
-      <p:sp>
-        <p:nvSpPr>
-          <p:cNvPr id="177" name="Shape 177"/>
-          <p:cNvSpPr/>
-          <p:nvPr/>
-        </p:nvSpPr>
-        <p:spPr>
-          <a:xfrm>
-            <a:off x="3687514" y="2828801"/>
-            <a:ext cx="3048001" cy="203201"/>
-          </a:xfrm>
-          <a:custGeom>
-            <a:avLst/>
-            <a:gdLst/>
-            <a:ahLst/>
-            <a:cxnLst>
-              <a:cxn ang="0">
-                <a:pos x="wd2" y="hd2"/>
-              </a:cxn>
-              <a:cxn ang="5400000">
-                <a:pos x="wd2" y="hd2"/>
-              </a:cxn>
-              <a:cxn ang="10800000">
-                <a:pos x="wd2" y="hd2"/>
-              </a:cxn>
-              <a:cxn ang="16200000">
-                <a:pos x="wd2" y="hd2"/>
-              </a:cxn>
-            </a:cxnLst>
-            <a:rect l="0" t="0" r="r" b="b"/>
-            <a:pathLst>
-              <a:path w="21600" h="21600" fill="norm" stroke="1" extrusionOk="0">
-                <a:moveTo>
-                  <a:pt x="0" y="21600"/>
-                </a:moveTo>
-                <a:lnTo>
-                  <a:pt x="1571" y="0"/>
-                </a:lnTo>
-                <a:lnTo>
-                  <a:pt x="21600" y="0"/>
-                </a:lnTo>
-              </a:path>
-            </a:pathLst>
-          </a:custGeom>
-          <a:ln w="19050">
-            <a:solidFill>
-              <a:schemeClr val="accent3"/>
-            </a:solidFill>
-            <a:tailEnd type="triangle"/>
-          </a:ln>
-        </p:spPr>
-        <p:txBody>
-          <a:bodyPr lIns="45719" rIns="45719" anchor="ctr"/>
-          <a:lstStyle/>
-          <a:p>
-            <a:pPr algn="ctr"/>
-          </a:p>
-        </p:txBody>
-      </p:sp>
-      <p:sp>
-        <p:nvSpPr>
-          <p:cNvPr id="178" name="Shape 178"/>
-          <p:cNvSpPr/>
-          <p:nvPr/>
-        </p:nvSpPr>
-        <p:spPr>
-          <a:xfrm>
-            <a:off x="5431573" y="4488138"/>
-            <a:ext cx="229326" cy="160063"/>
-          </a:xfrm>
-          <a:prstGeom prst="rect">
-            <a:avLst/>
-          </a:prstGeom>
-          <a:solidFill>
-            <a:srgbClr val="EBF1DE">
-              <a:alpha val="80000"/>
-            </a:srgbClr>
-          </a:solidFill>
-          <a:ln w="12700">
-            <a:miter lim="400000"/>
-          </a:ln>
-        </p:spPr>
-        <p:txBody>
-          <a:bodyPr lIns="45719" rIns="45719" anchor="ctr"/>
-          <a:lstStyle/>
-          <a:p>
-            <a:pPr algn="ctr">
-              <a:defRPr>
-                <a:solidFill>
-                  <a:srgbClr val="FFFFFF"/>
-                </a:solidFill>
-              </a:defRPr>
-            </a:pPr>
-          </a:p>
-        </p:txBody>
-      </p:sp>
-      <p:sp>
-        <p:nvSpPr>
-          <p:cNvPr id="179" name="Shape 179"/>
-          <p:cNvSpPr/>
-          <p:nvPr/>
-        </p:nvSpPr>
-        <p:spPr>
-          <a:xfrm flipV="1">
-            <a:off x="4114798" y="4472707"/>
-            <a:ext cx="2642196" cy="101601"/>
-          </a:xfrm>
-          <a:custGeom>
-            <a:avLst/>
-            <a:gdLst/>
-            <a:ahLst/>
-            <a:cxnLst>
-              <a:cxn ang="0">
-                <a:pos x="wd2" y="hd2"/>
-              </a:cxn>
-              <a:cxn ang="5400000">
-                <a:pos x="wd2" y="hd2"/>
-              </a:cxn>
-              <a:cxn ang="10800000">
-                <a:pos x="wd2" y="hd2"/>
-              </a:cxn>
-              <a:cxn ang="16200000">
-                <a:pos x="wd2" y="hd2"/>
-              </a:cxn>
-            </a:cxnLst>
-            <a:rect l="0" t="0" r="r" b="b"/>
-            <a:pathLst>
-              <a:path w="21600" h="21600" fill="norm" stroke="1" extrusionOk="0">
-                <a:moveTo>
-                  <a:pt x="0" y="21600"/>
-                </a:moveTo>
-                <a:lnTo>
-                  <a:pt x="1571" y="0"/>
-                </a:lnTo>
-                <a:lnTo>
-                  <a:pt x="21600" y="0"/>
-                </a:lnTo>
-              </a:path>
-            </a:pathLst>
-          </a:custGeom>
-          <a:ln w="19050">
-            <a:solidFill>
-              <a:schemeClr val="accent3"/>
-            </a:solidFill>
-            <a:prstDash val="sysDot"/>
-            <a:tailEnd type="triangle"/>
-          </a:ln>
-        </p:spPr>
-        <p:txBody>
-          <a:bodyPr lIns="45719" rIns="45719" anchor="ctr"/>
-          <a:lstStyle/>
-          <a:p>
-            <a:pPr algn="ctr"/>
-          </a:p>
-        </p:txBody>
-      </p:sp>
     </p:spTree>
   </p:cSld>
   <p:clrMapOvr>
     <a:masterClrMapping/>
   </p:clrMapOvr>
-  <p:transition xmlns:p14="http://schemas.microsoft.com/office/powerpoint/2010/main" spd="med" advClick="1"/>
+  <p:transition spd="med"/>
 </p:sld>
 </file>
 
 <file path=ppt/theme/theme1.xml><?xml version="1.0" encoding="utf-8"?>
-<a:theme xmlns:a="http://schemas.openxmlformats.org/drawingml/2006/main" xmlns:r="http://schemas.openxmlformats.org/officeDocument/2006/relationships" name="Office Theme">
+<a:theme xmlns:a="http://schemas.openxmlformats.org/drawingml/2006/main" name="Office Theme">
   <a:themeElements>
     <a:clrScheme name="Office Theme">
       <a:dk1>
@@ -6343,7 +6473,7 @@
       <a:effectStyleLst>
         <a:effectStyle>
           <a:effectLst>
-            <a:outerShdw sx="100000" sy="100000" kx="0" ky="0" algn="b" rotWithShape="0" blurRad="38100" dist="23000" dir="5400000">
+            <a:outerShdw blurRad="38100" dist="23000" dir="5400000" rotWithShape="0">
               <a:srgbClr val="000000">
                 <a:alpha val="35000"/>
               </a:srgbClr>
@@ -6352,7 +6482,7 @@
         </a:effectStyle>
         <a:effectStyle>
           <a:effectLst>
-            <a:outerShdw sx="100000" sy="100000" kx="0" ky="0" algn="b" rotWithShape="0" blurRad="38100" dist="23000" dir="5400000">
+            <a:outerShdw blurRad="38100" dist="23000" dir="5400000" rotWithShape="0">
               <a:srgbClr val="000000">
                 <a:alpha val="35000"/>
               </a:srgbClr>
@@ -6361,7 +6491,7 @@
         </a:effectStyle>
         <a:effectStyle>
           <a:effectLst>
-            <a:outerShdw sx="100000" sy="100000" kx="0" ky="0" algn="b" rotWithShape="0" blurRad="38100" dist="20000" dir="5400000">
+            <a:outerShdw blurRad="38100" dist="20000" dir="5400000" rotWithShape="0">
               <a:srgbClr val="000000">
                 <a:alpha val="38000"/>
               </a:srgbClr>
@@ -6435,7 +6565,7 @@
           <a:round/>
         </a:ln>
         <a:effectLst>
-          <a:outerShdw sx="100000" sy="100000" kx="0" ky="0" algn="b" rotWithShape="0" blurRad="38100" dist="23000" dir="5400000">
+          <a:outerShdw blurRad="38100" dist="23000" dir="5400000" rotWithShape="0">
             <a:srgbClr val="000000">
               <a:alpha val="35000"/>
             </a:srgbClr>
@@ -6443,7 +6573,7 @@
         </a:effectLst>
         <a:sp3d/>
       </a:spPr>
-      <a:bodyPr rot="0" spcFirstLastPara="1" vertOverflow="overflow" horzOverflow="overflow" vert="horz" wrap="square" lIns="45719" tIns="45719" rIns="45719" bIns="45719" numCol="1" spcCol="38100" rtlCol="0" anchor="ctr" upright="0">
+      <a:bodyPr rot="0" spcFirstLastPara="1" vertOverflow="overflow" horzOverflow="overflow" vert="horz" wrap="square" lIns="45719" tIns="45719" rIns="45719" bIns="45719" numCol="1" spcCol="38100" rtlCol="0" anchor="ctr">
         <a:spAutoFit/>
       </a:bodyPr>
       <a:lstStyle>
@@ -6462,7 +6592,7 @@
           <a:buFontTx/>
           <a:buNone/>
           <a:tabLst/>
-          <a:defRPr b="0" baseline="0" cap="none" i="0" spc="0" strike="noStrike" sz="1800" u="none" kumimoji="0" normalizeH="0">
+          <a:defRPr kumimoji="0" sz="1800" b="0" i="0" u="none" strike="noStrike" cap="none" spc="0" normalizeH="0" baseline="0">
             <a:ln>
               <a:noFill/>
             </a:ln>
@@ -6492,7 +6622,7 @@
           <a:buFontTx/>
           <a:buNone/>
           <a:tabLst/>
-          <a:defRPr b="0" baseline="0" cap="none" i="0" spc="0" strike="noStrike" sz="1800" u="none" kumimoji="0" normalizeH="0">
+          <a:defRPr kumimoji="0" sz="1800" b="0" i="0" u="none" strike="noStrike" cap="none" spc="0" normalizeH="0" baseline="0">
             <a:ln>
               <a:noFill/>
             </a:ln>
@@ -6518,7 +6648,7 @@
           <a:buFontTx/>
           <a:buNone/>
           <a:tabLst/>
-          <a:defRPr b="0" baseline="0" cap="none" i="0" spc="0" strike="noStrike" sz="1800" u="none" kumimoji="0" normalizeH="0">
+          <a:defRPr kumimoji="0" sz="1800" b="0" i="0" u="none" strike="noStrike" cap="none" spc="0" normalizeH="0" baseline="0">
             <a:ln>
               <a:noFill/>
             </a:ln>
@@ -6544,7 +6674,7 @@
           <a:buFontTx/>
           <a:buNone/>
           <a:tabLst/>
-          <a:defRPr b="0" baseline="0" cap="none" i="0" spc="0" strike="noStrike" sz="1800" u="none" kumimoji="0" normalizeH="0">
+          <a:defRPr kumimoji="0" sz="1800" b="0" i="0" u="none" strike="noStrike" cap="none" spc="0" normalizeH="0" baseline="0">
             <a:ln>
               <a:noFill/>
             </a:ln>
@@ -6570,7 +6700,7 @@
           <a:buFontTx/>
           <a:buNone/>
           <a:tabLst/>
-          <a:defRPr b="0" baseline="0" cap="none" i="0" spc="0" strike="noStrike" sz="1800" u="none" kumimoji="0" normalizeH="0">
+          <a:defRPr kumimoji="0" sz="1800" b="0" i="0" u="none" strike="noStrike" cap="none" spc="0" normalizeH="0" baseline="0">
             <a:ln>
               <a:noFill/>
             </a:ln>
@@ -6596,7 +6726,7 @@
           <a:buFontTx/>
           <a:buNone/>
           <a:tabLst/>
-          <a:defRPr b="0" baseline="0" cap="none" i="0" spc="0" strike="noStrike" sz="1800" u="none" kumimoji="0" normalizeH="0">
+          <a:defRPr kumimoji="0" sz="1800" b="0" i="0" u="none" strike="noStrike" cap="none" spc="0" normalizeH="0" baseline="0">
             <a:ln>
               <a:noFill/>
             </a:ln>
@@ -6622,7 +6752,7 @@
           <a:buFontTx/>
           <a:buNone/>
           <a:tabLst/>
-          <a:defRPr b="0" baseline="0" cap="none" i="0" spc="0" strike="noStrike" sz="1800" u="none" kumimoji="0" normalizeH="0">
+          <a:defRPr kumimoji="0" sz="1800" b="0" i="0" u="none" strike="noStrike" cap="none" spc="0" normalizeH="0" baseline="0">
             <a:ln>
               <a:noFill/>
             </a:ln>
@@ -6648,7 +6778,7 @@
           <a:buFontTx/>
           <a:buNone/>
           <a:tabLst/>
-          <a:defRPr b="0" baseline="0" cap="none" i="0" spc="0" strike="noStrike" sz="1800" u="none" kumimoji="0" normalizeH="0">
+          <a:defRPr kumimoji="0" sz="1800" b="0" i="0" u="none" strike="noStrike" cap="none" spc="0" normalizeH="0" baseline="0">
             <a:ln>
               <a:noFill/>
             </a:ln>
@@ -6674,7 +6804,7 @@
           <a:buFontTx/>
           <a:buNone/>
           <a:tabLst/>
-          <a:defRPr b="0" baseline="0" cap="none" i="0" spc="0" strike="noStrike" sz="1800" u="none" kumimoji="0" normalizeH="0">
+          <a:defRPr kumimoji="0" sz="1800" b="0" i="0" u="none" strike="noStrike" cap="none" spc="0" normalizeH="0" baseline="0">
             <a:ln>
               <a:noFill/>
             </a:ln>
@@ -6700,7 +6830,7 @@
           <a:buFontTx/>
           <a:buNone/>
           <a:tabLst/>
-          <a:defRPr b="0" baseline="0" cap="none" i="0" spc="0" strike="noStrike" sz="1800" u="none" kumimoji="0" normalizeH="0">
+          <a:defRPr kumimoji="0" sz="1800" b="0" i="0" u="none" strike="noStrike" cap="none" spc="0" normalizeH="0" baseline="0">
             <a:ln>
               <a:noFill/>
             </a:ln>
@@ -6713,9 +6843,15 @@
         </a:lvl9pPr>
       </a:lstStyle>
       <a:style>
-        <a:lnRef idx="0"/>
-        <a:fillRef idx="0"/>
-        <a:effectRef idx="0"/>
+        <a:lnRef idx="0">
+          <a:scrgbClr r="0" g="0" b="0"/>
+        </a:lnRef>
+        <a:fillRef idx="0">
+          <a:scrgbClr r="0" g="0" b="0"/>
+        </a:fillRef>
+        <a:effectRef idx="0">
+          <a:scrgbClr r="0" g="0" b="0"/>
+        </a:effectRef>
         <a:fontRef idx="none"/>
       </a:style>
     </a:spDef>
@@ -6730,7 +6866,7 @@
           <a:round/>
         </a:ln>
         <a:effectLst>
-          <a:outerShdw sx="100000" sy="100000" kx="0" ky="0" algn="b" rotWithShape="0" blurRad="38100" dist="20000" dir="5400000">
+          <a:outerShdw blurRad="38100" dist="20000" dir="5400000" rotWithShape="0">
             <a:srgbClr val="000000">
               <a:alpha val="38000"/>
             </a:srgbClr>
@@ -6738,7 +6874,7 @@
         </a:effectLst>
         <a:sp3d/>
       </a:spPr>
-      <a:bodyPr rot="0" spcFirstLastPara="1" vertOverflow="overflow" horzOverflow="overflow" vert="horz" wrap="square" lIns="91439" tIns="45719" rIns="91439" bIns="45719" numCol="1" spcCol="38100" rtlCol="0" anchor="t" upright="0">
+      <a:bodyPr rot="0" spcFirstLastPara="1" vertOverflow="overflow" horzOverflow="overflow" vert="horz" wrap="square" lIns="91439" tIns="45719" rIns="91439" bIns="45719" numCol="1" spcCol="38100" rtlCol="0" anchor="t">
         <a:noAutofit/>
       </a:bodyPr>
       <a:lstStyle>
@@ -6757,7 +6893,7 @@
           <a:buFontTx/>
           <a:buNone/>
           <a:tabLst/>
-          <a:defRPr b="0" baseline="0" cap="none" i="0" spc="0" strike="noStrike" sz="1800" u="none" kumimoji="0" normalizeH="0">
+          <a:defRPr kumimoji="0" sz="1800" b="0" i="0" u="none" strike="noStrike" cap="none" spc="0" normalizeH="0" baseline="0">
             <a:ln>
               <a:noFill/>
             </a:ln>
@@ -6783,7 +6919,7 @@
           <a:buFontTx/>
           <a:buNone/>
           <a:tabLst/>
-          <a:defRPr b="0" baseline="0" cap="none" i="0" spc="0" strike="noStrike" sz="1800" u="none" kumimoji="0" normalizeH="0">
+          <a:defRPr kumimoji="0" sz="1800" b="0" i="0" u="none" strike="noStrike" cap="none" spc="0" normalizeH="0" baseline="0">
             <a:ln>
               <a:noFill/>
             </a:ln>
@@ -6809,7 +6945,7 @@
           <a:buFontTx/>
           <a:buNone/>
           <a:tabLst/>
-          <a:defRPr b="0" baseline="0" cap="none" i="0" spc="0" strike="noStrike" sz="1800" u="none" kumimoji="0" normalizeH="0">
+          <a:defRPr kumimoji="0" sz="1800" b="0" i="0" u="none" strike="noStrike" cap="none" spc="0" normalizeH="0" baseline="0">
             <a:ln>
               <a:noFill/>
             </a:ln>
@@ -6835,7 +6971,7 @@
           <a:buFontTx/>
           <a:buNone/>
           <a:tabLst/>
-          <a:defRPr b="0" baseline="0" cap="none" i="0" spc="0" strike="noStrike" sz="1800" u="none" kumimoji="0" normalizeH="0">
+          <a:defRPr kumimoji="0" sz="1800" b="0" i="0" u="none" strike="noStrike" cap="none" spc="0" normalizeH="0" baseline="0">
             <a:ln>
               <a:noFill/>
             </a:ln>
@@ -6861,7 +6997,7 @@
           <a:buFontTx/>
           <a:buNone/>
           <a:tabLst/>
-          <a:defRPr b="0" baseline="0" cap="none" i="0" spc="0" strike="noStrike" sz="1800" u="none" kumimoji="0" normalizeH="0">
+          <a:defRPr kumimoji="0" sz="1800" b="0" i="0" u="none" strike="noStrike" cap="none" spc="0" normalizeH="0" baseline="0">
             <a:ln>
               <a:noFill/>
             </a:ln>
@@ -6887,7 +7023,7 @@
           <a:buFontTx/>
           <a:buNone/>
           <a:tabLst/>
-          <a:defRPr b="0" baseline="0" cap="none" i="0" spc="0" strike="noStrike" sz="1800" u="none" kumimoji="0" normalizeH="0">
+          <a:defRPr kumimoji="0" sz="1800" b="0" i="0" u="none" strike="noStrike" cap="none" spc="0" normalizeH="0" baseline="0">
             <a:ln>
               <a:noFill/>
             </a:ln>
@@ -6913,7 +7049,7 @@
           <a:buFontTx/>
           <a:buNone/>
           <a:tabLst/>
-          <a:defRPr b="0" baseline="0" cap="none" i="0" spc="0" strike="noStrike" sz="1800" u="none" kumimoji="0" normalizeH="0">
+          <a:defRPr kumimoji="0" sz="1800" b="0" i="0" u="none" strike="noStrike" cap="none" spc="0" normalizeH="0" baseline="0">
             <a:ln>
               <a:noFill/>
             </a:ln>
@@ -6939,7 +7075,7 @@
           <a:buFontTx/>
           <a:buNone/>
           <a:tabLst/>
-          <a:defRPr b="0" baseline="0" cap="none" i="0" spc="0" strike="noStrike" sz="1800" u="none" kumimoji="0" normalizeH="0">
+          <a:defRPr kumimoji="0" sz="1800" b="0" i="0" u="none" strike="noStrike" cap="none" spc="0" normalizeH="0" baseline="0">
             <a:ln>
               <a:noFill/>
             </a:ln>
@@ -6965,7 +7101,7 @@
           <a:buFontTx/>
           <a:buNone/>
           <a:tabLst/>
-          <a:defRPr b="0" baseline="0" cap="none" i="0" spc="0" strike="noStrike" sz="1800" u="none" kumimoji="0" normalizeH="0">
+          <a:defRPr kumimoji="0" sz="1800" b="0" i="0" u="none" strike="noStrike" cap="none" spc="0" normalizeH="0" baseline="0">
             <a:ln>
               <a:noFill/>
             </a:ln>
@@ -6991,7 +7127,7 @@
           <a:buFontTx/>
           <a:buNone/>
           <a:tabLst/>
-          <a:defRPr b="0" baseline="0" cap="none" i="0" spc="0" strike="noStrike" sz="1800" u="none" kumimoji="0" normalizeH="0">
+          <a:defRPr kumimoji="0" sz="1800" b="0" i="0" u="none" strike="noStrike" cap="none" spc="0" normalizeH="0" baseline="0">
             <a:ln>
               <a:noFill/>
             </a:ln>
@@ -7004,9 +7140,15 @@
         </a:lvl9pPr>
       </a:lstStyle>
       <a:style>
-        <a:lnRef idx="0"/>
-        <a:fillRef idx="0"/>
-        <a:effectRef idx="0"/>
+        <a:lnRef idx="0">
+          <a:scrgbClr r="0" g="0" b="0"/>
+        </a:lnRef>
+        <a:fillRef idx="0">
+          <a:scrgbClr r="0" g="0" b="0"/>
+        </a:fillRef>
+        <a:effectRef idx="0">
+          <a:scrgbClr r="0" g="0" b="0"/>
+        </a:effectRef>
         <a:fontRef idx="none"/>
       </a:style>
     </a:lnDef>
@@ -7020,7 +7162,7 @@
         <a:effectLst/>
         <a:sp3d/>
       </a:spPr>
-      <a:bodyPr rot="0" spcFirstLastPara="1" vertOverflow="overflow" horzOverflow="overflow" vert="horz" wrap="square" lIns="45719" tIns="45719" rIns="45719" bIns="45719" numCol="1" spcCol="38100" rtlCol="0" anchor="t" upright="0">
+      <a:bodyPr rot="0" spcFirstLastPara="1" vertOverflow="overflow" horzOverflow="overflow" vert="horz" wrap="square" lIns="45719" tIns="45719" rIns="45719" bIns="45719" numCol="1" spcCol="38100" rtlCol="0" anchor="t">
         <a:spAutoFit/>
       </a:bodyPr>
       <a:lstStyle>
@@ -7039,7 +7181,7 @@
           <a:buFontTx/>
           <a:buNone/>
           <a:tabLst/>
-          <a:defRPr b="0" baseline="0" cap="none" i="0" spc="0" strike="noStrike" sz="1800" u="none" kumimoji="0" normalizeH="0">
+          <a:defRPr kumimoji="0" sz="1800" b="0" i="0" u="none" strike="noStrike" cap="none" spc="0" normalizeH="0" baseline="0">
             <a:ln>
               <a:noFill/>
             </a:ln>
@@ -7069,7 +7211,7 @@
           <a:buFontTx/>
           <a:buNone/>
           <a:tabLst/>
-          <a:defRPr b="0" baseline="0" cap="none" i="0" spc="0" strike="noStrike" sz="1800" u="none" kumimoji="0" normalizeH="0">
+          <a:defRPr kumimoji="0" sz="1800" b="0" i="0" u="none" strike="noStrike" cap="none" spc="0" normalizeH="0" baseline="0">
             <a:ln>
               <a:noFill/>
             </a:ln>
@@ -7095,7 +7237,7 @@
           <a:buFontTx/>
           <a:buNone/>
           <a:tabLst/>
-          <a:defRPr b="0" baseline="0" cap="none" i="0" spc="0" strike="noStrike" sz="1800" u="none" kumimoji="0" normalizeH="0">
+          <a:defRPr kumimoji="0" sz="1800" b="0" i="0" u="none" strike="noStrike" cap="none" spc="0" normalizeH="0" baseline="0">
             <a:ln>
               <a:noFill/>
             </a:ln>
@@ -7121,7 +7263,7 @@
           <a:buFontTx/>
           <a:buNone/>
           <a:tabLst/>
-          <a:defRPr b="0" baseline="0" cap="none" i="0" spc="0" strike="noStrike" sz="1800" u="none" kumimoji="0" normalizeH="0">
+          <a:defRPr kumimoji="0" sz="1800" b="0" i="0" u="none" strike="noStrike" cap="none" spc="0" normalizeH="0" baseline="0">
             <a:ln>
               <a:noFill/>
             </a:ln>
@@ -7147,7 +7289,7 @@
           <a:buFontTx/>
           <a:buNone/>
           <a:tabLst/>
-          <a:defRPr b="0" baseline="0" cap="none" i="0" spc="0" strike="noStrike" sz="1800" u="none" kumimoji="0" normalizeH="0">
+          <a:defRPr kumimoji="0" sz="1800" b="0" i="0" u="none" strike="noStrike" cap="none" spc="0" normalizeH="0" baseline="0">
             <a:ln>
               <a:noFill/>
             </a:ln>
@@ -7173,7 +7315,7 @@
           <a:buFontTx/>
           <a:buNone/>
           <a:tabLst/>
-          <a:defRPr b="0" baseline="0" cap="none" i="0" spc="0" strike="noStrike" sz="1800" u="none" kumimoji="0" normalizeH="0">
+          <a:defRPr kumimoji="0" sz="1800" b="0" i="0" u="none" strike="noStrike" cap="none" spc="0" normalizeH="0" baseline="0">
             <a:ln>
               <a:noFill/>
             </a:ln>
@@ -7199,7 +7341,7 @@
           <a:buFontTx/>
           <a:buNone/>
           <a:tabLst/>
-          <a:defRPr b="0" baseline="0" cap="none" i="0" spc="0" strike="noStrike" sz="1800" u="none" kumimoji="0" normalizeH="0">
+          <a:defRPr kumimoji="0" sz="1800" b="0" i="0" u="none" strike="noStrike" cap="none" spc="0" normalizeH="0" baseline="0">
             <a:ln>
               <a:noFill/>
             </a:ln>
@@ -7225,7 +7367,7 @@
           <a:buFontTx/>
           <a:buNone/>
           <a:tabLst/>
-          <a:defRPr b="0" baseline="0" cap="none" i="0" spc="0" strike="noStrike" sz="1800" u="none" kumimoji="0" normalizeH="0">
+          <a:defRPr kumimoji="0" sz="1800" b="0" i="0" u="none" strike="noStrike" cap="none" spc="0" normalizeH="0" baseline="0">
             <a:ln>
               <a:noFill/>
             </a:ln>
@@ -7251,7 +7393,7 @@
           <a:buFontTx/>
           <a:buNone/>
           <a:tabLst/>
-          <a:defRPr b="0" baseline="0" cap="none" i="0" spc="0" strike="noStrike" sz="1800" u="none" kumimoji="0" normalizeH="0">
+          <a:defRPr kumimoji="0" sz="1800" b="0" i="0" u="none" strike="noStrike" cap="none" spc="0" normalizeH="0" baseline="0">
             <a:ln>
               <a:noFill/>
             </a:ln>
@@ -7277,7 +7419,7 @@
           <a:buFontTx/>
           <a:buNone/>
           <a:tabLst/>
-          <a:defRPr b="0" baseline="0" cap="none" i="0" spc="0" strike="noStrike" sz="1800" u="none" kumimoji="0" normalizeH="0">
+          <a:defRPr kumimoji="0" sz="1800" b="0" i="0" u="none" strike="noStrike" cap="none" spc="0" normalizeH="0" baseline="0">
             <a:ln>
               <a:noFill/>
             </a:ln>
@@ -7290,18 +7432,25 @@
         </a:lvl9pPr>
       </a:lstStyle>
       <a:style>
-        <a:lnRef idx="0"/>
-        <a:fillRef idx="0"/>
-        <a:effectRef idx="0"/>
+        <a:lnRef idx="0">
+          <a:scrgbClr r="0" g="0" b="0"/>
+        </a:lnRef>
+        <a:fillRef idx="0">
+          <a:scrgbClr r="0" g="0" b="0"/>
+        </a:fillRef>
+        <a:effectRef idx="0">
+          <a:scrgbClr r="0" g="0" b="0"/>
+        </a:effectRef>
         <a:fontRef idx="none"/>
       </a:style>
     </a:txDef>
   </a:objectDefaults>
+  <a:extraClrSchemeLst/>
 </a:theme>
 </file>
 
 <file path=ppt/theme/theme2.xml><?xml version="1.0" encoding="utf-8"?>
-<a:theme xmlns:a="http://schemas.openxmlformats.org/drawingml/2006/main" xmlns:r="http://schemas.openxmlformats.org/officeDocument/2006/relationships" name="Office Theme">
+<a:theme xmlns:a="http://schemas.openxmlformats.org/drawingml/2006/main" name="Office Theme">
   <a:themeElements>
     <a:clrScheme name="Office Theme">
       <a:dk1>
@@ -7427,7 +7576,7 @@
       <a:effectStyleLst>
         <a:effectStyle>
           <a:effectLst>
-            <a:outerShdw sx="100000" sy="100000" kx="0" ky="0" algn="b" rotWithShape="0" blurRad="38100" dist="23000" dir="5400000">
+            <a:outerShdw blurRad="38100" dist="23000" dir="5400000" rotWithShape="0">
               <a:srgbClr val="000000">
                 <a:alpha val="35000"/>
               </a:srgbClr>
@@ -7436,7 +7585,7 @@
         </a:effectStyle>
         <a:effectStyle>
           <a:effectLst>
-            <a:outerShdw sx="100000" sy="100000" kx="0" ky="0" algn="b" rotWithShape="0" blurRad="38100" dist="23000" dir="5400000">
+            <a:outerShdw blurRad="38100" dist="23000" dir="5400000" rotWithShape="0">
               <a:srgbClr val="000000">
                 <a:alpha val="35000"/>
               </a:srgbClr>
@@ -7445,7 +7594,7 @@
         </a:effectStyle>
         <a:effectStyle>
           <a:effectLst>
-            <a:outerShdw sx="100000" sy="100000" kx="0" ky="0" algn="b" rotWithShape="0" blurRad="38100" dist="20000" dir="5400000">
+            <a:outerShdw blurRad="38100" dist="20000" dir="5400000" rotWithShape="0">
               <a:srgbClr val="000000">
                 <a:alpha val="38000"/>
               </a:srgbClr>
@@ -7519,7 +7668,7 @@
           <a:round/>
         </a:ln>
         <a:effectLst>
-          <a:outerShdw sx="100000" sy="100000" kx="0" ky="0" algn="b" rotWithShape="0" blurRad="38100" dist="23000" dir="5400000">
+          <a:outerShdw blurRad="38100" dist="23000" dir="5400000" rotWithShape="0">
             <a:srgbClr val="000000">
               <a:alpha val="35000"/>
             </a:srgbClr>
@@ -7527,7 +7676,7 @@
         </a:effectLst>
         <a:sp3d/>
       </a:spPr>
-      <a:bodyPr rot="0" spcFirstLastPara="1" vertOverflow="overflow" horzOverflow="overflow" vert="horz" wrap="square" lIns="45719" tIns="45719" rIns="45719" bIns="45719" numCol="1" spcCol="38100" rtlCol="0" anchor="ctr" upright="0">
+      <a:bodyPr rot="0" spcFirstLastPara="1" vertOverflow="overflow" horzOverflow="overflow" vert="horz" wrap="square" lIns="45719" tIns="45719" rIns="45719" bIns="45719" numCol="1" spcCol="38100" rtlCol="0" anchor="ctr">
         <a:spAutoFit/>
       </a:bodyPr>
       <a:lstStyle>
@@ -7546,7 +7695,7 @@
           <a:buFontTx/>
           <a:buNone/>
           <a:tabLst/>
-          <a:defRPr b="0" baseline="0" cap="none" i="0" spc="0" strike="noStrike" sz="1800" u="none" kumimoji="0" normalizeH="0">
+          <a:defRPr kumimoji="0" sz="1800" b="0" i="0" u="none" strike="noStrike" cap="none" spc="0" normalizeH="0" baseline="0">
             <a:ln>
               <a:noFill/>
             </a:ln>
@@ -7576,7 +7725,7 @@
           <a:buFontTx/>
           <a:buNone/>
           <a:tabLst/>
-          <a:defRPr b="0" baseline="0" cap="none" i="0" spc="0" strike="noStrike" sz="1800" u="none" kumimoji="0" normalizeH="0">
+          <a:defRPr kumimoji="0" sz="1800" b="0" i="0" u="none" strike="noStrike" cap="none" spc="0" normalizeH="0" baseline="0">
             <a:ln>
               <a:noFill/>
             </a:ln>
@@ -7602,7 +7751,7 @@
           <a:buFontTx/>
           <a:buNone/>
           <a:tabLst/>
-          <a:defRPr b="0" baseline="0" cap="none" i="0" spc="0" strike="noStrike" sz="1800" u="none" kumimoji="0" normalizeH="0">
+          <a:defRPr kumimoji="0" sz="1800" b="0" i="0" u="none" strike="noStrike" cap="none" spc="0" normalizeH="0" baseline="0">
             <a:ln>
               <a:noFill/>
             </a:ln>
@@ -7628,7 +7777,7 @@
           <a:buFontTx/>
           <a:buNone/>
           <a:tabLst/>
-          <a:defRPr b="0" baseline="0" cap="none" i="0" spc="0" strike="noStrike" sz="1800" u="none" kumimoji="0" normalizeH="0">
+          <a:defRPr kumimoji="0" sz="1800" b="0" i="0" u="none" strike="noStrike" cap="none" spc="0" normalizeH="0" baseline="0">
             <a:ln>
               <a:noFill/>
             </a:ln>
@@ -7654,7 +7803,7 @@
           <a:buFontTx/>
           <a:buNone/>
           <a:tabLst/>
-          <a:defRPr b="0" baseline="0" cap="none" i="0" spc="0" strike="noStrike" sz="1800" u="none" kumimoji="0" normalizeH="0">
+          <a:defRPr kumimoji="0" sz="1800" b="0" i="0" u="none" strike="noStrike" cap="none" spc="0" normalizeH="0" baseline="0">
             <a:ln>
               <a:noFill/>
             </a:ln>
@@ -7680,7 +7829,7 @@
           <a:buFontTx/>
           <a:buNone/>
           <a:tabLst/>
-          <a:defRPr b="0" baseline="0" cap="none" i="0" spc="0" strike="noStrike" sz="1800" u="none" kumimoji="0" normalizeH="0">
+          <a:defRPr kumimoji="0" sz="1800" b="0" i="0" u="none" strike="noStrike" cap="none" spc="0" normalizeH="0" baseline="0">
             <a:ln>
               <a:noFill/>
             </a:ln>
@@ -7706,7 +7855,7 @@
           <a:buFontTx/>
           <a:buNone/>
           <a:tabLst/>
-          <a:defRPr b="0" baseline="0" cap="none" i="0" spc="0" strike="noStrike" sz="1800" u="none" kumimoji="0" normalizeH="0">
+          <a:defRPr kumimoji="0" sz="1800" b="0" i="0" u="none" strike="noStrike" cap="none" spc="0" normalizeH="0" baseline="0">
             <a:ln>
               <a:noFill/>
             </a:ln>
@@ -7732,7 +7881,7 @@
           <a:buFontTx/>
           <a:buNone/>
           <a:tabLst/>
-          <a:defRPr b="0" baseline="0" cap="none" i="0" spc="0" strike="noStrike" sz="1800" u="none" kumimoji="0" normalizeH="0">
+          <a:defRPr kumimoji="0" sz="1800" b="0" i="0" u="none" strike="noStrike" cap="none" spc="0" normalizeH="0" baseline="0">
             <a:ln>
               <a:noFill/>
             </a:ln>
@@ -7758,7 +7907,7 @@
           <a:buFontTx/>
           <a:buNone/>
           <a:tabLst/>
-          <a:defRPr b="0" baseline="0" cap="none" i="0" spc="0" strike="noStrike" sz="1800" u="none" kumimoji="0" normalizeH="0">
+          <a:defRPr kumimoji="0" sz="1800" b="0" i="0" u="none" strike="noStrike" cap="none" spc="0" normalizeH="0" baseline="0">
             <a:ln>
               <a:noFill/>
             </a:ln>
@@ -7784,7 +7933,7 @@
           <a:buFontTx/>
           <a:buNone/>
           <a:tabLst/>
-          <a:defRPr b="0" baseline="0" cap="none" i="0" spc="0" strike="noStrike" sz="1800" u="none" kumimoji="0" normalizeH="0">
+          <a:defRPr kumimoji="0" sz="1800" b="0" i="0" u="none" strike="noStrike" cap="none" spc="0" normalizeH="0" baseline="0">
             <a:ln>
               <a:noFill/>
             </a:ln>
@@ -7797,9 +7946,15 @@
         </a:lvl9pPr>
       </a:lstStyle>
       <a:style>
-        <a:lnRef idx="0"/>
-        <a:fillRef idx="0"/>
-        <a:effectRef idx="0"/>
+        <a:lnRef idx="0">
+          <a:scrgbClr r="0" g="0" b="0"/>
+        </a:lnRef>
+        <a:fillRef idx="0">
+          <a:scrgbClr r="0" g="0" b="0"/>
+        </a:fillRef>
+        <a:effectRef idx="0">
+          <a:scrgbClr r="0" g="0" b="0"/>
+        </a:effectRef>
         <a:fontRef idx="none"/>
       </a:style>
     </a:spDef>
@@ -7814,7 +7969,7 @@
           <a:round/>
         </a:ln>
         <a:effectLst>
-          <a:outerShdw sx="100000" sy="100000" kx="0" ky="0" algn="b" rotWithShape="0" blurRad="38100" dist="20000" dir="5400000">
+          <a:outerShdw blurRad="38100" dist="20000" dir="5400000" rotWithShape="0">
             <a:srgbClr val="000000">
               <a:alpha val="38000"/>
             </a:srgbClr>
@@ -7822,7 +7977,7 @@
         </a:effectLst>
         <a:sp3d/>
       </a:spPr>
-      <a:bodyPr rot="0" spcFirstLastPara="1" vertOverflow="overflow" horzOverflow="overflow" vert="horz" wrap="square" lIns="91439" tIns="45719" rIns="91439" bIns="45719" numCol="1" spcCol="38100" rtlCol="0" anchor="t" upright="0">
+      <a:bodyPr rot="0" spcFirstLastPara="1" vertOverflow="overflow" horzOverflow="overflow" vert="horz" wrap="square" lIns="91439" tIns="45719" rIns="91439" bIns="45719" numCol="1" spcCol="38100" rtlCol="0" anchor="t">
         <a:noAutofit/>
       </a:bodyPr>
       <a:lstStyle>
@@ -7841,7 +7996,7 @@
           <a:buFontTx/>
           <a:buNone/>
           <a:tabLst/>
-          <a:defRPr b="0" baseline="0" cap="none" i="0" spc="0" strike="noStrike" sz="1800" u="none" kumimoji="0" normalizeH="0">
+          <a:defRPr kumimoji="0" sz="1800" b="0" i="0" u="none" strike="noStrike" cap="none" spc="0" normalizeH="0" baseline="0">
             <a:ln>
               <a:noFill/>
             </a:ln>
@@ -7867,7 +8022,7 @@
           <a:buFontTx/>
           <a:buNone/>
           <a:tabLst/>
-          <a:defRPr b="0" baseline="0" cap="none" i="0" spc="0" strike="noStrike" sz="1800" u="none" kumimoji="0" normalizeH="0">
+          <a:defRPr kumimoji="0" sz="1800" b="0" i="0" u="none" strike="noStrike" cap="none" spc="0" normalizeH="0" baseline="0">
             <a:ln>
               <a:noFill/>
             </a:ln>
@@ -7893,7 +8048,7 @@
           <a:buFontTx/>
           <a:buNone/>
           <a:tabLst/>
-          <a:defRPr b="0" baseline="0" cap="none" i="0" spc="0" strike="noStrike" sz="1800" u="none" kumimoji="0" normalizeH="0">
+          <a:defRPr kumimoji="0" sz="1800" b="0" i="0" u="none" strike="noStrike" cap="none" spc="0" normalizeH="0" baseline="0">
             <a:ln>
               <a:noFill/>
             </a:ln>
@@ -7919,7 +8074,7 @@
           <a:buFontTx/>
           <a:buNone/>
           <a:tabLst/>
-          <a:defRPr b="0" baseline="0" cap="none" i="0" spc="0" strike="noStrike" sz="1800" u="none" kumimoji="0" normalizeH="0">
+          <a:defRPr kumimoji="0" sz="1800" b="0" i="0" u="none" strike="noStrike" cap="none" spc="0" normalizeH="0" baseline="0">
             <a:ln>
               <a:noFill/>
             </a:ln>
@@ -7945,7 +8100,7 @@
           <a:buFontTx/>
           <a:buNone/>
           <a:tabLst/>
-          <a:defRPr b="0" baseline="0" cap="none" i="0" spc="0" strike="noStrike" sz="1800" u="none" kumimoji="0" normalizeH="0">
+          <a:defRPr kumimoji="0" sz="1800" b="0" i="0" u="none" strike="noStrike" cap="none" spc="0" normalizeH="0" baseline="0">
             <a:ln>
               <a:noFill/>
             </a:ln>
@@ -7971,7 +8126,7 @@
           <a:buFontTx/>
           <a:buNone/>
           <a:tabLst/>
-          <a:defRPr b="0" baseline="0" cap="none" i="0" spc="0" strike="noStrike" sz="1800" u="none" kumimoji="0" normalizeH="0">
+          <a:defRPr kumimoji="0" sz="1800" b="0" i="0" u="none" strike="noStrike" cap="none" spc="0" normalizeH="0" baseline="0">
             <a:ln>
               <a:noFill/>
             </a:ln>
@@ -7997,7 +8152,7 @@
           <a:buFontTx/>
           <a:buNone/>
           <a:tabLst/>
-          <a:defRPr b="0" baseline="0" cap="none" i="0" spc="0" strike="noStrike" sz="1800" u="none" kumimoji="0" normalizeH="0">
+          <a:defRPr kumimoji="0" sz="1800" b="0" i="0" u="none" strike="noStrike" cap="none" spc="0" normalizeH="0" baseline="0">
             <a:ln>
               <a:noFill/>
             </a:ln>
@@ -8023,7 +8178,7 @@
           <a:buFontTx/>
           <a:buNone/>
           <a:tabLst/>
-          <a:defRPr b="0" baseline="0" cap="none" i="0" spc="0" strike="noStrike" sz="1800" u="none" kumimoji="0" normalizeH="0">
+          <a:defRPr kumimoji="0" sz="1800" b="0" i="0" u="none" strike="noStrike" cap="none" spc="0" normalizeH="0" baseline="0">
             <a:ln>
               <a:noFill/>
             </a:ln>
@@ -8049,7 +8204,7 @@
           <a:buFontTx/>
           <a:buNone/>
           <a:tabLst/>
-          <a:defRPr b="0" baseline="0" cap="none" i="0" spc="0" strike="noStrike" sz="1800" u="none" kumimoji="0" normalizeH="0">
+          <a:defRPr kumimoji="0" sz="1800" b="0" i="0" u="none" strike="noStrike" cap="none" spc="0" normalizeH="0" baseline="0">
             <a:ln>
               <a:noFill/>
             </a:ln>
@@ -8075,7 +8230,7 @@
           <a:buFontTx/>
           <a:buNone/>
           <a:tabLst/>
-          <a:defRPr b="0" baseline="0" cap="none" i="0" spc="0" strike="noStrike" sz="1800" u="none" kumimoji="0" normalizeH="0">
+          <a:defRPr kumimoji="0" sz="1800" b="0" i="0" u="none" strike="noStrike" cap="none" spc="0" normalizeH="0" baseline="0">
             <a:ln>
               <a:noFill/>
             </a:ln>
@@ -8088,9 +8243,15 @@
         </a:lvl9pPr>
       </a:lstStyle>
       <a:style>
-        <a:lnRef idx="0"/>
-        <a:fillRef idx="0"/>
-        <a:effectRef idx="0"/>
+        <a:lnRef idx="0">
+          <a:scrgbClr r="0" g="0" b="0"/>
+        </a:lnRef>
+        <a:fillRef idx="0">
+          <a:scrgbClr r="0" g="0" b="0"/>
+        </a:fillRef>
+        <a:effectRef idx="0">
+          <a:scrgbClr r="0" g="0" b="0"/>
+        </a:effectRef>
         <a:fontRef idx="none"/>
       </a:style>
     </a:lnDef>
@@ -8104,7 +8265,7 @@
         <a:effectLst/>
         <a:sp3d/>
       </a:spPr>
-      <a:bodyPr rot="0" spcFirstLastPara="1" vertOverflow="overflow" horzOverflow="overflow" vert="horz" wrap="square" lIns="45719" tIns="45719" rIns="45719" bIns="45719" numCol="1" spcCol="38100" rtlCol="0" anchor="t" upright="0">
+      <a:bodyPr rot="0" spcFirstLastPara="1" vertOverflow="overflow" horzOverflow="overflow" vert="horz" wrap="square" lIns="45719" tIns="45719" rIns="45719" bIns="45719" numCol="1" spcCol="38100" rtlCol="0" anchor="t">
         <a:spAutoFit/>
       </a:bodyPr>
       <a:lstStyle>
@@ -8123,7 +8284,7 @@
           <a:buFontTx/>
           <a:buNone/>
           <a:tabLst/>
-          <a:defRPr b="0" baseline="0" cap="none" i="0" spc="0" strike="noStrike" sz="1800" u="none" kumimoji="0" normalizeH="0">
+          <a:defRPr kumimoji="0" sz="1800" b="0" i="0" u="none" strike="noStrike" cap="none" spc="0" normalizeH="0" baseline="0">
             <a:ln>
               <a:noFill/>
             </a:ln>
@@ -8153,7 +8314,7 @@
           <a:buFontTx/>
           <a:buNone/>
           <a:tabLst/>
-          <a:defRPr b="0" baseline="0" cap="none" i="0" spc="0" strike="noStrike" sz="1800" u="none" kumimoji="0" normalizeH="0">
+          <a:defRPr kumimoji="0" sz="1800" b="0" i="0" u="none" strike="noStrike" cap="none" spc="0" normalizeH="0" baseline="0">
             <a:ln>
               <a:noFill/>
             </a:ln>
@@ -8179,7 +8340,7 @@
           <a:buFontTx/>
           <a:buNone/>
           <a:tabLst/>
-          <a:defRPr b="0" baseline="0" cap="none" i="0" spc="0" strike="noStrike" sz="1800" u="none" kumimoji="0" normalizeH="0">
+          <a:defRPr kumimoji="0" sz="1800" b="0" i="0" u="none" strike="noStrike" cap="none" spc="0" normalizeH="0" baseline="0">
             <a:ln>
               <a:noFill/>
             </a:ln>
@@ -8205,7 +8366,7 @@
           <a:buFontTx/>
           <a:buNone/>
           <a:tabLst/>
-          <a:defRPr b="0" baseline="0" cap="none" i="0" spc="0" strike="noStrike" sz="1800" u="none" kumimoji="0" normalizeH="0">
+          <a:defRPr kumimoji="0" sz="1800" b="0" i="0" u="none" strike="noStrike" cap="none" spc="0" normalizeH="0" baseline="0">
             <a:ln>
               <a:noFill/>
             </a:ln>
@@ -8231,7 +8392,7 @@
           <a:buFontTx/>
           <a:buNone/>
           <a:tabLst/>
-          <a:defRPr b="0" baseline="0" cap="none" i="0" spc="0" strike="noStrike" sz="1800" u="none" kumimoji="0" normalizeH="0">
+          <a:defRPr kumimoji="0" sz="1800" b="0" i="0" u="none" strike="noStrike" cap="none" spc="0" normalizeH="0" baseline="0">
             <a:ln>
               <a:noFill/>
             </a:ln>
@@ -8257,7 +8418,7 @@
           <a:buFontTx/>
           <a:buNone/>
           <a:tabLst/>
-          <a:defRPr b="0" baseline="0" cap="none" i="0" spc="0" strike="noStrike" sz="1800" u="none" kumimoji="0" normalizeH="0">
+          <a:defRPr kumimoji="0" sz="1800" b="0" i="0" u="none" strike="noStrike" cap="none" spc="0" normalizeH="0" baseline="0">
             <a:ln>
               <a:noFill/>
             </a:ln>
@@ -8283,7 +8444,7 @@
           <a:buFontTx/>
           <a:buNone/>
           <a:tabLst/>
-          <a:defRPr b="0" baseline="0" cap="none" i="0" spc="0" strike="noStrike" sz="1800" u="none" kumimoji="0" normalizeH="0">
+          <a:defRPr kumimoji="0" sz="1800" b="0" i="0" u="none" strike="noStrike" cap="none" spc="0" normalizeH="0" baseline="0">
             <a:ln>
               <a:noFill/>
             </a:ln>
@@ -8309,7 +8470,7 @@
           <a:buFontTx/>
           <a:buNone/>
           <a:tabLst/>
-          <a:defRPr b="0" baseline="0" cap="none" i="0" spc="0" strike="noStrike" sz="1800" u="none" kumimoji="0" normalizeH="0">
+          <a:defRPr kumimoji="0" sz="1800" b="0" i="0" u="none" strike="noStrike" cap="none" spc="0" normalizeH="0" baseline="0">
             <a:ln>
               <a:noFill/>
             </a:ln>
@@ -8335,7 +8496,7 @@
           <a:buFontTx/>
           <a:buNone/>
           <a:tabLst/>
-          <a:defRPr b="0" baseline="0" cap="none" i="0" spc="0" strike="noStrike" sz="1800" u="none" kumimoji="0" normalizeH="0">
+          <a:defRPr kumimoji="0" sz="1800" b="0" i="0" u="none" strike="noStrike" cap="none" spc="0" normalizeH="0" baseline="0">
             <a:ln>
               <a:noFill/>
             </a:ln>
@@ -8361,7 +8522,7 @@
           <a:buFontTx/>
           <a:buNone/>
           <a:tabLst/>
-          <a:defRPr b="0" baseline="0" cap="none" i="0" spc="0" strike="noStrike" sz="1800" u="none" kumimoji="0" normalizeH="0">
+          <a:defRPr kumimoji="0" sz="1800" b="0" i="0" u="none" strike="noStrike" cap="none" spc="0" normalizeH="0" baseline="0">
             <a:ln>
               <a:noFill/>
             </a:ln>
@@ -8374,12 +8535,19 @@
         </a:lvl9pPr>
       </a:lstStyle>
       <a:style>
-        <a:lnRef idx="0"/>
-        <a:fillRef idx="0"/>
-        <a:effectRef idx="0"/>
+        <a:lnRef idx="0">
+          <a:scrgbClr r="0" g="0" b="0"/>
+        </a:lnRef>
+        <a:fillRef idx="0">
+          <a:scrgbClr r="0" g="0" b="0"/>
+        </a:fillRef>
+        <a:effectRef idx="0">
+          <a:scrgbClr r="0" g="0" b="0"/>
+        </a:effectRef>
         <a:fontRef idx="none"/>
       </a:style>
     </a:txDef>
   </a:objectDefaults>
+  <a:extraClrSchemeLst/>
 </a:theme>
 </file>
--- a/docs/diagrams/UiComponentClassDiagram.pptx
+++ b/docs/diagrams/UiComponentClassDiagram.pptx
@@ -208,7 +208,7 @@
           <a:p>
             <a:fld id="{F5CC4B3F-88C1-4FFA-B1B6-F41C21DC6924}" type="datetimeFigureOut">
               <a:rPr lang="en-US" smtClean="0"/>
-              <a:t>3/9/17</a:t>
+              <a:t>4/6/2017</a:t>
             </a:fld>
             <a:endParaRPr lang="en-US"/>
           </a:p>
@@ -654,7 +654,7 @@
           <a:p>
             <a:fld id="{78C97017-6FC3-485B-9764-EAC9E56C1D49}" type="datetimeFigureOut">
               <a:rPr lang="en-US" smtClean="0"/>
-              <a:t>3/9/17</a:t>
+              <a:t>4/6/2017</a:t>
             </a:fld>
             <a:endParaRPr lang="en-US"/>
           </a:p>
@@ -822,7 +822,7 @@
           <a:p>
             <a:fld id="{78C97017-6FC3-485B-9764-EAC9E56C1D49}" type="datetimeFigureOut">
               <a:rPr lang="en-US" smtClean="0"/>
-              <a:t>3/9/17</a:t>
+              <a:t>4/6/2017</a:t>
             </a:fld>
             <a:endParaRPr lang="en-US"/>
           </a:p>
@@ -1000,7 +1000,7 @@
           <a:p>
             <a:fld id="{78C97017-6FC3-485B-9764-EAC9E56C1D49}" type="datetimeFigureOut">
               <a:rPr lang="en-US" smtClean="0"/>
-              <a:t>3/9/17</a:t>
+              <a:t>4/6/2017</a:t>
             </a:fld>
             <a:endParaRPr lang="en-US"/>
           </a:p>
@@ -1168,7 +1168,7 @@
           <a:p>
             <a:fld id="{78C97017-6FC3-485B-9764-EAC9E56C1D49}" type="datetimeFigureOut">
               <a:rPr lang="en-US" smtClean="0"/>
-              <a:t>3/9/17</a:t>
+              <a:t>4/6/2017</a:t>
             </a:fld>
             <a:endParaRPr lang="en-US"/>
           </a:p>
@@ -1413,7 +1413,7 @@
           <a:p>
             <a:fld id="{78C97017-6FC3-485B-9764-EAC9E56C1D49}" type="datetimeFigureOut">
               <a:rPr lang="en-US" smtClean="0"/>
-              <a:t>3/9/17</a:t>
+              <a:t>4/6/2017</a:t>
             </a:fld>
             <a:endParaRPr lang="en-US"/>
           </a:p>
@@ -1698,7 +1698,7 @@
           <a:p>
             <a:fld id="{78C97017-6FC3-485B-9764-EAC9E56C1D49}" type="datetimeFigureOut">
               <a:rPr lang="en-US" smtClean="0"/>
-              <a:t>3/9/17</a:t>
+              <a:t>4/6/2017</a:t>
             </a:fld>
             <a:endParaRPr lang="en-US"/>
           </a:p>
@@ -2117,7 +2117,7 @@
           <a:p>
             <a:fld id="{78C97017-6FC3-485B-9764-EAC9E56C1D49}" type="datetimeFigureOut">
               <a:rPr lang="en-US" smtClean="0"/>
-              <a:t>3/9/17</a:t>
+              <a:t>4/6/2017</a:t>
             </a:fld>
             <a:endParaRPr lang="en-US"/>
           </a:p>
@@ -2234,7 +2234,7 @@
           <a:p>
             <a:fld id="{78C97017-6FC3-485B-9764-EAC9E56C1D49}" type="datetimeFigureOut">
               <a:rPr lang="en-US" smtClean="0"/>
-              <a:t>3/9/17</a:t>
+              <a:t>4/6/2017</a:t>
             </a:fld>
             <a:endParaRPr lang="en-US"/>
           </a:p>
@@ -2329,7 +2329,7 @@
           <a:p>
             <a:fld id="{78C97017-6FC3-485B-9764-EAC9E56C1D49}" type="datetimeFigureOut">
               <a:rPr lang="en-US" smtClean="0"/>
-              <a:t>3/9/17</a:t>
+              <a:t>4/6/2017</a:t>
             </a:fld>
             <a:endParaRPr lang="en-US"/>
           </a:p>
@@ -2604,7 +2604,7 @@
           <a:p>
             <a:fld id="{78C97017-6FC3-485B-9764-EAC9E56C1D49}" type="datetimeFigureOut">
               <a:rPr lang="en-US" smtClean="0"/>
-              <a:t>3/9/17</a:t>
+              <a:t>4/6/2017</a:t>
             </a:fld>
             <a:endParaRPr lang="en-US"/>
           </a:p>
@@ -2856,7 +2856,7 @@
           <a:p>
             <a:fld id="{78C97017-6FC3-485B-9764-EAC9E56C1D49}" type="datetimeFigureOut">
               <a:rPr lang="en-US" smtClean="0"/>
-              <a:t>3/9/17</a:t>
+              <a:t>4/6/2017</a:t>
             </a:fld>
             <a:endParaRPr lang="en-US"/>
           </a:p>
@@ -3067,7 +3067,7 @@
           <a:p>
             <a:fld id="{78C97017-6FC3-485B-9764-EAC9E56C1D49}" type="datetimeFigureOut">
               <a:rPr lang="en-US" smtClean="0"/>
-              <a:t>3/9/17</a:t>
+              <a:t>4/6/2017</a:t>
             </a:fld>
             <a:endParaRPr lang="en-US"/>
           </a:p>
@@ -3450,8 +3450,8 @@
         </p:nvSpPr>
         <p:spPr>
           <a:xfrm>
-            <a:off x="1217465" y="1447800"/>
-            <a:ext cx="4917083" cy="3962400"/>
+            <a:off x="1329639" y="1449116"/>
+            <a:ext cx="5190004" cy="4267200"/>
           </a:xfrm>
           <a:prstGeom prst="roundRect">
             <a:avLst>
@@ -3492,7 +3492,7 @@
                   </a:schemeClr>
                 </a:solidFill>
               </a:rPr>
-              <a:t>UI</a:t>
+              <a:t>`list`</a:t>
             </a:r>
             <a:endParaRPr lang="en-SG" sz="1200" b="1" dirty="0">
               <a:solidFill>
@@ -3825,8 +3825,8 @@
         </p:nvSpPr>
         <p:spPr>
           <a:xfrm rot="16200000">
-            <a:off x="5703829" y="2464877"/>
-            <a:ext cx="2362201" cy="328045"/>
+            <a:off x="5749995" y="2418710"/>
+            <a:ext cx="2438401" cy="496577"/>
           </a:xfrm>
           <a:prstGeom prst="roundRect">
             <a:avLst/>
@@ -3945,7 +3945,7 @@
         </p:nvSpPr>
         <p:spPr>
           <a:xfrm>
-            <a:off x="2592527" y="4563759"/>
+            <a:off x="2592525" y="4911944"/>
             <a:ext cx="1093635" cy="236841"/>
           </a:xfrm>
           <a:prstGeom prst="rect">
@@ -4038,7 +4038,7 @@
           <a:p>
             <a:pPr algn="ctr"/>
             <a:r>
-              <a:rPr lang="en-US" altLang="zh-CN" sz="1050" b="1" dirty="0" err="1" smtClean="0">
+              <a:rPr lang="en-US" altLang="zh-CN" sz="1050" b="1" dirty="0" err="1">
                 <a:solidFill>
                   <a:schemeClr val="accent3">
                     <a:lumMod val="75000"/>
@@ -4048,7 +4048,7 @@
               <a:t>Task</a:t>
             </a:r>
             <a:r>
-              <a:rPr lang="en-US" sz="1050" b="1" dirty="0" err="1" smtClean="0">
+              <a:rPr lang="en-US" sz="1050" b="1" dirty="0" err="1">
                 <a:solidFill>
                   <a:schemeClr val="accent3">
                     <a:lumMod val="75000"/>
@@ -4108,7 +4108,7 @@
           <a:p>
             <a:pPr algn="ctr"/>
             <a:r>
-              <a:rPr lang="en-US" altLang="zh-CN" sz="1050" b="1" smtClean="0">
+              <a:rPr lang="en-US" altLang="zh-CN" sz="1050" b="1" dirty="0" err="1">
                 <a:solidFill>
                   <a:schemeClr val="accent3">
                     <a:lumMod val="75000"/>
@@ -4118,7 +4118,7 @@
               <a:t>Task</a:t>
             </a:r>
             <a:r>
-              <a:rPr lang="en-US" sz="1050" b="1" smtClean="0">
+              <a:rPr lang="en-US" sz="1050" b="1" dirty="0" err="1">
                 <a:solidFill>
                   <a:schemeClr val="accent3">
                     <a:lumMod val="75000"/>
@@ -4145,7 +4145,7 @@
         </p:nvSpPr>
         <p:spPr>
           <a:xfrm>
-            <a:off x="2592528" y="4966000"/>
+            <a:off x="2602558" y="5293090"/>
             <a:ext cx="1093635" cy="236841"/>
           </a:xfrm>
           <a:prstGeom prst="rect">
@@ -4391,6 +4391,7 @@
         <p:nvCxnSpPr>
           <p:cNvPr id="47" name="Elbow Connector 63"/>
           <p:cNvCxnSpPr>
+            <a:cxnSpLocks/>
             <a:stCxn id="39" idx="2"/>
             <a:endCxn id="36" idx="1"/>
           </p:cNvCxnSpPr>
@@ -4439,8 +4440,8 @@
         </p:nvCxnSpPr>
         <p:spPr>
           <a:xfrm rot="16200000" flipH="1">
-            <a:off x="1597249" y="3686901"/>
-            <a:ext cx="1814155" cy="176401"/>
+            <a:off x="1423155" y="3860995"/>
+            <a:ext cx="2162340" cy="176399"/>
           </a:xfrm>
           <a:prstGeom prst="bentConnector2">
             <a:avLst/>
@@ -4473,14 +4474,15 @@
         <p:nvCxnSpPr>
           <p:cNvPr id="53" name="Elbow Connector 63"/>
           <p:cNvCxnSpPr>
+            <a:cxnSpLocks/>
             <a:endCxn id="38" idx="1"/>
           </p:cNvCxnSpPr>
           <p:nvPr/>
         </p:nvCxnSpPr>
         <p:spPr>
           <a:xfrm rot="16200000" flipH="1">
-            <a:off x="1184119" y="3676012"/>
-            <a:ext cx="2396440" cy="420377"/>
+            <a:off x="1034404" y="3843357"/>
+            <a:ext cx="2705058" cy="431249"/>
           </a:xfrm>
           <a:prstGeom prst="bentConnector2">
             <a:avLst/>
@@ -4763,8 +4765,8 @@
         </p:nvCxnSpPr>
         <p:spPr>
           <a:xfrm rot="5400000">
-            <a:off x="3409976" y="2562187"/>
-            <a:ext cx="2396180" cy="1843807"/>
+            <a:off x="3235883" y="2736278"/>
+            <a:ext cx="2744365" cy="1843809"/>
           </a:xfrm>
           <a:prstGeom prst="bentConnector2">
             <a:avLst/>
@@ -4804,8 +4806,8 @@
         </p:nvCxnSpPr>
         <p:spPr>
           <a:xfrm rot="5400000">
-            <a:off x="3208856" y="2763307"/>
-            <a:ext cx="2798421" cy="1843806"/>
+            <a:off x="3050326" y="2931867"/>
+            <a:ext cx="3125511" cy="1833776"/>
           </a:xfrm>
           <a:prstGeom prst="bentConnector2">
             <a:avLst/>
@@ -4883,8 +4885,8 @@
         </p:nvSpPr>
         <p:spPr>
           <a:xfrm rot="16200000">
-            <a:off x="6213739" y="4560376"/>
-            <a:ext cx="1371599" cy="328045"/>
+            <a:off x="6167247" y="4606867"/>
+            <a:ext cx="1676401" cy="539863"/>
           </a:xfrm>
           <a:prstGeom prst="roundRect">
             <a:avLst/>
@@ -5529,6 +5531,216 @@
           </a:p>
         </p:txBody>
       </p:sp>
+      <p:sp>
+        <p:nvSpPr>
+          <p:cNvPr id="48" name="Rectangle 11"/>
+          <p:cNvSpPr/>
+          <p:nvPr/>
+        </p:nvSpPr>
+        <p:spPr>
+          <a:xfrm>
+            <a:off x="2590799" y="4425322"/>
+            <a:ext cx="1093635" cy="236841"/>
+          </a:xfrm>
+          <a:prstGeom prst="rect">
+            <a:avLst/>
+          </a:prstGeom>
+          <a:ln w="19050">
+            <a:solidFill>
+              <a:schemeClr val="accent3"/>
+            </a:solidFill>
+          </a:ln>
+          <a:effectLst/>
+        </p:spPr>
+        <p:style>
+          <a:lnRef idx="1">
+            <a:schemeClr val="accent3"/>
+          </a:lnRef>
+          <a:fillRef idx="2">
+            <a:schemeClr val="accent3"/>
+          </a:fillRef>
+          <a:effectRef idx="1">
+            <a:schemeClr val="accent3"/>
+          </a:effectRef>
+          <a:fontRef idx="minor">
+            <a:schemeClr val="dk1"/>
+          </a:fontRef>
+        </p:style>
+        <p:txBody>
+          <a:bodyPr rtlCol="0" anchor="ctr"/>
+          <a:lstStyle/>
+          <a:p>
+            <a:pPr algn="ctr"/>
+            <a:r>
+              <a:rPr lang="en-US" altLang="zh-CN" sz="1050" b="1" dirty="0" err="1">
+                <a:solidFill>
+                  <a:schemeClr val="accent3">
+                    <a:lumMod val="75000"/>
+                  </a:schemeClr>
+                </a:solidFill>
+              </a:rPr>
+              <a:t>MenuBar</a:t>
+            </a:r>
+            <a:r>
+              <a:rPr lang="en-US" sz="1050" b="1" dirty="0" err="1">
+                <a:solidFill>
+                  <a:schemeClr val="accent3">
+                    <a:lumMod val="75000"/>
+                  </a:schemeClr>
+                </a:solidFill>
+              </a:rPr>
+              <a:t>Panel</a:t>
+            </a:r>
+            <a:endParaRPr lang="en-SG" sz="1050" b="1" dirty="0">
+              <a:solidFill>
+                <a:schemeClr val="accent3">
+                  <a:lumMod val="75000"/>
+                </a:schemeClr>
+              </a:solidFill>
+            </a:endParaRPr>
+          </a:p>
+        </p:txBody>
+      </p:sp>
+      <p:cxnSp>
+        <p:nvCxnSpPr>
+          <p:cNvPr id="54" name="Elbow Connector 136"/>
+          <p:cNvCxnSpPr>
+            <a:cxnSpLocks/>
+          </p:cNvCxnSpPr>
+          <p:nvPr/>
+        </p:nvCxnSpPr>
+        <p:spPr>
+          <a:xfrm rot="16200000" flipH="1">
+            <a:off x="3438935" y="4405366"/>
+            <a:ext cx="118421" cy="699979"/>
+          </a:xfrm>
+          <a:prstGeom prst="bentConnector2">
+            <a:avLst/>
+          </a:prstGeom>
+          <a:ln w="19050">
+            <a:solidFill>
+              <a:schemeClr val="accent3"/>
+            </a:solidFill>
+            <a:headEnd type="none" w="med" len="med"/>
+            <a:tailEnd type="arrow" w="med" len="med"/>
+          </a:ln>
+          <a:effectLst/>
+        </p:spPr>
+        <p:style>
+          <a:lnRef idx="1">
+            <a:schemeClr val="accent2"/>
+          </a:lnRef>
+          <a:fillRef idx="2">
+            <a:schemeClr val="accent2"/>
+          </a:fillRef>
+          <a:effectRef idx="1">
+            <a:schemeClr val="accent2"/>
+          </a:effectRef>
+          <a:fontRef idx="minor">
+            <a:schemeClr val="dk1"/>
+          </a:fontRef>
+        </p:style>
+      </p:cxnSp>
+      <p:sp>
+        <p:nvSpPr>
+          <p:cNvPr id="56" name="Rectangle 11"/>
+          <p:cNvSpPr/>
+          <p:nvPr/>
+        </p:nvSpPr>
+        <p:spPr>
+          <a:xfrm>
+            <a:off x="3862560" y="4688135"/>
+            <a:ext cx="1040906" cy="236841"/>
+          </a:xfrm>
+          <a:prstGeom prst="rect">
+            <a:avLst/>
+          </a:prstGeom>
+          <a:ln w="19050">
+            <a:solidFill>
+              <a:schemeClr val="accent3"/>
+            </a:solidFill>
+          </a:ln>
+          <a:effectLst/>
+        </p:spPr>
+        <p:style>
+          <a:lnRef idx="1">
+            <a:schemeClr val="accent3"/>
+          </a:lnRef>
+          <a:fillRef idx="2">
+            <a:schemeClr val="accent3"/>
+          </a:fillRef>
+          <a:effectRef idx="1">
+            <a:schemeClr val="accent3"/>
+          </a:effectRef>
+          <a:fontRef idx="minor">
+            <a:schemeClr val="dk1"/>
+          </a:fontRef>
+        </p:style>
+        <p:txBody>
+          <a:bodyPr rtlCol="0" anchor="ctr"/>
+          <a:lstStyle/>
+          <a:p>
+            <a:pPr algn="ctr"/>
+            <a:r>
+              <a:rPr lang="en-US" sz="1050" b="1" dirty="0" err="1">
+                <a:solidFill>
+                  <a:schemeClr val="accent3">
+                    <a:lumMod val="75000"/>
+                  </a:schemeClr>
+                </a:solidFill>
+              </a:rPr>
+              <a:t>MenuCard</a:t>
+            </a:r>
+            <a:endParaRPr lang="en-SG" sz="1050" b="1" dirty="0">
+              <a:solidFill>
+                <a:schemeClr val="accent3">
+                  <a:lumMod val="75000"/>
+                </a:schemeClr>
+              </a:solidFill>
+            </a:endParaRPr>
+          </a:p>
+        </p:txBody>
+      </p:sp>
+      <p:cxnSp>
+        <p:nvCxnSpPr>
+          <p:cNvPr id="58" name="Elbow Connector 63"/>
+          <p:cNvCxnSpPr>
+            <a:cxnSpLocks/>
+          </p:cNvCxnSpPr>
+          <p:nvPr/>
+        </p:nvCxnSpPr>
+        <p:spPr>
+          <a:xfrm rot="16200000" flipH="1">
+            <a:off x="1876405" y="3883910"/>
+            <a:ext cx="1242356" cy="176400"/>
+          </a:xfrm>
+          <a:prstGeom prst="bentConnector2">
+            <a:avLst/>
+          </a:prstGeom>
+          <a:ln w="19050">
+            <a:solidFill>
+              <a:schemeClr val="accent3"/>
+            </a:solidFill>
+            <a:headEnd type="none" w="med" len="med"/>
+            <a:tailEnd type="arrow" w="med" len="med"/>
+          </a:ln>
+          <a:effectLst/>
+        </p:spPr>
+        <p:style>
+          <a:lnRef idx="1">
+            <a:schemeClr val="accent2"/>
+          </a:lnRef>
+          <a:fillRef idx="2">
+            <a:schemeClr val="accent2"/>
+          </a:fillRef>
+          <a:effectRef idx="1">
+            <a:schemeClr val="accent2"/>
+          </a:effectRef>
+          <a:fontRef idx="minor">
+            <a:schemeClr val="dk1"/>
+          </a:fontRef>
+        </p:style>
+      </p:cxnSp>
     </p:spTree>
     <p:extLst>
       <p:ext uri="{BB962C8B-B14F-4D97-AF65-F5344CB8AC3E}">

--- a/docs/diagrams/UiComponentClassDiagram.pptx
+++ b/docs/diagrams/UiComponentClassDiagram.pptx
@@ -208,7 +208,7 @@
           <a:p>
             <a:fld id="{F5CC4B3F-88C1-4FFA-B1B6-F41C21DC6924}" type="datetimeFigureOut">
               <a:rPr lang="en-US" smtClean="0"/>
-              <a:t>3/23/2017</a:t>
+              <a:t>4/7/2017</a:t>
             </a:fld>
             <a:endParaRPr lang="en-US"/>
           </a:p>
@@ -654,7 +654,7 @@
           <a:p>
             <a:fld id="{78C97017-6FC3-485B-9764-EAC9E56C1D49}" type="datetimeFigureOut">
               <a:rPr lang="en-US" smtClean="0"/>
-              <a:t>3/23/2017</a:t>
+              <a:t>4/7/2017</a:t>
             </a:fld>
             <a:endParaRPr lang="en-US"/>
           </a:p>
@@ -822,7 +822,7 @@
           <a:p>
             <a:fld id="{78C97017-6FC3-485B-9764-EAC9E56C1D49}" type="datetimeFigureOut">
               <a:rPr lang="en-US" smtClean="0"/>
-              <a:t>3/23/2017</a:t>
+              <a:t>4/7/2017</a:t>
             </a:fld>
             <a:endParaRPr lang="en-US"/>
           </a:p>
@@ -1000,7 +1000,7 @@
           <a:p>
             <a:fld id="{78C97017-6FC3-485B-9764-EAC9E56C1D49}" type="datetimeFigureOut">
               <a:rPr lang="en-US" smtClean="0"/>
-              <a:t>3/23/2017</a:t>
+              <a:t>4/7/2017</a:t>
             </a:fld>
             <a:endParaRPr lang="en-US"/>
           </a:p>
@@ -1168,7 +1168,7 @@
           <a:p>
             <a:fld id="{78C97017-6FC3-485B-9764-EAC9E56C1D49}" type="datetimeFigureOut">
               <a:rPr lang="en-US" smtClean="0"/>
-              <a:t>3/23/2017</a:t>
+              <a:t>4/7/2017</a:t>
             </a:fld>
             <a:endParaRPr lang="en-US"/>
           </a:p>
@@ -1413,7 +1413,7 @@
           <a:p>
             <a:fld id="{78C97017-6FC3-485B-9764-EAC9E56C1D49}" type="datetimeFigureOut">
               <a:rPr lang="en-US" smtClean="0"/>
-              <a:t>3/23/2017</a:t>
+              <a:t>4/7/2017</a:t>
             </a:fld>
             <a:endParaRPr lang="en-US"/>
           </a:p>
@@ -1698,7 +1698,7 @@
           <a:p>
             <a:fld id="{78C97017-6FC3-485B-9764-EAC9E56C1D49}" type="datetimeFigureOut">
               <a:rPr lang="en-US" smtClean="0"/>
-              <a:t>3/23/2017</a:t>
+              <a:t>4/7/2017</a:t>
             </a:fld>
             <a:endParaRPr lang="en-US"/>
           </a:p>
@@ -2117,7 +2117,7 @@
           <a:p>
             <a:fld id="{78C97017-6FC3-485B-9764-EAC9E56C1D49}" type="datetimeFigureOut">
               <a:rPr lang="en-US" smtClean="0"/>
-              <a:t>3/23/2017</a:t>
+              <a:t>4/7/2017</a:t>
             </a:fld>
             <a:endParaRPr lang="en-US"/>
           </a:p>
@@ -2234,7 +2234,7 @@
           <a:p>
             <a:fld id="{78C97017-6FC3-485B-9764-EAC9E56C1D49}" type="datetimeFigureOut">
               <a:rPr lang="en-US" smtClean="0"/>
-              <a:t>3/23/2017</a:t>
+              <a:t>4/7/2017</a:t>
             </a:fld>
             <a:endParaRPr lang="en-US"/>
           </a:p>
@@ -2329,7 +2329,7 @@
           <a:p>
             <a:fld id="{78C97017-6FC3-485B-9764-EAC9E56C1D49}" type="datetimeFigureOut">
               <a:rPr lang="en-US" smtClean="0"/>
-              <a:t>3/23/2017</a:t>
+              <a:t>4/7/2017</a:t>
             </a:fld>
             <a:endParaRPr lang="en-US"/>
           </a:p>
@@ -2604,7 +2604,7 @@
           <a:p>
             <a:fld id="{78C97017-6FC3-485B-9764-EAC9E56C1D49}" type="datetimeFigureOut">
               <a:rPr lang="en-US" smtClean="0"/>
-              <a:t>3/23/2017</a:t>
+              <a:t>4/7/2017</a:t>
             </a:fld>
             <a:endParaRPr lang="en-US"/>
           </a:p>
@@ -2856,7 +2856,7 @@
           <a:p>
             <a:fld id="{78C97017-6FC3-485B-9764-EAC9E56C1D49}" type="datetimeFigureOut">
               <a:rPr lang="en-US" smtClean="0"/>
-              <a:t>3/23/2017</a:t>
+              <a:t>4/7/2017</a:t>
             </a:fld>
             <a:endParaRPr lang="en-US"/>
           </a:p>
@@ -3067,7 +3067,7 @@
           <a:p>
             <a:fld id="{78C97017-6FC3-485B-9764-EAC9E56C1D49}" type="datetimeFigureOut">
               <a:rPr lang="en-US" smtClean="0"/>
-              <a:t>3/23/2017</a:t>
+              <a:t>4/7/2017</a:t>
             </a:fld>
             <a:endParaRPr lang="en-US"/>
           </a:p>
@@ -3918,14 +3918,14 @@
           <a:p>
             <a:pPr algn="ctr"/>
             <a:r>
-              <a:rPr lang="en-US" sz="1050" b="1" dirty="0" smtClean="0">
+              <a:rPr lang="en-US" sz="1050" b="1" dirty="0" err="1" smtClean="0">
                 <a:solidFill>
                   <a:schemeClr val="accent3">
                     <a:lumMod val="75000"/>
                   </a:schemeClr>
                 </a:solidFill>
               </a:rPr>
-              <a:t>CalendarDisplay</a:t>
+              <a:t>CalendarPanel</a:t>
             </a:r>
             <a:endParaRPr lang="en-SG" sz="1050" b="1" dirty="0">
               <a:solidFill>

--- a/docs/diagrams/UiComponentClassDiagram.pptx
+++ b/docs/diagrams/UiComponentClassDiagram.pptx
@@ -208,7 +208,7 @@
           <a:p>
             <a:fld id="{F5CC4B3F-88C1-4FFA-B1B6-F41C21DC6924}" type="datetimeFigureOut">
               <a:rPr lang="en-US" smtClean="0"/>
-              <a:t>1/7/2017</a:t>
+              <a:t>4/8/2017</a:t>
             </a:fld>
             <a:endParaRPr lang="en-US"/>
           </a:p>
@@ -654,7 +654,7 @@
           <a:p>
             <a:fld id="{78C97017-6FC3-485B-9764-EAC9E56C1D49}" type="datetimeFigureOut">
               <a:rPr lang="en-US" smtClean="0"/>
-              <a:t>1/7/2017</a:t>
+              <a:t>4/8/2017</a:t>
             </a:fld>
             <a:endParaRPr lang="en-US"/>
           </a:p>
@@ -822,7 +822,7 @@
           <a:p>
             <a:fld id="{78C97017-6FC3-485B-9764-EAC9E56C1D49}" type="datetimeFigureOut">
               <a:rPr lang="en-US" smtClean="0"/>
-              <a:t>1/7/2017</a:t>
+              <a:t>4/8/2017</a:t>
             </a:fld>
             <a:endParaRPr lang="en-US"/>
           </a:p>
@@ -1000,7 +1000,7 @@
           <a:p>
             <a:fld id="{78C97017-6FC3-485B-9764-EAC9E56C1D49}" type="datetimeFigureOut">
               <a:rPr lang="en-US" smtClean="0"/>
-              <a:t>1/7/2017</a:t>
+              <a:t>4/8/2017</a:t>
             </a:fld>
             <a:endParaRPr lang="en-US"/>
           </a:p>
@@ -1168,7 +1168,7 @@
           <a:p>
             <a:fld id="{78C97017-6FC3-485B-9764-EAC9E56C1D49}" type="datetimeFigureOut">
               <a:rPr lang="en-US" smtClean="0"/>
-              <a:t>1/7/2017</a:t>
+              <a:t>4/8/2017</a:t>
             </a:fld>
             <a:endParaRPr lang="en-US"/>
           </a:p>
@@ -1413,7 +1413,7 @@
           <a:p>
             <a:fld id="{78C97017-6FC3-485B-9764-EAC9E56C1D49}" type="datetimeFigureOut">
               <a:rPr lang="en-US" smtClean="0"/>
-              <a:t>1/7/2017</a:t>
+              <a:t>4/8/2017</a:t>
             </a:fld>
             <a:endParaRPr lang="en-US"/>
           </a:p>
@@ -1698,7 +1698,7 @@
           <a:p>
             <a:fld id="{78C97017-6FC3-485B-9764-EAC9E56C1D49}" type="datetimeFigureOut">
               <a:rPr lang="en-US" smtClean="0"/>
-              <a:t>1/7/2017</a:t>
+              <a:t>4/8/2017</a:t>
             </a:fld>
             <a:endParaRPr lang="en-US"/>
           </a:p>
@@ -2117,7 +2117,7 @@
           <a:p>
             <a:fld id="{78C97017-6FC3-485B-9764-EAC9E56C1D49}" type="datetimeFigureOut">
               <a:rPr lang="en-US" smtClean="0"/>
-              <a:t>1/7/2017</a:t>
+              <a:t>4/8/2017</a:t>
             </a:fld>
             <a:endParaRPr lang="en-US"/>
           </a:p>
@@ -2234,7 +2234,7 @@
           <a:p>
             <a:fld id="{78C97017-6FC3-485B-9764-EAC9E56C1D49}" type="datetimeFigureOut">
               <a:rPr lang="en-US" smtClean="0"/>
-              <a:t>1/7/2017</a:t>
+              <a:t>4/8/2017</a:t>
             </a:fld>
             <a:endParaRPr lang="en-US"/>
           </a:p>
@@ -2329,7 +2329,7 @@
           <a:p>
             <a:fld id="{78C97017-6FC3-485B-9764-EAC9E56C1D49}" type="datetimeFigureOut">
               <a:rPr lang="en-US" smtClean="0"/>
-              <a:t>1/7/2017</a:t>
+              <a:t>4/8/2017</a:t>
             </a:fld>
             <a:endParaRPr lang="en-US"/>
           </a:p>
@@ -2604,7 +2604,7 @@
           <a:p>
             <a:fld id="{78C97017-6FC3-485B-9764-EAC9E56C1D49}" type="datetimeFigureOut">
               <a:rPr lang="en-US" smtClean="0"/>
-              <a:t>1/7/2017</a:t>
+              <a:t>4/8/2017</a:t>
             </a:fld>
             <a:endParaRPr lang="en-US"/>
           </a:p>
@@ -2856,7 +2856,7 @@
           <a:p>
             <a:fld id="{78C97017-6FC3-485B-9764-EAC9E56C1D49}" type="datetimeFigureOut">
               <a:rPr lang="en-US" smtClean="0"/>
-              <a:t>1/7/2017</a:t>
+              <a:t>4/8/2017</a:t>
             </a:fld>
             <a:endParaRPr lang="en-US"/>
           </a:p>
@@ -3067,7 +3067,7 @@
           <a:p>
             <a:fld id="{78C97017-6FC3-485B-9764-EAC9E56C1D49}" type="datetimeFigureOut">
               <a:rPr lang="en-US" smtClean="0"/>
-              <a:t>1/7/2017</a:t>
+              <a:t>4/8/2017</a:t>
             </a:fld>
             <a:endParaRPr lang="en-US"/>
           </a:p>
@@ -4045,7 +4045,27 @@
                   </a:schemeClr>
                 </a:solidFill>
               </a:rPr>
-              <a:t>PersonListPanel</a:t>
+              <a:t>T</a:t>
+            </a:r>
+            <a:r>
+              <a:rPr lang="en-US" altLang="zh-CN" sz="1050" b="1" dirty="0" err="1">
+                <a:solidFill>
+                  <a:schemeClr val="accent3">
+                    <a:lumMod val="75000"/>
+                  </a:schemeClr>
+                </a:solidFill>
+              </a:rPr>
+              <a:t>ask</a:t>
+            </a:r>
+            <a:r>
+              <a:rPr lang="en-US" sz="1050" b="1" dirty="0" err="1">
+                <a:solidFill>
+                  <a:schemeClr val="accent3">
+                    <a:lumMod val="75000"/>
+                  </a:schemeClr>
+                </a:solidFill>
+              </a:rPr>
+              <a:t>ListPanel</a:t>
             </a:r>
             <a:endParaRPr lang="en-SG" sz="1050" b="1" dirty="0">
               <a:solidFill>
@@ -4105,7 +4125,7 @@
                   </a:schemeClr>
                 </a:solidFill>
               </a:rPr>
-              <a:t>PersonCard</a:t>
+              <a:t>TaskCard</a:t>
             </a:r>
             <a:endParaRPr lang="en-SG" sz="1050" b="1" dirty="0">
               <a:solidFill>

--- a/docs/diagrams/UiComponentClassDiagram.pptx
+++ b/docs/diagrams/UiComponentClassDiagram.pptx
@@ -208,7 +208,7 @@
           <a:p>
             <a:fld id="{F5CC4B3F-88C1-4FFA-B1B6-F41C21DC6924}" type="datetimeFigureOut">
               <a:rPr lang="en-US" smtClean="0"/>
-              <a:t>4/7/2017</a:t>
+              <a:t>4/9/2017</a:t>
             </a:fld>
             <a:endParaRPr lang="en-US"/>
           </a:p>
@@ -654,7 +654,7 @@
           <a:p>
             <a:fld id="{78C97017-6FC3-485B-9764-EAC9E56C1D49}" type="datetimeFigureOut">
               <a:rPr lang="en-US" smtClean="0"/>
-              <a:t>4/7/2017</a:t>
+              <a:t>4/9/2017</a:t>
             </a:fld>
             <a:endParaRPr lang="en-US"/>
           </a:p>
@@ -822,7 +822,7 @@
           <a:p>
             <a:fld id="{78C97017-6FC3-485B-9764-EAC9E56C1D49}" type="datetimeFigureOut">
               <a:rPr lang="en-US" smtClean="0"/>
-              <a:t>4/7/2017</a:t>
+              <a:t>4/9/2017</a:t>
             </a:fld>
             <a:endParaRPr lang="en-US"/>
           </a:p>
@@ -1000,7 +1000,7 @@
           <a:p>
             <a:fld id="{78C97017-6FC3-485B-9764-EAC9E56C1D49}" type="datetimeFigureOut">
               <a:rPr lang="en-US" smtClean="0"/>
-              <a:t>4/7/2017</a:t>
+              <a:t>4/9/2017</a:t>
             </a:fld>
             <a:endParaRPr lang="en-US"/>
           </a:p>
@@ -1168,7 +1168,7 @@
           <a:p>
             <a:fld id="{78C97017-6FC3-485B-9764-EAC9E56C1D49}" type="datetimeFigureOut">
               <a:rPr lang="en-US" smtClean="0"/>
-              <a:t>4/7/2017</a:t>
+              <a:t>4/9/2017</a:t>
             </a:fld>
             <a:endParaRPr lang="en-US"/>
           </a:p>
@@ -1413,7 +1413,7 @@
           <a:p>
             <a:fld id="{78C97017-6FC3-485B-9764-EAC9E56C1D49}" type="datetimeFigureOut">
               <a:rPr lang="en-US" smtClean="0"/>
-              <a:t>4/7/2017</a:t>
+              <a:t>4/9/2017</a:t>
             </a:fld>
             <a:endParaRPr lang="en-US"/>
           </a:p>
@@ -1698,7 +1698,7 @@
           <a:p>
             <a:fld id="{78C97017-6FC3-485B-9764-EAC9E56C1D49}" type="datetimeFigureOut">
               <a:rPr lang="en-US" smtClean="0"/>
-              <a:t>4/7/2017</a:t>
+              <a:t>4/9/2017</a:t>
             </a:fld>
             <a:endParaRPr lang="en-US"/>
           </a:p>
@@ -2117,7 +2117,7 @@
           <a:p>
             <a:fld id="{78C97017-6FC3-485B-9764-EAC9E56C1D49}" type="datetimeFigureOut">
               <a:rPr lang="en-US" smtClean="0"/>
-              <a:t>4/7/2017</a:t>
+              <a:t>4/9/2017</a:t>
             </a:fld>
             <a:endParaRPr lang="en-US"/>
           </a:p>
@@ -2234,7 +2234,7 @@
           <a:p>
             <a:fld id="{78C97017-6FC3-485B-9764-EAC9E56C1D49}" type="datetimeFigureOut">
               <a:rPr lang="en-US" smtClean="0"/>
-              <a:t>4/7/2017</a:t>
+              <a:t>4/9/2017</a:t>
             </a:fld>
             <a:endParaRPr lang="en-US"/>
           </a:p>
@@ -2329,7 +2329,7 @@
           <a:p>
             <a:fld id="{78C97017-6FC3-485B-9764-EAC9E56C1D49}" type="datetimeFigureOut">
               <a:rPr lang="en-US" smtClean="0"/>
-              <a:t>4/7/2017</a:t>
+              <a:t>4/9/2017</a:t>
             </a:fld>
             <a:endParaRPr lang="en-US"/>
           </a:p>
@@ -2604,7 +2604,7 @@
           <a:p>
             <a:fld id="{78C97017-6FC3-485B-9764-EAC9E56C1D49}" type="datetimeFigureOut">
               <a:rPr lang="en-US" smtClean="0"/>
-              <a:t>4/7/2017</a:t>
+              <a:t>4/9/2017</a:t>
             </a:fld>
             <a:endParaRPr lang="en-US"/>
           </a:p>
@@ -2856,7 +2856,7 @@
           <a:p>
             <a:fld id="{78C97017-6FC3-485B-9764-EAC9E56C1D49}" type="datetimeFigureOut">
               <a:rPr lang="en-US" smtClean="0"/>
-              <a:t>4/7/2017</a:t>
+              <a:t>4/9/2017</a:t>
             </a:fld>
             <a:endParaRPr lang="en-US"/>
           </a:p>
@@ -3067,7 +3067,7 @@
           <a:p>
             <a:fld id="{78C97017-6FC3-485B-9764-EAC9E56C1D49}" type="datetimeFigureOut">
               <a:rPr lang="en-US" smtClean="0"/>
-              <a:t>4/7/2017</a:t>
+              <a:t>4/9/2017</a:t>
             </a:fld>
             <a:endParaRPr lang="en-US"/>
           </a:p>
@@ -3451,7 +3451,7 @@
         <p:spPr>
           <a:xfrm>
             <a:off x="1227618" y="1447798"/>
-            <a:ext cx="4917083" cy="3581402"/>
+            <a:ext cx="4917083" cy="4038602"/>
           </a:xfrm>
           <a:prstGeom prst="roundRect">
             <a:avLst>
@@ -3512,7 +3512,7 @@
         </p:nvSpPr>
         <p:spPr>
           <a:xfrm>
-            <a:off x="2095948" y="2341220"/>
+            <a:off x="2095948" y="2798423"/>
             <a:ext cx="1093635" cy="346760"/>
           </a:xfrm>
           <a:prstGeom prst="rect">
@@ -3572,7 +3572,7 @@
         </p:nvSpPr>
         <p:spPr>
           <a:xfrm>
-            <a:off x="2590864" y="2802705"/>
+            <a:off x="2590864" y="3259908"/>
             <a:ext cx="1093635" cy="236841"/>
           </a:xfrm>
           <a:prstGeom prst="rect">
@@ -3632,7 +3632,7 @@
         </p:nvSpPr>
         <p:spPr>
           <a:xfrm>
-            <a:off x="2092842" y="1770924"/>
+            <a:off x="2092842" y="1752600"/>
             <a:ext cx="1093635" cy="346760"/>
           </a:xfrm>
           <a:prstGeom prst="rect">
@@ -3694,8 +3694,8 @@
         </p:nvCxnSpPr>
         <p:spPr>
           <a:xfrm rot="16200000" flipH="1">
-            <a:off x="2529445" y="2227899"/>
-            <a:ext cx="223536" cy="3106"/>
+            <a:off x="2291682" y="2447338"/>
+            <a:ext cx="699063" cy="3106"/>
           </a:xfrm>
           <a:prstGeom prst="bentConnector3">
             <a:avLst>
@@ -3734,7 +3734,7 @@
         </p:nvSpPr>
         <p:spPr>
           <a:xfrm rot="10800000" flipV="1">
-            <a:off x="5394717" y="2110477"/>
+            <a:off x="5394717" y="2567676"/>
             <a:ext cx="270504" cy="175523"/>
           </a:xfrm>
           <a:prstGeom prst="triangle">
@@ -3825,8 +3825,8 @@
         </p:nvSpPr>
         <p:spPr>
           <a:xfrm rot="16200000">
-            <a:off x="5669380" y="2512908"/>
-            <a:ext cx="2458267" cy="328045"/>
+            <a:off x="5561948" y="2620339"/>
+            <a:ext cx="2673131" cy="328045"/>
           </a:xfrm>
           <a:prstGeom prst="roundRect">
             <a:avLst/>
@@ -3885,7 +3885,7 @@
         </p:nvSpPr>
         <p:spPr>
           <a:xfrm>
-            <a:off x="2600654" y="3736004"/>
+            <a:off x="2600654" y="4193207"/>
             <a:ext cx="1093635" cy="236841"/>
           </a:xfrm>
           <a:prstGeom prst="rect">
@@ -3945,7 +3945,7 @@
         </p:nvSpPr>
         <p:spPr>
           <a:xfrm>
-            <a:off x="2593947" y="4722222"/>
+            <a:off x="2593947" y="5179425"/>
             <a:ext cx="1093635" cy="236841"/>
           </a:xfrm>
           <a:prstGeom prst="rect">
@@ -4005,7 +4005,7 @@
         </p:nvSpPr>
         <p:spPr>
           <a:xfrm>
-            <a:off x="2607360" y="4052051"/>
+            <a:off x="2607360" y="4509254"/>
             <a:ext cx="1093635" cy="236841"/>
           </a:xfrm>
           <a:prstGeom prst="rect">
@@ -4065,7 +4065,7 @@
         </p:nvSpPr>
         <p:spPr>
           <a:xfrm>
-            <a:off x="3878817" y="4224324"/>
+            <a:off x="3878817" y="4681527"/>
             <a:ext cx="1040906" cy="236841"/>
           </a:xfrm>
           <a:prstGeom prst="rect">
@@ -4125,7 +4125,7 @@
         </p:nvSpPr>
         <p:spPr>
           <a:xfrm>
-            <a:off x="2324548" y="2706452"/>
+            <a:off x="2324548" y="3163655"/>
             <a:ext cx="183156" cy="161573"/>
           </a:xfrm>
           <a:prstGeom prst="flowChartDecision">
@@ -4176,7 +4176,7 @@
         </p:nvCxnSpPr>
         <p:spPr>
           <a:xfrm rot="16200000" flipH="1">
-            <a:off x="2476945" y="2807206"/>
+            <a:off x="2476945" y="3264409"/>
             <a:ext cx="53101" cy="174738"/>
           </a:xfrm>
           <a:prstGeom prst="bentConnector2">
@@ -4214,7 +4214,7 @@
         </p:nvSpPr>
         <p:spPr>
           <a:xfrm>
-            <a:off x="2594735" y="3116952"/>
+            <a:off x="2594735" y="3574155"/>
             <a:ext cx="1095361" cy="236841"/>
           </a:xfrm>
           <a:prstGeom prst="rect">
@@ -4277,7 +4277,7 @@
         </p:nvCxnSpPr>
         <p:spPr>
           <a:xfrm rot="16200000" flipH="1">
-            <a:off x="2015190" y="3268961"/>
+            <a:off x="2015190" y="3726164"/>
             <a:ext cx="986400" cy="184528"/>
           </a:xfrm>
           <a:prstGeom prst="bentConnector2">
@@ -4318,7 +4318,7 @@
         </p:nvCxnSpPr>
         <p:spPr>
           <a:xfrm rot="16200000" flipH="1">
-            <a:off x="1860520" y="3423631"/>
+            <a:off x="1860520" y="3880834"/>
             <a:ext cx="1302447" cy="191234"/>
           </a:xfrm>
           <a:prstGeom prst="bentConnector2">
@@ -4356,7 +4356,7 @@
         </p:nvCxnSpPr>
         <p:spPr>
           <a:xfrm rot="16200000" flipH="1">
-            <a:off x="1314479" y="3561574"/>
+            <a:off x="1314479" y="4018777"/>
             <a:ext cx="2166475" cy="419286"/>
           </a:xfrm>
           <a:prstGeom prst="bentConnector3">
@@ -4396,7 +4396,7 @@
         </p:nvSpPr>
         <p:spPr>
           <a:xfrm>
-            <a:off x="5143948" y="1770924"/>
+            <a:off x="5143948" y="2228123"/>
             <a:ext cx="772043" cy="346760"/>
           </a:xfrm>
           <a:prstGeom prst="rect">
@@ -4472,13 +4472,12 @@
           <p:cNvPr id="74" name="Elbow Connector 63"/>
           <p:cNvCxnSpPr>
             <a:stCxn id="43" idx="3"/>
-            <a:endCxn id="16" idx="3"/>
           </p:cNvCxnSpPr>
           <p:nvPr/>
         </p:nvCxnSpPr>
         <p:spPr>
           <a:xfrm flipV="1">
-            <a:off x="3690096" y="2286000"/>
+            <a:off x="3690096" y="2743203"/>
             <a:ext cx="1839873" cy="949373"/>
           </a:xfrm>
           <a:prstGeom prst="bentConnector2">
@@ -4512,14 +4511,13 @@
         <p:nvCxnSpPr>
           <p:cNvPr id="77" name="Elbow Connector 63"/>
           <p:cNvCxnSpPr>
-            <a:stCxn id="16" idx="3"/>
             <a:endCxn id="37" idx="3"/>
           </p:cNvCxnSpPr>
           <p:nvPr/>
         </p:nvCxnSpPr>
         <p:spPr>
           <a:xfrm rot="5400000">
-            <a:off x="4196474" y="3009249"/>
+            <a:off x="4196474" y="3466452"/>
             <a:ext cx="2056745" cy="610246"/>
           </a:xfrm>
           <a:prstGeom prst="bentConnector2">
@@ -4553,14 +4551,13 @@
         <p:nvCxnSpPr>
           <p:cNvPr id="82" name="Elbow Connector 63"/>
           <p:cNvCxnSpPr>
-            <a:stCxn id="16" idx="3"/>
             <a:endCxn id="34" idx="3"/>
           </p:cNvCxnSpPr>
           <p:nvPr/>
         </p:nvCxnSpPr>
         <p:spPr>
           <a:xfrm rot="5400000">
-            <a:off x="3827917" y="2152372"/>
+            <a:off x="3827917" y="2609575"/>
             <a:ext cx="1568425" cy="1835680"/>
           </a:xfrm>
           <a:prstGeom prst="bentConnector2">
@@ -4595,13 +4592,12 @@
           <p:cNvPr id="88" name="Elbow Connector 63"/>
           <p:cNvCxnSpPr>
             <a:stCxn id="2" idx="3"/>
-            <a:endCxn id="16" idx="3"/>
           </p:cNvCxnSpPr>
           <p:nvPr/>
         </p:nvCxnSpPr>
         <p:spPr>
           <a:xfrm flipV="1">
-            <a:off x="3189583" y="2286000"/>
+            <a:off x="3189583" y="2743203"/>
             <a:ext cx="2340386" cy="228600"/>
           </a:xfrm>
           <a:prstGeom prst="bentConnector2">
@@ -4639,7 +4635,7 @@
         </p:nvCxnSpPr>
         <p:spPr>
           <a:xfrm rot="5400000">
-            <a:off x="3414169" y="2734461"/>
+            <a:off x="3414169" y="3191664"/>
             <a:ext cx="2396180" cy="1843807"/>
           </a:xfrm>
           <a:prstGeom prst="bentConnector2">
@@ -4679,8 +4675,8 @@
         </p:nvCxnSpPr>
         <p:spPr>
           <a:xfrm rot="5400000" flipH="1" flipV="1">
-            <a:off x="4594921" y="-355061"/>
-            <a:ext cx="170724" cy="4081246"/>
+            <a:off x="4604914" y="-376976"/>
+            <a:ext cx="164322" cy="4094831"/>
           </a:xfrm>
           <a:prstGeom prst="bentConnector2">
             <a:avLst/>
@@ -4718,8 +4714,8 @@
         </p:nvSpPr>
         <p:spPr>
           <a:xfrm rot="16200000">
-            <a:off x="6410965" y="4376601"/>
-            <a:ext cx="977147" cy="328045"/>
+            <a:off x="6252944" y="4675781"/>
+            <a:ext cx="1293193" cy="328045"/>
           </a:xfrm>
           <a:prstGeom prst="roundRect">
             <a:avLst/>
@@ -4899,8 +4895,8 @@
         </p:nvCxnSpPr>
         <p:spPr>
           <a:xfrm rot="10800000" flipV="1">
-            <a:off x="1503020" y="1944303"/>
-            <a:ext cx="589823" cy="341697"/>
+            <a:off x="1503020" y="1925979"/>
+            <a:ext cx="589823" cy="360021"/>
           </a:xfrm>
           <a:prstGeom prst="bentConnector2">
             <a:avLst/>
@@ -4941,7 +4937,7 @@
         </p:nvCxnSpPr>
         <p:spPr>
           <a:xfrm rot="16200000" flipH="1">
-            <a:off x="2321756" y="2962394"/>
+            <a:off x="2321756" y="3419597"/>
             <a:ext cx="367348" cy="178609"/>
           </a:xfrm>
           <a:prstGeom prst="bentConnector2">
@@ -4975,14 +4971,13 @@
         <p:nvCxnSpPr>
           <p:cNvPr id="132" name="Elbow Connector 63"/>
           <p:cNvCxnSpPr>
-            <a:stCxn id="16" idx="3"/>
             <a:endCxn id="3" idx="3"/>
           </p:cNvCxnSpPr>
           <p:nvPr/>
         </p:nvCxnSpPr>
         <p:spPr>
           <a:xfrm rot="5400000">
-            <a:off x="4289671" y="1680828"/>
+            <a:off x="4289671" y="2138031"/>
             <a:ext cx="635126" cy="1845470"/>
           </a:xfrm>
           <a:prstGeom prst="bentConnector2">
@@ -5023,7 +5018,7 @@
         </p:nvCxnSpPr>
         <p:spPr>
           <a:xfrm rot="16200000" flipH="1">
-            <a:off x="3489571" y="3953498"/>
+            <a:off x="3489571" y="4410701"/>
             <a:ext cx="53853" cy="724639"/>
           </a:xfrm>
           <a:prstGeom prst="bentConnector2">
@@ -5057,14 +5052,13 @@
         <p:nvCxnSpPr>
           <p:cNvPr id="140" name="Elbow Connector 63"/>
           <p:cNvCxnSpPr>
-            <a:stCxn id="16" idx="3"/>
             <a:endCxn id="36" idx="3"/>
           </p:cNvCxnSpPr>
           <p:nvPr/>
         </p:nvCxnSpPr>
         <p:spPr>
           <a:xfrm rot="5400000">
-            <a:off x="3673246" y="2313749"/>
+            <a:off x="3673246" y="2770952"/>
             <a:ext cx="1884472" cy="1828974"/>
           </a:xfrm>
           <a:prstGeom prst="bentConnector2">
@@ -5102,7 +5096,7 @@
         </p:nvSpPr>
         <p:spPr>
           <a:xfrm>
-            <a:off x="5435896" y="2743200"/>
+            <a:off x="5435896" y="3200403"/>
             <a:ext cx="229325" cy="166560"/>
           </a:xfrm>
           <a:prstGeom prst="rect">
@@ -5155,7 +5149,7 @@
         </p:nvSpPr>
         <p:spPr>
           <a:xfrm>
-            <a:off x="3687516" y="2709035"/>
+            <a:off x="3687516" y="3166238"/>
             <a:ext cx="3048000" cy="203200"/>
           </a:xfrm>
           <a:custGeom>
@@ -5237,7 +5231,7 @@
         </p:nvSpPr>
         <p:spPr>
           <a:xfrm>
-            <a:off x="5431573" y="4488138"/>
+            <a:off x="5431573" y="4945341"/>
             <a:ext cx="229325" cy="160062"/>
           </a:xfrm>
           <a:prstGeom prst="rect">
@@ -5290,7 +5284,7 @@
         </p:nvSpPr>
         <p:spPr>
           <a:xfrm flipV="1">
-            <a:off x="4110475" y="4462439"/>
+            <a:off x="4110475" y="4919642"/>
             <a:ext cx="2642195" cy="101600"/>
           </a:xfrm>
           <a:custGeom>
@@ -5374,7 +5368,7 @@
         </p:nvCxnSpPr>
         <p:spPr>
           <a:xfrm rot="16200000" flipH="1">
-            <a:off x="1680920" y="3603231"/>
+            <a:off x="1680920" y="4060434"/>
             <a:ext cx="1658370" cy="187958"/>
           </a:xfrm>
           <a:prstGeom prst="bentConnector3">
@@ -5414,7 +5408,7 @@
         </p:nvSpPr>
         <p:spPr>
           <a:xfrm>
-            <a:off x="2600654" y="4404033"/>
+            <a:off x="2600654" y="4861236"/>
             <a:ext cx="1093635" cy="236841"/>
           </a:xfrm>
           <a:prstGeom prst="rect">
@@ -5474,7 +5468,7 @@
         </p:nvSpPr>
         <p:spPr>
           <a:xfrm>
-            <a:off x="2590013" y="3426884"/>
+            <a:off x="2590013" y="3884087"/>
             <a:ext cx="1093635" cy="236841"/>
           </a:xfrm>
           <a:prstGeom prst="rect">
@@ -5536,7 +5530,7 @@
         </p:nvCxnSpPr>
         <p:spPr>
           <a:xfrm rot="16200000" flipH="1">
-            <a:off x="2157126" y="3127025"/>
+            <a:off x="2157126" y="3584228"/>
             <a:ext cx="700148" cy="182148"/>
           </a:xfrm>
           <a:prstGeom prst="bentConnector3">
@@ -5571,14 +5565,12 @@
       <p:cxnSp>
         <p:nvCxnSpPr>
           <p:cNvPr id="81" name="Elbow Connector 63"/>
-          <p:cNvCxnSpPr>
-            <a:endCxn id="16" idx="3"/>
-          </p:cNvCxnSpPr>
+          <p:cNvCxnSpPr/>
           <p:nvPr/>
         </p:nvCxnSpPr>
         <p:spPr>
           <a:xfrm flipV="1">
-            <a:off x="3687181" y="2286000"/>
+            <a:off x="3687181" y="2743203"/>
             <a:ext cx="1842788" cy="1282174"/>
           </a:xfrm>
           <a:prstGeom prst="bentConnector2">
@@ -5616,7 +5608,7 @@
         </p:nvSpPr>
         <p:spPr>
           <a:xfrm>
-            <a:off x="3686491" y="3371357"/>
+            <a:off x="3686491" y="3828560"/>
             <a:ext cx="3048000" cy="203200"/>
           </a:xfrm>
           <a:custGeom>
@@ -5690,6 +5682,250 @@
           </a:p>
         </p:txBody>
       </p:sp>
+      <p:sp>
+        <p:nvSpPr>
+          <p:cNvPr id="45" name="Rectangle 8"/>
+          <p:cNvSpPr/>
+          <p:nvPr/>
+        </p:nvSpPr>
+        <p:spPr>
+          <a:xfrm>
+            <a:off x="3630765" y="1689082"/>
+            <a:ext cx="1412042" cy="346760"/>
+          </a:xfrm>
+          <a:prstGeom prst="rect">
+            <a:avLst/>
+          </a:prstGeom>
+          <a:ln w="19050">
+            <a:solidFill>
+              <a:schemeClr val="accent3"/>
+            </a:solidFill>
+          </a:ln>
+          <a:effectLst/>
+        </p:spPr>
+        <p:style>
+          <a:lnRef idx="1">
+            <a:schemeClr val="accent3"/>
+          </a:lnRef>
+          <a:fillRef idx="2">
+            <a:schemeClr val="accent3"/>
+          </a:fillRef>
+          <a:effectRef idx="1">
+            <a:schemeClr val="accent3"/>
+          </a:effectRef>
+          <a:fontRef idx="minor">
+            <a:schemeClr val="dk1"/>
+          </a:fontRef>
+        </p:style>
+        <p:txBody>
+          <a:bodyPr rtlCol="0" anchor="ctr"/>
+          <a:lstStyle/>
+          <a:p>
+            <a:pPr algn="ctr"/>
+            <a:r>
+              <a:rPr lang="en-US" sz="1050" b="1" dirty="0" smtClean="0">
+                <a:solidFill>
+                  <a:schemeClr val="accent3">
+                    <a:lumMod val="75000"/>
+                  </a:schemeClr>
+                </a:solidFill>
+              </a:rPr>
+              <a:t>NotificationManager</a:t>
+            </a:r>
+            <a:endParaRPr lang="en-SG" sz="1050" b="1" dirty="0">
+              <a:solidFill>
+                <a:schemeClr val="accent3">
+                  <a:lumMod val="75000"/>
+                </a:schemeClr>
+              </a:solidFill>
+            </a:endParaRPr>
+          </a:p>
+        </p:txBody>
+      </p:sp>
+      <p:sp>
+        <p:nvSpPr>
+          <p:cNvPr id="46" name="Rectangle 8"/>
+          <p:cNvSpPr/>
+          <p:nvPr/>
+        </p:nvSpPr>
+        <p:spPr>
+          <a:xfrm>
+            <a:off x="3630765" y="2131525"/>
+            <a:ext cx="1093635" cy="346760"/>
+          </a:xfrm>
+          <a:prstGeom prst="rect">
+            <a:avLst/>
+          </a:prstGeom>
+          <a:ln w="19050">
+            <a:solidFill>
+              <a:schemeClr val="accent3"/>
+            </a:solidFill>
+          </a:ln>
+          <a:effectLst/>
+        </p:spPr>
+        <p:style>
+          <a:lnRef idx="1">
+            <a:schemeClr val="accent3"/>
+          </a:lnRef>
+          <a:fillRef idx="2">
+            <a:schemeClr val="accent3"/>
+          </a:fillRef>
+          <a:effectRef idx="1">
+            <a:schemeClr val="accent3"/>
+          </a:effectRef>
+          <a:fontRef idx="minor">
+            <a:schemeClr val="dk1"/>
+          </a:fontRef>
+        </p:style>
+        <p:txBody>
+          <a:bodyPr rtlCol="0" anchor="ctr"/>
+          <a:lstStyle/>
+          <a:p>
+            <a:pPr algn="ctr"/>
+            <a:r>
+              <a:rPr lang="en-US" sz="1050" b="1" dirty="0" smtClean="0">
+                <a:solidFill>
+                  <a:schemeClr val="accent3">
+                    <a:lumMod val="75000"/>
+                  </a:schemeClr>
+                </a:solidFill>
+              </a:rPr>
+              <a:t>HotkeyManager</a:t>
+            </a:r>
+            <a:endParaRPr lang="en-SG" sz="1050" b="1" dirty="0">
+              <a:solidFill>
+                <a:schemeClr val="accent3">
+                  <a:lumMod val="75000"/>
+                </a:schemeClr>
+              </a:solidFill>
+            </a:endParaRPr>
+          </a:p>
+        </p:txBody>
+      </p:sp>
+      <p:cxnSp>
+        <p:nvCxnSpPr>
+          <p:cNvPr id="48" name="Elbow Connector 63"/>
+          <p:cNvCxnSpPr>
+            <a:endCxn id="46" idx="1"/>
+          </p:cNvCxnSpPr>
+          <p:nvPr/>
+        </p:nvCxnSpPr>
+        <p:spPr>
+          <a:xfrm>
+            <a:off x="3185050" y="1955429"/>
+            <a:ext cx="445715" cy="349476"/>
+          </a:xfrm>
+          <a:prstGeom prst="bentConnector3">
+            <a:avLst>
+              <a:gd name="adj1" fmla="val 50000"/>
+            </a:avLst>
+          </a:prstGeom>
+          <a:ln w="19050">
+            <a:solidFill>
+              <a:srgbClr val="00B050"/>
+            </a:solidFill>
+            <a:headEnd type="none" w="med" len="med"/>
+            <a:tailEnd type="arrow" w="med" len="med"/>
+          </a:ln>
+          <a:effectLst/>
+        </p:spPr>
+        <p:style>
+          <a:lnRef idx="1">
+            <a:schemeClr val="accent2"/>
+          </a:lnRef>
+          <a:fillRef idx="2">
+            <a:schemeClr val="accent2"/>
+          </a:fillRef>
+          <a:effectRef idx="1">
+            <a:schemeClr val="accent2"/>
+          </a:effectRef>
+          <a:fontRef idx="minor">
+            <a:schemeClr val="dk1"/>
+          </a:fontRef>
+        </p:style>
+      </p:cxnSp>
+      <p:cxnSp>
+        <p:nvCxnSpPr>
+          <p:cNvPr id="52" name="Elbow Connector 63"/>
+          <p:cNvCxnSpPr>
+            <a:endCxn id="45" idx="1"/>
+          </p:cNvCxnSpPr>
+          <p:nvPr/>
+        </p:nvCxnSpPr>
+        <p:spPr>
+          <a:xfrm flipV="1">
+            <a:off x="3198847" y="1862462"/>
+            <a:ext cx="431918" cy="102536"/>
+          </a:xfrm>
+          <a:prstGeom prst="bentConnector3">
+            <a:avLst>
+              <a:gd name="adj1" fmla="val 50000"/>
+            </a:avLst>
+          </a:prstGeom>
+          <a:ln w="19050">
+            <a:solidFill>
+              <a:srgbClr val="00B050"/>
+            </a:solidFill>
+            <a:headEnd type="none" w="med" len="med"/>
+            <a:tailEnd type="arrow" w="med" len="med"/>
+          </a:ln>
+          <a:effectLst/>
+        </p:spPr>
+        <p:style>
+          <a:lnRef idx="1">
+            <a:schemeClr val="accent2"/>
+          </a:lnRef>
+          <a:fillRef idx="2">
+            <a:schemeClr val="accent2"/>
+          </a:fillRef>
+          <a:effectRef idx="1">
+            <a:schemeClr val="accent2"/>
+          </a:effectRef>
+          <a:fontRef idx="minor">
+            <a:schemeClr val="dk1"/>
+          </a:fontRef>
+        </p:style>
+      </p:cxnSp>
+      <p:cxnSp>
+        <p:nvCxnSpPr>
+          <p:cNvPr id="59" name="Elbow Connector 63"/>
+          <p:cNvCxnSpPr/>
+          <p:nvPr/>
+        </p:nvCxnSpPr>
+        <p:spPr>
+          <a:xfrm>
+            <a:off x="5042808" y="1853196"/>
+            <a:ext cx="1691685" cy="2124"/>
+          </a:xfrm>
+          <a:prstGeom prst="bentConnector3">
+            <a:avLst>
+              <a:gd name="adj1" fmla="val 50000"/>
+            </a:avLst>
+          </a:prstGeom>
+          <a:ln w="19050">
+            <a:solidFill>
+              <a:srgbClr val="00B050"/>
+            </a:solidFill>
+            <a:headEnd type="none" w="med" len="med"/>
+            <a:tailEnd type="arrow" w="med" len="med"/>
+          </a:ln>
+          <a:effectLst/>
+        </p:spPr>
+        <p:style>
+          <a:lnRef idx="1">
+            <a:schemeClr val="accent2"/>
+          </a:lnRef>
+          <a:fillRef idx="2">
+            <a:schemeClr val="accent2"/>
+          </a:fillRef>
+          <a:effectRef idx="1">
+            <a:schemeClr val="accent2"/>
+          </a:effectRef>
+          <a:fontRef idx="minor">
+            <a:schemeClr val="dk1"/>
+          </a:fontRef>
+        </p:style>
+      </p:cxnSp>
     </p:spTree>
     <p:extLst>
       <p:ext uri="{BB962C8B-B14F-4D97-AF65-F5344CB8AC3E}">

--- a/docs/diagrams/UiComponentClassDiagram.pptx
+++ b/docs/diagrams/UiComponentClassDiagram.pptx
@@ -109,7 +109,7 @@
   </p:defaultTextStyle>
   <p:extLst>
     <p:ext uri="{EFAFB233-063F-42B5-8137-9DF3F51BA10A}">
-      <p15:sldGuideLst xmlns:p15="http://schemas.microsoft.com/office/powerpoint/2012/main">
+      <p15:sldGuideLst xmlns:p15="http://schemas.microsoft.com/office/powerpoint/2012/main" xmlns="">
         <p15:guide id="1" orient="horz" pos="1488">
           <p15:clr>
             <a:srgbClr val="A4A3A4"/>
@@ -208,7 +208,7 @@
           <a:p>
             <a:fld id="{F5CC4B3F-88C1-4FFA-B1B6-F41C21DC6924}" type="datetimeFigureOut">
               <a:rPr lang="en-US" smtClean="0"/>
-              <a:t>1/7/2017</a:t>
+              <a:t>17-04-09</a:t>
             </a:fld>
             <a:endParaRPr lang="en-US"/>
           </a:p>
@@ -654,7 +654,7 @@
           <a:p>
             <a:fld id="{78C97017-6FC3-485B-9764-EAC9E56C1D49}" type="datetimeFigureOut">
               <a:rPr lang="en-US" smtClean="0"/>
-              <a:t>1/7/2017</a:t>
+              <a:t>17-04-09</a:t>
             </a:fld>
             <a:endParaRPr lang="en-US"/>
           </a:p>
@@ -822,7 +822,7 @@
           <a:p>
             <a:fld id="{78C97017-6FC3-485B-9764-EAC9E56C1D49}" type="datetimeFigureOut">
               <a:rPr lang="en-US" smtClean="0"/>
-              <a:t>1/7/2017</a:t>
+              <a:t>17-04-09</a:t>
             </a:fld>
             <a:endParaRPr lang="en-US"/>
           </a:p>
@@ -1000,7 +1000,7 @@
           <a:p>
             <a:fld id="{78C97017-6FC3-485B-9764-EAC9E56C1D49}" type="datetimeFigureOut">
               <a:rPr lang="en-US" smtClean="0"/>
-              <a:t>1/7/2017</a:t>
+              <a:t>17-04-09</a:t>
             </a:fld>
             <a:endParaRPr lang="en-US"/>
           </a:p>
@@ -1168,7 +1168,7 @@
           <a:p>
             <a:fld id="{78C97017-6FC3-485B-9764-EAC9E56C1D49}" type="datetimeFigureOut">
               <a:rPr lang="en-US" smtClean="0"/>
-              <a:t>1/7/2017</a:t>
+              <a:t>17-04-09</a:t>
             </a:fld>
             <a:endParaRPr lang="en-US"/>
           </a:p>
@@ -1413,7 +1413,7 @@
           <a:p>
             <a:fld id="{78C97017-6FC3-485B-9764-EAC9E56C1D49}" type="datetimeFigureOut">
               <a:rPr lang="en-US" smtClean="0"/>
-              <a:t>1/7/2017</a:t>
+              <a:t>17-04-09</a:t>
             </a:fld>
             <a:endParaRPr lang="en-US"/>
           </a:p>
@@ -1698,7 +1698,7 @@
           <a:p>
             <a:fld id="{78C97017-6FC3-485B-9764-EAC9E56C1D49}" type="datetimeFigureOut">
               <a:rPr lang="en-US" smtClean="0"/>
-              <a:t>1/7/2017</a:t>
+              <a:t>17-04-09</a:t>
             </a:fld>
             <a:endParaRPr lang="en-US"/>
           </a:p>
@@ -2117,7 +2117,7 @@
           <a:p>
             <a:fld id="{78C97017-6FC3-485B-9764-EAC9E56C1D49}" type="datetimeFigureOut">
               <a:rPr lang="en-US" smtClean="0"/>
-              <a:t>1/7/2017</a:t>
+              <a:t>17-04-09</a:t>
             </a:fld>
             <a:endParaRPr lang="en-US"/>
           </a:p>
@@ -2234,7 +2234,7 @@
           <a:p>
             <a:fld id="{78C97017-6FC3-485B-9764-EAC9E56C1D49}" type="datetimeFigureOut">
               <a:rPr lang="en-US" smtClean="0"/>
-              <a:t>1/7/2017</a:t>
+              <a:t>17-04-09</a:t>
             </a:fld>
             <a:endParaRPr lang="en-US"/>
           </a:p>
@@ -2329,7 +2329,7 @@
           <a:p>
             <a:fld id="{78C97017-6FC3-485B-9764-EAC9E56C1D49}" type="datetimeFigureOut">
               <a:rPr lang="en-US" smtClean="0"/>
-              <a:t>1/7/2017</a:t>
+              <a:t>17-04-09</a:t>
             </a:fld>
             <a:endParaRPr lang="en-US"/>
           </a:p>
@@ -2604,7 +2604,7 @@
           <a:p>
             <a:fld id="{78C97017-6FC3-485B-9764-EAC9E56C1D49}" type="datetimeFigureOut">
               <a:rPr lang="en-US" smtClean="0"/>
-              <a:t>1/7/2017</a:t>
+              <a:t>17-04-09</a:t>
             </a:fld>
             <a:endParaRPr lang="en-US"/>
           </a:p>
@@ -2856,7 +2856,7 @@
           <a:p>
             <a:fld id="{78C97017-6FC3-485B-9764-EAC9E56C1D49}" type="datetimeFigureOut">
               <a:rPr lang="en-US" smtClean="0"/>
-              <a:t>1/7/2017</a:t>
+              <a:t>17-04-09</a:t>
             </a:fld>
             <a:endParaRPr lang="en-US"/>
           </a:p>
@@ -3067,7 +3067,7 @@
           <a:p>
             <a:fld id="{78C97017-6FC3-485B-9764-EAC9E56C1D49}" type="datetimeFigureOut">
               <a:rPr lang="en-US" smtClean="0"/>
-              <a:t>1/7/2017</a:t>
+              <a:t>17-04-09</a:t>
             </a:fld>
             <a:endParaRPr lang="en-US"/>
           </a:p>
@@ -4038,14 +4038,24 @@
           <a:p>
             <a:pPr algn="ctr"/>
             <a:r>
-              <a:rPr lang="en-US" sz="1050" b="1" dirty="0" err="1">
+              <a:rPr lang="en-US" sz="1050" b="1" dirty="0" err="1" smtClean="0">
                 <a:solidFill>
                   <a:schemeClr val="accent3">
                     <a:lumMod val="75000"/>
                   </a:schemeClr>
                 </a:solidFill>
               </a:rPr>
-              <a:t>PersonListPanel</a:t>
+              <a:t>Task</a:t>
+            </a:r>
+            <a:r>
+              <a:rPr lang="en-US" sz="1050" b="1" dirty="0" err="1" smtClean="0">
+                <a:solidFill>
+                  <a:schemeClr val="accent3">
+                    <a:lumMod val="75000"/>
+                  </a:schemeClr>
+                </a:solidFill>
+              </a:rPr>
+              <a:t>ListPanel</a:t>
             </a:r>
             <a:endParaRPr lang="en-SG" sz="1050" b="1" dirty="0">
               <a:solidFill>
@@ -4098,14 +4108,24 @@
           <a:p>
             <a:pPr algn="ctr"/>
             <a:r>
-              <a:rPr lang="en-US" sz="1050" b="1" dirty="0" err="1">
+              <a:rPr lang="en-US" sz="1050" b="1" dirty="0" err="1" smtClean="0">
                 <a:solidFill>
                   <a:schemeClr val="accent3">
                     <a:lumMod val="75000"/>
                   </a:schemeClr>
                 </a:solidFill>
               </a:rPr>
-              <a:t>PersonCard</a:t>
+              <a:t>Task</a:t>
+            </a:r>
+            <a:r>
+              <a:rPr lang="en-US" sz="1050" b="1" dirty="0" err="1" smtClean="0">
+                <a:solidFill>
+                  <a:schemeClr val="accent3">
+                    <a:lumMod val="75000"/>
+                  </a:schemeClr>
+                </a:solidFill>
+              </a:rPr>
+              <a:t>Card</a:t>
             </a:r>
             <a:endParaRPr lang="en-SG" sz="1050" b="1" dirty="0">
               <a:solidFill>

--- a/docs/diagrams/UiComponentClassDiagram.pptx
+++ b/docs/diagrams/UiComponentClassDiagram.pptx
@@ -208,7 +208,7 @@
           <a:p>
             <a:fld id="{F5CC4B3F-88C1-4FFA-B1B6-F41C21DC6924}" type="datetimeFigureOut">
               <a:rPr lang="en-US" smtClean="0"/>
-              <a:t>3/28/2017</a:t>
+              <a:t>4/5/2017</a:t>
             </a:fld>
             <a:endParaRPr lang="en-US"/>
           </a:p>
@@ -654,7 +654,7 @@
           <a:p>
             <a:fld id="{78C97017-6FC3-485B-9764-EAC9E56C1D49}" type="datetimeFigureOut">
               <a:rPr lang="en-US" smtClean="0"/>
-              <a:t>3/28/2017</a:t>
+              <a:t>4/5/2017</a:t>
             </a:fld>
             <a:endParaRPr lang="en-US"/>
           </a:p>
@@ -822,7 +822,7 @@
           <a:p>
             <a:fld id="{78C97017-6FC3-485B-9764-EAC9E56C1D49}" type="datetimeFigureOut">
               <a:rPr lang="en-US" smtClean="0"/>
-              <a:t>3/28/2017</a:t>
+              <a:t>4/5/2017</a:t>
             </a:fld>
             <a:endParaRPr lang="en-US"/>
           </a:p>
@@ -1000,7 +1000,7 @@
           <a:p>
             <a:fld id="{78C97017-6FC3-485B-9764-EAC9E56C1D49}" type="datetimeFigureOut">
               <a:rPr lang="en-US" smtClean="0"/>
-              <a:t>3/28/2017</a:t>
+              <a:t>4/5/2017</a:t>
             </a:fld>
             <a:endParaRPr lang="en-US"/>
           </a:p>
@@ -1168,7 +1168,7 @@
           <a:p>
             <a:fld id="{78C97017-6FC3-485B-9764-EAC9E56C1D49}" type="datetimeFigureOut">
               <a:rPr lang="en-US" smtClean="0"/>
-              <a:t>3/28/2017</a:t>
+              <a:t>4/5/2017</a:t>
             </a:fld>
             <a:endParaRPr lang="en-US"/>
           </a:p>
@@ -1413,7 +1413,7 @@
           <a:p>
             <a:fld id="{78C97017-6FC3-485B-9764-EAC9E56C1D49}" type="datetimeFigureOut">
               <a:rPr lang="en-US" smtClean="0"/>
-              <a:t>3/28/2017</a:t>
+              <a:t>4/5/2017</a:t>
             </a:fld>
             <a:endParaRPr lang="en-US"/>
           </a:p>
@@ -1698,7 +1698,7 @@
           <a:p>
             <a:fld id="{78C97017-6FC3-485B-9764-EAC9E56C1D49}" type="datetimeFigureOut">
               <a:rPr lang="en-US" smtClean="0"/>
-              <a:t>3/28/2017</a:t>
+              <a:t>4/5/2017</a:t>
             </a:fld>
             <a:endParaRPr lang="en-US"/>
           </a:p>
@@ -2117,7 +2117,7 @@
           <a:p>
             <a:fld id="{78C97017-6FC3-485B-9764-EAC9E56C1D49}" type="datetimeFigureOut">
               <a:rPr lang="en-US" smtClean="0"/>
-              <a:t>3/28/2017</a:t>
+              <a:t>4/5/2017</a:t>
             </a:fld>
             <a:endParaRPr lang="en-US"/>
           </a:p>
@@ -2234,7 +2234,7 @@
           <a:p>
             <a:fld id="{78C97017-6FC3-485B-9764-EAC9E56C1D49}" type="datetimeFigureOut">
               <a:rPr lang="en-US" smtClean="0"/>
-              <a:t>3/28/2017</a:t>
+              <a:t>4/5/2017</a:t>
             </a:fld>
             <a:endParaRPr lang="en-US"/>
           </a:p>
@@ -2329,7 +2329,7 @@
           <a:p>
             <a:fld id="{78C97017-6FC3-485B-9764-EAC9E56C1D49}" type="datetimeFigureOut">
               <a:rPr lang="en-US" smtClean="0"/>
-              <a:t>3/28/2017</a:t>
+              <a:t>4/5/2017</a:t>
             </a:fld>
             <a:endParaRPr lang="en-US"/>
           </a:p>
@@ -2604,7 +2604,7 @@
           <a:p>
             <a:fld id="{78C97017-6FC3-485B-9764-EAC9E56C1D49}" type="datetimeFigureOut">
               <a:rPr lang="en-US" smtClean="0"/>
-              <a:t>3/28/2017</a:t>
+              <a:t>4/5/2017</a:t>
             </a:fld>
             <a:endParaRPr lang="en-US"/>
           </a:p>
@@ -2856,7 +2856,7 @@
           <a:p>
             <a:fld id="{78C97017-6FC3-485B-9764-EAC9E56C1D49}" type="datetimeFigureOut">
               <a:rPr lang="en-US" smtClean="0"/>
-              <a:t>3/28/2017</a:t>
+              <a:t>4/5/2017</a:t>
             </a:fld>
             <a:endParaRPr lang="en-US"/>
           </a:p>
@@ -3067,7 +3067,7 @@
           <a:p>
             <a:fld id="{78C97017-6FC3-485B-9764-EAC9E56C1D49}" type="datetimeFigureOut">
               <a:rPr lang="en-US" smtClean="0"/>
-              <a:t>3/28/2017</a:t>
+              <a:t>4/5/2017</a:t>
             </a:fld>
             <a:endParaRPr lang="en-US"/>
           </a:p>
@@ -3545,7 +3545,7 @@
           <a:p>
             <a:pPr algn="ctr"/>
             <a:r>
-              <a:rPr lang="en-US" sz="1050" b="1" dirty="0" err="1">
+              <a:rPr lang="en-US" sz="1050" b="1" dirty="0">
                 <a:solidFill>
                   <a:schemeClr val="accent3">
                     <a:lumMod val="75000"/>
@@ -3605,7 +3605,7 @@
           <a:p>
             <a:pPr algn="ctr"/>
             <a:r>
-              <a:rPr lang="en-US" sz="1050" b="1" dirty="0" err="1">
+              <a:rPr lang="en-US" sz="1050" b="1" dirty="0">
                 <a:solidFill>
                   <a:schemeClr val="accent3">
                     <a:lumMod val="75000"/>
@@ -3918,7 +3918,7 @@
           <a:p>
             <a:pPr algn="ctr"/>
             <a:r>
-              <a:rPr lang="en-US" sz="1050" b="1" dirty="0" err="1">
+              <a:rPr lang="en-US" sz="1050" b="1" dirty="0">
                 <a:solidFill>
                   <a:schemeClr val="accent3">
                     <a:lumMod val="75000"/>
@@ -3945,7 +3945,7 @@
         </p:nvSpPr>
         <p:spPr>
           <a:xfrm>
-            <a:off x="2592527" y="4487559"/>
+            <a:off x="2592527" y="4563759"/>
             <a:ext cx="1093635" cy="236841"/>
           </a:xfrm>
           <a:prstGeom prst="rect">
@@ -3978,7 +3978,7 @@
           <a:p>
             <a:pPr algn="ctr"/>
             <a:r>
-              <a:rPr lang="en-US" sz="1050" b="1" dirty="0" err="1">
+              <a:rPr lang="en-US" sz="1050" b="1" dirty="0">
                 <a:solidFill>
                   <a:schemeClr val="accent3">
                     <a:lumMod val="75000"/>
@@ -4038,14 +4038,14 @@
           <a:p>
             <a:pPr algn="ctr"/>
             <a:r>
-              <a:rPr lang="en-US" sz="1050" b="1" dirty="0" err="1">
+              <a:rPr lang="en-US" sz="1050" b="1" dirty="0">
                 <a:solidFill>
                   <a:schemeClr val="accent3">
                     <a:lumMod val="75000"/>
                   </a:schemeClr>
                 </a:solidFill>
               </a:rPr>
-              <a:t>PersonListPanel</a:t>
+              <a:t>EventListPanel</a:t>
             </a:r>
             <a:endParaRPr lang="en-SG" sz="1050" b="1" dirty="0">
               <a:solidFill>
@@ -4065,7 +4065,7 @@
         </p:nvSpPr>
         <p:spPr>
           <a:xfrm>
-            <a:off x="3839323" y="4228801"/>
+            <a:off x="4032039" y="3841810"/>
             <a:ext cx="1040906" cy="236841"/>
           </a:xfrm>
           <a:prstGeom prst="rect">
@@ -4098,14 +4098,14 @@
           <a:p>
             <a:pPr algn="ctr"/>
             <a:r>
-              <a:rPr lang="en-US" sz="1050" b="1" dirty="0" err="1">
+              <a:rPr lang="en-US" sz="1050" b="1" dirty="0">
                 <a:solidFill>
                   <a:schemeClr val="accent3">
                     <a:lumMod val="75000"/>
                   </a:schemeClr>
                 </a:solidFill>
               </a:rPr>
-              <a:t>PersonCard</a:t>
+              <a:t>EventCard</a:t>
             </a:r>
             <a:endParaRPr lang="en-SG" sz="1050" b="1" dirty="0">
               <a:solidFill>
@@ -4158,7 +4158,7 @@
           <a:p>
             <a:pPr algn="ctr"/>
             <a:r>
-              <a:rPr lang="en-US" sz="1050" b="1" dirty="0" err="1">
+              <a:rPr lang="en-US" sz="1050" b="1" dirty="0">
                 <a:solidFill>
                   <a:schemeClr val="accent3">
                     <a:lumMod val="75000"/>
@@ -4307,7 +4307,7 @@
           <a:p>
             <a:pPr algn="ctr"/>
             <a:r>
-              <a:rPr lang="en-US" sz="1050" b="1" dirty="0" err="1">
+              <a:rPr lang="en-US" sz="1050" b="1" dirty="0">
                 <a:solidFill>
                   <a:schemeClr val="accent3">
                     <a:lumMod val="75000"/>
@@ -4419,7 +4419,7 @@
         </p:nvCxnSpPr>
         <p:spPr>
           <a:xfrm rot="16200000" flipH="1">
-            <a:off x="1477965" y="3806186"/>
+            <a:off x="1477965" y="3916365"/>
             <a:ext cx="2050996" cy="174674"/>
           </a:xfrm>
           <a:prstGeom prst="bentConnector2">
@@ -4549,7 +4549,7 @@
               </a:rPr>
             </a:br>
             <a:r>
-              <a:rPr lang="en-US" sz="1050" b="1" dirty="0" err="1">
+              <a:rPr lang="en-US" sz="1050" b="1" dirty="0">
                 <a:solidFill>
                   <a:schemeClr val="accent3">
                     <a:lumMod val="75000"/>
@@ -4620,8 +4620,8 @@
         </p:nvCxnSpPr>
         <p:spPr>
           <a:xfrm rot="5400000">
-            <a:off x="4174488" y="2991741"/>
-            <a:ext cx="2061222" cy="649740"/>
+            <a:off x="4464342" y="2894603"/>
+            <a:ext cx="1674231" cy="457024"/>
           </a:xfrm>
           <a:prstGeom prst="bentConnector2">
             <a:avLst/>
@@ -4743,8 +4743,8 @@
         </p:nvCxnSpPr>
         <p:spPr>
           <a:xfrm rot="5400000">
-            <a:off x="3448076" y="2524087"/>
-            <a:ext cx="2319980" cy="1843807"/>
+            <a:off x="3409976" y="2562187"/>
+            <a:ext cx="2396180" cy="1843807"/>
           </a:xfrm>
           <a:prstGeom prst="bentConnector2">
             <a:avLst/>
@@ -5161,18 +5161,21 @@
         <p:nvCxnSpPr>
           <p:cNvPr id="137" name="Elbow Connector 136"/>
           <p:cNvCxnSpPr>
-            <a:stCxn id="36" idx="2"/>
+            <a:cxnSpLocks/>
+            <a:stCxn id="36" idx="3"/>
             <a:endCxn id="37" idx="1"/>
           </p:cNvCxnSpPr>
           <p:nvPr/>
         </p:nvCxnSpPr>
         <p:spPr>
-          <a:xfrm rot="16200000" flipH="1">
-            <a:off x="3430123" y="3938021"/>
-            <a:ext cx="118421" cy="699979"/>
-          </a:xfrm>
-          <a:prstGeom prst="bentConnector2">
-            <a:avLst/>
+          <a:xfrm flipV="1">
+            <a:off x="3686161" y="3960231"/>
+            <a:ext cx="345878" cy="150150"/>
+          </a:xfrm>
+          <a:prstGeom prst="bentConnector3">
+            <a:avLst>
+              <a:gd name="adj1" fmla="val 50000"/>
+            </a:avLst>
           </a:prstGeom>
           <a:ln w="19050">
             <a:solidFill>
@@ -5435,8 +5438,8 @@
         </p:nvSpPr>
         <p:spPr>
           <a:xfrm flipV="1">
-            <a:off x="4114799" y="4472708"/>
-            <a:ext cx="2642195" cy="101600"/>
+            <a:off x="5072945" y="4337907"/>
+            <a:ext cx="1684049" cy="236401"/>
           </a:xfrm>
           <a:custGeom>
             <a:avLst/>
@@ -5511,13 +5514,13 @@
       </p:sp>
       <p:sp>
         <p:nvSpPr>
-          <p:cNvPr id="42" name="Rectangle 11"/>
+          <p:cNvPr id="45" name="Rectangle 11"/>
           <p:cNvSpPr/>
           <p:nvPr/>
         </p:nvSpPr>
         <p:spPr>
           <a:xfrm>
-            <a:off x="3835302" y="3960230"/>
+            <a:off x="4033642" y="4191000"/>
             <a:ext cx="1040906" cy="236841"/>
           </a:xfrm>
           <a:prstGeom prst="rect">
@@ -5550,14 +5553,14 @@
           <a:p>
             <a:pPr algn="ctr"/>
             <a:r>
-              <a:rPr lang="en-US" sz="1050" b="1" dirty="0" err="1">
+              <a:rPr lang="en-US" sz="1050" b="1" dirty="0">
                 <a:solidFill>
                   <a:schemeClr val="accent3">
                     <a:lumMod val="75000"/>
                   </a:schemeClr>
                 </a:solidFill>
               </a:rPr>
-              <a:t>EventCard</a:t>
+              <a:t>TaskCard</a:t>
             </a:r>
             <a:endParaRPr lang="en-SG" sz="1050" b="1" dirty="0">
               <a:solidFill>
@@ -5571,14 +5574,14 @@
       </p:sp>
       <p:sp>
         <p:nvSpPr>
-          <p:cNvPr id="45" name="Rectangle 11"/>
+          <p:cNvPr id="48" name="Rectangle 11"/>
           <p:cNvSpPr/>
           <p:nvPr/>
         </p:nvSpPr>
         <p:spPr>
           <a:xfrm>
-            <a:off x="3843850" y="4509824"/>
-            <a:ext cx="1040906" cy="236841"/>
+            <a:off x="2590800" y="4876800"/>
+            <a:ext cx="1093635" cy="236841"/>
           </a:xfrm>
           <a:prstGeom prst="rect">
             <a:avLst/>
@@ -5610,14 +5613,14 @@
           <a:p>
             <a:pPr algn="ctr"/>
             <a:r>
-              <a:rPr lang="en-US" sz="1050" b="1" dirty="0" err="1">
+              <a:rPr lang="en-US" sz="1050" b="1" dirty="0">
                 <a:solidFill>
                   <a:schemeClr val="accent3">
                     <a:lumMod val="75000"/>
                   </a:schemeClr>
                 </a:solidFill>
               </a:rPr>
-              <a:t>TaskCard</a:t>
+              <a:t>CalendarPanel</a:t>
             </a:r>
             <a:endParaRPr lang="en-SG" sz="1050" b="1" dirty="0">
               <a:solidFill>
@@ -5629,15 +5632,55 @@
           </a:p>
         </p:txBody>
       </p:sp>
-      <p:sp>
-        <p:nvSpPr>
-          <p:cNvPr id="48" name="Rectangle 11"/>
+      <p:cxnSp>
+        <p:nvCxnSpPr>
+          <p:cNvPr id="51" name="Elbow Connector 63"/>
+          <p:cNvCxnSpPr>
+            <a:cxnSpLocks/>
+          </p:cNvCxnSpPr>
+          <p:nvPr/>
+        </p:nvCxnSpPr>
+        <p:spPr>
+          <a:xfrm rot="16200000" flipH="1">
+            <a:off x="1881422" y="3885778"/>
+            <a:ext cx="1242356" cy="176400"/>
+          </a:xfrm>
+          <a:prstGeom prst="bentConnector2">
+            <a:avLst/>
+          </a:prstGeom>
+          <a:ln w="19050">
+            <a:solidFill>
+              <a:schemeClr val="accent3"/>
+            </a:solidFill>
+            <a:headEnd type="none" w="med" len="med"/>
+            <a:tailEnd type="arrow" w="med" len="med"/>
+          </a:ln>
+          <a:effectLst/>
+        </p:spPr>
+        <p:style>
+          <a:lnRef idx="1">
+            <a:schemeClr val="accent2"/>
+          </a:lnRef>
+          <a:fillRef idx="2">
+            <a:schemeClr val="accent2"/>
+          </a:fillRef>
+          <a:effectRef idx="1">
+            <a:schemeClr val="accent2"/>
+          </a:effectRef>
+          <a:fontRef idx="minor">
+            <a:schemeClr val="dk1"/>
+          </a:fontRef>
+        </p:style>
+      </p:cxnSp>
+      <p:sp>
+        <p:nvSpPr>
+          <p:cNvPr id="49" name="Rectangle 11"/>
           <p:cNvSpPr/>
           <p:nvPr/>
         </p:nvSpPr>
         <p:spPr>
           <a:xfrm>
-            <a:off x="2590800" y="4800600"/>
+            <a:off x="2590800" y="4280658"/>
             <a:ext cx="1093635" cy="236841"/>
           </a:xfrm>
           <a:prstGeom prst="rect">
@@ -5670,14 +5713,14 @@
           <a:p>
             <a:pPr algn="ctr"/>
             <a:r>
-              <a:rPr lang="en-US" sz="1050" b="1" dirty="0" err="1">
+              <a:rPr lang="en-US" sz="1050" b="1" dirty="0">
                 <a:solidFill>
                   <a:schemeClr val="accent3">
                     <a:lumMod val="75000"/>
                   </a:schemeClr>
                 </a:solidFill>
               </a:rPr>
-              <a:t>CalendarPanel</a:t>
+              <a:t>TaskListPanel</a:t>
             </a:r>
             <a:endParaRPr lang="en-SG" sz="1050" b="1" dirty="0">
               <a:solidFill>
@@ -5691,7 +5734,7 @@
       </p:sp>
       <p:cxnSp>
         <p:nvCxnSpPr>
-          <p:cNvPr id="51" name="Elbow Connector 63"/>
+          <p:cNvPr id="52" name="Elbow Connector 63"/>
           <p:cNvCxnSpPr>
             <a:cxnSpLocks/>
           </p:cNvCxnSpPr>
@@ -5699,7 +5742,7 @@
         </p:nvCxnSpPr>
         <p:spPr>
           <a:xfrm rot="16200000" flipH="1">
-            <a:off x="1881422" y="3885778"/>
+            <a:off x="1881422" y="3657179"/>
             <a:ext cx="1242356" cy="176400"/>
           </a:xfrm>
           <a:prstGeom prst="bentConnector2">
@@ -5711,6 +5754,168 @@
             </a:solidFill>
             <a:headEnd type="none" w="med" len="med"/>
             <a:tailEnd type="arrow" w="med" len="med"/>
+          </a:ln>
+          <a:effectLst/>
+        </p:spPr>
+        <p:style>
+          <a:lnRef idx="1">
+            <a:schemeClr val="accent2"/>
+          </a:lnRef>
+          <a:fillRef idx="2">
+            <a:schemeClr val="accent2"/>
+          </a:fillRef>
+          <a:effectRef idx="1">
+            <a:schemeClr val="accent2"/>
+          </a:effectRef>
+          <a:fontRef idx="minor">
+            <a:schemeClr val="dk1"/>
+          </a:fontRef>
+        </p:style>
+      </p:cxnSp>
+      <p:cxnSp>
+        <p:nvCxnSpPr>
+          <p:cNvPr id="54" name="Elbow Connector 136"/>
+          <p:cNvCxnSpPr>
+            <a:cxnSpLocks/>
+          </p:cNvCxnSpPr>
+          <p:nvPr/>
+        </p:nvCxnSpPr>
+        <p:spPr>
+          <a:xfrm flipV="1">
+            <a:off x="3692722" y="4267200"/>
+            <a:ext cx="345878" cy="150150"/>
+          </a:xfrm>
+          <a:prstGeom prst="bentConnector3">
+            <a:avLst>
+              <a:gd name="adj1" fmla="val 50000"/>
+            </a:avLst>
+          </a:prstGeom>
+          <a:ln w="19050">
+            <a:solidFill>
+              <a:schemeClr val="accent3"/>
+            </a:solidFill>
+            <a:headEnd type="none" w="med" len="med"/>
+            <a:tailEnd type="arrow" w="med" len="med"/>
+          </a:ln>
+          <a:effectLst/>
+        </p:spPr>
+        <p:style>
+          <a:lnRef idx="1">
+            <a:schemeClr val="accent2"/>
+          </a:lnRef>
+          <a:fillRef idx="2">
+            <a:schemeClr val="accent2"/>
+          </a:fillRef>
+          <a:effectRef idx="1">
+            <a:schemeClr val="accent2"/>
+          </a:effectRef>
+          <a:fontRef idx="minor">
+            <a:schemeClr val="dk1"/>
+          </a:fontRef>
+        </p:style>
+      </p:cxnSp>
+      <p:sp>
+        <p:nvSpPr>
+          <p:cNvPr id="55" name="Freeform 117"/>
+          <p:cNvSpPr/>
+          <p:nvPr/>
+        </p:nvSpPr>
+        <p:spPr>
+          <a:xfrm flipV="1">
+            <a:off x="5072945" y="3955753"/>
+            <a:ext cx="1684049" cy="236401"/>
+          </a:xfrm>
+          <a:custGeom>
+            <a:avLst/>
+            <a:gdLst>
+              <a:gd name="connsiteX0" fmla="*/ 0 w 3048000"/>
+              <a:gd name="connsiteY0" fmla="*/ 203200 h 203200"/>
+              <a:gd name="connsiteX1" fmla="*/ 221673 w 3048000"/>
+              <a:gd name="connsiteY1" fmla="*/ 0 h 203200"/>
+              <a:gd name="connsiteX2" fmla="*/ 3048000 w 3048000"/>
+              <a:gd name="connsiteY2" fmla="*/ 0 h 203200"/>
+            </a:gdLst>
+            <a:ahLst/>
+            <a:cxnLst>
+              <a:cxn ang="0">
+                <a:pos x="connsiteX0" y="connsiteY0"/>
+              </a:cxn>
+              <a:cxn ang="0">
+                <a:pos x="connsiteX1" y="connsiteY1"/>
+              </a:cxn>
+              <a:cxn ang="0">
+                <a:pos x="connsiteX2" y="connsiteY2"/>
+              </a:cxn>
+            </a:cxnLst>
+            <a:rect l="l" t="t" r="r" b="b"/>
+            <a:pathLst>
+              <a:path w="3048000" h="203200">
+                <a:moveTo>
+                  <a:pt x="0" y="203200"/>
+                </a:moveTo>
+                <a:lnTo>
+                  <a:pt x="221673" y="0"/>
+                </a:lnTo>
+                <a:lnTo>
+                  <a:pt x="3048000" y="0"/>
+                </a:lnTo>
+              </a:path>
+            </a:pathLst>
+          </a:custGeom>
+          <a:noFill/>
+          <a:ln w="19050">
+            <a:solidFill>
+              <a:schemeClr val="accent3"/>
+            </a:solidFill>
+            <a:prstDash val="sysDot"/>
+            <a:headEnd type="none" w="med" len="med"/>
+            <a:tailEnd type="arrow" w="med" len="med"/>
+          </a:ln>
+          <a:effectLst/>
+        </p:spPr>
+        <p:style>
+          <a:lnRef idx="1">
+            <a:schemeClr val="accent2"/>
+          </a:lnRef>
+          <a:fillRef idx="2">
+            <a:schemeClr val="accent2"/>
+          </a:fillRef>
+          <a:effectRef idx="1">
+            <a:schemeClr val="accent2"/>
+          </a:effectRef>
+          <a:fontRef idx="minor">
+            <a:schemeClr val="dk1"/>
+          </a:fontRef>
+        </p:style>
+        <p:txBody>
+          <a:bodyPr rtlCol="0" anchor="ctr"/>
+          <a:lstStyle/>
+          <a:p>
+            <a:pPr algn="ctr"/>
+            <a:endParaRPr lang="en-SG"/>
+          </a:p>
+        </p:txBody>
+      </p:sp>
+      <p:cxnSp>
+        <p:nvCxnSpPr>
+          <p:cNvPr id="56" name="Elbow Connector 63"/>
+          <p:cNvCxnSpPr/>
+          <p:nvPr/>
+        </p:nvCxnSpPr>
+        <p:spPr>
+          <a:xfrm rot="5400000">
+            <a:off x="3411449" y="2845878"/>
+            <a:ext cx="2396180" cy="1843807"/>
+          </a:xfrm>
+          <a:prstGeom prst="bentConnector2">
+            <a:avLst/>
+          </a:prstGeom>
+          <a:ln w="6350">
+            <a:solidFill>
+              <a:schemeClr val="accent3"/>
+            </a:solidFill>
+            <a:headEnd type="none" w="med" len="med"/>
+            <a:tailEnd type="none" w="med" len="med"/>
           </a:ln>
           <a:effectLst/>
         </p:spPr>

--- a/docs/diagrams/UiComponentClassDiagram.pptx
+++ b/docs/diagrams/UiComponentClassDiagram.pptx
@@ -208,7 +208,7 @@
           <a:p>
             <a:fld id="{F5CC4B3F-88C1-4FFA-B1B6-F41C21DC6924}" type="datetimeFigureOut">
               <a:rPr lang="en-US" smtClean="0"/>
-              <a:t>3/24/2017</a:t>
+              <a:t>4/10/2017</a:t>
             </a:fld>
             <a:endParaRPr lang="en-US"/>
           </a:p>
@@ -654,7 +654,7 @@
           <a:p>
             <a:fld id="{78C97017-6FC3-485B-9764-EAC9E56C1D49}" type="datetimeFigureOut">
               <a:rPr lang="en-US" smtClean="0"/>
-              <a:t>3/24/2017</a:t>
+              <a:t>4/10/2017</a:t>
             </a:fld>
             <a:endParaRPr lang="en-US"/>
           </a:p>
@@ -822,7 +822,7 @@
           <a:p>
             <a:fld id="{78C97017-6FC3-485B-9764-EAC9E56C1D49}" type="datetimeFigureOut">
               <a:rPr lang="en-US" smtClean="0"/>
-              <a:t>3/24/2017</a:t>
+              <a:t>4/10/2017</a:t>
             </a:fld>
             <a:endParaRPr lang="en-US"/>
           </a:p>
@@ -1000,7 +1000,7 @@
           <a:p>
             <a:fld id="{78C97017-6FC3-485B-9764-EAC9E56C1D49}" type="datetimeFigureOut">
               <a:rPr lang="en-US" smtClean="0"/>
-              <a:t>3/24/2017</a:t>
+              <a:t>4/10/2017</a:t>
             </a:fld>
             <a:endParaRPr lang="en-US"/>
           </a:p>
@@ -1168,7 +1168,7 @@
           <a:p>
             <a:fld id="{78C97017-6FC3-485B-9764-EAC9E56C1D49}" type="datetimeFigureOut">
               <a:rPr lang="en-US" smtClean="0"/>
-              <a:t>3/24/2017</a:t>
+              <a:t>4/10/2017</a:t>
             </a:fld>
             <a:endParaRPr lang="en-US"/>
           </a:p>
@@ -1413,7 +1413,7 @@
           <a:p>
             <a:fld id="{78C97017-6FC3-485B-9764-EAC9E56C1D49}" type="datetimeFigureOut">
               <a:rPr lang="en-US" smtClean="0"/>
-              <a:t>3/24/2017</a:t>
+              <a:t>4/10/2017</a:t>
             </a:fld>
             <a:endParaRPr lang="en-US"/>
           </a:p>
@@ -1698,7 +1698,7 @@
           <a:p>
             <a:fld id="{78C97017-6FC3-485B-9764-EAC9E56C1D49}" type="datetimeFigureOut">
               <a:rPr lang="en-US" smtClean="0"/>
-              <a:t>3/24/2017</a:t>
+              <a:t>4/10/2017</a:t>
             </a:fld>
             <a:endParaRPr lang="en-US"/>
           </a:p>
@@ -2117,7 +2117,7 @@
           <a:p>
             <a:fld id="{78C97017-6FC3-485B-9764-EAC9E56C1D49}" type="datetimeFigureOut">
               <a:rPr lang="en-US" smtClean="0"/>
-              <a:t>3/24/2017</a:t>
+              <a:t>4/10/2017</a:t>
             </a:fld>
             <a:endParaRPr lang="en-US"/>
           </a:p>
@@ -2234,7 +2234,7 @@
           <a:p>
             <a:fld id="{78C97017-6FC3-485B-9764-EAC9E56C1D49}" type="datetimeFigureOut">
               <a:rPr lang="en-US" smtClean="0"/>
-              <a:t>3/24/2017</a:t>
+              <a:t>4/10/2017</a:t>
             </a:fld>
             <a:endParaRPr lang="en-US"/>
           </a:p>
@@ -2329,7 +2329,7 @@
           <a:p>
             <a:fld id="{78C97017-6FC3-485B-9764-EAC9E56C1D49}" type="datetimeFigureOut">
               <a:rPr lang="en-US" smtClean="0"/>
-              <a:t>3/24/2017</a:t>
+              <a:t>4/10/2017</a:t>
             </a:fld>
             <a:endParaRPr lang="en-US"/>
           </a:p>
@@ -2604,7 +2604,7 @@
           <a:p>
             <a:fld id="{78C97017-6FC3-485B-9764-EAC9E56C1D49}" type="datetimeFigureOut">
               <a:rPr lang="en-US" smtClean="0"/>
-              <a:t>3/24/2017</a:t>
+              <a:t>4/10/2017</a:t>
             </a:fld>
             <a:endParaRPr lang="en-US"/>
           </a:p>
@@ -2856,7 +2856,7 @@
           <a:p>
             <a:fld id="{78C97017-6FC3-485B-9764-EAC9E56C1D49}" type="datetimeFigureOut">
               <a:rPr lang="en-US" smtClean="0"/>
-              <a:t>3/24/2017</a:t>
+              <a:t>4/10/2017</a:t>
             </a:fld>
             <a:endParaRPr lang="en-US"/>
           </a:p>
@@ -3067,7 +3067,7 @@
           <a:p>
             <a:fld id="{78C97017-6FC3-485B-9764-EAC9E56C1D49}" type="datetimeFigureOut">
               <a:rPr lang="en-US" smtClean="0"/>
-              <a:t>3/24/2017</a:t>
+              <a:t>4/10/2017</a:t>
             </a:fld>
             <a:endParaRPr lang="en-US"/>
           </a:p>
@@ -3450,8 +3450,8 @@
         </p:nvSpPr>
         <p:spPr>
           <a:xfrm>
-            <a:off x="1217465" y="381000"/>
-            <a:ext cx="4917083" cy="5029200"/>
+            <a:off x="914400" y="685798"/>
+            <a:ext cx="5276358" cy="5638802"/>
           </a:xfrm>
           <a:prstGeom prst="roundRect">
             <a:avLst>
@@ -3572,7 +3572,7 @@
         </p:nvSpPr>
         <p:spPr>
           <a:xfrm>
-            <a:off x="2592528" y="2971800"/>
+            <a:off x="2579468" y="2908226"/>
             <a:ext cx="1093635" cy="236841"/>
           </a:xfrm>
           <a:prstGeom prst="rect">
@@ -3825,8 +3825,8 @@
         </p:nvSpPr>
         <p:spPr>
           <a:xfrm rot="16200000">
-            <a:off x="5640177" y="1783197"/>
-            <a:ext cx="2522841" cy="328045"/>
+            <a:off x="5312617" y="2110756"/>
+            <a:ext cx="3177961" cy="328045"/>
           </a:xfrm>
           <a:prstGeom prst="roundRect">
             <a:avLst/>
@@ -3885,7 +3885,7 @@
         </p:nvSpPr>
         <p:spPr>
           <a:xfrm>
-            <a:off x="2592527" y="4563759"/>
+            <a:off x="2592525" y="5163158"/>
             <a:ext cx="1093635" cy="236841"/>
           </a:xfrm>
           <a:prstGeom prst="rect">
@@ -3945,7 +3945,7 @@
         </p:nvSpPr>
         <p:spPr>
           <a:xfrm>
-            <a:off x="2592526" y="3748103"/>
+            <a:off x="2576976" y="4436306"/>
             <a:ext cx="1093635" cy="236841"/>
           </a:xfrm>
           <a:prstGeom prst="rect">
@@ -3978,7 +3978,7 @@
           <a:p>
             <a:pPr algn="ctr"/>
             <a:r>
-              <a:rPr lang="en-US" sz="1050" b="1" dirty="0" err="1" smtClean="0">
+              <a:rPr lang="en-US" sz="1050" b="1" dirty="0" err="1">
                 <a:solidFill>
                   <a:schemeClr val="accent3">
                     <a:lumMod val="75000"/>
@@ -4005,7 +4005,7 @@
         </p:nvSpPr>
         <p:spPr>
           <a:xfrm>
-            <a:off x="3839323" y="4110381"/>
+            <a:off x="3886200" y="4757703"/>
             <a:ext cx="1040906" cy="236841"/>
           </a:xfrm>
           <a:prstGeom prst="rect">
@@ -4038,7 +4038,7 @@
           <a:p>
             <a:pPr algn="ctr"/>
             <a:r>
-              <a:rPr lang="en-US" sz="1050" b="1" smtClean="0">
+              <a:rPr lang="en-US" sz="1050" b="1" dirty="0" err="1">
                 <a:solidFill>
                   <a:schemeClr val="accent3">
                     <a:lumMod val="75000"/>
@@ -4065,7 +4065,7 @@
         </p:nvSpPr>
         <p:spPr>
           <a:xfrm>
-            <a:off x="2592528" y="4966000"/>
+            <a:off x="2597846" y="5600954"/>
             <a:ext cx="1093635" cy="236841"/>
           </a:xfrm>
           <a:prstGeom prst="rect">
@@ -4176,8 +4176,8 @@
         </p:nvCxnSpPr>
         <p:spPr>
           <a:xfrm rot="16200000" flipH="1">
-            <a:off x="2203020" y="2700713"/>
-            <a:ext cx="569398" cy="209617"/>
+            <a:off x="2228277" y="2675456"/>
+            <a:ext cx="505824" cy="196557"/>
           </a:xfrm>
           <a:prstGeom prst="bentConnector2">
             <a:avLst/>
@@ -4214,7 +4214,7 @@
         </p:nvSpPr>
         <p:spPr>
           <a:xfrm>
-            <a:off x="2590799" y="3304308"/>
+            <a:off x="2577743" y="3863760"/>
             <a:ext cx="1095361" cy="236841"/>
           </a:xfrm>
           <a:prstGeom prst="rect">
@@ -4277,8 +4277,8 @@
         </p:nvCxnSpPr>
         <p:spPr>
           <a:xfrm rot="16200000" flipH="1">
-            <a:off x="1814868" y="3088865"/>
-            <a:ext cx="1345701" cy="209615"/>
+            <a:off x="1462991" y="3440742"/>
+            <a:ext cx="2033904" cy="194065"/>
           </a:xfrm>
           <a:prstGeom prst="bentConnector2">
             <a:avLst/>
@@ -4318,8 +4318,8 @@
         </p:nvCxnSpPr>
         <p:spPr>
           <a:xfrm rot="16200000" flipH="1">
-            <a:off x="1407041" y="3496693"/>
-            <a:ext cx="2161357" cy="209616"/>
+            <a:off x="1107340" y="3796394"/>
+            <a:ext cx="2760756" cy="209614"/>
           </a:xfrm>
           <a:prstGeom prst="bentConnector2">
             <a:avLst/>
@@ -4352,14 +4352,15 @@
         <p:nvCxnSpPr>
           <p:cNvPr id="53" name="Elbow Connector 63"/>
           <p:cNvCxnSpPr>
+            <a:cxnSpLocks/>
             <a:endCxn id="38" idx="1"/>
           </p:cNvCxnSpPr>
           <p:nvPr/>
         </p:nvCxnSpPr>
         <p:spPr>
           <a:xfrm rot="16200000" flipH="1">
-            <a:off x="998050" y="3489942"/>
-            <a:ext cx="2770957" cy="417999"/>
+            <a:off x="684204" y="3805733"/>
+            <a:ext cx="3399578" cy="427706"/>
           </a:xfrm>
           <a:prstGeom prst="bentConnector2">
             <a:avLst/>
@@ -4478,8 +4479,8 @@
         </p:nvCxnSpPr>
         <p:spPr>
           <a:xfrm flipV="1">
-            <a:off x="3686160" y="2015056"/>
-            <a:ext cx="1856155" cy="1407673"/>
+            <a:off x="3673104" y="2015056"/>
+            <a:ext cx="1869211" cy="1967125"/>
           </a:xfrm>
           <a:prstGeom prst="bentConnector2">
             <a:avLst/>
@@ -4519,8 +4520,8 @@
         </p:nvCxnSpPr>
         <p:spPr>
           <a:xfrm rot="5400000">
-            <a:off x="4104399" y="2790886"/>
-            <a:ext cx="2213746" cy="662086"/>
+            <a:off x="3804177" y="3137986"/>
+            <a:ext cx="2861068" cy="615209"/>
           </a:xfrm>
           <a:prstGeom prst="bentConnector2">
             <a:avLst/>
@@ -4601,8 +4602,8 @@
         </p:nvCxnSpPr>
         <p:spPr>
           <a:xfrm rot="5400000">
-            <a:off x="3280677" y="2420542"/>
-            <a:ext cx="2667124" cy="1856153"/>
+            <a:off x="2980977" y="2720240"/>
+            <a:ext cx="3266523" cy="1856155"/>
           </a:xfrm>
           <a:prstGeom prst="bentConnector2">
             <a:avLst/>
@@ -4642,8 +4643,8 @@
         </p:nvCxnSpPr>
         <p:spPr>
           <a:xfrm rot="5400000">
-            <a:off x="3079557" y="2621662"/>
-            <a:ext cx="3069365" cy="1856152"/>
+            <a:off x="2764739" y="2941798"/>
+            <a:ext cx="3704319" cy="1850834"/>
           </a:xfrm>
           <a:prstGeom prst="bentConnector2">
             <a:avLst/>
@@ -4721,7 +4722,7 @@
         </p:nvSpPr>
         <p:spPr>
           <a:xfrm rot="16200000">
-            <a:off x="6213739" y="4560376"/>
+            <a:off x="6196864" y="4895332"/>
             <a:ext cx="1371599" cy="328045"/>
           </a:xfrm>
           <a:prstGeom prst="roundRect">
@@ -4944,8 +4945,8 @@
         </p:nvCxnSpPr>
         <p:spPr>
           <a:xfrm rot="16200000" flipH="1">
-            <a:off x="2035902" y="2867832"/>
-            <a:ext cx="901906" cy="207888"/>
+            <a:off x="1749648" y="3154086"/>
+            <a:ext cx="1461358" cy="194832"/>
           </a:xfrm>
           <a:prstGeom prst="bentConnector2">
             <a:avLst/>
@@ -4985,8 +4986,8 @@
         </p:nvCxnSpPr>
         <p:spPr>
           <a:xfrm rot="5400000">
-            <a:off x="4076657" y="1624562"/>
-            <a:ext cx="1075165" cy="1856152"/>
+            <a:off x="4101914" y="1586245"/>
+            <a:ext cx="1011591" cy="1869212"/>
           </a:xfrm>
           <a:prstGeom prst="bentConnector2">
             <a:avLst/>
@@ -5026,8 +5027,8 @@
         </p:nvCxnSpPr>
         <p:spPr>
           <a:xfrm rot="16200000" flipH="1">
-            <a:off x="3367404" y="3756883"/>
-            <a:ext cx="243858" cy="699979"/>
+            <a:off x="3403509" y="4393432"/>
+            <a:ext cx="202977" cy="762406"/>
           </a:xfrm>
           <a:prstGeom prst="bentConnector2">
             <a:avLst/>
@@ -5067,8 +5068,8 @@
         </p:nvCxnSpPr>
         <p:spPr>
           <a:xfrm rot="5400000">
-            <a:off x="3688504" y="2012713"/>
-            <a:ext cx="1851468" cy="1856154"/>
+            <a:off x="3336628" y="2349039"/>
+            <a:ext cx="2539671" cy="1871704"/>
           </a:xfrm>
           <a:prstGeom prst="bentConnector2">
             <a:avLst/>
@@ -5240,7 +5241,7 @@
         </p:nvSpPr>
         <p:spPr>
           <a:xfrm>
-            <a:off x="5431573" y="4343400"/>
+            <a:off x="5431839" y="5037739"/>
             <a:ext cx="229325" cy="160062"/>
           </a:xfrm>
           <a:prstGeom prst="rect">
@@ -5293,8 +5294,8 @@
         </p:nvSpPr>
         <p:spPr>
           <a:xfrm flipV="1">
-            <a:off x="4114799" y="4343400"/>
-            <a:ext cx="2642195" cy="101600"/>
+            <a:off x="4343400" y="5017927"/>
+            <a:ext cx="2379066" cy="92227"/>
           </a:xfrm>
           <a:custGeom>
             <a:avLst/>
@@ -5377,7 +5378,7 @@
         </p:nvCxnSpPr>
         <p:spPr>
           <a:xfrm rot="5400000" flipH="1" flipV="1">
-            <a:off x="3031167" y="2573967"/>
+            <a:off x="3018107" y="2510393"/>
             <a:ext cx="506013" cy="289654"/>
           </a:xfrm>
           <a:prstGeom prst="bentConnector3">
@@ -5453,7 +5454,7 @@
           <a:p>
             <a:pPr algn="ctr"/>
             <a:r>
-              <a:rPr lang="en-US" sz="1050" smtClean="0">
+              <a:rPr lang="en-US" sz="1050" dirty="0">
                 <a:solidFill>
                   <a:schemeClr val="bg1"/>
                 </a:solidFill>
@@ -5468,6 +5469,285 @@
           </a:p>
         </p:txBody>
       </p:sp>
+      <p:sp>
+        <p:nvSpPr>
+          <p:cNvPr id="71" name="Rectangle 62"/>
+          <p:cNvSpPr/>
+          <p:nvPr/>
+        </p:nvSpPr>
+        <p:spPr>
+          <a:xfrm>
+            <a:off x="3796360" y="3249662"/>
+            <a:ext cx="1415155" cy="182817"/>
+          </a:xfrm>
+          <a:prstGeom prst="rect">
+            <a:avLst/>
+          </a:prstGeom>
+          <a:solidFill>
+            <a:srgbClr val="00B050"/>
+          </a:solidFill>
+          <a:ln w="19050">
+            <a:solidFill>
+              <a:srgbClr val="00B050"/>
+            </a:solidFill>
+          </a:ln>
+          <a:effectLst/>
+        </p:spPr>
+        <p:style>
+          <a:lnRef idx="1">
+            <a:schemeClr val="accent2"/>
+          </a:lnRef>
+          <a:fillRef idx="2">
+            <a:schemeClr val="accent2"/>
+          </a:fillRef>
+          <a:effectRef idx="1">
+            <a:schemeClr val="accent2"/>
+          </a:effectRef>
+          <a:fontRef idx="minor">
+            <a:schemeClr val="dk1"/>
+          </a:fontRef>
+        </p:style>
+        <p:txBody>
+          <a:bodyPr rtlCol="0" anchor="ctr"/>
+          <a:lstStyle/>
+          <a:p>
+            <a:pPr algn="ctr"/>
+            <a:r>
+              <a:rPr lang="en-US" sz="800" dirty="0" err="1">
+                <a:solidFill>
+                  <a:schemeClr val="bg1"/>
+                </a:solidFill>
+              </a:rPr>
+              <a:t>CommandHighlightController</a:t>
+            </a:r>
+            <a:endParaRPr lang="en-SG" sz="800" dirty="0">
+              <a:solidFill>
+                <a:schemeClr val="bg1"/>
+              </a:solidFill>
+            </a:endParaRPr>
+          </a:p>
+        </p:txBody>
+      </p:sp>
+      <p:sp>
+        <p:nvSpPr>
+          <p:cNvPr id="72" name="Rectangle 62"/>
+          <p:cNvSpPr/>
+          <p:nvPr/>
+        </p:nvSpPr>
+        <p:spPr>
+          <a:xfrm>
+            <a:off x="3617880" y="3553422"/>
+            <a:ext cx="1792319" cy="182817"/>
+          </a:xfrm>
+          <a:prstGeom prst="rect">
+            <a:avLst/>
+          </a:prstGeom>
+          <a:solidFill>
+            <a:srgbClr val="00B050"/>
+          </a:solidFill>
+          <a:ln w="19050">
+            <a:solidFill>
+              <a:srgbClr val="00B050"/>
+            </a:solidFill>
+          </a:ln>
+          <a:effectLst/>
+        </p:spPr>
+        <p:style>
+          <a:lnRef idx="1">
+            <a:schemeClr val="accent2"/>
+          </a:lnRef>
+          <a:fillRef idx="2">
+            <a:schemeClr val="accent2"/>
+          </a:fillRef>
+          <a:effectRef idx="1">
+            <a:schemeClr val="accent2"/>
+          </a:effectRef>
+          <a:fontRef idx="minor">
+            <a:schemeClr val="dk1"/>
+          </a:fontRef>
+        </p:style>
+        <p:txBody>
+          <a:bodyPr rtlCol="0" anchor="ctr"/>
+          <a:lstStyle/>
+          <a:p>
+            <a:pPr algn="ctr"/>
+            <a:r>
+              <a:rPr lang="en-US" sz="800" dirty="0" err="1">
+                <a:solidFill>
+                  <a:schemeClr val="bg1"/>
+                </a:solidFill>
+              </a:rPr>
+              <a:t>CommandAutoCompleteController</a:t>
+            </a:r>
+            <a:endParaRPr lang="en-SG" sz="800" dirty="0">
+              <a:solidFill>
+                <a:schemeClr val="bg1"/>
+              </a:solidFill>
+            </a:endParaRPr>
+          </a:p>
+        </p:txBody>
+      </p:sp>
+      <p:cxnSp>
+        <p:nvCxnSpPr>
+          <p:cNvPr id="75" name="Elbow Connector 63"/>
+          <p:cNvCxnSpPr>
+            <a:cxnSpLocks/>
+            <a:stCxn id="3" idx="2"/>
+            <a:endCxn id="71" idx="1"/>
+          </p:cNvCxnSpPr>
+          <p:nvPr/>
+        </p:nvCxnSpPr>
+        <p:spPr>
+          <a:xfrm rot="16200000" flipH="1">
+            <a:off x="3363321" y="2908032"/>
+            <a:ext cx="196004" cy="670074"/>
+          </a:xfrm>
+          <a:prstGeom prst="bentConnector2">
+            <a:avLst/>
+          </a:prstGeom>
+          <a:ln w="19050">
+            <a:solidFill>
+              <a:srgbClr val="00B050"/>
+            </a:solidFill>
+            <a:headEnd type="none" w="med" len="med"/>
+            <a:tailEnd type="arrow" w="med" len="med"/>
+          </a:ln>
+          <a:effectLst/>
+        </p:spPr>
+        <p:style>
+          <a:lnRef idx="1">
+            <a:schemeClr val="accent2"/>
+          </a:lnRef>
+          <a:fillRef idx="2">
+            <a:schemeClr val="accent2"/>
+          </a:fillRef>
+          <a:effectRef idx="1">
+            <a:schemeClr val="accent2"/>
+          </a:effectRef>
+          <a:fontRef idx="minor">
+            <a:schemeClr val="dk1"/>
+          </a:fontRef>
+        </p:style>
+      </p:cxnSp>
+      <p:cxnSp>
+        <p:nvCxnSpPr>
+          <p:cNvPr id="76" name="Elbow Connector 63"/>
+          <p:cNvCxnSpPr>
+            <a:cxnSpLocks/>
+            <a:stCxn id="3" idx="2"/>
+            <a:endCxn id="72" idx="1"/>
+          </p:cNvCxnSpPr>
+          <p:nvPr/>
+        </p:nvCxnSpPr>
+        <p:spPr>
+          <a:xfrm rot="16200000" flipH="1">
+            <a:off x="3122201" y="3149152"/>
+            <a:ext cx="499764" cy="491594"/>
+          </a:xfrm>
+          <a:prstGeom prst="bentConnector2">
+            <a:avLst/>
+          </a:prstGeom>
+          <a:ln w="19050">
+            <a:solidFill>
+              <a:srgbClr val="00B050"/>
+            </a:solidFill>
+            <a:headEnd type="none" w="med" len="med"/>
+            <a:tailEnd type="arrow" w="med" len="med"/>
+          </a:ln>
+          <a:effectLst/>
+        </p:spPr>
+        <p:style>
+          <a:lnRef idx="1">
+            <a:schemeClr val="accent2"/>
+          </a:lnRef>
+          <a:fillRef idx="2">
+            <a:schemeClr val="accent2"/>
+          </a:fillRef>
+          <a:effectRef idx="1">
+            <a:schemeClr val="accent2"/>
+          </a:effectRef>
+          <a:fontRef idx="minor">
+            <a:schemeClr val="dk1"/>
+          </a:fontRef>
+        </p:style>
+      </p:cxnSp>
+      <p:cxnSp>
+        <p:nvCxnSpPr>
+          <p:cNvPr id="97" name="Elbow Connector 63"/>
+          <p:cNvCxnSpPr>
+            <a:cxnSpLocks/>
+            <a:stCxn id="71" idx="3"/>
+          </p:cNvCxnSpPr>
+          <p:nvPr/>
+        </p:nvCxnSpPr>
+        <p:spPr>
+          <a:xfrm flipV="1">
+            <a:off x="5211515" y="3339763"/>
+            <a:ext cx="1507126" cy="1308"/>
+          </a:xfrm>
+          <a:prstGeom prst="bentConnector3">
+            <a:avLst>
+              <a:gd name="adj1" fmla="val 50000"/>
+            </a:avLst>
+          </a:prstGeom>
+          <a:ln>
+            <a:headEnd type="none" w="med" len="med"/>
+            <a:tailEnd type="arrow" w="med" len="med"/>
+          </a:ln>
+        </p:spPr>
+        <p:style>
+          <a:lnRef idx="1">
+            <a:schemeClr val="accent3"/>
+          </a:lnRef>
+          <a:fillRef idx="0">
+            <a:schemeClr val="accent3"/>
+          </a:fillRef>
+          <a:effectRef idx="0">
+            <a:schemeClr val="accent3"/>
+          </a:effectRef>
+          <a:fontRef idx="minor">
+            <a:schemeClr val="tx1"/>
+          </a:fontRef>
+        </p:style>
+      </p:cxnSp>
+      <p:cxnSp>
+        <p:nvCxnSpPr>
+          <p:cNvPr id="103" name="Elbow Connector 63"/>
+          <p:cNvCxnSpPr>
+            <a:cxnSpLocks/>
+          </p:cNvCxnSpPr>
+          <p:nvPr/>
+        </p:nvCxnSpPr>
+        <p:spPr>
+          <a:xfrm>
+            <a:off x="5420120" y="3652852"/>
+            <a:ext cx="1314963" cy="3713"/>
+          </a:xfrm>
+          <a:prstGeom prst="bentConnector3">
+            <a:avLst>
+              <a:gd name="adj1" fmla="val -343"/>
+            </a:avLst>
+          </a:prstGeom>
+          <a:ln>
+            <a:headEnd type="none" w="med" len="med"/>
+            <a:tailEnd type="arrow" w="med" len="med"/>
+          </a:ln>
+        </p:spPr>
+        <p:style>
+          <a:lnRef idx="1">
+            <a:schemeClr val="accent3"/>
+          </a:lnRef>
+          <a:fillRef idx="0">
+            <a:schemeClr val="accent3"/>
+          </a:fillRef>
+          <a:effectRef idx="0">
+            <a:schemeClr val="accent3"/>
+          </a:effectRef>
+          <a:fontRef idx="minor">
+            <a:schemeClr val="tx1"/>
+          </a:fontRef>
+        </p:style>
+      </p:cxnSp>
     </p:spTree>
     <p:extLst>
       <p:ext uri="{BB962C8B-B14F-4D97-AF65-F5344CB8AC3E}">

--- a/docs/diagrams/UiComponentClassDiagram.pptx
+++ b/docs/diagrams/UiComponentClassDiagram.pptx
@@ -208,7 +208,7 @@
           <a:p>
             <a:fld id="{F5CC4B3F-88C1-4FFA-B1B6-F41C21DC6924}" type="datetimeFigureOut">
               <a:rPr lang="en-US" smtClean="0"/>
-              <a:t>1/7/2017</a:t>
+              <a:t>4/9/2017</a:t>
             </a:fld>
             <a:endParaRPr lang="en-US"/>
           </a:p>
@@ -654,7 +654,7 @@
           <a:p>
             <a:fld id="{78C97017-6FC3-485B-9764-EAC9E56C1D49}" type="datetimeFigureOut">
               <a:rPr lang="en-US" smtClean="0"/>
-              <a:t>1/7/2017</a:t>
+              <a:t>4/9/2017</a:t>
             </a:fld>
             <a:endParaRPr lang="en-US"/>
           </a:p>
@@ -822,7 +822,7 @@
           <a:p>
             <a:fld id="{78C97017-6FC3-485B-9764-EAC9E56C1D49}" type="datetimeFigureOut">
               <a:rPr lang="en-US" smtClean="0"/>
-              <a:t>1/7/2017</a:t>
+              <a:t>4/9/2017</a:t>
             </a:fld>
             <a:endParaRPr lang="en-US"/>
           </a:p>
@@ -1000,7 +1000,7 @@
           <a:p>
             <a:fld id="{78C97017-6FC3-485B-9764-EAC9E56C1D49}" type="datetimeFigureOut">
               <a:rPr lang="en-US" smtClean="0"/>
-              <a:t>1/7/2017</a:t>
+              <a:t>4/9/2017</a:t>
             </a:fld>
             <a:endParaRPr lang="en-US"/>
           </a:p>
@@ -1168,7 +1168,7 @@
           <a:p>
             <a:fld id="{78C97017-6FC3-485B-9764-EAC9E56C1D49}" type="datetimeFigureOut">
               <a:rPr lang="en-US" smtClean="0"/>
-              <a:t>1/7/2017</a:t>
+              <a:t>4/9/2017</a:t>
             </a:fld>
             <a:endParaRPr lang="en-US"/>
           </a:p>
@@ -1413,7 +1413,7 @@
           <a:p>
             <a:fld id="{78C97017-6FC3-485B-9764-EAC9E56C1D49}" type="datetimeFigureOut">
               <a:rPr lang="en-US" smtClean="0"/>
-              <a:t>1/7/2017</a:t>
+              <a:t>4/9/2017</a:t>
             </a:fld>
             <a:endParaRPr lang="en-US"/>
           </a:p>
@@ -1698,7 +1698,7 @@
           <a:p>
             <a:fld id="{78C97017-6FC3-485B-9764-EAC9E56C1D49}" type="datetimeFigureOut">
               <a:rPr lang="en-US" smtClean="0"/>
-              <a:t>1/7/2017</a:t>
+              <a:t>4/9/2017</a:t>
             </a:fld>
             <a:endParaRPr lang="en-US"/>
           </a:p>
@@ -2117,7 +2117,7 @@
           <a:p>
             <a:fld id="{78C97017-6FC3-485B-9764-EAC9E56C1D49}" type="datetimeFigureOut">
               <a:rPr lang="en-US" smtClean="0"/>
-              <a:t>1/7/2017</a:t>
+              <a:t>4/9/2017</a:t>
             </a:fld>
             <a:endParaRPr lang="en-US"/>
           </a:p>
@@ -2234,7 +2234,7 @@
           <a:p>
             <a:fld id="{78C97017-6FC3-485B-9764-EAC9E56C1D49}" type="datetimeFigureOut">
               <a:rPr lang="en-US" smtClean="0"/>
-              <a:t>1/7/2017</a:t>
+              <a:t>4/9/2017</a:t>
             </a:fld>
             <a:endParaRPr lang="en-US"/>
           </a:p>
@@ -2329,7 +2329,7 @@
           <a:p>
             <a:fld id="{78C97017-6FC3-485B-9764-EAC9E56C1D49}" type="datetimeFigureOut">
               <a:rPr lang="en-US" smtClean="0"/>
-              <a:t>1/7/2017</a:t>
+              <a:t>4/9/2017</a:t>
             </a:fld>
             <a:endParaRPr lang="en-US"/>
           </a:p>
@@ -2604,7 +2604,7 @@
           <a:p>
             <a:fld id="{78C97017-6FC3-485B-9764-EAC9E56C1D49}" type="datetimeFigureOut">
               <a:rPr lang="en-US" smtClean="0"/>
-              <a:t>1/7/2017</a:t>
+              <a:t>4/9/2017</a:t>
             </a:fld>
             <a:endParaRPr lang="en-US"/>
           </a:p>
@@ -2856,7 +2856,7 @@
           <a:p>
             <a:fld id="{78C97017-6FC3-485B-9764-EAC9E56C1D49}" type="datetimeFigureOut">
               <a:rPr lang="en-US" smtClean="0"/>
-              <a:t>1/7/2017</a:t>
+              <a:t>4/9/2017</a:t>
             </a:fld>
             <a:endParaRPr lang="en-US"/>
           </a:p>
@@ -3067,7 +3067,7 @@
           <a:p>
             <a:fld id="{78C97017-6FC3-485B-9764-EAC9E56C1D49}" type="datetimeFigureOut">
               <a:rPr lang="en-US" smtClean="0"/>
-              <a:t>1/7/2017</a:t>
+              <a:t>4/9/2017</a:t>
             </a:fld>
             <a:endParaRPr lang="en-US"/>
           </a:p>
@@ -3450,7 +3450,7 @@
         </p:nvSpPr>
         <p:spPr>
           <a:xfrm>
-            <a:off x="1217465" y="1447800"/>
+            <a:off x="1215660" y="1457857"/>
             <a:ext cx="4917083" cy="3962400"/>
           </a:xfrm>
           <a:prstGeom prst="roundRect">
@@ -3573,7 +3573,7 @@
         <p:spPr>
           <a:xfrm>
             <a:off x="2592528" y="2971800"/>
-            <a:ext cx="1093635" cy="236841"/>
+            <a:ext cx="1444342" cy="236841"/>
           </a:xfrm>
           <a:prstGeom prst="rect">
             <a:avLst/>
@@ -3885,8 +3885,8 @@
         </p:nvSpPr>
         <p:spPr>
           <a:xfrm>
-            <a:off x="2592528" y="3649359"/>
-            <a:ext cx="1093635" cy="236841"/>
+            <a:off x="2592528" y="3659452"/>
+            <a:ext cx="1446072" cy="220477"/>
           </a:xfrm>
           <a:prstGeom prst="rect">
             <a:avLst/>
@@ -3925,7 +3925,7 @@
                   </a:schemeClr>
                 </a:solidFill>
               </a:rPr>
-              <a:t>BrowserPanel</a:t>
+              <a:t>EventTaskListPanel</a:t>
             </a:r>
             <a:endParaRPr lang="en-SG" sz="1050" b="1" dirty="0">
               <a:solidFill>
@@ -3945,8 +3945,8 @@
         </p:nvSpPr>
         <p:spPr>
           <a:xfrm>
-            <a:off x="2592527" y="4563759"/>
-            <a:ext cx="1093635" cy="236841"/>
+            <a:off x="2592527" y="4792359"/>
+            <a:ext cx="1446073" cy="236841"/>
           </a:xfrm>
           <a:prstGeom prst="rect">
             <a:avLst/>
@@ -4006,7 +4006,7 @@
         <p:spPr>
           <a:xfrm>
             <a:off x="2592526" y="3991960"/>
-            <a:ext cx="1093635" cy="236841"/>
+            <a:ext cx="1446074" cy="236841"/>
           </a:xfrm>
           <a:prstGeom prst="rect">
             <a:avLst/>
@@ -4045,7 +4045,7 @@
                   </a:schemeClr>
                 </a:solidFill>
               </a:rPr>
-              <a:t>PersonListPanel</a:t>
+              <a:t>DeadlineTaskListPanel</a:t>
             </a:r>
             <a:endParaRPr lang="en-SG" sz="1050" b="1" dirty="0">
               <a:solidFill>
@@ -4065,8 +4065,8 @@
         </p:nvSpPr>
         <p:spPr>
           <a:xfrm>
-            <a:off x="3839323" y="4228801"/>
-            <a:ext cx="1040906" cy="236841"/>
+            <a:off x="4175707" y="4576629"/>
+            <a:ext cx="1200793" cy="236841"/>
           </a:xfrm>
           <a:prstGeom prst="rect">
             <a:avLst/>
@@ -4105,7 +4105,7 @@
                   </a:schemeClr>
                 </a:solidFill>
               </a:rPr>
-              <a:t>PersonCard</a:t>
+              <a:t>FloatingTaskCard</a:t>
             </a:r>
             <a:endParaRPr lang="en-SG" sz="1050" b="1" dirty="0">
               <a:solidFill>
@@ -4125,8 +4125,8 @@
         </p:nvSpPr>
         <p:spPr>
           <a:xfrm>
-            <a:off x="2592528" y="4966000"/>
-            <a:ext cx="1093635" cy="236841"/>
+            <a:off x="2592528" y="5097159"/>
+            <a:ext cx="1446072" cy="236841"/>
           </a:xfrm>
           <a:prstGeom prst="rect">
             <a:avLst/>
@@ -4275,7 +4275,7 @@
         <p:spPr>
           <a:xfrm>
             <a:off x="2590799" y="3304308"/>
-            <a:ext cx="1095361" cy="236841"/>
+            <a:ext cx="1447801" cy="236841"/>
           </a:xfrm>
           <a:prstGeom prst="rect">
             <a:avLst/>
@@ -4337,8 +4337,8 @@
         </p:nvCxnSpPr>
         <p:spPr>
           <a:xfrm rot="16200000" flipH="1">
-            <a:off x="2054450" y="3229701"/>
-            <a:ext cx="899755" cy="176402"/>
+            <a:off x="2053494" y="3230657"/>
+            <a:ext cx="901666" cy="176402"/>
           </a:xfrm>
           <a:prstGeom prst="bentConnector2">
             <a:avLst/>
@@ -4419,8 +4419,8 @@
         </p:nvCxnSpPr>
         <p:spPr>
           <a:xfrm rot="16200000" flipH="1">
-            <a:off x="1597249" y="3686901"/>
-            <a:ext cx="1814155" cy="176401"/>
+            <a:off x="1482949" y="3801201"/>
+            <a:ext cx="2042755" cy="176401"/>
           </a:xfrm>
           <a:prstGeom prst="bentConnector2">
             <a:avLst/>
@@ -4459,8 +4459,8 @@
         </p:nvCxnSpPr>
         <p:spPr>
           <a:xfrm rot="16200000" flipH="1">
-            <a:off x="1184119" y="3676012"/>
-            <a:ext cx="2396440" cy="420377"/>
+            <a:off x="1126678" y="3749730"/>
+            <a:ext cx="2527598" cy="404102"/>
           </a:xfrm>
           <a:prstGeom prst="bentConnector2">
             <a:avLst/>
@@ -4579,8 +4579,8 @@
         </p:nvCxnSpPr>
         <p:spPr>
           <a:xfrm flipV="1">
-            <a:off x="3686160" y="2286000"/>
-            <a:ext cx="1843809" cy="1136729"/>
+            <a:off x="4038600" y="2286000"/>
+            <a:ext cx="1491369" cy="1136729"/>
           </a:xfrm>
           <a:prstGeom prst="bentConnector2">
             <a:avLst/>
@@ -4620,8 +4620,8 @@
         </p:nvCxnSpPr>
         <p:spPr>
           <a:xfrm rot="5400000">
-            <a:off x="4174488" y="2991741"/>
-            <a:ext cx="2061222" cy="649740"/>
+            <a:off x="4248710" y="3413791"/>
+            <a:ext cx="2409050" cy="153469"/>
           </a:xfrm>
           <a:prstGeom prst="bentConnector2">
             <a:avLst/>
@@ -4661,8 +4661,8 @@
         </p:nvCxnSpPr>
         <p:spPr>
           <a:xfrm rot="5400000">
-            <a:off x="3867176" y="2104987"/>
-            <a:ext cx="1481780" cy="1843806"/>
+            <a:off x="4042440" y="2282161"/>
+            <a:ext cx="1483691" cy="1491369"/>
           </a:xfrm>
           <a:prstGeom prst="bentConnector2">
             <a:avLst/>
@@ -4743,8 +4743,8 @@
         </p:nvCxnSpPr>
         <p:spPr>
           <a:xfrm rot="5400000">
-            <a:off x="3409976" y="2562187"/>
-            <a:ext cx="2396180" cy="1843807"/>
+            <a:off x="3471895" y="2852706"/>
+            <a:ext cx="2624780" cy="1491369"/>
           </a:xfrm>
           <a:prstGeom prst="bentConnector2">
             <a:avLst/>
@@ -4784,8 +4784,8 @@
         </p:nvCxnSpPr>
         <p:spPr>
           <a:xfrm rot="5400000">
-            <a:off x="3208856" y="2763307"/>
-            <a:ext cx="2798421" cy="1843806"/>
+            <a:off x="3319495" y="3005106"/>
+            <a:ext cx="2929580" cy="1491369"/>
           </a:xfrm>
           <a:prstGeom prst="bentConnector2">
             <a:avLst/>
@@ -5127,8 +5127,8 @@
         </p:nvCxnSpPr>
         <p:spPr>
           <a:xfrm rot="5400000">
-            <a:off x="4205956" y="1766207"/>
-            <a:ext cx="804221" cy="1843806"/>
+            <a:off x="4381310" y="1941561"/>
+            <a:ext cx="804221" cy="1493099"/>
           </a:xfrm>
           <a:prstGeom prst="bentConnector2">
             <a:avLst/>
@@ -5160,19 +5160,18 @@
       <p:cxnSp>
         <p:nvCxnSpPr>
           <p:cNvPr id="137" name="Elbow Connector 136"/>
-          <p:cNvCxnSpPr>
-            <a:stCxn id="36" idx="2"/>
-            <a:endCxn id="37" idx="1"/>
-          </p:cNvCxnSpPr>
+          <p:cNvCxnSpPr/>
           <p:nvPr/>
         </p:nvCxnSpPr>
         <p:spPr>
-          <a:xfrm rot="16200000" flipH="1">
-            <a:off x="3430123" y="3938021"/>
-            <a:ext cx="118421" cy="699979"/>
-          </a:xfrm>
-          <a:prstGeom prst="bentConnector2">
-            <a:avLst/>
+          <a:xfrm>
+            <a:off x="3127383" y="4601732"/>
+            <a:ext cx="987417" cy="104370"/>
+          </a:xfrm>
+          <a:prstGeom prst="bentConnector3">
+            <a:avLst>
+              <a:gd name="adj1" fmla="val 50000"/>
+            </a:avLst>
           </a:prstGeom>
           <a:ln w="19050">
             <a:solidFill>
@@ -5209,8 +5208,8 @@
         </p:nvCxnSpPr>
         <p:spPr>
           <a:xfrm rot="5400000">
-            <a:off x="3695875" y="2276286"/>
-            <a:ext cx="1824381" cy="1843808"/>
+            <a:off x="3872095" y="2452506"/>
+            <a:ext cx="1824381" cy="1491369"/>
           </a:xfrm>
           <a:prstGeom prst="bentConnector2">
             <a:avLst/>
@@ -5300,8 +5299,8 @@
         </p:nvSpPr>
         <p:spPr>
           <a:xfrm>
-            <a:off x="3687515" y="2828802"/>
-            <a:ext cx="3048000" cy="203200"/>
+            <a:off x="3657600" y="2828802"/>
+            <a:ext cx="3077915" cy="139036"/>
           </a:xfrm>
           <a:custGeom>
             <a:avLst/>
@@ -5382,7 +5381,7 @@
         </p:nvSpPr>
         <p:spPr>
           <a:xfrm>
-            <a:off x="5431573" y="4488138"/>
+            <a:off x="5431573" y="4869138"/>
             <a:ext cx="229325" cy="160062"/>
           </a:xfrm>
           <a:prstGeom prst="rect">
@@ -5435,8 +5434,8 @@
         </p:nvSpPr>
         <p:spPr>
           <a:xfrm flipV="1">
-            <a:off x="4114799" y="4472708"/>
-            <a:ext cx="2642195" cy="101600"/>
+            <a:off x="4554845" y="4826575"/>
+            <a:ext cx="2180670" cy="101600"/>
           </a:xfrm>
           <a:custGeom>
             <a:avLst/>
@@ -5506,6 +5505,606 @@
           <a:p>
             <a:pPr algn="ctr"/>
             <a:endParaRPr lang="en-SG"/>
+          </a:p>
+        </p:txBody>
+      </p:sp>
+      <p:sp>
+        <p:nvSpPr>
+          <p:cNvPr id="45" name="Rectangle 11"/>
+          <p:cNvSpPr/>
+          <p:nvPr/>
+        </p:nvSpPr>
+        <p:spPr>
+          <a:xfrm>
+            <a:off x="2580566" y="4376216"/>
+            <a:ext cx="1458034" cy="236841"/>
+          </a:xfrm>
+          <a:prstGeom prst="rect">
+            <a:avLst/>
+          </a:prstGeom>
+          <a:ln w="19050">
+            <a:solidFill>
+              <a:schemeClr val="accent3"/>
+            </a:solidFill>
+          </a:ln>
+          <a:effectLst/>
+        </p:spPr>
+        <p:style>
+          <a:lnRef idx="1">
+            <a:schemeClr val="accent3"/>
+          </a:lnRef>
+          <a:fillRef idx="2">
+            <a:schemeClr val="accent3"/>
+          </a:fillRef>
+          <a:effectRef idx="1">
+            <a:schemeClr val="accent3"/>
+          </a:effectRef>
+          <a:fontRef idx="minor">
+            <a:schemeClr val="dk1"/>
+          </a:fontRef>
+        </p:style>
+        <p:txBody>
+          <a:bodyPr rtlCol="0" anchor="ctr"/>
+          <a:lstStyle/>
+          <a:p>
+            <a:pPr algn="ctr"/>
+            <a:r>
+              <a:rPr lang="en-US" sz="1050" b="1" dirty="0" err="1">
+                <a:solidFill>
+                  <a:schemeClr val="accent3">
+                    <a:lumMod val="75000"/>
+                  </a:schemeClr>
+                </a:solidFill>
+              </a:rPr>
+              <a:t>FloatingTaskListPanel</a:t>
+            </a:r>
+            <a:endParaRPr lang="en-SG" sz="1050" b="1" dirty="0">
+              <a:solidFill>
+                <a:schemeClr val="accent3">
+                  <a:lumMod val="75000"/>
+                </a:schemeClr>
+              </a:solidFill>
+            </a:endParaRPr>
+          </a:p>
+        </p:txBody>
+      </p:sp>
+      <p:cxnSp>
+        <p:nvCxnSpPr>
+          <p:cNvPr id="46" name="Elbow Connector 63"/>
+          <p:cNvCxnSpPr/>
+          <p:nvPr/>
+        </p:nvCxnSpPr>
+        <p:spPr>
+          <a:xfrm rot="16200000" flipH="1">
+            <a:off x="1883147" y="3752749"/>
+            <a:ext cx="1242356" cy="176400"/>
+          </a:xfrm>
+          <a:prstGeom prst="bentConnector2">
+            <a:avLst/>
+          </a:prstGeom>
+          <a:ln w="19050">
+            <a:solidFill>
+              <a:schemeClr val="accent3"/>
+            </a:solidFill>
+            <a:headEnd type="none" w="med" len="med"/>
+            <a:tailEnd type="arrow" w="med" len="med"/>
+          </a:ln>
+          <a:effectLst/>
+        </p:spPr>
+        <p:style>
+          <a:lnRef idx="1">
+            <a:schemeClr val="accent2"/>
+          </a:lnRef>
+          <a:fillRef idx="2">
+            <a:schemeClr val="accent2"/>
+          </a:fillRef>
+          <a:effectRef idx="1">
+            <a:schemeClr val="accent2"/>
+          </a:effectRef>
+          <a:fontRef idx="minor">
+            <a:schemeClr val="dk1"/>
+          </a:fontRef>
+        </p:style>
+      </p:cxnSp>
+      <p:sp>
+        <p:nvSpPr>
+          <p:cNvPr id="87" name="Rectangle 11"/>
+          <p:cNvSpPr/>
+          <p:nvPr/>
+        </p:nvSpPr>
+        <p:spPr>
+          <a:xfrm>
+            <a:off x="4173330" y="4200234"/>
+            <a:ext cx="1200793" cy="236841"/>
+          </a:xfrm>
+          <a:prstGeom prst="rect">
+            <a:avLst/>
+          </a:prstGeom>
+          <a:ln w="19050">
+            <a:solidFill>
+              <a:schemeClr val="accent3"/>
+            </a:solidFill>
+          </a:ln>
+          <a:effectLst/>
+        </p:spPr>
+        <p:style>
+          <a:lnRef idx="1">
+            <a:schemeClr val="accent3"/>
+          </a:lnRef>
+          <a:fillRef idx="2">
+            <a:schemeClr val="accent3"/>
+          </a:fillRef>
+          <a:effectRef idx="1">
+            <a:schemeClr val="accent3"/>
+          </a:effectRef>
+          <a:fontRef idx="minor">
+            <a:schemeClr val="dk1"/>
+          </a:fontRef>
+        </p:style>
+        <p:txBody>
+          <a:bodyPr rtlCol="0" anchor="ctr"/>
+          <a:lstStyle/>
+          <a:p>
+            <a:pPr algn="ctr"/>
+            <a:r>
+              <a:rPr lang="en-US" sz="1050" b="1" dirty="0" err="1">
+                <a:solidFill>
+                  <a:schemeClr val="accent3">
+                    <a:lumMod val="75000"/>
+                  </a:schemeClr>
+                </a:solidFill>
+              </a:rPr>
+              <a:t>DeadlineTaskCard</a:t>
+            </a:r>
+            <a:endParaRPr lang="en-SG" sz="1050" b="1" dirty="0">
+              <a:solidFill>
+                <a:schemeClr val="accent3">
+                  <a:lumMod val="75000"/>
+                </a:schemeClr>
+              </a:solidFill>
+            </a:endParaRPr>
+          </a:p>
+        </p:txBody>
+      </p:sp>
+      <p:sp>
+        <p:nvSpPr>
+          <p:cNvPr id="89" name="Rectangle 11"/>
+          <p:cNvSpPr/>
+          <p:nvPr/>
+        </p:nvSpPr>
+        <p:spPr>
+          <a:xfrm>
+            <a:off x="4173329" y="3824276"/>
+            <a:ext cx="1200793" cy="236841"/>
+          </a:xfrm>
+          <a:prstGeom prst="rect">
+            <a:avLst/>
+          </a:prstGeom>
+          <a:ln w="19050">
+            <a:solidFill>
+              <a:schemeClr val="accent3"/>
+            </a:solidFill>
+          </a:ln>
+          <a:effectLst/>
+        </p:spPr>
+        <p:style>
+          <a:lnRef idx="1">
+            <a:schemeClr val="accent3"/>
+          </a:lnRef>
+          <a:fillRef idx="2">
+            <a:schemeClr val="accent3"/>
+          </a:fillRef>
+          <a:effectRef idx="1">
+            <a:schemeClr val="accent3"/>
+          </a:effectRef>
+          <a:fontRef idx="minor">
+            <a:schemeClr val="dk1"/>
+          </a:fontRef>
+        </p:style>
+        <p:txBody>
+          <a:bodyPr rtlCol="0" anchor="ctr"/>
+          <a:lstStyle/>
+          <a:p>
+            <a:pPr algn="ctr"/>
+            <a:r>
+              <a:rPr lang="en-US" sz="1050" b="1" dirty="0" err="1">
+                <a:solidFill>
+                  <a:schemeClr val="accent3">
+                    <a:lumMod val="75000"/>
+                  </a:schemeClr>
+                </a:solidFill>
+              </a:rPr>
+              <a:t>EventTaskCard</a:t>
+            </a:r>
+            <a:endParaRPr lang="en-SG" sz="1050" b="1" dirty="0">
+              <a:solidFill>
+                <a:schemeClr val="accent3">
+                  <a:lumMod val="75000"/>
+                </a:schemeClr>
+              </a:solidFill>
+            </a:endParaRPr>
+          </a:p>
+        </p:txBody>
+      </p:sp>
+      <p:cxnSp>
+        <p:nvCxnSpPr>
+          <p:cNvPr id="90" name="Elbow Connector 136"/>
+          <p:cNvCxnSpPr>
+            <a:endCxn id="87" idx="1"/>
+          </p:cNvCxnSpPr>
+          <p:nvPr/>
+        </p:nvCxnSpPr>
+        <p:spPr>
+          <a:xfrm>
+            <a:off x="3621091" y="4228801"/>
+            <a:ext cx="552239" cy="89854"/>
+          </a:xfrm>
+          <a:prstGeom prst="bentConnector3">
+            <a:avLst>
+              <a:gd name="adj1" fmla="val -594"/>
+            </a:avLst>
+          </a:prstGeom>
+          <a:ln w="19050">
+            <a:solidFill>
+              <a:schemeClr val="accent3"/>
+            </a:solidFill>
+            <a:headEnd type="none" w="med" len="med"/>
+            <a:tailEnd type="arrow" w="med" len="med"/>
+          </a:ln>
+          <a:effectLst/>
+        </p:spPr>
+        <p:style>
+          <a:lnRef idx="1">
+            <a:schemeClr val="accent2"/>
+          </a:lnRef>
+          <a:fillRef idx="2">
+            <a:schemeClr val="accent2"/>
+          </a:fillRef>
+          <a:effectRef idx="1">
+            <a:schemeClr val="accent2"/>
+          </a:effectRef>
+          <a:fontRef idx="minor">
+            <a:schemeClr val="dk1"/>
+          </a:fontRef>
+        </p:style>
+      </p:cxnSp>
+      <p:cxnSp>
+        <p:nvCxnSpPr>
+          <p:cNvPr id="104" name="Elbow Connector 136"/>
+          <p:cNvCxnSpPr>
+            <a:endCxn id="89" idx="1"/>
+          </p:cNvCxnSpPr>
+          <p:nvPr/>
+        </p:nvCxnSpPr>
+        <p:spPr>
+          <a:xfrm>
+            <a:off x="3621091" y="3879074"/>
+            <a:ext cx="552238" cy="63623"/>
+          </a:xfrm>
+          <a:prstGeom prst="bentConnector3">
+            <a:avLst>
+              <a:gd name="adj1" fmla="val 268"/>
+            </a:avLst>
+          </a:prstGeom>
+          <a:ln w="19050">
+            <a:solidFill>
+              <a:schemeClr val="accent3"/>
+            </a:solidFill>
+            <a:headEnd type="none" w="med" len="med"/>
+            <a:tailEnd type="arrow" w="med" len="med"/>
+          </a:ln>
+          <a:effectLst/>
+        </p:spPr>
+        <p:style>
+          <a:lnRef idx="1">
+            <a:schemeClr val="accent2"/>
+          </a:lnRef>
+          <a:fillRef idx="2">
+            <a:schemeClr val="accent2"/>
+          </a:fillRef>
+          <a:effectRef idx="1">
+            <a:schemeClr val="accent2"/>
+          </a:effectRef>
+          <a:fontRef idx="minor">
+            <a:schemeClr val="dk1"/>
+          </a:fontRef>
+        </p:style>
+      </p:cxnSp>
+      <p:sp>
+        <p:nvSpPr>
+          <p:cNvPr id="108" name="Rectangle 107"/>
+          <p:cNvSpPr/>
+          <p:nvPr/>
+        </p:nvSpPr>
+        <p:spPr>
+          <a:xfrm>
+            <a:off x="5415855" y="4224566"/>
+            <a:ext cx="229325" cy="160062"/>
+          </a:xfrm>
+          <a:prstGeom prst="rect">
+            <a:avLst/>
+          </a:prstGeom>
+          <a:solidFill>
+            <a:schemeClr val="accent3">
+              <a:lumMod val="20000"/>
+              <a:lumOff val="80000"/>
+              <a:alpha val="80000"/>
+            </a:schemeClr>
+          </a:solidFill>
+          <a:ln>
+            <a:noFill/>
+          </a:ln>
+          <a:effectLst>
+            <a:softEdge rad="31750"/>
+          </a:effectLst>
+        </p:spPr>
+        <p:style>
+          <a:lnRef idx="2">
+            <a:schemeClr val="accent1">
+              <a:shade val="50000"/>
+            </a:schemeClr>
+          </a:lnRef>
+          <a:fillRef idx="1">
+            <a:schemeClr val="accent1"/>
+          </a:fillRef>
+          <a:effectRef idx="0">
+            <a:schemeClr val="accent1"/>
+          </a:effectRef>
+          <a:fontRef idx="minor">
+            <a:schemeClr val="lt1"/>
+          </a:fontRef>
+        </p:style>
+        <p:txBody>
+          <a:bodyPr rtlCol="0" anchor="ctr"/>
+          <a:lstStyle/>
+          <a:p>
+            <a:pPr algn="ctr"/>
+            <a:endParaRPr lang="en-SG"/>
+          </a:p>
+        </p:txBody>
+      </p:sp>
+      <p:sp>
+        <p:nvSpPr>
+          <p:cNvPr id="109" name="Freeform 117"/>
+          <p:cNvSpPr/>
+          <p:nvPr/>
+        </p:nvSpPr>
+        <p:spPr>
+          <a:xfrm rot="5173335">
+            <a:off x="5396851" y="4278239"/>
+            <a:ext cx="847891" cy="839308"/>
+          </a:xfrm>
+          <a:custGeom>
+            <a:avLst/>
+            <a:gdLst>
+              <a:gd name="connsiteX0" fmla="*/ 0 w 3048000"/>
+              <a:gd name="connsiteY0" fmla="*/ 203200 h 203200"/>
+              <a:gd name="connsiteX1" fmla="*/ 221673 w 3048000"/>
+              <a:gd name="connsiteY1" fmla="*/ 0 h 203200"/>
+              <a:gd name="connsiteX2" fmla="*/ 3048000 w 3048000"/>
+              <a:gd name="connsiteY2" fmla="*/ 0 h 203200"/>
+            </a:gdLst>
+            <a:ahLst/>
+            <a:cxnLst>
+              <a:cxn ang="0">
+                <a:pos x="connsiteX0" y="connsiteY0"/>
+              </a:cxn>
+              <a:cxn ang="0">
+                <a:pos x="connsiteX1" y="connsiteY1"/>
+              </a:cxn>
+              <a:cxn ang="0">
+                <a:pos x="connsiteX2" y="connsiteY2"/>
+              </a:cxn>
+            </a:cxnLst>
+            <a:rect l="l" t="t" r="r" b="b"/>
+            <a:pathLst>
+              <a:path w="3048000" h="203200">
+                <a:moveTo>
+                  <a:pt x="0" y="203200"/>
+                </a:moveTo>
+                <a:lnTo>
+                  <a:pt x="221673" y="0"/>
+                </a:lnTo>
+                <a:lnTo>
+                  <a:pt x="3048000" y="0"/>
+                </a:lnTo>
+              </a:path>
+            </a:pathLst>
+          </a:custGeom>
+          <a:noFill/>
+          <a:ln w="19050">
+            <a:solidFill>
+              <a:schemeClr val="accent3"/>
+            </a:solidFill>
+            <a:prstDash val="sysDot"/>
+            <a:headEnd type="none" w="med" len="med"/>
+            <a:tailEnd type="arrow" w="med" len="med"/>
+          </a:ln>
+          <a:effectLst/>
+        </p:spPr>
+        <p:style>
+          <a:lnRef idx="1">
+            <a:schemeClr val="accent2"/>
+          </a:lnRef>
+          <a:fillRef idx="2">
+            <a:schemeClr val="accent2"/>
+          </a:fillRef>
+          <a:effectRef idx="1">
+            <a:schemeClr val="accent2"/>
+          </a:effectRef>
+          <a:fontRef idx="minor">
+            <a:schemeClr val="dk1"/>
+          </a:fontRef>
+        </p:style>
+        <p:txBody>
+          <a:bodyPr rtlCol="0" anchor="ctr"/>
+          <a:lstStyle/>
+          <a:p>
+            <a:pPr algn="ctr"/>
+            <a:endParaRPr lang="en-SG"/>
+          </a:p>
+        </p:txBody>
+      </p:sp>
+      <p:sp>
+        <p:nvSpPr>
+          <p:cNvPr id="111" name="Rectangle 110"/>
+          <p:cNvSpPr/>
+          <p:nvPr/>
+        </p:nvSpPr>
+        <p:spPr>
+          <a:xfrm>
+            <a:off x="5437953" y="3868649"/>
+            <a:ext cx="229325" cy="160062"/>
+          </a:xfrm>
+          <a:prstGeom prst="rect">
+            <a:avLst/>
+          </a:prstGeom>
+          <a:solidFill>
+            <a:schemeClr val="accent3">
+              <a:lumMod val="20000"/>
+              <a:lumOff val="80000"/>
+              <a:alpha val="80000"/>
+            </a:schemeClr>
+          </a:solidFill>
+          <a:ln>
+            <a:noFill/>
+          </a:ln>
+          <a:effectLst>
+            <a:softEdge rad="31750"/>
+          </a:effectLst>
+        </p:spPr>
+        <p:style>
+          <a:lnRef idx="2">
+            <a:schemeClr val="accent1">
+              <a:shade val="50000"/>
+            </a:schemeClr>
+          </a:lnRef>
+          <a:fillRef idx="1">
+            <a:schemeClr val="accent1"/>
+          </a:fillRef>
+          <a:effectRef idx="0">
+            <a:schemeClr val="accent1"/>
+          </a:effectRef>
+          <a:fontRef idx="minor">
+            <a:schemeClr val="lt1"/>
+          </a:fontRef>
+        </p:style>
+        <p:txBody>
+          <a:bodyPr rtlCol="0" anchor="ctr"/>
+          <a:lstStyle/>
+          <a:p>
+            <a:pPr algn="ctr"/>
+            <a:endParaRPr lang="en-SG"/>
+          </a:p>
+        </p:txBody>
+      </p:sp>
+      <p:sp>
+        <p:nvSpPr>
+          <p:cNvPr id="110" name="Freeform 117"/>
+          <p:cNvSpPr/>
+          <p:nvPr/>
+        </p:nvSpPr>
+        <p:spPr>
+          <a:xfrm rot="5182253">
+            <a:off x="5189822" y="4139231"/>
+            <a:ext cx="1266702" cy="810038"/>
+          </a:xfrm>
+          <a:custGeom>
+            <a:avLst/>
+            <a:gdLst>
+              <a:gd name="connsiteX0" fmla="*/ 0 w 3048000"/>
+              <a:gd name="connsiteY0" fmla="*/ 203200 h 203200"/>
+              <a:gd name="connsiteX1" fmla="*/ 221673 w 3048000"/>
+              <a:gd name="connsiteY1" fmla="*/ 0 h 203200"/>
+              <a:gd name="connsiteX2" fmla="*/ 3048000 w 3048000"/>
+              <a:gd name="connsiteY2" fmla="*/ 0 h 203200"/>
+            </a:gdLst>
+            <a:ahLst/>
+            <a:cxnLst>
+              <a:cxn ang="0">
+                <a:pos x="connsiteX0" y="connsiteY0"/>
+              </a:cxn>
+              <a:cxn ang="0">
+                <a:pos x="connsiteX1" y="connsiteY1"/>
+              </a:cxn>
+              <a:cxn ang="0">
+                <a:pos x="connsiteX2" y="connsiteY2"/>
+              </a:cxn>
+            </a:cxnLst>
+            <a:rect l="l" t="t" r="r" b="b"/>
+            <a:pathLst>
+              <a:path w="3048000" h="203200">
+                <a:moveTo>
+                  <a:pt x="0" y="203200"/>
+                </a:moveTo>
+                <a:lnTo>
+                  <a:pt x="221673" y="0"/>
+                </a:lnTo>
+                <a:lnTo>
+                  <a:pt x="3048000" y="0"/>
+                </a:lnTo>
+              </a:path>
+            </a:pathLst>
+          </a:custGeom>
+          <a:noFill/>
+          <a:ln w="19050">
+            <a:solidFill>
+              <a:schemeClr val="accent3"/>
+            </a:solidFill>
+            <a:prstDash val="sysDot"/>
+            <a:headEnd type="none" w="med" len="med"/>
+            <a:tailEnd type="arrow" w="med" len="med"/>
+          </a:ln>
+          <a:effectLst/>
+        </p:spPr>
+        <p:style>
+          <a:lnRef idx="1">
+            <a:schemeClr val="accent2"/>
+          </a:lnRef>
+          <a:fillRef idx="2">
+            <a:schemeClr val="accent2"/>
+          </a:fillRef>
+          <a:effectRef idx="1">
+            <a:schemeClr val="accent2"/>
+          </a:effectRef>
+          <a:fontRef idx="minor">
+            <a:schemeClr val="dk1"/>
+          </a:fontRef>
+        </p:style>
+        <p:txBody>
+          <a:bodyPr rtlCol="0" anchor="ctr"/>
+          <a:lstStyle/>
+          <a:p>
+            <a:pPr algn="ctr"/>
+            <a:endParaRPr lang="en-SG" dirty="0"/>
+          </a:p>
+        </p:txBody>
+      </p:sp>
+      <p:sp>
+        <p:nvSpPr>
+          <p:cNvPr id="92" name="TextBox 91"/>
+          <p:cNvSpPr txBox="1"/>
+          <p:nvPr/>
+        </p:nvSpPr>
+        <p:spPr>
+          <a:xfrm>
+            <a:off x="6159099" y="4941280"/>
+            <a:ext cx="228600" cy="369332"/>
+          </a:xfrm>
+          <a:prstGeom prst="rect">
+            <a:avLst/>
+          </a:prstGeom>
+          <a:solidFill>
+            <a:schemeClr val="bg1"/>
+          </a:solidFill>
+        </p:spPr>
+        <p:txBody>
+          <a:bodyPr wrap="square" rtlCol="0">
+            <a:spAutoFit/>
+          </a:bodyPr>
+          <a:lstStyle/>
+          <a:p>
+            <a:endParaRPr lang="en-SG" dirty="0"/>
           </a:p>
         </p:txBody>
       </p:sp>

--- a/docs/diagrams/UiComponentClassDiagram.pptx
+++ b/docs/diagrams/UiComponentClassDiagram.pptx
@@ -208,7 +208,7 @@
           <a:p>
             <a:fld id="{F5CC4B3F-88C1-4FFA-B1B6-F41C21DC6924}" type="datetimeFigureOut">
               <a:rPr lang="en-US" smtClean="0"/>
-              <a:t>3/11/2017</a:t>
+              <a:t>4/10/2017</a:t>
             </a:fld>
             <a:endParaRPr lang="en-US"/>
           </a:p>
@@ -654,7 +654,7 @@
           <a:p>
             <a:fld id="{78C97017-6FC3-485B-9764-EAC9E56C1D49}" type="datetimeFigureOut">
               <a:rPr lang="en-US" smtClean="0"/>
-              <a:t>3/11/2017</a:t>
+              <a:t>4/10/2017</a:t>
             </a:fld>
             <a:endParaRPr lang="en-US"/>
           </a:p>
@@ -822,7 +822,7 @@
           <a:p>
             <a:fld id="{78C97017-6FC3-485B-9764-EAC9E56C1D49}" type="datetimeFigureOut">
               <a:rPr lang="en-US" smtClean="0"/>
-              <a:t>3/11/2017</a:t>
+              <a:t>4/10/2017</a:t>
             </a:fld>
             <a:endParaRPr lang="en-US"/>
           </a:p>
@@ -1000,7 +1000,7 @@
           <a:p>
             <a:fld id="{78C97017-6FC3-485B-9764-EAC9E56C1D49}" type="datetimeFigureOut">
               <a:rPr lang="en-US" smtClean="0"/>
-              <a:t>3/11/2017</a:t>
+              <a:t>4/10/2017</a:t>
             </a:fld>
             <a:endParaRPr lang="en-US"/>
           </a:p>
@@ -1168,7 +1168,7 @@
           <a:p>
             <a:fld id="{78C97017-6FC3-485B-9764-EAC9E56C1D49}" type="datetimeFigureOut">
               <a:rPr lang="en-US" smtClean="0"/>
-              <a:t>3/11/2017</a:t>
+              <a:t>4/10/2017</a:t>
             </a:fld>
             <a:endParaRPr lang="en-US"/>
           </a:p>
@@ -1413,7 +1413,7 @@
           <a:p>
             <a:fld id="{78C97017-6FC3-485B-9764-EAC9E56C1D49}" type="datetimeFigureOut">
               <a:rPr lang="en-US" smtClean="0"/>
-              <a:t>3/11/2017</a:t>
+              <a:t>4/10/2017</a:t>
             </a:fld>
             <a:endParaRPr lang="en-US"/>
           </a:p>
@@ -1698,7 +1698,7 @@
           <a:p>
             <a:fld id="{78C97017-6FC3-485B-9764-EAC9E56C1D49}" type="datetimeFigureOut">
               <a:rPr lang="en-US" smtClean="0"/>
-              <a:t>3/11/2017</a:t>
+              <a:t>4/10/2017</a:t>
             </a:fld>
             <a:endParaRPr lang="en-US"/>
           </a:p>
@@ -2117,7 +2117,7 @@
           <a:p>
             <a:fld id="{78C97017-6FC3-485B-9764-EAC9E56C1D49}" type="datetimeFigureOut">
               <a:rPr lang="en-US" smtClean="0"/>
-              <a:t>3/11/2017</a:t>
+              <a:t>4/10/2017</a:t>
             </a:fld>
             <a:endParaRPr lang="en-US"/>
           </a:p>
@@ -2234,7 +2234,7 @@
           <a:p>
             <a:fld id="{78C97017-6FC3-485B-9764-EAC9E56C1D49}" type="datetimeFigureOut">
               <a:rPr lang="en-US" smtClean="0"/>
-              <a:t>3/11/2017</a:t>
+              <a:t>4/10/2017</a:t>
             </a:fld>
             <a:endParaRPr lang="en-US"/>
           </a:p>
@@ -2329,7 +2329,7 @@
           <a:p>
             <a:fld id="{78C97017-6FC3-485B-9764-EAC9E56C1D49}" type="datetimeFigureOut">
               <a:rPr lang="en-US" smtClean="0"/>
-              <a:t>3/11/2017</a:t>
+              <a:t>4/10/2017</a:t>
             </a:fld>
             <a:endParaRPr lang="en-US"/>
           </a:p>
@@ -2604,7 +2604,7 @@
           <a:p>
             <a:fld id="{78C97017-6FC3-485B-9764-EAC9E56C1D49}" type="datetimeFigureOut">
               <a:rPr lang="en-US" smtClean="0"/>
-              <a:t>3/11/2017</a:t>
+              <a:t>4/10/2017</a:t>
             </a:fld>
             <a:endParaRPr lang="en-US"/>
           </a:p>
@@ -2856,7 +2856,7 @@
           <a:p>
             <a:fld id="{78C97017-6FC3-485B-9764-EAC9E56C1D49}" type="datetimeFigureOut">
               <a:rPr lang="en-US" smtClean="0"/>
-              <a:t>3/11/2017</a:t>
+              <a:t>4/10/2017</a:t>
             </a:fld>
             <a:endParaRPr lang="en-US"/>
           </a:p>
@@ -3067,7 +3067,7 @@
           <a:p>
             <a:fld id="{78C97017-6FC3-485B-9764-EAC9E56C1D49}" type="datetimeFigureOut">
               <a:rPr lang="en-US" smtClean="0"/>
-              <a:t>3/11/2017</a:t>
+              <a:t>4/10/2017</a:t>
             </a:fld>
             <a:endParaRPr lang="en-US"/>
           </a:p>
@@ -3885,7 +3885,7 @@
         </p:nvSpPr>
         <p:spPr>
           <a:xfrm>
-            <a:off x="2592528" y="3649359"/>
+            <a:off x="4085123" y="3498688"/>
             <a:ext cx="1093635" cy="236841"/>
           </a:xfrm>
           <a:prstGeom prst="rect">
@@ -3925,7 +3925,7 @@
                   </a:schemeClr>
                 </a:solidFill>
               </a:rPr>
-              <a:t>BrowserPanel</a:t>
+              <a:t>DoneList</a:t>
             </a:r>
             <a:endParaRPr lang="en-SG" sz="1050" b="1" dirty="0">
               <a:solidFill>
@@ -4330,15 +4330,16 @@
         <p:nvCxnSpPr>
           <p:cNvPr id="44" name="Elbow Connector 63"/>
           <p:cNvCxnSpPr>
+            <a:cxnSpLocks/>
             <a:stCxn id="39" idx="2"/>
-            <a:endCxn id="34" idx="1"/>
+            <a:endCxn id="42" idx="1"/>
           </p:cNvCxnSpPr>
           <p:nvPr/>
         </p:nvCxnSpPr>
         <p:spPr>
           <a:xfrm rot="16200000" flipH="1">
-            <a:off x="2054450" y="3229701"/>
-            <a:ext cx="899755" cy="176402"/>
+            <a:off x="2050424" y="3233726"/>
+            <a:ext cx="906077" cy="174673"/>
           </a:xfrm>
           <a:prstGeom prst="bentConnector2">
             <a:avLst/>
@@ -4661,8 +4662,8 @@
         </p:nvCxnSpPr>
         <p:spPr>
           <a:xfrm rot="5400000">
-            <a:off x="3867176" y="2104987"/>
-            <a:ext cx="1481780" cy="1843806"/>
+            <a:off x="4688810" y="2775949"/>
+            <a:ext cx="1331109" cy="351211"/>
           </a:xfrm>
           <a:prstGeom prst="bentConnector2">
             <a:avLst/>
@@ -5509,6 +5510,256 @@
           </a:p>
         </p:txBody>
       </p:sp>
+      <p:sp>
+        <p:nvSpPr>
+          <p:cNvPr id="42" name="Rectangle 11"/>
+          <p:cNvSpPr/>
+          <p:nvPr/>
+        </p:nvSpPr>
+        <p:spPr>
+          <a:xfrm>
+            <a:off x="2590799" y="3655681"/>
+            <a:ext cx="1093635" cy="236841"/>
+          </a:xfrm>
+          <a:prstGeom prst="rect">
+            <a:avLst/>
+          </a:prstGeom>
+          <a:ln w="19050">
+            <a:solidFill>
+              <a:schemeClr val="accent3"/>
+            </a:solidFill>
+          </a:ln>
+          <a:effectLst/>
+        </p:spPr>
+        <p:style>
+          <a:lnRef idx="1">
+            <a:schemeClr val="accent3"/>
+          </a:lnRef>
+          <a:fillRef idx="2">
+            <a:schemeClr val="accent3"/>
+          </a:fillRef>
+          <a:effectRef idx="1">
+            <a:schemeClr val="accent3"/>
+          </a:effectRef>
+          <a:fontRef idx="minor">
+            <a:schemeClr val="dk1"/>
+          </a:fontRef>
+        </p:style>
+        <p:txBody>
+          <a:bodyPr rtlCol="0" anchor="ctr"/>
+          <a:lstStyle/>
+          <a:p>
+            <a:pPr algn="ctr"/>
+            <a:r>
+              <a:rPr lang="en-US" sz="1050" b="1" dirty="0" err="1">
+                <a:solidFill>
+                  <a:schemeClr val="accent3">
+                    <a:lumMod val="75000"/>
+                  </a:schemeClr>
+                </a:solidFill>
+              </a:rPr>
+              <a:t>MultiViewPanel</a:t>
+            </a:r>
+            <a:endParaRPr lang="en-SG" sz="1050" b="1" dirty="0">
+              <a:solidFill>
+                <a:schemeClr val="accent3">
+                  <a:lumMod val="75000"/>
+                </a:schemeClr>
+              </a:solidFill>
+            </a:endParaRPr>
+          </a:p>
+        </p:txBody>
+      </p:sp>
+      <p:sp>
+        <p:nvSpPr>
+          <p:cNvPr id="46" name="Rectangle 11"/>
+          <p:cNvSpPr/>
+          <p:nvPr/>
+        </p:nvSpPr>
+        <p:spPr>
+          <a:xfrm>
+            <a:off x="4085123" y="3783261"/>
+            <a:ext cx="1093635" cy="236841"/>
+          </a:xfrm>
+          <a:prstGeom prst="rect">
+            <a:avLst/>
+          </a:prstGeom>
+          <a:ln w="19050">
+            <a:solidFill>
+              <a:schemeClr val="accent3"/>
+            </a:solidFill>
+          </a:ln>
+          <a:effectLst/>
+        </p:spPr>
+        <p:style>
+          <a:lnRef idx="1">
+            <a:schemeClr val="accent3"/>
+          </a:lnRef>
+          <a:fillRef idx="2">
+            <a:schemeClr val="accent3"/>
+          </a:fillRef>
+          <a:effectRef idx="1">
+            <a:schemeClr val="accent3"/>
+          </a:effectRef>
+          <a:fontRef idx="minor">
+            <a:schemeClr val="dk1"/>
+          </a:fontRef>
+        </p:style>
+        <p:txBody>
+          <a:bodyPr rtlCol="0" anchor="ctr"/>
+          <a:lstStyle/>
+          <a:p>
+            <a:pPr algn="ctr"/>
+            <a:r>
+              <a:rPr lang="en-US" sz="1050" b="1">
+                <a:solidFill>
+                  <a:schemeClr val="accent3">
+                    <a:lumMod val="75000"/>
+                  </a:schemeClr>
+                </a:solidFill>
+              </a:rPr>
+              <a:t>CalendarView</a:t>
+            </a:r>
+            <a:endParaRPr lang="en-SG" sz="1050" b="1" dirty="0">
+              <a:solidFill>
+                <a:schemeClr val="accent3">
+                  <a:lumMod val="75000"/>
+                </a:schemeClr>
+              </a:solidFill>
+            </a:endParaRPr>
+          </a:p>
+        </p:txBody>
+      </p:sp>
+      <p:cxnSp>
+        <p:nvCxnSpPr>
+          <p:cNvPr id="48" name="Elbow Connector 63"/>
+          <p:cNvCxnSpPr>
+            <a:cxnSpLocks/>
+            <a:endCxn id="46" idx="3"/>
+          </p:cNvCxnSpPr>
+          <p:nvPr/>
+        </p:nvCxnSpPr>
+        <p:spPr>
+          <a:xfrm rot="10800000" flipV="1">
+            <a:off x="5178759" y="3901452"/>
+            <a:ext cx="367477" cy="230"/>
+          </a:xfrm>
+          <a:prstGeom prst="bentConnector3">
+            <a:avLst>
+              <a:gd name="adj1" fmla="val 50000"/>
+            </a:avLst>
+          </a:prstGeom>
+          <a:ln w="6350">
+            <a:solidFill>
+              <a:schemeClr val="accent3"/>
+            </a:solidFill>
+            <a:headEnd type="none" w="med" len="med"/>
+            <a:tailEnd type="none" w="med" len="med"/>
+          </a:ln>
+          <a:effectLst/>
+        </p:spPr>
+        <p:style>
+          <a:lnRef idx="1">
+            <a:schemeClr val="accent2"/>
+          </a:lnRef>
+          <a:fillRef idx="2">
+            <a:schemeClr val="accent2"/>
+          </a:fillRef>
+          <a:effectRef idx="1">
+            <a:schemeClr val="accent2"/>
+          </a:effectRef>
+          <a:fontRef idx="minor">
+            <a:schemeClr val="dk1"/>
+          </a:fontRef>
+        </p:style>
+      </p:cxnSp>
+      <p:cxnSp>
+        <p:nvCxnSpPr>
+          <p:cNvPr id="51" name="Elbow Connector 63"/>
+          <p:cNvCxnSpPr>
+            <a:cxnSpLocks/>
+            <a:stCxn id="34" idx="1"/>
+          </p:cNvCxnSpPr>
+          <p:nvPr/>
+        </p:nvCxnSpPr>
+        <p:spPr>
+          <a:xfrm rot="10800000" flipV="1">
+            <a:off x="3684435" y="3617109"/>
+            <a:ext cx="400688" cy="168840"/>
+          </a:xfrm>
+          <a:prstGeom prst="bentConnector3">
+            <a:avLst>
+              <a:gd name="adj1" fmla="val 50000"/>
+            </a:avLst>
+          </a:prstGeom>
+          <a:ln w="6350">
+            <a:solidFill>
+              <a:schemeClr val="accent3"/>
+            </a:solidFill>
+            <a:headEnd type="none" w="med" len="med"/>
+            <a:tailEnd type="none" w="med" len="med"/>
+          </a:ln>
+          <a:effectLst/>
+        </p:spPr>
+        <p:style>
+          <a:lnRef idx="1">
+            <a:schemeClr val="accent2"/>
+          </a:lnRef>
+          <a:fillRef idx="2">
+            <a:schemeClr val="accent2"/>
+          </a:fillRef>
+          <a:effectRef idx="1">
+            <a:schemeClr val="accent2"/>
+          </a:effectRef>
+          <a:fontRef idx="minor">
+            <a:schemeClr val="dk1"/>
+          </a:fontRef>
+        </p:style>
+      </p:cxnSp>
+      <p:cxnSp>
+        <p:nvCxnSpPr>
+          <p:cNvPr id="54" name="Elbow Connector 63"/>
+          <p:cNvCxnSpPr>
+            <a:cxnSpLocks/>
+            <a:stCxn id="46" idx="1"/>
+            <a:endCxn id="42" idx="3"/>
+          </p:cNvCxnSpPr>
+          <p:nvPr/>
+        </p:nvCxnSpPr>
+        <p:spPr>
+          <a:xfrm rot="10800000">
+            <a:off x="3684435" y="3774102"/>
+            <a:ext cx="400689" cy="127580"/>
+          </a:xfrm>
+          <a:prstGeom prst="bentConnector3">
+            <a:avLst>
+              <a:gd name="adj1" fmla="val 50000"/>
+            </a:avLst>
+          </a:prstGeom>
+          <a:ln w="6350">
+            <a:solidFill>
+              <a:schemeClr val="accent3"/>
+            </a:solidFill>
+            <a:headEnd type="none" w="med" len="med"/>
+            <a:tailEnd type="none" w="med" len="med"/>
+          </a:ln>
+          <a:effectLst/>
+        </p:spPr>
+        <p:style>
+          <a:lnRef idx="1">
+            <a:schemeClr val="accent2"/>
+          </a:lnRef>
+          <a:fillRef idx="2">
+            <a:schemeClr val="accent2"/>
+          </a:fillRef>
+          <a:effectRef idx="1">
+            <a:schemeClr val="accent2"/>
+          </a:effectRef>
+          <a:fontRef idx="minor">
+            <a:schemeClr val="dk1"/>
+          </a:fontRef>
+        </p:style>
+      </p:cxnSp>
     </p:spTree>
     <p:extLst>
       <p:ext uri="{BB962C8B-B14F-4D97-AF65-F5344CB8AC3E}">
